--- a/RE_SIMU_ON_WSL.pptx
+++ b/RE_SIMU_ON_WSL.pptx
@@ -10,6 +10,7 @@
     <p:sldId id="258" r:id="rId4"/>
     <p:sldId id="260" r:id="rId5"/>
     <p:sldId id="261" r:id="rId6"/>
+    <p:sldId id="262" r:id="rId7"/>
   </p:sldIdLst>
   <p:sldSz cx="12192000" cy="6858000"/>
   <p:notesSz cx="6858000" cy="9144000"/>
@@ -138,6 +139,11 @@
       </a:defRPr>
     </a:lvl9pPr>
   </p:defaultTextStyle>
+  <p:extLst>
+    <p:ext uri="{EFAFB233-063F-42B5-8137-9DF3F51BA10A}">
+      <p15:sldGuideLst xmlns:p15="http://schemas.microsoft.com/office/powerpoint/2012/main"/>
+    </p:ext>
+  </p:extLst>
 </p:presentation>
 </file>
 
@@ -2220,7 +2226,7 @@
           <a:p>
             <a:fld id="{EFCA2F27-532F-4E2E-86E8-C011D6D4D29E}" type="datetimeFigureOut">
               <a:rPr kumimoji="1" lang="ja-JP" altLang="en-US" smtClean="0"/>
-              <a:t>2019/3/9</a:t>
+              <a:t>2019/3/17</a:t>
             </a:fld>
             <a:endParaRPr kumimoji="1" lang="ja-JP" altLang="en-US"/>
           </a:p>
@@ -2518,7 +2524,7 @@
           <a:p>
             <a:fld id="{EFCA2F27-532F-4E2E-86E8-C011D6D4D29E}" type="datetimeFigureOut">
               <a:rPr kumimoji="1" lang="ja-JP" altLang="en-US" smtClean="0"/>
-              <a:t>2019/3/9</a:t>
+              <a:t>2019/3/17</a:t>
             </a:fld>
             <a:endParaRPr kumimoji="1" lang="ja-JP" altLang="en-US"/>
           </a:p>
@@ -2764,7 +2770,7 @@
           <a:p>
             <a:fld id="{EFCA2F27-532F-4E2E-86E8-C011D6D4D29E}" type="datetimeFigureOut">
               <a:rPr kumimoji="1" lang="ja-JP" altLang="en-US" smtClean="0"/>
-              <a:t>2019/3/9</a:t>
+              <a:t>2019/3/17</a:t>
             </a:fld>
             <a:endParaRPr kumimoji="1" lang="ja-JP" altLang="en-US"/>
           </a:p>
@@ -3000,7 +3006,7 @@
           <a:p>
             <a:fld id="{EFCA2F27-532F-4E2E-86E8-C011D6D4D29E}" type="datetimeFigureOut">
               <a:rPr kumimoji="1" lang="ja-JP" altLang="en-US" smtClean="0"/>
-              <a:t>2019/3/9</a:t>
+              <a:t>2019/3/17</a:t>
             </a:fld>
             <a:endParaRPr kumimoji="1" lang="ja-JP" altLang="en-US"/>
           </a:p>
@@ -3227,7 +3233,7 @@
           <a:p>
             <a:fld id="{EFCA2F27-532F-4E2E-86E8-C011D6D4D29E}" type="datetimeFigureOut">
               <a:rPr kumimoji="1" lang="ja-JP" altLang="en-US" smtClean="0"/>
-              <a:t>2019/3/9</a:t>
+              <a:t>2019/3/17</a:t>
             </a:fld>
             <a:endParaRPr kumimoji="1" lang="ja-JP" altLang="en-US"/>
           </a:p>
@@ -3612,7 +3618,7 @@
           <a:p>
             <a:fld id="{EFCA2F27-532F-4E2E-86E8-C011D6D4D29E}" type="datetimeFigureOut">
               <a:rPr kumimoji="1" lang="ja-JP" altLang="en-US" smtClean="0"/>
-              <a:t>2019/3/9</a:t>
+              <a:t>2019/3/17</a:t>
             </a:fld>
             <a:endParaRPr kumimoji="1" lang="ja-JP" altLang="en-US"/>
           </a:p>
@@ -4136,7 +4142,7 @@
           <a:p>
             <a:fld id="{EFCA2F27-532F-4E2E-86E8-C011D6D4D29E}" type="datetimeFigureOut">
               <a:rPr kumimoji="1" lang="ja-JP" altLang="en-US" smtClean="0"/>
-              <a:t>2019/3/9</a:t>
+              <a:t>2019/3/17</a:t>
             </a:fld>
             <a:endParaRPr kumimoji="1" lang="ja-JP" altLang="en-US"/>
           </a:p>
@@ -4289,7 +4295,7 @@
           <a:p>
             <a:fld id="{EFCA2F27-532F-4E2E-86E8-C011D6D4D29E}" type="datetimeFigureOut">
               <a:rPr kumimoji="1" lang="ja-JP" altLang="en-US" smtClean="0"/>
-              <a:t>2019/3/9</a:t>
+              <a:t>2019/3/17</a:t>
             </a:fld>
             <a:endParaRPr kumimoji="1" lang="ja-JP" altLang="en-US"/>
           </a:p>
@@ -4420,7 +4426,7 @@
           <a:p>
             <a:fld id="{EFCA2F27-532F-4E2E-86E8-C011D6D4D29E}" type="datetimeFigureOut">
               <a:rPr kumimoji="1" lang="ja-JP" altLang="en-US" smtClean="0"/>
-              <a:t>2019/3/9</a:t>
+              <a:t>2019/3/17</a:t>
             </a:fld>
             <a:endParaRPr kumimoji="1" lang="ja-JP" altLang="en-US"/>
           </a:p>
@@ -4763,7 +4769,7 @@
           <a:p>
             <a:fld id="{EFCA2F27-532F-4E2E-86E8-C011D6D4D29E}" type="datetimeFigureOut">
               <a:rPr kumimoji="1" lang="ja-JP" altLang="en-US" smtClean="0"/>
-              <a:t>2019/3/9</a:t>
+              <a:t>2019/3/17</a:t>
             </a:fld>
             <a:endParaRPr kumimoji="1" lang="ja-JP" altLang="en-US"/>
           </a:p>
@@ -5055,7 +5061,7 @@
           <a:p>
             <a:fld id="{EFCA2F27-532F-4E2E-86E8-C011D6D4D29E}" type="datetimeFigureOut">
               <a:rPr kumimoji="1" lang="ja-JP" altLang="en-US" smtClean="0"/>
-              <a:t>2019/3/9</a:t>
+              <a:t>2019/3/17</a:t>
             </a:fld>
             <a:endParaRPr kumimoji="1" lang="ja-JP" altLang="en-US"/>
           </a:p>
@@ -7034,7 +7040,7 @@
           <a:p>
             <a:fld id="{EFCA2F27-532F-4E2E-86E8-C011D6D4D29E}" type="datetimeFigureOut">
               <a:rPr kumimoji="1" lang="ja-JP" altLang="en-US" smtClean="0"/>
-              <a:t>2019/3/9</a:t>
+              <a:t>2019/3/17</a:t>
             </a:fld>
             <a:endParaRPr kumimoji="1" lang="ja-JP" altLang="en-US"/>
           </a:p>
@@ -8556,6 +8562,262 @@
   <p:clrMapOvr>
     <a:overrideClrMapping bg1="lt1" tx1="dk1" bg2="lt2" tx2="dk2" accent1="accent1" accent2="accent2" accent3="accent3" accent4="accent4" accent5="accent5" accent6="accent6" hlink="hlink" folHlink="folHlink"/>
   </p:clrMapOvr>
+  <p:timing>
+    <p:tnLst>
+      <p:par>
+        <p:cTn id="1" dur="indefinite" restart="never" nodeType="tmRoot">
+          <p:childTnLst>
+            <p:seq concurrent="1" nextAc="seek">
+              <p:cTn id="2" dur="indefinite" nodeType="mainSeq">
+                <p:childTnLst>
+                  <p:par>
+                    <p:cTn id="3" fill="hold">
+                      <p:stCondLst>
+                        <p:cond delay="indefinite"/>
+                      </p:stCondLst>
+                      <p:childTnLst>
+                        <p:par>
+                          <p:cTn id="4" fill="hold">
+                            <p:stCondLst>
+                              <p:cond delay="0"/>
+                            </p:stCondLst>
+                            <p:childTnLst>
+                              <p:par>
+                                <p:cTn id="5" presetID="22" presetClass="entr" presetSubtype="1" fill="hold" nodeType="clickEffect">
+                                  <p:stCondLst>
+                                    <p:cond delay="0"/>
+                                  </p:stCondLst>
+                                  <p:childTnLst>
+                                    <p:set>
+                                      <p:cBhvr>
+                                        <p:cTn id="6" dur="1" fill="hold">
+                                          <p:stCondLst>
+                                            <p:cond delay="0"/>
+                                          </p:stCondLst>
+                                        </p:cTn>
+                                        <p:tgtEl>
+                                          <p:spTgt spid="5"/>
+                                        </p:tgtEl>
+                                        <p:attrNameLst>
+                                          <p:attrName>style.visibility</p:attrName>
+                                        </p:attrNameLst>
+                                      </p:cBhvr>
+                                      <p:to>
+                                        <p:strVal val="visible"/>
+                                      </p:to>
+                                    </p:set>
+                                    <p:animEffect transition="in" filter="wipe(up)">
+                                      <p:cBhvr>
+                                        <p:cTn id="7" dur="500"/>
+                                        <p:tgtEl>
+                                          <p:spTgt spid="5"/>
+                                        </p:tgtEl>
+                                      </p:cBhvr>
+                                    </p:animEffect>
+                                  </p:childTnLst>
+                                </p:cTn>
+                              </p:par>
+                            </p:childTnLst>
+                          </p:cTn>
+                        </p:par>
+                        <p:par>
+                          <p:cTn id="8" fill="hold">
+                            <p:stCondLst>
+                              <p:cond delay="500"/>
+                            </p:stCondLst>
+                            <p:childTnLst>
+                              <p:par>
+                                <p:cTn id="9" presetID="1" presetClass="entr" presetSubtype="0" fill="hold" grpId="0" nodeType="afterEffect">
+                                  <p:stCondLst>
+                                    <p:cond delay="0"/>
+                                  </p:stCondLst>
+                                  <p:childTnLst>
+                                    <p:set>
+                                      <p:cBhvr>
+                                        <p:cTn id="10" dur="1" fill="hold">
+                                          <p:stCondLst>
+                                            <p:cond delay="0"/>
+                                          </p:stCondLst>
+                                        </p:cTn>
+                                        <p:tgtEl>
+                                          <p:spTgt spid="8"/>
+                                        </p:tgtEl>
+                                        <p:attrNameLst>
+                                          <p:attrName>style.visibility</p:attrName>
+                                        </p:attrNameLst>
+                                      </p:cBhvr>
+                                      <p:to>
+                                        <p:strVal val="visible"/>
+                                      </p:to>
+                                    </p:set>
+                                  </p:childTnLst>
+                                </p:cTn>
+                              </p:par>
+                            </p:childTnLst>
+                          </p:cTn>
+                        </p:par>
+                      </p:childTnLst>
+                    </p:cTn>
+                  </p:par>
+                  <p:par>
+                    <p:cTn id="11" fill="hold">
+                      <p:stCondLst>
+                        <p:cond delay="indefinite"/>
+                      </p:stCondLst>
+                      <p:childTnLst>
+                        <p:par>
+                          <p:cTn id="12" fill="hold">
+                            <p:stCondLst>
+                              <p:cond delay="0"/>
+                            </p:stCondLst>
+                            <p:childTnLst>
+                              <p:par>
+                                <p:cTn id="13" presetID="22" presetClass="entr" presetSubtype="1" fill="hold" nodeType="clickEffect">
+                                  <p:stCondLst>
+                                    <p:cond delay="0"/>
+                                  </p:stCondLst>
+                                  <p:childTnLst>
+                                    <p:set>
+                                      <p:cBhvr>
+                                        <p:cTn id="14" dur="1" fill="hold">
+                                          <p:stCondLst>
+                                            <p:cond delay="0"/>
+                                          </p:stCondLst>
+                                        </p:cTn>
+                                        <p:tgtEl>
+                                          <p:spTgt spid="7"/>
+                                        </p:tgtEl>
+                                        <p:attrNameLst>
+                                          <p:attrName>style.visibility</p:attrName>
+                                        </p:attrNameLst>
+                                      </p:cBhvr>
+                                      <p:to>
+                                        <p:strVal val="visible"/>
+                                      </p:to>
+                                    </p:set>
+                                    <p:animEffect transition="in" filter="wipe(up)">
+                                      <p:cBhvr>
+                                        <p:cTn id="15" dur="500"/>
+                                        <p:tgtEl>
+                                          <p:spTgt spid="7"/>
+                                        </p:tgtEl>
+                                      </p:cBhvr>
+                                    </p:animEffect>
+                                  </p:childTnLst>
+                                </p:cTn>
+                              </p:par>
+                            </p:childTnLst>
+                          </p:cTn>
+                        </p:par>
+                        <p:par>
+                          <p:cTn id="16" fill="hold">
+                            <p:stCondLst>
+                              <p:cond delay="500"/>
+                            </p:stCondLst>
+                            <p:childTnLst>
+                              <p:par>
+                                <p:cTn id="17" presetID="22" presetClass="entr" presetSubtype="8" fill="hold" nodeType="afterEffect">
+                                  <p:stCondLst>
+                                    <p:cond delay="0"/>
+                                  </p:stCondLst>
+                                  <p:childTnLst>
+                                    <p:set>
+                                      <p:cBhvr>
+                                        <p:cTn id="18" dur="1" fill="hold">
+                                          <p:stCondLst>
+                                            <p:cond delay="0"/>
+                                          </p:stCondLst>
+                                        </p:cTn>
+                                        <p:tgtEl>
+                                          <p:spTgt spid="11"/>
+                                        </p:tgtEl>
+                                        <p:attrNameLst>
+                                          <p:attrName>style.visibility</p:attrName>
+                                        </p:attrNameLst>
+                                      </p:cBhvr>
+                                      <p:to>
+                                        <p:strVal val="visible"/>
+                                      </p:to>
+                                    </p:set>
+                                    <p:animEffect transition="in" filter="wipe(left)">
+                                      <p:cBhvr>
+                                        <p:cTn id="19" dur="500"/>
+                                        <p:tgtEl>
+                                          <p:spTgt spid="11"/>
+                                        </p:tgtEl>
+                                      </p:cBhvr>
+                                    </p:animEffect>
+                                  </p:childTnLst>
+                                </p:cTn>
+                              </p:par>
+                            </p:childTnLst>
+                          </p:cTn>
+                        </p:par>
+                        <p:par>
+                          <p:cTn id="20" fill="hold">
+                            <p:stCondLst>
+                              <p:cond delay="1000"/>
+                            </p:stCondLst>
+                            <p:childTnLst>
+                              <p:par>
+                                <p:cTn id="21" presetID="1" presetClass="entr" presetSubtype="0" fill="hold" grpId="0" nodeType="afterEffect">
+                                  <p:stCondLst>
+                                    <p:cond delay="0"/>
+                                  </p:stCondLst>
+                                  <p:childTnLst>
+                                    <p:set>
+                                      <p:cBhvr>
+                                        <p:cTn id="22" dur="1" fill="hold">
+                                          <p:stCondLst>
+                                            <p:cond delay="0"/>
+                                          </p:stCondLst>
+                                        </p:cTn>
+                                        <p:tgtEl>
+                                          <p:spTgt spid="9"/>
+                                        </p:tgtEl>
+                                        <p:attrNameLst>
+                                          <p:attrName>style.visibility</p:attrName>
+                                        </p:attrNameLst>
+                                      </p:cBhvr>
+                                      <p:to>
+                                        <p:strVal val="visible"/>
+                                      </p:to>
+                                    </p:set>
+                                  </p:childTnLst>
+                                </p:cTn>
+                              </p:par>
+                            </p:childTnLst>
+                          </p:cTn>
+                        </p:par>
+                      </p:childTnLst>
+                    </p:cTn>
+                  </p:par>
+                </p:childTnLst>
+              </p:cTn>
+              <p:prevCondLst>
+                <p:cond evt="onPrev" delay="0">
+                  <p:tgtEl>
+                    <p:sldTgt/>
+                  </p:tgtEl>
+                </p:cond>
+              </p:prevCondLst>
+              <p:nextCondLst>
+                <p:cond evt="onNext" delay="0">
+                  <p:tgtEl>
+                    <p:sldTgt/>
+                  </p:tgtEl>
+                </p:cond>
+              </p:nextCondLst>
+            </p:seq>
+          </p:childTnLst>
+        </p:cTn>
+      </p:par>
+    </p:tnLst>
+    <p:bldLst>
+      <p:bldP spid="8" grpId="0" animBg="1"/>
+      <p:bldP spid="9" grpId="0" animBg="1"/>
+    </p:bldLst>
+  </p:timing>
 </p:sld>
 </file>
 
@@ -9115,6 +9377,476 @@
   </p:cSld>
   <p:clrMapOvr>
     <a:overrideClrMapping bg1="lt1" tx1="dk1" bg2="lt2" tx2="dk2" accent1="accent1" accent2="accent2" accent3="accent3" accent4="accent4" accent5="accent5" accent6="accent6" hlink="hlink" folHlink="folHlink"/>
+  </p:clrMapOvr>
+  <p:timing>
+    <p:tnLst>
+      <p:par>
+        <p:cTn id="1" dur="indefinite" restart="never" nodeType="tmRoot">
+          <p:childTnLst>
+            <p:seq concurrent="1" nextAc="seek">
+              <p:cTn id="2" dur="indefinite" nodeType="mainSeq">
+                <p:childTnLst>
+                  <p:par>
+                    <p:cTn id="3" fill="hold">
+                      <p:stCondLst>
+                        <p:cond delay="indefinite"/>
+                      </p:stCondLst>
+                      <p:childTnLst>
+                        <p:par>
+                          <p:cTn id="4" fill="hold">
+                            <p:stCondLst>
+                              <p:cond delay="0"/>
+                            </p:stCondLst>
+                            <p:childTnLst>
+                              <p:par>
+                                <p:cTn id="5" presetID="22" presetClass="entr" presetSubtype="1" fill="hold" nodeType="clickEffect">
+                                  <p:stCondLst>
+                                    <p:cond delay="0"/>
+                                  </p:stCondLst>
+                                  <p:childTnLst>
+                                    <p:set>
+                                      <p:cBhvr>
+                                        <p:cTn id="6" dur="1" fill="hold">
+                                          <p:stCondLst>
+                                            <p:cond delay="0"/>
+                                          </p:stCondLst>
+                                        </p:cTn>
+                                        <p:tgtEl>
+                                          <p:spTgt spid="6"/>
+                                        </p:tgtEl>
+                                        <p:attrNameLst>
+                                          <p:attrName>style.visibility</p:attrName>
+                                        </p:attrNameLst>
+                                      </p:cBhvr>
+                                      <p:to>
+                                        <p:strVal val="visible"/>
+                                      </p:to>
+                                    </p:set>
+                                    <p:animEffect transition="in" filter="wipe(up)">
+                                      <p:cBhvr>
+                                        <p:cTn id="7" dur="500"/>
+                                        <p:tgtEl>
+                                          <p:spTgt spid="6"/>
+                                        </p:tgtEl>
+                                      </p:cBhvr>
+                                    </p:animEffect>
+                                  </p:childTnLst>
+                                </p:cTn>
+                              </p:par>
+                            </p:childTnLst>
+                          </p:cTn>
+                        </p:par>
+                        <p:par>
+                          <p:cTn id="8" fill="hold">
+                            <p:stCondLst>
+                              <p:cond delay="500"/>
+                            </p:stCondLst>
+                            <p:childTnLst>
+                              <p:par>
+                                <p:cTn id="9" presetID="1" presetClass="entr" presetSubtype="0" fill="hold" grpId="0" nodeType="afterEffect">
+                                  <p:stCondLst>
+                                    <p:cond delay="0"/>
+                                  </p:stCondLst>
+                                  <p:childTnLst>
+                                    <p:set>
+                                      <p:cBhvr>
+                                        <p:cTn id="10" dur="1" fill="hold">
+                                          <p:stCondLst>
+                                            <p:cond delay="0"/>
+                                          </p:stCondLst>
+                                        </p:cTn>
+                                        <p:tgtEl>
+                                          <p:spTgt spid="8"/>
+                                        </p:tgtEl>
+                                        <p:attrNameLst>
+                                          <p:attrName>style.visibility</p:attrName>
+                                        </p:attrNameLst>
+                                      </p:cBhvr>
+                                      <p:to>
+                                        <p:strVal val="visible"/>
+                                      </p:to>
+                                    </p:set>
+                                  </p:childTnLst>
+                                </p:cTn>
+                              </p:par>
+                            </p:childTnLst>
+                          </p:cTn>
+                        </p:par>
+                      </p:childTnLst>
+                    </p:cTn>
+                  </p:par>
+                  <p:par>
+                    <p:cTn id="11" fill="hold">
+                      <p:stCondLst>
+                        <p:cond delay="indefinite"/>
+                      </p:stCondLst>
+                      <p:childTnLst>
+                        <p:par>
+                          <p:cTn id="12" fill="hold">
+                            <p:stCondLst>
+                              <p:cond delay="0"/>
+                            </p:stCondLst>
+                            <p:childTnLst>
+                              <p:par>
+                                <p:cTn id="13" presetID="22" presetClass="entr" presetSubtype="1" fill="hold" nodeType="clickEffect">
+                                  <p:stCondLst>
+                                    <p:cond delay="0"/>
+                                  </p:stCondLst>
+                                  <p:childTnLst>
+                                    <p:set>
+                                      <p:cBhvr>
+                                        <p:cTn id="14" dur="1" fill="hold">
+                                          <p:stCondLst>
+                                            <p:cond delay="0"/>
+                                          </p:stCondLst>
+                                        </p:cTn>
+                                        <p:tgtEl>
+                                          <p:spTgt spid="15"/>
+                                        </p:tgtEl>
+                                        <p:attrNameLst>
+                                          <p:attrName>style.visibility</p:attrName>
+                                        </p:attrNameLst>
+                                      </p:cBhvr>
+                                      <p:to>
+                                        <p:strVal val="visible"/>
+                                      </p:to>
+                                    </p:set>
+                                    <p:animEffect transition="in" filter="wipe(up)">
+                                      <p:cBhvr>
+                                        <p:cTn id="15" dur="500"/>
+                                        <p:tgtEl>
+                                          <p:spTgt spid="15"/>
+                                        </p:tgtEl>
+                                      </p:cBhvr>
+                                    </p:animEffect>
+                                  </p:childTnLst>
+                                </p:cTn>
+                              </p:par>
+                            </p:childTnLst>
+                          </p:cTn>
+                        </p:par>
+                        <p:par>
+                          <p:cTn id="16" fill="hold">
+                            <p:stCondLst>
+                              <p:cond delay="500"/>
+                            </p:stCondLst>
+                            <p:childTnLst>
+                              <p:par>
+                                <p:cTn id="17" presetID="22" presetClass="entr" presetSubtype="8" fill="hold" nodeType="afterEffect">
+                                  <p:stCondLst>
+                                    <p:cond delay="0"/>
+                                  </p:stCondLst>
+                                  <p:childTnLst>
+                                    <p:set>
+                                      <p:cBhvr>
+                                        <p:cTn id="18" dur="1" fill="hold">
+                                          <p:stCondLst>
+                                            <p:cond delay="0"/>
+                                          </p:stCondLst>
+                                        </p:cTn>
+                                        <p:tgtEl>
+                                          <p:spTgt spid="11"/>
+                                        </p:tgtEl>
+                                        <p:attrNameLst>
+                                          <p:attrName>style.visibility</p:attrName>
+                                        </p:attrNameLst>
+                                      </p:cBhvr>
+                                      <p:to>
+                                        <p:strVal val="visible"/>
+                                      </p:to>
+                                    </p:set>
+                                    <p:animEffect transition="in" filter="wipe(left)">
+                                      <p:cBhvr>
+                                        <p:cTn id="19" dur="500"/>
+                                        <p:tgtEl>
+                                          <p:spTgt spid="11"/>
+                                        </p:tgtEl>
+                                      </p:cBhvr>
+                                    </p:animEffect>
+                                  </p:childTnLst>
+                                </p:cTn>
+                              </p:par>
+                            </p:childTnLst>
+                          </p:cTn>
+                        </p:par>
+                        <p:par>
+                          <p:cTn id="20" fill="hold">
+                            <p:stCondLst>
+                              <p:cond delay="1000"/>
+                            </p:stCondLst>
+                            <p:childTnLst>
+                              <p:par>
+                                <p:cTn id="21" presetID="1" presetClass="entr" presetSubtype="0" fill="hold" grpId="0" nodeType="afterEffect">
+                                  <p:stCondLst>
+                                    <p:cond delay="0"/>
+                                  </p:stCondLst>
+                                  <p:childTnLst>
+                                    <p:set>
+                                      <p:cBhvr>
+                                        <p:cTn id="22" dur="1" fill="hold">
+                                          <p:stCondLst>
+                                            <p:cond delay="0"/>
+                                          </p:stCondLst>
+                                        </p:cTn>
+                                        <p:tgtEl>
+                                          <p:spTgt spid="9"/>
+                                        </p:tgtEl>
+                                        <p:attrNameLst>
+                                          <p:attrName>style.visibility</p:attrName>
+                                        </p:attrNameLst>
+                                      </p:cBhvr>
+                                      <p:to>
+                                        <p:strVal val="visible"/>
+                                      </p:to>
+                                    </p:set>
+                                  </p:childTnLst>
+                                </p:cTn>
+                              </p:par>
+                            </p:childTnLst>
+                          </p:cTn>
+                        </p:par>
+                      </p:childTnLst>
+                    </p:cTn>
+                  </p:par>
+                  <p:par>
+                    <p:cTn id="23" fill="hold">
+                      <p:stCondLst>
+                        <p:cond delay="indefinite"/>
+                      </p:stCondLst>
+                      <p:childTnLst>
+                        <p:par>
+                          <p:cTn id="24" fill="hold">
+                            <p:stCondLst>
+                              <p:cond delay="0"/>
+                            </p:stCondLst>
+                            <p:childTnLst>
+                              <p:par>
+                                <p:cTn id="25" presetID="22" presetClass="entr" presetSubtype="1" fill="hold" nodeType="clickEffect">
+                                  <p:stCondLst>
+                                    <p:cond delay="0"/>
+                                  </p:stCondLst>
+                                  <p:childTnLst>
+                                    <p:set>
+                                      <p:cBhvr>
+                                        <p:cTn id="26" dur="1" fill="hold">
+                                          <p:stCondLst>
+                                            <p:cond delay="0"/>
+                                          </p:stCondLst>
+                                        </p:cTn>
+                                        <p:tgtEl>
+                                          <p:spTgt spid="19"/>
+                                        </p:tgtEl>
+                                        <p:attrNameLst>
+                                          <p:attrName>style.visibility</p:attrName>
+                                        </p:attrNameLst>
+                                      </p:cBhvr>
+                                      <p:to>
+                                        <p:strVal val="visible"/>
+                                      </p:to>
+                                    </p:set>
+                                    <p:animEffect transition="in" filter="wipe(up)">
+                                      <p:cBhvr>
+                                        <p:cTn id="27" dur="500"/>
+                                        <p:tgtEl>
+                                          <p:spTgt spid="19"/>
+                                        </p:tgtEl>
+                                      </p:cBhvr>
+                                    </p:animEffect>
+                                  </p:childTnLst>
+                                </p:cTn>
+                              </p:par>
+                            </p:childTnLst>
+                          </p:cTn>
+                        </p:par>
+                        <p:par>
+                          <p:cTn id="28" fill="hold">
+                            <p:stCondLst>
+                              <p:cond delay="500"/>
+                            </p:stCondLst>
+                            <p:childTnLst>
+                              <p:par>
+                                <p:cTn id="29" presetID="22" presetClass="entr" presetSubtype="8" fill="hold" nodeType="afterEffect">
+                                  <p:stCondLst>
+                                    <p:cond delay="0"/>
+                                  </p:stCondLst>
+                                  <p:childTnLst>
+                                    <p:set>
+                                      <p:cBhvr>
+                                        <p:cTn id="30" dur="1" fill="hold">
+                                          <p:stCondLst>
+                                            <p:cond delay="0"/>
+                                          </p:stCondLst>
+                                        </p:cTn>
+                                        <p:tgtEl>
+                                          <p:spTgt spid="21"/>
+                                        </p:tgtEl>
+                                        <p:attrNameLst>
+                                          <p:attrName>style.visibility</p:attrName>
+                                        </p:attrNameLst>
+                                      </p:cBhvr>
+                                      <p:to>
+                                        <p:strVal val="visible"/>
+                                      </p:to>
+                                    </p:set>
+                                    <p:animEffect transition="in" filter="wipe(left)">
+                                      <p:cBhvr>
+                                        <p:cTn id="31" dur="500"/>
+                                        <p:tgtEl>
+                                          <p:spTgt spid="21"/>
+                                        </p:tgtEl>
+                                      </p:cBhvr>
+                                    </p:animEffect>
+                                  </p:childTnLst>
+                                </p:cTn>
+                              </p:par>
+                            </p:childTnLst>
+                          </p:cTn>
+                        </p:par>
+                        <p:par>
+                          <p:cTn id="32" fill="hold">
+                            <p:stCondLst>
+                              <p:cond delay="1000"/>
+                            </p:stCondLst>
+                            <p:childTnLst>
+                              <p:par>
+                                <p:cTn id="33" presetID="1" presetClass="entr" presetSubtype="0" fill="hold" grpId="0" nodeType="afterEffect">
+                                  <p:stCondLst>
+                                    <p:cond delay="0"/>
+                                  </p:stCondLst>
+                                  <p:childTnLst>
+                                    <p:set>
+                                      <p:cBhvr>
+                                        <p:cTn id="34" dur="1" fill="hold">
+                                          <p:stCondLst>
+                                            <p:cond delay="0"/>
+                                          </p:stCondLst>
+                                        </p:cTn>
+                                        <p:tgtEl>
+                                          <p:spTgt spid="20"/>
+                                        </p:tgtEl>
+                                        <p:attrNameLst>
+                                          <p:attrName>style.visibility</p:attrName>
+                                        </p:attrNameLst>
+                                      </p:cBhvr>
+                                      <p:to>
+                                        <p:strVal val="visible"/>
+                                      </p:to>
+                                    </p:set>
+                                  </p:childTnLst>
+                                </p:cTn>
+                              </p:par>
+                            </p:childTnLst>
+                          </p:cTn>
+                        </p:par>
+                      </p:childTnLst>
+                    </p:cTn>
+                  </p:par>
+                </p:childTnLst>
+              </p:cTn>
+              <p:prevCondLst>
+                <p:cond evt="onPrev" delay="0">
+                  <p:tgtEl>
+                    <p:sldTgt/>
+                  </p:tgtEl>
+                </p:cond>
+              </p:prevCondLst>
+              <p:nextCondLst>
+                <p:cond evt="onNext" delay="0">
+                  <p:tgtEl>
+                    <p:sldTgt/>
+                  </p:tgtEl>
+                </p:cond>
+              </p:nextCondLst>
+            </p:seq>
+          </p:childTnLst>
+        </p:cTn>
+      </p:par>
+    </p:tnLst>
+    <p:bldLst>
+      <p:bldP spid="8" grpId="0" animBg="1"/>
+      <p:bldP spid="9" grpId="0" animBg="1"/>
+      <p:bldP spid="20" grpId="0" animBg="1"/>
+    </p:bldLst>
+  </p:timing>
+</p:sld>
+</file>
+
+<file path=ppt/slides/slide6.xml><?xml version="1.0" encoding="utf-8"?>
+<p:sld xmlns:a="http://schemas.openxmlformats.org/drawingml/2006/main" xmlns:r="http://schemas.openxmlformats.org/officeDocument/2006/relationships" xmlns:p="http://schemas.openxmlformats.org/presentationml/2006/main">
+  <p:cSld>
+    <p:spTree>
+      <p:nvGrpSpPr>
+        <p:cNvPr id="1" name=""/>
+        <p:cNvGrpSpPr/>
+        <p:nvPr/>
+      </p:nvGrpSpPr>
+      <p:grpSpPr>
+        <a:xfrm>
+          <a:off x="0" y="0"/>
+          <a:ext cx="0" cy="0"/>
+          <a:chOff x="0" y="0"/>
+          <a:chExt cx="0" cy="0"/>
+        </a:xfrm>
+      </p:grpSpPr>
+      <p:sp>
+        <p:nvSpPr>
+          <p:cNvPr id="2" name="タイトル 1">
+            <a:extLst>
+              <a:ext uri="{FF2B5EF4-FFF2-40B4-BE49-F238E27FC236}">
+                <a16:creationId xmlns:a16="http://schemas.microsoft.com/office/drawing/2014/main" id="{A3CA44FB-64E1-44F3-9DA9-ACF94A1E277A}"/>
+              </a:ext>
+            </a:extLst>
+          </p:cNvPr>
+          <p:cNvSpPr>
+            <a:spLocks noGrp="1"/>
+          </p:cNvSpPr>
+          <p:nvPr>
+            <p:ph type="title"/>
+          </p:nvPr>
+        </p:nvSpPr>
+        <p:spPr/>
+        <p:txBody>
+          <a:bodyPr/>
+          <a:lstStyle/>
+          <a:p>
+            <a:endParaRPr kumimoji="1" lang="ja-JP" altLang="en-US"/>
+          </a:p>
+        </p:txBody>
+      </p:sp>
+      <p:sp>
+        <p:nvSpPr>
+          <p:cNvPr id="3" name="コンテンツ プレースホルダー 2">
+            <a:extLst>
+              <a:ext uri="{FF2B5EF4-FFF2-40B4-BE49-F238E27FC236}">
+                <a16:creationId xmlns:a16="http://schemas.microsoft.com/office/drawing/2014/main" id="{C044A338-8D2B-45EC-BE8C-FFE21B5C386E}"/>
+              </a:ext>
+            </a:extLst>
+          </p:cNvPr>
+          <p:cNvSpPr>
+            <a:spLocks noGrp="1"/>
+          </p:cNvSpPr>
+          <p:nvPr>
+            <p:ph idx="1"/>
+          </p:nvPr>
+        </p:nvSpPr>
+        <p:spPr/>
+        <p:txBody>
+          <a:bodyPr/>
+          <a:lstStyle/>
+          <a:p>
+            <a:endParaRPr kumimoji="1" lang="ja-JP" altLang="en-US"/>
+          </a:p>
+        </p:txBody>
+      </p:sp>
+    </p:spTree>
+    <p:extLst>
+      <p:ext uri="{BB962C8B-B14F-4D97-AF65-F5344CB8AC3E}">
+        <p14:creationId xmlns:p14="http://schemas.microsoft.com/office/powerpoint/2010/main" val="1341429166"/>
+      </p:ext>
+    </p:extLst>
+  </p:cSld>
+  <p:clrMapOvr>
+    <a:masterClrMapping/>
   </p:clrMapOvr>
 </p:sld>
 </file>

--- a/RE_SIMU_ON_WSL.pptx
+++ b/RE_SIMU_ON_WSL.pptx
@@ -11,6 +11,8 @@
     <p:sldId id="260" r:id="rId5"/>
     <p:sldId id="261" r:id="rId6"/>
     <p:sldId id="262" r:id="rId7"/>
+    <p:sldId id="263" r:id="rId8"/>
+    <p:sldId id="264" r:id="rId9"/>
   </p:sldIdLst>
   <p:sldSz cx="12192000" cy="6858000"/>
   <p:notesSz cx="6858000" cy="9144000"/>
@@ -7905,7 +7907,7 @@
                 <a:latin typeface="TakaoExゴシック" panose="020B0500000000000000" pitchFamily="50" charset="-128"/>
                 <a:ea typeface="TakaoExゴシック" panose="020B0500000000000000" pitchFamily="50" charset="-128"/>
               </a:rPr>
-              <a:t>なら一部除いて</a:t>
+              <a:t>の場合、一部除いて</a:t>
             </a:r>
             <a:r>
               <a:rPr lang="en-US" altLang="ja-JP" dirty="0">
@@ -7965,6 +7967,266 @@
   <p:clrMapOvr>
     <a:masterClrMapping/>
   </p:clrMapOvr>
+  <p:timing>
+    <p:tnLst>
+      <p:par>
+        <p:cTn id="1" dur="indefinite" restart="never" nodeType="tmRoot">
+          <p:childTnLst>
+            <p:seq concurrent="1" nextAc="seek">
+              <p:cTn id="2" dur="indefinite" nodeType="mainSeq">
+                <p:childTnLst>
+                  <p:par>
+                    <p:cTn id="3" fill="hold">
+                      <p:stCondLst>
+                        <p:cond delay="indefinite"/>
+                      </p:stCondLst>
+                      <p:childTnLst>
+                        <p:par>
+                          <p:cTn id="4" fill="hold">
+                            <p:stCondLst>
+                              <p:cond delay="0"/>
+                            </p:stCondLst>
+                            <p:childTnLst>
+                              <p:par>
+                                <p:cTn id="5" presetID="1" presetClass="entr" presetSubtype="0" fill="hold" grpId="0" nodeType="clickEffect">
+                                  <p:stCondLst>
+                                    <p:cond delay="0"/>
+                                  </p:stCondLst>
+                                  <p:childTnLst>
+                                    <p:set>
+                                      <p:cBhvr>
+                                        <p:cTn id="6" dur="1" fill="hold">
+                                          <p:stCondLst>
+                                            <p:cond delay="0"/>
+                                          </p:stCondLst>
+                                        </p:cTn>
+                                        <p:tgtEl>
+                                          <p:spTgt spid="3">
+                                            <p:txEl>
+                                              <p:pRg st="0" end="0"/>
+                                            </p:txEl>
+                                          </p:spTgt>
+                                        </p:tgtEl>
+                                        <p:attrNameLst>
+                                          <p:attrName>style.visibility</p:attrName>
+                                        </p:attrNameLst>
+                                      </p:cBhvr>
+                                      <p:to>
+                                        <p:strVal val="visible"/>
+                                      </p:to>
+                                    </p:set>
+                                  </p:childTnLst>
+                                </p:cTn>
+                              </p:par>
+                            </p:childTnLst>
+                          </p:cTn>
+                        </p:par>
+                      </p:childTnLst>
+                    </p:cTn>
+                  </p:par>
+                  <p:par>
+                    <p:cTn id="7" fill="hold">
+                      <p:stCondLst>
+                        <p:cond delay="indefinite"/>
+                      </p:stCondLst>
+                      <p:childTnLst>
+                        <p:par>
+                          <p:cTn id="8" fill="hold">
+                            <p:stCondLst>
+                              <p:cond delay="0"/>
+                            </p:stCondLst>
+                            <p:childTnLst>
+                              <p:par>
+                                <p:cTn id="9" presetID="1" presetClass="entr" presetSubtype="0" fill="hold" grpId="0" nodeType="clickEffect">
+                                  <p:stCondLst>
+                                    <p:cond delay="0"/>
+                                  </p:stCondLst>
+                                  <p:childTnLst>
+                                    <p:set>
+                                      <p:cBhvr>
+                                        <p:cTn id="10" dur="1" fill="hold">
+                                          <p:stCondLst>
+                                            <p:cond delay="0"/>
+                                          </p:stCondLst>
+                                        </p:cTn>
+                                        <p:tgtEl>
+                                          <p:spTgt spid="3">
+                                            <p:txEl>
+                                              <p:pRg st="1" end="1"/>
+                                            </p:txEl>
+                                          </p:spTgt>
+                                        </p:tgtEl>
+                                        <p:attrNameLst>
+                                          <p:attrName>style.visibility</p:attrName>
+                                        </p:attrNameLst>
+                                      </p:cBhvr>
+                                      <p:to>
+                                        <p:strVal val="visible"/>
+                                      </p:to>
+                                    </p:set>
+                                  </p:childTnLst>
+                                </p:cTn>
+                              </p:par>
+                              <p:par>
+                                <p:cTn id="11" presetID="1" presetClass="entr" presetSubtype="0" fill="hold" grpId="0" nodeType="withEffect">
+                                  <p:stCondLst>
+                                    <p:cond delay="0"/>
+                                  </p:stCondLst>
+                                  <p:childTnLst>
+                                    <p:set>
+                                      <p:cBhvr>
+                                        <p:cTn id="12" dur="1" fill="hold">
+                                          <p:stCondLst>
+                                            <p:cond delay="0"/>
+                                          </p:stCondLst>
+                                        </p:cTn>
+                                        <p:tgtEl>
+                                          <p:spTgt spid="3">
+                                            <p:txEl>
+                                              <p:pRg st="2" end="2"/>
+                                            </p:txEl>
+                                          </p:spTgt>
+                                        </p:tgtEl>
+                                        <p:attrNameLst>
+                                          <p:attrName>style.visibility</p:attrName>
+                                        </p:attrNameLst>
+                                      </p:cBhvr>
+                                      <p:to>
+                                        <p:strVal val="visible"/>
+                                      </p:to>
+                                    </p:set>
+                                  </p:childTnLst>
+                                </p:cTn>
+                              </p:par>
+                            </p:childTnLst>
+                          </p:cTn>
+                        </p:par>
+                      </p:childTnLst>
+                    </p:cTn>
+                  </p:par>
+                  <p:par>
+                    <p:cTn id="13" fill="hold">
+                      <p:stCondLst>
+                        <p:cond delay="indefinite"/>
+                      </p:stCondLst>
+                      <p:childTnLst>
+                        <p:par>
+                          <p:cTn id="14" fill="hold">
+                            <p:stCondLst>
+                              <p:cond delay="0"/>
+                            </p:stCondLst>
+                            <p:childTnLst>
+                              <p:par>
+                                <p:cTn id="15" presetID="1" presetClass="entr" presetSubtype="0" fill="hold" grpId="0" nodeType="clickEffect">
+                                  <p:stCondLst>
+                                    <p:cond delay="0"/>
+                                  </p:stCondLst>
+                                  <p:childTnLst>
+                                    <p:set>
+                                      <p:cBhvr>
+                                        <p:cTn id="16" dur="1" fill="hold">
+                                          <p:stCondLst>
+                                            <p:cond delay="0"/>
+                                          </p:stCondLst>
+                                        </p:cTn>
+                                        <p:tgtEl>
+                                          <p:spTgt spid="3">
+                                            <p:txEl>
+                                              <p:pRg st="3" end="3"/>
+                                            </p:txEl>
+                                          </p:spTgt>
+                                        </p:tgtEl>
+                                        <p:attrNameLst>
+                                          <p:attrName>style.visibility</p:attrName>
+                                        </p:attrNameLst>
+                                      </p:cBhvr>
+                                      <p:to>
+                                        <p:strVal val="visible"/>
+                                      </p:to>
+                                    </p:set>
+                                  </p:childTnLst>
+                                </p:cTn>
+                              </p:par>
+                            </p:childTnLst>
+                          </p:cTn>
+                        </p:par>
+                      </p:childTnLst>
+                    </p:cTn>
+                  </p:par>
+                  <p:par>
+                    <p:cTn id="17" fill="hold">
+                      <p:stCondLst>
+                        <p:cond delay="indefinite"/>
+                      </p:stCondLst>
+                      <p:childTnLst>
+                        <p:par>
+                          <p:cTn id="18" fill="hold">
+                            <p:stCondLst>
+                              <p:cond delay="0"/>
+                            </p:stCondLst>
+                            <p:childTnLst>
+                              <p:par>
+                                <p:cTn id="19" presetID="1" presetClass="entr" presetSubtype="0" fill="hold" grpId="0" nodeType="clickEffect">
+                                  <p:stCondLst>
+                                    <p:cond delay="0"/>
+                                  </p:stCondLst>
+                                  <p:childTnLst>
+                                    <p:set>
+                                      <p:cBhvr>
+                                        <p:cTn id="20" dur="1" fill="hold">
+                                          <p:stCondLst>
+                                            <p:cond delay="0"/>
+                                          </p:stCondLst>
+                                        </p:cTn>
+                                        <p:tgtEl>
+                                          <p:spTgt spid="3">
+                                            <p:txEl>
+                                              <p:pRg st="4" end="4"/>
+                                            </p:txEl>
+                                          </p:spTgt>
+                                        </p:tgtEl>
+                                        <p:attrNameLst>
+                                          <p:attrName>style.visibility</p:attrName>
+                                        </p:attrNameLst>
+                                      </p:cBhvr>
+                                      <p:to>
+                                        <p:strVal val="visible"/>
+                                      </p:to>
+                                    </p:set>
+                                  </p:childTnLst>
+                                </p:cTn>
+                              </p:par>
+                            </p:childTnLst>
+                          </p:cTn>
+                        </p:par>
+                      </p:childTnLst>
+                    </p:cTn>
+                  </p:par>
+                </p:childTnLst>
+              </p:cTn>
+              <p:prevCondLst>
+                <p:cond evt="onPrev" delay="0">
+                  <p:tgtEl>
+                    <p:sldTgt/>
+                  </p:tgtEl>
+                </p:cond>
+              </p:prevCondLst>
+              <p:nextCondLst>
+                <p:cond evt="onNext" delay="0">
+                  <p:tgtEl>
+                    <p:sldTgt/>
+                  </p:tgtEl>
+                </p:cond>
+              </p:nextCondLst>
+            </p:seq>
+          </p:childTnLst>
+        </p:cTn>
+      </p:par>
+    </p:tnLst>
+    <p:bldLst>
+      <p:bldP spid="3" grpId="0" uiExpand="1" build="p"/>
+    </p:bldLst>
+  </p:timing>
 </p:sld>
 </file>
 
@@ -8164,6 +8426,168 @@
   <p:clrMapOvr>
     <a:overrideClrMapping bg1="lt1" tx1="dk1" bg2="lt2" tx2="dk2" accent1="accent1" accent2="accent2" accent3="accent3" accent4="accent4" accent5="accent5" accent6="accent6" hlink="hlink" folHlink="folHlink"/>
   </p:clrMapOvr>
+  <p:timing>
+    <p:tnLst>
+      <p:par>
+        <p:cTn id="1" dur="indefinite" restart="never" nodeType="tmRoot">
+          <p:childTnLst>
+            <p:seq concurrent="1" nextAc="seek">
+              <p:cTn id="2" dur="indefinite" nodeType="mainSeq">
+                <p:childTnLst>
+                  <p:par>
+                    <p:cTn id="3" fill="hold">
+                      <p:stCondLst>
+                        <p:cond delay="indefinite"/>
+                      </p:stCondLst>
+                      <p:childTnLst>
+                        <p:par>
+                          <p:cTn id="4" fill="hold">
+                            <p:stCondLst>
+                              <p:cond delay="0"/>
+                            </p:stCondLst>
+                            <p:childTnLst>
+                              <p:par>
+                                <p:cTn id="5" presetID="1" presetClass="entr" presetSubtype="0" fill="hold" grpId="0" nodeType="clickEffect">
+                                  <p:stCondLst>
+                                    <p:cond delay="0"/>
+                                  </p:stCondLst>
+                                  <p:childTnLst>
+                                    <p:set>
+                                      <p:cBhvr>
+                                        <p:cTn id="6" dur="1" fill="hold">
+                                          <p:stCondLst>
+                                            <p:cond delay="0"/>
+                                          </p:stCondLst>
+                                        </p:cTn>
+                                        <p:tgtEl>
+                                          <p:spTgt spid="3">
+                                            <p:txEl>
+                                              <p:pRg st="0" end="0"/>
+                                            </p:txEl>
+                                          </p:spTgt>
+                                        </p:tgtEl>
+                                        <p:attrNameLst>
+                                          <p:attrName>style.visibility</p:attrName>
+                                        </p:attrNameLst>
+                                      </p:cBhvr>
+                                      <p:to>
+                                        <p:strVal val="visible"/>
+                                      </p:to>
+                                    </p:set>
+                                  </p:childTnLst>
+                                </p:cTn>
+                              </p:par>
+                            </p:childTnLst>
+                          </p:cTn>
+                        </p:par>
+                      </p:childTnLst>
+                    </p:cTn>
+                  </p:par>
+                  <p:par>
+                    <p:cTn id="7" fill="hold">
+                      <p:stCondLst>
+                        <p:cond delay="indefinite"/>
+                      </p:stCondLst>
+                      <p:childTnLst>
+                        <p:par>
+                          <p:cTn id="8" fill="hold">
+                            <p:stCondLst>
+                              <p:cond delay="0"/>
+                            </p:stCondLst>
+                            <p:childTnLst>
+                              <p:par>
+                                <p:cTn id="9" presetID="1" presetClass="entr" presetSubtype="0" fill="hold" grpId="0" nodeType="clickEffect">
+                                  <p:stCondLst>
+                                    <p:cond delay="0"/>
+                                  </p:stCondLst>
+                                  <p:childTnLst>
+                                    <p:set>
+                                      <p:cBhvr>
+                                        <p:cTn id="10" dur="1" fill="hold">
+                                          <p:stCondLst>
+                                            <p:cond delay="0"/>
+                                          </p:stCondLst>
+                                        </p:cTn>
+                                        <p:tgtEl>
+                                          <p:spTgt spid="3">
+                                            <p:txEl>
+                                              <p:pRg st="1" end="1"/>
+                                            </p:txEl>
+                                          </p:spTgt>
+                                        </p:tgtEl>
+                                        <p:attrNameLst>
+                                          <p:attrName>style.visibility</p:attrName>
+                                        </p:attrNameLst>
+                                      </p:cBhvr>
+                                      <p:to>
+                                        <p:strVal val="visible"/>
+                                      </p:to>
+                                    </p:set>
+                                  </p:childTnLst>
+                                </p:cTn>
+                              </p:par>
+                              <p:par>
+                                <p:cTn id="11" presetID="1" presetClass="entr" presetSubtype="0" fill="hold" grpId="0" nodeType="withEffect">
+                                  <p:stCondLst>
+                                    <p:cond delay="0"/>
+                                  </p:stCondLst>
+                                  <p:childTnLst>
+                                    <p:set>
+                                      <p:cBhvr>
+                                        <p:cTn id="12" dur="1" fill="hold">
+                                          <p:stCondLst>
+                                            <p:cond delay="0"/>
+                                          </p:stCondLst>
+                                        </p:cTn>
+                                        <p:tgtEl>
+                                          <p:spTgt spid="3">
+                                            <p:txEl>
+                                              <p:pRg st="2" end="2"/>
+                                            </p:txEl>
+                                          </p:spTgt>
+                                        </p:tgtEl>
+                                        <p:attrNameLst>
+                                          <p:attrName>style.visibility</p:attrName>
+                                        </p:attrNameLst>
+                                      </p:cBhvr>
+                                      <p:to>
+                                        <p:strVal val="visible"/>
+                                      </p:to>
+                                    </p:set>
+                                  </p:childTnLst>
+                                </p:cTn>
+                              </p:par>
+                            </p:childTnLst>
+                          </p:cTn>
+                        </p:par>
+                      </p:childTnLst>
+                    </p:cTn>
+                  </p:par>
+                </p:childTnLst>
+              </p:cTn>
+              <p:prevCondLst>
+                <p:cond evt="onPrev" delay="0">
+                  <p:tgtEl>
+                    <p:sldTgt/>
+                  </p:tgtEl>
+                </p:cond>
+              </p:prevCondLst>
+              <p:nextCondLst>
+                <p:cond evt="onNext" delay="0">
+                  <p:tgtEl>
+                    <p:sldTgt/>
+                  </p:tgtEl>
+                </p:cond>
+              </p:nextCondLst>
+            </p:seq>
+          </p:childTnLst>
+        </p:cTn>
+      </p:par>
+    </p:tnLst>
+    <p:bldLst>
+      <p:bldP spid="3" grpId="0" uiExpand="1" build="p"/>
+    </p:bldLst>
+  </p:timing>
 </p:sld>
 </file>
 
@@ -8583,7 +9007,7 @@
                             </p:stCondLst>
                             <p:childTnLst>
                               <p:par>
-                                <p:cTn id="5" presetID="22" presetClass="entr" presetSubtype="1" fill="hold" nodeType="clickEffect">
+                                <p:cTn id="5" presetID="1" presetClass="entr" presetSubtype="0" fill="hold" grpId="0" nodeType="clickEffect">
                                   <p:stCondLst>
                                     <p:cond delay="0"/>
                                   </p:stCondLst>
@@ -8591,6 +9015,95 @@
                                     <p:set>
                                       <p:cBhvr>
                                         <p:cTn id="6" dur="1" fill="hold">
+                                          <p:stCondLst>
+                                            <p:cond delay="0"/>
+                                          </p:stCondLst>
+                                        </p:cTn>
+                                        <p:tgtEl>
+                                          <p:spTgt spid="3">
+                                            <p:txEl>
+                                              <p:pRg st="0" end="0"/>
+                                            </p:txEl>
+                                          </p:spTgt>
+                                        </p:tgtEl>
+                                        <p:attrNameLst>
+                                          <p:attrName>style.visibility</p:attrName>
+                                        </p:attrNameLst>
+                                      </p:cBhvr>
+                                      <p:to>
+                                        <p:strVal val="visible"/>
+                                      </p:to>
+                                    </p:set>
+                                  </p:childTnLst>
+                                </p:cTn>
+                              </p:par>
+                            </p:childTnLst>
+                          </p:cTn>
+                        </p:par>
+                      </p:childTnLst>
+                    </p:cTn>
+                  </p:par>
+                  <p:par>
+                    <p:cTn id="7" fill="hold">
+                      <p:stCondLst>
+                        <p:cond delay="indefinite"/>
+                      </p:stCondLst>
+                      <p:childTnLst>
+                        <p:par>
+                          <p:cTn id="8" fill="hold">
+                            <p:stCondLst>
+                              <p:cond delay="0"/>
+                            </p:stCondLst>
+                            <p:childTnLst>
+                              <p:par>
+                                <p:cTn id="9" presetID="1" presetClass="entr" presetSubtype="0" fill="hold" grpId="0" nodeType="clickEffect">
+                                  <p:stCondLst>
+                                    <p:cond delay="0"/>
+                                  </p:stCondLst>
+                                  <p:childTnLst>
+                                    <p:set>
+                                      <p:cBhvr>
+                                        <p:cTn id="10" dur="1" fill="hold">
+                                          <p:stCondLst>
+                                            <p:cond delay="0"/>
+                                          </p:stCondLst>
+                                        </p:cTn>
+                                        <p:tgtEl>
+                                          <p:spTgt spid="3">
+                                            <p:txEl>
+                                              <p:pRg st="1" end="1"/>
+                                            </p:txEl>
+                                          </p:spTgt>
+                                        </p:tgtEl>
+                                        <p:attrNameLst>
+                                          <p:attrName>style.visibility</p:attrName>
+                                        </p:attrNameLst>
+                                      </p:cBhvr>
+                                      <p:to>
+                                        <p:strVal val="visible"/>
+                                      </p:to>
+                                    </p:set>
+                                  </p:childTnLst>
+                                </p:cTn>
+                              </p:par>
+                            </p:childTnLst>
+                          </p:cTn>
+                        </p:par>
+                        <p:par>
+                          <p:cTn id="11" fill="hold">
+                            <p:stCondLst>
+                              <p:cond delay="0"/>
+                            </p:stCondLst>
+                            <p:childTnLst>
+                              <p:par>
+                                <p:cTn id="12" presetID="22" presetClass="entr" presetSubtype="1" fill="hold" nodeType="afterEffect">
+                                  <p:stCondLst>
+                                    <p:cond delay="0"/>
+                                  </p:stCondLst>
+                                  <p:childTnLst>
+                                    <p:set>
+                                      <p:cBhvr>
+                                        <p:cTn id="13" dur="1" fill="hold">
                                           <p:stCondLst>
                                             <p:cond delay="0"/>
                                           </p:stCondLst>
@@ -8608,7 +9121,7 @@
                                     </p:set>
                                     <p:animEffect transition="in" filter="wipe(up)">
                                       <p:cBhvr>
-                                        <p:cTn id="7" dur="500"/>
+                                        <p:cTn id="14" dur="500"/>
                                         <p:tgtEl>
                                           <p:spTgt spid="5"/>
                                         </p:tgtEl>
@@ -8621,20 +9134,20 @@
                           </p:cTn>
                         </p:par>
                         <p:par>
-                          <p:cTn id="8" fill="hold">
+                          <p:cTn id="15" fill="hold">
                             <p:stCondLst>
                               <p:cond delay="500"/>
                             </p:stCondLst>
                             <p:childTnLst>
                               <p:par>
-                                <p:cTn id="9" presetID="1" presetClass="entr" presetSubtype="0" fill="hold" grpId="0" nodeType="afterEffect">
+                                <p:cTn id="16" presetID="1" presetClass="entr" presetSubtype="0" fill="hold" grpId="0" nodeType="afterEffect">
                                   <p:stCondLst>
                                     <p:cond delay="0"/>
                                   </p:stCondLst>
                                   <p:childTnLst>
                                     <p:set>
                                       <p:cBhvr>
-                                        <p:cTn id="10" dur="1" fill="hold">
+                                        <p:cTn id="17" dur="1" fill="hold">
                                           <p:stCondLst>
                                             <p:cond delay="0"/>
                                           </p:stCondLst>
@@ -8656,30 +9169,21 @@
                             </p:childTnLst>
                           </p:cTn>
                         </p:par>
-                      </p:childTnLst>
-                    </p:cTn>
-                  </p:par>
-                  <p:par>
-                    <p:cTn id="11" fill="hold">
-                      <p:stCondLst>
-                        <p:cond delay="indefinite"/>
-                      </p:stCondLst>
-                      <p:childTnLst>
                         <p:par>
-                          <p:cTn id="12" fill="hold">
+                          <p:cTn id="18" fill="hold">
                             <p:stCondLst>
-                              <p:cond delay="0"/>
+                              <p:cond delay="500"/>
                             </p:stCondLst>
                             <p:childTnLst>
                               <p:par>
-                                <p:cTn id="13" presetID="22" presetClass="entr" presetSubtype="1" fill="hold" nodeType="clickEffect">
+                                <p:cTn id="19" presetID="22" presetClass="entr" presetSubtype="1" fill="hold" nodeType="afterEffect">
                                   <p:stCondLst>
                                     <p:cond delay="0"/>
                                   </p:stCondLst>
                                   <p:childTnLst>
                                     <p:set>
                                       <p:cBhvr>
-                                        <p:cTn id="14" dur="1" fill="hold">
+                                        <p:cTn id="20" dur="1" fill="hold">
                                           <p:stCondLst>
                                             <p:cond delay="0"/>
                                           </p:stCondLst>
@@ -8697,7 +9201,7 @@
                                     </p:set>
                                     <p:animEffect transition="in" filter="wipe(up)">
                                       <p:cBhvr>
-                                        <p:cTn id="15" dur="500"/>
+                                        <p:cTn id="21" dur="500"/>
                                         <p:tgtEl>
                                           <p:spTgt spid="7"/>
                                         </p:tgtEl>
@@ -8710,20 +9214,20 @@
                           </p:cTn>
                         </p:par>
                         <p:par>
-                          <p:cTn id="16" fill="hold">
+                          <p:cTn id="22" fill="hold">
                             <p:stCondLst>
-                              <p:cond delay="500"/>
+                              <p:cond delay="1000"/>
                             </p:stCondLst>
                             <p:childTnLst>
                               <p:par>
-                                <p:cTn id="17" presetID="22" presetClass="entr" presetSubtype="8" fill="hold" nodeType="afterEffect">
+                                <p:cTn id="23" presetID="22" presetClass="entr" presetSubtype="8" fill="hold" nodeType="afterEffect">
                                   <p:stCondLst>
                                     <p:cond delay="0"/>
                                   </p:stCondLst>
                                   <p:childTnLst>
                                     <p:set>
                                       <p:cBhvr>
-                                        <p:cTn id="18" dur="1" fill="hold">
+                                        <p:cTn id="24" dur="1" fill="hold">
                                           <p:stCondLst>
                                             <p:cond delay="0"/>
                                           </p:stCondLst>
@@ -8741,7 +9245,7 @@
                                     </p:set>
                                     <p:animEffect transition="in" filter="wipe(left)">
                                       <p:cBhvr>
-                                        <p:cTn id="19" dur="500"/>
+                                        <p:cTn id="25" dur="500"/>
                                         <p:tgtEl>
                                           <p:spTgt spid="11"/>
                                         </p:tgtEl>
@@ -8754,20 +9258,20 @@
                           </p:cTn>
                         </p:par>
                         <p:par>
-                          <p:cTn id="20" fill="hold">
+                          <p:cTn id="26" fill="hold">
                             <p:stCondLst>
-                              <p:cond delay="1000"/>
+                              <p:cond delay="1500"/>
                             </p:stCondLst>
                             <p:childTnLst>
                               <p:par>
-                                <p:cTn id="21" presetID="1" presetClass="entr" presetSubtype="0" fill="hold" grpId="0" nodeType="afterEffect">
+                                <p:cTn id="27" presetID="1" presetClass="entr" presetSubtype="0" fill="hold" grpId="0" nodeType="afterEffect">
                                   <p:stCondLst>
                                     <p:cond delay="0"/>
                                   </p:stCondLst>
                                   <p:childTnLst>
                                     <p:set>
                                       <p:cBhvr>
-                                        <p:cTn id="22" dur="1" fill="hold">
+                                        <p:cTn id="28" dur="1" fill="hold">
                                           <p:stCondLst>
                                             <p:cond delay="0"/>
                                           </p:stCondLst>
@@ -8814,6 +9318,7 @@
       </p:par>
     </p:tnLst>
     <p:bldLst>
+      <p:bldP spid="3" grpId="0" build="p"/>
       <p:bldP spid="8" grpId="0" animBg="1"/>
       <p:bldP spid="9" grpId="0" animBg="1"/>
     </p:bldLst>
@@ -9399,7 +9904,7 @@
                             </p:stCondLst>
                             <p:childTnLst>
                               <p:par>
-                                <p:cTn id="5" presetID="22" presetClass="entr" presetSubtype="1" fill="hold" nodeType="clickEffect">
+                                <p:cTn id="5" presetID="1" presetClass="entr" presetSubtype="0" fill="hold" grpId="0" nodeType="clickEffect">
                                   <p:stCondLst>
                                     <p:cond delay="0"/>
                                   </p:stCondLst>
@@ -9407,6 +9912,55 @@
                                     <p:set>
                                       <p:cBhvr>
                                         <p:cTn id="6" dur="1" fill="hold">
+                                          <p:stCondLst>
+                                            <p:cond delay="0"/>
+                                          </p:stCondLst>
+                                        </p:cTn>
+                                        <p:tgtEl>
+                                          <p:spTgt spid="3">
+                                            <p:txEl>
+                                              <p:pRg st="0" end="0"/>
+                                            </p:txEl>
+                                          </p:spTgt>
+                                        </p:tgtEl>
+                                        <p:attrNameLst>
+                                          <p:attrName>style.visibility</p:attrName>
+                                        </p:attrNameLst>
+                                      </p:cBhvr>
+                                      <p:to>
+                                        <p:strVal val="visible"/>
+                                      </p:to>
+                                    </p:set>
+                                  </p:childTnLst>
+                                </p:cTn>
+                              </p:par>
+                            </p:childTnLst>
+                          </p:cTn>
+                        </p:par>
+                      </p:childTnLst>
+                    </p:cTn>
+                  </p:par>
+                  <p:par>
+                    <p:cTn id="7" fill="hold">
+                      <p:stCondLst>
+                        <p:cond delay="indefinite"/>
+                      </p:stCondLst>
+                      <p:childTnLst>
+                        <p:par>
+                          <p:cTn id="8" fill="hold">
+                            <p:stCondLst>
+                              <p:cond delay="0"/>
+                            </p:stCondLst>
+                            <p:childTnLst>
+                              <p:par>
+                                <p:cTn id="9" presetID="22" presetClass="entr" presetSubtype="1" fill="hold" nodeType="clickEffect">
+                                  <p:stCondLst>
+                                    <p:cond delay="0"/>
+                                  </p:stCondLst>
+                                  <p:childTnLst>
+                                    <p:set>
+                                      <p:cBhvr>
+                                        <p:cTn id="10" dur="1" fill="hold">
                                           <p:stCondLst>
                                             <p:cond delay="0"/>
                                           </p:stCondLst>
@@ -9424,7 +9978,7 @@
                                     </p:set>
                                     <p:animEffect transition="in" filter="wipe(up)">
                                       <p:cBhvr>
-                                        <p:cTn id="7" dur="500"/>
+                                        <p:cTn id="11" dur="500"/>
                                         <p:tgtEl>
                                           <p:spTgt spid="6"/>
                                         </p:tgtEl>
@@ -9437,20 +9991,20 @@
                           </p:cTn>
                         </p:par>
                         <p:par>
-                          <p:cTn id="8" fill="hold">
+                          <p:cTn id="12" fill="hold">
                             <p:stCondLst>
                               <p:cond delay="500"/>
                             </p:stCondLst>
                             <p:childTnLst>
                               <p:par>
-                                <p:cTn id="9" presetID="1" presetClass="entr" presetSubtype="0" fill="hold" grpId="0" nodeType="afterEffect">
+                                <p:cTn id="13" presetID="1" presetClass="entr" presetSubtype="0" fill="hold" grpId="0" nodeType="afterEffect">
                                   <p:stCondLst>
                                     <p:cond delay="0"/>
                                   </p:stCondLst>
                                   <p:childTnLst>
                                     <p:set>
                                       <p:cBhvr>
-                                        <p:cTn id="10" dur="1" fill="hold">
+                                        <p:cTn id="14" dur="1" fill="hold">
                                           <p:stCondLst>
                                             <p:cond delay="0"/>
                                           </p:stCondLst>
@@ -9476,26 +10030,26 @@
                     </p:cTn>
                   </p:par>
                   <p:par>
-                    <p:cTn id="11" fill="hold">
+                    <p:cTn id="15" fill="hold">
                       <p:stCondLst>
                         <p:cond delay="indefinite"/>
                       </p:stCondLst>
                       <p:childTnLst>
                         <p:par>
-                          <p:cTn id="12" fill="hold">
+                          <p:cTn id="16" fill="hold">
                             <p:stCondLst>
                               <p:cond delay="0"/>
                             </p:stCondLst>
                             <p:childTnLst>
                               <p:par>
-                                <p:cTn id="13" presetID="22" presetClass="entr" presetSubtype="1" fill="hold" nodeType="clickEffect">
+                                <p:cTn id="17" presetID="22" presetClass="entr" presetSubtype="1" fill="hold" nodeType="clickEffect">
                                   <p:stCondLst>
                                     <p:cond delay="0"/>
                                   </p:stCondLst>
                                   <p:childTnLst>
                                     <p:set>
                                       <p:cBhvr>
-                                        <p:cTn id="14" dur="1" fill="hold">
+                                        <p:cTn id="18" dur="1" fill="hold">
                                           <p:stCondLst>
                                             <p:cond delay="0"/>
                                           </p:stCondLst>
@@ -9513,7 +10067,7 @@
                                     </p:set>
                                     <p:animEffect transition="in" filter="wipe(up)">
                                       <p:cBhvr>
-                                        <p:cTn id="15" dur="500"/>
+                                        <p:cTn id="19" dur="500"/>
                                         <p:tgtEl>
                                           <p:spTgt spid="15"/>
                                         </p:tgtEl>
@@ -9526,20 +10080,20 @@
                           </p:cTn>
                         </p:par>
                         <p:par>
-                          <p:cTn id="16" fill="hold">
+                          <p:cTn id="20" fill="hold">
                             <p:stCondLst>
                               <p:cond delay="500"/>
                             </p:stCondLst>
                             <p:childTnLst>
                               <p:par>
-                                <p:cTn id="17" presetID="22" presetClass="entr" presetSubtype="8" fill="hold" nodeType="afterEffect">
+                                <p:cTn id="21" presetID="22" presetClass="entr" presetSubtype="8" fill="hold" nodeType="afterEffect">
                                   <p:stCondLst>
                                     <p:cond delay="0"/>
                                   </p:stCondLst>
                                   <p:childTnLst>
                                     <p:set>
                                       <p:cBhvr>
-                                        <p:cTn id="18" dur="1" fill="hold">
+                                        <p:cTn id="22" dur="1" fill="hold">
                                           <p:stCondLst>
                                             <p:cond delay="0"/>
                                           </p:stCondLst>
@@ -9557,7 +10111,7 @@
                                     </p:set>
                                     <p:animEffect transition="in" filter="wipe(left)">
                                       <p:cBhvr>
-                                        <p:cTn id="19" dur="500"/>
+                                        <p:cTn id="23" dur="500"/>
                                         <p:tgtEl>
                                           <p:spTgt spid="11"/>
                                         </p:tgtEl>
@@ -9570,20 +10124,20 @@
                           </p:cTn>
                         </p:par>
                         <p:par>
-                          <p:cTn id="20" fill="hold">
+                          <p:cTn id="24" fill="hold">
                             <p:stCondLst>
                               <p:cond delay="1000"/>
                             </p:stCondLst>
                             <p:childTnLst>
                               <p:par>
-                                <p:cTn id="21" presetID="1" presetClass="entr" presetSubtype="0" fill="hold" grpId="0" nodeType="afterEffect">
+                                <p:cTn id="25" presetID="1" presetClass="entr" presetSubtype="0" fill="hold" grpId="0" nodeType="afterEffect">
                                   <p:stCondLst>
                                     <p:cond delay="0"/>
                                   </p:stCondLst>
                                   <p:childTnLst>
                                     <p:set>
                                       <p:cBhvr>
-                                        <p:cTn id="22" dur="1" fill="hold">
+                                        <p:cTn id="26" dur="1" fill="hold">
                                           <p:stCondLst>
                                             <p:cond delay="0"/>
                                           </p:stCondLst>
@@ -9609,26 +10163,26 @@
                     </p:cTn>
                   </p:par>
                   <p:par>
-                    <p:cTn id="23" fill="hold">
+                    <p:cTn id="27" fill="hold">
                       <p:stCondLst>
                         <p:cond delay="indefinite"/>
                       </p:stCondLst>
                       <p:childTnLst>
                         <p:par>
-                          <p:cTn id="24" fill="hold">
+                          <p:cTn id="28" fill="hold">
                             <p:stCondLst>
                               <p:cond delay="0"/>
                             </p:stCondLst>
                             <p:childTnLst>
                               <p:par>
-                                <p:cTn id="25" presetID="22" presetClass="entr" presetSubtype="1" fill="hold" nodeType="clickEffect">
+                                <p:cTn id="29" presetID="22" presetClass="entr" presetSubtype="1" fill="hold" nodeType="clickEffect">
                                   <p:stCondLst>
                                     <p:cond delay="0"/>
                                   </p:stCondLst>
                                   <p:childTnLst>
                                     <p:set>
                                       <p:cBhvr>
-                                        <p:cTn id="26" dur="1" fill="hold">
+                                        <p:cTn id="30" dur="1" fill="hold">
                                           <p:stCondLst>
                                             <p:cond delay="0"/>
                                           </p:stCondLst>
@@ -9646,7 +10200,7 @@
                                     </p:set>
                                     <p:animEffect transition="in" filter="wipe(up)">
                                       <p:cBhvr>
-                                        <p:cTn id="27" dur="500"/>
+                                        <p:cTn id="31" dur="500"/>
                                         <p:tgtEl>
                                           <p:spTgt spid="19"/>
                                         </p:tgtEl>
@@ -9659,20 +10213,20 @@
                           </p:cTn>
                         </p:par>
                         <p:par>
-                          <p:cTn id="28" fill="hold">
+                          <p:cTn id="32" fill="hold">
                             <p:stCondLst>
                               <p:cond delay="500"/>
                             </p:stCondLst>
                             <p:childTnLst>
                               <p:par>
-                                <p:cTn id="29" presetID="22" presetClass="entr" presetSubtype="8" fill="hold" nodeType="afterEffect">
+                                <p:cTn id="33" presetID="22" presetClass="entr" presetSubtype="8" fill="hold" nodeType="afterEffect">
                                   <p:stCondLst>
                                     <p:cond delay="0"/>
                                   </p:stCondLst>
                                   <p:childTnLst>
                                     <p:set>
                                       <p:cBhvr>
-                                        <p:cTn id="30" dur="1" fill="hold">
+                                        <p:cTn id="34" dur="1" fill="hold">
                                           <p:stCondLst>
                                             <p:cond delay="0"/>
                                           </p:stCondLst>
@@ -9690,7 +10244,7 @@
                                     </p:set>
                                     <p:animEffect transition="in" filter="wipe(left)">
                                       <p:cBhvr>
-                                        <p:cTn id="31" dur="500"/>
+                                        <p:cTn id="35" dur="500"/>
                                         <p:tgtEl>
                                           <p:spTgt spid="21"/>
                                         </p:tgtEl>
@@ -9703,20 +10257,20 @@
                           </p:cTn>
                         </p:par>
                         <p:par>
-                          <p:cTn id="32" fill="hold">
+                          <p:cTn id="36" fill="hold">
                             <p:stCondLst>
                               <p:cond delay="1000"/>
                             </p:stCondLst>
                             <p:childTnLst>
                               <p:par>
-                                <p:cTn id="33" presetID="1" presetClass="entr" presetSubtype="0" fill="hold" grpId="0" nodeType="afterEffect">
+                                <p:cTn id="37" presetID="1" presetClass="entr" presetSubtype="0" fill="hold" grpId="0" nodeType="afterEffect">
                                   <p:stCondLst>
                                     <p:cond delay="0"/>
                                   </p:stCondLst>
                                   <p:childTnLst>
                                     <p:set>
                                       <p:cBhvr>
-                                        <p:cTn id="34" dur="1" fill="hold">
+                                        <p:cTn id="38" dur="1" fill="hold">
                                           <p:stCondLst>
                                             <p:cond delay="0"/>
                                           </p:stCondLst>
@@ -9763,6 +10317,7 @@
       </p:par>
     </p:tnLst>
     <p:bldLst>
+      <p:bldP spid="3" grpId="0" build="p"/>
       <p:bldP spid="8" grpId="0" animBg="1"/>
       <p:bldP spid="9" grpId="0" animBg="1"/>
       <p:bldP spid="20" grpId="0" animBg="1"/>
@@ -9809,7 +10364,31 @@
           <a:bodyPr/>
           <a:lstStyle/>
           <a:p>
-            <a:endParaRPr kumimoji="1" lang="ja-JP" altLang="en-US"/>
+            <a:r>
+              <a:rPr kumimoji="1" lang="en-US" altLang="ja-JP" dirty="0">
+                <a:latin typeface="Takaoゴシック" panose="020B0509000000000000" pitchFamily="49" charset="-128"/>
+                <a:ea typeface="Takaoゴシック" panose="020B0509000000000000" pitchFamily="49" charset="-128"/>
+              </a:rPr>
+              <a:t>02.WSL</a:t>
+            </a:r>
+            <a:r>
+              <a:rPr lang="en-US" altLang="ja-JP" dirty="0">
+                <a:latin typeface="Takaoゴシック" panose="020B0509000000000000" pitchFamily="49" charset="-128"/>
+                <a:ea typeface="Takaoゴシック" panose="020B0509000000000000" pitchFamily="49" charset="-128"/>
+              </a:rPr>
+              <a:t>(Linux)</a:t>
+            </a:r>
+            <a:r>
+              <a:rPr lang="ja-JP" altLang="en-US" dirty="0">
+                <a:latin typeface="Takaoゴシック" panose="020B0509000000000000" pitchFamily="49" charset="-128"/>
+                <a:ea typeface="Takaoゴシック" panose="020B0509000000000000" pitchFamily="49" charset="-128"/>
+              </a:rPr>
+              <a:t>のインストール</a:t>
+            </a:r>
+            <a:endParaRPr kumimoji="1" lang="ja-JP" altLang="en-US" dirty="0">
+              <a:latin typeface="Takaoゴシック" panose="020B0509000000000000" pitchFamily="49" charset="-128"/>
+              <a:ea typeface="Takaoゴシック" panose="020B0509000000000000" pitchFamily="49" charset="-128"/>
+            </a:endParaRPr>
           </a:p>
         </p:txBody>
       </p:sp>
@@ -9834,10 +10413,311 @@
           <a:bodyPr/>
           <a:lstStyle/>
           <a:p>
-            <a:endParaRPr kumimoji="1" lang="ja-JP" altLang="en-US"/>
+            <a:r>
+              <a:rPr kumimoji="1" lang="en-US" altLang="ja-JP" dirty="0">
+                <a:latin typeface="TakaoExゴシック" panose="020B0500000000000000" pitchFamily="50" charset="-128"/>
+                <a:ea typeface="TakaoExゴシック" panose="020B0500000000000000" pitchFamily="50" charset="-128"/>
+              </a:rPr>
+              <a:t>Microsoft Store</a:t>
+            </a:r>
+            <a:r>
+              <a:rPr kumimoji="1" lang="ja-JP" altLang="en-US" dirty="0">
+                <a:latin typeface="TakaoExゴシック" panose="020B0500000000000000" pitchFamily="50" charset="-128"/>
+                <a:ea typeface="TakaoExゴシック" panose="020B0500000000000000" pitchFamily="50" charset="-128"/>
+              </a:rPr>
+              <a:t>を開き、「</a:t>
+            </a:r>
+            <a:r>
+              <a:rPr kumimoji="1" lang="en-US" altLang="ja-JP" dirty="0">
+                <a:latin typeface="TakaoExゴシック" panose="020B0500000000000000" pitchFamily="50" charset="-128"/>
+                <a:ea typeface="TakaoExゴシック" panose="020B0500000000000000" pitchFamily="50" charset="-128"/>
+              </a:rPr>
+              <a:t>Linux</a:t>
+            </a:r>
+            <a:r>
+              <a:rPr kumimoji="1" lang="ja-JP" altLang="en-US" dirty="0">
+                <a:latin typeface="TakaoExゴシック" panose="020B0500000000000000" pitchFamily="50" charset="-128"/>
+                <a:ea typeface="TakaoExゴシック" panose="020B0500000000000000" pitchFamily="50" charset="-128"/>
+              </a:rPr>
+              <a:t>」で検索</a:t>
+            </a:r>
+            <a:endParaRPr kumimoji="1" lang="en-US" altLang="ja-JP" dirty="0">
+              <a:latin typeface="TakaoExゴシック" panose="020B0500000000000000" pitchFamily="50" charset="-128"/>
+              <a:ea typeface="TakaoExゴシック" panose="020B0500000000000000" pitchFamily="50" charset="-128"/>
+            </a:endParaRPr>
+          </a:p>
+          <a:p>
+            <a:pPr lvl="1"/>
+            <a:r>
+              <a:rPr kumimoji="1" lang="ja-JP" altLang="en-US" dirty="0">
+                <a:latin typeface="TakaoExゴシック" panose="020B0500000000000000" pitchFamily="50" charset="-128"/>
+                <a:ea typeface="TakaoExゴシック" panose="020B0500000000000000" pitchFamily="50" charset="-128"/>
+              </a:rPr>
+              <a:t>検索窓は、「🔎検索」クリックで現れる</a:t>
+            </a:r>
+            <a:endParaRPr kumimoji="1" lang="en-US" altLang="ja-JP" dirty="0">
+              <a:latin typeface="TakaoExゴシック" panose="020B0500000000000000" pitchFamily="50" charset="-128"/>
+              <a:ea typeface="TakaoExゴシック" panose="020B0500000000000000" pitchFamily="50" charset="-128"/>
+            </a:endParaRPr>
+          </a:p>
+          <a:p>
+            <a:r>
+              <a:rPr kumimoji="1" lang="ja-JP" altLang="en-US" dirty="0">
+                <a:latin typeface="TakaoExゴシック" panose="020B0500000000000000" pitchFamily="50" charset="-128"/>
+                <a:ea typeface="TakaoExゴシック" panose="020B0500000000000000" pitchFamily="50" charset="-128"/>
+              </a:rPr>
+              <a:t>検索リストから「</a:t>
+            </a:r>
+            <a:r>
+              <a:rPr kumimoji="1" lang="en-US" altLang="ja-JP" dirty="0">
+                <a:latin typeface="TakaoExゴシック" panose="020B0500000000000000" pitchFamily="50" charset="-128"/>
+                <a:ea typeface="TakaoExゴシック" panose="020B0500000000000000" pitchFamily="50" charset="-128"/>
+              </a:rPr>
+              <a:t>Windows </a:t>
+            </a:r>
+            <a:r>
+              <a:rPr kumimoji="1" lang="ja-JP" altLang="en-US" dirty="0">
+                <a:latin typeface="TakaoExゴシック" panose="020B0500000000000000" pitchFamily="50" charset="-128"/>
+                <a:ea typeface="TakaoExゴシック" panose="020B0500000000000000" pitchFamily="50" charset="-128"/>
+              </a:rPr>
+              <a:t>で </a:t>
+            </a:r>
+            <a:r>
+              <a:rPr kumimoji="1" lang="en-US" altLang="ja-JP" dirty="0">
+                <a:latin typeface="TakaoExゴシック" panose="020B0500000000000000" pitchFamily="50" charset="-128"/>
+                <a:ea typeface="TakaoExゴシック" panose="020B0500000000000000" pitchFamily="50" charset="-128"/>
+              </a:rPr>
+              <a:t>Linux </a:t>
+            </a:r>
+            <a:r>
+              <a:rPr kumimoji="1" lang="ja-JP" altLang="en-US" dirty="0">
+                <a:latin typeface="TakaoExゴシック" panose="020B0500000000000000" pitchFamily="50" charset="-128"/>
+                <a:ea typeface="TakaoExゴシック" panose="020B0500000000000000" pitchFamily="50" charset="-128"/>
+              </a:rPr>
+              <a:t>を実行する」を選ぶ</a:t>
+            </a:r>
           </a:p>
         </p:txBody>
       </p:sp>
+      <p:pic>
+        <p:nvPicPr>
+          <p:cNvPr id="5" name="図 4">
+            <a:extLst>
+              <a:ext uri="{FF2B5EF4-FFF2-40B4-BE49-F238E27FC236}">
+                <a16:creationId xmlns:a16="http://schemas.microsoft.com/office/drawing/2014/main" id="{18175D43-8419-4493-A621-4215B00894A1}"/>
+              </a:ext>
+            </a:extLst>
+          </p:cNvPr>
+          <p:cNvPicPr>
+            <a:picLocks noChangeAspect="1"/>
+          </p:cNvPicPr>
+          <p:nvPr/>
+        </p:nvPicPr>
+        <p:blipFill rotWithShape="1">
+          <a:blip r:embed="rId2">
+            <a:extLst>
+              <a:ext uri="{28A0092B-C50C-407E-A947-70E740481C1C}">
+                <a14:useLocalDpi xmlns:a14="http://schemas.microsoft.com/office/drawing/2010/main" val="0"/>
+              </a:ext>
+            </a:extLst>
+          </a:blip>
+          <a:srcRect b="54625"/>
+          <a:stretch/>
+        </p:blipFill>
+        <p:spPr>
+          <a:xfrm>
+            <a:off x="0" y="4638040"/>
+            <a:ext cx="6271803" cy="2219960"/>
+          </a:xfrm>
+          <a:prstGeom prst="rect">
+            <a:avLst/>
+          </a:prstGeom>
+        </p:spPr>
+      </p:pic>
+      <p:pic>
+        <p:nvPicPr>
+          <p:cNvPr id="7" name="図 6">
+            <a:extLst>
+              <a:ext uri="{FF2B5EF4-FFF2-40B4-BE49-F238E27FC236}">
+                <a16:creationId xmlns:a16="http://schemas.microsoft.com/office/drawing/2014/main" id="{E12428A9-D0B2-40C9-B3D9-31126BC0D6AC}"/>
+              </a:ext>
+            </a:extLst>
+          </p:cNvPr>
+          <p:cNvPicPr>
+            <a:picLocks noChangeAspect="1"/>
+          </p:cNvPicPr>
+          <p:nvPr/>
+        </p:nvPicPr>
+        <p:blipFill rotWithShape="1">
+          <a:blip r:embed="rId3">
+            <a:extLst>
+              <a:ext uri="{28A0092B-C50C-407E-A947-70E740481C1C}">
+                <a14:useLocalDpi xmlns:a14="http://schemas.microsoft.com/office/drawing/2010/main" val="0"/>
+              </a:ext>
+            </a:extLst>
+          </a:blip>
+          <a:srcRect b="47154"/>
+          <a:stretch/>
+        </p:blipFill>
+        <p:spPr>
+          <a:xfrm>
+            <a:off x="6004024" y="4121998"/>
+            <a:ext cx="6187976" cy="2573442"/>
+          </a:xfrm>
+          <a:prstGeom prst="rect">
+            <a:avLst/>
+          </a:prstGeom>
+        </p:spPr>
+      </p:pic>
+      <p:sp>
+        <p:nvSpPr>
+          <p:cNvPr id="8" name="楕円 7">
+            <a:extLst>
+              <a:ext uri="{FF2B5EF4-FFF2-40B4-BE49-F238E27FC236}">
+                <a16:creationId xmlns:a16="http://schemas.microsoft.com/office/drawing/2014/main" id="{2244F92C-94A1-4C07-ACDB-575D597B3E71}"/>
+              </a:ext>
+            </a:extLst>
+          </p:cNvPr>
+          <p:cNvSpPr/>
+          <p:nvPr/>
+        </p:nvSpPr>
+        <p:spPr>
+          <a:xfrm>
+            <a:off x="4196080" y="4826000"/>
+            <a:ext cx="1513840" cy="690880"/>
+          </a:xfrm>
+          <a:prstGeom prst="ellipse">
+            <a:avLst/>
+          </a:prstGeom>
+          <a:noFill/>
+          <a:ln w="76200">
+            <a:solidFill>
+              <a:srgbClr val="FF0000"/>
+            </a:solidFill>
+          </a:ln>
+        </p:spPr>
+        <p:style>
+          <a:lnRef idx="2">
+            <a:schemeClr val="accent1">
+              <a:shade val="50000"/>
+            </a:schemeClr>
+          </a:lnRef>
+          <a:fillRef idx="1">
+            <a:schemeClr val="accent1"/>
+          </a:fillRef>
+          <a:effectRef idx="0">
+            <a:schemeClr val="accent1"/>
+          </a:effectRef>
+          <a:fontRef idx="minor">
+            <a:schemeClr val="lt1"/>
+          </a:fontRef>
+        </p:style>
+        <p:txBody>
+          <a:bodyPr rtlCol="0" anchor="ctr"/>
+          <a:lstStyle/>
+          <a:p>
+            <a:pPr algn="ctr"/>
+            <a:endParaRPr kumimoji="1" lang="ja-JP" altLang="en-US"/>
+          </a:p>
+        </p:txBody>
+      </p:sp>
+      <p:sp>
+        <p:nvSpPr>
+          <p:cNvPr id="9" name="楕円 8">
+            <a:extLst>
+              <a:ext uri="{FF2B5EF4-FFF2-40B4-BE49-F238E27FC236}">
+                <a16:creationId xmlns:a16="http://schemas.microsoft.com/office/drawing/2014/main" id="{2BA5F570-5962-4039-A475-DD01DD57A598}"/>
+              </a:ext>
+            </a:extLst>
+          </p:cNvPr>
+          <p:cNvSpPr/>
+          <p:nvPr/>
+        </p:nvSpPr>
+        <p:spPr>
+          <a:xfrm>
+            <a:off x="8691880" y="4292600"/>
+            <a:ext cx="2890520" cy="990600"/>
+          </a:xfrm>
+          <a:prstGeom prst="ellipse">
+            <a:avLst/>
+          </a:prstGeom>
+          <a:noFill/>
+          <a:ln w="76200">
+            <a:solidFill>
+              <a:srgbClr val="FF0000"/>
+            </a:solidFill>
+          </a:ln>
+        </p:spPr>
+        <p:style>
+          <a:lnRef idx="2">
+            <a:schemeClr val="accent1">
+              <a:shade val="50000"/>
+            </a:schemeClr>
+          </a:lnRef>
+          <a:fillRef idx="1">
+            <a:schemeClr val="accent1"/>
+          </a:fillRef>
+          <a:effectRef idx="0">
+            <a:schemeClr val="accent1"/>
+          </a:effectRef>
+          <a:fontRef idx="minor">
+            <a:schemeClr val="lt1"/>
+          </a:fontRef>
+        </p:style>
+        <p:txBody>
+          <a:bodyPr rtlCol="0" anchor="ctr"/>
+          <a:lstStyle/>
+          <a:p>
+            <a:pPr algn="ctr"/>
+            <a:endParaRPr kumimoji="1" lang="ja-JP" altLang="en-US"/>
+          </a:p>
+        </p:txBody>
+      </p:sp>
+      <p:cxnSp>
+        <p:nvCxnSpPr>
+          <p:cNvPr id="11" name="直線矢印コネクタ 10">
+            <a:extLst>
+              <a:ext uri="{FF2B5EF4-FFF2-40B4-BE49-F238E27FC236}">
+                <a16:creationId xmlns:a16="http://schemas.microsoft.com/office/drawing/2014/main" id="{0F1D860E-7350-4B63-8172-2B77E1C7ADBD}"/>
+              </a:ext>
+            </a:extLst>
+          </p:cNvPr>
+          <p:cNvCxnSpPr>
+            <a:stCxn id="8" idx="6"/>
+            <a:endCxn id="9" idx="2"/>
+          </p:cNvCxnSpPr>
+          <p:nvPr/>
+        </p:nvCxnSpPr>
+        <p:spPr>
+          <a:xfrm flipV="1">
+            <a:off x="5709920" y="4787900"/>
+            <a:ext cx="2981960" cy="383540"/>
+          </a:xfrm>
+          <a:prstGeom prst="straightConnector1">
+            <a:avLst/>
+          </a:prstGeom>
+          <a:ln w="76200">
+            <a:solidFill>
+              <a:srgbClr val="FF0000"/>
+            </a:solidFill>
+            <a:tailEnd type="triangle"/>
+          </a:ln>
+        </p:spPr>
+        <p:style>
+          <a:lnRef idx="1">
+            <a:schemeClr val="accent1"/>
+          </a:lnRef>
+          <a:fillRef idx="0">
+            <a:schemeClr val="accent1"/>
+          </a:fillRef>
+          <a:effectRef idx="0">
+            <a:schemeClr val="accent1"/>
+          </a:effectRef>
+          <a:fontRef idx="minor">
+            <a:schemeClr val="tx1"/>
+          </a:fontRef>
+        </p:style>
+      </p:cxnSp>
     </p:spTree>
     <p:extLst>
       <p:ext uri="{BB962C8B-B14F-4D97-AF65-F5344CB8AC3E}">
@@ -9848,6 +10728,1726 @@
   <p:clrMapOvr>
     <a:masterClrMapping/>
   </p:clrMapOvr>
+  <p:timing>
+    <p:tnLst>
+      <p:par>
+        <p:cTn id="1" dur="indefinite" restart="never" nodeType="tmRoot">
+          <p:childTnLst>
+            <p:seq concurrent="1" nextAc="seek">
+              <p:cTn id="2" dur="indefinite" nodeType="mainSeq">
+                <p:childTnLst>
+                  <p:par>
+                    <p:cTn id="3" fill="hold">
+                      <p:stCondLst>
+                        <p:cond delay="indefinite"/>
+                      </p:stCondLst>
+                      <p:childTnLst>
+                        <p:par>
+                          <p:cTn id="4" fill="hold">
+                            <p:stCondLst>
+                              <p:cond delay="0"/>
+                            </p:stCondLst>
+                            <p:childTnLst>
+                              <p:par>
+                                <p:cTn id="5" presetID="1" presetClass="entr" presetSubtype="0" fill="hold" grpId="0" nodeType="clickEffect">
+                                  <p:stCondLst>
+                                    <p:cond delay="0"/>
+                                  </p:stCondLst>
+                                  <p:childTnLst>
+                                    <p:set>
+                                      <p:cBhvr>
+                                        <p:cTn id="6" dur="1" fill="hold">
+                                          <p:stCondLst>
+                                            <p:cond delay="0"/>
+                                          </p:stCondLst>
+                                        </p:cTn>
+                                        <p:tgtEl>
+                                          <p:spTgt spid="3">
+                                            <p:txEl>
+                                              <p:pRg st="0" end="0"/>
+                                            </p:txEl>
+                                          </p:spTgt>
+                                        </p:tgtEl>
+                                        <p:attrNameLst>
+                                          <p:attrName>style.visibility</p:attrName>
+                                        </p:attrNameLst>
+                                      </p:cBhvr>
+                                      <p:to>
+                                        <p:strVal val="visible"/>
+                                      </p:to>
+                                    </p:set>
+                                  </p:childTnLst>
+                                </p:cTn>
+                              </p:par>
+                              <p:par>
+                                <p:cTn id="7" presetID="1" presetClass="entr" presetSubtype="0" fill="hold" grpId="0" nodeType="withEffect">
+                                  <p:stCondLst>
+                                    <p:cond delay="0"/>
+                                  </p:stCondLst>
+                                  <p:childTnLst>
+                                    <p:set>
+                                      <p:cBhvr>
+                                        <p:cTn id="8" dur="1" fill="hold">
+                                          <p:stCondLst>
+                                            <p:cond delay="0"/>
+                                          </p:stCondLst>
+                                        </p:cTn>
+                                        <p:tgtEl>
+                                          <p:spTgt spid="3">
+                                            <p:txEl>
+                                              <p:pRg st="1" end="1"/>
+                                            </p:txEl>
+                                          </p:spTgt>
+                                        </p:tgtEl>
+                                        <p:attrNameLst>
+                                          <p:attrName>style.visibility</p:attrName>
+                                        </p:attrNameLst>
+                                      </p:cBhvr>
+                                      <p:to>
+                                        <p:strVal val="visible"/>
+                                      </p:to>
+                                    </p:set>
+                                  </p:childTnLst>
+                                </p:cTn>
+                              </p:par>
+                            </p:childTnLst>
+                          </p:cTn>
+                        </p:par>
+                      </p:childTnLst>
+                    </p:cTn>
+                  </p:par>
+                  <p:par>
+                    <p:cTn id="9" fill="hold">
+                      <p:stCondLst>
+                        <p:cond delay="indefinite"/>
+                      </p:stCondLst>
+                      <p:childTnLst>
+                        <p:par>
+                          <p:cTn id="10" fill="hold">
+                            <p:stCondLst>
+                              <p:cond delay="0"/>
+                            </p:stCondLst>
+                            <p:childTnLst>
+                              <p:par>
+                                <p:cTn id="11" presetID="1" presetClass="entr" presetSubtype="0" fill="hold" grpId="0" nodeType="clickEffect">
+                                  <p:stCondLst>
+                                    <p:cond delay="0"/>
+                                  </p:stCondLst>
+                                  <p:childTnLst>
+                                    <p:set>
+                                      <p:cBhvr>
+                                        <p:cTn id="12" dur="1" fill="hold">
+                                          <p:stCondLst>
+                                            <p:cond delay="0"/>
+                                          </p:stCondLst>
+                                        </p:cTn>
+                                        <p:tgtEl>
+                                          <p:spTgt spid="3">
+                                            <p:txEl>
+                                              <p:pRg st="2" end="2"/>
+                                            </p:txEl>
+                                          </p:spTgt>
+                                        </p:tgtEl>
+                                        <p:attrNameLst>
+                                          <p:attrName>style.visibility</p:attrName>
+                                        </p:attrNameLst>
+                                      </p:cBhvr>
+                                      <p:to>
+                                        <p:strVal val="visible"/>
+                                      </p:to>
+                                    </p:set>
+                                  </p:childTnLst>
+                                </p:cTn>
+                              </p:par>
+                            </p:childTnLst>
+                          </p:cTn>
+                        </p:par>
+                      </p:childTnLst>
+                    </p:cTn>
+                  </p:par>
+                  <p:par>
+                    <p:cTn id="13" fill="hold">
+                      <p:stCondLst>
+                        <p:cond delay="indefinite"/>
+                      </p:stCondLst>
+                      <p:childTnLst>
+                        <p:par>
+                          <p:cTn id="14" fill="hold">
+                            <p:stCondLst>
+                              <p:cond delay="0"/>
+                            </p:stCondLst>
+                            <p:childTnLst>
+                              <p:par>
+                                <p:cTn id="15" presetID="22" presetClass="entr" presetSubtype="1" fill="hold" nodeType="clickEffect">
+                                  <p:stCondLst>
+                                    <p:cond delay="0"/>
+                                  </p:stCondLst>
+                                  <p:childTnLst>
+                                    <p:set>
+                                      <p:cBhvr>
+                                        <p:cTn id="16" dur="1" fill="hold">
+                                          <p:stCondLst>
+                                            <p:cond delay="0"/>
+                                          </p:stCondLst>
+                                        </p:cTn>
+                                        <p:tgtEl>
+                                          <p:spTgt spid="5"/>
+                                        </p:tgtEl>
+                                        <p:attrNameLst>
+                                          <p:attrName>style.visibility</p:attrName>
+                                        </p:attrNameLst>
+                                      </p:cBhvr>
+                                      <p:to>
+                                        <p:strVal val="visible"/>
+                                      </p:to>
+                                    </p:set>
+                                    <p:animEffect transition="in" filter="wipe(up)">
+                                      <p:cBhvr>
+                                        <p:cTn id="17" dur="500"/>
+                                        <p:tgtEl>
+                                          <p:spTgt spid="5"/>
+                                        </p:tgtEl>
+                                      </p:cBhvr>
+                                    </p:animEffect>
+                                  </p:childTnLst>
+                                </p:cTn>
+                              </p:par>
+                            </p:childTnLst>
+                          </p:cTn>
+                        </p:par>
+                      </p:childTnLst>
+                    </p:cTn>
+                  </p:par>
+                  <p:par>
+                    <p:cTn id="18" fill="hold">
+                      <p:stCondLst>
+                        <p:cond delay="indefinite"/>
+                      </p:stCondLst>
+                      <p:childTnLst>
+                        <p:par>
+                          <p:cTn id="19" fill="hold">
+                            <p:stCondLst>
+                              <p:cond delay="0"/>
+                            </p:stCondLst>
+                            <p:childTnLst>
+                              <p:par>
+                                <p:cTn id="20" presetID="1" presetClass="entr" presetSubtype="0" fill="hold" grpId="0" nodeType="clickEffect">
+                                  <p:stCondLst>
+                                    <p:cond delay="0"/>
+                                  </p:stCondLst>
+                                  <p:childTnLst>
+                                    <p:set>
+                                      <p:cBhvr>
+                                        <p:cTn id="21" dur="1" fill="hold">
+                                          <p:stCondLst>
+                                            <p:cond delay="0"/>
+                                          </p:stCondLst>
+                                        </p:cTn>
+                                        <p:tgtEl>
+                                          <p:spTgt spid="8"/>
+                                        </p:tgtEl>
+                                        <p:attrNameLst>
+                                          <p:attrName>style.visibility</p:attrName>
+                                        </p:attrNameLst>
+                                      </p:cBhvr>
+                                      <p:to>
+                                        <p:strVal val="visible"/>
+                                      </p:to>
+                                    </p:set>
+                                  </p:childTnLst>
+                                </p:cTn>
+                              </p:par>
+                            </p:childTnLst>
+                          </p:cTn>
+                        </p:par>
+                      </p:childTnLst>
+                    </p:cTn>
+                  </p:par>
+                  <p:par>
+                    <p:cTn id="22" fill="hold">
+                      <p:stCondLst>
+                        <p:cond delay="indefinite"/>
+                      </p:stCondLst>
+                      <p:childTnLst>
+                        <p:par>
+                          <p:cTn id="23" fill="hold">
+                            <p:stCondLst>
+                              <p:cond delay="0"/>
+                            </p:stCondLst>
+                            <p:childTnLst>
+                              <p:par>
+                                <p:cTn id="24" presetID="22" presetClass="entr" presetSubtype="1" fill="hold" nodeType="clickEffect">
+                                  <p:stCondLst>
+                                    <p:cond delay="0"/>
+                                  </p:stCondLst>
+                                  <p:childTnLst>
+                                    <p:set>
+                                      <p:cBhvr>
+                                        <p:cTn id="25" dur="1" fill="hold">
+                                          <p:stCondLst>
+                                            <p:cond delay="0"/>
+                                          </p:stCondLst>
+                                        </p:cTn>
+                                        <p:tgtEl>
+                                          <p:spTgt spid="7"/>
+                                        </p:tgtEl>
+                                        <p:attrNameLst>
+                                          <p:attrName>style.visibility</p:attrName>
+                                        </p:attrNameLst>
+                                      </p:cBhvr>
+                                      <p:to>
+                                        <p:strVal val="visible"/>
+                                      </p:to>
+                                    </p:set>
+                                    <p:animEffect transition="in" filter="wipe(up)">
+                                      <p:cBhvr>
+                                        <p:cTn id="26" dur="500"/>
+                                        <p:tgtEl>
+                                          <p:spTgt spid="7"/>
+                                        </p:tgtEl>
+                                      </p:cBhvr>
+                                    </p:animEffect>
+                                  </p:childTnLst>
+                                </p:cTn>
+                              </p:par>
+                            </p:childTnLst>
+                          </p:cTn>
+                        </p:par>
+                        <p:par>
+                          <p:cTn id="27" fill="hold">
+                            <p:stCondLst>
+                              <p:cond delay="500"/>
+                            </p:stCondLst>
+                            <p:childTnLst>
+                              <p:par>
+                                <p:cTn id="28" presetID="22" presetClass="entr" presetSubtype="8" fill="hold" nodeType="afterEffect">
+                                  <p:stCondLst>
+                                    <p:cond delay="0"/>
+                                  </p:stCondLst>
+                                  <p:childTnLst>
+                                    <p:set>
+                                      <p:cBhvr>
+                                        <p:cTn id="29" dur="1" fill="hold">
+                                          <p:stCondLst>
+                                            <p:cond delay="0"/>
+                                          </p:stCondLst>
+                                        </p:cTn>
+                                        <p:tgtEl>
+                                          <p:spTgt spid="11"/>
+                                        </p:tgtEl>
+                                        <p:attrNameLst>
+                                          <p:attrName>style.visibility</p:attrName>
+                                        </p:attrNameLst>
+                                      </p:cBhvr>
+                                      <p:to>
+                                        <p:strVal val="visible"/>
+                                      </p:to>
+                                    </p:set>
+                                    <p:animEffect transition="in" filter="wipe(left)">
+                                      <p:cBhvr>
+                                        <p:cTn id="30" dur="500"/>
+                                        <p:tgtEl>
+                                          <p:spTgt spid="11"/>
+                                        </p:tgtEl>
+                                      </p:cBhvr>
+                                    </p:animEffect>
+                                  </p:childTnLst>
+                                </p:cTn>
+                              </p:par>
+                            </p:childTnLst>
+                          </p:cTn>
+                        </p:par>
+                        <p:par>
+                          <p:cTn id="31" fill="hold">
+                            <p:stCondLst>
+                              <p:cond delay="1000"/>
+                            </p:stCondLst>
+                            <p:childTnLst>
+                              <p:par>
+                                <p:cTn id="32" presetID="1" presetClass="entr" presetSubtype="0" fill="hold" grpId="0" nodeType="afterEffect">
+                                  <p:stCondLst>
+                                    <p:cond delay="0"/>
+                                  </p:stCondLst>
+                                  <p:childTnLst>
+                                    <p:set>
+                                      <p:cBhvr>
+                                        <p:cTn id="33" dur="1" fill="hold">
+                                          <p:stCondLst>
+                                            <p:cond delay="0"/>
+                                          </p:stCondLst>
+                                        </p:cTn>
+                                        <p:tgtEl>
+                                          <p:spTgt spid="9"/>
+                                        </p:tgtEl>
+                                        <p:attrNameLst>
+                                          <p:attrName>style.visibility</p:attrName>
+                                        </p:attrNameLst>
+                                      </p:cBhvr>
+                                      <p:to>
+                                        <p:strVal val="visible"/>
+                                      </p:to>
+                                    </p:set>
+                                  </p:childTnLst>
+                                </p:cTn>
+                              </p:par>
+                            </p:childTnLst>
+                          </p:cTn>
+                        </p:par>
+                      </p:childTnLst>
+                    </p:cTn>
+                  </p:par>
+                </p:childTnLst>
+              </p:cTn>
+              <p:prevCondLst>
+                <p:cond evt="onPrev" delay="0">
+                  <p:tgtEl>
+                    <p:sldTgt/>
+                  </p:tgtEl>
+                </p:cond>
+              </p:prevCondLst>
+              <p:nextCondLst>
+                <p:cond evt="onNext" delay="0">
+                  <p:tgtEl>
+                    <p:sldTgt/>
+                  </p:tgtEl>
+                </p:cond>
+              </p:nextCondLst>
+            </p:seq>
+          </p:childTnLst>
+        </p:cTn>
+      </p:par>
+    </p:tnLst>
+    <p:bldLst>
+      <p:bldP spid="3" grpId="0" build="p"/>
+      <p:bldP spid="8" grpId="0" animBg="1"/>
+      <p:bldP spid="9" grpId="0" animBg="1"/>
+    </p:bldLst>
+  </p:timing>
+</p:sld>
+</file>
+
+<file path=ppt/slides/slide7.xml><?xml version="1.0" encoding="utf-8"?>
+<p:sld xmlns:a="http://schemas.openxmlformats.org/drawingml/2006/main" xmlns:r="http://schemas.openxmlformats.org/officeDocument/2006/relationships" xmlns:p="http://schemas.openxmlformats.org/presentationml/2006/main">
+  <p:cSld>
+    <p:spTree>
+      <p:nvGrpSpPr>
+        <p:cNvPr id="1" name=""/>
+        <p:cNvGrpSpPr/>
+        <p:nvPr/>
+      </p:nvGrpSpPr>
+      <p:grpSpPr>
+        <a:xfrm>
+          <a:off x="0" y="0"/>
+          <a:ext cx="0" cy="0"/>
+          <a:chOff x="0" y="0"/>
+          <a:chExt cx="0" cy="0"/>
+        </a:xfrm>
+      </p:grpSpPr>
+      <p:sp>
+        <p:nvSpPr>
+          <p:cNvPr id="2" name="タイトル 1">
+            <a:extLst>
+              <a:ext uri="{FF2B5EF4-FFF2-40B4-BE49-F238E27FC236}">
+                <a16:creationId xmlns:a16="http://schemas.microsoft.com/office/drawing/2014/main" id="{A3CA44FB-64E1-44F3-9DA9-ACF94A1E277A}"/>
+              </a:ext>
+            </a:extLst>
+          </p:cNvPr>
+          <p:cNvSpPr>
+            <a:spLocks noGrp="1"/>
+          </p:cNvSpPr>
+          <p:nvPr>
+            <p:ph type="title"/>
+          </p:nvPr>
+        </p:nvSpPr>
+        <p:spPr/>
+        <p:txBody>
+          <a:bodyPr/>
+          <a:lstStyle/>
+          <a:p>
+            <a:r>
+              <a:rPr kumimoji="1" lang="en-US" altLang="ja-JP" dirty="0">
+                <a:latin typeface="Takaoゴシック" panose="020B0509000000000000" pitchFamily="49" charset="-128"/>
+                <a:ea typeface="Takaoゴシック" panose="020B0509000000000000" pitchFamily="49" charset="-128"/>
+              </a:rPr>
+              <a:t>02.WSL</a:t>
+            </a:r>
+            <a:r>
+              <a:rPr lang="en-US" altLang="ja-JP" dirty="0">
+                <a:latin typeface="Takaoゴシック" panose="020B0509000000000000" pitchFamily="49" charset="-128"/>
+                <a:ea typeface="Takaoゴシック" panose="020B0509000000000000" pitchFamily="49" charset="-128"/>
+              </a:rPr>
+              <a:t>(Linux)</a:t>
+            </a:r>
+            <a:r>
+              <a:rPr lang="ja-JP" altLang="en-US" dirty="0">
+                <a:latin typeface="Takaoゴシック" panose="020B0509000000000000" pitchFamily="49" charset="-128"/>
+                <a:ea typeface="Takaoゴシック" panose="020B0509000000000000" pitchFamily="49" charset="-128"/>
+              </a:rPr>
+              <a:t>のインストール</a:t>
+            </a:r>
+            <a:endParaRPr kumimoji="1" lang="ja-JP" altLang="en-US" dirty="0">
+              <a:latin typeface="Takaoゴシック" panose="020B0509000000000000" pitchFamily="49" charset="-128"/>
+              <a:ea typeface="Takaoゴシック" panose="020B0509000000000000" pitchFamily="49" charset="-128"/>
+            </a:endParaRPr>
+          </a:p>
+        </p:txBody>
+      </p:sp>
+      <p:sp>
+        <p:nvSpPr>
+          <p:cNvPr id="3" name="コンテンツ プレースホルダー 2">
+            <a:extLst>
+              <a:ext uri="{FF2B5EF4-FFF2-40B4-BE49-F238E27FC236}">
+                <a16:creationId xmlns:a16="http://schemas.microsoft.com/office/drawing/2014/main" id="{C044A338-8D2B-45EC-BE8C-FFE21B5C386E}"/>
+              </a:ext>
+            </a:extLst>
+          </p:cNvPr>
+          <p:cNvSpPr>
+            <a:spLocks noGrp="1"/>
+          </p:cNvSpPr>
+          <p:nvPr>
+            <p:ph idx="1"/>
+          </p:nvPr>
+        </p:nvSpPr>
+        <p:spPr/>
+        <p:txBody>
+          <a:bodyPr/>
+          <a:lstStyle/>
+          <a:p>
+            <a:r>
+              <a:rPr kumimoji="1" lang="ja-JP" altLang="en-US" dirty="0">
+                <a:latin typeface="TakaoExゴシック" panose="020B0500000000000000" pitchFamily="50" charset="-128"/>
+                <a:ea typeface="TakaoExゴシック" panose="020B0500000000000000" pitchFamily="50" charset="-128"/>
+              </a:rPr>
+              <a:t>特集ページで</a:t>
+            </a:r>
+            <a:r>
+              <a:rPr kumimoji="1" lang="en-US" altLang="ja-JP" dirty="0">
+                <a:latin typeface="TakaoExゴシック" panose="020B0500000000000000" pitchFamily="50" charset="-128"/>
+                <a:ea typeface="TakaoExゴシック" panose="020B0500000000000000" pitchFamily="50" charset="-128"/>
+              </a:rPr>
+              <a:t>Ubuntu</a:t>
+            </a:r>
+            <a:r>
+              <a:rPr kumimoji="1" lang="ja-JP" altLang="en-US" dirty="0">
+                <a:latin typeface="TakaoExゴシック" panose="020B0500000000000000" pitchFamily="50" charset="-128"/>
+                <a:ea typeface="TakaoExゴシック" panose="020B0500000000000000" pitchFamily="50" charset="-128"/>
+              </a:rPr>
+              <a:t>を選び、「入手」をクリック</a:t>
+            </a:r>
+            <a:endParaRPr kumimoji="1" lang="en-US" altLang="ja-JP" dirty="0">
+              <a:latin typeface="TakaoExゴシック" panose="020B0500000000000000" pitchFamily="50" charset="-128"/>
+              <a:ea typeface="TakaoExゴシック" panose="020B0500000000000000" pitchFamily="50" charset="-128"/>
+            </a:endParaRPr>
+          </a:p>
+          <a:p>
+            <a:r>
+              <a:rPr kumimoji="1" lang="ja-JP" altLang="en-US" dirty="0">
+                <a:latin typeface="TakaoExゴシック" panose="020B0500000000000000" pitchFamily="50" charset="-128"/>
+                <a:ea typeface="TakaoExゴシック" panose="020B0500000000000000" pitchFamily="50" charset="-128"/>
+              </a:rPr>
+              <a:t>あとは、インストール終了を待つ</a:t>
+            </a:r>
+          </a:p>
+        </p:txBody>
+      </p:sp>
+      <p:pic>
+        <p:nvPicPr>
+          <p:cNvPr id="6" name="図 5">
+            <a:extLst>
+              <a:ext uri="{FF2B5EF4-FFF2-40B4-BE49-F238E27FC236}">
+                <a16:creationId xmlns:a16="http://schemas.microsoft.com/office/drawing/2014/main" id="{68A11EEC-2702-43B0-8286-A155F9F4A579}"/>
+              </a:ext>
+            </a:extLst>
+          </p:cNvPr>
+          <p:cNvPicPr>
+            <a:picLocks noChangeAspect="1"/>
+          </p:cNvPicPr>
+          <p:nvPr/>
+        </p:nvPicPr>
+        <p:blipFill rotWithShape="1">
+          <a:blip r:embed="rId2">
+            <a:extLst>
+              <a:ext uri="{28A0092B-C50C-407E-A947-70E740481C1C}">
+                <a14:useLocalDpi xmlns:a14="http://schemas.microsoft.com/office/drawing/2010/main" val="0"/>
+              </a:ext>
+            </a:extLst>
+          </a:blip>
+          <a:srcRect b="14120"/>
+          <a:stretch/>
+        </p:blipFill>
+        <p:spPr>
+          <a:xfrm>
+            <a:off x="609600" y="1838960"/>
+            <a:ext cx="6302286" cy="4705588"/>
+          </a:xfrm>
+          <a:prstGeom prst="rect">
+            <a:avLst/>
+          </a:prstGeom>
+        </p:spPr>
+      </p:pic>
+      <p:sp>
+        <p:nvSpPr>
+          <p:cNvPr id="8" name="楕円 7">
+            <a:extLst>
+              <a:ext uri="{FF2B5EF4-FFF2-40B4-BE49-F238E27FC236}">
+                <a16:creationId xmlns:a16="http://schemas.microsoft.com/office/drawing/2014/main" id="{2244F92C-94A1-4C07-ACDB-575D597B3E71}"/>
+              </a:ext>
+            </a:extLst>
+          </p:cNvPr>
+          <p:cNvSpPr/>
+          <p:nvPr/>
+        </p:nvSpPr>
+        <p:spPr>
+          <a:xfrm>
+            <a:off x="528320" y="4592320"/>
+            <a:ext cx="1513840" cy="1952228"/>
+          </a:xfrm>
+          <a:prstGeom prst="ellipse">
+            <a:avLst/>
+          </a:prstGeom>
+          <a:noFill/>
+          <a:ln w="76200">
+            <a:solidFill>
+              <a:srgbClr val="FF0000"/>
+            </a:solidFill>
+          </a:ln>
+        </p:spPr>
+        <p:style>
+          <a:lnRef idx="2">
+            <a:schemeClr val="accent1">
+              <a:shade val="50000"/>
+            </a:schemeClr>
+          </a:lnRef>
+          <a:fillRef idx="1">
+            <a:schemeClr val="accent1"/>
+          </a:fillRef>
+          <a:effectRef idx="0">
+            <a:schemeClr val="accent1"/>
+          </a:effectRef>
+          <a:fontRef idx="minor">
+            <a:schemeClr val="lt1"/>
+          </a:fontRef>
+        </p:style>
+        <p:txBody>
+          <a:bodyPr rtlCol="0" anchor="ctr"/>
+          <a:lstStyle/>
+          <a:p>
+            <a:pPr algn="ctr"/>
+            <a:endParaRPr kumimoji="1" lang="ja-JP" altLang="en-US"/>
+          </a:p>
+        </p:txBody>
+      </p:sp>
+      <p:pic>
+        <p:nvPicPr>
+          <p:cNvPr id="14" name="図 13">
+            <a:extLst>
+              <a:ext uri="{FF2B5EF4-FFF2-40B4-BE49-F238E27FC236}">
+                <a16:creationId xmlns:a16="http://schemas.microsoft.com/office/drawing/2014/main" id="{EA421F62-1D31-41D8-9ACD-94502422D05D}"/>
+              </a:ext>
+            </a:extLst>
+          </p:cNvPr>
+          <p:cNvPicPr>
+            <a:picLocks noChangeAspect="1"/>
+          </p:cNvPicPr>
+          <p:nvPr/>
+        </p:nvPicPr>
+        <p:blipFill rotWithShape="1">
+          <a:blip r:embed="rId3">
+            <a:extLst>
+              <a:ext uri="{28A0092B-C50C-407E-A947-70E740481C1C}">
+                <a14:useLocalDpi xmlns:a14="http://schemas.microsoft.com/office/drawing/2010/main" val="0"/>
+              </a:ext>
+            </a:extLst>
+          </a:blip>
+          <a:srcRect r="29077" b="41587"/>
+          <a:stretch/>
+        </p:blipFill>
+        <p:spPr>
+          <a:xfrm>
+            <a:off x="7139668" y="2850396"/>
+            <a:ext cx="4442732" cy="3209528"/>
+          </a:xfrm>
+          <a:prstGeom prst="rect">
+            <a:avLst/>
+          </a:prstGeom>
+        </p:spPr>
+      </p:pic>
+      <p:sp>
+        <p:nvSpPr>
+          <p:cNvPr id="9" name="楕円 8">
+            <a:extLst>
+              <a:ext uri="{FF2B5EF4-FFF2-40B4-BE49-F238E27FC236}">
+                <a16:creationId xmlns:a16="http://schemas.microsoft.com/office/drawing/2014/main" id="{2BA5F570-5962-4039-A475-DD01DD57A598}"/>
+              </a:ext>
+            </a:extLst>
+          </p:cNvPr>
+          <p:cNvSpPr/>
+          <p:nvPr/>
+        </p:nvSpPr>
+        <p:spPr>
+          <a:xfrm>
+            <a:off x="8691880" y="4363720"/>
+            <a:ext cx="1498600" cy="990600"/>
+          </a:xfrm>
+          <a:prstGeom prst="ellipse">
+            <a:avLst/>
+          </a:prstGeom>
+          <a:noFill/>
+          <a:ln w="76200">
+            <a:solidFill>
+              <a:srgbClr val="FF0000"/>
+            </a:solidFill>
+          </a:ln>
+        </p:spPr>
+        <p:style>
+          <a:lnRef idx="2">
+            <a:schemeClr val="accent1">
+              <a:shade val="50000"/>
+            </a:schemeClr>
+          </a:lnRef>
+          <a:fillRef idx="1">
+            <a:schemeClr val="accent1"/>
+          </a:fillRef>
+          <a:effectRef idx="0">
+            <a:schemeClr val="accent1"/>
+          </a:effectRef>
+          <a:fontRef idx="minor">
+            <a:schemeClr val="lt1"/>
+          </a:fontRef>
+        </p:style>
+        <p:txBody>
+          <a:bodyPr rtlCol="0" anchor="ctr"/>
+          <a:lstStyle/>
+          <a:p>
+            <a:pPr algn="ctr"/>
+            <a:endParaRPr kumimoji="1" lang="ja-JP" altLang="en-US"/>
+          </a:p>
+        </p:txBody>
+      </p:sp>
+      <p:cxnSp>
+        <p:nvCxnSpPr>
+          <p:cNvPr id="11" name="直線矢印コネクタ 10">
+            <a:extLst>
+              <a:ext uri="{FF2B5EF4-FFF2-40B4-BE49-F238E27FC236}">
+                <a16:creationId xmlns:a16="http://schemas.microsoft.com/office/drawing/2014/main" id="{0F1D860E-7350-4B63-8172-2B77E1C7ADBD}"/>
+              </a:ext>
+            </a:extLst>
+          </p:cNvPr>
+          <p:cNvCxnSpPr>
+            <a:cxnSpLocks/>
+            <a:stCxn id="8" idx="6"/>
+            <a:endCxn id="9" idx="2"/>
+          </p:cNvCxnSpPr>
+          <p:nvPr/>
+        </p:nvCxnSpPr>
+        <p:spPr>
+          <a:xfrm flipV="1">
+            <a:off x="2042160" y="4859020"/>
+            <a:ext cx="6649720" cy="709414"/>
+          </a:xfrm>
+          <a:prstGeom prst="straightConnector1">
+            <a:avLst/>
+          </a:prstGeom>
+          <a:ln w="76200">
+            <a:solidFill>
+              <a:srgbClr val="FF0000"/>
+            </a:solidFill>
+            <a:tailEnd type="triangle"/>
+          </a:ln>
+        </p:spPr>
+        <p:style>
+          <a:lnRef idx="1">
+            <a:schemeClr val="accent1"/>
+          </a:lnRef>
+          <a:fillRef idx="0">
+            <a:schemeClr val="accent1"/>
+          </a:fillRef>
+          <a:effectRef idx="0">
+            <a:schemeClr val="accent1"/>
+          </a:effectRef>
+          <a:fontRef idx="minor">
+            <a:schemeClr val="tx1"/>
+          </a:fontRef>
+        </p:style>
+      </p:cxnSp>
+    </p:spTree>
+    <p:extLst>
+      <p:ext uri="{BB962C8B-B14F-4D97-AF65-F5344CB8AC3E}">
+        <p14:creationId xmlns:p14="http://schemas.microsoft.com/office/powerpoint/2010/main" val="1125288898"/>
+      </p:ext>
+    </p:extLst>
+  </p:cSld>
+  <p:clrMapOvr>
+    <a:masterClrMapping/>
+  </p:clrMapOvr>
+  <p:timing>
+    <p:tnLst>
+      <p:par>
+        <p:cTn id="1" dur="indefinite" restart="never" nodeType="tmRoot">
+          <p:childTnLst>
+            <p:seq concurrent="1" nextAc="seek">
+              <p:cTn id="2" dur="indefinite" nodeType="mainSeq">
+                <p:childTnLst>
+                  <p:par>
+                    <p:cTn id="3" fill="hold">
+                      <p:stCondLst>
+                        <p:cond delay="indefinite"/>
+                      </p:stCondLst>
+                      <p:childTnLst>
+                        <p:par>
+                          <p:cTn id="4" fill="hold">
+                            <p:stCondLst>
+                              <p:cond delay="0"/>
+                            </p:stCondLst>
+                            <p:childTnLst>
+                              <p:par>
+                                <p:cTn id="5" presetID="1" presetClass="entr" presetSubtype="0" fill="hold" grpId="0" nodeType="clickEffect">
+                                  <p:stCondLst>
+                                    <p:cond delay="0"/>
+                                  </p:stCondLst>
+                                  <p:childTnLst>
+                                    <p:set>
+                                      <p:cBhvr>
+                                        <p:cTn id="6" dur="1" fill="hold">
+                                          <p:stCondLst>
+                                            <p:cond delay="0"/>
+                                          </p:stCondLst>
+                                        </p:cTn>
+                                        <p:tgtEl>
+                                          <p:spTgt spid="3">
+                                            <p:txEl>
+                                              <p:pRg st="0" end="0"/>
+                                            </p:txEl>
+                                          </p:spTgt>
+                                        </p:tgtEl>
+                                        <p:attrNameLst>
+                                          <p:attrName>style.visibility</p:attrName>
+                                        </p:attrNameLst>
+                                      </p:cBhvr>
+                                      <p:to>
+                                        <p:strVal val="visible"/>
+                                      </p:to>
+                                    </p:set>
+                                  </p:childTnLst>
+                                </p:cTn>
+                              </p:par>
+                            </p:childTnLst>
+                          </p:cTn>
+                        </p:par>
+                        <p:par>
+                          <p:cTn id="7" fill="hold">
+                            <p:stCondLst>
+                              <p:cond delay="0"/>
+                            </p:stCondLst>
+                            <p:childTnLst>
+                              <p:par>
+                                <p:cTn id="8" presetID="1" presetClass="entr" presetSubtype="0" fill="hold" grpId="0" nodeType="afterEffect">
+                                  <p:stCondLst>
+                                    <p:cond delay="750"/>
+                                  </p:stCondLst>
+                                  <p:childTnLst>
+                                    <p:set>
+                                      <p:cBhvr>
+                                        <p:cTn id="9" dur="1" fill="hold">
+                                          <p:stCondLst>
+                                            <p:cond delay="0"/>
+                                          </p:stCondLst>
+                                        </p:cTn>
+                                        <p:tgtEl>
+                                          <p:spTgt spid="3">
+                                            <p:txEl>
+                                              <p:pRg st="1" end="1"/>
+                                            </p:txEl>
+                                          </p:spTgt>
+                                        </p:tgtEl>
+                                        <p:attrNameLst>
+                                          <p:attrName>style.visibility</p:attrName>
+                                        </p:attrNameLst>
+                                      </p:cBhvr>
+                                      <p:to>
+                                        <p:strVal val="visible"/>
+                                      </p:to>
+                                    </p:set>
+                                  </p:childTnLst>
+                                </p:cTn>
+                              </p:par>
+                            </p:childTnLst>
+                          </p:cTn>
+                        </p:par>
+                      </p:childTnLst>
+                    </p:cTn>
+                  </p:par>
+                  <p:par>
+                    <p:cTn id="10" fill="hold">
+                      <p:stCondLst>
+                        <p:cond delay="indefinite"/>
+                      </p:stCondLst>
+                      <p:childTnLst>
+                        <p:par>
+                          <p:cTn id="11" fill="hold">
+                            <p:stCondLst>
+                              <p:cond delay="0"/>
+                            </p:stCondLst>
+                            <p:childTnLst>
+                              <p:par>
+                                <p:cTn id="12" presetID="22" presetClass="entr" presetSubtype="1" fill="hold" nodeType="clickEffect">
+                                  <p:stCondLst>
+                                    <p:cond delay="0"/>
+                                  </p:stCondLst>
+                                  <p:childTnLst>
+                                    <p:set>
+                                      <p:cBhvr>
+                                        <p:cTn id="13" dur="1" fill="hold">
+                                          <p:stCondLst>
+                                            <p:cond delay="0"/>
+                                          </p:stCondLst>
+                                        </p:cTn>
+                                        <p:tgtEl>
+                                          <p:spTgt spid="6"/>
+                                        </p:tgtEl>
+                                        <p:attrNameLst>
+                                          <p:attrName>style.visibility</p:attrName>
+                                        </p:attrNameLst>
+                                      </p:cBhvr>
+                                      <p:to>
+                                        <p:strVal val="visible"/>
+                                      </p:to>
+                                    </p:set>
+                                    <p:animEffect transition="in" filter="wipe(up)">
+                                      <p:cBhvr>
+                                        <p:cTn id="14" dur="500"/>
+                                        <p:tgtEl>
+                                          <p:spTgt spid="6"/>
+                                        </p:tgtEl>
+                                      </p:cBhvr>
+                                    </p:animEffect>
+                                  </p:childTnLst>
+                                </p:cTn>
+                              </p:par>
+                            </p:childTnLst>
+                          </p:cTn>
+                        </p:par>
+                        <p:par>
+                          <p:cTn id="15" fill="hold">
+                            <p:stCondLst>
+                              <p:cond delay="500"/>
+                            </p:stCondLst>
+                            <p:childTnLst>
+                              <p:par>
+                                <p:cTn id="16" presetID="1" presetClass="entr" presetSubtype="0" fill="hold" grpId="0" nodeType="afterEffect">
+                                  <p:stCondLst>
+                                    <p:cond delay="0"/>
+                                  </p:stCondLst>
+                                  <p:childTnLst>
+                                    <p:set>
+                                      <p:cBhvr>
+                                        <p:cTn id="17" dur="1" fill="hold">
+                                          <p:stCondLst>
+                                            <p:cond delay="0"/>
+                                          </p:stCondLst>
+                                        </p:cTn>
+                                        <p:tgtEl>
+                                          <p:spTgt spid="8"/>
+                                        </p:tgtEl>
+                                        <p:attrNameLst>
+                                          <p:attrName>style.visibility</p:attrName>
+                                        </p:attrNameLst>
+                                      </p:cBhvr>
+                                      <p:to>
+                                        <p:strVal val="visible"/>
+                                      </p:to>
+                                    </p:set>
+                                  </p:childTnLst>
+                                </p:cTn>
+                              </p:par>
+                            </p:childTnLst>
+                          </p:cTn>
+                        </p:par>
+                      </p:childTnLst>
+                    </p:cTn>
+                  </p:par>
+                  <p:par>
+                    <p:cTn id="18" fill="hold">
+                      <p:stCondLst>
+                        <p:cond delay="indefinite"/>
+                      </p:stCondLst>
+                      <p:childTnLst>
+                        <p:par>
+                          <p:cTn id="19" fill="hold">
+                            <p:stCondLst>
+                              <p:cond delay="0"/>
+                            </p:stCondLst>
+                            <p:childTnLst>
+                              <p:par>
+                                <p:cTn id="20" presetID="22" presetClass="entr" presetSubtype="1" fill="hold" nodeType="clickEffect">
+                                  <p:stCondLst>
+                                    <p:cond delay="0"/>
+                                  </p:stCondLst>
+                                  <p:childTnLst>
+                                    <p:set>
+                                      <p:cBhvr>
+                                        <p:cTn id="21" dur="1" fill="hold">
+                                          <p:stCondLst>
+                                            <p:cond delay="0"/>
+                                          </p:stCondLst>
+                                        </p:cTn>
+                                        <p:tgtEl>
+                                          <p:spTgt spid="14"/>
+                                        </p:tgtEl>
+                                        <p:attrNameLst>
+                                          <p:attrName>style.visibility</p:attrName>
+                                        </p:attrNameLst>
+                                      </p:cBhvr>
+                                      <p:to>
+                                        <p:strVal val="visible"/>
+                                      </p:to>
+                                    </p:set>
+                                    <p:animEffect transition="in" filter="wipe(up)">
+                                      <p:cBhvr>
+                                        <p:cTn id="22" dur="500"/>
+                                        <p:tgtEl>
+                                          <p:spTgt spid="14"/>
+                                        </p:tgtEl>
+                                      </p:cBhvr>
+                                    </p:animEffect>
+                                  </p:childTnLst>
+                                </p:cTn>
+                              </p:par>
+                            </p:childTnLst>
+                          </p:cTn>
+                        </p:par>
+                        <p:par>
+                          <p:cTn id="23" fill="hold">
+                            <p:stCondLst>
+                              <p:cond delay="500"/>
+                            </p:stCondLst>
+                            <p:childTnLst>
+                              <p:par>
+                                <p:cTn id="24" presetID="22" presetClass="entr" presetSubtype="8" fill="hold" nodeType="afterEffect">
+                                  <p:stCondLst>
+                                    <p:cond delay="0"/>
+                                  </p:stCondLst>
+                                  <p:childTnLst>
+                                    <p:set>
+                                      <p:cBhvr>
+                                        <p:cTn id="25" dur="1" fill="hold">
+                                          <p:stCondLst>
+                                            <p:cond delay="0"/>
+                                          </p:stCondLst>
+                                        </p:cTn>
+                                        <p:tgtEl>
+                                          <p:spTgt spid="11"/>
+                                        </p:tgtEl>
+                                        <p:attrNameLst>
+                                          <p:attrName>style.visibility</p:attrName>
+                                        </p:attrNameLst>
+                                      </p:cBhvr>
+                                      <p:to>
+                                        <p:strVal val="visible"/>
+                                      </p:to>
+                                    </p:set>
+                                    <p:animEffect transition="in" filter="wipe(left)">
+                                      <p:cBhvr>
+                                        <p:cTn id="26" dur="500"/>
+                                        <p:tgtEl>
+                                          <p:spTgt spid="11"/>
+                                        </p:tgtEl>
+                                      </p:cBhvr>
+                                    </p:animEffect>
+                                  </p:childTnLst>
+                                </p:cTn>
+                              </p:par>
+                            </p:childTnLst>
+                          </p:cTn>
+                        </p:par>
+                        <p:par>
+                          <p:cTn id="27" fill="hold">
+                            <p:stCondLst>
+                              <p:cond delay="1000"/>
+                            </p:stCondLst>
+                            <p:childTnLst>
+                              <p:par>
+                                <p:cTn id="28" presetID="1" presetClass="entr" presetSubtype="0" fill="hold" grpId="0" nodeType="afterEffect">
+                                  <p:stCondLst>
+                                    <p:cond delay="0"/>
+                                  </p:stCondLst>
+                                  <p:childTnLst>
+                                    <p:set>
+                                      <p:cBhvr>
+                                        <p:cTn id="29" dur="1" fill="hold">
+                                          <p:stCondLst>
+                                            <p:cond delay="0"/>
+                                          </p:stCondLst>
+                                        </p:cTn>
+                                        <p:tgtEl>
+                                          <p:spTgt spid="9"/>
+                                        </p:tgtEl>
+                                        <p:attrNameLst>
+                                          <p:attrName>style.visibility</p:attrName>
+                                        </p:attrNameLst>
+                                      </p:cBhvr>
+                                      <p:to>
+                                        <p:strVal val="visible"/>
+                                      </p:to>
+                                    </p:set>
+                                  </p:childTnLst>
+                                </p:cTn>
+                              </p:par>
+                            </p:childTnLst>
+                          </p:cTn>
+                        </p:par>
+                      </p:childTnLst>
+                    </p:cTn>
+                  </p:par>
+                </p:childTnLst>
+              </p:cTn>
+              <p:prevCondLst>
+                <p:cond evt="onPrev" delay="0">
+                  <p:tgtEl>
+                    <p:sldTgt/>
+                  </p:tgtEl>
+                </p:cond>
+              </p:prevCondLst>
+              <p:nextCondLst>
+                <p:cond evt="onNext" delay="0">
+                  <p:tgtEl>
+                    <p:sldTgt/>
+                  </p:tgtEl>
+                </p:cond>
+              </p:nextCondLst>
+            </p:seq>
+          </p:childTnLst>
+        </p:cTn>
+      </p:par>
+    </p:tnLst>
+    <p:bldLst>
+      <p:bldP spid="3" grpId="0" uiExpand="1" build="p"/>
+      <p:bldP spid="8" grpId="0" animBg="1"/>
+      <p:bldP spid="9" grpId="0" animBg="1"/>
+    </p:bldLst>
+  </p:timing>
+</p:sld>
+</file>
+
+<file path=ppt/slides/slide8.xml><?xml version="1.0" encoding="utf-8"?>
+<p:sld xmlns:a="http://schemas.openxmlformats.org/drawingml/2006/main" xmlns:r="http://schemas.openxmlformats.org/officeDocument/2006/relationships" xmlns:p="http://schemas.openxmlformats.org/presentationml/2006/main">
+  <p:cSld>
+    <p:spTree>
+      <p:nvGrpSpPr>
+        <p:cNvPr id="1" name=""/>
+        <p:cNvGrpSpPr/>
+        <p:nvPr/>
+      </p:nvGrpSpPr>
+      <p:grpSpPr>
+        <a:xfrm>
+          <a:off x="0" y="0"/>
+          <a:ext cx="0" cy="0"/>
+          <a:chOff x="0" y="0"/>
+          <a:chExt cx="0" cy="0"/>
+        </a:xfrm>
+      </p:grpSpPr>
+      <p:sp>
+        <p:nvSpPr>
+          <p:cNvPr id="2" name="タイトル 1">
+            <a:extLst>
+              <a:ext uri="{FF2B5EF4-FFF2-40B4-BE49-F238E27FC236}">
+                <a16:creationId xmlns:a16="http://schemas.microsoft.com/office/drawing/2014/main" id="{A3CA44FB-64E1-44F3-9DA9-ACF94A1E277A}"/>
+              </a:ext>
+            </a:extLst>
+          </p:cNvPr>
+          <p:cNvSpPr>
+            <a:spLocks noGrp="1"/>
+          </p:cNvSpPr>
+          <p:nvPr>
+            <p:ph type="title"/>
+          </p:nvPr>
+        </p:nvSpPr>
+        <p:spPr/>
+        <p:txBody>
+          <a:bodyPr/>
+          <a:lstStyle/>
+          <a:p>
+            <a:r>
+              <a:rPr kumimoji="1" lang="en-US" altLang="ja-JP" dirty="0">
+                <a:latin typeface="Takaoゴシック" panose="020B0509000000000000" pitchFamily="49" charset="-128"/>
+                <a:ea typeface="Takaoゴシック" panose="020B0509000000000000" pitchFamily="49" charset="-128"/>
+              </a:rPr>
+              <a:t>02.WSL</a:t>
+            </a:r>
+            <a:r>
+              <a:rPr lang="en-US" altLang="ja-JP" dirty="0">
+                <a:latin typeface="Takaoゴシック" panose="020B0509000000000000" pitchFamily="49" charset="-128"/>
+                <a:ea typeface="Takaoゴシック" panose="020B0509000000000000" pitchFamily="49" charset="-128"/>
+              </a:rPr>
+              <a:t>(Linux)</a:t>
+            </a:r>
+            <a:r>
+              <a:rPr lang="ja-JP" altLang="en-US" dirty="0">
+                <a:latin typeface="Takaoゴシック" panose="020B0509000000000000" pitchFamily="49" charset="-128"/>
+                <a:ea typeface="Takaoゴシック" panose="020B0509000000000000" pitchFamily="49" charset="-128"/>
+              </a:rPr>
+              <a:t>のインストール</a:t>
+            </a:r>
+            <a:endParaRPr kumimoji="1" lang="ja-JP" altLang="en-US" dirty="0">
+              <a:latin typeface="Takaoゴシック" panose="020B0509000000000000" pitchFamily="49" charset="-128"/>
+              <a:ea typeface="Takaoゴシック" panose="020B0509000000000000" pitchFamily="49" charset="-128"/>
+            </a:endParaRPr>
+          </a:p>
+        </p:txBody>
+      </p:sp>
+      <p:sp>
+        <p:nvSpPr>
+          <p:cNvPr id="3" name="コンテンツ プレースホルダー 2">
+            <a:extLst>
+              <a:ext uri="{FF2B5EF4-FFF2-40B4-BE49-F238E27FC236}">
+                <a16:creationId xmlns:a16="http://schemas.microsoft.com/office/drawing/2014/main" id="{C044A338-8D2B-45EC-BE8C-FFE21B5C386E}"/>
+              </a:ext>
+            </a:extLst>
+          </p:cNvPr>
+          <p:cNvSpPr>
+            <a:spLocks noGrp="1"/>
+          </p:cNvSpPr>
+          <p:nvPr>
+            <p:ph idx="1"/>
+          </p:nvPr>
+        </p:nvSpPr>
+        <p:spPr/>
+        <p:txBody>
+          <a:bodyPr/>
+          <a:lstStyle/>
+          <a:p>
+            <a:r>
+              <a:rPr kumimoji="1" lang="ja-JP" altLang="en-US" dirty="0">
+                <a:latin typeface="TakaoExゴシック" panose="020B0500000000000000" pitchFamily="50" charset="-128"/>
+                <a:ea typeface="TakaoExゴシック" panose="020B0500000000000000" pitchFamily="50" charset="-128"/>
+              </a:rPr>
+              <a:t>インストール後、スタートメニュー</a:t>
+            </a:r>
+            <a:r>
+              <a:rPr kumimoji="1" lang="en-US" altLang="ja-JP" dirty="0">
+                <a:latin typeface="TakaoExゴシック" panose="020B0500000000000000" pitchFamily="50" charset="-128"/>
+                <a:ea typeface="TakaoExゴシック" panose="020B0500000000000000" pitchFamily="50" charset="-128"/>
+              </a:rPr>
+              <a:t>&gt;Ubuntu</a:t>
+            </a:r>
+            <a:r>
+              <a:rPr kumimoji="1" lang="ja-JP" altLang="en-US" dirty="0">
+                <a:latin typeface="TakaoExゴシック" panose="020B0500000000000000" pitchFamily="50" charset="-128"/>
+                <a:ea typeface="TakaoExゴシック" panose="020B0500000000000000" pitchFamily="50" charset="-128"/>
+              </a:rPr>
+              <a:t>をクリック</a:t>
+            </a:r>
+            <a:endParaRPr kumimoji="1" lang="en-US" altLang="ja-JP" dirty="0">
+              <a:latin typeface="TakaoExゴシック" panose="020B0500000000000000" pitchFamily="50" charset="-128"/>
+              <a:ea typeface="TakaoExゴシック" panose="020B0500000000000000" pitchFamily="50" charset="-128"/>
+            </a:endParaRPr>
+          </a:p>
+          <a:p>
+            <a:r>
+              <a:rPr kumimoji="1" lang="ja-JP" altLang="en-US" dirty="0">
+                <a:latin typeface="TakaoExゴシック" panose="020B0500000000000000" pitchFamily="50" charset="-128"/>
+                <a:ea typeface="TakaoExゴシック" panose="020B0500000000000000" pitchFamily="50" charset="-128"/>
+              </a:rPr>
+              <a:t>初回起動時はファイル展開があるためしばらく待つ</a:t>
+            </a:r>
+          </a:p>
+        </p:txBody>
+      </p:sp>
+      <p:pic>
+        <p:nvPicPr>
+          <p:cNvPr id="5" name="図 4">
+            <a:extLst>
+              <a:ext uri="{FF2B5EF4-FFF2-40B4-BE49-F238E27FC236}">
+                <a16:creationId xmlns:a16="http://schemas.microsoft.com/office/drawing/2014/main" id="{B7624A49-5236-45DD-B40B-C8BE5F07F5CD}"/>
+              </a:ext>
+            </a:extLst>
+          </p:cNvPr>
+          <p:cNvPicPr>
+            <a:picLocks noChangeAspect="1"/>
+          </p:cNvPicPr>
+          <p:nvPr/>
+        </p:nvPicPr>
+        <p:blipFill>
+          <a:blip r:embed="rId2">
+            <a:extLst>
+              <a:ext uri="{28A0092B-C50C-407E-A947-70E740481C1C}">
+                <a14:useLocalDpi xmlns:a14="http://schemas.microsoft.com/office/drawing/2010/main" val="0"/>
+              </a:ext>
+            </a:extLst>
+          </a:blip>
+          <a:stretch>
+            <a:fillRect/>
+          </a:stretch>
+        </p:blipFill>
+        <p:spPr>
+          <a:xfrm>
+            <a:off x="609600" y="1401655"/>
+            <a:ext cx="2659610" cy="5311600"/>
+          </a:xfrm>
+          <a:prstGeom prst="rect">
+            <a:avLst/>
+          </a:prstGeom>
+        </p:spPr>
+      </p:pic>
+      <p:pic>
+        <p:nvPicPr>
+          <p:cNvPr id="10" name="図 9">
+            <a:extLst>
+              <a:ext uri="{FF2B5EF4-FFF2-40B4-BE49-F238E27FC236}">
+                <a16:creationId xmlns:a16="http://schemas.microsoft.com/office/drawing/2014/main" id="{71CE915D-B2F9-4449-A2E0-248B16C1BE44}"/>
+              </a:ext>
+            </a:extLst>
+          </p:cNvPr>
+          <p:cNvPicPr>
+            <a:picLocks noChangeAspect="1"/>
+          </p:cNvPicPr>
+          <p:nvPr/>
+        </p:nvPicPr>
+        <p:blipFill rotWithShape="1">
+          <a:blip r:embed="rId3">
+            <a:extLst>
+              <a:ext uri="{28A0092B-C50C-407E-A947-70E740481C1C}">
+                <a14:useLocalDpi xmlns:a14="http://schemas.microsoft.com/office/drawing/2010/main" val="0"/>
+              </a:ext>
+            </a:extLst>
+          </a:blip>
+          <a:srcRect r="56634" b="64852"/>
+          <a:stretch/>
+        </p:blipFill>
+        <p:spPr>
+          <a:xfrm>
+            <a:off x="3965727" y="3429000"/>
+            <a:ext cx="7616673" cy="3284255"/>
+          </a:xfrm>
+          <a:prstGeom prst="rect">
+            <a:avLst/>
+          </a:prstGeom>
+        </p:spPr>
+      </p:pic>
+      <p:sp>
+        <p:nvSpPr>
+          <p:cNvPr id="12" name="楕円 11">
+            <a:extLst>
+              <a:ext uri="{FF2B5EF4-FFF2-40B4-BE49-F238E27FC236}">
+                <a16:creationId xmlns:a16="http://schemas.microsoft.com/office/drawing/2014/main" id="{645612C9-B624-4549-AD5F-68A5B568E350}"/>
+              </a:ext>
+            </a:extLst>
+          </p:cNvPr>
+          <p:cNvSpPr/>
+          <p:nvPr/>
+        </p:nvSpPr>
+        <p:spPr>
+          <a:xfrm>
+            <a:off x="821805" y="3942080"/>
+            <a:ext cx="2235200" cy="924560"/>
+          </a:xfrm>
+          <a:prstGeom prst="ellipse">
+            <a:avLst/>
+          </a:prstGeom>
+          <a:noFill/>
+          <a:ln w="76200">
+            <a:solidFill>
+              <a:srgbClr val="FF0000"/>
+            </a:solidFill>
+          </a:ln>
+        </p:spPr>
+        <p:style>
+          <a:lnRef idx="2">
+            <a:schemeClr val="accent1">
+              <a:shade val="50000"/>
+            </a:schemeClr>
+          </a:lnRef>
+          <a:fillRef idx="1">
+            <a:schemeClr val="accent1"/>
+          </a:fillRef>
+          <a:effectRef idx="0">
+            <a:schemeClr val="accent1"/>
+          </a:effectRef>
+          <a:fontRef idx="minor">
+            <a:schemeClr val="lt1"/>
+          </a:fontRef>
+        </p:style>
+        <p:txBody>
+          <a:bodyPr rtlCol="0" anchor="ctr"/>
+          <a:lstStyle/>
+          <a:p>
+            <a:pPr algn="ctr"/>
+            <a:endParaRPr kumimoji="1" lang="ja-JP" altLang="en-US"/>
+          </a:p>
+        </p:txBody>
+      </p:sp>
+      <p:cxnSp>
+        <p:nvCxnSpPr>
+          <p:cNvPr id="15" name="直線矢印コネクタ 14">
+            <a:extLst>
+              <a:ext uri="{FF2B5EF4-FFF2-40B4-BE49-F238E27FC236}">
+                <a16:creationId xmlns:a16="http://schemas.microsoft.com/office/drawing/2014/main" id="{A71ED246-DDF0-4B22-94DA-AA4333D600BD}"/>
+              </a:ext>
+            </a:extLst>
+          </p:cNvPr>
+          <p:cNvCxnSpPr>
+            <a:stCxn id="12" idx="6"/>
+          </p:cNvCxnSpPr>
+          <p:nvPr/>
+        </p:nvCxnSpPr>
+        <p:spPr>
+          <a:xfrm>
+            <a:off x="3057005" y="4404360"/>
+            <a:ext cx="1027315" cy="35560"/>
+          </a:xfrm>
+          <a:prstGeom prst="straightConnector1">
+            <a:avLst/>
+          </a:prstGeom>
+          <a:ln w="76200">
+            <a:solidFill>
+              <a:srgbClr val="FF0000"/>
+            </a:solidFill>
+            <a:tailEnd type="triangle"/>
+          </a:ln>
+        </p:spPr>
+        <p:style>
+          <a:lnRef idx="1">
+            <a:schemeClr val="accent1"/>
+          </a:lnRef>
+          <a:fillRef idx="0">
+            <a:schemeClr val="accent1"/>
+          </a:fillRef>
+          <a:effectRef idx="0">
+            <a:schemeClr val="accent1"/>
+          </a:effectRef>
+          <a:fontRef idx="minor">
+            <a:schemeClr val="tx1"/>
+          </a:fontRef>
+        </p:style>
+      </p:cxnSp>
+    </p:spTree>
+    <p:extLst>
+      <p:ext uri="{BB962C8B-B14F-4D97-AF65-F5344CB8AC3E}">
+        <p14:creationId xmlns:p14="http://schemas.microsoft.com/office/powerpoint/2010/main" val="107888224"/>
+      </p:ext>
+    </p:extLst>
+  </p:cSld>
+  <p:clrMapOvr>
+    <a:masterClrMapping/>
+  </p:clrMapOvr>
+  <p:timing>
+    <p:tnLst>
+      <p:par>
+        <p:cTn id="1" dur="indefinite" restart="never" nodeType="tmRoot">
+          <p:childTnLst>
+            <p:seq concurrent="1" nextAc="seek">
+              <p:cTn id="2" dur="indefinite" nodeType="mainSeq">
+                <p:childTnLst>
+                  <p:par>
+                    <p:cTn id="3" fill="hold">
+                      <p:stCondLst>
+                        <p:cond delay="indefinite"/>
+                      </p:stCondLst>
+                      <p:childTnLst>
+                        <p:par>
+                          <p:cTn id="4" fill="hold">
+                            <p:stCondLst>
+                              <p:cond delay="0"/>
+                            </p:stCondLst>
+                            <p:childTnLst>
+                              <p:par>
+                                <p:cTn id="5" presetID="1" presetClass="entr" presetSubtype="0" fill="hold" grpId="0" nodeType="clickEffect">
+                                  <p:stCondLst>
+                                    <p:cond delay="0"/>
+                                  </p:stCondLst>
+                                  <p:childTnLst>
+                                    <p:set>
+                                      <p:cBhvr>
+                                        <p:cTn id="6" dur="1" fill="hold">
+                                          <p:stCondLst>
+                                            <p:cond delay="0"/>
+                                          </p:stCondLst>
+                                        </p:cTn>
+                                        <p:tgtEl>
+                                          <p:spTgt spid="3">
+                                            <p:txEl>
+                                              <p:pRg st="0" end="0"/>
+                                            </p:txEl>
+                                          </p:spTgt>
+                                        </p:tgtEl>
+                                        <p:attrNameLst>
+                                          <p:attrName>style.visibility</p:attrName>
+                                        </p:attrNameLst>
+                                      </p:cBhvr>
+                                      <p:to>
+                                        <p:strVal val="visible"/>
+                                      </p:to>
+                                    </p:set>
+                                  </p:childTnLst>
+                                </p:cTn>
+                              </p:par>
+                            </p:childTnLst>
+                          </p:cTn>
+                        </p:par>
+                      </p:childTnLst>
+                    </p:cTn>
+                  </p:par>
+                  <p:par>
+                    <p:cTn id="7" fill="hold">
+                      <p:stCondLst>
+                        <p:cond delay="indefinite"/>
+                      </p:stCondLst>
+                      <p:childTnLst>
+                        <p:par>
+                          <p:cTn id="8" fill="hold">
+                            <p:stCondLst>
+                              <p:cond delay="0"/>
+                            </p:stCondLst>
+                            <p:childTnLst>
+                              <p:par>
+                                <p:cTn id="9" presetID="1" presetClass="entr" presetSubtype="0" fill="hold" grpId="0" nodeType="clickEffect">
+                                  <p:stCondLst>
+                                    <p:cond delay="0"/>
+                                  </p:stCondLst>
+                                  <p:childTnLst>
+                                    <p:set>
+                                      <p:cBhvr>
+                                        <p:cTn id="10" dur="1" fill="hold">
+                                          <p:stCondLst>
+                                            <p:cond delay="0"/>
+                                          </p:stCondLst>
+                                        </p:cTn>
+                                        <p:tgtEl>
+                                          <p:spTgt spid="3">
+                                            <p:txEl>
+                                              <p:pRg st="1" end="1"/>
+                                            </p:txEl>
+                                          </p:spTgt>
+                                        </p:tgtEl>
+                                        <p:attrNameLst>
+                                          <p:attrName>style.visibility</p:attrName>
+                                        </p:attrNameLst>
+                                      </p:cBhvr>
+                                      <p:to>
+                                        <p:strVal val="visible"/>
+                                      </p:to>
+                                    </p:set>
+                                  </p:childTnLst>
+                                </p:cTn>
+                              </p:par>
+                            </p:childTnLst>
+                          </p:cTn>
+                        </p:par>
+                      </p:childTnLst>
+                    </p:cTn>
+                  </p:par>
+                  <p:par>
+                    <p:cTn id="11" fill="hold">
+                      <p:stCondLst>
+                        <p:cond delay="indefinite"/>
+                      </p:stCondLst>
+                      <p:childTnLst>
+                        <p:par>
+                          <p:cTn id="12" fill="hold">
+                            <p:stCondLst>
+                              <p:cond delay="0"/>
+                            </p:stCondLst>
+                            <p:childTnLst>
+                              <p:par>
+                                <p:cTn id="13" presetID="22" presetClass="entr" presetSubtype="4" fill="hold" nodeType="clickEffect">
+                                  <p:stCondLst>
+                                    <p:cond delay="0"/>
+                                  </p:stCondLst>
+                                  <p:childTnLst>
+                                    <p:set>
+                                      <p:cBhvr>
+                                        <p:cTn id="14" dur="1" fill="hold">
+                                          <p:stCondLst>
+                                            <p:cond delay="0"/>
+                                          </p:stCondLst>
+                                        </p:cTn>
+                                        <p:tgtEl>
+                                          <p:spTgt spid="5"/>
+                                        </p:tgtEl>
+                                        <p:attrNameLst>
+                                          <p:attrName>style.visibility</p:attrName>
+                                        </p:attrNameLst>
+                                      </p:cBhvr>
+                                      <p:to>
+                                        <p:strVal val="visible"/>
+                                      </p:to>
+                                    </p:set>
+                                    <p:animEffect transition="in" filter="wipe(down)">
+                                      <p:cBhvr>
+                                        <p:cTn id="15" dur="500"/>
+                                        <p:tgtEl>
+                                          <p:spTgt spid="5"/>
+                                        </p:tgtEl>
+                                      </p:cBhvr>
+                                    </p:animEffect>
+                                  </p:childTnLst>
+                                </p:cTn>
+                              </p:par>
+                            </p:childTnLst>
+                          </p:cTn>
+                        </p:par>
+                        <p:par>
+                          <p:cTn id="16" fill="hold">
+                            <p:stCondLst>
+                              <p:cond delay="500"/>
+                            </p:stCondLst>
+                            <p:childTnLst>
+                              <p:par>
+                                <p:cTn id="17" presetID="1" presetClass="entr" presetSubtype="0" fill="hold" grpId="0" nodeType="afterEffect">
+                                  <p:stCondLst>
+                                    <p:cond delay="0"/>
+                                  </p:stCondLst>
+                                  <p:childTnLst>
+                                    <p:set>
+                                      <p:cBhvr>
+                                        <p:cTn id="18" dur="1" fill="hold">
+                                          <p:stCondLst>
+                                            <p:cond delay="0"/>
+                                          </p:stCondLst>
+                                        </p:cTn>
+                                        <p:tgtEl>
+                                          <p:spTgt spid="12"/>
+                                        </p:tgtEl>
+                                        <p:attrNameLst>
+                                          <p:attrName>style.visibility</p:attrName>
+                                        </p:attrNameLst>
+                                      </p:cBhvr>
+                                      <p:to>
+                                        <p:strVal val="visible"/>
+                                      </p:to>
+                                    </p:set>
+                                  </p:childTnLst>
+                                </p:cTn>
+                              </p:par>
+                            </p:childTnLst>
+                          </p:cTn>
+                        </p:par>
+                      </p:childTnLst>
+                    </p:cTn>
+                  </p:par>
+                  <p:par>
+                    <p:cTn id="19" fill="hold">
+                      <p:stCondLst>
+                        <p:cond delay="indefinite"/>
+                      </p:stCondLst>
+                      <p:childTnLst>
+                        <p:par>
+                          <p:cTn id="20" fill="hold">
+                            <p:stCondLst>
+                              <p:cond delay="0"/>
+                            </p:stCondLst>
+                            <p:childTnLst>
+                              <p:par>
+                                <p:cTn id="21" presetID="22" presetClass="entr" presetSubtype="1" fill="hold" nodeType="clickEffect">
+                                  <p:stCondLst>
+                                    <p:cond delay="0"/>
+                                  </p:stCondLst>
+                                  <p:childTnLst>
+                                    <p:set>
+                                      <p:cBhvr>
+                                        <p:cTn id="22" dur="1" fill="hold">
+                                          <p:stCondLst>
+                                            <p:cond delay="0"/>
+                                          </p:stCondLst>
+                                        </p:cTn>
+                                        <p:tgtEl>
+                                          <p:spTgt spid="10"/>
+                                        </p:tgtEl>
+                                        <p:attrNameLst>
+                                          <p:attrName>style.visibility</p:attrName>
+                                        </p:attrNameLst>
+                                      </p:cBhvr>
+                                      <p:to>
+                                        <p:strVal val="visible"/>
+                                      </p:to>
+                                    </p:set>
+                                    <p:animEffect transition="in" filter="wipe(up)">
+                                      <p:cBhvr>
+                                        <p:cTn id="23" dur="500"/>
+                                        <p:tgtEl>
+                                          <p:spTgt spid="10"/>
+                                        </p:tgtEl>
+                                      </p:cBhvr>
+                                    </p:animEffect>
+                                  </p:childTnLst>
+                                </p:cTn>
+                              </p:par>
+                            </p:childTnLst>
+                          </p:cTn>
+                        </p:par>
+                        <p:par>
+                          <p:cTn id="24" fill="hold">
+                            <p:stCondLst>
+                              <p:cond delay="500"/>
+                            </p:stCondLst>
+                            <p:childTnLst>
+                              <p:par>
+                                <p:cTn id="25" presetID="22" presetClass="entr" presetSubtype="8" fill="hold" nodeType="afterEffect">
+                                  <p:stCondLst>
+                                    <p:cond delay="0"/>
+                                  </p:stCondLst>
+                                  <p:childTnLst>
+                                    <p:set>
+                                      <p:cBhvr>
+                                        <p:cTn id="26" dur="1" fill="hold">
+                                          <p:stCondLst>
+                                            <p:cond delay="0"/>
+                                          </p:stCondLst>
+                                        </p:cTn>
+                                        <p:tgtEl>
+                                          <p:spTgt spid="15"/>
+                                        </p:tgtEl>
+                                        <p:attrNameLst>
+                                          <p:attrName>style.visibility</p:attrName>
+                                        </p:attrNameLst>
+                                      </p:cBhvr>
+                                      <p:to>
+                                        <p:strVal val="visible"/>
+                                      </p:to>
+                                    </p:set>
+                                    <p:animEffect transition="in" filter="wipe(left)">
+                                      <p:cBhvr>
+                                        <p:cTn id="27" dur="500"/>
+                                        <p:tgtEl>
+                                          <p:spTgt spid="15"/>
+                                        </p:tgtEl>
+                                      </p:cBhvr>
+                                    </p:animEffect>
+                                  </p:childTnLst>
+                                </p:cTn>
+                              </p:par>
+                            </p:childTnLst>
+                          </p:cTn>
+                        </p:par>
+                      </p:childTnLst>
+                    </p:cTn>
+                  </p:par>
+                </p:childTnLst>
+              </p:cTn>
+              <p:prevCondLst>
+                <p:cond evt="onPrev" delay="0">
+                  <p:tgtEl>
+                    <p:sldTgt/>
+                  </p:tgtEl>
+                </p:cond>
+              </p:prevCondLst>
+              <p:nextCondLst>
+                <p:cond evt="onNext" delay="0">
+                  <p:tgtEl>
+                    <p:sldTgt/>
+                  </p:tgtEl>
+                </p:cond>
+              </p:nextCondLst>
+            </p:seq>
+          </p:childTnLst>
+        </p:cTn>
+      </p:par>
+    </p:tnLst>
+    <p:bldLst>
+      <p:bldP spid="3" grpId="0" uiExpand="1" build="p"/>
+      <p:bldP spid="12" grpId="0" animBg="1"/>
+    </p:bldLst>
+  </p:timing>
 </p:sld>
 </file>
 

--- a/RE_SIMU_ON_WSL.pptx
+++ b/RE_SIMU_ON_WSL.pptx
@@ -13,6 +13,10 @@
     <p:sldId id="262" r:id="rId7"/>
     <p:sldId id="263" r:id="rId8"/>
     <p:sldId id="264" r:id="rId9"/>
+    <p:sldId id="265" r:id="rId10"/>
+    <p:sldId id="266" r:id="rId11"/>
+    <p:sldId id="267" r:id="rId12"/>
+    <p:sldId id="268" r:id="rId13"/>
   </p:sldIdLst>
   <p:sldSz cx="12192000" cy="6858000"/>
   <p:notesSz cx="6858000" cy="9144000"/>
@@ -7682,6 +7686,1810 @@
 </p:sld>
 </file>
 
+<file path=ppt/slides/slide10.xml><?xml version="1.0" encoding="utf-8"?>
+<p:sld xmlns:a="http://schemas.openxmlformats.org/drawingml/2006/main" xmlns:r="http://schemas.openxmlformats.org/officeDocument/2006/relationships" xmlns:p="http://schemas.openxmlformats.org/presentationml/2006/main">
+  <p:cSld>
+    <p:spTree>
+      <p:nvGrpSpPr>
+        <p:cNvPr id="1" name=""/>
+        <p:cNvGrpSpPr/>
+        <p:nvPr/>
+      </p:nvGrpSpPr>
+      <p:grpSpPr>
+        <a:xfrm>
+          <a:off x="0" y="0"/>
+          <a:ext cx="0" cy="0"/>
+          <a:chOff x="0" y="0"/>
+          <a:chExt cx="0" cy="0"/>
+        </a:xfrm>
+      </p:grpSpPr>
+      <p:pic>
+        <p:nvPicPr>
+          <p:cNvPr id="5" name="図 4">
+            <a:extLst>
+              <a:ext uri="{FF2B5EF4-FFF2-40B4-BE49-F238E27FC236}">
+                <a16:creationId xmlns:a16="http://schemas.microsoft.com/office/drawing/2014/main" id="{8451D59E-7D6F-42FB-BF61-1A5EAAA92F47}"/>
+              </a:ext>
+            </a:extLst>
+          </p:cNvPr>
+          <p:cNvPicPr>
+            <a:picLocks noChangeAspect="1"/>
+          </p:cNvPicPr>
+          <p:nvPr/>
+        </p:nvPicPr>
+        <p:blipFill rotWithShape="1">
+          <a:blip r:embed="rId2">
+            <a:extLst>
+              <a:ext uri="{28A0092B-C50C-407E-A947-70E740481C1C}">
+                <a14:useLocalDpi xmlns:a14="http://schemas.microsoft.com/office/drawing/2010/main" val="0"/>
+              </a:ext>
+            </a:extLst>
+          </a:blip>
+          <a:srcRect r="42316" b="50000"/>
+          <a:stretch/>
+        </p:blipFill>
+        <p:spPr>
+          <a:xfrm>
+            <a:off x="261647" y="3952240"/>
+            <a:ext cx="5987066" cy="2791548"/>
+          </a:xfrm>
+          <a:prstGeom prst="rect">
+            <a:avLst/>
+          </a:prstGeom>
+        </p:spPr>
+      </p:pic>
+      <p:sp>
+        <p:nvSpPr>
+          <p:cNvPr id="2" name="タイトル 1">
+            <a:extLst>
+              <a:ext uri="{FF2B5EF4-FFF2-40B4-BE49-F238E27FC236}">
+                <a16:creationId xmlns:a16="http://schemas.microsoft.com/office/drawing/2014/main" id="{A3CA44FB-64E1-44F3-9DA9-ACF94A1E277A}"/>
+              </a:ext>
+            </a:extLst>
+          </p:cNvPr>
+          <p:cNvSpPr>
+            <a:spLocks noGrp="1"/>
+          </p:cNvSpPr>
+          <p:nvPr>
+            <p:ph type="title"/>
+          </p:nvPr>
+        </p:nvSpPr>
+        <p:spPr/>
+        <p:txBody>
+          <a:bodyPr/>
+          <a:lstStyle/>
+          <a:p>
+            <a:r>
+              <a:rPr kumimoji="1" lang="en-US" altLang="ja-JP" dirty="0">
+                <a:latin typeface="Takaoゴシック" panose="020B0509000000000000" pitchFamily="49" charset="-128"/>
+                <a:ea typeface="Takaoゴシック" panose="020B0509000000000000" pitchFamily="49" charset="-128"/>
+              </a:rPr>
+              <a:t>02.WSL</a:t>
+            </a:r>
+            <a:r>
+              <a:rPr lang="en-US" altLang="ja-JP" dirty="0">
+                <a:latin typeface="Takaoゴシック" panose="020B0509000000000000" pitchFamily="49" charset="-128"/>
+                <a:ea typeface="Takaoゴシック" panose="020B0509000000000000" pitchFamily="49" charset="-128"/>
+              </a:rPr>
+              <a:t>(Linux)</a:t>
+            </a:r>
+            <a:r>
+              <a:rPr lang="ja-JP" altLang="en-US" dirty="0">
+                <a:latin typeface="Takaoゴシック" panose="020B0509000000000000" pitchFamily="49" charset="-128"/>
+                <a:ea typeface="Takaoゴシック" panose="020B0509000000000000" pitchFamily="49" charset="-128"/>
+              </a:rPr>
+              <a:t>のインストール</a:t>
+            </a:r>
+            <a:endParaRPr kumimoji="1" lang="ja-JP" altLang="en-US" dirty="0">
+              <a:latin typeface="Takaoゴシック" panose="020B0509000000000000" pitchFamily="49" charset="-128"/>
+              <a:ea typeface="Takaoゴシック" panose="020B0509000000000000" pitchFamily="49" charset="-128"/>
+            </a:endParaRPr>
+          </a:p>
+        </p:txBody>
+      </p:sp>
+      <p:sp>
+        <p:nvSpPr>
+          <p:cNvPr id="3" name="コンテンツ プレースホルダー 2">
+            <a:extLst>
+              <a:ext uri="{FF2B5EF4-FFF2-40B4-BE49-F238E27FC236}">
+                <a16:creationId xmlns:a16="http://schemas.microsoft.com/office/drawing/2014/main" id="{C044A338-8D2B-45EC-BE8C-FFE21B5C386E}"/>
+              </a:ext>
+            </a:extLst>
+          </p:cNvPr>
+          <p:cNvSpPr>
+            <a:spLocks noGrp="1"/>
+          </p:cNvSpPr>
+          <p:nvPr>
+            <p:ph idx="1"/>
+          </p:nvPr>
+        </p:nvSpPr>
+        <p:spPr>
+          <a:xfrm>
+            <a:off x="609600" y="1981200"/>
+            <a:ext cx="10972800" cy="3886200"/>
+          </a:xfrm>
+        </p:spPr>
+        <p:txBody>
+          <a:bodyPr/>
+          <a:lstStyle/>
+          <a:p>
+            <a:r>
+              <a:rPr kumimoji="1" lang="ja-JP" altLang="en-US" dirty="0">
+                <a:latin typeface="TakaoExゴシック" panose="020B0500000000000000" pitchFamily="50" charset="-128"/>
+                <a:ea typeface="TakaoExゴシック" panose="020B0500000000000000" pitchFamily="50" charset="-128"/>
+              </a:rPr>
+              <a:t>インストール後、まずアップデートを行う</a:t>
+            </a:r>
+            <a:endParaRPr kumimoji="1" lang="en-US" altLang="ja-JP" dirty="0">
+              <a:latin typeface="TakaoExゴシック" panose="020B0500000000000000" pitchFamily="50" charset="-128"/>
+              <a:ea typeface="TakaoExゴシック" panose="020B0500000000000000" pitchFamily="50" charset="-128"/>
+            </a:endParaRPr>
+          </a:p>
+          <a:p>
+            <a:pPr lvl="1"/>
+            <a:r>
+              <a:rPr kumimoji="1" lang="ja-JP" altLang="en-US" dirty="0">
+                <a:latin typeface="TakaoExゴシック" panose="020B0500000000000000" pitchFamily="50" charset="-128"/>
+                <a:ea typeface="TakaoExゴシック" panose="020B0500000000000000" pitchFamily="50" charset="-128"/>
+              </a:rPr>
+              <a:t>日本語化もこのときに行えるがここでは省略</a:t>
+            </a:r>
+            <a:endParaRPr kumimoji="1" lang="en-US" altLang="ja-JP" dirty="0">
+              <a:latin typeface="TakaoExゴシック" panose="020B0500000000000000" pitchFamily="50" charset="-128"/>
+              <a:ea typeface="TakaoExゴシック" panose="020B0500000000000000" pitchFamily="50" charset="-128"/>
+            </a:endParaRPr>
+          </a:p>
+          <a:p>
+            <a:r>
+              <a:rPr kumimoji="1" lang="ja-JP" altLang="en-US" dirty="0">
+                <a:latin typeface="TakaoExゴシック" panose="020B0500000000000000" pitchFamily="50" charset="-128"/>
+                <a:ea typeface="TakaoExゴシック" panose="020B0500000000000000" pitchFamily="50" charset="-128"/>
+              </a:rPr>
+              <a:t>コマンドは管理者権限を要するため、「</a:t>
+            </a:r>
+            <a:r>
+              <a:rPr kumimoji="1" lang="en-US" altLang="ja-JP" dirty="0" err="1">
+                <a:latin typeface="TakaoExゴシック" panose="020B0500000000000000" pitchFamily="50" charset="-128"/>
+                <a:ea typeface="TakaoExゴシック" panose="020B0500000000000000" pitchFamily="50" charset="-128"/>
+              </a:rPr>
+              <a:t>sudo</a:t>
+            </a:r>
+            <a:r>
+              <a:rPr kumimoji="1" lang="ja-JP" altLang="en-US" dirty="0">
+                <a:latin typeface="TakaoExゴシック" panose="020B0500000000000000" pitchFamily="50" charset="-128"/>
+                <a:ea typeface="TakaoExゴシック" panose="020B0500000000000000" pitchFamily="50" charset="-128"/>
+              </a:rPr>
+              <a:t>」必要</a:t>
+            </a:r>
+            <a:endParaRPr kumimoji="1" lang="en-US" altLang="ja-JP" dirty="0">
+              <a:latin typeface="TakaoExゴシック" panose="020B0500000000000000" pitchFamily="50" charset="-128"/>
+              <a:ea typeface="TakaoExゴシック" panose="020B0500000000000000" pitchFamily="50" charset="-128"/>
+            </a:endParaRPr>
+          </a:p>
+          <a:p>
+            <a:r>
+              <a:rPr lang="en-US" altLang="ja-JP" dirty="0" err="1">
+                <a:latin typeface="TakaoExゴシック" panose="020B0500000000000000" pitchFamily="50" charset="-128"/>
+                <a:ea typeface="TakaoExゴシック" panose="020B0500000000000000" pitchFamily="50" charset="-128"/>
+              </a:rPr>
+              <a:t>sudo</a:t>
+            </a:r>
+            <a:r>
+              <a:rPr lang="en-US" altLang="ja-JP" dirty="0">
+                <a:latin typeface="TakaoExゴシック" panose="020B0500000000000000" pitchFamily="50" charset="-128"/>
+                <a:ea typeface="TakaoExゴシック" panose="020B0500000000000000" pitchFamily="50" charset="-128"/>
+              </a:rPr>
+              <a:t> apt update</a:t>
+            </a:r>
+            <a:r>
+              <a:rPr lang="ja-JP" altLang="en-US" dirty="0">
+                <a:latin typeface="TakaoExゴシック" panose="020B0500000000000000" pitchFamily="50" charset="-128"/>
+                <a:ea typeface="TakaoExゴシック" panose="020B0500000000000000" pitchFamily="50" charset="-128"/>
+              </a:rPr>
+              <a:t>で最新情報取得、</a:t>
+            </a:r>
+            <a:r>
+              <a:rPr lang="en-US" altLang="ja-JP" dirty="0" err="1">
+                <a:latin typeface="TakaoExゴシック" panose="020B0500000000000000" pitchFamily="50" charset="-128"/>
+                <a:ea typeface="TakaoExゴシック" panose="020B0500000000000000" pitchFamily="50" charset="-128"/>
+              </a:rPr>
+              <a:t>sudo</a:t>
+            </a:r>
+            <a:r>
+              <a:rPr lang="en-US" altLang="ja-JP" dirty="0">
+                <a:latin typeface="TakaoExゴシック" panose="020B0500000000000000" pitchFamily="50" charset="-128"/>
+                <a:ea typeface="TakaoExゴシック" panose="020B0500000000000000" pitchFamily="50" charset="-128"/>
+              </a:rPr>
+              <a:t> apt upgrade</a:t>
+            </a:r>
+            <a:r>
+              <a:rPr lang="ja-JP" altLang="en-US" dirty="0">
+                <a:latin typeface="TakaoExゴシック" panose="020B0500000000000000" pitchFamily="50" charset="-128"/>
+                <a:ea typeface="TakaoExゴシック" panose="020B0500000000000000" pitchFamily="50" charset="-128"/>
+              </a:rPr>
+              <a:t>で更新の２段階で行う</a:t>
+            </a:r>
+            <a:endParaRPr kumimoji="1" lang="ja-JP" altLang="en-US" dirty="0">
+              <a:latin typeface="TakaoExゴシック" panose="020B0500000000000000" pitchFamily="50" charset="-128"/>
+              <a:ea typeface="TakaoExゴシック" panose="020B0500000000000000" pitchFamily="50" charset="-128"/>
+            </a:endParaRPr>
+          </a:p>
+        </p:txBody>
+      </p:sp>
+      <p:pic>
+        <p:nvPicPr>
+          <p:cNvPr id="10" name="図 9">
+            <a:extLst>
+              <a:ext uri="{FF2B5EF4-FFF2-40B4-BE49-F238E27FC236}">
+                <a16:creationId xmlns:a16="http://schemas.microsoft.com/office/drawing/2014/main" id="{A3B5C695-FF5E-4B7E-ACA4-BFB2D4DD546B}"/>
+              </a:ext>
+            </a:extLst>
+          </p:cNvPr>
+          <p:cNvPicPr>
+            <a:picLocks noChangeAspect="1"/>
+          </p:cNvPicPr>
+          <p:nvPr/>
+        </p:nvPicPr>
+        <p:blipFill rotWithShape="1">
+          <a:blip r:embed="rId3">
+            <a:extLst>
+              <a:ext uri="{28A0092B-C50C-407E-A947-70E740481C1C}">
+                <a14:useLocalDpi xmlns:a14="http://schemas.microsoft.com/office/drawing/2010/main" val="0"/>
+              </a:ext>
+            </a:extLst>
+          </a:blip>
+          <a:srcRect t="39907" r="40286" b="67"/>
+          <a:stretch/>
+        </p:blipFill>
+        <p:spPr>
+          <a:xfrm>
+            <a:off x="6359673" y="3952240"/>
+            <a:ext cx="5213605" cy="2791548"/>
+          </a:xfrm>
+          <a:prstGeom prst="rect">
+            <a:avLst/>
+          </a:prstGeom>
+        </p:spPr>
+      </p:pic>
+      <p:sp>
+        <p:nvSpPr>
+          <p:cNvPr id="9" name="矢印: 右 8">
+            <a:extLst>
+              <a:ext uri="{FF2B5EF4-FFF2-40B4-BE49-F238E27FC236}">
+                <a16:creationId xmlns:a16="http://schemas.microsoft.com/office/drawing/2014/main" id="{29AE70F9-6712-4ADC-BFA1-13DB6D6E6C45}"/>
+              </a:ext>
+            </a:extLst>
+          </p:cNvPr>
+          <p:cNvSpPr/>
+          <p:nvPr/>
+        </p:nvSpPr>
+        <p:spPr>
+          <a:xfrm>
+            <a:off x="5359400" y="5144814"/>
+            <a:ext cx="1473200" cy="406399"/>
+          </a:xfrm>
+          <a:prstGeom prst="rightArrow">
+            <a:avLst/>
+          </a:prstGeom>
+          <a:noFill/>
+          <a:ln w="76200">
+            <a:solidFill>
+              <a:srgbClr val="FF0000"/>
+            </a:solidFill>
+          </a:ln>
+        </p:spPr>
+        <p:style>
+          <a:lnRef idx="2">
+            <a:schemeClr val="accent1">
+              <a:shade val="50000"/>
+            </a:schemeClr>
+          </a:lnRef>
+          <a:fillRef idx="1">
+            <a:schemeClr val="accent1"/>
+          </a:fillRef>
+          <a:effectRef idx="0">
+            <a:schemeClr val="accent1"/>
+          </a:effectRef>
+          <a:fontRef idx="minor">
+            <a:schemeClr val="lt1"/>
+          </a:fontRef>
+        </p:style>
+        <p:txBody>
+          <a:bodyPr rtlCol="0" anchor="ctr"/>
+          <a:lstStyle/>
+          <a:p>
+            <a:pPr algn="ctr"/>
+            <a:endParaRPr kumimoji="1" lang="ja-JP" altLang="en-US"/>
+          </a:p>
+        </p:txBody>
+      </p:sp>
+    </p:spTree>
+    <p:extLst>
+      <p:ext uri="{BB962C8B-B14F-4D97-AF65-F5344CB8AC3E}">
+        <p14:creationId xmlns:p14="http://schemas.microsoft.com/office/powerpoint/2010/main" val="3771662281"/>
+      </p:ext>
+    </p:extLst>
+  </p:cSld>
+  <p:clrMapOvr>
+    <a:masterClrMapping/>
+  </p:clrMapOvr>
+  <p:timing>
+    <p:tnLst>
+      <p:par>
+        <p:cTn id="1" dur="indefinite" restart="never" nodeType="tmRoot">
+          <p:childTnLst>
+            <p:seq concurrent="1" nextAc="seek">
+              <p:cTn id="2" dur="indefinite" nodeType="mainSeq">
+                <p:childTnLst>
+                  <p:par>
+                    <p:cTn id="3" fill="hold">
+                      <p:stCondLst>
+                        <p:cond delay="indefinite"/>
+                      </p:stCondLst>
+                      <p:childTnLst>
+                        <p:par>
+                          <p:cTn id="4" fill="hold">
+                            <p:stCondLst>
+                              <p:cond delay="0"/>
+                            </p:stCondLst>
+                            <p:childTnLst>
+                              <p:par>
+                                <p:cTn id="5" presetID="1" presetClass="entr" presetSubtype="0" fill="hold" grpId="0" nodeType="clickEffect">
+                                  <p:stCondLst>
+                                    <p:cond delay="0"/>
+                                  </p:stCondLst>
+                                  <p:childTnLst>
+                                    <p:set>
+                                      <p:cBhvr>
+                                        <p:cTn id="6" dur="1" fill="hold">
+                                          <p:stCondLst>
+                                            <p:cond delay="0"/>
+                                          </p:stCondLst>
+                                        </p:cTn>
+                                        <p:tgtEl>
+                                          <p:spTgt spid="3">
+                                            <p:txEl>
+                                              <p:pRg st="0" end="0"/>
+                                            </p:txEl>
+                                          </p:spTgt>
+                                        </p:tgtEl>
+                                        <p:attrNameLst>
+                                          <p:attrName>style.visibility</p:attrName>
+                                        </p:attrNameLst>
+                                      </p:cBhvr>
+                                      <p:to>
+                                        <p:strVal val="visible"/>
+                                      </p:to>
+                                    </p:set>
+                                  </p:childTnLst>
+                                </p:cTn>
+                              </p:par>
+                              <p:par>
+                                <p:cTn id="7" presetID="1" presetClass="entr" presetSubtype="0" fill="hold" grpId="0" nodeType="withEffect">
+                                  <p:stCondLst>
+                                    <p:cond delay="0"/>
+                                  </p:stCondLst>
+                                  <p:childTnLst>
+                                    <p:set>
+                                      <p:cBhvr>
+                                        <p:cTn id="8" dur="1" fill="hold">
+                                          <p:stCondLst>
+                                            <p:cond delay="0"/>
+                                          </p:stCondLst>
+                                        </p:cTn>
+                                        <p:tgtEl>
+                                          <p:spTgt spid="3">
+                                            <p:txEl>
+                                              <p:pRg st="1" end="1"/>
+                                            </p:txEl>
+                                          </p:spTgt>
+                                        </p:tgtEl>
+                                        <p:attrNameLst>
+                                          <p:attrName>style.visibility</p:attrName>
+                                        </p:attrNameLst>
+                                      </p:cBhvr>
+                                      <p:to>
+                                        <p:strVal val="visible"/>
+                                      </p:to>
+                                    </p:set>
+                                  </p:childTnLst>
+                                </p:cTn>
+                              </p:par>
+                            </p:childTnLst>
+                          </p:cTn>
+                        </p:par>
+                      </p:childTnLst>
+                    </p:cTn>
+                  </p:par>
+                  <p:par>
+                    <p:cTn id="9" fill="hold">
+                      <p:stCondLst>
+                        <p:cond delay="indefinite"/>
+                      </p:stCondLst>
+                      <p:childTnLst>
+                        <p:par>
+                          <p:cTn id="10" fill="hold">
+                            <p:stCondLst>
+                              <p:cond delay="0"/>
+                            </p:stCondLst>
+                            <p:childTnLst>
+                              <p:par>
+                                <p:cTn id="11" presetID="1" presetClass="entr" presetSubtype="0" fill="hold" grpId="0" nodeType="clickEffect">
+                                  <p:stCondLst>
+                                    <p:cond delay="0"/>
+                                  </p:stCondLst>
+                                  <p:childTnLst>
+                                    <p:set>
+                                      <p:cBhvr>
+                                        <p:cTn id="12" dur="1" fill="hold">
+                                          <p:stCondLst>
+                                            <p:cond delay="0"/>
+                                          </p:stCondLst>
+                                        </p:cTn>
+                                        <p:tgtEl>
+                                          <p:spTgt spid="3">
+                                            <p:txEl>
+                                              <p:pRg st="2" end="2"/>
+                                            </p:txEl>
+                                          </p:spTgt>
+                                        </p:tgtEl>
+                                        <p:attrNameLst>
+                                          <p:attrName>style.visibility</p:attrName>
+                                        </p:attrNameLst>
+                                      </p:cBhvr>
+                                      <p:to>
+                                        <p:strVal val="visible"/>
+                                      </p:to>
+                                    </p:set>
+                                  </p:childTnLst>
+                                </p:cTn>
+                              </p:par>
+                            </p:childTnLst>
+                          </p:cTn>
+                        </p:par>
+                      </p:childTnLst>
+                    </p:cTn>
+                  </p:par>
+                  <p:par>
+                    <p:cTn id="13" fill="hold">
+                      <p:stCondLst>
+                        <p:cond delay="indefinite"/>
+                      </p:stCondLst>
+                      <p:childTnLst>
+                        <p:par>
+                          <p:cTn id="14" fill="hold">
+                            <p:stCondLst>
+                              <p:cond delay="0"/>
+                            </p:stCondLst>
+                            <p:childTnLst>
+                              <p:par>
+                                <p:cTn id="15" presetID="1" presetClass="entr" presetSubtype="0" fill="hold" grpId="0" nodeType="clickEffect">
+                                  <p:stCondLst>
+                                    <p:cond delay="0"/>
+                                  </p:stCondLst>
+                                  <p:childTnLst>
+                                    <p:set>
+                                      <p:cBhvr>
+                                        <p:cTn id="16" dur="1" fill="hold">
+                                          <p:stCondLst>
+                                            <p:cond delay="0"/>
+                                          </p:stCondLst>
+                                        </p:cTn>
+                                        <p:tgtEl>
+                                          <p:spTgt spid="3">
+                                            <p:txEl>
+                                              <p:pRg st="3" end="3"/>
+                                            </p:txEl>
+                                          </p:spTgt>
+                                        </p:tgtEl>
+                                        <p:attrNameLst>
+                                          <p:attrName>style.visibility</p:attrName>
+                                        </p:attrNameLst>
+                                      </p:cBhvr>
+                                      <p:to>
+                                        <p:strVal val="visible"/>
+                                      </p:to>
+                                    </p:set>
+                                  </p:childTnLst>
+                                </p:cTn>
+                              </p:par>
+                            </p:childTnLst>
+                          </p:cTn>
+                        </p:par>
+                      </p:childTnLst>
+                    </p:cTn>
+                  </p:par>
+                  <p:par>
+                    <p:cTn id="17" fill="hold">
+                      <p:stCondLst>
+                        <p:cond delay="indefinite"/>
+                      </p:stCondLst>
+                      <p:childTnLst>
+                        <p:par>
+                          <p:cTn id="18" fill="hold">
+                            <p:stCondLst>
+                              <p:cond delay="0"/>
+                            </p:stCondLst>
+                            <p:childTnLst>
+                              <p:par>
+                                <p:cTn id="19" presetID="22" presetClass="entr" presetSubtype="1" fill="hold" nodeType="clickEffect">
+                                  <p:stCondLst>
+                                    <p:cond delay="0"/>
+                                  </p:stCondLst>
+                                  <p:childTnLst>
+                                    <p:set>
+                                      <p:cBhvr>
+                                        <p:cTn id="20" dur="1" fill="hold">
+                                          <p:stCondLst>
+                                            <p:cond delay="0"/>
+                                          </p:stCondLst>
+                                        </p:cTn>
+                                        <p:tgtEl>
+                                          <p:spTgt spid="5"/>
+                                        </p:tgtEl>
+                                        <p:attrNameLst>
+                                          <p:attrName>style.visibility</p:attrName>
+                                        </p:attrNameLst>
+                                      </p:cBhvr>
+                                      <p:to>
+                                        <p:strVal val="visible"/>
+                                      </p:to>
+                                    </p:set>
+                                    <p:animEffect transition="in" filter="wipe(up)">
+                                      <p:cBhvr>
+                                        <p:cTn id="21" dur="500"/>
+                                        <p:tgtEl>
+                                          <p:spTgt spid="5"/>
+                                        </p:tgtEl>
+                                      </p:cBhvr>
+                                    </p:animEffect>
+                                  </p:childTnLst>
+                                </p:cTn>
+                              </p:par>
+                            </p:childTnLst>
+                          </p:cTn>
+                        </p:par>
+                      </p:childTnLst>
+                    </p:cTn>
+                  </p:par>
+                  <p:par>
+                    <p:cTn id="22" fill="hold">
+                      <p:stCondLst>
+                        <p:cond delay="indefinite"/>
+                      </p:stCondLst>
+                      <p:childTnLst>
+                        <p:par>
+                          <p:cTn id="23" fill="hold">
+                            <p:stCondLst>
+                              <p:cond delay="0"/>
+                            </p:stCondLst>
+                            <p:childTnLst>
+                              <p:par>
+                                <p:cTn id="24" presetID="22" presetClass="entr" presetSubtype="8" fill="hold" grpId="0" nodeType="clickEffect">
+                                  <p:stCondLst>
+                                    <p:cond delay="0"/>
+                                  </p:stCondLst>
+                                  <p:childTnLst>
+                                    <p:set>
+                                      <p:cBhvr>
+                                        <p:cTn id="25" dur="1" fill="hold">
+                                          <p:stCondLst>
+                                            <p:cond delay="0"/>
+                                          </p:stCondLst>
+                                        </p:cTn>
+                                        <p:tgtEl>
+                                          <p:spTgt spid="9"/>
+                                        </p:tgtEl>
+                                        <p:attrNameLst>
+                                          <p:attrName>style.visibility</p:attrName>
+                                        </p:attrNameLst>
+                                      </p:cBhvr>
+                                      <p:to>
+                                        <p:strVal val="visible"/>
+                                      </p:to>
+                                    </p:set>
+                                    <p:animEffect transition="in" filter="wipe(left)">
+                                      <p:cBhvr>
+                                        <p:cTn id="26" dur="500"/>
+                                        <p:tgtEl>
+                                          <p:spTgt spid="9"/>
+                                        </p:tgtEl>
+                                      </p:cBhvr>
+                                    </p:animEffect>
+                                  </p:childTnLst>
+                                </p:cTn>
+                              </p:par>
+                            </p:childTnLst>
+                          </p:cTn>
+                        </p:par>
+                        <p:par>
+                          <p:cTn id="27" fill="hold">
+                            <p:stCondLst>
+                              <p:cond delay="500"/>
+                            </p:stCondLst>
+                            <p:childTnLst>
+                              <p:par>
+                                <p:cTn id="28" presetID="22" presetClass="entr" presetSubtype="1" fill="hold" nodeType="afterEffect">
+                                  <p:stCondLst>
+                                    <p:cond delay="0"/>
+                                  </p:stCondLst>
+                                  <p:childTnLst>
+                                    <p:set>
+                                      <p:cBhvr>
+                                        <p:cTn id="29" dur="1" fill="hold">
+                                          <p:stCondLst>
+                                            <p:cond delay="0"/>
+                                          </p:stCondLst>
+                                        </p:cTn>
+                                        <p:tgtEl>
+                                          <p:spTgt spid="10"/>
+                                        </p:tgtEl>
+                                        <p:attrNameLst>
+                                          <p:attrName>style.visibility</p:attrName>
+                                        </p:attrNameLst>
+                                      </p:cBhvr>
+                                      <p:to>
+                                        <p:strVal val="visible"/>
+                                      </p:to>
+                                    </p:set>
+                                    <p:animEffect transition="in" filter="wipe(up)">
+                                      <p:cBhvr>
+                                        <p:cTn id="30" dur="500"/>
+                                        <p:tgtEl>
+                                          <p:spTgt spid="10"/>
+                                        </p:tgtEl>
+                                      </p:cBhvr>
+                                    </p:animEffect>
+                                  </p:childTnLst>
+                                </p:cTn>
+                              </p:par>
+                            </p:childTnLst>
+                          </p:cTn>
+                        </p:par>
+                      </p:childTnLst>
+                    </p:cTn>
+                  </p:par>
+                </p:childTnLst>
+              </p:cTn>
+              <p:prevCondLst>
+                <p:cond evt="onPrev" delay="0">
+                  <p:tgtEl>
+                    <p:sldTgt/>
+                  </p:tgtEl>
+                </p:cond>
+              </p:prevCondLst>
+              <p:nextCondLst>
+                <p:cond evt="onNext" delay="0">
+                  <p:tgtEl>
+                    <p:sldTgt/>
+                  </p:tgtEl>
+                </p:cond>
+              </p:nextCondLst>
+            </p:seq>
+          </p:childTnLst>
+        </p:cTn>
+      </p:par>
+    </p:tnLst>
+    <p:bldLst>
+      <p:bldP spid="3" grpId="0" uiExpand="1" build="p"/>
+      <p:bldP spid="9" grpId="0" animBg="1"/>
+    </p:bldLst>
+  </p:timing>
+</p:sld>
+</file>
+
+<file path=ppt/slides/slide11.xml><?xml version="1.0" encoding="utf-8"?>
+<p:sld xmlns:a="http://schemas.openxmlformats.org/drawingml/2006/main" xmlns:r="http://schemas.openxmlformats.org/officeDocument/2006/relationships" xmlns:p="http://schemas.openxmlformats.org/presentationml/2006/main">
+  <p:cSld>
+    <p:spTree>
+      <p:nvGrpSpPr>
+        <p:cNvPr id="1" name=""/>
+        <p:cNvGrpSpPr/>
+        <p:nvPr/>
+      </p:nvGrpSpPr>
+      <p:grpSpPr>
+        <a:xfrm>
+          <a:off x="0" y="0"/>
+          <a:ext cx="0" cy="0"/>
+          <a:chOff x="0" y="0"/>
+          <a:chExt cx="0" cy="0"/>
+        </a:xfrm>
+      </p:grpSpPr>
+      <p:sp>
+        <p:nvSpPr>
+          <p:cNvPr id="2" name="タイトル 1">
+            <a:extLst>
+              <a:ext uri="{FF2B5EF4-FFF2-40B4-BE49-F238E27FC236}">
+                <a16:creationId xmlns:a16="http://schemas.microsoft.com/office/drawing/2014/main" id="{A3CA44FB-64E1-44F3-9DA9-ACF94A1E277A}"/>
+              </a:ext>
+            </a:extLst>
+          </p:cNvPr>
+          <p:cNvSpPr>
+            <a:spLocks noGrp="1"/>
+          </p:cNvSpPr>
+          <p:nvPr>
+            <p:ph type="title"/>
+          </p:nvPr>
+        </p:nvSpPr>
+        <p:spPr/>
+        <p:txBody>
+          <a:bodyPr/>
+          <a:lstStyle/>
+          <a:p>
+            <a:r>
+              <a:rPr kumimoji="1" lang="en-US" altLang="ja-JP" dirty="0">
+                <a:latin typeface="Takaoゴシック" panose="020B0509000000000000" pitchFamily="49" charset="-128"/>
+                <a:ea typeface="Takaoゴシック" panose="020B0509000000000000" pitchFamily="49" charset="-128"/>
+              </a:rPr>
+              <a:t>03.</a:t>
+            </a:r>
+            <a:r>
+              <a:rPr kumimoji="1" lang="ja-JP" altLang="en-US" dirty="0">
+                <a:latin typeface="Takaoゴシック" panose="020B0509000000000000" pitchFamily="49" charset="-128"/>
+                <a:ea typeface="Takaoゴシック" panose="020B0509000000000000" pitchFamily="49" charset="-128"/>
+              </a:rPr>
+              <a:t>パッケージのセットアップ</a:t>
+            </a:r>
+          </a:p>
+        </p:txBody>
+      </p:sp>
+      <p:sp>
+        <p:nvSpPr>
+          <p:cNvPr id="3" name="コンテンツ プレースホルダー 2">
+            <a:extLst>
+              <a:ext uri="{FF2B5EF4-FFF2-40B4-BE49-F238E27FC236}">
+                <a16:creationId xmlns:a16="http://schemas.microsoft.com/office/drawing/2014/main" id="{C044A338-8D2B-45EC-BE8C-FFE21B5C386E}"/>
+              </a:ext>
+            </a:extLst>
+          </p:cNvPr>
+          <p:cNvSpPr>
+            <a:spLocks noGrp="1"/>
+          </p:cNvSpPr>
+          <p:nvPr>
+            <p:ph idx="1"/>
+          </p:nvPr>
+        </p:nvSpPr>
+        <p:spPr>
+          <a:xfrm>
+            <a:off x="609600" y="1981200"/>
+            <a:ext cx="10972800" cy="3886200"/>
+          </a:xfrm>
+        </p:spPr>
+        <p:txBody>
+          <a:bodyPr/>
+          <a:lstStyle/>
+          <a:p>
+            <a:r>
+              <a:rPr kumimoji="1" lang="en-US" altLang="ja-JP" dirty="0">
+                <a:latin typeface="TakaoExゴシック" panose="020B0500000000000000" pitchFamily="50" charset="-128"/>
+                <a:ea typeface="TakaoExゴシック" panose="020B0500000000000000" pitchFamily="50" charset="-128"/>
+              </a:rPr>
+              <a:t>Ubuntu</a:t>
+            </a:r>
+            <a:r>
+              <a:rPr kumimoji="1" lang="ja-JP" altLang="en-US" dirty="0">
+                <a:latin typeface="TakaoExゴシック" panose="020B0500000000000000" pitchFamily="50" charset="-128"/>
+                <a:ea typeface="TakaoExゴシック" panose="020B0500000000000000" pitchFamily="50" charset="-128"/>
+              </a:rPr>
+              <a:t>には、</a:t>
+            </a:r>
+            <a:r>
+              <a:rPr kumimoji="1" lang="en-US" altLang="ja-JP" dirty="0">
+                <a:latin typeface="TakaoExゴシック" panose="020B0500000000000000" pitchFamily="50" charset="-128"/>
+                <a:ea typeface="TakaoExゴシック" panose="020B0500000000000000" pitchFamily="50" charset="-128"/>
+              </a:rPr>
+              <a:t>Arch Linux</a:t>
+            </a:r>
+            <a:r>
+              <a:rPr kumimoji="1" lang="ja-JP" altLang="en-US" dirty="0" err="1">
+                <a:latin typeface="TakaoExゴシック" panose="020B0500000000000000" pitchFamily="50" charset="-128"/>
+                <a:ea typeface="TakaoExゴシック" panose="020B0500000000000000" pitchFamily="50" charset="-128"/>
+              </a:rPr>
+              <a:t>での</a:t>
+            </a:r>
+            <a:r>
+              <a:rPr kumimoji="1" lang="en-US" altLang="ja-JP" dirty="0">
+                <a:latin typeface="TakaoExゴシック" panose="020B0500000000000000" pitchFamily="50" charset="-128"/>
+                <a:ea typeface="TakaoExゴシック" panose="020B0500000000000000" pitchFamily="50" charset="-128"/>
+              </a:rPr>
+              <a:t>base-</a:t>
+            </a:r>
+            <a:r>
+              <a:rPr kumimoji="1" lang="en-US" altLang="ja-JP" dirty="0" err="1">
+                <a:latin typeface="TakaoExゴシック" panose="020B0500000000000000" pitchFamily="50" charset="-128"/>
+                <a:ea typeface="TakaoExゴシック" panose="020B0500000000000000" pitchFamily="50" charset="-128"/>
+              </a:rPr>
+              <a:t>devel</a:t>
+            </a:r>
+            <a:r>
+              <a:rPr kumimoji="1" lang="ja-JP" altLang="en-US" dirty="0" err="1">
+                <a:latin typeface="TakaoExゴシック" panose="020B0500000000000000" pitchFamily="50" charset="-128"/>
+                <a:ea typeface="TakaoExゴシック" panose="020B0500000000000000" pitchFamily="50" charset="-128"/>
+              </a:rPr>
+              <a:t>のような</a:t>
+            </a:r>
+            <a:r>
+              <a:rPr kumimoji="1" lang="ja-JP" altLang="en-US" dirty="0">
+                <a:latin typeface="TakaoExゴシック" panose="020B0500000000000000" pitchFamily="50" charset="-128"/>
+                <a:ea typeface="TakaoExゴシック" panose="020B0500000000000000" pitchFamily="50" charset="-128"/>
+              </a:rPr>
+              <a:t>複数パッケージをまとめたパッケージはない</a:t>
+            </a:r>
+            <a:endParaRPr kumimoji="1" lang="en-US" altLang="ja-JP" dirty="0">
+              <a:latin typeface="TakaoExゴシック" panose="020B0500000000000000" pitchFamily="50" charset="-128"/>
+              <a:ea typeface="TakaoExゴシック" panose="020B0500000000000000" pitchFamily="50" charset="-128"/>
+            </a:endParaRPr>
+          </a:p>
+          <a:p>
+            <a:r>
+              <a:rPr kumimoji="1" lang="en-US" altLang="ja-JP" dirty="0">
+                <a:latin typeface="TakaoExゴシック" panose="020B0500000000000000" pitchFamily="50" charset="-128"/>
+                <a:ea typeface="TakaoExゴシック" panose="020B0500000000000000" pitchFamily="50" charset="-128"/>
+              </a:rPr>
+              <a:t>bzip2</a:t>
+            </a:r>
+            <a:r>
+              <a:rPr lang="ja-JP" altLang="en-US" dirty="0">
+                <a:latin typeface="TakaoExゴシック" panose="020B0500000000000000" pitchFamily="50" charset="-128"/>
+                <a:ea typeface="TakaoExゴシック" panose="020B0500000000000000" pitchFamily="50" charset="-128"/>
+              </a:rPr>
+              <a:t>と</a:t>
+            </a:r>
+            <a:r>
+              <a:rPr lang="en-US" altLang="ja-JP" dirty="0" err="1">
+                <a:latin typeface="TakaoExゴシック" panose="020B0500000000000000" pitchFamily="50" charset="-128"/>
+                <a:ea typeface="TakaoExゴシック" panose="020B0500000000000000" pitchFamily="50" charset="-128"/>
+              </a:rPr>
+              <a:t>zlib</a:t>
+            </a:r>
+            <a:r>
+              <a:rPr lang="ja-JP" altLang="en-US" dirty="0">
+                <a:latin typeface="TakaoExゴシック" panose="020B0500000000000000" pitchFamily="50" charset="-128"/>
+                <a:ea typeface="TakaoExゴシック" panose="020B0500000000000000" pitchFamily="50" charset="-128"/>
+              </a:rPr>
+              <a:t>以外の、</a:t>
+            </a:r>
+            <a:r>
+              <a:rPr lang="en-US" altLang="ja-JP" dirty="0">
+                <a:latin typeface="TakaoExゴシック" panose="020B0500000000000000" pitchFamily="50" charset="-128"/>
+                <a:ea typeface="TakaoExゴシック" panose="020B0500000000000000" pitchFamily="50" charset="-128"/>
+              </a:rPr>
+              <a:t>Arch Linux</a:t>
+            </a:r>
+            <a:r>
+              <a:rPr lang="ja-JP" altLang="en-US" dirty="0">
+                <a:latin typeface="TakaoExゴシック" panose="020B0500000000000000" pitchFamily="50" charset="-128"/>
+                <a:ea typeface="TakaoExゴシック" panose="020B0500000000000000" pitchFamily="50" charset="-128"/>
+              </a:rPr>
+              <a:t>でいう</a:t>
+            </a:r>
+            <a:r>
+              <a:rPr lang="en-US" altLang="ja-JP" dirty="0">
+                <a:latin typeface="TakaoExゴシック" panose="020B0500000000000000" pitchFamily="50" charset="-128"/>
+                <a:ea typeface="TakaoExゴシック" panose="020B0500000000000000" pitchFamily="50" charset="-128"/>
+              </a:rPr>
+              <a:t>base-</a:t>
+            </a:r>
+            <a:r>
+              <a:rPr lang="en-US" altLang="ja-JP" dirty="0" err="1">
+                <a:latin typeface="TakaoExゴシック" panose="020B0500000000000000" pitchFamily="50" charset="-128"/>
+                <a:ea typeface="TakaoExゴシック" panose="020B0500000000000000" pitchFamily="50" charset="-128"/>
+              </a:rPr>
+              <a:t>devel</a:t>
+            </a:r>
+            <a:r>
+              <a:rPr lang="ja-JP" altLang="en-US" dirty="0">
+                <a:latin typeface="TakaoExゴシック" panose="020B0500000000000000" pitchFamily="50" charset="-128"/>
+                <a:ea typeface="TakaoExゴシック" panose="020B0500000000000000" pitchFamily="50" charset="-128"/>
+              </a:rPr>
+              <a:t>の中身を</a:t>
+            </a:r>
+            <a:r>
+              <a:rPr lang="en-US" altLang="ja-JP" dirty="0">
+                <a:latin typeface="TakaoExゴシック" panose="020B0500000000000000" pitchFamily="50" charset="-128"/>
+                <a:ea typeface="TakaoExゴシック" panose="020B0500000000000000" pitchFamily="50" charset="-128"/>
+              </a:rPr>
+              <a:t>apt</a:t>
+            </a:r>
+            <a:r>
+              <a:rPr lang="ja-JP" altLang="en-US" dirty="0">
+                <a:latin typeface="TakaoExゴシック" panose="020B0500000000000000" pitchFamily="50" charset="-128"/>
+                <a:ea typeface="TakaoExゴシック" panose="020B0500000000000000" pitchFamily="50" charset="-128"/>
+              </a:rPr>
+              <a:t>で、</a:t>
+            </a:r>
+            <a:r>
+              <a:rPr lang="en-US" altLang="ja-JP" dirty="0">
+                <a:latin typeface="TakaoExゴシック" panose="020B0500000000000000" pitchFamily="50" charset="-128"/>
+                <a:ea typeface="TakaoExゴシック" panose="020B0500000000000000" pitchFamily="50" charset="-128"/>
+              </a:rPr>
+              <a:t>bzip2</a:t>
+            </a:r>
+            <a:r>
+              <a:rPr lang="ja-JP" altLang="en-US" dirty="0">
+                <a:latin typeface="TakaoExゴシック" panose="020B0500000000000000" pitchFamily="50" charset="-128"/>
+                <a:ea typeface="TakaoExゴシック" panose="020B0500000000000000" pitchFamily="50" charset="-128"/>
+              </a:rPr>
+              <a:t>と</a:t>
+            </a:r>
+            <a:r>
+              <a:rPr lang="en-US" altLang="ja-JP" dirty="0" err="1">
+                <a:latin typeface="TakaoExゴシック" panose="020B0500000000000000" pitchFamily="50" charset="-128"/>
+                <a:ea typeface="TakaoExゴシック" panose="020B0500000000000000" pitchFamily="50" charset="-128"/>
+              </a:rPr>
+              <a:t>zlib</a:t>
+            </a:r>
+            <a:r>
+              <a:rPr lang="ja-JP" altLang="en-US" dirty="0">
+                <a:latin typeface="TakaoExゴシック" panose="020B0500000000000000" pitchFamily="50" charset="-128"/>
+                <a:ea typeface="TakaoExゴシック" panose="020B0500000000000000" pitchFamily="50" charset="-128"/>
+              </a:rPr>
+              <a:t>は編集をして導入</a:t>
+            </a:r>
+            <a:endParaRPr kumimoji="1" lang="ja-JP" altLang="en-US" dirty="0">
+              <a:latin typeface="TakaoExゴシック" panose="020B0500000000000000" pitchFamily="50" charset="-128"/>
+              <a:ea typeface="TakaoExゴシック" panose="020B0500000000000000" pitchFamily="50" charset="-128"/>
+            </a:endParaRPr>
+          </a:p>
+        </p:txBody>
+      </p:sp>
+    </p:spTree>
+    <p:extLst>
+      <p:ext uri="{BB962C8B-B14F-4D97-AF65-F5344CB8AC3E}">
+        <p14:creationId xmlns:p14="http://schemas.microsoft.com/office/powerpoint/2010/main" val="1221582754"/>
+      </p:ext>
+    </p:extLst>
+  </p:cSld>
+  <p:clrMapOvr>
+    <a:masterClrMapping/>
+  </p:clrMapOvr>
+  <p:timing>
+    <p:tnLst>
+      <p:par>
+        <p:cTn id="1" dur="indefinite" restart="never" nodeType="tmRoot">
+          <p:childTnLst>
+            <p:seq concurrent="1" nextAc="seek">
+              <p:cTn id="2" dur="indefinite" nodeType="mainSeq">
+                <p:childTnLst>
+                  <p:par>
+                    <p:cTn id="3" fill="hold">
+                      <p:stCondLst>
+                        <p:cond delay="indefinite"/>
+                      </p:stCondLst>
+                      <p:childTnLst>
+                        <p:par>
+                          <p:cTn id="4" fill="hold">
+                            <p:stCondLst>
+                              <p:cond delay="0"/>
+                            </p:stCondLst>
+                            <p:childTnLst>
+                              <p:par>
+                                <p:cTn id="5" presetID="1" presetClass="entr" presetSubtype="0" fill="hold" grpId="0" nodeType="clickEffect">
+                                  <p:stCondLst>
+                                    <p:cond delay="0"/>
+                                  </p:stCondLst>
+                                  <p:childTnLst>
+                                    <p:set>
+                                      <p:cBhvr>
+                                        <p:cTn id="6" dur="1" fill="hold">
+                                          <p:stCondLst>
+                                            <p:cond delay="0"/>
+                                          </p:stCondLst>
+                                        </p:cTn>
+                                        <p:tgtEl>
+                                          <p:spTgt spid="3">
+                                            <p:txEl>
+                                              <p:pRg st="0" end="0"/>
+                                            </p:txEl>
+                                          </p:spTgt>
+                                        </p:tgtEl>
+                                        <p:attrNameLst>
+                                          <p:attrName>style.visibility</p:attrName>
+                                        </p:attrNameLst>
+                                      </p:cBhvr>
+                                      <p:to>
+                                        <p:strVal val="visible"/>
+                                      </p:to>
+                                    </p:set>
+                                  </p:childTnLst>
+                                </p:cTn>
+                              </p:par>
+                            </p:childTnLst>
+                          </p:cTn>
+                        </p:par>
+                      </p:childTnLst>
+                    </p:cTn>
+                  </p:par>
+                  <p:par>
+                    <p:cTn id="7" fill="hold">
+                      <p:stCondLst>
+                        <p:cond delay="indefinite"/>
+                      </p:stCondLst>
+                      <p:childTnLst>
+                        <p:par>
+                          <p:cTn id="8" fill="hold">
+                            <p:stCondLst>
+                              <p:cond delay="0"/>
+                            </p:stCondLst>
+                            <p:childTnLst>
+                              <p:par>
+                                <p:cTn id="9" presetID="1" presetClass="entr" presetSubtype="0" fill="hold" grpId="0" nodeType="clickEffect">
+                                  <p:stCondLst>
+                                    <p:cond delay="0"/>
+                                  </p:stCondLst>
+                                  <p:childTnLst>
+                                    <p:set>
+                                      <p:cBhvr>
+                                        <p:cTn id="10" dur="1" fill="hold">
+                                          <p:stCondLst>
+                                            <p:cond delay="0"/>
+                                          </p:stCondLst>
+                                        </p:cTn>
+                                        <p:tgtEl>
+                                          <p:spTgt spid="3">
+                                            <p:txEl>
+                                              <p:pRg st="1" end="1"/>
+                                            </p:txEl>
+                                          </p:spTgt>
+                                        </p:tgtEl>
+                                        <p:attrNameLst>
+                                          <p:attrName>style.visibility</p:attrName>
+                                        </p:attrNameLst>
+                                      </p:cBhvr>
+                                      <p:to>
+                                        <p:strVal val="visible"/>
+                                      </p:to>
+                                    </p:set>
+                                  </p:childTnLst>
+                                </p:cTn>
+                              </p:par>
+                            </p:childTnLst>
+                          </p:cTn>
+                        </p:par>
+                      </p:childTnLst>
+                    </p:cTn>
+                  </p:par>
+                </p:childTnLst>
+              </p:cTn>
+              <p:prevCondLst>
+                <p:cond evt="onPrev" delay="0">
+                  <p:tgtEl>
+                    <p:sldTgt/>
+                  </p:tgtEl>
+                </p:cond>
+              </p:prevCondLst>
+              <p:nextCondLst>
+                <p:cond evt="onNext" delay="0">
+                  <p:tgtEl>
+                    <p:sldTgt/>
+                  </p:tgtEl>
+                </p:cond>
+              </p:nextCondLst>
+            </p:seq>
+          </p:childTnLst>
+        </p:cTn>
+      </p:par>
+    </p:tnLst>
+    <p:bldLst>
+      <p:bldP spid="3" grpId="0" uiExpand="1" build="p"/>
+    </p:bldLst>
+  </p:timing>
+</p:sld>
+</file>
+
+<file path=ppt/slides/slide12.xml><?xml version="1.0" encoding="utf-8"?>
+<p:sld xmlns:a="http://schemas.openxmlformats.org/drawingml/2006/main" xmlns:r="http://schemas.openxmlformats.org/officeDocument/2006/relationships" xmlns:p="http://schemas.openxmlformats.org/presentationml/2006/main">
+  <p:cSld>
+    <p:spTree>
+      <p:nvGrpSpPr>
+        <p:cNvPr id="1" name=""/>
+        <p:cNvGrpSpPr/>
+        <p:nvPr/>
+      </p:nvGrpSpPr>
+      <p:grpSpPr>
+        <a:xfrm>
+          <a:off x="0" y="0"/>
+          <a:ext cx="0" cy="0"/>
+          <a:chOff x="0" y="0"/>
+          <a:chExt cx="0" cy="0"/>
+        </a:xfrm>
+      </p:grpSpPr>
+      <p:sp>
+        <p:nvSpPr>
+          <p:cNvPr id="2" name="タイトル 1">
+            <a:extLst>
+              <a:ext uri="{FF2B5EF4-FFF2-40B4-BE49-F238E27FC236}">
+                <a16:creationId xmlns:a16="http://schemas.microsoft.com/office/drawing/2014/main" id="{A3CA44FB-64E1-44F3-9DA9-ACF94A1E277A}"/>
+              </a:ext>
+            </a:extLst>
+          </p:cNvPr>
+          <p:cNvSpPr>
+            <a:spLocks noGrp="1"/>
+          </p:cNvSpPr>
+          <p:nvPr>
+            <p:ph type="title"/>
+          </p:nvPr>
+        </p:nvSpPr>
+        <p:spPr/>
+        <p:txBody>
+          <a:bodyPr/>
+          <a:lstStyle/>
+          <a:p>
+            <a:r>
+              <a:rPr kumimoji="1" lang="en-US" altLang="ja-JP" dirty="0">
+                <a:latin typeface="Takaoゴシック" panose="020B0509000000000000" pitchFamily="49" charset="-128"/>
+                <a:ea typeface="Takaoゴシック" panose="020B0509000000000000" pitchFamily="49" charset="-128"/>
+              </a:rPr>
+              <a:t>03-1.apt</a:t>
+            </a:r>
+            <a:r>
+              <a:rPr kumimoji="1" lang="ja-JP" altLang="en-US" dirty="0" err="1">
+                <a:latin typeface="Takaoゴシック" panose="020B0509000000000000" pitchFamily="49" charset="-128"/>
+                <a:ea typeface="Takaoゴシック" panose="020B0509000000000000" pitchFamily="49" charset="-128"/>
+              </a:rPr>
+              <a:t>での</a:t>
+            </a:r>
+            <a:r>
+              <a:rPr kumimoji="1" lang="ja-JP" altLang="en-US" dirty="0">
+                <a:latin typeface="Takaoゴシック" panose="020B0509000000000000" pitchFamily="49" charset="-128"/>
+                <a:ea typeface="Takaoゴシック" panose="020B0509000000000000" pitchFamily="49" charset="-128"/>
+              </a:rPr>
+              <a:t>パッケージ導入</a:t>
+            </a:r>
+          </a:p>
+        </p:txBody>
+      </p:sp>
+      <p:graphicFrame>
+        <p:nvGraphicFramePr>
+          <p:cNvPr id="5" name="コンテンツ プレースホルダー 4">
+            <a:extLst>
+              <a:ext uri="{FF2B5EF4-FFF2-40B4-BE49-F238E27FC236}">
+                <a16:creationId xmlns:a16="http://schemas.microsoft.com/office/drawing/2014/main" id="{C14C3FC2-0EAA-4A04-B3B5-180F5CEB6D08}"/>
+              </a:ext>
+            </a:extLst>
+          </p:cNvPr>
+          <p:cNvGraphicFramePr>
+            <a:graphicFrameLocks noGrp="1"/>
+          </p:cNvGraphicFramePr>
+          <p:nvPr>
+            <p:ph idx="1"/>
+            <p:extLst>
+              <p:ext uri="{D42A27DB-BD31-4B8C-83A1-F6EECF244321}">
+                <p14:modId xmlns:p14="http://schemas.microsoft.com/office/powerpoint/2010/main" val="595672815"/>
+              </p:ext>
+            </p:extLst>
+          </p:nvPr>
+        </p:nvGraphicFramePr>
+        <p:xfrm>
+          <a:off x="609600" y="1981200"/>
+          <a:ext cx="10972800" cy="7416800"/>
+        </p:xfrm>
+        <a:graphic>
+          <a:graphicData uri="http://schemas.openxmlformats.org/drawingml/2006/table">
+            <a:tbl>
+              <a:tblPr firstRow="1" bandRow="1">
+                <a:tableStyleId>{5C22544A-7EE6-4342-B048-85BDC9FD1C3A}</a:tableStyleId>
+              </a:tblPr>
+              <a:tblGrid>
+                <a:gridCol w="5486400">
+                  <a:extLst>
+                    <a:ext uri="{9D8B030D-6E8A-4147-A177-3AD203B41FA5}">
+                      <a16:colId xmlns:a16="http://schemas.microsoft.com/office/drawing/2014/main" val="3152158646"/>
+                    </a:ext>
+                  </a:extLst>
+                </a:gridCol>
+                <a:gridCol w="5486400">
+                  <a:extLst>
+                    <a:ext uri="{9D8B030D-6E8A-4147-A177-3AD203B41FA5}">
+                      <a16:colId xmlns:a16="http://schemas.microsoft.com/office/drawing/2014/main" val="2337817332"/>
+                    </a:ext>
+                  </a:extLst>
+                </a:gridCol>
+              </a:tblGrid>
+              <a:tr h="370840">
+                <a:tc>
+                  <a:txBody>
+                    <a:bodyPr/>
+                    <a:lstStyle/>
+                    <a:p>
+                      <a:r>
+                        <a:rPr kumimoji="1" lang="en-US" altLang="ja-JP" dirty="0"/>
+                        <a:t>base-</a:t>
+                      </a:r>
+                      <a:r>
+                        <a:rPr kumimoji="1" lang="en-US" altLang="ja-JP" dirty="0" err="1"/>
+                        <a:t>devel</a:t>
+                      </a:r>
+                      <a:r>
+                        <a:rPr kumimoji="1" lang="ja-JP" altLang="en-US" dirty="0"/>
+                        <a:t>の中身</a:t>
+                      </a:r>
+                    </a:p>
+                  </a:txBody>
+                  <a:tcPr/>
+                </a:tc>
+                <a:tc>
+                  <a:txBody>
+                    <a:bodyPr/>
+                    <a:lstStyle/>
+                    <a:p>
+                      <a:endParaRPr kumimoji="1" lang="ja-JP" altLang="en-US" dirty="0"/>
+                    </a:p>
+                  </a:txBody>
+                  <a:tcPr/>
+                </a:tc>
+                <a:extLst>
+                  <a:ext uri="{0D108BD9-81ED-4DB2-BD59-A6C34878D82A}">
+                    <a16:rowId xmlns:a16="http://schemas.microsoft.com/office/drawing/2014/main" val="390390869"/>
+                  </a:ext>
+                </a:extLst>
+              </a:tr>
+              <a:tr h="370840">
+                <a:tc>
+                  <a:txBody>
+                    <a:bodyPr/>
+                    <a:lstStyle/>
+                    <a:p>
+                      <a:r>
+                        <a:rPr kumimoji="1" lang="en-US" altLang="ja-JP"/>
+                        <a:t>autoconf</a:t>
+                      </a:r>
+                      <a:endParaRPr kumimoji="1" lang="ja-JP" altLang="en-US" dirty="0"/>
+                    </a:p>
+                  </a:txBody>
+                  <a:tcPr/>
+                </a:tc>
+                <a:tc>
+                  <a:txBody>
+                    <a:bodyPr/>
+                    <a:lstStyle/>
+                    <a:p>
+                      <a:r>
+                        <a:rPr kumimoji="1" lang="en-US" altLang="ja-JP" dirty="0" err="1"/>
+                        <a:t>automake</a:t>
+                      </a:r>
+                      <a:endParaRPr kumimoji="1" lang="ja-JP" altLang="en-US" dirty="0"/>
+                    </a:p>
+                  </a:txBody>
+                  <a:tcPr/>
+                </a:tc>
+                <a:extLst>
+                  <a:ext uri="{0D108BD9-81ED-4DB2-BD59-A6C34878D82A}">
+                    <a16:rowId xmlns:a16="http://schemas.microsoft.com/office/drawing/2014/main" val="510023349"/>
+                  </a:ext>
+                </a:extLst>
+              </a:tr>
+              <a:tr h="370840">
+                <a:tc>
+                  <a:txBody>
+                    <a:bodyPr/>
+                    <a:lstStyle/>
+                    <a:p>
+                      <a:r>
+                        <a:rPr kumimoji="1" lang="en-US" altLang="ja-JP" dirty="0" err="1"/>
+                        <a:t>binutils</a:t>
+                      </a:r>
+                      <a:endParaRPr kumimoji="1" lang="ja-JP" altLang="en-US" dirty="0"/>
+                    </a:p>
+                  </a:txBody>
+                  <a:tcPr/>
+                </a:tc>
+                <a:tc>
+                  <a:txBody>
+                    <a:bodyPr/>
+                    <a:lstStyle/>
+                    <a:p>
+                      <a:r>
+                        <a:rPr kumimoji="1" lang="en-US" altLang="ja-JP" dirty="0"/>
+                        <a:t>bison</a:t>
+                      </a:r>
+                      <a:endParaRPr kumimoji="1" lang="ja-JP" altLang="en-US" dirty="0"/>
+                    </a:p>
+                  </a:txBody>
+                  <a:tcPr/>
+                </a:tc>
+                <a:extLst>
+                  <a:ext uri="{0D108BD9-81ED-4DB2-BD59-A6C34878D82A}">
+                    <a16:rowId xmlns:a16="http://schemas.microsoft.com/office/drawing/2014/main" val="2068801460"/>
+                  </a:ext>
+                </a:extLst>
+              </a:tr>
+              <a:tr h="370840">
+                <a:tc>
+                  <a:txBody>
+                    <a:bodyPr/>
+                    <a:lstStyle/>
+                    <a:p>
+                      <a:r>
+                        <a:rPr kumimoji="1" lang="en-US" altLang="ja-JP" dirty="0" err="1"/>
+                        <a:t>fakeroot</a:t>
+                      </a:r>
+                      <a:endParaRPr kumimoji="1" lang="ja-JP" altLang="en-US" dirty="0"/>
+                    </a:p>
+                  </a:txBody>
+                  <a:tcPr/>
+                </a:tc>
+                <a:tc>
+                  <a:txBody>
+                    <a:bodyPr/>
+                    <a:lstStyle/>
+                    <a:p>
+                      <a:r>
+                        <a:rPr kumimoji="1" lang="en-US" altLang="ja-JP" dirty="0"/>
+                        <a:t>file</a:t>
+                      </a:r>
+                      <a:endParaRPr kumimoji="1" lang="ja-JP" altLang="en-US" dirty="0"/>
+                    </a:p>
+                  </a:txBody>
+                  <a:tcPr/>
+                </a:tc>
+                <a:extLst>
+                  <a:ext uri="{0D108BD9-81ED-4DB2-BD59-A6C34878D82A}">
+                    <a16:rowId xmlns:a16="http://schemas.microsoft.com/office/drawing/2014/main" val="3677579380"/>
+                  </a:ext>
+                </a:extLst>
+              </a:tr>
+              <a:tr h="370840">
+                <a:tc>
+                  <a:txBody>
+                    <a:bodyPr/>
+                    <a:lstStyle/>
+                    <a:p>
+                      <a:r>
+                        <a:rPr kumimoji="1" lang="en-US" altLang="ja-JP" dirty="0" err="1"/>
+                        <a:t>findutils</a:t>
+                      </a:r>
+                      <a:endParaRPr kumimoji="1" lang="ja-JP" altLang="en-US" dirty="0"/>
+                    </a:p>
+                  </a:txBody>
+                  <a:tcPr/>
+                </a:tc>
+                <a:tc>
+                  <a:txBody>
+                    <a:bodyPr/>
+                    <a:lstStyle/>
+                    <a:p>
+                      <a:r>
+                        <a:rPr kumimoji="1" lang="en-US" altLang="ja-JP" dirty="0"/>
+                        <a:t>flex</a:t>
+                      </a:r>
+                      <a:endParaRPr kumimoji="1" lang="ja-JP" altLang="en-US" dirty="0"/>
+                    </a:p>
+                  </a:txBody>
+                  <a:tcPr/>
+                </a:tc>
+                <a:extLst>
+                  <a:ext uri="{0D108BD9-81ED-4DB2-BD59-A6C34878D82A}">
+                    <a16:rowId xmlns:a16="http://schemas.microsoft.com/office/drawing/2014/main" val="3620552032"/>
+                  </a:ext>
+                </a:extLst>
+              </a:tr>
+              <a:tr h="370840">
+                <a:tc>
+                  <a:txBody>
+                    <a:bodyPr/>
+                    <a:lstStyle/>
+                    <a:p>
+                      <a:r>
+                        <a:rPr kumimoji="1" lang="en-US" altLang="ja-JP" dirty="0"/>
+                        <a:t>gawk</a:t>
+                      </a:r>
+                      <a:endParaRPr kumimoji="1" lang="ja-JP" altLang="en-US" dirty="0"/>
+                    </a:p>
+                  </a:txBody>
+                  <a:tcPr/>
+                </a:tc>
+                <a:tc>
+                  <a:txBody>
+                    <a:bodyPr/>
+                    <a:lstStyle/>
+                    <a:p>
+                      <a:endParaRPr kumimoji="1" lang="ja-JP" altLang="en-US" dirty="0"/>
+                    </a:p>
+                  </a:txBody>
+                  <a:tcPr/>
+                </a:tc>
+                <a:extLst>
+                  <a:ext uri="{0D108BD9-81ED-4DB2-BD59-A6C34878D82A}">
+                    <a16:rowId xmlns:a16="http://schemas.microsoft.com/office/drawing/2014/main" val="3250326649"/>
+                  </a:ext>
+                </a:extLst>
+              </a:tr>
+              <a:tr h="370840">
+                <a:tc>
+                  <a:txBody>
+                    <a:bodyPr/>
+                    <a:lstStyle/>
+                    <a:p>
+                      <a:endParaRPr kumimoji="1" lang="ja-JP" altLang="en-US"/>
+                    </a:p>
+                  </a:txBody>
+                  <a:tcPr/>
+                </a:tc>
+                <a:tc>
+                  <a:txBody>
+                    <a:bodyPr/>
+                    <a:lstStyle/>
+                    <a:p>
+                      <a:endParaRPr kumimoji="1" lang="ja-JP" altLang="en-US"/>
+                    </a:p>
+                  </a:txBody>
+                  <a:tcPr/>
+                </a:tc>
+                <a:extLst>
+                  <a:ext uri="{0D108BD9-81ED-4DB2-BD59-A6C34878D82A}">
+                    <a16:rowId xmlns:a16="http://schemas.microsoft.com/office/drawing/2014/main" val="2760767494"/>
+                  </a:ext>
+                </a:extLst>
+              </a:tr>
+              <a:tr h="370840">
+                <a:tc>
+                  <a:txBody>
+                    <a:bodyPr/>
+                    <a:lstStyle/>
+                    <a:p>
+                      <a:endParaRPr kumimoji="1" lang="ja-JP" altLang="en-US"/>
+                    </a:p>
+                  </a:txBody>
+                  <a:tcPr/>
+                </a:tc>
+                <a:tc>
+                  <a:txBody>
+                    <a:bodyPr/>
+                    <a:lstStyle/>
+                    <a:p>
+                      <a:endParaRPr kumimoji="1" lang="ja-JP" altLang="en-US"/>
+                    </a:p>
+                  </a:txBody>
+                  <a:tcPr/>
+                </a:tc>
+                <a:extLst>
+                  <a:ext uri="{0D108BD9-81ED-4DB2-BD59-A6C34878D82A}">
+                    <a16:rowId xmlns:a16="http://schemas.microsoft.com/office/drawing/2014/main" val="1290244551"/>
+                  </a:ext>
+                </a:extLst>
+              </a:tr>
+              <a:tr h="370840">
+                <a:tc>
+                  <a:txBody>
+                    <a:bodyPr/>
+                    <a:lstStyle/>
+                    <a:p>
+                      <a:endParaRPr kumimoji="1" lang="ja-JP" altLang="en-US"/>
+                    </a:p>
+                  </a:txBody>
+                  <a:tcPr/>
+                </a:tc>
+                <a:tc>
+                  <a:txBody>
+                    <a:bodyPr/>
+                    <a:lstStyle/>
+                    <a:p>
+                      <a:endParaRPr kumimoji="1" lang="ja-JP" altLang="en-US"/>
+                    </a:p>
+                  </a:txBody>
+                  <a:tcPr/>
+                </a:tc>
+                <a:extLst>
+                  <a:ext uri="{0D108BD9-81ED-4DB2-BD59-A6C34878D82A}">
+                    <a16:rowId xmlns:a16="http://schemas.microsoft.com/office/drawing/2014/main" val="1479250287"/>
+                  </a:ext>
+                </a:extLst>
+              </a:tr>
+              <a:tr h="370840">
+                <a:tc>
+                  <a:txBody>
+                    <a:bodyPr/>
+                    <a:lstStyle/>
+                    <a:p>
+                      <a:endParaRPr kumimoji="1" lang="ja-JP" altLang="en-US"/>
+                    </a:p>
+                  </a:txBody>
+                  <a:tcPr/>
+                </a:tc>
+                <a:tc>
+                  <a:txBody>
+                    <a:bodyPr/>
+                    <a:lstStyle/>
+                    <a:p>
+                      <a:endParaRPr kumimoji="1" lang="ja-JP" altLang="en-US"/>
+                    </a:p>
+                  </a:txBody>
+                  <a:tcPr/>
+                </a:tc>
+                <a:extLst>
+                  <a:ext uri="{0D108BD9-81ED-4DB2-BD59-A6C34878D82A}">
+                    <a16:rowId xmlns:a16="http://schemas.microsoft.com/office/drawing/2014/main" val="2263340511"/>
+                  </a:ext>
+                </a:extLst>
+              </a:tr>
+              <a:tr h="370840">
+                <a:tc>
+                  <a:txBody>
+                    <a:bodyPr/>
+                    <a:lstStyle/>
+                    <a:p>
+                      <a:endParaRPr kumimoji="1" lang="ja-JP" altLang="en-US"/>
+                    </a:p>
+                  </a:txBody>
+                  <a:tcPr/>
+                </a:tc>
+                <a:tc>
+                  <a:txBody>
+                    <a:bodyPr/>
+                    <a:lstStyle/>
+                    <a:p>
+                      <a:endParaRPr kumimoji="1" lang="ja-JP" altLang="en-US"/>
+                    </a:p>
+                  </a:txBody>
+                  <a:tcPr/>
+                </a:tc>
+                <a:extLst>
+                  <a:ext uri="{0D108BD9-81ED-4DB2-BD59-A6C34878D82A}">
+                    <a16:rowId xmlns:a16="http://schemas.microsoft.com/office/drawing/2014/main" val="2361619527"/>
+                  </a:ext>
+                </a:extLst>
+              </a:tr>
+              <a:tr h="370840">
+                <a:tc>
+                  <a:txBody>
+                    <a:bodyPr/>
+                    <a:lstStyle/>
+                    <a:p>
+                      <a:endParaRPr kumimoji="1" lang="ja-JP" altLang="en-US"/>
+                    </a:p>
+                  </a:txBody>
+                  <a:tcPr/>
+                </a:tc>
+                <a:tc>
+                  <a:txBody>
+                    <a:bodyPr/>
+                    <a:lstStyle/>
+                    <a:p>
+                      <a:endParaRPr kumimoji="1" lang="ja-JP" altLang="en-US"/>
+                    </a:p>
+                  </a:txBody>
+                  <a:tcPr/>
+                </a:tc>
+                <a:extLst>
+                  <a:ext uri="{0D108BD9-81ED-4DB2-BD59-A6C34878D82A}">
+                    <a16:rowId xmlns:a16="http://schemas.microsoft.com/office/drawing/2014/main" val="3238214660"/>
+                  </a:ext>
+                </a:extLst>
+              </a:tr>
+              <a:tr h="370840">
+                <a:tc>
+                  <a:txBody>
+                    <a:bodyPr/>
+                    <a:lstStyle/>
+                    <a:p>
+                      <a:endParaRPr kumimoji="1" lang="ja-JP" altLang="en-US"/>
+                    </a:p>
+                  </a:txBody>
+                  <a:tcPr/>
+                </a:tc>
+                <a:tc>
+                  <a:txBody>
+                    <a:bodyPr/>
+                    <a:lstStyle/>
+                    <a:p>
+                      <a:endParaRPr kumimoji="1" lang="ja-JP" altLang="en-US"/>
+                    </a:p>
+                  </a:txBody>
+                  <a:tcPr/>
+                </a:tc>
+                <a:extLst>
+                  <a:ext uri="{0D108BD9-81ED-4DB2-BD59-A6C34878D82A}">
+                    <a16:rowId xmlns:a16="http://schemas.microsoft.com/office/drawing/2014/main" val="1577039736"/>
+                  </a:ext>
+                </a:extLst>
+              </a:tr>
+              <a:tr h="370840">
+                <a:tc>
+                  <a:txBody>
+                    <a:bodyPr/>
+                    <a:lstStyle/>
+                    <a:p>
+                      <a:endParaRPr kumimoji="1" lang="ja-JP" altLang="en-US"/>
+                    </a:p>
+                  </a:txBody>
+                  <a:tcPr/>
+                </a:tc>
+                <a:tc>
+                  <a:txBody>
+                    <a:bodyPr/>
+                    <a:lstStyle/>
+                    <a:p>
+                      <a:endParaRPr kumimoji="1" lang="ja-JP" altLang="en-US"/>
+                    </a:p>
+                  </a:txBody>
+                  <a:tcPr/>
+                </a:tc>
+                <a:extLst>
+                  <a:ext uri="{0D108BD9-81ED-4DB2-BD59-A6C34878D82A}">
+                    <a16:rowId xmlns:a16="http://schemas.microsoft.com/office/drawing/2014/main" val="2620926487"/>
+                  </a:ext>
+                </a:extLst>
+              </a:tr>
+              <a:tr h="370840">
+                <a:tc>
+                  <a:txBody>
+                    <a:bodyPr/>
+                    <a:lstStyle/>
+                    <a:p>
+                      <a:endParaRPr kumimoji="1" lang="ja-JP" altLang="en-US"/>
+                    </a:p>
+                  </a:txBody>
+                  <a:tcPr/>
+                </a:tc>
+                <a:tc>
+                  <a:txBody>
+                    <a:bodyPr/>
+                    <a:lstStyle/>
+                    <a:p>
+                      <a:endParaRPr kumimoji="1" lang="ja-JP" altLang="en-US"/>
+                    </a:p>
+                  </a:txBody>
+                  <a:tcPr/>
+                </a:tc>
+                <a:extLst>
+                  <a:ext uri="{0D108BD9-81ED-4DB2-BD59-A6C34878D82A}">
+                    <a16:rowId xmlns:a16="http://schemas.microsoft.com/office/drawing/2014/main" val="2017013079"/>
+                  </a:ext>
+                </a:extLst>
+              </a:tr>
+              <a:tr h="370840">
+                <a:tc>
+                  <a:txBody>
+                    <a:bodyPr/>
+                    <a:lstStyle/>
+                    <a:p>
+                      <a:endParaRPr kumimoji="1" lang="ja-JP" altLang="en-US"/>
+                    </a:p>
+                  </a:txBody>
+                  <a:tcPr/>
+                </a:tc>
+                <a:tc>
+                  <a:txBody>
+                    <a:bodyPr/>
+                    <a:lstStyle/>
+                    <a:p>
+                      <a:endParaRPr kumimoji="1" lang="ja-JP" altLang="en-US"/>
+                    </a:p>
+                  </a:txBody>
+                  <a:tcPr/>
+                </a:tc>
+                <a:extLst>
+                  <a:ext uri="{0D108BD9-81ED-4DB2-BD59-A6C34878D82A}">
+                    <a16:rowId xmlns:a16="http://schemas.microsoft.com/office/drawing/2014/main" val="1917782644"/>
+                  </a:ext>
+                </a:extLst>
+              </a:tr>
+              <a:tr h="370840">
+                <a:tc>
+                  <a:txBody>
+                    <a:bodyPr/>
+                    <a:lstStyle/>
+                    <a:p>
+                      <a:endParaRPr kumimoji="1" lang="ja-JP" altLang="en-US"/>
+                    </a:p>
+                  </a:txBody>
+                  <a:tcPr/>
+                </a:tc>
+                <a:tc>
+                  <a:txBody>
+                    <a:bodyPr/>
+                    <a:lstStyle/>
+                    <a:p>
+                      <a:endParaRPr kumimoji="1" lang="ja-JP" altLang="en-US"/>
+                    </a:p>
+                  </a:txBody>
+                  <a:tcPr/>
+                </a:tc>
+                <a:extLst>
+                  <a:ext uri="{0D108BD9-81ED-4DB2-BD59-A6C34878D82A}">
+                    <a16:rowId xmlns:a16="http://schemas.microsoft.com/office/drawing/2014/main" val="3204770613"/>
+                  </a:ext>
+                </a:extLst>
+              </a:tr>
+              <a:tr h="370840">
+                <a:tc>
+                  <a:txBody>
+                    <a:bodyPr/>
+                    <a:lstStyle/>
+                    <a:p>
+                      <a:endParaRPr kumimoji="1" lang="ja-JP" altLang="en-US"/>
+                    </a:p>
+                  </a:txBody>
+                  <a:tcPr/>
+                </a:tc>
+                <a:tc>
+                  <a:txBody>
+                    <a:bodyPr/>
+                    <a:lstStyle/>
+                    <a:p>
+                      <a:endParaRPr kumimoji="1" lang="ja-JP" altLang="en-US"/>
+                    </a:p>
+                  </a:txBody>
+                  <a:tcPr/>
+                </a:tc>
+                <a:extLst>
+                  <a:ext uri="{0D108BD9-81ED-4DB2-BD59-A6C34878D82A}">
+                    <a16:rowId xmlns:a16="http://schemas.microsoft.com/office/drawing/2014/main" val="206147335"/>
+                  </a:ext>
+                </a:extLst>
+              </a:tr>
+              <a:tr h="370840">
+                <a:tc>
+                  <a:txBody>
+                    <a:bodyPr/>
+                    <a:lstStyle/>
+                    <a:p>
+                      <a:endParaRPr kumimoji="1" lang="ja-JP" altLang="en-US"/>
+                    </a:p>
+                  </a:txBody>
+                  <a:tcPr/>
+                </a:tc>
+                <a:tc>
+                  <a:txBody>
+                    <a:bodyPr/>
+                    <a:lstStyle/>
+                    <a:p>
+                      <a:endParaRPr kumimoji="1" lang="ja-JP" altLang="en-US"/>
+                    </a:p>
+                  </a:txBody>
+                  <a:tcPr/>
+                </a:tc>
+                <a:extLst>
+                  <a:ext uri="{0D108BD9-81ED-4DB2-BD59-A6C34878D82A}">
+                    <a16:rowId xmlns:a16="http://schemas.microsoft.com/office/drawing/2014/main" val="3665793539"/>
+                  </a:ext>
+                </a:extLst>
+              </a:tr>
+              <a:tr h="370840">
+                <a:tc>
+                  <a:txBody>
+                    <a:bodyPr/>
+                    <a:lstStyle/>
+                    <a:p>
+                      <a:endParaRPr kumimoji="1" lang="ja-JP" altLang="en-US"/>
+                    </a:p>
+                  </a:txBody>
+                  <a:tcPr/>
+                </a:tc>
+                <a:tc>
+                  <a:txBody>
+                    <a:bodyPr/>
+                    <a:lstStyle/>
+                    <a:p>
+                      <a:endParaRPr kumimoji="1" lang="ja-JP" altLang="en-US" dirty="0"/>
+                    </a:p>
+                  </a:txBody>
+                  <a:tcPr/>
+                </a:tc>
+                <a:extLst>
+                  <a:ext uri="{0D108BD9-81ED-4DB2-BD59-A6C34878D82A}">
+                    <a16:rowId xmlns:a16="http://schemas.microsoft.com/office/drawing/2014/main" val="3207217951"/>
+                  </a:ext>
+                </a:extLst>
+              </a:tr>
+            </a:tbl>
+          </a:graphicData>
+        </a:graphic>
+      </p:graphicFrame>
+    </p:spTree>
+    <p:extLst>
+      <p:ext uri="{BB962C8B-B14F-4D97-AF65-F5344CB8AC3E}">
+        <p14:creationId xmlns:p14="http://schemas.microsoft.com/office/powerpoint/2010/main" val="3954392446"/>
+      </p:ext>
+    </p:extLst>
+  </p:cSld>
+  <p:clrMapOvr>
+    <a:masterClrMapping/>
+  </p:clrMapOvr>
+</p:sld>
+</file>
+
 <file path=ppt/slides/slide2.xml><?xml version="1.0" encoding="utf-8"?>
 <p:sld xmlns:a="http://schemas.openxmlformats.org/drawingml/2006/main" xmlns:r="http://schemas.openxmlformats.org/officeDocument/2006/relationships" xmlns:p="http://schemas.openxmlformats.org/presentationml/2006/main">
   <p:cSld>
@@ -12446,6 +14254,675 @@
     <p:bldLst>
       <p:bldP spid="3" grpId="0" uiExpand="1" build="p"/>
       <p:bldP spid="12" grpId="0" animBg="1"/>
+    </p:bldLst>
+  </p:timing>
+</p:sld>
+</file>
+
+<file path=ppt/slides/slide9.xml><?xml version="1.0" encoding="utf-8"?>
+<p:sld xmlns:a="http://schemas.openxmlformats.org/drawingml/2006/main" xmlns:r="http://schemas.openxmlformats.org/officeDocument/2006/relationships" xmlns:p="http://schemas.openxmlformats.org/presentationml/2006/main">
+  <p:cSld>
+    <p:spTree>
+      <p:nvGrpSpPr>
+        <p:cNvPr id="1" name=""/>
+        <p:cNvGrpSpPr/>
+        <p:nvPr/>
+      </p:nvGrpSpPr>
+      <p:grpSpPr>
+        <a:xfrm>
+          <a:off x="0" y="0"/>
+          <a:ext cx="0" cy="0"/>
+          <a:chOff x="0" y="0"/>
+          <a:chExt cx="0" cy="0"/>
+        </a:xfrm>
+      </p:grpSpPr>
+      <p:sp>
+        <p:nvSpPr>
+          <p:cNvPr id="2" name="タイトル 1">
+            <a:extLst>
+              <a:ext uri="{FF2B5EF4-FFF2-40B4-BE49-F238E27FC236}">
+                <a16:creationId xmlns:a16="http://schemas.microsoft.com/office/drawing/2014/main" id="{A3CA44FB-64E1-44F3-9DA9-ACF94A1E277A}"/>
+              </a:ext>
+            </a:extLst>
+          </p:cNvPr>
+          <p:cNvSpPr>
+            <a:spLocks noGrp="1"/>
+          </p:cNvSpPr>
+          <p:nvPr>
+            <p:ph type="title"/>
+          </p:nvPr>
+        </p:nvSpPr>
+        <p:spPr/>
+        <p:txBody>
+          <a:bodyPr/>
+          <a:lstStyle/>
+          <a:p>
+            <a:r>
+              <a:rPr kumimoji="1" lang="en-US" altLang="ja-JP" dirty="0">
+                <a:latin typeface="Takaoゴシック" panose="020B0509000000000000" pitchFamily="49" charset="-128"/>
+                <a:ea typeface="Takaoゴシック" panose="020B0509000000000000" pitchFamily="49" charset="-128"/>
+              </a:rPr>
+              <a:t>02.WSL</a:t>
+            </a:r>
+            <a:r>
+              <a:rPr lang="en-US" altLang="ja-JP" dirty="0">
+                <a:latin typeface="Takaoゴシック" panose="020B0509000000000000" pitchFamily="49" charset="-128"/>
+                <a:ea typeface="Takaoゴシック" panose="020B0509000000000000" pitchFamily="49" charset="-128"/>
+              </a:rPr>
+              <a:t>(Linux)</a:t>
+            </a:r>
+            <a:r>
+              <a:rPr lang="ja-JP" altLang="en-US" dirty="0">
+                <a:latin typeface="Takaoゴシック" panose="020B0509000000000000" pitchFamily="49" charset="-128"/>
+                <a:ea typeface="Takaoゴシック" panose="020B0509000000000000" pitchFamily="49" charset="-128"/>
+              </a:rPr>
+              <a:t>のインストール</a:t>
+            </a:r>
+            <a:endParaRPr kumimoji="1" lang="ja-JP" altLang="en-US" dirty="0">
+              <a:latin typeface="Takaoゴシック" panose="020B0509000000000000" pitchFamily="49" charset="-128"/>
+              <a:ea typeface="Takaoゴシック" panose="020B0509000000000000" pitchFamily="49" charset="-128"/>
+            </a:endParaRPr>
+          </a:p>
+        </p:txBody>
+      </p:sp>
+      <p:sp>
+        <p:nvSpPr>
+          <p:cNvPr id="3" name="コンテンツ プレースホルダー 2">
+            <a:extLst>
+              <a:ext uri="{FF2B5EF4-FFF2-40B4-BE49-F238E27FC236}">
+                <a16:creationId xmlns:a16="http://schemas.microsoft.com/office/drawing/2014/main" id="{C044A338-8D2B-45EC-BE8C-FFE21B5C386E}"/>
+              </a:ext>
+            </a:extLst>
+          </p:cNvPr>
+          <p:cNvSpPr>
+            <a:spLocks noGrp="1"/>
+          </p:cNvSpPr>
+          <p:nvPr>
+            <p:ph idx="1"/>
+          </p:nvPr>
+        </p:nvSpPr>
+        <p:spPr>
+          <a:xfrm>
+            <a:off x="609600" y="1981200"/>
+            <a:ext cx="10972800" cy="3886200"/>
+          </a:xfrm>
+        </p:spPr>
+        <p:txBody>
+          <a:bodyPr/>
+          <a:lstStyle/>
+          <a:p>
+            <a:r>
+              <a:rPr kumimoji="1" lang="ja-JP" altLang="en-US" dirty="0">
+                <a:latin typeface="TakaoExゴシック" panose="020B0500000000000000" pitchFamily="50" charset="-128"/>
+                <a:ea typeface="TakaoExゴシック" panose="020B0500000000000000" pitchFamily="50" charset="-128"/>
+              </a:rPr>
+              <a:t>展開後、ユーザ名とパスワードを設定</a:t>
+            </a:r>
+            <a:endParaRPr kumimoji="1" lang="en-US" altLang="ja-JP" dirty="0">
+              <a:latin typeface="TakaoExゴシック" panose="020B0500000000000000" pitchFamily="50" charset="-128"/>
+              <a:ea typeface="TakaoExゴシック" panose="020B0500000000000000" pitchFamily="50" charset="-128"/>
+            </a:endParaRPr>
+          </a:p>
+          <a:p>
+            <a:pPr lvl="1"/>
+            <a:r>
+              <a:rPr lang="en-US" altLang="ja-JP" dirty="0">
+                <a:latin typeface="TakaoExゴシック" panose="020B0500000000000000" pitchFamily="50" charset="-128"/>
+                <a:ea typeface="TakaoExゴシック" panose="020B0500000000000000" pitchFamily="50" charset="-128"/>
+              </a:rPr>
+              <a:t>Windows</a:t>
+            </a:r>
+            <a:r>
+              <a:rPr lang="ja-JP" altLang="en-US" dirty="0">
+                <a:latin typeface="TakaoExゴシック" panose="020B0500000000000000" pitchFamily="50" charset="-128"/>
+                <a:ea typeface="TakaoExゴシック" panose="020B0500000000000000" pitchFamily="50" charset="-128"/>
+              </a:rPr>
+              <a:t>のとは別で大丈夫。</a:t>
+            </a:r>
+            <a:r>
+              <a:rPr kumimoji="1" lang="ja-JP" altLang="en-US" dirty="0">
+                <a:latin typeface="TakaoExゴシック" panose="020B0500000000000000" pitchFamily="50" charset="-128"/>
+                <a:ea typeface="TakaoExゴシック" panose="020B0500000000000000" pitchFamily="50" charset="-128"/>
+              </a:rPr>
+              <a:t>ただし、英数字で。</a:t>
+            </a:r>
+            <a:endParaRPr kumimoji="1" lang="en-US" altLang="ja-JP" dirty="0">
+              <a:latin typeface="TakaoExゴシック" panose="020B0500000000000000" pitchFamily="50" charset="-128"/>
+              <a:ea typeface="TakaoExゴシック" panose="020B0500000000000000" pitchFamily="50" charset="-128"/>
+            </a:endParaRPr>
+          </a:p>
+          <a:p>
+            <a:pPr lvl="1"/>
+            <a:r>
+              <a:rPr kumimoji="1" lang="ja-JP" altLang="en-US" dirty="0">
+                <a:latin typeface="TakaoExゴシック" panose="020B0500000000000000" pitchFamily="50" charset="-128"/>
+                <a:ea typeface="TakaoExゴシック" panose="020B0500000000000000" pitchFamily="50" charset="-128"/>
+              </a:rPr>
+              <a:t>パスワードは文字出ないが入力されているので大丈夫</a:t>
+            </a:r>
+            <a:endParaRPr kumimoji="1" lang="en-US" altLang="ja-JP" dirty="0">
+              <a:latin typeface="TakaoExゴシック" panose="020B0500000000000000" pitchFamily="50" charset="-128"/>
+              <a:ea typeface="TakaoExゴシック" panose="020B0500000000000000" pitchFamily="50" charset="-128"/>
+            </a:endParaRPr>
+          </a:p>
+          <a:p>
+            <a:pPr lvl="1"/>
+            <a:r>
+              <a:rPr kumimoji="1" lang="ja-JP" altLang="en-US" dirty="0">
+                <a:latin typeface="TakaoExゴシック" panose="020B0500000000000000" pitchFamily="50" charset="-128"/>
+                <a:ea typeface="TakaoExゴシック" panose="020B0500000000000000" pitchFamily="50" charset="-128"/>
+              </a:rPr>
+              <a:t>パスワード</a:t>
+            </a:r>
+            <a:r>
+              <a:rPr kumimoji="1" lang="en-US" altLang="ja-JP" dirty="0">
+                <a:latin typeface="TakaoExゴシック" panose="020B0500000000000000" pitchFamily="50" charset="-128"/>
+                <a:ea typeface="TakaoExゴシック" panose="020B0500000000000000" pitchFamily="50" charset="-128"/>
+              </a:rPr>
+              <a:t>2</a:t>
+            </a:r>
+            <a:r>
+              <a:rPr kumimoji="1" lang="ja-JP" altLang="en-US" dirty="0">
+                <a:latin typeface="TakaoExゴシック" panose="020B0500000000000000" pitchFamily="50" charset="-128"/>
+                <a:ea typeface="TakaoExゴシック" panose="020B0500000000000000" pitchFamily="50" charset="-128"/>
+              </a:rPr>
+              <a:t>回入力で登録完了。お疲れ様です！</a:t>
+            </a:r>
+          </a:p>
+        </p:txBody>
+      </p:sp>
+      <p:pic>
+        <p:nvPicPr>
+          <p:cNvPr id="6" name="図 5">
+            <a:extLst>
+              <a:ext uri="{FF2B5EF4-FFF2-40B4-BE49-F238E27FC236}">
+                <a16:creationId xmlns:a16="http://schemas.microsoft.com/office/drawing/2014/main" id="{3BCB352E-1C82-4D86-B7A3-21FBBB9759AD}"/>
+              </a:ext>
+            </a:extLst>
+          </p:cNvPr>
+          <p:cNvPicPr>
+            <a:picLocks noChangeAspect="1"/>
+          </p:cNvPicPr>
+          <p:nvPr/>
+        </p:nvPicPr>
+        <p:blipFill rotWithShape="1">
+          <a:blip r:embed="rId2">
+            <a:extLst>
+              <a:ext uri="{28A0092B-C50C-407E-A947-70E740481C1C}">
+                <a14:useLocalDpi xmlns:a14="http://schemas.microsoft.com/office/drawing/2010/main" val="0"/>
+              </a:ext>
+            </a:extLst>
+          </a:blip>
+          <a:srcRect r="46954" b="52791"/>
+          <a:stretch/>
+        </p:blipFill>
+        <p:spPr>
+          <a:xfrm>
+            <a:off x="609600" y="4236721"/>
+            <a:ext cx="5279903" cy="2479040"/>
+          </a:xfrm>
+          <a:prstGeom prst="rect">
+            <a:avLst/>
+          </a:prstGeom>
+        </p:spPr>
+      </p:pic>
+      <p:pic>
+        <p:nvPicPr>
+          <p:cNvPr id="8" name="図 7">
+            <a:extLst>
+              <a:ext uri="{FF2B5EF4-FFF2-40B4-BE49-F238E27FC236}">
+                <a16:creationId xmlns:a16="http://schemas.microsoft.com/office/drawing/2014/main" id="{FB861D94-F277-4A97-9C09-2C522D64A65B}"/>
+              </a:ext>
+            </a:extLst>
+          </p:cNvPr>
+          <p:cNvPicPr>
+            <a:picLocks noChangeAspect="1"/>
+          </p:cNvPicPr>
+          <p:nvPr/>
+        </p:nvPicPr>
+        <p:blipFill rotWithShape="1">
+          <a:blip r:embed="rId3">
+            <a:extLst>
+              <a:ext uri="{28A0092B-C50C-407E-A947-70E740481C1C}">
+                <a14:useLocalDpi xmlns:a14="http://schemas.microsoft.com/office/drawing/2010/main" val="0"/>
+              </a:ext>
+            </a:extLst>
+          </a:blip>
+          <a:srcRect r="39205" b="48031"/>
+          <a:stretch/>
+        </p:blipFill>
+        <p:spPr>
+          <a:xfrm>
+            <a:off x="6097729" y="4236721"/>
+            <a:ext cx="5484671" cy="2479040"/>
+          </a:xfrm>
+          <a:prstGeom prst="rect">
+            <a:avLst/>
+          </a:prstGeom>
+        </p:spPr>
+      </p:pic>
+      <p:sp>
+        <p:nvSpPr>
+          <p:cNvPr id="9" name="矢印: 右 8">
+            <a:extLst>
+              <a:ext uri="{FF2B5EF4-FFF2-40B4-BE49-F238E27FC236}">
+                <a16:creationId xmlns:a16="http://schemas.microsoft.com/office/drawing/2014/main" id="{29AE70F9-6712-4ADC-BFA1-13DB6D6E6C45}"/>
+              </a:ext>
+            </a:extLst>
+          </p:cNvPr>
+          <p:cNvSpPr/>
+          <p:nvPr/>
+        </p:nvSpPr>
+        <p:spPr>
+          <a:xfrm>
+            <a:off x="4609184" y="5323841"/>
+            <a:ext cx="1473200" cy="406399"/>
+          </a:xfrm>
+          <a:prstGeom prst="rightArrow">
+            <a:avLst/>
+          </a:prstGeom>
+          <a:noFill/>
+          <a:ln w="76200">
+            <a:solidFill>
+              <a:srgbClr val="FF0000"/>
+            </a:solidFill>
+          </a:ln>
+        </p:spPr>
+        <p:style>
+          <a:lnRef idx="2">
+            <a:schemeClr val="accent1">
+              <a:shade val="50000"/>
+            </a:schemeClr>
+          </a:lnRef>
+          <a:fillRef idx="1">
+            <a:schemeClr val="accent1"/>
+          </a:fillRef>
+          <a:effectRef idx="0">
+            <a:schemeClr val="accent1"/>
+          </a:effectRef>
+          <a:fontRef idx="minor">
+            <a:schemeClr val="lt1"/>
+          </a:fontRef>
+        </p:style>
+        <p:txBody>
+          <a:bodyPr rtlCol="0" anchor="ctr"/>
+          <a:lstStyle/>
+          <a:p>
+            <a:pPr algn="ctr"/>
+            <a:endParaRPr kumimoji="1" lang="ja-JP" altLang="en-US"/>
+          </a:p>
+        </p:txBody>
+      </p:sp>
+    </p:spTree>
+    <p:extLst>
+      <p:ext uri="{BB962C8B-B14F-4D97-AF65-F5344CB8AC3E}">
+        <p14:creationId xmlns:p14="http://schemas.microsoft.com/office/powerpoint/2010/main" val="2197143597"/>
+      </p:ext>
+    </p:extLst>
+  </p:cSld>
+  <p:clrMapOvr>
+    <a:masterClrMapping/>
+  </p:clrMapOvr>
+  <p:timing>
+    <p:tnLst>
+      <p:par>
+        <p:cTn id="1" dur="indefinite" restart="never" nodeType="tmRoot">
+          <p:childTnLst>
+            <p:seq concurrent="1" nextAc="seek">
+              <p:cTn id="2" dur="indefinite" nodeType="mainSeq">
+                <p:childTnLst>
+                  <p:par>
+                    <p:cTn id="3" fill="hold">
+                      <p:stCondLst>
+                        <p:cond delay="indefinite"/>
+                      </p:stCondLst>
+                      <p:childTnLst>
+                        <p:par>
+                          <p:cTn id="4" fill="hold">
+                            <p:stCondLst>
+                              <p:cond delay="0"/>
+                            </p:stCondLst>
+                            <p:childTnLst>
+                              <p:par>
+                                <p:cTn id="5" presetID="1" presetClass="entr" presetSubtype="0" fill="hold" grpId="0" nodeType="clickEffect">
+                                  <p:stCondLst>
+                                    <p:cond delay="0"/>
+                                  </p:stCondLst>
+                                  <p:childTnLst>
+                                    <p:set>
+                                      <p:cBhvr>
+                                        <p:cTn id="6" dur="1" fill="hold">
+                                          <p:stCondLst>
+                                            <p:cond delay="0"/>
+                                          </p:stCondLst>
+                                        </p:cTn>
+                                        <p:tgtEl>
+                                          <p:spTgt spid="3">
+                                            <p:txEl>
+                                              <p:pRg st="0" end="0"/>
+                                            </p:txEl>
+                                          </p:spTgt>
+                                        </p:tgtEl>
+                                        <p:attrNameLst>
+                                          <p:attrName>style.visibility</p:attrName>
+                                        </p:attrNameLst>
+                                      </p:cBhvr>
+                                      <p:to>
+                                        <p:strVal val="visible"/>
+                                      </p:to>
+                                    </p:set>
+                                  </p:childTnLst>
+                                </p:cTn>
+                              </p:par>
+                            </p:childTnLst>
+                          </p:cTn>
+                        </p:par>
+                      </p:childTnLst>
+                    </p:cTn>
+                  </p:par>
+                  <p:par>
+                    <p:cTn id="7" fill="hold">
+                      <p:stCondLst>
+                        <p:cond delay="indefinite"/>
+                      </p:stCondLst>
+                      <p:childTnLst>
+                        <p:par>
+                          <p:cTn id="8" fill="hold">
+                            <p:stCondLst>
+                              <p:cond delay="0"/>
+                            </p:stCondLst>
+                            <p:childTnLst>
+                              <p:par>
+                                <p:cTn id="9" presetID="1" presetClass="entr" presetSubtype="0" fill="hold" grpId="0" nodeType="clickEffect">
+                                  <p:stCondLst>
+                                    <p:cond delay="0"/>
+                                  </p:stCondLst>
+                                  <p:childTnLst>
+                                    <p:set>
+                                      <p:cBhvr>
+                                        <p:cTn id="10" dur="1" fill="hold">
+                                          <p:stCondLst>
+                                            <p:cond delay="0"/>
+                                          </p:stCondLst>
+                                        </p:cTn>
+                                        <p:tgtEl>
+                                          <p:spTgt spid="3">
+                                            <p:txEl>
+                                              <p:pRg st="1" end="1"/>
+                                            </p:txEl>
+                                          </p:spTgt>
+                                        </p:tgtEl>
+                                        <p:attrNameLst>
+                                          <p:attrName>style.visibility</p:attrName>
+                                        </p:attrNameLst>
+                                      </p:cBhvr>
+                                      <p:to>
+                                        <p:strVal val="visible"/>
+                                      </p:to>
+                                    </p:set>
+                                  </p:childTnLst>
+                                </p:cTn>
+                              </p:par>
+                            </p:childTnLst>
+                          </p:cTn>
+                        </p:par>
+                        <p:par>
+                          <p:cTn id="11" fill="hold">
+                            <p:stCondLst>
+                              <p:cond delay="0"/>
+                            </p:stCondLst>
+                            <p:childTnLst>
+                              <p:par>
+                                <p:cTn id="12" presetID="22" presetClass="entr" presetSubtype="1" fill="hold" nodeType="afterEffect">
+                                  <p:stCondLst>
+                                    <p:cond delay="500"/>
+                                  </p:stCondLst>
+                                  <p:childTnLst>
+                                    <p:set>
+                                      <p:cBhvr>
+                                        <p:cTn id="13" dur="1" fill="hold">
+                                          <p:stCondLst>
+                                            <p:cond delay="0"/>
+                                          </p:stCondLst>
+                                        </p:cTn>
+                                        <p:tgtEl>
+                                          <p:spTgt spid="6"/>
+                                        </p:tgtEl>
+                                        <p:attrNameLst>
+                                          <p:attrName>style.visibility</p:attrName>
+                                        </p:attrNameLst>
+                                      </p:cBhvr>
+                                      <p:to>
+                                        <p:strVal val="visible"/>
+                                      </p:to>
+                                    </p:set>
+                                    <p:animEffect transition="in" filter="wipe(up)">
+                                      <p:cBhvr>
+                                        <p:cTn id="14" dur="500"/>
+                                        <p:tgtEl>
+                                          <p:spTgt spid="6"/>
+                                        </p:tgtEl>
+                                      </p:cBhvr>
+                                    </p:animEffect>
+                                  </p:childTnLst>
+                                </p:cTn>
+                              </p:par>
+                            </p:childTnLst>
+                          </p:cTn>
+                        </p:par>
+                      </p:childTnLst>
+                    </p:cTn>
+                  </p:par>
+                  <p:par>
+                    <p:cTn id="15" fill="hold">
+                      <p:stCondLst>
+                        <p:cond delay="indefinite"/>
+                      </p:stCondLst>
+                      <p:childTnLst>
+                        <p:par>
+                          <p:cTn id="16" fill="hold">
+                            <p:stCondLst>
+                              <p:cond delay="0"/>
+                            </p:stCondLst>
+                            <p:childTnLst>
+                              <p:par>
+                                <p:cTn id="17" presetID="1" presetClass="entr" presetSubtype="0" fill="hold" grpId="0" nodeType="clickEffect">
+                                  <p:stCondLst>
+                                    <p:cond delay="0"/>
+                                  </p:stCondLst>
+                                  <p:childTnLst>
+                                    <p:set>
+                                      <p:cBhvr>
+                                        <p:cTn id="18" dur="1" fill="hold">
+                                          <p:stCondLst>
+                                            <p:cond delay="0"/>
+                                          </p:stCondLst>
+                                        </p:cTn>
+                                        <p:tgtEl>
+                                          <p:spTgt spid="3">
+                                            <p:txEl>
+                                              <p:pRg st="2" end="2"/>
+                                            </p:txEl>
+                                          </p:spTgt>
+                                        </p:tgtEl>
+                                        <p:attrNameLst>
+                                          <p:attrName>style.visibility</p:attrName>
+                                        </p:attrNameLst>
+                                      </p:cBhvr>
+                                      <p:to>
+                                        <p:strVal val="visible"/>
+                                      </p:to>
+                                    </p:set>
+                                  </p:childTnLst>
+                                </p:cTn>
+                              </p:par>
+                            </p:childTnLst>
+                          </p:cTn>
+                        </p:par>
+                      </p:childTnLst>
+                    </p:cTn>
+                  </p:par>
+                  <p:par>
+                    <p:cTn id="19" fill="hold">
+                      <p:stCondLst>
+                        <p:cond delay="indefinite"/>
+                      </p:stCondLst>
+                      <p:childTnLst>
+                        <p:par>
+                          <p:cTn id="20" fill="hold">
+                            <p:stCondLst>
+                              <p:cond delay="0"/>
+                            </p:stCondLst>
+                            <p:childTnLst>
+                              <p:par>
+                                <p:cTn id="21" presetID="1" presetClass="entr" presetSubtype="0" fill="hold" grpId="0" nodeType="clickEffect">
+                                  <p:stCondLst>
+                                    <p:cond delay="0"/>
+                                  </p:stCondLst>
+                                  <p:childTnLst>
+                                    <p:set>
+                                      <p:cBhvr>
+                                        <p:cTn id="22" dur="1" fill="hold">
+                                          <p:stCondLst>
+                                            <p:cond delay="0"/>
+                                          </p:stCondLst>
+                                        </p:cTn>
+                                        <p:tgtEl>
+                                          <p:spTgt spid="3">
+                                            <p:txEl>
+                                              <p:pRg st="3" end="3"/>
+                                            </p:txEl>
+                                          </p:spTgt>
+                                        </p:tgtEl>
+                                        <p:attrNameLst>
+                                          <p:attrName>style.visibility</p:attrName>
+                                        </p:attrNameLst>
+                                      </p:cBhvr>
+                                      <p:to>
+                                        <p:strVal val="visible"/>
+                                      </p:to>
+                                    </p:set>
+                                  </p:childTnLst>
+                                </p:cTn>
+                              </p:par>
+                            </p:childTnLst>
+                          </p:cTn>
+                        </p:par>
+                        <p:par>
+                          <p:cTn id="23" fill="hold">
+                            <p:stCondLst>
+                              <p:cond delay="0"/>
+                            </p:stCondLst>
+                            <p:childTnLst>
+                              <p:par>
+                                <p:cTn id="24" presetID="22" presetClass="entr" presetSubtype="8" fill="hold" grpId="0" nodeType="afterEffect">
+                                  <p:stCondLst>
+                                    <p:cond delay="500"/>
+                                  </p:stCondLst>
+                                  <p:childTnLst>
+                                    <p:set>
+                                      <p:cBhvr>
+                                        <p:cTn id="25" dur="1" fill="hold">
+                                          <p:stCondLst>
+                                            <p:cond delay="0"/>
+                                          </p:stCondLst>
+                                        </p:cTn>
+                                        <p:tgtEl>
+                                          <p:spTgt spid="9"/>
+                                        </p:tgtEl>
+                                        <p:attrNameLst>
+                                          <p:attrName>style.visibility</p:attrName>
+                                        </p:attrNameLst>
+                                      </p:cBhvr>
+                                      <p:to>
+                                        <p:strVal val="visible"/>
+                                      </p:to>
+                                    </p:set>
+                                    <p:animEffect transition="in" filter="wipe(left)">
+                                      <p:cBhvr>
+                                        <p:cTn id="26" dur="500"/>
+                                        <p:tgtEl>
+                                          <p:spTgt spid="9"/>
+                                        </p:tgtEl>
+                                      </p:cBhvr>
+                                    </p:animEffect>
+                                  </p:childTnLst>
+                                </p:cTn>
+                              </p:par>
+                            </p:childTnLst>
+                          </p:cTn>
+                        </p:par>
+                        <p:par>
+                          <p:cTn id="27" fill="hold">
+                            <p:stCondLst>
+                              <p:cond delay="1000"/>
+                            </p:stCondLst>
+                            <p:childTnLst>
+                              <p:par>
+                                <p:cTn id="28" presetID="22" presetClass="entr" presetSubtype="1" fill="hold" nodeType="afterEffect">
+                                  <p:stCondLst>
+                                    <p:cond delay="0"/>
+                                  </p:stCondLst>
+                                  <p:childTnLst>
+                                    <p:set>
+                                      <p:cBhvr>
+                                        <p:cTn id="29" dur="1" fill="hold">
+                                          <p:stCondLst>
+                                            <p:cond delay="0"/>
+                                          </p:stCondLst>
+                                        </p:cTn>
+                                        <p:tgtEl>
+                                          <p:spTgt spid="8"/>
+                                        </p:tgtEl>
+                                        <p:attrNameLst>
+                                          <p:attrName>style.visibility</p:attrName>
+                                        </p:attrNameLst>
+                                      </p:cBhvr>
+                                      <p:to>
+                                        <p:strVal val="visible"/>
+                                      </p:to>
+                                    </p:set>
+                                    <p:animEffect transition="in" filter="wipe(up)">
+                                      <p:cBhvr>
+                                        <p:cTn id="30" dur="500"/>
+                                        <p:tgtEl>
+                                          <p:spTgt spid="8"/>
+                                        </p:tgtEl>
+                                      </p:cBhvr>
+                                    </p:animEffect>
+                                  </p:childTnLst>
+                                </p:cTn>
+                              </p:par>
+                            </p:childTnLst>
+                          </p:cTn>
+                        </p:par>
+                      </p:childTnLst>
+                    </p:cTn>
+                  </p:par>
+                </p:childTnLst>
+              </p:cTn>
+              <p:prevCondLst>
+                <p:cond evt="onPrev" delay="0">
+                  <p:tgtEl>
+                    <p:sldTgt/>
+                  </p:tgtEl>
+                </p:cond>
+              </p:prevCondLst>
+              <p:nextCondLst>
+                <p:cond evt="onNext" delay="0">
+                  <p:tgtEl>
+                    <p:sldTgt/>
+                  </p:tgtEl>
+                </p:cond>
+              </p:nextCondLst>
+            </p:seq>
+          </p:childTnLst>
+        </p:cTn>
+      </p:par>
+    </p:tnLst>
+    <p:bldLst>
+      <p:bldP spid="3" grpId="0" uiExpand="1" build="p"/>
+      <p:bldP spid="9" grpId="0" animBg="1"/>
     </p:bldLst>
   </p:timing>
 </p:sld>

--- a/RE_SIMU_ON_WSL.pptx
+++ b/RE_SIMU_ON_WSL.pptx
@@ -17,6 +17,8 @@
     <p:sldId id="266" r:id="rId11"/>
     <p:sldId id="267" r:id="rId12"/>
     <p:sldId id="268" r:id="rId13"/>
+    <p:sldId id="269" r:id="rId14"/>
+    <p:sldId id="270" r:id="rId15"/>
   </p:sldIdLst>
   <p:sldSz cx="12192000" cy="6858000"/>
   <p:notesSz cx="6858000" cy="9144000"/>
@@ -2232,7 +2234,7 @@
           <a:p>
             <a:fld id="{EFCA2F27-532F-4E2E-86E8-C011D6D4D29E}" type="datetimeFigureOut">
               <a:rPr kumimoji="1" lang="ja-JP" altLang="en-US" smtClean="0"/>
-              <a:t>2019/3/17</a:t>
+              <a:t>2019/3/23</a:t>
             </a:fld>
             <a:endParaRPr kumimoji="1" lang="ja-JP" altLang="en-US"/>
           </a:p>
@@ -2530,7 +2532,7 @@
           <a:p>
             <a:fld id="{EFCA2F27-532F-4E2E-86E8-C011D6D4D29E}" type="datetimeFigureOut">
               <a:rPr kumimoji="1" lang="ja-JP" altLang="en-US" smtClean="0"/>
-              <a:t>2019/3/17</a:t>
+              <a:t>2019/3/23</a:t>
             </a:fld>
             <a:endParaRPr kumimoji="1" lang="ja-JP" altLang="en-US"/>
           </a:p>
@@ -2776,7 +2778,7 @@
           <a:p>
             <a:fld id="{EFCA2F27-532F-4E2E-86E8-C011D6D4D29E}" type="datetimeFigureOut">
               <a:rPr kumimoji="1" lang="ja-JP" altLang="en-US" smtClean="0"/>
-              <a:t>2019/3/17</a:t>
+              <a:t>2019/3/23</a:t>
             </a:fld>
             <a:endParaRPr kumimoji="1" lang="ja-JP" altLang="en-US"/>
           </a:p>
@@ -3012,7 +3014,7 @@
           <a:p>
             <a:fld id="{EFCA2F27-532F-4E2E-86E8-C011D6D4D29E}" type="datetimeFigureOut">
               <a:rPr kumimoji="1" lang="ja-JP" altLang="en-US" smtClean="0"/>
-              <a:t>2019/3/17</a:t>
+              <a:t>2019/3/23</a:t>
             </a:fld>
             <a:endParaRPr kumimoji="1" lang="ja-JP" altLang="en-US"/>
           </a:p>
@@ -3239,7 +3241,7 @@
           <a:p>
             <a:fld id="{EFCA2F27-532F-4E2E-86E8-C011D6D4D29E}" type="datetimeFigureOut">
               <a:rPr kumimoji="1" lang="ja-JP" altLang="en-US" smtClean="0"/>
-              <a:t>2019/3/17</a:t>
+              <a:t>2019/3/23</a:t>
             </a:fld>
             <a:endParaRPr kumimoji="1" lang="ja-JP" altLang="en-US"/>
           </a:p>
@@ -3624,7 +3626,7 @@
           <a:p>
             <a:fld id="{EFCA2F27-532F-4E2E-86E8-C011D6D4D29E}" type="datetimeFigureOut">
               <a:rPr kumimoji="1" lang="ja-JP" altLang="en-US" smtClean="0"/>
-              <a:t>2019/3/17</a:t>
+              <a:t>2019/3/23</a:t>
             </a:fld>
             <a:endParaRPr kumimoji="1" lang="ja-JP" altLang="en-US"/>
           </a:p>
@@ -4148,7 +4150,7 @@
           <a:p>
             <a:fld id="{EFCA2F27-532F-4E2E-86E8-C011D6D4D29E}" type="datetimeFigureOut">
               <a:rPr kumimoji="1" lang="ja-JP" altLang="en-US" smtClean="0"/>
-              <a:t>2019/3/17</a:t>
+              <a:t>2019/3/23</a:t>
             </a:fld>
             <a:endParaRPr kumimoji="1" lang="ja-JP" altLang="en-US"/>
           </a:p>
@@ -4301,7 +4303,7 @@
           <a:p>
             <a:fld id="{EFCA2F27-532F-4E2E-86E8-C011D6D4D29E}" type="datetimeFigureOut">
               <a:rPr kumimoji="1" lang="ja-JP" altLang="en-US" smtClean="0"/>
-              <a:t>2019/3/17</a:t>
+              <a:t>2019/3/23</a:t>
             </a:fld>
             <a:endParaRPr kumimoji="1" lang="ja-JP" altLang="en-US"/>
           </a:p>
@@ -4432,7 +4434,7 @@
           <a:p>
             <a:fld id="{EFCA2F27-532F-4E2E-86E8-C011D6D4D29E}" type="datetimeFigureOut">
               <a:rPr kumimoji="1" lang="ja-JP" altLang="en-US" smtClean="0"/>
-              <a:t>2019/3/17</a:t>
+              <a:t>2019/3/23</a:t>
             </a:fld>
             <a:endParaRPr kumimoji="1" lang="ja-JP" altLang="en-US"/>
           </a:p>
@@ -4775,7 +4777,7 @@
           <a:p>
             <a:fld id="{EFCA2F27-532F-4E2E-86E8-C011D6D4D29E}" type="datetimeFigureOut">
               <a:rPr kumimoji="1" lang="ja-JP" altLang="en-US" smtClean="0"/>
-              <a:t>2019/3/17</a:t>
+              <a:t>2019/3/23</a:t>
             </a:fld>
             <a:endParaRPr kumimoji="1" lang="ja-JP" altLang="en-US"/>
           </a:p>
@@ -5067,7 +5069,7 @@
           <a:p>
             <a:fld id="{EFCA2F27-532F-4E2E-86E8-C011D6D4D29E}" type="datetimeFigureOut">
               <a:rPr kumimoji="1" lang="ja-JP" altLang="en-US" smtClean="0"/>
-              <a:t>2019/3/17</a:t>
+              <a:t>2019/3/23</a:t>
             </a:fld>
             <a:endParaRPr kumimoji="1" lang="ja-JP" altLang="en-US"/>
           </a:p>
@@ -7046,7 +7048,7 @@
           <a:p>
             <a:fld id="{EFCA2F27-532F-4E2E-86E8-C011D6D4D29E}" type="datetimeFigureOut">
               <a:rPr kumimoji="1" lang="ja-JP" altLang="en-US" smtClean="0"/>
-              <a:t>2019/3/17</a:t>
+              <a:t>2019/3/23</a:t>
             </a:fld>
             <a:endParaRPr kumimoji="1" lang="ja-JP" altLang="en-US"/>
           </a:p>
@@ -7703,6 +7705,184 @@
           <a:chExt cx="0" cy="0"/>
         </a:xfrm>
       </p:grpSpPr>
+      <p:sp>
+        <p:nvSpPr>
+          <p:cNvPr id="2" name="タイトル 1">
+            <a:extLst>
+              <a:ext uri="{FF2B5EF4-FFF2-40B4-BE49-F238E27FC236}">
+                <a16:creationId xmlns:a16="http://schemas.microsoft.com/office/drawing/2014/main" id="{A3CA44FB-64E1-44F3-9DA9-ACF94A1E277A}"/>
+              </a:ext>
+            </a:extLst>
+          </p:cNvPr>
+          <p:cNvSpPr>
+            <a:spLocks noGrp="1"/>
+          </p:cNvSpPr>
+          <p:nvPr>
+            <p:ph type="title"/>
+          </p:nvPr>
+        </p:nvSpPr>
+        <p:spPr/>
+        <p:txBody>
+          <a:bodyPr/>
+          <a:lstStyle/>
+          <a:p>
+            <a:r>
+              <a:rPr kumimoji="1" lang="en-US" altLang="ja-JP" dirty="0">
+                <a:latin typeface="Takaoゴシック" panose="020B0509000000000000" pitchFamily="49" charset="-128"/>
+                <a:ea typeface="Takaoゴシック" panose="020B0509000000000000" pitchFamily="49" charset="-128"/>
+              </a:rPr>
+              <a:t>02.WSL</a:t>
+            </a:r>
+            <a:r>
+              <a:rPr lang="en-US" altLang="ja-JP" dirty="0">
+                <a:latin typeface="Takaoゴシック" panose="020B0509000000000000" pitchFamily="49" charset="-128"/>
+                <a:ea typeface="Takaoゴシック" panose="020B0509000000000000" pitchFamily="49" charset="-128"/>
+              </a:rPr>
+              <a:t>(Linux)</a:t>
+            </a:r>
+            <a:r>
+              <a:rPr lang="ja-JP" altLang="en-US" dirty="0">
+                <a:latin typeface="Takaoゴシック" panose="020B0509000000000000" pitchFamily="49" charset="-128"/>
+                <a:ea typeface="Takaoゴシック" panose="020B0509000000000000" pitchFamily="49" charset="-128"/>
+              </a:rPr>
+              <a:t>のインストール</a:t>
+            </a:r>
+            <a:endParaRPr kumimoji="1" lang="ja-JP" altLang="en-US" dirty="0">
+              <a:latin typeface="Takaoゴシック" panose="020B0509000000000000" pitchFamily="49" charset="-128"/>
+              <a:ea typeface="Takaoゴシック" panose="020B0509000000000000" pitchFamily="49" charset="-128"/>
+            </a:endParaRPr>
+          </a:p>
+        </p:txBody>
+      </p:sp>
+      <p:sp>
+        <p:nvSpPr>
+          <p:cNvPr id="3" name="コンテンツ プレースホルダー 2">
+            <a:extLst>
+              <a:ext uri="{FF2B5EF4-FFF2-40B4-BE49-F238E27FC236}">
+                <a16:creationId xmlns:a16="http://schemas.microsoft.com/office/drawing/2014/main" id="{C044A338-8D2B-45EC-BE8C-FFE21B5C386E}"/>
+              </a:ext>
+            </a:extLst>
+          </p:cNvPr>
+          <p:cNvSpPr>
+            <a:spLocks noGrp="1"/>
+          </p:cNvSpPr>
+          <p:nvPr>
+            <p:ph idx="1"/>
+          </p:nvPr>
+        </p:nvSpPr>
+        <p:spPr>
+          <a:xfrm>
+            <a:off x="609600" y="1981200"/>
+            <a:ext cx="10972800" cy="3886200"/>
+          </a:xfrm>
+        </p:spPr>
+        <p:txBody>
+          <a:bodyPr/>
+          <a:lstStyle/>
+          <a:p>
+            <a:r>
+              <a:rPr kumimoji="1" lang="ja-JP" altLang="en-US" dirty="0">
+                <a:latin typeface="TakaoExゴシック" panose="020B0500000000000000" pitchFamily="50" charset="-128"/>
+                <a:ea typeface="TakaoExゴシック" panose="020B0500000000000000" pitchFamily="50" charset="-128"/>
+              </a:rPr>
+              <a:t>インストール後、まずアップデートを行う</a:t>
+            </a:r>
+            <a:endParaRPr kumimoji="1" lang="en-US" altLang="ja-JP" dirty="0">
+              <a:latin typeface="TakaoExゴシック" panose="020B0500000000000000" pitchFamily="50" charset="-128"/>
+              <a:ea typeface="TakaoExゴシック" panose="020B0500000000000000" pitchFamily="50" charset="-128"/>
+            </a:endParaRPr>
+          </a:p>
+          <a:p>
+            <a:pPr lvl="1"/>
+            <a:r>
+              <a:rPr kumimoji="1" lang="ja-JP" altLang="en-US" dirty="0">
+                <a:latin typeface="TakaoExゴシック" panose="020B0500000000000000" pitchFamily="50" charset="-128"/>
+                <a:ea typeface="TakaoExゴシック" panose="020B0500000000000000" pitchFamily="50" charset="-128"/>
+              </a:rPr>
+              <a:t>日本語化もこのときに行えるがここでは省略</a:t>
+            </a:r>
+            <a:endParaRPr kumimoji="1" lang="en-US" altLang="ja-JP" dirty="0">
+              <a:latin typeface="TakaoExゴシック" panose="020B0500000000000000" pitchFamily="50" charset="-128"/>
+              <a:ea typeface="TakaoExゴシック" panose="020B0500000000000000" pitchFamily="50" charset="-128"/>
+            </a:endParaRPr>
+          </a:p>
+          <a:p>
+            <a:r>
+              <a:rPr kumimoji="1" lang="ja-JP" altLang="en-US" dirty="0">
+                <a:latin typeface="TakaoExゴシック" panose="020B0500000000000000" pitchFamily="50" charset="-128"/>
+                <a:ea typeface="TakaoExゴシック" panose="020B0500000000000000" pitchFamily="50" charset="-128"/>
+              </a:rPr>
+              <a:t>コマンドは管理者権限を要するため、「</a:t>
+            </a:r>
+            <a:r>
+              <a:rPr kumimoji="1" lang="en-US" altLang="ja-JP" dirty="0" err="1">
+                <a:latin typeface="TakaoExゴシック" panose="020B0500000000000000" pitchFamily="50" charset="-128"/>
+                <a:ea typeface="TakaoExゴシック" panose="020B0500000000000000" pitchFamily="50" charset="-128"/>
+              </a:rPr>
+              <a:t>sudo</a:t>
+            </a:r>
+            <a:r>
+              <a:rPr kumimoji="1" lang="ja-JP" altLang="en-US" dirty="0">
+                <a:latin typeface="TakaoExゴシック" panose="020B0500000000000000" pitchFamily="50" charset="-128"/>
+                <a:ea typeface="TakaoExゴシック" panose="020B0500000000000000" pitchFamily="50" charset="-128"/>
+              </a:rPr>
+              <a:t>」必要</a:t>
+            </a:r>
+            <a:endParaRPr kumimoji="1" lang="en-US" altLang="ja-JP" dirty="0">
+              <a:latin typeface="TakaoExゴシック" panose="020B0500000000000000" pitchFamily="50" charset="-128"/>
+              <a:ea typeface="TakaoExゴシック" panose="020B0500000000000000" pitchFamily="50" charset="-128"/>
+            </a:endParaRPr>
+          </a:p>
+          <a:p>
+            <a:r>
+              <a:rPr lang="en-US" altLang="ja-JP" dirty="0" err="1">
+                <a:latin typeface="TakaoExゴシック" panose="020B0500000000000000" pitchFamily="50" charset="-128"/>
+                <a:ea typeface="TakaoExゴシック" panose="020B0500000000000000" pitchFamily="50" charset="-128"/>
+              </a:rPr>
+              <a:t>sudo</a:t>
+            </a:r>
+            <a:r>
+              <a:rPr lang="en-US" altLang="ja-JP" dirty="0">
+                <a:latin typeface="TakaoExゴシック" panose="020B0500000000000000" pitchFamily="50" charset="-128"/>
+                <a:ea typeface="TakaoExゴシック" panose="020B0500000000000000" pitchFamily="50" charset="-128"/>
+              </a:rPr>
+              <a:t> apt update</a:t>
+            </a:r>
+            <a:r>
+              <a:rPr lang="ja-JP" altLang="en-US" dirty="0">
+                <a:latin typeface="TakaoExゴシック" panose="020B0500000000000000" pitchFamily="50" charset="-128"/>
+                <a:ea typeface="TakaoExゴシック" panose="020B0500000000000000" pitchFamily="50" charset="-128"/>
+              </a:rPr>
+              <a:t>で最新情報取得、</a:t>
+            </a:r>
+            <a:r>
+              <a:rPr lang="en-US" altLang="ja-JP" dirty="0" err="1">
+                <a:latin typeface="TakaoExゴシック" panose="020B0500000000000000" pitchFamily="50" charset="-128"/>
+                <a:ea typeface="TakaoExゴシック" panose="020B0500000000000000" pitchFamily="50" charset="-128"/>
+              </a:rPr>
+              <a:t>sudo</a:t>
+            </a:r>
+            <a:r>
+              <a:rPr lang="en-US" altLang="ja-JP" dirty="0">
+                <a:latin typeface="TakaoExゴシック" panose="020B0500000000000000" pitchFamily="50" charset="-128"/>
+                <a:ea typeface="TakaoExゴシック" panose="020B0500000000000000" pitchFamily="50" charset="-128"/>
+              </a:rPr>
+              <a:t> apt upgrade</a:t>
+            </a:r>
+            <a:r>
+              <a:rPr lang="ja-JP" altLang="en-US" dirty="0">
+                <a:latin typeface="TakaoExゴシック" panose="020B0500000000000000" pitchFamily="50" charset="-128"/>
+                <a:ea typeface="TakaoExゴシック" panose="020B0500000000000000" pitchFamily="50" charset="-128"/>
+              </a:rPr>
+              <a:t>で更新の２段階で行う</a:t>
+            </a:r>
+            <a:endParaRPr kumimoji="1" lang="ja-JP" altLang="en-US" dirty="0">
+              <a:latin typeface="TakaoExゴシック" panose="020B0500000000000000" pitchFamily="50" charset="-128"/>
+              <a:ea typeface="TakaoExゴシック" panose="020B0500000000000000" pitchFamily="50" charset="-128"/>
+            </a:endParaRPr>
+          </a:p>
+        </p:txBody>
+      </p:sp>
       <p:pic>
         <p:nvPicPr>
           <p:cNvPr id="5" name="図 4">
@@ -7738,184 +7918,6 @@
           </a:prstGeom>
         </p:spPr>
       </p:pic>
-      <p:sp>
-        <p:nvSpPr>
-          <p:cNvPr id="2" name="タイトル 1">
-            <a:extLst>
-              <a:ext uri="{FF2B5EF4-FFF2-40B4-BE49-F238E27FC236}">
-                <a16:creationId xmlns:a16="http://schemas.microsoft.com/office/drawing/2014/main" id="{A3CA44FB-64E1-44F3-9DA9-ACF94A1E277A}"/>
-              </a:ext>
-            </a:extLst>
-          </p:cNvPr>
-          <p:cNvSpPr>
-            <a:spLocks noGrp="1"/>
-          </p:cNvSpPr>
-          <p:nvPr>
-            <p:ph type="title"/>
-          </p:nvPr>
-        </p:nvSpPr>
-        <p:spPr/>
-        <p:txBody>
-          <a:bodyPr/>
-          <a:lstStyle/>
-          <a:p>
-            <a:r>
-              <a:rPr kumimoji="1" lang="en-US" altLang="ja-JP" dirty="0">
-                <a:latin typeface="Takaoゴシック" panose="020B0509000000000000" pitchFamily="49" charset="-128"/>
-                <a:ea typeface="Takaoゴシック" panose="020B0509000000000000" pitchFamily="49" charset="-128"/>
-              </a:rPr>
-              <a:t>02.WSL</a:t>
-            </a:r>
-            <a:r>
-              <a:rPr lang="en-US" altLang="ja-JP" dirty="0">
-                <a:latin typeface="Takaoゴシック" panose="020B0509000000000000" pitchFamily="49" charset="-128"/>
-                <a:ea typeface="Takaoゴシック" panose="020B0509000000000000" pitchFamily="49" charset="-128"/>
-              </a:rPr>
-              <a:t>(Linux)</a:t>
-            </a:r>
-            <a:r>
-              <a:rPr lang="ja-JP" altLang="en-US" dirty="0">
-                <a:latin typeface="Takaoゴシック" panose="020B0509000000000000" pitchFamily="49" charset="-128"/>
-                <a:ea typeface="Takaoゴシック" panose="020B0509000000000000" pitchFamily="49" charset="-128"/>
-              </a:rPr>
-              <a:t>のインストール</a:t>
-            </a:r>
-            <a:endParaRPr kumimoji="1" lang="ja-JP" altLang="en-US" dirty="0">
-              <a:latin typeface="Takaoゴシック" panose="020B0509000000000000" pitchFamily="49" charset="-128"/>
-              <a:ea typeface="Takaoゴシック" panose="020B0509000000000000" pitchFamily="49" charset="-128"/>
-            </a:endParaRPr>
-          </a:p>
-        </p:txBody>
-      </p:sp>
-      <p:sp>
-        <p:nvSpPr>
-          <p:cNvPr id="3" name="コンテンツ プレースホルダー 2">
-            <a:extLst>
-              <a:ext uri="{FF2B5EF4-FFF2-40B4-BE49-F238E27FC236}">
-                <a16:creationId xmlns:a16="http://schemas.microsoft.com/office/drawing/2014/main" id="{C044A338-8D2B-45EC-BE8C-FFE21B5C386E}"/>
-              </a:ext>
-            </a:extLst>
-          </p:cNvPr>
-          <p:cNvSpPr>
-            <a:spLocks noGrp="1"/>
-          </p:cNvSpPr>
-          <p:nvPr>
-            <p:ph idx="1"/>
-          </p:nvPr>
-        </p:nvSpPr>
-        <p:spPr>
-          <a:xfrm>
-            <a:off x="609600" y="1981200"/>
-            <a:ext cx="10972800" cy="3886200"/>
-          </a:xfrm>
-        </p:spPr>
-        <p:txBody>
-          <a:bodyPr/>
-          <a:lstStyle/>
-          <a:p>
-            <a:r>
-              <a:rPr kumimoji="1" lang="ja-JP" altLang="en-US" dirty="0">
-                <a:latin typeface="TakaoExゴシック" panose="020B0500000000000000" pitchFamily="50" charset="-128"/>
-                <a:ea typeface="TakaoExゴシック" panose="020B0500000000000000" pitchFamily="50" charset="-128"/>
-              </a:rPr>
-              <a:t>インストール後、まずアップデートを行う</a:t>
-            </a:r>
-            <a:endParaRPr kumimoji="1" lang="en-US" altLang="ja-JP" dirty="0">
-              <a:latin typeface="TakaoExゴシック" panose="020B0500000000000000" pitchFamily="50" charset="-128"/>
-              <a:ea typeface="TakaoExゴシック" panose="020B0500000000000000" pitchFamily="50" charset="-128"/>
-            </a:endParaRPr>
-          </a:p>
-          <a:p>
-            <a:pPr lvl="1"/>
-            <a:r>
-              <a:rPr kumimoji="1" lang="ja-JP" altLang="en-US" dirty="0">
-                <a:latin typeface="TakaoExゴシック" panose="020B0500000000000000" pitchFamily="50" charset="-128"/>
-                <a:ea typeface="TakaoExゴシック" panose="020B0500000000000000" pitchFamily="50" charset="-128"/>
-              </a:rPr>
-              <a:t>日本語化もこのときに行えるがここでは省略</a:t>
-            </a:r>
-            <a:endParaRPr kumimoji="1" lang="en-US" altLang="ja-JP" dirty="0">
-              <a:latin typeface="TakaoExゴシック" panose="020B0500000000000000" pitchFamily="50" charset="-128"/>
-              <a:ea typeface="TakaoExゴシック" panose="020B0500000000000000" pitchFamily="50" charset="-128"/>
-            </a:endParaRPr>
-          </a:p>
-          <a:p>
-            <a:r>
-              <a:rPr kumimoji="1" lang="ja-JP" altLang="en-US" dirty="0">
-                <a:latin typeface="TakaoExゴシック" panose="020B0500000000000000" pitchFamily="50" charset="-128"/>
-                <a:ea typeface="TakaoExゴシック" panose="020B0500000000000000" pitchFamily="50" charset="-128"/>
-              </a:rPr>
-              <a:t>コマンドは管理者権限を要するため、「</a:t>
-            </a:r>
-            <a:r>
-              <a:rPr kumimoji="1" lang="en-US" altLang="ja-JP" dirty="0" err="1">
-                <a:latin typeface="TakaoExゴシック" panose="020B0500000000000000" pitchFamily="50" charset="-128"/>
-                <a:ea typeface="TakaoExゴシック" panose="020B0500000000000000" pitchFamily="50" charset="-128"/>
-              </a:rPr>
-              <a:t>sudo</a:t>
-            </a:r>
-            <a:r>
-              <a:rPr kumimoji="1" lang="ja-JP" altLang="en-US" dirty="0">
-                <a:latin typeface="TakaoExゴシック" panose="020B0500000000000000" pitchFamily="50" charset="-128"/>
-                <a:ea typeface="TakaoExゴシック" panose="020B0500000000000000" pitchFamily="50" charset="-128"/>
-              </a:rPr>
-              <a:t>」必要</a:t>
-            </a:r>
-            <a:endParaRPr kumimoji="1" lang="en-US" altLang="ja-JP" dirty="0">
-              <a:latin typeface="TakaoExゴシック" panose="020B0500000000000000" pitchFamily="50" charset="-128"/>
-              <a:ea typeface="TakaoExゴシック" panose="020B0500000000000000" pitchFamily="50" charset="-128"/>
-            </a:endParaRPr>
-          </a:p>
-          <a:p>
-            <a:r>
-              <a:rPr lang="en-US" altLang="ja-JP" dirty="0" err="1">
-                <a:latin typeface="TakaoExゴシック" panose="020B0500000000000000" pitchFamily="50" charset="-128"/>
-                <a:ea typeface="TakaoExゴシック" panose="020B0500000000000000" pitchFamily="50" charset="-128"/>
-              </a:rPr>
-              <a:t>sudo</a:t>
-            </a:r>
-            <a:r>
-              <a:rPr lang="en-US" altLang="ja-JP" dirty="0">
-                <a:latin typeface="TakaoExゴシック" panose="020B0500000000000000" pitchFamily="50" charset="-128"/>
-                <a:ea typeface="TakaoExゴシック" panose="020B0500000000000000" pitchFamily="50" charset="-128"/>
-              </a:rPr>
-              <a:t> apt update</a:t>
-            </a:r>
-            <a:r>
-              <a:rPr lang="ja-JP" altLang="en-US" dirty="0">
-                <a:latin typeface="TakaoExゴシック" panose="020B0500000000000000" pitchFamily="50" charset="-128"/>
-                <a:ea typeface="TakaoExゴシック" panose="020B0500000000000000" pitchFamily="50" charset="-128"/>
-              </a:rPr>
-              <a:t>で最新情報取得、</a:t>
-            </a:r>
-            <a:r>
-              <a:rPr lang="en-US" altLang="ja-JP" dirty="0" err="1">
-                <a:latin typeface="TakaoExゴシック" panose="020B0500000000000000" pitchFamily="50" charset="-128"/>
-                <a:ea typeface="TakaoExゴシック" panose="020B0500000000000000" pitchFamily="50" charset="-128"/>
-              </a:rPr>
-              <a:t>sudo</a:t>
-            </a:r>
-            <a:r>
-              <a:rPr lang="en-US" altLang="ja-JP" dirty="0">
-                <a:latin typeface="TakaoExゴシック" panose="020B0500000000000000" pitchFamily="50" charset="-128"/>
-                <a:ea typeface="TakaoExゴシック" panose="020B0500000000000000" pitchFamily="50" charset="-128"/>
-              </a:rPr>
-              <a:t> apt upgrade</a:t>
-            </a:r>
-            <a:r>
-              <a:rPr lang="ja-JP" altLang="en-US" dirty="0">
-                <a:latin typeface="TakaoExゴシック" panose="020B0500000000000000" pitchFamily="50" charset="-128"/>
-                <a:ea typeface="TakaoExゴシック" panose="020B0500000000000000" pitchFamily="50" charset="-128"/>
-              </a:rPr>
-              <a:t>で更新の２段階で行う</a:t>
-            </a:r>
-            <a:endParaRPr kumimoji="1" lang="ja-JP" altLang="en-US" dirty="0">
-              <a:latin typeface="TakaoExゴシック" panose="020B0500000000000000" pitchFamily="50" charset="-128"/>
-              <a:ea typeface="TakaoExゴシック" panose="020B0500000000000000" pitchFamily="50" charset="-128"/>
-            </a:endParaRPr>
-          </a:p>
-        </p:txBody>
-      </p:sp>
       <p:pic>
         <p:nvPicPr>
           <p:cNvPr id="10" name="図 9">
@@ -8855,14 +8857,14 @@
             <p:ph idx="1"/>
             <p:extLst>
               <p:ext uri="{D42A27DB-BD31-4B8C-83A1-F6EECF244321}">
-                <p14:modId xmlns:p14="http://schemas.microsoft.com/office/powerpoint/2010/main" val="595672815"/>
+                <p14:modId xmlns:p14="http://schemas.microsoft.com/office/powerpoint/2010/main" val="3794979967"/>
               </p:ext>
             </p:extLst>
           </p:nvPr>
         </p:nvGraphicFramePr>
         <p:xfrm>
-          <a:off x="609600" y="1981200"/>
-          <a:ext cx="10972800" cy="7416800"/>
+          <a:off x="609600" y="1754697"/>
+          <a:ext cx="10972800" cy="4820920"/>
         </p:xfrm>
         <a:graphic>
           <a:graphicData uri="http://schemas.openxmlformats.org/drawingml/2006/table">
@@ -8887,11 +8889,12 @@
                 </a:gridCol>
               </a:tblGrid>
               <a:tr h="370840">
-                <a:tc>
+                <a:tc gridSpan="2">
                   <a:txBody>
                     <a:bodyPr/>
                     <a:lstStyle/>
                     <a:p>
+                      <a:pPr algn="ctr"/>
                       <a:r>
                         <a:rPr kumimoji="1" lang="en-US" altLang="ja-JP" dirty="0"/>
                         <a:t>base-</a:t>
@@ -8908,7 +8911,7 @@
                   </a:txBody>
                   <a:tcPr/>
                 </a:tc>
-                <a:tc>
+                <a:tc hMerge="1">
                   <a:txBody>
                     <a:bodyPr/>
                     <a:lstStyle/>
@@ -9084,6 +9087,10 @@
                     <a:bodyPr/>
                     <a:lstStyle/>
                     <a:p>
+                      <a:r>
+                        <a:rPr kumimoji="1" lang="en-US" altLang="ja-JP" dirty="0" err="1"/>
+                        <a:t>gcc</a:t>
+                      </a:r>
                       <a:endParaRPr kumimoji="1" lang="ja-JP" altLang="en-US" dirty="0"/>
                     </a:p>
                   </a:txBody>
@@ -9101,7 +9108,11 @@
                     <a:bodyPr/>
                     <a:lstStyle/>
                     <a:p>
-                      <a:endParaRPr kumimoji="1" lang="ja-JP" altLang="en-US"/>
+                      <a:r>
+                        <a:rPr kumimoji="1" lang="en-US" altLang="ja-JP" dirty="0" err="1"/>
+                        <a:t>gettext</a:t>
+                      </a:r>
+                      <a:endParaRPr kumimoji="1" lang="ja-JP" altLang="en-US" dirty="0"/>
                     </a:p>
                   </a:txBody>
                   <a:tcPr/>
@@ -9111,7 +9122,11 @@
                     <a:bodyPr/>
                     <a:lstStyle/>
                     <a:p>
-                      <a:endParaRPr kumimoji="1" lang="ja-JP" altLang="en-US"/>
+                      <a:r>
+                        <a:rPr kumimoji="1" lang="en-US" altLang="ja-JP" dirty="0"/>
+                        <a:t>grep</a:t>
+                      </a:r>
+                      <a:endParaRPr kumimoji="1" lang="ja-JP" altLang="en-US" dirty="0"/>
                     </a:p>
                   </a:txBody>
                   <a:tcPr/>
@@ -9128,7 +9143,11 @@
                     <a:bodyPr/>
                     <a:lstStyle/>
                     <a:p>
-                      <a:endParaRPr kumimoji="1" lang="ja-JP" altLang="en-US"/>
+                      <a:r>
+                        <a:rPr kumimoji="1" lang="en-US" altLang="ja-JP" dirty="0" err="1"/>
+                        <a:t>groff</a:t>
+                      </a:r>
+                      <a:endParaRPr kumimoji="1" lang="ja-JP" altLang="en-US" dirty="0"/>
                     </a:p>
                   </a:txBody>
                   <a:tcPr/>
@@ -9138,7 +9157,11 @@
                     <a:bodyPr/>
                     <a:lstStyle/>
                     <a:p>
-                      <a:endParaRPr kumimoji="1" lang="ja-JP" altLang="en-US"/>
+                      <a:r>
+                        <a:rPr kumimoji="1" lang="en-US" altLang="ja-JP" dirty="0" err="1"/>
+                        <a:t>libtool</a:t>
+                      </a:r>
+                      <a:endParaRPr kumimoji="1" lang="ja-JP" altLang="en-US" dirty="0"/>
                     </a:p>
                   </a:txBody>
                   <a:tcPr/>
@@ -9155,7 +9178,11 @@
                     <a:bodyPr/>
                     <a:lstStyle/>
                     <a:p>
-                      <a:endParaRPr kumimoji="1" lang="ja-JP" altLang="en-US"/>
+                      <a:r>
+                        <a:rPr kumimoji="1" lang="en-US" altLang="ja-JP" dirty="0"/>
+                        <a:t>m4</a:t>
+                      </a:r>
+                      <a:endParaRPr kumimoji="1" lang="ja-JP" altLang="en-US" dirty="0"/>
                     </a:p>
                   </a:txBody>
                   <a:tcPr/>
@@ -9165,7 +9192,11 @@
                     <a:bodyPr/>
                     <a:lstStyle/>
                     <a:p>
-                      <a:endParaRPr kumimoji="1" lang="ja-JP" altLang="en-US"/>
+                      <a:r>
+                        <a:rPr kumimoji="1" lang="en-US" altLang="ja-JP" dirty="0"/>
+                        <a:t>make</a:t>
+                      </a:r>
+                      <a:endParaRPr kumimoji="1" lang="ja-JP" altLang="en-US" dirty="0"/>
                     </a:p>
                   </a:txBody>
                   <a:tcPr/>
@@ -9182,7 +9213,11 @@
                     <a:bodyPr/>
                     <a:lstStyle/>
                     <a:p>
-                      <a:endParaRPr kumimoji="1" lang="ja-JP" altLang="en-US"/>
+                      <a:r>
+                        <a:rPr kumimoji="1" lang="en-US" altLang="ja-JP" dirty="0" err="1"/>
+                        <a:t>pacman</a:t>
+                      </a:r>
+                      <a:endParaRPr kumimoji="1" lang="ja-JP" altLang="en-US" dirty="0"/>
                     </a:p>
                   </a:txBody>
                   <a:tcPr/>
@@ -9192,7 +9227,11 @@
                     <a:bodyPr/>
                     <a:lstStyle/>
                     <a:p>
-                      <a:endParaRPr kumimoji="1" lang="ja-JP" altLang="en-US"/>
+                      <a:r>
+                        <a:rPr kumimoji="1" lang="en-US" altLang="ja-JP" dirty="0"/>
+                        <a:t>patch</a:t>
+                      </a:r>
+                      <a:endParaRPr kumimoji="1" lang="ja-JP" altLang="en-US" dirty="0"/>
                     </a:p>
                   </a:txBody>
                   <a:tcPr/>
@@ -9209,7 +9248,11 @@
                     <a:bodyPr/>
                     <a:lstStyle/>
                     <a:p>
-                      <a:endParaRPr kumimoji="1" lang="ja-JP" altLang="en-US"/>
+                      <a:r>
+                        <a:rPr kumimoji="1" lang="en-US" altLang="ja-JP" dirty="0"/>
+                        <a:t>pkg-config</a:t>
+                      </a:r>
+                      <a:endParaRPr kumimoji="1" lang="ja-JP" altLang="en-US" dirty="0"/>
                     </a:p>
                   </a:txBody>
                   <a:tcPr/>
@@ -9219,7 +9262,11 @@
                     <a:bodyPr/>
                     <a:lstStyle/>
                     <a:p>
-                      <a:endParaRPr kumimoji="1" lang="ja-JP" altLang="en-US"/>
+                      <a:r>
+                        <a:rPr kumimoji="1" lang="en-US" altLang="ja-JP" dirty="0"/>
+                        <a:t>sed</a:t>
+                      </a:r>
+                      <a:endParaRPr kumimoji="1" lang="ja-JP" altLang="en-US" dirty="0"/>
                     </a:p>
                   </a:txBody>
                   <a:tcPr/>
@@ -9236,7 +9283,11 @@
                     <a:bodyPr/>
                     <a:lstStyle/>
                     <a:p>
-                      <a:endParaRPr kumimoji="1" lang="ja-JP" altLang="en-US"/>
+                      <a:r>
+                        <a:rPr kumimoji="1" lang="en-US" altLang="ja-JP" dirty="0" err="1"/>
+                        <a:t>sudo</a:t>
+                      </a:r>
+                      <a:endParaRPr kumimoji="1" lang="ja-JP" altLang="en-US" dirty="0"/>
                     </a:p>
                   </a:txBody>
                   <a:tcPr/>
@@ -9246,7 +9297,11 @@
                     <a:bodyPr/>
                     <a:lstStyle/>
                     <a:p>
-                      <a:endParaRPr kumimoji="1" lang="ja-JP" altLang="en-US"/>
+                      <a:r>
+                        <a:rPr kumimoji="1" lang="en-US" altLang="ja-JP" dirty="0" err="1"/>
+                        <a:t>texinfo</a:t>
+                      </a:r>
+                      <a:endParaRPr kumimoji="1" lang="ja-JP" altLang="en-US" dirty="0"/>
                     </a:p>
                   </a:txBody>
                   <a:tcPr/>
@@ -9263,196 +9318,11 @@
                     <a:bodyPr/>
                     <a:lstStyle/>
                     <a:p>
-                      <a:endParaRPr kumimoji="1" lang="ja-JP" altLang="en-US"/>
-                    </a:p>
-                  </a:txBody>
-                  <a:tcPr/>
-                </a:tc>
-                <a:tc>
-                  <a:txBody>
-                    <a:bodyPr/>
-                    <a:lstStyle/>
-                    <a:p>
-                      <a:endParaRPr kumimoji="1" lang="ja-JP" altLang="en-US"/>
-                    </a:p>
-                  </a:txBody>
-                  <a:tcPr/>
-                </a:tc>
-                <a:extLst>
-                  <a:ext uri="{0D108BD9-81ED-4DB2-BD59-A6C34878D82A}">
-                    <a16:rowId xmlns:a16="http://schemas.microsoft.com/office/drawing/2014/main" val="1577039736"/>
-                  </a:ext>
-                </a:extLst>
-              </a:tr>
-              <a:tr h="370840">
-                <a:tc>
-                  <a:txBody>
-                    <a:bodyPr/>
-                    <a:lstStyle/>
-                    <a:p>
-                      <a:endParaRPr kumimoji="1" lang="ja-JP" altLang="en-US"/>
-                    </a:p>
-                  </a:txBody>
-                  <a:tcPr/>
-                </a:tc>
-                <a:tc>
-                  <a:txBody>
-                    <a:bodyPr/>
-                    <a:lstStyle/>
-                    <a:p>
-                      <a:endParaRPr kumimoji="1" lang="ja-JP" altLang="en-US"/>
-                    </a:p>
-                  </a:txBody>
-                  <a:tcPr/>
-                </a:tc>
-                <a:extLst>
-                  <a:ext uri="{0D108BD9-81ED-4DB2-BD59-A6C34878D82A}">
-                    <a16:rowId xmlns:a16="http://schemas.microsoft.com/office/drawing/2014/main" val="2620926487"/>
-                  </a:ext>
-                </a:extLst>
-              </a:tr>
-              <a:tr h="370840">
-                <a:tc>
-                  <a:txBody>
-                    <a:bodyPr/>
-                    <a:lstStyle/>
-                    <a:p>
-                      <a:endParaRPr kumimoji="1" lang="ja-JP" altLang="en-US"/>
-                    </a:p>
-                  </a:txBody>
-                  <a:tcPr/>
-                </a:tc>
-                <a:tc>
-                  <a:txBody>
-                    <a:bodyPr/>
-                    <a:lstStyle/>
-                    <a:p>
-                      <a:endParaRPr kumimoji="1" lang="ja-JP" altLang="en-US"/>
-                    </a:p>
-                  </a:txBody>
-                  <a:tcPr/>
-                </a:tc>
-                <a:extLst>
-                  <a:ext uri="{0D108BD9-81ED-4DB2-BD59-A6C34878D82A}">
-                    <a16:rowId xmlns:a16="http://schemas.microsoft.com/office/drawing/2014/main" val="2017013079"/>
-                  </a:ext>
-                </a:extLst>
-              </a:tr>
-              <a:tr h="370840">
-                <a:tc>
-                  <a:txBody>
-                    <a:bodyPr/>
-                    <a:lstStyle/>
-                    <a:p>
-                      <a:endParaRPr kumimoji="1" lang="ja-JP" altLang="en-US"/>
-                    </a:p>
-                  </a:txBody>
-                  <a:tcPr/>
-                </a:tc>
-                <a:tc>
-                  <a:txBody>
-                    <a:bodyPr/>
-                    <a:lstStyle/>
-                    <a:p>
-                      <a:endParaRPr kumimoji="1" lang="ja-JP" altLang="en-US"/>
-                    </a:p>
-                  </a:txBody>
-                  <a:tcPr/>
-                </a:tc>
-                <a:extLst>
-                  <a:ext uri="{0D108BD9-81ED-4DB2-BD59-A6C34878D82A}">
-                    <a16:rowId xmlns:a16="http://schemas.microsoft.com/office/drawing/2014/main" val="1917782644"/>
-                  </a:ext>
-                </a:extLst>
-              </a:tr>
-              <a:tr h="370840">
-                <a:tc>
-                  <a:txBody>
-                    <a:bodyPr/>
-                    <a:lstStyle/>
-                    <a:p>
-                      <a:endParaRPr kumimoji="1" lang="ja-JP" altLang="en-US"/>
-                    </a:p>
-                  </a:txBody>
-                  <a:tcPr/>
-                </a:tc>
-                <a:tc>
-                  <a:txBody>
-                    <a:bodyPr/>
-                    <a:lstStyle/>
-                    <a:p>
-                      <a:endParaRPr kumimoji="1" lang="ja-JP" altLang="en-US"/>
-                    </a:p>
-                  </a:txBody>
-                  <a:tcPr/>
-                </a:tc>
-                <a:extLst>
-                  <a:ext uri="{0D108BD9-81ED-4DB2-BD59-A6C34878D82A}">
-                    <a16:rowId xmlns:a16="http://schemas.microsoft.com/office/drawing/2014/main" val="3204770613"/>
-                  </a:ext>
-                </a:extLst>
-              </a:tr>
-              <a:tr h="370840">
-                <a:tc>
-                  <a:txBody>
-                    <a:bodyPr/>
-                    <a:lstStyle/>
-                    <a:p>
-                      <a:endParaRPr kumimoji="1" lang="ja-JP" altLang="en-US"/>
-                    </a:p>
-                  </a:txBody>
-                  <a:tcPr/>
-                </a:tc>
-                <a:tc>
-                  <a:txBody>
-                    <a:bodyPr/>
-                    <a:lstStyle/>
-                    <a:p>
-                      <a:endParaRPr kumimoji="1" lang="ja-JP" altLang="en-US"/>
-                    </a:p>
-                  </a:txBody>
-                  <a:tcPr/>
-                </a:tc>
-                <a:extLst>
-                  <a:ext uri="{0D108BD9-81ED-4DB2-BD59-A6C34878D82A}">
-                    <a16:rowId xmlns:a16="http://schemas.microsoft.com/office/drawing/2014/main" val="206147335"/>
-                  </a:ext>
-                </a:extLst>
-              </a:tr>
-              <a:tr h="370840">
-                <a:tc>
-                  <a:txBody>
-                    <a:bodyPr/>
-                    <a:lstStyle/>
-                    <a:p>
-                      <a:endParaRPr kumimoji="1" lang="ja-JP" altLang="en-US"/>
-                    </a:p>
-                  </a:txBody>
-                  <a:tcPr/>
-                </a:tc>
-                <a:tc>
-                  <a:txBody>
-                    <a:bodyPr/>
-                    <a:lstStyle/>
-                    <a:p>
-                      <a:endParaRPr kumimoji="1" lang="ja-JP" altLang="en-US"/>
-                    </a:p>
-                  </a:txBody>
-                  <a:tcPr/>
-                </a:tc>
-                <a:extLst>
-                  <a:ext uri="{0D108BD9-81ED-4DB2-BD59-A6C34878D82A}">
-                    <a16:rowId xmlns:a16="http://schemas.microsoft.com/office/drawing/2014/main" val="3665793539"/>
-                  </a:ext>
-                </a:extLst>
-              </a:tr>
-              <a:tr h="370840">
-                <a:tc>
-                  <a:txBody>
-                    <a:bodyPr/>
-                    <a:lstStyle/>
-                    <a:p>
-                      <a:endParaRPr kumimoji="1" lang="ja-JP" altLang="en-US"/>
+                      <a:r>
+                        <a:rPr kumimoji="1" lang="en-US" altLang="ja-JP" dirty="0" err="1"/>
+                        <a:t>util-linux</a:t>
+                      </a:r>
+                      <a:endParaRPr kumimoji="1" lang="ja-JP" altLang="en-US" dirty="0"/>
                     </a:p>
                   </a:txBody>
                   <a:tcPr/>
@@ -9469,7 +9339,7 @@
                 </a:tc>
                 <a:extLst>
                   <a:ext uri="{0D108BD9-81ED-4DB2-BD59-A6C34878D82A}">
-                    <a16:rowId xmlns:a16="http://schemas.microsoft.com/office/drawing/2014/main" val="3207217951"/>
+                    <a16:rowId xmlns:a16="http://schemas.microsoft.com/office/drawing/2014/main" val="1577039736"/>
                   </a:ext>
                 </a:extLst>
               </a:tr>
@@ -9481,6 +9351,1094 @@
     <p:extLst>
       <p:ext uri="{BB962C8B-B14F-4D97-AF65-F5344CB8AC3E}">
         <p14:creationId xmlns:p14="http://schemas.microsoft.com/office/powerpoint/2010/main" val="3954392446"/>
+      </p:ext>
+    </p:extLst>
+  </p:cSld>
+  <p:clrMapOvr>
+    <a:masterClrMapping/>
+  </p:clrMapOvr>
+  <p:timing>
+    <p:tnLst>
+      <p:par>
+        <p:cTn id="1" dur="indefinite" restart="never" nodeType="tmRoot">
+          <p:childTnLst>
+            <p:seq concurrent="1" nextAc="seek">
+              <p:cTn id="2" dur="indefinite" nodeType="mainSeq">
+                <p:childTnLst>
+                  <p:par>
+                    <p:cTn id="3" fill="hold">
+                      <p:stCondLst>
+                        <p:cond delay="indefinite"/>
+                      </p:stCondLst>
+                      <p:childTnLst>
+                        <p:par>
+                          <p:cTn id="4" fill="hold">
+                            <p:stCondLst>
+                              <p:cond delay="0"/>
+                            </p:stCondLst>
+                            <p:childTnLst>
+                              <p:par>
+                                <p:cTn id="5" presetID="1" presetClass="entr" presetSubtype="0" fill="hold" nodeType="clickEffect">
+                                  <p:stCondLst>
+                                    <p:cond delay="0"/>
+                                  </p:stCondLst>
+                                  <p:childTnLst>
+                                    <p:set>
+                                      <p:cBhvr>
+                                        <p:cTn id="6" dur="1" fill="hold">
+                                          <p:stCondLst>
+                                            <p:cond delay="0"/>
+                                          </p:stCondLst>
+                                        </p:cTn>
+                                        <p:tgtEl>
+                                          <p:spTgt spid="5"/>
+                                        </p:tgtEl>
+                                        <p:attrNameLst>
+                                          <p:attrName>style.visibility</p:attrName>
+                                        </p:attrNameLst>
+                                      </p:cBhvr>
+                                      <p:to>
+                                        <p:strVal val="visible"/>
+                                      </p:to>
+                                    </p:set>
+                                  </p:childTnLst>
+                                </p:cTn>
+                              </p:par>
+                            </p:childTnLst>
+                          </p:cTn>
+                        </p:par>
+                      </p:childTnLst>
+                    </p:cTn>
+                  </p:par>
+                </p:childTnLst>
+              </p:cTn>
+              <p:prevCondLst>
+                <p:cond evt="onPrev" delay="0">
+                  <p:tgtEl>
+                    <p:sldTgt/>
+                  </p:tgtEl>
+                </p:cond>
+              </p:prevCondLst>
+              <p:nextCondLst>
+                <p:cond evt="onNext" delay="0">
+                  <p:tgtEl>
+                    <p:sldTgt/>
+                  </p:tgtEl>
+                </p:cond>
+              </p:nextCondLst>
+            </p:seq>
+          </p:childTnLst>
+        </p:cTn>
+      </p:par>
+    </p:tnLst>
+  </p:timing>
+</p:sld>
+</file>
+
+<file path=ppt/slides/slide13.xml><?xml version="1.0" encoding="utf-8"?>
+<p:sld xmlns:a="http://schemas.openxmlformats.org/drawingml/2006/main" xmlns:r="http://schemas.openxmlformats.org/officeDocument/2006/relationships" xmlns:p="http://schemas.openxmlformats.org/presentationml/2006/main">
+  <p:cSld>
+    <p:spTree>
+      <p:nvGrpSpPr>
+        <p:cNvPr id="1" name=""/>
+        <p:cNvGrpSpPr/>
+        <p:nvPr/>
+      </p:nvGrpSpPr>
+      <p:grpSpPr>
+        <a:xfrm>
+          <a:off x="0" y="0"/>
+          <a:ext cx="0" cy="0"/>
+          <a:chOff x="0" y="0"/>
+          <a:chExt cx="0" cy="0"/>
+        </a:xfrm>
+      </p:grpSpPr>
+      <p:sp>
+        <p:nvSpPr>
+          <p:cNvPr id="2" name="タイトル 1">
+            <a:extLst>
+              <a:ext uri="{FF2B5EF4-FFF2-40B4-BE49-F238E27FC236}">
+                <a16:creationId xmlns:a16="http://schemas.microsoft.com/office/drawing/2014/main" id="{A3CA44FB-64E1-44F3-9DA9-ACF94A1E277A}"/>
+              </a:ext>
+            </a:extLst>
+          </p:cNvPr>
+          <p:cNvSpPr>
+            <a:spLocks noGrp="1"/>
+          </p:cNvSpPr>
+          <p:nvPr>
+            <p:ph type="title"/>
+          </p:nvPr>
+        </p:nvSpPr>
+        <p:spPr/>
+        <p:txBody>
+          <a:bodyPr/>
+          <a:lstStyle/>
+          <a:p>
+            <a:r>
+              <a:rPr kumimoji="1" lang="en-US" altLang="ja-JP" dirty="0">
+                <a:latin typeface="Takaoゴシック" panose="020B0509000000000000" pitchFamily="49" charset="-128"/>
+                <a:ea typeface="Takaoゴシック" panose="020B0509000000000000" pitchFamily="49" charset="-128"/>
+              </a:rPr>
+              <a:t>03-1.apt</a:t>
+            </a:r>
+            <a:r>
+              <a:rPr kumimoji="1" lang="ja-JP" altLang="en-US" dirty="0" err="1">
+                <a:latin typeface="Takaoゴシック" panose="020B0509000000000000" pitchFamily="49" charset="-128"/>
+                <a:ea typeface="Takaoゴシック" panose="020B0509000000000000" pitchFamily="49" charset="-128"/>
+              </a:rPr>
+              <a:t>での</a:t>
+            </a:r>
+            <a:r>
+              <a:rPr kumimoji="1" lang="ja-JP" altLang="en-US" dirty="0">
+                <a:latin typeface="Takaoゴシック" panose="020B0509000000000000" pitchFamily="49" charset="-128"/>
+                <a:ea typeface="Takaoゴシック" panose="020B0509000000000000" pitchFamily="49" charset="-128"/>
+              </a:rPr>
+              <a:t>パッケージ導入</a:t>
+            </a:r>
+          </a:p>
+        </p:txBody>
+      </p:sp>
+      <p:graphicFrame>
+        <p:nvGraphicFramePr>
+          <p:cNvPr id="5" name="コンテンツ プレースホルダー 4">
+            <a:extLst>
+              <a:ext uri="{FF2B5EF4-FFF2-40B4-BE49-F238E27FC236}">
+                <a16:creationId xmlns:a16="http://schemas.microsoft.com/office/drawing/2014/main" id="{C14C3FC2-0EAA-4A04-B3B5-180F5CEB6D08}"/>
+              </a:ext>
+            </a:extLst>
+          </p:cNvPr>
+          <p:cNvGraphicFramePr>
+            <a:graphicFrameLocks noGrp="1"/>
+          </p:cNvGraphicFramePr>
+          <p:nvPr>
+            <p:ph idx="1"/>
+            <p:extLst>
+              <p:ext uri="{D42A27DB-BD31-4B8C-83A1-F6EECF244321}">
+                <p14:modId xmlns:p14="http://schemas.microsoft.com/office/powerpoint/2010/main" val="4183749117"/>
+              </p:ext>
+            </p:extLst>
+          </p:nvPr>
+        </p:nvGraphicFramePr>
+        <p:xfrm>
+          <a:off x="609600" y="1754697"/>
+          <a:ext cx="10972800" cy="1483360"/>
+        </p:xfrm>
+        <a:graphic>
+          <a:graphicData uri="http://schemas.openxmlformats.org/drawingml/2006/table">
+            <a:tbl>
+              <a:tblPr firstRow="1" bandRow="1">
+                <a:tableStyleId>{5C22544A-7EE6-4342-B048-85BDC9FD1C3A}</a:tableStyleId>
+              </a:tblPr>
+              <a:tblGrid>
+                <a:gridCol w="5486400">
+                  <a:extLst>
+                    <a:ext uri="{9D8B030D-6E8A-4147-A177-3AD203B41FA5}">
+                      <a16:colId xmlns:a16="http://schemas.microsoft.com/office/drawing/2014/main" val="3152158646"/>
+                    </a:ext>
+                  </a:extLst>
+                </a:gridCol>
+                <a:gridCol w="5486400">
+                  <a:extLst>
+                    <a:ext uri="{9D8B030D-6E8A-4147-A177-3AD203B41FA5}">
+                      <a16:colId xmlns:a16="http://schemas.microsoft.com/office/drawing/2014/main" val="2337817332"/>
+                    </a:ext>
+                  </a:extLst>
+                </a:gridCol>
+              </a:tblGrid>
+              <a:tr h="370840">
+                <a:tc gridSpan="2">
+                  <a:txBody>
+                    <a:bodyPr/>
+                    <a:lstStyle/>
+                    <a:p>
+                      <a:pPr algn="ctr"/>
+                      <a:r>
+                        <a:rPr kumimoji="1" lang="en-US" altLang="ja-JP" dirty="0"/>
+                        <a:t>base-</a:t>
+                      </a:r>
+                      <a:r>
+                        <a:rPr kumimoji="1" lang="en-US" altLang="ja-JP" dirty="0" err="1"/>
+                        <a:t>devel</a:t>
+                      </a:r>
+                      <a:r>
+                        <a:rPr kumimoji="1" lang="ja-JP" altLang="en-US" dirty="0"/>
+                        <a:t>の中身以外で必要なもの</a:t>
+                      </a:r>
+                    </a:p>
+                  </a:txBody>
+                  <a:tcPr/>
+                </a:tc>
+                <a:tc hMerge="1">
+                  <a:txBody>
+                    <a:bodyPr/>
+                    <a:lstStyle/>
+                    <a:p>
+                      <a:endParaRPr kumimoji="1" lang="ja-JP" altLang="en-US" dirty="0"/>
+                    </a:p>
+                  </a:txBody>
+                  <a:tcPr/>
+                </a:tc>
+                <a:extLst>
+                  <a:ext uri="{0D108BD9-81ED-4DB2-BD59-A6C34878D82A}">
+                    <a16:rowId xmlns:a16="http://schemas.microsoft.com/office/drawing/2014/main" val="390390869"/>
+                  </a:ext>
+                </a:extLst>
+              </a:tr>
+              <a:tr h="370840">
+                <a:tc>
+                  <a:txBody>
+                    <a:bodyPr/>
+                    <a:lstStyle/>
+                    <a:p>
+                      <a:r>
+                        <a:rPr kumimoji="1" lang="en-US" altLang="ja-JP" dirty="0"/>
+                        <a:t>apt-get</a:t>
+                      </a:r>
+                      <a:endParaRPr kumimoji="1" lang="ja-JP" altLang="en-US" dirty="0"/>
+                    </a:p>
+                  </a:txBody>
+                  <a:tcPr/>
+                </a:tc>
+                <a:tc>
+                  <a:txBody>
+                    <a:bodyPr/>
+                    <a:lstStyle/>
+                    <a:p>
+                      <a:r>
+                        <a:rPr kumimoji="1" lang="en-US" altLang="ja-JP" dirty="0"/>
+                        <a:t>install</a:t>
+                      </a:r>
+                      <a:endParaRPr kumimoji="1" lang="ja-JP" altLang="en-US" dirty="0"/>
+                    </a:p>
+                  </a:txBody>
+                  <a:tcPr/>
+                </a:tc>
+                <a:extLst>
+                  <a:ext uri="{0D108BD9-81ED-4DB2-BD59-A6C34878D82A}">
+                    <a16:rowId xmlns:a16="http://schemas.microsoft.com/office/drawing/2014/main" val="510023349"/>
+                  </a:ext>
+                </a:extLst>
+              </a:tr>
+              <a:tr h="370840">
+                <a:tc>
+                  <a:txBody>
+                    <a:bodyPr/>
+                    <a:lstStyle/>
+                    <a:p>
+                      <a:r>
+                        <a:rPr kumimoji="1" lang="en-US" altLang="ja-JP" dirty="0" err="1"/>
+                        <a:t>nsis</a:t>
+                      </a:r>
+                      <a:endParaRPr kumimoji="1" lang="ja-JP" altLang="en-US" dirty="0"/>
+                    </a:p>
+                  </a:txBody>
+                  <a:tcPr/>
+                </a:tc>
+                <a:tc>
+                  <a:txBody>
+                    <a:bodyPr/>
+                    <a:lstStyle/>
+                    <a:p>
+                      <a:r>
+                        <a:rPr kumimoji="1" lang="en-US" altLang="ja-JP" dirty="0"/>
+                        <a:t>mingw-w64</a:t>
+                      </a:r>
+                      <a:endParaRPr kumimoji="1" lang="ja-JP" altLang="en-US" dirty="0"/>
+                    </a:p>
+                  </a:txBody>
+                  <a:tcPr/>
+                </a:tc>
+                <a:extLst>
+                  <a:ext uri="{0D108BD9-81ED-4DB2-BD59-A6C34878D82A}">
+                    <a16:rowId xmlns:a16="http://schemas.microsoft.com/office/drawing/2014/main" val="2068801460"/>
+                  </a:ext>
+                </a:extLst>
+              </a:tr>
+              <a:tr h="370840">
+                <a:tc>
+                  <a:txBody>
+                    <a:bodyPr/>
+                    <a:lstStyle/>
+                    <a:p>
+                      <a:r>
+                        <a:rPr kumimoji="1" lang="en-US" altLang="ja-JP" dirty="0"/>
+                        <a:t>git</a:t>
+                      </a:r>
+                      <a:endParaRPr kumimoji="1" lang="ja-JP" altLang="en-US" dirty="0"/>
+                    </a:p>
+                  </a:txBody>
+                  <a:tcPr/>
+                </a:tc>
+                <a:tc>
+                  <a:txBody>
+                    <a:bodyPr/>
+                    <a:lstStyle/>
+                    <a:p>
+                      <a:endParaRPr kumimoji="1" lang="ja-JP" altLang="en-US" dirty="0"/>
+                    </a:p>
+                  </a:txBody>
+                  <a:tcPr/>
+                </a:tc>
+                <a:extLst>
+                  <a:ext uri="{0D108BD9-81ED-4DB2-BD59-A6C34878D82A}">
+                    <a16:rowId xmlns:a16="http://schemas.microsoft.com/office/drawing/2014/main" val="3677579380"/>
+                  </a:ext>
+                </a:extLst>
+              </a:tr>
+            </a:tbl>
+          </a:graphicData>
+        </a:graphic>
+      </p:graphicFrame>
+      <p:sp>
+        <p:nvSpPr>
+          <p:cNvPr id="4" name="コンテンツ プレースホルダー 2">
+            <a:extLst>
+              <a:ext uri="{FF2B5EF4-FFF2-40B4-BE49-F238E27FC236}">
+                <a16:creationId xmlns:a16="http://schemas.microsoft.com/office/drawing/2014/main" id="{D70C582B-28B5-4844-9D52-F7BA25E8848F}"/>
+              </a:ext>
+            </a:extLst>
+          </p:cNvPr>
+          <p:cNvSpPr txBox="1">
+            <a:spLocks/>
+          </p:cNvSpPr>
+          <p:nvPr/>
+        </p:nvSpPr>
+        <p:spPr bwMode="auto">
+          <a:xfrm>
+            <a:off x="609600" y="3307080"/>
+            <a:ext cx="10972800" cy="3093720"/>
+          </a:xfrm>
+          <a:prstGeom prst="rect">
+            <a:avLst/>
+          </a:prstGeom>
+          <a:noFill/>
+          <a:ln>
+            <a:noFill/>
+          </a:ln>
+          <a:effectLst/>
+          <a:extLst>
+            <a:ext uri="{909E8E84-426E-40DD-AFC4-6F175D3DCCD1}">
+              <a14:hiddenFill xmlns:a14="http://schemas.microsoft.com/office/drawing/2010/main">
+                <a:solidFill>
+                  <a:schemeClr val="accent1"/>
+                </a:solidFill>
+              </a14:hiddenFill>
+            </a:ext>
+            <a:ext uri="{91240B29-F687-4F45-9708-019B960494DF}">
+              <a14:hiddenLine xmlns:a14="http://schemas.microsoft.com/office/drawing/2010/main" w="9525">
+                <a:solidFill>
+                  <a:schemeClr val="tx1"/>
+                </a:solidFill>
+                <a:miter lim="800000"/>
+                <a:headEnd/>
+                <a:tailEnd/>
+              </a14:hiddenLine>
+            </a:ext>
+            <a:ext uri="{AF507438-7753-43E0-B8FC-AC1667EBCBE1}">
+              <a14:hiddenEffects xmlns:a14="http://schemas.microsoft.com/office/drawing/2010/main">
+                <a:effectLst>
+                  <a:outerShdw dist="35921" dir="2700000" algn="ctr" rotWithShape="0">
+                    <a:schemeClr val="bg2"/>
+                  </a:outerShdw>
+                </a:effectLst>
+              </a14:hiddenEffects>
+            </a:ext>
+          </a:extLst>
+        </p:spPr>
+        <p:txBody>
+          <a:bodyPr vert="horz" wrap="square" lIns="91440" tIns="45720" rIns="91440" bIns="45720" numCol="1" anchor="t" anchorCtr="0" compatLnSpc="1">
+            <a:prstTxWarp prst="textNoShape">
+              <a:avLst/>
+            </a:prstTxWarp>
+          </a:bodyPr>
+          <a:lstStyle>
+            <a:lvl1pPr marL="342900" indent="-342900" algn="l" rtl="0" eaLnBrk="1" fontAlgn="base" hangingPunct="1">
+              <a:spcBef>
+                <a:spcPct val="20000"/>
+              </a:spcBef>
+              <a:spcAft>
+                <a:spcPct val="0"/>
+              </a:spcAft>
+              <a:buClr>
+                <a:schemeClr val="bg2"/>
+              </a:buClr>
+              <a:buSzPct val="75000"/>
+              <a:buFont typeface="Wingdings" panose="05000000000000000000" pitchFamily="2" charset="2"/>
+              <a:buChar char="n"/>
+              <a:defRPr kumimoji="1" sz="3200">
+                <a:solidFill>
+                  <a:schemeClr val="tx1"/>
+                </a:solidFill>
+                <a:latin typeface="+mn-lt"/>
+                <a:ea typeface="+mn-ea"/>
+                <a:cs typeface="+mn-cs"/>
+              </a:defRPr>
+            </a:lvl1pPr>
+            <a:lvl2pPr marL="742950" indent="-285750" algn="l" rtl="0" eaLnBrk="1" fontAlgn="base" hangingPunct="1">
+              <a:spcBef>
+                <a:spcPct val="20000"/>
+              </a:spcBef>
+              <a:spcAft>
+                <a:spcPct val="0"/>
+              </a:spcAft>
+              <a:buClr>
+                <a:schemeClr val="accent2"/>
+              </a:buClr>
+              <a:buSzPct val="80000"/>
+              <a:buFont typeface="Wingdings" panose="05000000000000000000" pitchFamily="2" charset="2"/>
+              <a:buChar char="¨"/>
+              <a:defRPr kumimoji="1" sz="2800">
+                <a:solidFill>
+                  <a:schemeClr val="tx1"/>
+                </a:solidFill>
+                <a:latin typeface="+mn-lt"/>
+                <a:ea typeface="+mn-ea"/>
+              </a:defRPr>
+            </a:lvl2pPr>
+            <a:lvl3pPr marL="1143000" indent="-228600" algn="l" rtl="0" eaLnBrk="1" fontAlgn="base" hangingPunct="1">
+              <a:spcBef>
+                <a:spcPct val="20000"/>
+              </a:spcBef>
+              <a:spcAft>
+                <a:spcPct val="0"/>
+              </a:spcAft>
+              <a:buClr>
+                <a:schemeClr val="bg2"/>
+              </a:buClr>
+              <a:buSzPct val="65000"/>
+              <a:buFont typeface="Wingdings" panose="05000000000000000000" pitchFamily="2" charset="2"/>
+              <a:buChar char="n"/>
+              <a:defRPr kumimoji="1" sz="2400">
+                <a:solidFill>
+                  <a:schemeClr val="tx1"/>
+                </a:solidFill>
+                <a:latin typeface="+mn-lt"/>
+                <a:ea typeface="+mn-ea"/>
+              </a:defRPr>
+            </a:lvl3pPr>
+            <a:lvl4pPr marL="1600200" indent="-228600" algn="l" rtl="0" eaLnBrk="1" fontAlgn="base" hangingPunct="1">
+              <a:spcBef>
+                <a:spcPct val="20000"/>
+              </a:spcBef>
+              <a:spcAft>
+                <a:spcPct val="0"/>
+              </a:spcAft>
+              <a:buClr>
+                <a:schemeClr val="accent2"/>
+              </a:buClr>
+              <a:buSzPct val="70000"/>
+              <a:buFont typeface="Wingdings" panose="05000000000000000000" pitchFamily="2" charset="2"/>
+              <a:buChar char="¨"/>
+              <a:defRPr kumimoji="1" sz="2000">
+                <a:solidFill>
+                  <a:schemeClr val="tx1"/>
+                </a:solidFill>
+                <a:latin typeface="+mn-lt"/>
+                <a:ea typeface="+mn-ea"/>
+              </a:defRPr>
+            </a:lvl4pPr>
+            <a:lvl5pPr marL="2057400" indent="-228600" algn="l" rtl="0" eaLnBrk="1" fontAlgn="base" hangingPunct="1">
+              <a:spcBef>
+                <a:spcPct val="20000"/>
+              </a:spcBef>
+              <a:spcAft>
+                <a:spcPct val="0"/>
+              </a:spcAft>
+              <a:buClr>
+                <a:schemeClr val="bg2"/>
+              </a:buClr>
+              <a:buFont typeface="Wingdings" panose="05000000000000000000" pitchFamily="2" charset="2"/>
+              <a:buChar char="§"/>
+              <a:defRPr kumimoji="1" sz="2000">
+                <a:solidFill>
+                  <a:schemeClr val="tx1"/>
+                </a:solidFill>
+                <a:latin typeface="+mn-lt"/>
+                <a:ea typeface="+mn-ea"/>
+              </a:defRPr>
+            </a:lvl5pPr>
+            <a:lvl6pPr marL="2514600" indent="-228600" algn="l" rtl="0" eaLnBrk="1" fontAlgn="base" hangingPunct="1">
+              <a:spcBef>
+                <a:spcPct val="20000"/>
+              </a:spcBef>
+              <a:spcAft>
+                <a:spcPct val="0"/>
+              </a:spcAft>
+              <a:buClr>
+                <a:schemeClr val="bg2"/>
+              </a:buClr>
+              <a:buFont typeface="Wingdings" pitchFamily="2" charset="2"/>
+              <a:buChar char="§"/>
+              <a:defRPr kumimoji="1" sz="2000">
+                <a:solidFill>
+                  <a:schemeClr val="tx1"/>
+                </a:solidFill>
+                <a:latin typeface="+mn-lt"/>
+                <a:ea typeface="+mn-ea"/>
+              </a:defRPr>
+            </a:lvl6pPr>
+            <a:lvl7pPr marL="2971800" indent="-228600" algn="l" rtl="0" eaLnBrk="1" fontAlgn="base" hangingPunct="1">
+              <a:spcBef>
+                <a:spcPct val="20000"/>
+              </a:spcBef>
+              <a:spcAft>
+                <a:spcPct val="0"/>
+              </a:spcAft>
+              <a:buClr>
+                <a:schemeClr val="bg2"/>
+              </a:buClr>
+              <a:buFont typeface="Wingdings" pitchFamily="2" charset="2"/>
+              <a:buChar char="§"/>
+              <a:defRPr kumimoji="1" sz="2000">
+                <a:solidFill>
+                  <a:schemeClr val="tx1"/>
+                </a:solidFill>
+                <a:latin typeface="+mn-lt"/>
+                <a:ea typeface="+mn-ea"/>
+              </a:defRPr>
+            </a:lvl7pPr>
+            <a:lvl8pPr marL="3429000" indent="-228600" algn="l" rtl="0" eaLnBrk="1" fontAlgn="base" hangingPunct="1">
+              <a:spcBef>
+                <a:spcPct val="20000"/>
+              </a:spcBef>
+              <a:spcAft>
+                <a:spcPct val="0"/>
+              </a:spcAft>
+              <a:buClr>
+                <a:schemeClr val="bg2"/>
+              </a:buClr>
+              <a:buFont typeface="Wingdings" pitchFamily="2" charset="2"/>
+              <a:buChar char="§"/>
+              <a:defRPr kumimoji="1" sz="2000">
+                <a:solidFill>
+                  <a:schemeClr val="tx1"/>
+                </a:solidFill>
+                <a:latin typeface="+mn-lt"/>
+                <a:ea typeface="+mn-ea"/>
+              </a:defRPr>
+            </a:lvl8pPr>
+            <a:lvl9pPr marL="3886200" indent="-228600" algn="l" rtl="0" eaLnBrk="1" fontAlgn="base" hangingPunct="1">
+              <a:spcBef>
+                <a:spcPct val="20000"/>
+              </a:spcBef>
+              <a:spcAft>
+                <a:spcPct val="0"/>
+              </a:spcAft>
+              <a:buClr>
+                <a:schemeClr val="bg2"/>
+              </a:buClr>
+              <a:buFont typeface="Wingdings" pitchFamily="2" charset="2"/>
+              <a:buChar char="§"/>
+              <a:defRPr kumimoji="1" sz="2000">
+                <a:solidFill>
+                  <a:schemeClr val="tx1"/>
+                </a:solidFill>
+                <a:latin typeface="+mn-lt"/>
+                <a:ea typeface="+mn-ea"/>
+              </a:defRPr>
+            </a:lvl9pPr>
+          </a:lstStyle>
+          <a:p>
+            <a:r>
+              <a:rPr lang="ja-JP" altLang="en-US" kern="0" dirty="0">
+                <a:latin typeface="TakaoExゴシック" panose="020B0500000000000000" pitchFamily="50" charset="-128"/>
+                <a:ea typeface="TakaoExゴシック" panose="020B0500000000000000" pitchFamily="50" charset="-128"/>
+              </a:rPr>
+              <a:t>これらは、既に導入済ならスキップされる</a:t>
+            </a:r>
+            <a:endParaRPr lang="en-US" altLang="ja-JP" kern="0" dirty="0">
+              <a:latin typeface="TakaoExゴシック" panose="020B0500000000000000" pitchFamily="50" charset="-128"/>
+              <a:ea typeface="TakaoExゴシック" panose="020B0500000000000000" pitchFamily="50" charset="-128"/>
+            </a:endParaRPr>
+          </a:p>
+          <a:p>
+            <a:pPr lvl="1"/>
+            <a:r>
+              <a:rPr lang="ja-JP" altLang="en-US" kern="0" dirty="0">
+                <a:latin typeface="TakaoExゴシック" panose="020B0500000000000000" pitchFamily="50" charset="-128"/>
+                <a:ea typeface="TakaoExゴシック" panose="020B0500000000000000" pitchFamily="50" charset="-128"/>
+              </a:rPr>
+              <a:t>抜けがないように全て入れるように打ち込めば良い</a:t>
+            </a:r>
+            <a:endParaRPr lang="en-US" altLang="ja-JP" kern="0" dirty="0">
+              <a:latin typeface="TakaoExゴシック" panose="020B0500000000000000" pitchFamily="50" charset="-128"/>
+              <a:ea typeface="TakaoExゴシック" panose="020B0500000000000000" pitchFamily="50" charset="-128"/>
+            </a:endParaRPr>
+          </a:p>
+          <a:p>
+            <a:r>
+              <a:rPr lang="en-US" altLang="ja-JP" kern="0" dirty="0">
+                <a:latin typeface="TakaoExゴシック" panose="020B0500000000000000" pitchFamily="50" charset="-128"/>
+                <a:ea typeface="TakaoExゴシック" panose="020B0500000000000000" pitchFamily="50" charset="-128"/>
+              </a:rPr>
+              <a:t>apt</a:t>
+            </a:r>
+            <a:r>
+              <a:rPr lang="ja-JP" altLang="en-US" kern="0" dirty="0" err="1">
+                <a:latin typeface="TakaoExゴシック" panose="020B0500000000000000" pitchFamily="50" charset="-128"/>
+                <a:ea typeface="TakaoExゴシック" panose="020B0500000000000000" pitchFamily="50" charset="-128"/>
+              </a:rPr>
+              <a:t>での</a:t>
+            </a:r>
+            <a:r>
+              <a:rPr lang="en-US" altLang="ja-JP" kern="0" dirty="0">
+                <a:latin typeface="TakaoExゴシック" panose="020B0500000000000000" pitchFamily="50" charset="-128"/>
+                <a:ea typeface="TakaoExゴシック" panose="020B0500000000000000" pitchFamily="50" charset="-128"/>
+              </a:rPr>
+              <a:t>install</a:t>
+            </a:r>
+            <a:r>
+              <a:rPr lang="ja-JP" altLang="en-US" kern="0" dirty="0">
+                <a:latin typeface="TakaoExゴシック" panose="020B0500000000000000" pitchFamily="50" charset="-128"/>
+                <a:ea typeface="TakaoExゴシック" panose="020B0500000000000000" pitchFamily="50" charset="-128"/>
+              </a:rPr>
+              <a:t>コマンドは、下記のように行う</a:t>
+            </a:r>
+            <a:br>
+              <a:rPr lang="en-US" altLang="ja-JP" kern="0" dirty="0">
+                <a:latin typeface="TakaoExゴシック" panose="020B0500000000000000" pitchFamily="50" charset="-128"/>
+                <a:ea typeface="TakaoExゴシック" panose="020B0500000000000000" pitchFamily="50" charset="-128"/>
+              </a:rPr>
+            </a:br>
+            <a:r>
+              <a:rPr lang="ja-JP" altLang="en-US" kern="0" dirty="0">
+                <a:latin typeface="TakaoExゴシック" panose="020B0500000000000000" pitchFamily="50" charset="-128"/>
+                <a:ea typeface="TakaoExゴシック" panose="020B0500000000000000" pitchFamily="50" charset="-128"/>
+              </a:rPr>
+              <a:t>（␣は半角スペース）</a:t>
+            </a:r>
+            <a:br>
+              <a:rPr lang="en-US" altLang="ja-JP" kern="0" dirty="0">
+                <a:latin typeface="TakaoExゴシック" panose="020B0500000000000000" pitchFamily="50" charset="-128"/>
+                <a:ea typeface="TakaoExゴシック" panose="020B0500000000000000" pitchFamily="50" charset="-128"/>
+              </a:rPr>
+            </a:br>
+            <a:r>
+              <a:rPr lang="en-US" altLang="ja-JP" kern="0" dirty="0">
+                <a:latin typeface="TakaoExゴシック" panose="020B0500000000000000" pitchFamily="50" charset="-128"/>
+                <a:ea typeface="TakaoExゴシック" panose="020B0500000000000000" pitchFamily="50" charset="-128"/>
+              </a:rPr>
+              <a:t>		</a:t>
+            </a:r>
+            <a:r>
+              <a:rPr lang="en-US" altLang="ja-JP" b="1" kern="0" dirty="0" err="1">
+                <a:latin typeface="HGｺﾞｼｯｸE" panose="020B0909000000000000" pitchFamily="49" charset="-128"/>
+                <a:ea typeface="HGｺﾞｼｯｸE" panose="020B0909000000000000" pitchFamily="49" charset="-128"/>
+              </a:rPr>
+              <a:t>sudo␣apt␣install</a:t>
+            </a:r>
+            <a:r>
+              <a:rPr lang="en-US" altLang="ja-JP" b="1" kern="0" dirty="0">
+                <a:latin typeface="HGｺﾞｼｯｸE" panose="020B0909000000000000" pitchFamily="49" charset="-128"/>
+                <a:ea typeface="HGｺﾞｼｯｸE" panose="020B0909000000000000" pitchFamily="49" charset="-128"/>
+              </a:rPr>
+              <a:t>␣(</a:t>
+            </a:r>
+            <a:r>
+              <a:rPr lang="ja-JP" altLang="en-US" b="1" kern="0" dirty="0">
+                <a:latin typeface="HGｺﾞｼｯｸE" panose="020B0909000000000000" pitchFamily="49" charset="-128"/>
+                <a:ea typeface="HGｺﾞｼｯｸE" panose="020B0909000000000000" pitchFamily="49" charset="-128"/>
+              </a:rPr>
+              <a:t>パッケージ名</a:t>
+            </a:r>
+            <a:r>
+              <a:rPr lang="en-US" altLang="ja-JP" b="1" kern="0" dirty="0">
+                <a:latin typeface="HGｺﾞｼｯｸE" panose="020B0909000000000000" pitchFamily="49" charset="-128"/>
+                <a:ea typeface="HGｺﾞｼｯｸE" panose="020B0909000000000000" pitchFamily="49" charset="-128"/>
+              </a:rPr>
+              <a:t>)</a:t>
+            </a:r>
+          </a:p>
+          <a:p>
+            <a:pPr lvl="1"/>
+            <a:endParaRPr lang="ja-JP" altLang="en-US" sz="3200" kern="0" dirty="0">
+              <a:latin typeface="TakaoExゴシック" panose="020B0500000000000000" pitchFamily="50" charset="-128"/>
+              <a:ea typeface="TakaoExゴシック" panose="020B0500000000000000" pitchFamily="50" charset="-128"/>
+            </a:endParaRPr>
+          </a:p>
+        </p:txBody>
+      </p:sp>
+    </p:spTree>
+    <p:extLst>
+      <p:ext uri="{BB962C8B-B14F-4D97-AF65-F5344CB8AC3E}">
+        <p14:creationId xmlns:p14="http://schemas.microsoft.com/office/powerpoint/2010/main" val="653302623"/>
+      </p:ext>
+    </p:extLst>
+  </p:cSld>
+  <p:clrMapOvr>
+    <a:masterClrMapping/>
+  </p:clrMapOvr>
+  <p:timing>
+    <p:tnLst>
+      <p:par>
+        <p:cTn id="1" dur="indefinite" restart="never" nodeType="tmRoot">
+          <p:childTnLst>
+            <p:seq concurrent="1" nextAc="seek">
+              <p:cTn id="2" dur="indefinite" nodeType="mainSeq">
+                <p:childTnLst>
+                  <p:par>
+                    <p:cTn id="3" fill="hold">
+                      <p:stCondLst>
+                        <p:cond delay="indefinite"/>
+                      </p:stCondLst>
+                      <p:childTnLst>
+                        <p:par>
+                          <p:cTn id="4" fill="hold">
+                            <p:stCondLst>
+                              <p:cond delay="0"/>
+                            </p:stCondLst>
+                            <p:childTnLst>
+                              <p:par>
+                                <p:cTn id="5" presetID="1" presetClass="entr" presetSubtype="0" fill="hold" nodeType="clickEffect">
+                                  <p:stCondLst>
+                                    <p:cond delay="0"/>
+                                  </p:stCondLst>
+                                  <p:childTnLst>
+                                    <p:set>
+                                      <p:cBhvr>
+                                        <p:cTn id="6" dur="1" fill="hold">
+                                          <p:stCondLst>
+                                            <p:cond delay="0"/>
+                                          </p:stCondLst>
+                                        </p:cTn>
+                                        <p:tgtEl>
+                                          <p:spTgt spid="5"/>
+                                        </p:tgtEl>
+                                        <p:attrNameLst>
+                                          <p:attrName>style.visibility</p:attrName>
+                                        </p:attrNameLst>
+                                      </p:cBhvr>
+                                      <p:to>
+                                        <p:strVal val="visible"/>
+                                      </p:to>
+                                    </p:set>
+                                  </p:childTnLst>
+                                </p:cTn>
+                              </p:par>
+                            </p:childTnLst>
+                          </p:cTn>
+                        </p:par>
+                      </p:childTnLst>
+                    </p:cTn>
+                  </p:par>
+                  <p:par>
+                    <p:cTn id="7" fill="hold">
+                      <p:stCondLst>
+                        <p:cond delay="indefinite"/>
+                      </p:stCondLst>
+                      <p:childTnLst>
+                        <p:par>
+                          <p:cTn id="8" fill="hold">
+                            <p:stCondLst>
+                              <p:cond delay="0"/>
+                            </p:stCondLst>
+                            <p:childTnLst>
+                              <p:par>
+                                <p:cTn id="9" presetID="1" presetClass="entr" presetSubtype="0" fill="hold" grpId="0" nodeType="clickEffect">
+                                  <p:stCondLst>
+                                    <p:cond delay="0"/>
+                                  </p:stCondLst>
+                                  <p:childTnLst>
+                                    <p:set>
+                                      <p:cBhvr>
+                                        <p:cTn id="10" dur="1" fill="hold">
+                                          <p:stCondLst>
+                                            <p:cond delay="0"/>
+                                          </p:stCondLst>
+                                        </p:cTn>
+                                        <p:tgtEl>
+                                          <p:spTgt spid="4">
+                                            <p:txEl>
+                                              <p:pRg st="0" end="0"/>
+                                            </p:txEl>
+                                          </p:spTgt>
+                                        </p:tgtEl>
+                                        <p:attrNameLst>
+                                          <p:attrName>style.visibility</p:attrName>
+                                        </p:attrNameLst>
+                                      </p:cBhvr>
+                                      <p:to>
+                                        <p:strVal val="visible"/>
+                                      </p:to>
+                                    </p:set>
+                                  </p:childTnLst>
+                                </p:cTn>
+                              </p:par>
+                            </p:childTnLst>
+                          </p:cTn>
+                        </p:par>
+                        <p:par>
+                          <p:cTn id="11" fill="hold">
+                            <p:stCondLst>
+                              <p:cond delay="0"/>
+                            </p:stCondLst>
+                            <p:childTnLst>
+                              <p:par>
+                                <p:cTn id="12" presetID="1" presetClass="entr" presetSubtype="0" fill="hold" grpId="0" nodeType="afterEffect">
+                                  <p:stCondLst>
+                                    <p:cond delay="500"/>
+                                  </p:stCondLst>
+                                  <p:childTnLst>
+                                    <p:set>
+                                      <p:cBhvr>
+                                        <p:cTn id="13" dur="1" fill="hold">
+                                          <p:stCondLst>
+                                            <p:cond delay="0"/>
+                                          </p:stCondLst>
+                                        </p:cTn>
+                                        <p:tgtEl>
+                                          <p:spTgt spid="4">
+                                            <p:txEl>
+                                              <p:pRg st="1" end="1"/>
+                                            </p:txEl>
+                                          </p:spTgt>
+                                        </p:tgtEl>
+                                        <p:attrNameLst>
+                                          <p:attrName>style.visibility</p:attrName>
+                                        </p:attrNameLst>
+                                      </p:cBhvr>
+                                      <p:to>
+                                        <p:strVal val="visible"/>
+                                      </p:to>
+                                    </p:set>
+                                  </p:childTnLst>
+                                </p:cTn>
+                              </p:par>
+                            </p:childTnLst>
+                          </p:cTn>
+                        </p:par>
+                      </p:childTnLst>
+                    </p:cTn>
+                  </p:par>
+                  <p:par>
+                    <p:cTn id="14" fill="hold">
+                      <p:stCondLst>
+                        <p:cond delay="indefinite"/>
+                      </p:stCondLst>
+                      <p:childTnLst>
+                        <p:par>
+                          <p:cTn id="15" fill="hold">
+                            <p:stCondLst>
+                              <p:cond delay="0"/>
+                            </p:stCondLst>
+                            <p:childTnLst>
+                              <p:par>
+                                <p:cTn id="16" presetID="1" presetClass="entr" presetSubtype="0" fill="hold" grpId="0" nodeType="clickEffect">
+                                  <p:stCondLst>
+                                    <p:cond delay="500"/>
+                                  </p:stCondLst>
+                                  <p:childTnLst>
+                                    <p:set>
+                                      <p:cBhvr>
+                                        <p:cTn id="17" dur="1" fill="hold">
+                                          <p:stCondLst>
+                                            <p:cond delay="0"/>
+                                          </p:stCondLst>
+                                        </p:cTn>
+                                        <p:tgtEl>
+                                          <p:spTgt spid="4">
+                                            <p:txEl>
+                                              <p:pRg st="2" end="2"/>
+                                            </p:txEl>
+                                          </p:spTgt>
+                                        </p:tgtEl>
+                                        <p:attrNameLst>
+                                          <p:attrName>style.visibility</p:attrName>
+                                        </p:attrNameLst>
+                                      </p:cBhvr>
+                                      <p:to>
+                                        <p:strVal val="visible"/>
+                                      </p:to>
+                                    </p:set>
+                                  </p:childTnLst>
+                                </p:cTn>
+                              </p:par>
+                            </p:childTnLst>
+                          </p:cTn>
+                        </p:par>
+                      </p:childTnLst>
+                    </p:cTn>
+                  </p:par>
+                </p:childTnLst>
+              </p:cTn>
+              <p:prevCondLst>
+                <p:cond evt="onPrev" delay="0">
+                  <p:tgtEl>
+                    <p:sldTgt/>
+                  </p:tgtEl>
+                </p:cond>
+              </p:prevCondLst>
+              <p:nextCondLst>
+                <p:cond evt="onNext" delay="0">
+                  <p:tgtEl>
+                    <p:sldTgt/>
+                  </p:tgtEl>
+                </p:cond>
+              </p:nextCondLst>
+            </p:seq>
+          </p:childTnLst>
+        </p:cTn>
+      </p:par>
+    </p:tnLst>
+    <p:bldLst>
+      <p:bldP spid="4" grpId="0" uiExpand="1" build="p"/>
+    </p:bldLst>
+  </p:timing>
+</p:sld>
+</file>
+
+<file path=ppt/slides/slide14.xml><?xml version="1.0" encoding="utf-8"?>
+<p:sld xmlns:a="http://schemas.openxmlformats.org/drawingml/2006/main" xmlns:r="http://schemas.openxmlformats.org/officeDocument/2006/relationships" xmlns:p="http://schemas.openxmlformats.org/presentationml/2006/main">
+  <p:cSld>
+    <p:spTree>
+      <p:nvGrpSpPr>
+        <p:cNvPr id="1" name=""/>
+        <p:cNvGrpSpPr/>
+        <p:nvPr/>
+      </p:nvGrpSpPr>
+      <p:grpSpPr>
+        <a:xfrm>
+          <a:off x="0" y="0"/>
+          <a:ext cx="0" cy="0"/>
+          <a:chOff x="0" y="0"/>
+          <a:chExt cx="0" cy="0"/>
+        </a:xfrm>
+      </p:grpSpPr>
+      <p:sp>
+        <p:nvSpPr>
+          <p:cNvPr id="2" name="タイトル 1">
+            <a:extLst>
+              <a:ext uri="{FF2B5EF4-FFF2-40B4-BE49-F238E27FC236}">
+                <a16:creationId xmlns:a16="http://schemas.microsoft.com/office/drawing/2014/main" id="{A3CA44FB-64E1-44F3-9DA9-ACF94A1E277A}"/>
+              </a:ext>
+            </a:extLst>
+          </p:cNvPr>
+          <p:cNvSpPr>
+            <a:spLocks noGrp="1"/>
+          </p:cNvSpPr>
+          <p:nvPr>
+            <p:ph type="title"/>
+          </p:nvPr>
+        </p:nvSpPr>
+        <p:spPr/>
+        <p:txBody>
+          <a:bodyPr/>
+          <a:lstStyle/>
+          <a:p>
+            <a:r>
+              <a:rPr kumimoji="1" lang="en-US" altLang="ja-JP" dirty="0">
+                <a:latin typeface="Takaoゴシック" panose="020B0509000000000000" pitchFamily="49" charset="-128"/>
+                <a:ea typeface="Takaoゴシック" panose="020B0509000000000000" pitchFamily="49" charset="-128"/>
+              </a:rPr>
+              <a:t>03-2.zip</a:t>
+            </a:r>
+            <a:r>
+              <a:rPr kumimoji="1" lang="ja-JP" altLang="en-US" dirty="0">
+                <a:latin typeface="Takaoゴシック" panose="020B0509000000000000" pitchFamily="49" charset="-128"/>
+                <a:ea typeface="Takaoゴシック" panose="020B0509000000000000" pitchFamily="49" charset="-128"/>
+              </a:rPr>
+              <a:t>系導入</a:t>
+            </a:r>
+          </a:p>
+        </p:txBody>
+      </p:sp>
+      <p:sp>
+        <p:nvSpPr>
+          <p:cNvPr id="6" name="コンテンツ プレースホルダー 5">
+            <a:extLst>
+              <a:ext uri="{FF2B5EF4-FFF2-40B4-BE49-F238E27FC236}">
+                <a16:creationId xmlns:a16="http://schemas.microsoft.com/office/drawing/2014/main" id="{A3EFDC4E-CC38-41B7-B39C-2655BB1CD68E}"/>
+              </a:ext>
+            </a:extLst>
+          </p:cNvPr>
+          <p:cNvSpPr>
+            <a:spLocks noGrp="1"/>
+          </p:cNvSpPr>
+          <p:nvPr>
+            <p:ph idx="1"/>
+          </p:nvPr>
+        </p:nvSpPr>
+        <p:spPr>
+          <a:xfrm>
+            <a:off x="609600" y="1981200"/>
+            <a:ext cx="10972800" cy="3048001"/>
+          </a:xfrm>
+        </p:spPr>
+        <p:txBody>
+          <a:bodyPr/>
+          <a:lstStyle/>
+          <a:p>
+            <a:r>
+              <a:rPr lang="en-US" altLang="ja-JP" dirty="0" err="1"/>
+              <a:t>zlib</a:t>
+            </a:r>
+            <a:r>
+              <a:rPr lang="ja-JP" altLang="en-US" dirty="0" err="1"/>
+              <a:t>、</a:t>
+            </a:r>
+            <a:r>
+              <a:rPr lang="en-US" altLang="ja-JP" dirty="0"/>
+              <a:t>bzip2</a:t>
+            </a:r>
+            <a:r>
+              <a:rPr lang="ja-JP" altLang="en-US" dirty="0"/>
+              <a:t>共にパッケージ導入では上手くいかない</a:t>
+            </a:r>
+            <a:br>
+              <a:rPr lang="en-US" altLang="ja-JP" dirty="0"/>
+            </a:br>
+            <a:r>
+              <a:rPr lang="ja-JP" altLang="en-US" dirty="0"/>
+              <a:t>そのため、ソースコードを編集して導入</a:t>
+            </a:r>
+            <a:endParaRPr lang="en-US" altLang="ja-JP" dirty="0"/>
+          </a:p>
+          <a:p>
+            <a:r>
+              <a:rPr lang="ja-JP" altLang="en-US" dirty="0"/>
+              <a:t>作業フォルダの例として</a:t>
+            </a:r>
+            <a:r>
+              <a:rPr lang="en-US" altLang="ja-JP" dirty="0"/>
+              <a:t>/</a:t>
+            </a:r>
+            <a:r>
+              <a:rPr lang="en-US" altLang="ja-JP" dirty="0" err="1"/>
+              <a:t>usr</a:t>
+            </a:r>
+            <a:r>
+              <a:rPr lang="en-US" altLang="ja-JP" dirty="0"/>
+              <a:t>/local/</a:t>
+            </a:r>
+            <a:r>
+              <a:rPr lang="en-US" altLang="ja-JP" dirty="0" err="1"/>
+              <a:t>src</a:t>
+            </a:r>
+            <a:r>
+              <a:rPr lang="en-US" altLang="ja-JP" dirty="0"/>
+              <a:t> </a:t>
+            </a:r>
+            <a:r>
+              <a:rPr lang="ja-JP" altLang="en-US" dirty="0"/>
+              <a:t>で行ったが、</a:t>
+            </a:r>
+            <a:br>
+              <a:rPr lang="en-US" altLang="ja-JP" dirty="0"/>
+            </a:br>
+            <a:r>
+              <a:rPr lang="ja-JP" altLang="en-US" dirty="0"/>
+              <a:t>ホームディレクトリでも問題無いと思われる</a:t>
+            </a:r>
+            <a:endParaRPr lang="en-US" altLang="ja-JP"/>
+          </a:p>
+          <a:p>
+            <a:endParaRPr lang="ja-JP" altLang="en-US" dirty="0"/>
+          </a:p>
+        </p:txBody>
+      </p:sp>
+    </p:spTree>
+    <p:extLst>
+      <p:ext uri="{BB962C8B-B14F-4D97-AF65-F5344CB8AC3E}">
+        <p14:creationId xmlns:p14="http://schemas.microsoft.com/office/powerpoint/2010/main" val="3480310364"/>
       </p:ext>
     </p:extLst>
   </p:cSld>

--- a/RE_SIMU_ON_WSL.pptx
+++ b/RE_SIMU_ON_WSL.pptx
@@ -19,6 +19,7 @@
     <p:sldId id="268" r:id="rId13"/>
     <p:sldId id="269" r:id="rId14"/>
     <p:sldId id="270" r:id="rId15"/>
+    <p:sldId id="272" r:id="rId16"/>
   </p:sldIdLst>
   <p:sldSz cx="12192000" cy="6858000"/>
   <p:notesSz cx="6858000" cy="9144000"/>
@@ -153,6 +154,72 @@
     </p:ext>
   </p:extLst>
 </p:presentation>
+</file>
+
+<file path=ppt/changesInfos/changesInfo1.xml><?xml version="1.0" encoding="utf-8"?>
+<pc:chgInfo xmlns:a="http://schemas.openxmlformats.org/drawingml/2006/main" xmlns:r="http://schemas.openxmlformats.org/officeDocument/2006/relationships" xmlns:ac="http://schemas.microsoft.com/office/drawing/2013/main/command" xmlns:pc="http://schemas.microsoft.com/office/powerpoint/2013/main/command">
+  <pc:docChgLst>
+    <pc:chgData name="康祐 奥" userId="4cca5eb24f2b884a" providerId="LiveId" clId="{8DCAB3E8-F244-42C4-BAD6-890347FB9A7D}"/>
+    <pc:docChg chg="addSld delSld modSld">
+      <pc:chgData name="康祐 奥" userId="4cca5eb24f2b884a" providerId="LiveId" clId="{8DCAB3E8-F244-42C4-BAD6-890347FB9A7D}" dt="2019-05-01T07:31:34.623" v="106" actId="20577"/>
+      <pc:docMkLst>
+        <pc:docMk/>
+      </pc:docMkLst>
+      <pc:sldChg chg="modSp">
+        <pc:chgData name="康祐 奥" userId="4cca5eb24f2b884a" providerId="LiveId" clId="{8DCAB3E8-F244-42C4-BAD6-890347FB9A7D}" dt="2019-05-01T07:23:05.357" v="2"/>
+        <pc:sldMkLst>
+          <pc:docMk/>
+          <pc:sldMk cId="1221582754" sldId="267"/>
+        </pc:sldMkLst>
+        <pc:spChg chg="mod">
+          <ac:chgData name="康祐 奥" userId="4cca5eb24f2b884a" providerId="LiveId" clId="{8DCAB3E8-F244-42C4-BAD6-890347FB9A7D}" dt="2019-05-01T07:23:05.357" v="2"/>
+          <ac:spMkLst>
+            <pc:docMk/>
+            <pc:sldMk cId="1221582754" sldId="267"/>
+            <ac:spMk id="3" creationId="{C044A338-8D2B-45EC-BE8C-FFE21B5C386E}"/>
+          </ac:spMkLst>
+        </pc:spChg>
+      </pc:sldChg>
+      <pc:sldChg chg="modSp modAnim">
+        <pc:chgData name="康祐 奥" userId="4cca5eb24f2b884a" providerId="LiveId" clId="{8DCAB3E8-F244-42C4-BAD6-890347FB9A7D}" dt="2019-05-01T07:24:18.252" v="97" actId="6549"/>
+        <pc:sldMkLst>
+          <pc:docMk/>
+          <pc:sldMk cId="653302623" sldId="269"/>
+        </pc:sldMkLst>
+        <pc:spChg chg="mod">
+          <ac:chgData name="康祐 奥" userId="4cca5eb24f2b884a" providerId="LiveId" clId="{8DCAB3E8-F244-42C4-BAD6-890347FB9A7D}" dt="2019-05-01T07:24:18.252" v="97" actId="6549"/>
+          <ac:spMkLst>
+            <pc:docMk/>
+            <pc:sldMk cId="653302623" sldId="269"/>
+            <ac:spMk id="4" creationId="{D70C582B-28B5-4844-9D52-F7BA25E8848F}"/>
+          </ac:spMkLst>
+        </pc:spChg>
+      </pc:sldChg>
+      <pc:sldChg chg="add del">
+        <pc:chgData name="康祐 奥" userId="4cca5eb24f2b884a" providerId="LiveId" clId="{8DCAB3E8-F244-42C4-BAD6-890347FB9A7D}" dt="2019-05-01T07:31:03.579" v="100" actId="2696"/>
+        <pc:sldMkLst>
+          <pc:docMk/>
+          <pc:sldMk cId="531610580" sldId="271"/>
+        </pc:sldMkLst>
+      </pc:sldChg>
+      <pc:sldChg chg="modSp add">
+        <pc:chgData name="康祐 奥" userId="4cca5eb24f2b884a" providerId="LiveId" clId="{8DCAB3E8-F244-42C4-BAD6-890347FB9A7D}" dt="2019-05-01T07:31:34.623" v="106" actId="20577"/>
+        <pc:sldMkLst>
+          <pc:docMk/>
+          <pc:sldMk cId="1418608160" sldId="272"/>
+        </pc:sldMkLst>
+        <pc:spChg chg="mod">
+          <ac:chgData name="康祐 奥" userId="4cca5eb24f2b884a" providerId="LiveId" clId="{8DCAB3E8-F244-42C4-BAD6-890347FB9A7D}" dt="2019-05-01T07:31:34.623" v="106" actId="20577"/>
+          <ac:spMkLst>
+            <pc:docMk/>
+            <pc:sldMk cId="1418608160" sldId="272"/>
+            <ac:spMk id="2" creationId="{A3CA44FB-64E1-44F3-9DA9-ACF94A1E277A}"/>
+          </ac:spMkLst>
+        </pc:spChg>
+      </pc:sldChg>
+    </pc:docChg>
+  </pc:docChgLst>
+</pc:chgInfo>
 </file>
 
 <file path=ppt/slideLayouts/slideLayout1.xml><?xml version="1.0" encoding="utf-8"?>
@@ -2234,7 +2301,7 @@
           <a:p>
             <a:fld id="{EFCA2F27-532F-4E2E-86E8-C011D6D4D29E}" type="datetimeFigureOut">
               <a:rPr kumimoji="1" lang="ja-JP" altLang="en-US" smtClean="0"/>
-              <a:t>2019/3/23</a:t>
+              <a:t>2019/5/1</a:t>
             </a:fld>
             <a:endParaRPr kumimoji="1" lang="ja-JP" altLang="en-US"/>
           </a:p>
@@ -2532,7 +2599,7 @@
           <a:p>
             <a:fld id="{EFCA2F27-532F-4E2E-86E8-C011D6D4D29E}" type="datetimeFigureOut">
               <a:rPr kumimoji="1" lang="ja-JP" altLang="en-US" smtClean="0"/>
-              <a:t>2019/3/23</a:t>
+              <a:t>2019/5/1</a:t>
             </a:fld>
             <a:endParaRPr kumimoji="1" lang="ja-JP" altLang="en-US"/>
           </a:p>
@@ -2778,7 +2845,7 @@
           <a:p>
             <a:fld id="{EFCA2F27-532F-4E2E-86E8-C011D6D4D29E}" type="datetimeFigureOut">
               <a:rPr kumimoji="1" lang="ja-JP" altLang="en-US" smtClean="0"/>
-              <a:t>2019/3/23</a:t>
+              <a:t>2019/5/1</a:t>
             </a:fld>
             <a:endParaRPr kumimoji="1" lang="ja-JP" altLang="en-US"/>
           </a:p>
@@ -3014,7 +3081,7 @@
           <a:p>
             <a:fld id="{EFCA2F27-532F-4E2E-86E8-C011D6D4D29E}" type="datetimeFigureOut">
               <a:rPr kumimoji="1" lang="ja-JP" altLang="en-US" smtClean="0"/>
-              <a:t>2019/3/23</a:t>
+              <a:t>2019/5/1</a:t>
             </a:fld>
             <a:endParaRPr kumimoji="1" lang="ja-JP" altLang="en-US"/>
           </a:p>
@@ -3241,7 +3308,7 @@
           <a:p>
             <a:fld id="{EFCA2F27-532F-4E2E-86E8-C011D6D4D29E}" type="datetimeFigureOut">
               <a:rPr kumimoji="1" lang="ja-JP" altLang="en-US" smtClean="0"/>
-              <a:t>2019/3/23</a:t>
+              <a:t>2019/5/1</a:t>
             </a:fld>
             <a:endParaRPr kumimoji="1" lang="ja-JP" altLang="en-US"/>
           </a:p>
@@ -3626,7 +3693,7 @@
           <a:p>
             <a:fld id="{EFCA2F27-532F-4E2E-86E8-C011D6D4D29E}" type="datetimeFigureOut">
               <a:rPr kumimoji="1" lang="ja-JP" altLang="en-US" smtClean="0"/>
-              <a:t>2019/3/23</a:t>
+              <a:t>2019/5/1</a:t>
             </a:fld>
             <a:endParaRPr kumimoji="1" lang="ja-JP" altLang="en-US"/>
           </a:p>
@@ -4150,7 +4217,7 @@
           <a:p>
             <a:fld id="{EFCA2F27-532F-4E2E-86E8-C011D6D4D29E}" type="datetimeFigureOut">
               <a:rPr kumimoji="1" lang="ja-JP" altLang="en-US" smtClean="0"/>
-              <a:t>2019/3/23</a:t>
+              <a:t>2019/5/1</a:t>
             </a:fld>
             <a:endParaRPr kumimoji="1" lang="ja-JP" altLang="en-US"/>
           </a:p>
@@ -4303,7 +4370,7 @@
           <a:p>
             <a:fld id="{EFCA2F27-532F-4E2E-86E8-C011D6D4D29E}" type="datetimeFigureOut">
               <a:rPr kumimoji="1" lang="ja-JP" altLang="en-US" smtClean="0"/>
-              <a:t>2019/3/23</a:t>
+              <a:t>2019/5/1</a:t>
             </a:fld>
             <a:endParaRPr kumimoji="1" lang="ja-JP" altLang="en-US"/>
           </a:p>
@@ -4434,7 +4501,7 @@
           <a:p>
             <a:fld id="{EFCA2F27-532F-4E2E-86E8-C011D6D4D29E}" type="datetimeFigureOut">
               <a:rPr kumimoji="1" lang="ja-JP" altLang="en-US" smtClean="0"/>
-              <a:t>2019/3/23</a:t>
+              <a:t>2019/5/1</a:t>
             </a:fld>
             <a:endParaRPr kumimoji="1" lang="ja-JP" altLang="en-US"/>
           </a:p>
@@ -4777,7 +4844,7 @@
           <a:p>
             <a:fld id="{EFCA2F27-532F-4E2E-86E8-C011D6D4D29E}" type="datetimeFigureOut">
               <a:rPr kumimoji="1" lang="ja-JP" altLang="en-US" smtClean="0"/>
-              <a:t>2019/3/23</a:t>
+              <a:t>2019/5/1</a:t>
             </a:fld>
             <a:endParaRPr kumimoji="1" lang="ja-JP" altLang="en-US"/>
           </a:p>
@@ -5069,7 +5136,7 @@
           <a:p>
             <a:fld id="{EFCA2F27-532F-4E2E-86E8-C011D6D4D29E}" type="datetimeFigureOut">
               <a:rPr kumimoji="1" lang="ja-JP" altLang="en-US" smtClean="0"/>
-              <a:t>2019/3/23</a:t>
+              <a:t>2019/5/1</a:t>
             </a:fld>
             <a:endParaRPr kumimoji="1" lang="ja-JP" altLang="en-US"/>
           </a:p>
@@ -7048,7 +7115,7 @@
           <a:p>
             <a:fld id="{EFCA2F27-532F-4E2E-86E8-C011D6D4D29E}" type="datetimeFigureOut">
               <a:rPr kumimoji="1" lang="ja-JP" altLang="en-US" smtClean="0"/>
-              <a:t>2019/3/23</a:t>
+              <a:t>2019/5/1</a:t>
             </a:fld>
             <a:endParaRPr kumimoji="1" lang="ja-JP" altLang="en-US"/>
           </a:p>
@@ -8515,9 +8582,36 @@
                 <a:latin typeface="TakaoExゴシック" panose="020B0500000000000000" pitchFamily="50" charset="-128"/>
                 <a:ea typeface="TakaoExゴシック" panose="020B0500000000000000" pitchFamily="50" charset="-128"/>
               </a:rPr>
-              <a:t>複数パッケージをまとめたパッケージはない</a:t>
-            </a:r>
-            <a:endParaRPr kumimoji="1" lang="en-US" altLang="ja-JP" dirty="0">
+              <a:t>複数パッケージをまとめたパッケージは</a:t>
+            </a:r>
+            <a:r>
+              <a:rPr kumimoji="1" lang="ja-JP" altLang="en-US" b="1" dirty="0">
+                <a:solidFill>
+                  <a:srgbClr val="FF0000"/>
+                </a:solidFill>
+                <a:effectLst>
+                  <a:outerShdw blurRad="38100" dist="38100" dir="2700000" algn="tl">
+                    <a:srgbClr val="000000">
+                      <a:alpha val="43137"/>
+                    </a:srgbClr>
+                  </a:outerShdw>
+                </a:effectLst>
+                <a:latin typeface="TakaoExゴシック" panose="020B0500000000000000" pitchFamily="50" charset="-128"/>
+                <a:ea typeface="TakaoExゴシック" panose="020B0500000000000000" pitchFamily="50" charset="-128"/>
+              </a:rPr>
+              <a:t>ない</a:t>
+            </a:r>
+            <a:endParaRPr kumimoji="1" lang="en-US" altLang="ja-JP" b="1" dirty="0">
+              <a:solidFill>
+                <a:srgbClr val="FF0000"/>
+              </a:solidFill>
+              <a:effectLst>
+                <a:outerShdw blurRad="38100" dist="38100" dir="2700000" algn="tl">
+                  <a:srgbClr val="000000">
+                    <a:alpha val="43137"/>
+                  </a:srgbClr>
+                </a:outerShdw>
+              </a:effectLst>
               <a:latin typeface="TakaoExゴシック" panose="020B0500000000000000" pitchFamily="50" charset="-128"/>
               <a:ea typeface="TakaoExゴシック" panose="020B0500000000000000" pitchFamily="50" charset="-128"/>
             </a:endParaRPr>
@@ -10050,10 +10144,13 @@
           </a:p>
           <a:p>
             <a:pPr lvl="1"/>
-            <a:endParaRPr lang="ja-JP" altLang="en-US" sz="3200" kern="0" dirty="0">
-              <a:latin typeface="TakaoExゴシック" panose="020B0500000000000000" pitchFamily="50" charset="-128"/>
-              <a:ea typeface="TakaoExゴシック" panose="020B0500000000000000" pitchFamily="50" charset="-128"/>
-            </a:endParaRPr>
+            <a:r>
+              <a:rPr lang="ja-JP" altLang="en-US" kern="0" dirty="0">
+                <a:latin typeface="TakaoExゴシック" panose="020B0500000000000000" pitchFamily="50" charset="-128"/>
+                <a:ea typeface="TakaoExゴシック" panose="020B0500000000000000" pitchFamily="50" charset="-128"/>
+              </a:rPr>
+              <a:t>複数パッケージ入れる際は、パッケージ名の間にもスペース！</a:t>
+            </a:r>
           </a:p>
         </p:txBody>
       </p:sp>
@@ -10252,6 +10349,37 @@
                                   </p:childTnLst>
                                 </p:cTn>
                               </p:par>
+                              <p:par>
+                                <p:cTn id="18" presetID="1" presetClass="entr" presetSubtype="0" fill="hold" grpId="0" nodeType="withEffect">
+                                  <p:stCondLst>
+                                    <p:cond delay="500"/>
+                                  </p:stCondLst>
+                                  <p:childTnLst>
+                                    <p:set>
+                                      <p:cBhvr>
+                                        <p:cTn id="19" dur="1" fill="hold">
+                                          <p:stCondLst>
+                                            <p:cond delay="0"/>
+                                          </p:stCondLst>
+                                        </p:cTn>
+                                        <p:tgtEl>
+                                          <p:spTgt spid="4">
+                                            <p:txEl>
+                                              <p:pRg st="3" end="3"/>
+                                            </p:txEl>
+                                          </p:spTgt>
+                                        </p:tgtEl>
+                                        <p:attrNameLst>
+                                          <p:attrName>style.visibility</p:attrName>
+                                        </p:attrNameLst>
+                                      </p:cBhvr>
+                                      <p:to>
+                                        <p:strVal val="visible"/>
+                                      </p:to>
+                                    </p:set>
+                                  </p:childTnLst>
+                                </p:cTn>
+                              </p:par>
                             </p:childTnLst>
                           </p:cTn>
                         </p:par>
@@ -10428,7 +10556,7 @@
               <a:rPr lang="ja-JP" altLang="en-US" dirty="0"/>
               <a:t>ホームディレクトリでも問題無いと思われる</a:t>
             </a:r>
-            <a:endParaRPr lang="en-US" altLang="ja-JP"/>
+            <a:endParaRPr lang="en-US" altLang="ja-JP" dirty="0"/>
           </a:p>
           <a:p>
             <a:endParaRPr lang="ja-JP" altLang="en-US" dirty="0"/>
@@ -10439,6 +10567,165 @@
     <p:extLst>
       <p:ext uri="{BB962C8B-B14F-4D97-AF65-F5344CB8AC3E}">
         <p14:creationId xmlns:p14="http://schemas.microsoft.com/office/powerpoint/2010/main" val="3480310364"/>
+      </p:ext>
+    </p:extLst>
+  </p:cSld>
+  <p:clrMapOvr>
+    <a:masterClrMapping/>
+  </p:clrMapOvr>
+</p:sld>
+</file>
+
+<file path=ppt/slides/slide15.xml><?xml version="1.0" encoding="utf-8"?>
+<p:sld xmlns:a="http://schemas.openxmlformats.org/drawingml/2006/main" xmlns:r="http://schemas.openxmlformats.org/officeDocument/2006/relationships" xmlns:p="http://schemas.openxmlformats.org/presentationml/2006/main">
+  <p:cSld>
+    <p:spTree>
+      <p:nvGrpSpPr>
+        <p:cNvPr id="1" name=""/>
+        <p:cNvGrpSpPr/>
+        <p:nvPr/>
+      </p:nvGrpSpPr>
+      <p:grpSpPr>
+        <a:xfrm>
+          <a:off x="0" y="0"/>
+          <a:ext cx="0" cy="0"/>
+          <a:chOff x="0" y="0"/>
+          <a:chExt cx="0" cy="0"/>
+        </a:xfrm>
+      </p:grpSpPr>
+      <p:sp>
+        <p:nvSpPr>
+          <p:cNvPr id="2" name="タイトル 1">
+            <a:extLst>
+              <a:ext uri="{FF2B5EF4-FFF2-40B4-BE49-F238E27FC236}">
+                <a16:creationId xmlns:a16="http://schemas.microsoft.com/office/drawing/2014/main" id="{A3CA44FB-64E1-44F3-9DA9-ACF94A1E277A}"/>
+              </a:ext>
+            </a:extLst>
+          </p:cNvPr>
+          <p:cNvSpPr>
+            <a:spLocks noGrp="1"/>
+          </p:cNvSpPr>
+          <p:nvPr>
+            <p:ph type="title"/>
+          </p:nvPr>
+        </p:nvSpPr>
+        <p:spPr/>
+        <p:txBody>
+          <a:bodyPr/>
+          <a:lstStyle/>
+          <a:p>
+            <a:r>
+              <a:rPr kumimoji="1" lang="en-US" altLang="ja-JP" dirty="0">
+                <a:latin typeface="Takaoゴシック" panose="020B0509000000000000" pitchFamily="49" charset="-128"/>
+                <a:ea typeface="Takaoゴシック" panose="020B0509000000000000" pitchFamily="49" charset="-128"/>
+              </a:rPr>
+              <a:t>03-2-1.zlib</a:t>
+            </a:r>
+            <a:endParaRPr kumimoji="1" lang="ja-JP" altLang="en-US" dirty="0">
+              <a:latin typeface="Takaoゴシック" panose="020B0509000000000000" pitchFamily="49" charset="-128"/>
+              <a:ea typeface="Takaoゴシック" panose="020B0509000000000000" pitchFamily="49" charset="-128"/>
+            </a:endParaRPr>
+          </a:p>
+        </p:txBody>
+      </p:sp>
+      <p:sp>
+        <p:nvSpPr>
+          <p:cNvPr id="6" name="コンテンツ プレースホルダー 5">
+            <a:extLst>
+              <a:ext uri="{FF2B5EF4-FFF2-40B4-BE49-F238E27FC236}">
+                <a16:creationId xmlns:a16="http://schemas.microsoft.com/office/drawing/2014/main" id="{A3EFDC4E-CC38-41B7-B39C-2655BB1CD68E}"/>
+              </a:ext>
+            </a:extLst>
+          </p:cNvPr>
+          <p:cNvSpPr>
+            <a:spLocks noGrp="1"/>
+          </p:cNvSpPr>
+          <p:nvPr>
+            <p:ph idx="1"/>
+          </p:nvPr>
+        </p:nvSpPr>
+        <p:spPr>
+          <a:xfrm>
+            <a:off x="609600" y="1981200"/>
+            <a:ext cx="10972800" cy="3048001"/>
+          </a:xfrm>
+        </p:spPr>
+        <p:txBody>
+          <a:bodyPr/>
+          <a:lstStyle/>
+          <a:p>
+            <a:r>
+              <a:rPr lang="en-US" altLang="ja-JP" dirty="0" err="1"/>
+              <a:t>zlib</a:t>
+            </a:r>
+            <a:r>
+              <a:rPr lang="ja-JP" altLang="en-US" dirty="0" err="1"/>
+              <a:t>、</a:t>
+            </a:r>
+            <a:r>
+              <a:rPr lang="en-US" altLang="ja-JP" dirty="0"/>
+              <a:t>bzip2</a:t>
+            </a:r>
+            <a:r>
+              <a:rPr lang="ja-JP" altLang="en-US" dirty="0"/>
+              <a:t>共にパッケージ導入では上手くいかない</a:t>
+            </a:r>
+            <a:br>
+              <a:rPr lang="en-US" altLang="ja-JP" dirty="0"/>
+            </a:br>
+            <a:r>
+              <a:rPr lang="ja-JP" altLang="en-US" dirty="0"/>
+              <a:t>そのため、ソースコードを編集して導入</a:t>
+            </a:r>
+            <a:endParaRPr lang="en-US" altLang="ja-JP" dirty="0"/>
+          </a:p>
+          <a:p>
+            <a:r>
+              <a:rPr lang="ja-JP" altLang="en-US" dirty="0"/>
+              <a:t>作業フォルダの例として</a:t>
+            </a:r>
+            <a:r>
+              <a:rPr lang="en-US" altLang="ja-JP" dirty="0"/>
+              <a:t>/</a:t>
+            </a:r>
+            <a:r>
+              <a:rPr lang="en-US" altLang="ja-JP" dirty="0" err="1"/>
+              <a:t>usr</a:t>
+            </a:r>
+            <a:r>
+              <a:rPr lang="en-US" altLang="ja-JP" dirty="0"/>
+              <a:t>/local/</a:t>
+            </a:r>
+            <a:r>
+              <a:rPr lang="en-US" altLang="ja-JP" dirty="0" err="1"/>
+              <a:t>src</a:t>
+            </a:r>
+            <a:r>
+              <a:rPr lang="en-US" altLang="ja-JP" dirty="0"/>
+              <a:t> </a:t>
+            </a:r>
+            <a:r>
+              <a:rPr lang="ja-JP" altLang="en-US" dirty="0"/>
+              <a:t>で行ったが、</a:t>
+            </a:r>
+            <a:br>
+              <a:rPr lang="en-US" altLang="ja-JP" dirty="0"/>
+            </a:br>
+            <a:r>
+              <a:rPr lang="ja-JP" altLang="en-US" dirty="0"/>
+              <a:t>ホームディレクトリでも問題無いと思われる</a:t>
+            </a:r>
+            <a:endParaRPr lang="en-US" altLang="ja-JP" dirty="0"/>
+          </a:p>
+          <a:p>
+            <a:endParaRPr lang="ja-JP" altLang="en-US" dirty="0"/>
+          </a:p>
+        </p:txBody>
+      </p:sp>
+    </p:spTree>
+    <p:extLst>
+      <p:ext uri="{BB962C8B-B14F-4D97-AF65-F5344CB8AC3E}">
+        <p14:creationId xmlns:p14="http://schemas.microsoft.com/office/powerpoint/2010/main" val="1418608160"/>
       </p:ext>
     </p:extLst>
   </p:cSld>

--- a/RE_SIMU_ON_WSL.pptx
+++ b/RE_SIMU_ON_WSL.pptx
@@ -20,6 +20,9 @@
     <p:sldId id="269" r:id="rId14"/>
     <p:sldId id="270" r:id="rId15"/>
     <p:sldId id="272" r:id="rId16"/>
+    <p:sldId id="273" r:id="rId17"/>
+    <p:sldId id="275" r:id="rId18"/>
+    <p:sldId id="274" r:id="rId19"/>
   </p:sldIdLst>
   <p:sldSz cx="12192000" cy="6858000"/>
   <p:notesSz cx="6858000" cy="9144000"/>
@@ -2301,7 +2304,7 @@
           <a:p>
             <a:fld id="{EFCA2F27-532F-4E2E-86E8-C011D6D4D29E}" type="datetimeFigureOut">
               <a:rPr kumimoji="1" lang="ja-JP" altLang="en-US" smtClean="0"/>
-              <a:t>2019/5/1</a:t>
+              <a:t>2019/5/2</a:t>
             </a:fld>
             <a:endParaRPr kumimoji="1" lang="ja-JP" altLang="en-US"/>
           </a:p>
@@ -2599,7 +2602,7 @@
           <a:p>
             <a:fld id="{EFCA2F27-532F-4E2E-86E8-C011D6D4D29E}" type="datetimeFigureOut">
               <a:rPr kumimoji="1" lang="ja-JP" altLang="en-US" smtClean="0"/>
-              <a:t>2019/5/1</a:t>
+              <a:t>2019/5/2</a:t>
             </a:fld>
             <a:endParaRPr kumimoji="1" lang="ja-JP" altLang="en-US"/>
           </a:p>
@@ -2845,7 +2848,7 @@
           <a:p>
             <a:fld id="{EFCA2F27-532F-4E2E-86E8-C011D6D4D29E}" type="datetimeFigureOut">
               <a:rPr kumimoji="1" lang="ja-JP" altLang="en-US" smtClean="0"/>
-              <a:t>2019/5/1</a:t>
+              <a:t>2019/5/2</a:t>
             </a:fld>
             <a:endParaRPr kumimoji="1" lang="ja-JP" altLang="en-US"/>
           </a:p>
@@ -3081,7 +3084,7 @@
           <a:p>
             <a:fld id="{EFCA2F27-532F-4E2E-86E8-C011D6D4D29E}" type="datetimeFigureOut">
               <a:rPr kumimoji="1" lang="ja-JP" altLang="en-US" smtClean="0"/>
-              <a:t>2019/5/1</a:t>
+              <a:t>2019/5/2</a:t>
             </a:fld>
             <a:endParaRPr kumimoji="1" lang="ja-JP" altLang="en-US"/>
           </a:p>
@@ -3308,7 +3311,7 @@
           <a:p>
             <a:fld id="{EFCA2F27-532F-4E2E-86E8-C011D6D4D29E}" type="datetimeFigureOut">
               <a:rPr kumimoji="1" lang="ja-JP" altLang="en-US" smtClean="0"/>
-              <a:t>2019/5/1</a:t>
+              <a:t>2019/5/2</a:t>
             </a:fld>
             <a:endParaRPr kumimoji="1" lang="ja-JP" altLang="en-US"/>
           </a:p>
@@ -3693,7 +3696,7 @@
           <a:p>
             <a:fld id="{EFCA2F27-532F-4E2E-86E8-C011D6D4D29E}" type="datetimeFigureOut">
               <a:rPr kumimoji="1" lang="ja-JP" altLang="en-US" smtClean="0"/>
-              <a:t>2019/5/1</a:t>
+              <a:t>2019/5/2</a:t>
             </a:fld>
             <a:endParaRPr kumimoji="1" lang="ja-JP" altLang="en-US"/>
           </a:p>
@@ -4217,7 +4220,7 @@
           <a:p>
             <a:fld id="{EFCA2F27-532F-4E2E-86E8-C011D6D4D29E}" type="datetimeFigureOut">
               <a:rPr kumimoji="1" lang="ja-JP" altLang="en-US" smtClean="0"/>
-              <a:t>2019/5/1</a:t>
+              <a:t>2019/5/2</a:t>
             </a:fld>
             <a:endParaRPr kumimoji="1" lang="ja-JP" altLang="en-US"/>
           </a:p>
@@ -4370,7 +4373,7 @@
           <a:p>
             <a:fld id="{EFCA2F27-532F-4E2E-86E8-C011D6D4D29E}" type="datetimeFigureOut">
               <a:rPr kumimoji="1" lang="ja-JP" altLang="en-US" smtClean="0"/>
-              <a:t>2019/5/1</a:t>
+              <a:t>2019/5/2</a:t>
             </a:fld>
             <a:endParaRPr kumimoji="1" lang="ja-JP" altLang="en-US"/>
           </a:p>
@@ -4501,7 +4504,7 @@
           <a:p>
             <a:fld id="{EFCA2F27-532F-4E2E-86E8-C011D6D4D29E}" type="datetimeFigureOut">
               <a:rPr kumimoji="1" lang="ja-JP" altLang="en-US" smtClean="0"/>
-              <a:t>2019/5/1</a:t>
+              <a:t>2019/5/2</a:t>
             </a:fld>
             <a:endParaRPr kumimoji="1" lang="ja-JP" altLang="en-US"/>
           </a:p>
@@ -4844,7 +4847,7 @@
           <a:p>
             <a:fld id="{EFCA2F27-532F-4E2E-86E8-C011D6D4D29E}" type="datetimeFigureOut">
               <a:rPr kumimoji="1" lang="ja-JP" altLang="en-US" smtClean="0"/>
-              <a:t>2019/5/1</a:t>
+              <a:t>2019/5/2</a:t>
             </a:fld>
             <a:endParaRPr kumimoji="1" lang="ja-JP" altLang="en-US"/>
           </a:p>
@@ -5136,7 +5139,7 @@
           <a:p>
             <a:fld id="{EFCA2F27-532F-4E2E-86E8-C011D6D4D29E}" type="datetimeFigureOut">
               <a:rPr kumimoji="1" lang="ja-JP" altLang="en-US" smtClean="0"/>
-              <a:t>2019/5/1</a:t>
+              <a:t>2019/5/2</a:t>
             </a:fld>
             <a:endParaRPr kumimoji="1" lang="ja-JP" altLang="en-US"/>
           </a:p>
@@ -7115,7 +7118,7 @@
           <a:p>
             <a:fld id="{EFCA2F27-532F-4E2E-86E8-C011D6D4D29E}" type="datetimeFigureOut">
               <a:rPr kumimoji="1" lang="ja-JP" altLang="en-US" smtClean="0"/>
-              <a:t>2019/5/1</a:t>
+              <a:t>2019/5/2</a:t>
             </a:fld>
             <a:endParaRPr kumimoji="1" lang="ja-JP" altLang="en-US"/>
           </a:p>
@@ -8720,7 +8723,7 @@
                 <a:latin typeface="TakaoExゴシック" panose="020B0500000000000000" pitchFamily="50" charset="-128"/>
                 <a:ea typeface="TakaoExゴシック" panose="020B0500000000000000" pitchFamily="50" charset="-128"/>
               </a:rPr>
-              <a:t>は編集をして導入</a:t>
+              <a:t>はソースコードを編集して導入</a:t>
             </a:r>
             <a:endParaRPr kumimoji="1" lang="ja-JP" altLang="en-US" dirty="0">
               <a:latin typeface="TakaoExゴシック" panose="020B0500000000000000" pitchFamily="50" charset="-128"/>
@@ -9607,14 +9610,14 @@
             <p:ph idx="1"/>
             <p:extLst>
               <p:ext uri="{D42A27DB-BD31-4B8C-83A1-F6EECF244321}">
-                <p14:modId xmlns:p14="http://schemas.microsoft.com/office/powerpoint/2010/main" val="4183749117"/>
+                <p14:modId xmlns:p14="http://schemas.microsoft.com/office/powerpoint/2010/main" val="4134614331"/>
               </p:ext>
             </p:extLst>
           </p:nvPr>
         </p:nvGraphicFramePr>
         <p:xfrm>
           <a:off x="609600" y="1754697"/>
-          <a:ext cx="10972800" cy="1483360"/>
+          <a:ext cx="10972800" cy="1112520"/>
         </p:xfrm>
         <a:graphic>
           <a:graphicData uri="http://schemas.openxmlformats.org/drawingml/2006/table">
@@ -9674,41 +9677,6 @@
                 <a:extLst>
                   <a:ext uri="{0D108BD9-81ED-4DB2-BD59-A6C34878D82A}">
                     <a16:rowId xmlns:a16="http://schemas.microsoft.com/office/drawing/2014/main" val="390390869"/>
-                  </a:ext>
-                </a:extLst>
-              </a:tr>
-              <a:tr h="370840">
-                <a:tc>
-                  <a:txBody>
-                    <a:bodyPr/>
-                    <a:lstStyle/>
-                    <a:p>
-                      <a:r>
-                        <a:rPr kumimoji="1" lang="en-US" altLang="ja-JP" dirty="0"/>
-                        <a:t>apt-get</a:t>
-                      </a:r>
-                      <a:endParaRPr kumimoji="1" lang="ja-JP" altLang="en-US" dirty="0"/>
-                    </a:p>
-                  </a:txBody>
-                  <a:tcPr/>
-                </a:tc>
-                <a:tc>
-                  <a:txBody>
-                    <a:bodyPr/>
-                    <a:lstStyle/>
-                    <a:p>
-                      <a:r>
-                        <a:rPr kumimoji="1" lang="en-US" altLang="ja-JP" dirty="0"/>
-                        <a:t>install</a:t>
-                      </a:r>
-                      <a:endParaRPr kumimoji="1" lang="ja-JP" altLang="en-US" dirty="0"/>
-                    </a:p>
-                  </a:txBody>
-                  <a:tcPr/>
-                </a:tc>
-                <a:extLst>
-                  <a:ext uri="{0D108BD9-81ED-4DB2-BD59-A6C34878D82A}">
-                    <a16:rowId xmlns:a16="http://schemas.microsoft.com/office/drawing/2014/main" val="510023349"/>
                   </a:ext>
                 </a:extLst>
               </a:tr>
@@ -9798,7 +9766,7 @@
         </p:nvSpPr>
         <p:spPr bwMode="auto">
           <a:xfrm>
-            <a:off x="609600" y="3307080"/>
+            <a:off x="609600" y="2932866"/>
             <a:ext cx="10972800" cy="3093720"/>
           </a:xfrm>
           <a:prstGeom prst="rect">
@@ -10488,7 +10456,7 @@
         <p:spPr>
           <a:xfrm>
             <a:off x="609600" y="1981200"/>
-            <a:ext cx="10972800" cy="3048001"/>
+            <a:ext cx="10972800" cy="4419600"/>
           </a:xfrm>
         </p:spPr>
         <p:txBody>
@@ -10523,8 +10491,12 @@
           <a:p>
             <a:r>
               <a:rPr lang="ja-JP" altLang="en-US" dirty="0"/>
-              <a:t>作業フォルダの例として</a:t>
-            </a:r>
+              <a:t>作業フォルダはホームディレクトリでも問題無い</a:t>
+            </a:r>
+            <a:endParaRPr lang="en-US" altLang="ja-JP" dirty="0"/>
+          </a:p>
+          <a:p>
+            <a:pPr lvl="1"/>
             <a:r>
               <a:rPr lang="en-US" altLang="ja-JP" dirty="0"/>
               <a:t>/</a:t>
@@ -10542,19 +10514,24 @@
               <a:t>src</a:t>
             </a:r>
             <a:r>
-              <a:rPr lang="en-US" altLang="ja-JP" dirty="0"/>
-              <a:t> </a:t>
-            </a:r>
-            <a:r>
               <a:rPr lang="ja-JP" altLang="en-US" dirty="0"/>
-              <a:t>で行ったが、</a:t>
-            </a:r>
-            <a:br>
-              <a:rPr lang="en-US" altLang="ja-JP" dirty="0"/>
-            </a:br>
+              <a:t>等の場合は、</a:t>
+            </a:r>
+            <a:r>
+              <a:rPr lang="en-US" altLang="ja-JP" dirty="0" err="1"/>
+              <a:t>sudo</a:t>
+            </a:r>
             <a:r>
               <a:rPr lang="ja-JP" altLang="en-US" dirty="0"/>
-              <a:t>ホームディレクトリでも問題無いと思われる</a:t>
+              <a:t>コマンドを付けるときが違う</a:t>
+            </a:r>
+            <a:endParaRPr lang="en-US" altLang="ja-JP" dirty="0"/>
+          </a:p>
+          <a:p>
+            <a:pPr lvl="1"/>
+            <a:r>
+              <a:rPr lang="ja-JP" altLang="en-US" dirty="0"/>
+              <a:t>ホームディレクトリごちゃごちゃイヤなら専用ディレクトリ作ってそこでもできる</a:t>
             </a:r>
             <a:endParaRPr lang="en-US" altLang="ja-JP" dirty="0"/>
           </a:p>
@@ -10647,7 +10624,7 @@
         <p:spPr>
           <a:xfrm>
             <a:off x="609600" y="1981200"/>
-            <a:ext cx="10972800" cy="3048001"/>
+            <a:ext cx="10972800" cy="4623786"/>
           </a:xfrm>
         </p:spPr>
         <p:txBody>
@@ -10655,69 +10632,130 @@
           <a:lstStyle/>
           <a:p>
             <a:r>
+              <a:rPr lang="ja-JP" altLang="en-US" dirty="0"/>
+              <a:t>公式サイト、または</a:t>
+            </a:r>
+            <a:r>
+              <a:rPr lang="en-US" altLang="ja-JP" dirty="0"/>
+              <a:t>Ubuntu</a:t>
+            </a:r>
+            <a:r>
+              <a:rPr lang="ja-JP" altLang="en-US" dirty="0"/>
+              <a:t>パッケージ検索サイトよりソースコードをダウンロード</a:t>
+            </a:r>
+            <a:endParaRPr lang="en-US" altLang="ja-JP" dirty="0"/>
+          </a:p>
+          <a:p>
+            <a:pPr lvl="1"/>
+            <a:r>
+              <a:rPr lang="ja-JP" altLang="en-US" dirty="0"/>
+              <a:t>公式サイト： </a:t>
+            </a:r>
+            <a:r>
+              <a:rPr lang="en-US" altLang="ja-JP" dirty="0"/>
+              <a:t>http://zlib.net/zlib-(Ver).tar.gz</a:t>
+            </a:r>
+          </a:p>
+          <a:p>
+            <a:pPr lvl="1"/>
+            <a:r>
+              <a:rPr lang="en-US" altLang="ja-JP" dirty="0"/>
+              <a:t>Ubuntu</a:t>
+            </a:r>
+            <a:r>
+              <a:rPr lang="ja-JP" altLang="en-US" dirty="0"/>
+              <a:t>：  </a:t>
+            </a:r>
+            <a:r>
+              <a:rPr lang="en-US" altLang="ja-JP" sz="2000" dirty="0"/>
+              <a:t>http://archive.ubuntu.com/ubuntu/pool/main/z/zlib/zlib_(Ver).dfsg.orig.tar.xz</a:t>
+            </a:r>
+            <a:endParaRPr lang="en-US" altLang="ja-JP" dirty="0"/>
+          </a:p>
+          <a:p>
+            <a:pPr lvl="2"/>
+            <a:r>
+              <a:rPr lang="en-US" altLang="ja-JP" dirty="0"/>
+              <a:t>(Ver)</a:t>
+            </a:r>
+            <a:r>
+              <a:rPr lang="ja-JP" altLang="en-US" dirty="0" err="1"/>
+              <a:t>には</a:t>
+            </a:r>
+            <a:r>
+              <a:rPr lang="ja-JP" altLang="en-US" dirty="0"/>
+              <a:t>バージョン番号をそのまま入れる</a:t>
+            </a:r>
+            <a:endParaRPr lang="en-US" altLang="ja-JP" dirty="0"/>
+          </a:p>
+          <a:p>
+            <a:r>
+              <a:rPr lang="ja-JP" altLang="en-US" dirty="0"/>
+              <a:t>圧縮ファイルを展開</a:t>
+            </a:r>
+            <a:endParaRPr lang="en-US" altLang="ja-JP" dirty="0"/>
+          </a:p>
+          <a:p>
+            <a:pPr lvl="1"/>
+            <a:r>
+              <a:rPr lang="ja-JP" altLang="en-US" dirty="0"/>
+              <a:t>公式は</a:t>
+            </a:r>
+            <a:r>
               <a:rPr lang="en-US" altLang="ja-JP" dirty="0" err="1"/>
-              <a:t>zlib</a:t>
-            </a:r>
-            <a:r>
-              <a:rPr lang="ja-JP" altLang="en-US" dirty="0" err="1"/>
-              <a:t>、</a:t>
+              <a:t>gz</a:t>
+            </a:r>
+            <a:r>
+              <a:rPr lang="ja-JP" altLang="en-US" dirty="0"/>
+              <a:t>形式で</a:t>
             </a:r>
             <a:r>
               <a:rPr lang="en-US" altLang="ja-JP" dirty="0"/>
-              <a:t>bzip2</a:t>
+              <a:t>Ubuntu</a:t>
             </a:r>
             <a:r>
               <a:rPr lang="ja-JP" altLang="en-US" dirty="0"/>
-              <a:t>共にパッケージ導入では上手くいかない</a:t>
+              <a:t>は</a:t>
+            </a:r>
+            <a:r>
+              <a:rPr lang="en-US" altLang="ja-JP" dirty="0" err="1"/>
+              <a:t>xz</a:t>
+            </a:r>
+            <a:r>
+              <a:rPr lang="ja-JP" altLang="en-US" dirty="0"/>
+              <a:t>形式だが、どちらも</a:t>
+            </a:r>
+            <a:r>
+              <a:rPr lang="en-US" altLang="ja-JP" dirty="0" err="1"/>
+              <a:t>tar</a:t>
+            </a:r>
+            <a:r>
+              <a:rPr lang="en-US" altLang="ja-JP" dirty="0" err="1">
+                <a:latin typeface="Takaoゴシック" panose="020B0509000000000000" pitchFamily="49" charset="-128"/>
+                <a:ea typeface="Takaoゴシック" panose="020B0509000000000000" pitchFamily="49" charset="-128"/>
+              </a:rPr>
+              <a:t>␣xvf</a:t>
+            </a:r>
+            <a:r>
+              <a:rPr lang="ja-JP" altLang="en-US" dirty="0">
+                <a:latin typeface="Takaoゴシック" panose="020B0509000000000000" pitchFamily="49" charset="-128"/>
+                <a:ea typeface="Takaoゴシック" panose="020B0509000000000000" pitchFamily="49" charset="-128"/>
+              </a:rPr>
+              <a:t>コマンド</a:t>
             </a:r>
             <a:br>
-              <a:rPr lang="en-US" altLang="ja-JP" dirty="0"/>
+              <a:rPr lang="en-US" altLang="ja-JP" dirty="0">
+                <a:latin typeface="Takaoゴシック" panose="020B0509000000000000" pitchFamily="49" charset="-128"/>
+                <a:ea typeface="Takaoゴシック" panose="020B0509000000000000" pitchFamily="49" charset="-128"/>
+              </a:rPr>
             </a:br>
             <a:r>
-              <a:rPr lang="ja-JP" altLang="en-US" dirty="0"/>
-              <a:t>そのため、ソースコードを編集して導入</a:t>
-            </a:r>
-            <a:endParaRPr lang="en-US" altLang="ja-JP" dirty="0"/>
-          </a:p>
-          <a:p>
-            <a:r>
-              <a:rPr lang="ja-JP" altLang="en-US" dirty="0"/>
-              <a:t>作業フォルダの例として</a:t>
-            </a:r>
-            <a:r>
-              <a:rPr lang="en-US" altLang="ja-JP" dirty="0"/>
-              <a:t>/</a:t>
-            </a:r>
-            <a:r>
-              <a:rPr lang="en-US" altLang="ja-JP" dirty="0" err="1"/>
-              <a:t>usr</a:t>
-            </a:r>
-            <a:r>
-              <a:rPr lang="en-US" altLang="ja-JP" dirty="0"/>
-              <a:t>/local/</a:t>
-            </a:r>
-            <a:r>
-              <a:rPr lang="en-US" altLang="ja-JP" dirty="0" err="1"/>
-              <a:t>src</a:t>
-            </a:r>
-            <a:r>
-              <a:rPr lang="en-US" altLang="ja-JP" dirty="0"/>
-              <a:t> </a:t>
-            </a:r>
-            <a:r>
-              <a:rPr lang="ja-JP" altLang="en-US" dirty="0"/>
-              <a:t>で行ったが、</a:t>
-            </a:r>
-            <a:br>
-              <a:rPr lang="en-US" altLang="ja-JP" dirty="0"/>
-            </a:br>
-            <a:r>
-              <a:rPr lang="ja-JP" altLang="en-US" dirty="0"/>
-              <a:t>ホームディレクトリでも問題無いと思われる</a:t>
-            </a:r>
-            <a:endParaRPr lang="en-US" altLang="ja-JP" dirty="0"/>
-          </a:p>
-          <a:p>
+              <a:rPr lang="ja-JP" altLang="en-US" dirty="0">
+                <a:latin typeface="Takaoゴシック" panose="020B0509000000000000" pitchFamily="49" charset="-128"/>
+                <a:ea typeface="Takaoゴシック" panose="020B0509000000000000" pitchFamily="49" charset="-128"/>
+              </a:rPr>
+              <a:t>で問題無く展開できる</a:t>
+            </a:r>
             <a:endParaRPr lang="ja-JP" altLang="en-US" dirty="0"/>
           </a:p>
         </p:txBody>
@@ -10726,6 +10764,742 @@
     <p:extLst>
       <p:ext uri="{BB962C8B-B14F-4D97-AF65-F5344CB8AC3E}">
         <p14:creationId xmlns:p14="http://schemas.microsoft.com/office/powerpoint/2010/main" val="1418608160"/>
+      </p:ext>
+    </p:extLst>
+  </p:cSld>
+  <p:clrMapOvr>
+    <a:masterClrMapping/>
+  </p:clrMapOvr>
+</p:sld>
+</file>
+
+<file path=ppt/slides/slide16.xml><?xml version="1.0" encoding="utf-8"?>
+<p:sld xmlns:a="http://schemas.openxmlformats.org/drawingml/2006/main" xmlns:r="http://schemas.openxmlformats.org/officeDocument/2006/relationships" xmlns:p="http://schemas.openxmlformats.org/presentationml/2006/main">
+  <p:cSld>
+    <p:spTree>
+      <p:nvGrpSpPr>
+        <p:cNvPr id="1" name=""/>
+        <p:cNvGrpSpPr/>
+        <p:nvPr/>
+      </p:nvGrpSpPr>
+      <p:grpSpPr>
+        <a:xfrm>
+          <a:off x="0" y="0"/>
+          <a:ext cx="0" cy="0"/>
+          <a:chOff x="0" y="0"/>
+          <a:chExt cx="0" cy="0"/>
+        </a:xfrm>
+      </p:grpSpPr>
+      <p:sp>
+        <p:nvSpPr>
+          <p:cNvPr id="2" name="タイトル 1">
+            <a:extLst>
+              <a:ext uri="{FF2B5EF4-FFF2-40B4-BE49-F238E27FC236}">
+                <a16:creationId xmlns:a16="http://schemas.microsoft.com/office/drawing/2014/main" id="{A3CA44FB-64E1-44F3-9DA9-ACF94A1E277A}"/>
+              </a:ext>
+            </a:extLst>
+          </p:cNvPr>
+          <p:cNvSpPr>
+            <a:spLocks noGrp="1"/>
+          </p:cNvSpPr>
+          <p:nvPr>
+            <p:ph type="title"/>
+          </p:nvPr>
+        </p:nvSpPr>
+        <p:spPr/>
+        <p:txBody>
+          <a:bodyPr/>
+          <a:lstStyle/>
+          <a:p>
+            <a:r>
+              <a:rPr kumimoji="1" lang="en-US" altLang="ja-JP" dirty="0">
+                <a:latin typeface="Takaoゴシック" panose="020B0509000000000000" pitchFamily="49" charset="-128"/>
+                <a:ea typeface="Takaoゴシック" panose="020B0509000000000000" pitchFamily="49" charset="-128"/>
+              </a:rPr>
+              <a:t>03-2-1.zlib</a:t>
+            </a:r>
+            <a:endParaRPr kumimoji="1" lang="ja-JP" altLang="en-US" dirty="0">
+              <a:latin typeface="Takaoゴシック" panose="020B0509000000000000" pitchFamily="49" charset="-128"/>
+              <a:ea typeface="Takaoゴシック" panose="020B0509000000000000" pitchFamily="49" charset="-128"/>
+            </a:endParaRPr>
+          </a:p>
+        </p:txBody>
+      </p:sp>
+      <p:sp>
+        <p:nvSpPr>
+          <p:cNvPr id="6" name="コンテンツ プレースホルダー 5">
+            <a:extLst>
+              <a:ext uri="{FF2B5EF4-FFF2-40B4-BE49-F238E27FC236}">
+                <a16:creationId xmlns:a16="http://schemas.microsoft.com/office/drawing/2014/main" id="{A3EFDC4E-CC38-41B7-B39C-2655BB1CD68E}"/>
+              </a:ext>
+            </a:extLst>
+          </p:cNvPr>
+          <p:cNvSpPr>
+            <a:spLocks noGrp="1"/>
+          </p:cNvSpPr>
+          <p:nvPr>
+            <p:ph idx="1"/>
+          </p:nvPr>
+        </p:nvSpPr>
+        <p:spPr>
+          <a:xfrm>
+            <a:off x="609600" y="1420427"/>
+            <a:ext cx="10972800" cy="5184559"/>
+          </a:xfrm>
+        </p:spPr>
+        <p:txBody>
+          <a:bodyPr/>
+          <a:lstStyle/>
+          <a:p>
+            <a:r>
+              <a:rPr lang="ja-JP" altLang="en-US" dirty="0"/>
+              <a:t>環境変数をクロスコンパイル用にしてインストール</a:t>
+            </a:r>
+            <a:endParaRPr lang="en-US" altLang="ja-JP" dirty="0"/>
+          </a:p>
+          <a:p>
+            <a:pPr lvl="1"/>
+            <a:r>
+              <a:rPr lang="en-US" altLang="ja-JP" dirty="0" err="1"/>
+              <a:t>Mingw</a:t>
+            </a:r>
+            <a:r>
+              <a:rPr lang="ja-JP" altLang="en-US" dirty="0"/>
+              <a:t>を参照してコンパイルできるようにするため</a:t>
+            </a:r>
+            <a:endParaRPr lang="en-US" altLang="ja-JP" dirty="0"/>
+          </a:p>
+          <a:p>
+            <a:pPr lvl="1"/>
+            <a:r>
+              <a:rPr lang="ja-JP" altLang="en-US" dirty="0"/>
+              <a:t>変数指定込みで</a:t>
+            </a:r>
+            <a:r>
+              <a:rPr lang="en-US" altLang="ja-JP" dirty="0" err="1"/>
+              <a:t>make&amp;install</a:t>
+            </a:r>
+            <a:r>
+              <a:rPr lang="ja-JP" altLang="en-US" dirty="0"/>
+              <a:t>を行う</a:t>
+            </a:r>
+            <a:endParaRPr lang="en-US" altLang="ja-JP" dirty="0"/>
+          </a:p>
+          <a:p>
+            <a:pPr lvl="2"/>
+            <a:r>
+              <a:rPr lang="en-US" altLang="ja-JP" dirty="0"/>
+              <a:t>PREFIXDIR=/</a:t>
+            </a:r>
+            <a:r>
+              <a:rPr lang="en-US" altLang="ja-JP" dirty="0" err="1"/>
+              <a:t>usr</a:t>
+            </a:r>
+            <a:r>
+              <a:rPr lang="en-US" altLang="ja-JP" dirty="0"/>
+              <a:t>/x86_64-w64-mingw32⏎</a:t>
+            </a:r>
+          </a:p>
+          <a:p>
+            <a:pPr lvl="3"/>
+            <a:r>
+              <a:rPr lang="ja-JP" altLang="en-US" dirty="0"/>
+              <a:t>この後使う変数</a:t>
+            </a:r>
+            <a:r>
+              <a:rPr lang="en-US" altLang="ja-JP" dirty="0"/>
+              <a:t>PREFIXDIR</a:t>
+            </a:r>
+            <a:r>
+              <a:rPr lang="ja-JP" altLang="en-US" dirty="0"/>
+              <a:t>へ</a:t>
+            </a:r>
+            <a:r>
+              <a:rPr lang="en-US" altLang="ja-JP" dirty="0" err="1"/>
+              <a:t>Mingw</a:t>
+            </a:r>
+            <a:r>
+              <a:rPr lang="ja-JP" altLang="en-US" dirty="0"/>
+              <a:t>のディレクトリを入れる</a:t>
+            </a:r>
+            <a:endParaRPr lang="en-US" altLang="ja-JP" dirty="0"/>
+          </a:p>
+          <a:p>
+            <a:pPr lvl="2"/>
+            <a:r>
+              <a:rPr lang="en-US" altLang="ja-JP" dirty="0" err="1"/>
+              <a:t>sudo</a:t>
+            </a:r>
+            <a:r>
+              <a:rPr lang="en-US" altLang="ja-JP" dirty="0" err="1">
+                <a:latin typeface="Takaoゴシック" panose="020B0509000000000000" pitchFamily="49" charset="-128"/>
+                <a:ea typeface="Takaoゴシック" panose="020B0509000000000000" pitchFamily="49" charset="-128"/>
+              </a:rPr>
+              <a:t>␣</a:t>
+            </a:r>
+            <a:r>
+              <a:rPr lang="en-US" altLang="ja-JP" dirty="0" err="1"/>
+              <a:t>make</a:t>
+            </a:r>
+            <a:r>
+              <a:rPr lang="en-US" altLang="ja-JP" dirty="0">
+                <a:latin typeface="Takaoゴシック" panose="020B0509000000000000" pitchFamily="49" charset="-128"/>
+                <a:ea typeface="Takaoゴシック" panose="020B0509000000000000" pitchFamily="49" charset="-128"/>
+              </a:rPr>
+              <a:t>␣</a:t>
+            </a:r>
+            <a:r>
+              <a:rPr lang="en-US" altLang="ja-JP" dirty="0"/>
+              <a:t>–f</a:t>
+            </a:r>
+            <a:br>
+              <a:rPr lang="en-US" altLang="ja-JP" dirty="0"/>
+            </a:br>
+            <a:r>
+              <a:rPr lang="en-US" altLang="ja-JP" dirty="0">
+                <a:latin typeface="Takaoゴシック" panose="020B0509000000000000" pitchFamily="49" charset="-128"/>
+                <a:ea typeface="Takaoゴシック" panose="020B0509000000000000" pitchFamily="49" charset="-128"/>
+              </a:rPr>
+              <a:t>␣</a:t>
+            </a:r>
+            <a:r>
+              <a:rPr lang="en-US" altLang="ja-JP" dirty="0"/>
+              <a:t>win32/</a:t>
+            </a:r>
+            <a:r>
+              <a:rPr lang="en-US" altLang="ja-JP" dirty="0" err="1"/>
+              <a:t>Makefile.gcc</a:t>
+            </a:r>
+            <a:br>
+              <a:rPr lang="en-US" altLang="ja-JP" dirty="0"/>
+            </a:br>
+            <a:r>
+              <a:rPr lang="en-US" altLang="ja-JP" dirty="0">
+                <a:latin typeface="Takaoゴシック" panose="020B0509000000000000" pitchFamily="49" charset="-128"/>
+                <a:ea typeface="Takaoゴシック" panose="020B0509000000000000" pitchFamily="49" charset="-128"/>
+              </a:rPr>
+              <a:t>␣</a:t>
+            </a:r>
+            <a:r>
+              <a:rPr lang="en-US" altLang="ja-JP" dirty="0"/>
+              <a:t>BINARY_PATH=$PREFIXDIR/bin</a:t>
+            </a:r>
+            <a:br>
+              <a:rPr lang="en-US" altLang="ja-JP" dirty="0"/>
+            </a:br>
+            <a:r>
+              <a:rPr lang="en-US" altLang="ja-JP" dirty="0">
+                <a:latin typeface="Takaoゴシック" panose="020B0509000000000000" pitchFamily="49" charset="-128"/>
+                <a:ea typeface="Takaoゴシック" panose="020B0509000000000000" pitchFamily="49" charset="-128"/>
+              </a:rPr>
+              <a:t>␣</a:t>
+            </a:r>
+            <a:r>
+              <a:rPr lang="en-US" altLang="ja-JP" dirty="0"/>
+              <a:t>INCLUDE_PATH=$PREFIXDIR/include</a:t>
+            </a:r>
+            <a:br>
+              <a:rPr lang="en-US" altLang="ja-JP" dirty="0"/>
+            </a:br>
+            <a:r>
+              <a:rPr lang="en-US" altLang="ja-JP" dirty="0">
+                <a:latin typeface="Takaoゴシック" panose="020B0509000000000000" pitchFamily="49" charset="-128"/>
+                <a:ea typeface="Takaoゴシック" panose="020B0509000000000000" pitchFamily="49" charset="-128"/>
+              </a:rPr>
+              <a:t>␣</a:t>
+            </a:r>
+            <a:r>
+              <a:rPr lang="en-US" altLang="ja-JP" dirty="0"/>
+              <a:t>LIBRARY_PATH=$PREFIXDIR/lib</a:t>
+            </a:r>
+            <a:br>
+              <a:rPr lang="en-US" altLang="ja-JP" dirty="0"/>
+            </a:br>
+            <a:r>
+              <a:rPr lang="en-US" altLang="ja-JP" dirty="0">
+                <a:latin typeface="Takaoゴシック" panose="020B0509000000000000" pitchFamily="49" charset="-128"/>
+                <a:ea typeface="Takaoゴシック" panose="020B0509000000000000" pitchFamily="49" charset="-128"/>
+              </a:rPr>
+              <a:t>␣</a:t>
+            </a:r>
+            <a:r>
+              <a:rPr lang="en-US" altLang="ja-JP" dirty="0"/>
+              <a:t>SHARED_MODE=1</a:t>
+            </a:r>
+            <a:br>
+              <a:rPr lang="en-US" altLang="ja-JP" dirty="0"/>
+            </a:br>
+            <a:r>
+              <a:rPr lang="en-US" altLang="ja-JP" dirty="0">
+                <a:latin typeface="Takaoゴシック" panose="020B0509000000000000" pitchFamily="49" charset="-128"/>
+                <a:ea typeface="Takaoゴシック" panose="020B0509000000000000" pitchFamily="49" charset="-128"/>
+              </a:rPr>
+              <a:t>␣</a:t>
+            </a:r>
+            <a:r>
+              <a:rPr lang="en-US" altLang="ja-JP" dirty="0"/>
+              <a:t>REFIX=x86_64-w64-mingw32-</a:t>
+            </a:r>
+            <a:r>
+              <a:rPr lang="en-US" altLang="ja-JP" dirty="0">
+                <a:latin typeface="Takaoゴシック" panose="020B0509000000000000" pitchFamily="49" charset="-128"/>
+                <a:ea typeface="Takaoゴシック" panose="020B0509000000000000" pitchFamily="49" charset="-128"/>
+              </a:rPr>
+              <a:t>␣</a:t>
+            </a:r>
+            <a:r>
+              <a:rPr lang="en-US" altLang="ja-JP" dirty="0"/>
+              <a:t>install⏎</a:t>
+            </a:r>
+          </a:p>
+          <a:p>
+            <a:pPr lvl="2"/>
+            <a:endParaRPr lang="ja-JP" altLang="en-US" dirty="0"/>
+          </a:p>
+        </p:txBody>
+      </p:sp>
+    </p:spTree>
+    <p:extLst>
+      <p:ext uri="{BB962C8B-B14F-4D97-AF65-F5344CB8AC3E}">
+        <p14:creationId xmlns:p14="http://schemas.microsoft.com/office/powerpoint/2010/main" val="1002281900"/>
+      </p:ext>
+    </p:extLst>
+  </p:cSld>
+  <p:clrMapOvr>
+    <a:masterClrMapping/>
+  </p:clrMapOvr>
+</p:sld>
+</file>
+
+<file path=ppt/slides/slide17.xml><?xml version="1.0" encoding="utf-8"?>
+<p:sld xmlns:a="http://schemas.openxmlformats.org/drawingml/2006/main" xmlns:r="http://schemas.openxmlformats.org/officeDocument/2006/relationships" xmlns:p="http://schemas.openxmlformats.org/presentationml/2006/main">
+  <p:cSld>
+    <p:spTree>
+      <p:nvGrpSpPr>
+        <p:cNvPr id="1" name=""/>
+        <p:cNvGrpSpPr/>
+        <p:nvPr/>
+      </p:nvGrpSpPr>
+      <p:grpSpPr>
+        <a:xfrm>
+          <a:off x="0" y="0"/>
+          <a:ext cx="0" cy="0"/>
+          <a:chOff x="0" y="0"/>
+          <a:chExt cx="0" cy="0"/>
+        </a:xfrm>
+      </p:grpSpPr>
+      <p:sp>
+        <p:nvSpPr>
+          <p:cNvPr id="2" name="タイトル 1">
+            <a:extLst>
+              <a:ext uri="{FF2B5EF4-FFF2-40B4-BE49-F238E27FC236}">
+                <a16:creationId xmlns:a16="http://schemas.microsoft.com/office/drawing/2014/main" id="{A3CA44FB-64E1-44F3-9DA9-ACF94A1E277A}"/>
+              </a:ext>
+            </a:extLst>
+          </p:cNvPr>
+          <p:cNvSpPr>
+            <a:spLocks noGrp="1"/>
+          </p:cNvSpPr>
+          <p:nvPr>
+            <p:ph type="title"/>
+          </p:nvPr>
+        </p:nvSpPr>
+        <p:spPr/>
+        <p:txBody>
+          <a:bodyPr/>
+          <a:lstStyle/>
+          <a:p>
+            <a:r>
+              <a:rPr kumimoji="1" lang="en-US" altLang="ja-JP" dirty="0">
+                <a:latin typeface="Takaoゴシック" panose="020B0509000000000000" pitchFamily="49" charset="-128"/>
+                <a:ea typeface="Takaoゴシック" panose="020B0509000000000000" pitchFamily="49" charset="-128"/>
+              </a:rPr>
+              <a:t>03-2-2.bzip2</a:t>
+            </a:r>
+            <a:endParaRPr kumimoji="1" lang="ja-JP" altLang="en-US" dirty="0">
+              <a:latin typeface="Takaoゴシック" panose="020B0509000000000000" pitchFamily="49" charset="-128"/>
+              <a:ea typeface="Takaoゴシック" panose="020B0509000000000000" pitchFamily="49" charset="-128"/>
+            </a:endParaRPr>
+          </a:p>
+        </p:txBody>
+      </p:sp>
+      <p:sp>
+        <p:nvSpPr>
+          <p:cNvPr id="6" name="コンテンツ プレースホルダー 5">
+            <a:extLst>
+              <a:ext uri="{FF2B5EF4-FFF2-40B4-BE49-F238E27FC236}">
+                <a16:creationId xmlns:a16="http://schemas.microsoft.com/office/drawing/2014/main" id="{A3EFDC4E-CC38-41B7-B39C-2655BB1CD68E}"/>
+              </a:ext>
+            </a:extLst>
+          </p:cNvPr>
+          <p:cNvSpPr>
+            <a:spLocks noGrp="1"/>
+          </p:cNvSpPr>
+          <p:nvPr>
+            <p:ph idx="1"/>
+          </p:nvPr>
+        </p:nvSpPr>
+        <p:spPr>
+          <a:xfrm>
+            <a:off x="609600" y="1981200"/>
+            <a:ext cx="10972800" cy="4623786"/>
+          </a:xfrm>
+        </p:spPr>
+        <p:txBody>
+          <a:bodyPr/>
+          <a:lstStyle/>
+          <a:p>
+            <a:r>
+              <a:rPr lang="en-US" altLang="ja-JP" dirty="0"/>
+              <a:t>Ubuntu</a:t>
+            </a:r>
+            <a:r>
+              <a:rPr lang="ja-JP" altLang="en-US" dirty="0"/>
+              <a:t>パッケージ検索サイトよりソースコードをダウンロード</a:t>
+            </a:r>
+            <a:endParaRPr lang="en-US" altLang="ja-JP" dirty="0"/>
+          </a:p>
+          <a:p>
+            <a:pPr lvl="1"/>
+            <a:r>
+              <a:rPr lang="ja-JP" altLang="en-US" dirty="0"/>
+              <a:t>公式サイトは不審なサイトになった過去があるため注意必要</a:t>
+            </a:r>
+            <a:endParaRPr lang="en-US" altLang="ja-JP" dirty="0"/>
+          </a:p>
+          <a:p>
+            <a:pPr lvl="1"/>
+            <a:r>
+              <a:rPr lang="en-US" altLang="ja-JP" dirty="0"/>
+              <a:t>Ubuntu</a:t>
+            </a:r>
+            <a:r>
+              <a:rPr lang="ja-JP" altLang="en-US" dirty="0"/>
+              <a:t>：  </a:t>
+            </a:r>
+            <a:r>
+              <a:rPr lang="en-US" altLang="ja-JP" sz="2000" dirty="0"/>
+              <a:t>http://archive.ubuntu.com/ubuntu/pool/main/b/bzip2/bzip2_(Ver).orig.tar.bz2</a:t>
+            </a:r>
+            <a:endParaRPr lang="en-US" altLang="ja-JP" dirty="0"/>
+          </a:p>
+          <a:p>
+            <a:pPr lvl="2"/>
+            <a:r>
+              <a:rPr lang="en-US" altLang="ja-JP" dirty="0"/>
+              <a:t>(Ver)</a:t>
+            </a:r>
+            <a:r>
+              <a:rPr lang="ja-JP" altLang="en-US" dirty="0" err="1"/>
+              <a:t>には</a:t>
+            </a:r>
+            <a:r>
+              <a:rPr lang="ja-JP" altLang="en-US" dirty="0"/>
+              <a:t>バージョン番号をそのまま入れる</a:t>
+            </a:r>
+            <a:endParaRPr lang="en-US" altLang="ja-JP" dirty="0"/>
+          </a:p>
+          <a:p>
+            <a:r>
+              <a:rPr lang="ja-JP" altLang="en-US" dirty="0"/>
+              <a:t>圧縮ファイルを展開</a:t>
+            </a:r>
+            <a:endParaRPr lang="en-US" altLang="ja-JP" dirty="0"/>
+          </a:p>
+          <a:p>
+            <a:pPr lvl="1"/>
+            <a:r>
+              <a:rPr lang="en-US" altLang="ja-JP" dirty="0" err="1"/>
+              <a:t>tar</a:t>
+            </a:r>
+            <a:r>
+              <a:rPr lang="en-US" altLang="ja-JP" dirty="0" err="1">
+                <a:latin typeface="Takaoゴシック" panose="020B0509000000000000" pitchFamily="49" charset="-128"/>
+                <a:ea typeface="Takaoゴシック" panose="020B0509000000000000" pitchFamily="49" charset="-128"/>
+              </a:rPr>
+              <a:t>␣xvf</a:t>
+            </a:r>
+            <a:r>
+              <a:rPr lang="ja-JP" altLang="en-US" dirty="0">
+                <a:latin typeface="Takaoゴシック" panose="020B0509000000000000" pitchFamily="49" charset="-128"/>
+                <a:ea typeface="Takaoゴシック" panose="020B0509000000000000" pitchFamily="49" charset="-128"/>
+              </a:rPr>
+              <a:t>コマンドで展開する</a:t>
+            </a:r>
+            <a:endParaRPr lang="ja-JP" altLang="en-US" dirty="0"/>
+          </a:p>
+        </p:txBody>
+      </p:sp>
+    </p:spTree>
+    <p:extLst>
+      <p:ext uri="{BB962C8B-B14F-4D97-AF65-F5344CB8AC3E}">
+        <p14:creationId xmlns:p14="http://schemas.microsoft.com/office/powerpoint/2010/main" val="703072944"/>
+      </p:ext>
+    </p:extLst>
+  </p:cSld>
+  <p:clrMapOvr>
+    <a:masterClrMapping/>
+  </p:clrMapOvr>
+</p:sld>
+</file>
+
+<file path=ppt/slides/slide18.xml><?xml version="1.0" encoding="utf-8"?>
+<p:sld xmlns:a="http://schemas.openxmlformats.org/drawingml/2006/main" xmlns:r="http://schemas.openxmlformats.org/officeDocument/2006/relationships" xmlns:p="http://schemas.openxmlformats.org/presentationml/2006/main">
+  <p:cSld>
+    <p:spTree>
+      <p:nvGrpSpPr>
+        <p:cNvPr id="1" name=""/>
+        <p:cNvGrpSpPr/>
+        <p:nvPr/>
+      </p:nvGrpSpPr>
+      <p:grpSpPr>
+        <a:xfrm>
+          <a:off x="0" y="0"/>
+          <a:ext cx="0" cy="0"/>
+          <a:chOff x="0" y="0"/>
+          <a:chExt cx="0" cy="0"/>
+        </a:xfrm>
+      </p:grpSpPr>
+      <p:sp>
+        <p:nvSpPr>
+          <p:cNvPr id="2" name="タイトル 1">
+            <a:extLst>
+              <a:ext uri="{FF2B5EF4-FFF2-40B4-BE49-F238E27FC236}">
+                <a16:creationId xmlns:a16="http://schemas.microsoft.com/office/drawing/2014/main" id="{A3CA44FB-64E1-44F3-9DA9-ACF94A1E277A}"/>
+              </a:ext>
+            </a:extLst>
+          </p:cNvPr>
+          <p:cNvSpPr>
+            <a:spLocks noGrp="1"/>
+          </p:cNvSpPr>
+          <p:nvPr>
+            <p:ph type="title"/>
+          </p:nvPr>
+        </p:nvSpPr>
+        <p:spPr/>
+        <p:txBody>
+          <a:bodyPr/>
+          <a:lstStyle/>
+          <a:p>
+            <a:r>
+              <a:rPr kumimoji="1" lang="en-US" altLang="ja-JP" dirty="0">
+                <a:latin typeface="Takaoゴシック" panose="020B0509000000000000" pitchFamily="49" charset="-128"/>
+                <a:ea typeface="Takaoゴシック" panose="020B0509000000000000" pitchFamily="49" charset="-128"/>
+              </a:rPr>
+              <a:t>03-2-2.bzip2</a:t>
+            </a:r>
+            <a:endParaRPr kumimoji="1" lang="ja-JP" altLang="en-US" dirty="0">
+              <a:latin typeface="Takaoゴシック" panose="020B0509000000000000" pitchFamily="49" charset="-128"/>
+              <a:ea typeface="Takaoゴシック" panose="020B0509000000000000" pitchFamily="49" charset="-128"/>
+            </a:endParaRPr>
+          </a:p>
+        </p:txBody>
+      </p:sp>
+      <p:sp>
+        <p:nvSpPr>
+          <p:cNvPr id="6" name="コンテンツ プレースホルダー 5">
+            <a:extLst>
+              <a:ext uri="{FF2B5EF4-FFF2-40B4-BE49-F238E27FC236}">
+                <a16:creationId xmlns:a16="http://schemas.microsoft.com/office/drawing/2014/main" id="{A3EFDC4E-CC38-41B7-B39C-2655BB1CD68E}"/>
+              </a:ext>
+            </a:extLst>
+          </p:cNvPr>
+          <p:cNvSpPr>
+            <a:spLocks noGrp="1"/>
+          </p:cNvSpPr>
+          <p:nvPr>
+            <p:ph idx="1"/>
+          </p:nvPr>
+        </p:nvSpPr>
+        <p:spPr>
+          <a:xfrm>
+            <a:off x="609600" y="1944210"/>
+            <a:ext cx="10972800" cy="4660776"/>
+          </a:xfrm>
+        </p:spPr>
+        <p:txBody>
+          <a:bodyPr/>
+          <a:lstStyle/>
+          <a:p>
+            <a:r>
+              <a:rPr lang="ja-JP" altLang="en-US" dirty="0"/>
+              <a:t>移動後、</a:t>
+            </a:r>
+            <a:r>
+              <a:rPr lang="en-US" altLang="ja-JP" dirty="0"/>
+              <a:t>2</a:t>
+            </a:r>
+            <a:r>
+              <a:rPr lang="ja-JP" altLang="en-US" dirty="0" err="1"/>
+              <a:t>つの</a:t>
+            </a:r>
+            <a:r>
+              <a:rPr lang="ja-JP" altLang="en-US" dirty="0"/>
+              <a:t>ファイル内容をクロスコンパイル用に編集</a:t>
+            </a:r>
+          </a:p>
+          <a:p>
+            <a:pPr lvl="1"/>
+            <a:r>
+              <a:rPr lang="en-US" altLang="ja-JP" dirty="0"/>
+              <a:t>bzip2.c</a:t>
+            </a:r>
+          </a:p>
+          <a:p>
+            <a:pPr lvl="2"/>
+            <a:r>
+              <a:rPr lang="en-US" altLang="ja-JP" dirty="0"/>
+              <a:t>sys\</a:t>
+            </a:r>
+            <a:r>
+              <a:rPr lang="en-US" altLang="ja-JP" dirty="0" err="1"/>
+              <a:t>stat.h</a:t>
+            </a:r>
+            <a:r>
+              <a:rPr lang="ja-JP" altLang="en-US" dirty="0"/>
+              <a:t>の逆スラッシュ （フォントにより円マーク ” </a:t>
+            </a:r>
+            <a:r>
+              <a:rPr lang="en-US" altLang="ja-JP" dirty="0"/>
+              <a:t>\ ” </a:t>
+            </a:r>
+            <a:r>
+              <a:rPr lang="ja-JP" altLang="en-US" dirty="0"/>
+              <a:t>になっている）を</a:t>
+            </a:r>
+            <a:br>
+              <a:rPr lang="en-US" altLang="ja-JP" dirty="0"/>
+            </a:br>
+            <a:r>
+              <a:rPr lang="ja-JP" altLang="en-US" dirty="0"/>
+              <a:t>スラッシュ “ </a:t>
+            </a:r>
+            <a:r>
+              <a:rPr lang="en-US" altLang="ja-JP" dirty="0"/>
+              <a:t>/ ” </a:t>
+            </a:r>
+            <a:r>
+              <a:rPr lang="ja-JP" altLang="en-US" dirty="0"/>
+              <a:t>へ</a:t>
+            </a:r>
+          </a:p>
+          <a:p>
+            <a:pPr lvl="1"/>
+            <a:r>
+              <a:rPr lang="en-US" altLang="ja-JP" dirty="0" err="1"/>
+              <a:t>Makefile</a:t>
+            </a:r>
+            <a:endParaRPr lang="en-US" altLang="ja-JP" dirty="0"/>
+          </a:p>
+          <a:p>
+            <a:pPr lvl="2"/>
+            <a:r>
+              <a:rPr lang="ja-JP" altLang="en-US" dirty="0"/>
+              <a:t>変数設定を</a:t>
+            </a:r>
+            <a:r>
+              <a:rPr lang="en-US" altLang="ja-JP" dirty="0" err="1"/>
+              <a:t>Mingw</a:t>
+            </a:r>
+            <a:r>
+              <a:rPr lang="ja-JP" altLang="en-US" dirty="0"/>
+              <a:t>系に変更する</a:t>
+            </a:r>
+            <a:endParaRPr lang="en-US" altLang="ja-JP" dirty="0"/>
+          </a:p>
+          <a:p>
+            <a:pPr lvl="3"/>
+            <a:r>
+              <a:rPr lang="en-US" altLang="ja-JP" dirty="0"/>
+              <a:t>CC</a:t>
+            </a:r>
+            <a:r>
+              <a:rPr lang="ja-JP" altLang="en-US" dirty="0" err="1"/>
+              <a:t>、</a:t>
+            </a:r>
+            <a:r>
+              <a:rPr lang="en-US" altLang="ja-JP" dirty="0"/>
+              <a:t>AR</a:t>
+            </a:r>
+            <a:r>
+              <a:rPr lang="ja-JP" altLang="en-US" dirty="0" err="1"/>
+              <a:t>、</a:t>
+            </a:r>
+            <a:r>
+              <a:rPr lang="en-US" altLang="ja-JP" dirty="0"/>
+              <a:t>RANLIB</a:t>
+            </a:r>
+            <a:r>
+              <a:rPr lang="ja-JP" altLang="en-US" dirty="0" err="1"/>
+              <a:t>、</a:t>
+            </a:r>
+            <a:r>
+              <a:rPr lang="en-US" altLang="ja-JP" dirty="0"/>
+              <a:t>PREFIX</a:t>
+            </a:r>
+            <a:r>
+              <a:rPr lang="ja-JP" altLang="en-US" dirty="0"/>
+              <a:t>のディレクトリを</a:t>
+            </a:r>
+            <a:r>
+              <a:rPr lang="en-US" altLang="ja-JP" dirty="0" err="1"/>
+              <a:t>Mingw</a:t>
+            </a:r>
+            <a:r>
+              <a:rPr lang="ja-JP" altLang="en-US" dirty="0"/>
+              <a:t>系に書き換える</a:t>
+            </a:r>
+            <a:endParaRPr lang="en-US" altLang="ja-JP" dirty="0"/>
+          </a:p>
+          <a:p>
+            <a:r>
+              <a:rPr lang="en-US" altLang="ja-JP" dirty="0"/>
+              <a:t>libbz2.a</a:t>
+            </a:r>
+            <a:r>
+              <a:rPr lang="ja-JP" altLang="en-US" dirty="0"/>
+              <a:t>ファイルを</a:t>
+            </a:r>
+            <a:r>
+              <a:rPr lang="en-US" altLang="ja-JP" dirty="0"/>
+              <a:t>make</a:t>
+            </a:r>
+            <a:r>
+              <a:rPr lang="ja-JP" altLang="en-US" dirty="0"/>
+              <a:t>で作成し、</a:t>
+            </a:r>
+            <a:r>
+              <a:rPr lang="en-US" altLang="ja-JP" dirty="0" err="1"/>
+              <a:t>Mingw</a:t>
+            </a:r>
+            <a:r>
+              <a:rPr lang="ja-JP" altLang="en-US" dirty="0"/>
+              <a:t>の</a:t>
+            </a:r>
+            <a:r>
+              <a:rPr lang="en-US" altLang="ja-JP" dirty="0"/>
+              <a:t>include</a:t>
+            </a:r>
+            <a:r>
+              <a:rPr lang="ja-JP" altLang="en-US" dirty="0"/>
+              <a:t>フォルダ、</a:t>
+            </a:r>
+            <a:r>
+              <a:rPr lang="en-US" altLang="ja-JP" dirty="0"/>
+              <a:t>lib</a:t>
+            </a:r>
+            <a:r>
+              <a:rPr lang="ja-JP" altLang="en-US"/>
+              <a:t>フォルダにインストールする</a:t>
+            </a:r>
+            <a:endParaRPr lang="ja-JP" altLang="en-US" dirty="0"/>
+          </a:p>
+        </p:txBody>
+      </p:sp>
+    </p:spTree>
+    <p:extLst>
+      <p:ext uri="{BB962C8B-B14F-4D97-AF65-F5344CB8AC3E}">
+        <p14:creationId xmlns:p14="http://schemas.microsoft.com/office/powerpoint/2010/main" val="1414417686"/>
       </p:ext>
     </p:extLst>
   </p:cSld>

--- a/RE_SIMU_ON_WSL.pptx
+++ b/RE_SIMU_ON_WSL.pptx
@@ -23,6 +23,8 @@
     <p:sldId id="273" r:id="rId17"/>
     <p:sldId id="275" r:id="rId18"/>
     <p:sldId id="274" r:id="rId19"/>
+    <p:sldId id="276" r:id="rId20"/>
+    <p:sldId id="277" r:id="rId21"/>
   </p:sldIdLst>
   <p:sldSz cx="12192000" cy="6858000"/>
   <p:notesSz cx="6858000" cy="9144000"/>
@@ -11509,6 +11511,206 @@
 </p:sld>
 </file>
 
+<file path=ppt/slides/slide19.xml><?xml version="1.0" encoding="utf-8"?>
+<p:sld xmlns:a="http://schemas.openxmlformats.org/drawingml/2006/main" xmlns:r="http://schemas.openxmlformats.org/officeDocument/2006/relationships" xmlns:p="http://schemas.openxmlformats.org/presentationml/2006/main">
+  <p:cSld>
+    <p:spTree>
+      <p:nvGrpSpPr>
+        <p:cNvPr id="1" name=""/>
+        <p:cNvGrpSpPr/>
+        <p:nvPr/>
+      </p:nvGrpSpPr>
+      <p:grpSpPr>
+        <a:xfrm>
+          <a:off x="0" y="0"/>
+          <a:ext cx="0" cy="0"/>
+          <a:chOff x="0" y="0"/>
+          <a:chExt cx="0" cy="0"/>
+        </a:xfrm>
+      </p:grpSpPr>
+      <p:sp>
+        <p:nvSpPr>
+          <p:cNvPr id="2" name="タイトル 1">
+            <a:extLst>
+              <a:ext uri="{FF2B5EF4-FFF2-40B4-BE49-F238E27FC236}">
+                <a16:creationId xmlns:a16="http://schemas.microsoft.com/office/drawing/2014/main" id="{A3CA44FB-64E1-44F3-9DA9-ACF94A1E277A}"/>
+              </a:ext>
+            </a:extLst>
+          </p:cNvPr>
+          <p:cNvSpPr>
+            <a:spLocks noGrp="1"/>
+          </p:cNvSpPr>
+          <p:nvPr>
+            <p:ph type="title"/>
+          </p:nvPr>
+        </p:nvSpPr>
+        <p:spPr/>
+        <p:txBody>
+          <a:bodyPr/>
+          <a:lstStyle/>
+          <a:p>
+            <a:r>
+              <a:rPr kumimoji="1" lang="en-US" altLang="ja-JP" dirty="0">
+                <a:latin typeface="Takaoゴシック" panose="020B0509000000000000" pitchFamily="49" charset="-128"/>
+                <a:ea typeface="Takaoゴシック" panose="020B0509000000000000" pitchFamily="49" charset="-128"/>
+              </a:rPr>
+              <a:t>04.</a:t>
+            </a:r>
+            <a:r>
+              <a:rPr kumimoji="1" lang="ja-JP" altLang="en-US" dirty="0">
+                <a:latin typeface="Takaoゴシック" panose="020B0509000000000000" pitchFamily="49" charset="-128"/>
+                <a:ea typeface="Takaoゴシック" panose="020B0509000000000000" pitchFamily="49" charset="-128"/>
+              </a:rPr>
+              <a:t>おわりに</a:t>
+            </a:r>
+          </a:p>
+        </p:txBody>
+      </p:sp>
+      <p:sp>
+        <p:nvSpPr>
+          <p:cNvPr id="6" name="コンテンツ プレースホルダー 5">
+            <a:extLst>
+              <a:ext uri="{FF2B5EF4-FFF2-40B4-BE49-F238E27FC236}">
+                <a16:creationId xmlns:a16="http://schemas.microsoft.com/office/drawing/2014/main" id="{A3EFDC4E-CC38-41B7-B39C-2655BB1CD68E}"/>
+              </a:ext>
+            </a:extLst>
+          </p:cNvPr>
+          <p:cNvSpPr>
+            <a:spLocks noGrp="1"/>
+          </p:cNvSpPr>
+          <p:nvPr>
+            <p:ph idx="1"/>
+          </p:nvPr>
+        </p:nvSpPr>
+        <p:spPr>
+          <a:xfrm>
+            <a:off x="609600" y="1944210"/>
+            <a:ext cx="10972800" cy="4660776"/>
+          </a:xfrm>
+        </p:spPr>
+        <p:txBody>
+          <a:bodyPr/>
+          <a:lstStyle/>
+          <a:p>
+            <a:r>
+              <a:rPr lang="ja-JP" altLang="en-US" dirty="0"/>
+              <a:t>これで環境整備終了！お疲れ様でした</a:t>
+            </a:r>
+            <a:r>
+              <a:rPr lang="en-US" altLang="ja-JP" dirty="0"/>
+              <a:t>&gt;&lt;</a:t>
+            </a:r>
+          </a:p>
+          <a:p>
+            <a:pPr lvl="1"/>
+            <a:r>
+              <a:rPr lang="ja-JP" altLang="en-US" dirty="0"/>
+              <a:t>コンパイル自体の手順は各所で公表されているためそちら参照</a:t>
+            </a:r>
+            <a:endParaRPr lang="en-US" altLang="ja-JP" dirty="0"/>
+          </a:p>
+          <a:p>
+            <a:endParaRPr lang="en-US" altLang="ja-JP" dirty="0"/>
+          </a:p>
+          <a:p>
+            <a:r>
+              <a:rPr lang="en-US" altLang="ja-JP" dirty="0"/>
+              <a:t>WSL</a:t>
+            </a:r>
+            <a:r>
+              <a:rPr lang="ja-JP" altLang="en-US" dirty="0"/>
+              <a:t>は</a:t>
+            </a:r>
+            <a:r>
+              <a:rPr lang="en-US" altLang="ja-JP" dirty="0"/>
+              <a:t>Windows</a:t>
+            </a:r>
+            <a:r>
+              <a:rPr lang="ja-JP" altLang="en-US" dirty="0"/>
+              <a:t>のアプリで</a:t>
+            </a:r>
+            <a:r>
+              <a:rPr lang="ja-JP" altLang="en-US" b="1" u="sng" dirty="0"/>
+              <a:t>導入敷居は高くない</a:t>
+            </a:r>
+            <a:endParaRPr lang="en-US" altLang="ja-JP" b="1" u="sng" dirty="0"/>
+          </a:p>
+          <a:p>
+            <a:pPr lvl="1"/>
+            <a:r>
+              <a:rPr lang="en-US" altLang="ja-JP" dirty="0"/>
+              <a:t>Beta</a:t>
+            </a:r>
+            <a:r>
+              <a:rPr lang="ja-JP" altLang="en-US" dirty="0"/>
+              <a:t>版のような導入のためにコマンド打つ必要も無い</a:t>
+            </a:r>
+            <a:endParaRPr lang="en-US" altLang="ja-JP" dirty="0"/>
+          </a:p>
+          <a:p>
+            <a:r>
+              <a:rPr lang="en-US" altLang="ja-JP" dirty="0"/>
+              <a:t>Simutrans</a:t>
+            </a:r>
+            <a:r>
+              <a:rPr lang="ja-JP" altLang="en-US" b="1" u="sng" dirty="0"/>
+              <a:t>ソースコード編集は</a:t>
+            </a:r>
+            <a:r>
+              <a:rPr lang="en-US" altLang="ja-JP" b="1" u="sng" dirty="0"/>
+              <a:t>Windows</a:t>
+            </a:r>
+            <a:r>
+              <a:rPr lang="ja-JP" altLang="en-US" b="1" u="sng" dirty="0"/>
+              <a:t>側で</a:t>
+            </a:r>
+            <a:r>
+              <a:rPr lang="en-US" altLang="ja-JP" b="1" u="sng" dirty="0"/>
+              <a:t>OK</a:t>
+            </a:r>
+          </a:p>
+          <a:p>
+            <a:pPr lvl="1"/>
+            <a:r>
+              <a:rPr lang="en-US" altLang="ja-JP" dirty="0" err="1"/>
+              <a:t>nano</a:t>
+            </a:r>
+            <a:r>
+              <a:rPr lang="ja-JP" altLang="en-US" dirty="0" err="1"/>
+              <a:t>、</a:t>
+            </a:r>
+            <a:r>
+              <a:rPr lang="en-US" altLang="ja-JP" dirty="0"/>
+              <a:t>Vim</a:t>
+            </a:r>
+            <a:r>
+              <a:rPr lang="ja-JP" altLang="en-US" dirty="0" err="1"/>
+              <a:t>、</a:t>
+            </a:r>
+            <a:r>
+              <a:rPr lang="en-US" altLang="ja-JP" dirty="0"/>
+              <a:t>Emacs</a:t>
+            </a:r>
+            <a:r>
+              <a:rPr lang="ja-JP" altLang="en-US" dirty="0"/>
+              <a:t>等に限らず使い慣れたエディタを使い続けれられる</a:t>
+            </a:r>
+          </a:p>
+        </p:txBody>
+      </p:sp>
+    </p:spTree>
+    <p:extLst>
+      <p:ext uri="{BB962C8B-B14F-4D97-AF65-F5344CB8AC3E}">
+        <p14:creationId xmlns:p14="http://schemas.microsoft.com/office/powerpoint/2010/main" val="2401721469"/>
+      </p:ext>
+    </p:extLst>
+  </p:cSld>
+  <p:clrMapOvr>
+    <a:masterClrMapping/>
+  </p:clrMapOvr>
+</p:sld>
+</file>
+
 <file path=ppt/slides/slide2.xml><?xml version="1.0" encoding="utf-8"?>
 <p:sld xmlns:a="http://schemas.openxmlformats.org/drawingml/2006/main" xmlns:r="http://schemas.openxmlformats.org/officeDocument/2006/relationships" xmlns:p="http://schemas.openxmlformats.org/presentationml/2006/main">
   <p:cSld>
@@ -12054,6 +12256,243 @@
       <p:bldP spid="3" grpId="0" uiExpand="1" build="p"/>
     </p:bldLst>
   </p:timing>
+</p:sld>
+</file>
+
+<file path=ppt/slides/slide20.xml><?xml version="1.0" encoding="utf-8"?>
+<p:sld xmlns:a="http://schemas.openxmlformats.org/drawingml/2006/main" xmlns:r="http://schemas.openxmlformats.org/officeDocument/2006/relationships" xmlns:p="http://schemas.openxmlformats.org/presentationml/2006/main">
+  <p:cSld>
+    <p:spTree>
+      <p:nvGrpSpPr>
+        <p:cNvPr id="1" name=""/>
+        <p:cNvGrpSpPr/>
+        <p:nvPr/>
+      </p:nvGrpSpPr>
+      <p:grpSpPr>
+        <a:xfrm>
+          <a:off x="0" y="0"/>
+          <a:ext cx="0" cy="0"/>
+          <a:chOff x="0" y="0"/>
+          <a:chExt cx="0" cy="0"/>
+        </a:xfrm>
+      </p:grpSpPr>
+      <p:sp>
+        <p:nvSpPr>
+          <p:cNvPr id="2" name="タイトル 1">
+            <a:extLst>
+              <a:ext uri="{FF2B5EF4-FFF2-40B4-BE49-F238E27FC236}">
+                <a16:creationId xmlns:a16="http://schemas.microsoft.com/office/drawing/2014/main" id="{A3CA44FB-64E1-44F3-9DA9-ACF94A1E277A}"/>
+              </a:ext>
+            </a:extLst>
+          </p:cNvPr>
+          <p:cNvSpPr>
+            <a:spLocks noGrp="1"/>
+          </p:cNvSpPr>
+          <p:nvPr>
+            <p:ph type="title"/>
+          </p:nvPr>
+        </p:nvSpPr>
+        <p:spPr/>
+        <p:txBody>
+          <a:bodyPr/>
+          <a:lstStyle/>
+          <a:p>
+            <a:r>
+              <a:rPr kumimoji="1" lang="en-US" altLang="ja-JP" dirty="0">
+                <a:latin typeface="Takaoゴシック" panose="020B0509000000000000" pitchFamily="49" charset="-128"/>
+                <a:ea typeface="Takaoゴシック" panose="020B0509000000000000" pitchFamily="49" charset="-128"/>
+              </a:rPr>
+              <a:t>04.</a:t>
+            </a:r>
+            <a:r>
+              <a:rPr kumimoji="1" lang="ja-JP" altLang="en-US" dirty="0">
+                <a:latin typeface="Takaoゴシック" panose="020B0509000000000000" pitchFamily="49" charset="-128"/>
+                <a:ea typeface="Takaoゴシック" panose="020B0509000000000000" pitchFamily="49" charset="-128"/>
+              </a:rPr>
+              <a:t>おわりに</a:t>
+            </a:r>
+          </a:p>
+        </p:txBody>
+      </p:sp>
+      <p:sp>
+        <p:nvSpPr>
+          <p:cNvPr id="6" name="コンテンツ プレースホルダー 5">
+            <a:extLst>
+              <a:ext uri="{FF2B5EF4-FFF2-40B4-BE49-F238E27FC236}">
+                <a16:creationId xmlns:a16="http://schemas.microsoft.com/office/drawing/2014/main" id="{A3EFDC4E-CC38-41B7-B39C-2655BB1CD68E}"/>
+              </a:ext>
+            </a:extLst>
+          </p:cNvPr>
+          <p:cNvSpPr>
+            <a:spLocks noGrp="1"/>
+          </p:cNvSpPr>
+          <p:nvPr>
+            <p:ph idx="1"/>
+          </p:nvPr>
+        </p:nvSpPr>
+        <p:spPr>
+          <a:xfrm>
+            <a:off x="609600" y="1944210"/>
+            <a:ext cx="10972800" cy="4660776"/>
+          </a:xfrm>
+        </p:spPr>
+        <p:txBody>
+          <a:bodyPr/>
+          <a:lstStyle/>
+          <a:p>
+            <a:r>
+              <a:rPr lang="ja-JP" altLang="en-US" dirty="0"/>
+              <a:t>本体弄って「</a:t>
+            </a:r>
+            <a:r>
+              <a:rPr lang="ja-JP" altLang="en-US" b="1" dirty="0">
+                <a:solidFill>
+                  <a:schemeClr val="accent5">
+                    <a:lumMod val="50000"/>
+                  </a:schemeClr>
+                </a:solidFill>
+                <a:effectLst>
+                  <a:outerShdw blurRad="38100" dist="38100" dir="2700000" algn="tl">
+                    <a:srgbClr val="000000">
+                      <a:alpha val="43137"/>
+                    </a:srgbClr>
+                  </a:outerShdw>
+                </a:effectLst>
+              </a:rPr>
+              <a:t>自分の考えた最強の</a:t>
+            </a:r>
+            <a:r>
+              <a:rPr lang="en-US" altLang="ja-JP" b="1" dirty="0">
+                <a:solidFill>
+                  <a:schemeClr val="accent5">
+                    <a:lumMod val="50000"/>
+                  </a:schemeClr>
+                </a:solidFill>
+                <a:effectLst>
+                  <a:outerShdw blurRad="38100" dist="38100" dir="2700000" algn="tl">
+                    <a:srgbClr val="000000">
+                      <a:alpha val="43137"/>
+                    </a:srgbClr>
+                  </a:outerShdw>
+                </a:effectLst>
+              </a:rPr>
+              <a:t>Simutrans</a:t>
+            </a:r>
+            <a:r>
+              <a:rPr lang="ja-JP" altLang="en-US" dirty="0"/>
+              <a:t>」も出来る</a:t>
+            </a:r>
+            <a:endParaRPr lang="en-US" altLang="ja-JP" dirty="0"/>
+          </a:p>
+          <a:p>
+            <a:pPr lvl="1"/>
+            <a:r>
+              <a:rPr lang="en-US" altLang="ja-JP" dirty="0" err="1"/>
+              <a:t>pak</a:t>
+            </a:r>
+            <a:r>
+              <a:rPr lang="ja-JP" altLang="en-US" dirty="0"/>
+              <a:t>作成やシェルスクリプトでの自動</a:t>
+            </a:r>
+            <a:r>
+              <a:rPr lang="en-US" altLang="ja-JP" dirty="0" err="1"/>
+              <a:t>pak</a:t>
+            </a:r>
+            <a:r>
+              <a:rPr lang="ja-JP" altLang="en-US" dirty="0"/>
+              <a:t>化等も可能かも</a:t>
+            </a:r>
+            <a:endParaRPr lang="en-US" altLang="ja-JP" dirty="0"/>
+          </a:p>
+          <a:p>
+            <a:pPr lvl="2"/>
+            <a:r>
+              <a:rPr lang="en-US" altLang="ja-JP" dirty="0"/>
+              <a:t>Windows</a:t>
+            </a:r>
+            <a:r>
+              <a:rPr lang="ja-JP" altLang="en-US" dirty="0"/>
+              <a:t>側ファイルを問題無く編集・作成できる（</a:t>
+            </a:r>
+            <a:r>
+              <a:rPr lang="en-US" altLang="ja-JP" dirty="0"/>
+              <a:t>NTFS</a:t>
+            </a:r>
+            <a:r>
+              <a:rPr lang="ja-JP" altLang="en-US" dirty="0"/>
+              <a:t>フォーマットでも）</a:t>
+            </a:r>
+            <a:endParaRPr lang="en-US" altLang="ja-JP" dirty="0"/>
+          </a:p>
+          <a:p>
+            <a:r>
+              <a:rPr lang="en-US" altLang="ja-JP" dirty="0"/>
+              <a:t>Ubuntu</a:t>
+            </a:r>
+            <a:r>
+              <a:rPr lang="ja-JP" altLang="en-US" dirty="0"/>
+              <a:t>や</a:t>
+            </a:r>
+            <a:r>
+              <a:rPr lang="en-US" altLang="ja-JP" dirty="0"/>
+              <a:t>openSUSE</a:t>
+            </a:r>
+            <a:r>
+              <a:rPr lang="ja-JP" altLang="en-US" dirty="0" err="1"/>
+              <a:t>、</a:t>
+            </a:r>
+            <a:r>
+              <a:rPr lang="en-US" altLang="ja-JP" dirty="0"/>
+              <a:t>Debian</a:t>
+            </a:r>
+            <a:r>
+              <a:rPr lang="ja-JP" altLang="en-US" dirty="0"/>
+              <a:t>のコマンドそのまま</a:t>
+            </a:r>
+            <a:endParaRPr lang="en-US" altLang="ja-JP" dirty="0"/>
+          </a:p>
+          <a:p>
+            <a:pPr lvl="1"/>
+            <a:r>
+              <a:rPr lang="en-US" altLang="ja-JP" dirty="0"/>
+              <a:t>Linux</a:t>
+            </a:r>
+            <a:r>
+              <a:rPr lang="ja-JP" altLang="en-US" dirty="0"/>
+              <a:t>の</a:t>
+            </a:r>
+            <a:r>
+              <a:rPr lang="en-US" altLang="ja-JP" dirty="0"/>
+              <a:t>Tips</a:t>
+            </a:r>
+            <a:r>
+              <a:rPr lang="ja-JP" altLang="en-US" dirty="0"/>
+              <a:t>をそのまま参考に出来るため、取り組みやすい</a:t>
+            </a:r>
+            <a:endParaRPr lang="en-US" altLang="ja-JP" dirty="0"/>
+          </a:p>
+          <a:p>
+            <a:endParaRPr lang="en-US" altLang="ja-JP" dirty="0"/>
+          </a:p>
+          <a:p>
+            <a:r>
+              <a:rPr lang="ja-JP" altLang="en-US"/>
+              <a:t>お手元に開発環境用意してみませんか？</a:t>
+            </a:r>
+            <a:endParaRPr lang="ja-JP" altLang="en-US" dirty="0"/>
+          </a:p>
+        </p:txBody>
+      </p:sp>
+    </p:spTree>
+    <p:extLst>
+      <p:ext uri="{BB962C8B-B14F-4D97-AF65-F5344CB8AC3E}">
+        <p14:creationId xmlns:p14="http://schemas.microsoft.com/office/powerpoint/2010/main" val="1851434903"/>
+      </p:ext>
+    </p:extLst>
+  </p:cSld>
+  <p:clrMapOvr>
+    <a:masterClrMapping/>
+  </p:clrMapOvr>
 </p:sld>
 </file>
 

--- a/RE_SIMU_ON_WSL.pptx
+++ b/RE_SIMU_ON_WSL.pptx
@@ -3,28 +3,32 @@
 <p:presentation xmlns:a="http://schemas.openxmlformats.org/drawingml/2006/main" xmlns:r="http://schemas.openxmlformats.org/officeDocument/2006/relationships" xmlns:p="http://schemas.openxmlformats.org/presentationml/2006/main" saveSubsetFonts="1">
   <p:sldMasterIdLst>
     <p:sldMasterId id="2147483696" r:id="rId1"/>
+    <p:sldMasterId id="2147483708" r:id="rId2"/>
   </p:sldMasterIdLst>
+  <p:notesMasterIdLst>
+    <p:notesMasterId r:id="rId23"/>
+  </p:notesMasterIdLst>
   <p:sldIdLst>
-    <p:sldId id="256" r:id="rId2"/>
-    <p:sldId id="257" r:id="rId3"/>
-    <p:sldId id="258" r:id="rId4"/>
-    <p:sldId id="260" r:id="rId5"/>
-    <p:sldId id="261" r:id="rId6"/>
-    <p:sldId id="262" r:id="rId7"/>
-    <p:sldId id="263" r:id="rId8"/>
-    <p:sldId id="264" r:id="rId9"/>
-    <p:sldId id="265" r:id="rId10"/>
-    <p:sldId id="266" r:id="rId11"/>
-    <p:sldId id="267" r:id="rId12"/>
-    <p:sldId id="268" r:id="rId13"/>
-    <p:sldId id="269" r:id="rId14"/>
-    <p:sldId id="270" r:id="rId15"/>
-    <p:sldId id="272" r:id="rId16"/>
-    <p:sldId id="273" r:id="rId17"/>
-    <p:sldId id="275" r:id="rId18"/>
-    <p:sldId id="274" r:id="rId19"/>
-    <p:sldId id="276" r:id="rId20"/>
-    <p:sldId id="277" r:id="rId21"/>
+    <p:sldId id="256" r:id="rId3"/>
+    <p:sldId id="257" r:id="rId4"/>
+    <p:sldId id="258" r:id="rId5"/>
+    <p:sldId id="260" r:id="rId6"/>
+    <p:sldId id="261" r:id="rId7"/>
+    <p:sldId id="262" r:id="rId8"/>
+    <p:sldId id="263" r:id="rId9"/>
+    <p:sldId id="264" r:id="rId10"/>
+    <p:sldId id="265" r:id="rId11"/>
+    <p:sldId id="266" r:id="rId12"/>
+    <p:sldId id="267" r:id="rId13"/>
+    <p:sldId id="268" r:id="rId14"/>
+    <p:sldId id="269" r:id="rId15"/>
+    <p:sldId id="270" r:id="rId16"/>
+    <p:sldId id="272" r:id="rId17"/>
+    <p:sldId id="273" r:id="rId18"/>
+    <p:sldId id="275" r:id="rId19"/>
+    <p:sldId id="274" r:id="rId20"/>
+    <p:sldId id="276" r:id="rId21"/>
+    <p:sldId id="277" r:id="rId22"/>
   </p:sldIdLst>
   <p:sldSz cx="12192000" cy="6858000"/>
   <p:notesSz cx="6858000" cy="9144000"/>
@@ -225,6 +229,798 @@
     </pc:docChg>
   </pc:docChgLst>
 </pc:chgInfo>
+</file>
+
+<file path=ppt/notesMasters/notesMaster1.xml><?xml version="1.0" encoding="utf-8"?>
+<p:notesMaster xmlns:a="http://schemas.openxmlformats.org/drawingml/2006/main" xmlns:r="http://schemas.openxmlformats.org/officeDocument/2006/relationships" xmlns:p="http://schemas.openxmlformats.org/presentationml/2006/main">
+  <p:cSld>
+    <p:bg>
+      <p:bgRef idx="1001">
+        <a:schemeClr val="bg1"/>
+      </p:bgRef>
+    </p:bg>
+    <p:spTree>
+      <p:nvGrpSpPr>
+        <p:cNvPr id="1" name=""/>
+        <p:cNvGrpSpPr/>
+        <p:nvPr/>
+      </p:nvGrpSpPr>
+      <p:grpSpPr>
+        <a:xfrm>
+          <a:off x="0" y="0"/>
+          <a:ext cx="0" cy="0"/>
+          <a:chOff x="0" y="0"/>
+          <a:chExt cx="0" cy="0"/>
+        </a:xfrm>
+      </p:grpSpPr>
+      <p:sp>
+        <p:nvSpPr>
+          <p:cNvPr id="2" name="ヘッダー プレースホルダー 1"/>
+          <p:cNvSpPr>
+            <a:spLocks noGrp="1"/>
+          </p:cNvSpPr>
+          <p:nvPr>
+            <p:ph type="hdr" sz="quarter"/>
+          </p:nvPr>
+        </p:nvSpPr>
+        <p:spPr>
+          <a:xfrm>
+            <a:off x="0" y="0"/>
+            <a:ext cx="2971800" cy="458788"/>
+          </a:xfrm>
+          <a:prstGeom prst="rect">
+            <a:avLst/>
+          </a:prstGeom>
+        </p:spPr>
+        <p:txBody>
+          <a:bodyPr vert="horz" lIns="91440" tIns="45720" rIns="91440" bIns="45720" rtlCol="0"/>
+          <a:lstStyle>
+            <a:lvl1pPr algn="l">
+              <a:defRPr sz="1200"/>
+            </a:lvl1pPr>
+          </a:lstStyle>
+          <a:p>
+            <a:endParaRPr kumimoji="1" lang="ja-JP" altLang="en-US"/>
+          </a:p>
+        </p:txBody>
+      </p:sp>
+      <p:sp>
+        <p:nvSpPr>
+          <p:cNvPr id="3" name="日付プレースホルダー 2"/>
+          <p:cNvSpPr>
+            <a:spLocks noGrp="1"/>
+          </p:cNvSpPr>
+          <p:nvPr>
+            <p:ph type="dt" idx="1"/>
+          </p:nvPr>
+        </p:nvSpPr>
+        <p:spPr>
+          <a:xfrm>
+            <a:off x="3884613" y="0"/>
+            <a:ext cx="2971800" cy="458788"/>
+          </a:xfrm>
+          <a:prstGeom prst="rect">
+            <a:avLst/>
+          </a:prstGeom>
+        </p:spPr>
+        <p:txBody>
+          <a:bodyPr vert="horz" lIns="91440" tIns="45720" rIns="91440" bIns="45720" rtlCol="0"/>
+          <a:lstStyle>
+            <a:lvl1pPr algn="r">
+              <a:defRPr sz="1200"/>
+            </a:lvl1pPr>
+          </a:lstStyle>
+          <a:p>
+            <a:fld id="{7D37F7A6-00EA-477C-BD0D-F6E7C2E86336}" type="datetimeFigureOut">
+              <a:rPr kumimoji="1" lang="ja-JP" altLang="en-US" smtClean="0"/>
+              <a:t>2019/5/3</a:t>
+            </a:fld>
+            <a:endParaRPr kumimoji="1" lang="ja-JP" altLang="en-US"/>
+          </a:p>
+        </p:txBody>
+      </p:sp>
+      <p:sp>
+        <p:nvSpPr>
+          <p:cNvPr id="4" name="スライド イメージ プレースホルダー 3"/>
+          <p:cNvSpPr>
+            <a:spLocks noGrp="1" noRot="1" noChangeAspect="1"/>
+          </p:cNvSpPr>
+          <p:nvPr>
+            <p:ph type="sldImg" idx="2"/>
+          </p:nvPr>
+        </p:nvSpPr>
+        <p:spPr>
+          <a:xfrm>
+            <a:off x="685800" y="1143000"/>
+            <a:ext cx="5486400" cy="3086100"/>
+          </a:xfrm>
+          <a:prstGeom prst="rect">
+            <a:avLst/>
+          </a:prstGeom>
+          <a:noFill/>
+          <a:ln w="12700">
+            <a:solidFill>
+              <a:prstClr val="black"/>
+            </a:solidFill>
+          </a:ln>
+        </p:spPr>
+        <p:txBody>
+          <a:bodyPr vert="horz" lIns="91440" tIns="45720" rIns="91440" bIns="45720" rtlCol="0" anchor="ctr"/>
+          <a:lstStyle/>
+          <a:p>
+            <a:endParaRPr lang="ja-JP" altLang="en-US"/>
+          </a:p>
+        </p:txBody>
+      </p:sp>
+      <p:sp>
+        <p:nvSpPr>
+          <p:cNvPr id="5" name="ノート プレースホルダー 4"/>
+          <p:cNvSpPr>
+            <a:spLocks noGrp="1"/>
+          </p:cNvSpPr>
+          <p:nvPr>
+            <p:ph type="body" sz="quarter" idx="3"/>
+          </p:nvPr>
+        </p:nvSpPr>
+        <p:spPr>
+          <a:xfrm>
+            <a:off x="685800" y="4400550"/>
+            <a:ext cx="5486400" cy="3600450"/>
+          </a:xfrm>
+          <a:prstGeom prst="rect">
+            <a:avLst/>
+          </a:prstGeom>
+        </p:spPr>
+        <p:txBody>
+          <a:bodyPr vert="horz" lIns="91440" tIns="45720" rIns="91440" bIns="45720" rtlCol="0"/>
+          <a:lstStyle/>
+          <a:p>
+            <a:pPr lvl="0"/>
+            <a:r>
+              <a:rPr kumimoji="1" lang="ja-JP" altLang="en-US"/>
+              <a:t>マスター テキストの書式設定</a:t>
+            </a:r>
+          </a:p>
+          <a:p>
+            <a:pPr lvl="1"/>
+            <a:r>
+              <a:rPr kumimoji="1" lang="ja-JP" altLang="en-US"/>
+              <a:t>第 </a:t>
+            </a:r>
+            <a:r>
+              <a:rPr kumimoji="1" lang="en-US" altLang="ja-JP"/>
+              <a:t>2 </a:t>
+            </a:r>
+            <a:r>
+              <a:rPr kumimoji="1" lang="ja-JP" altLang="en-US"/>
+              <a:t>レベル</a:t>
+            </a:r>
+          </a:p>
+          <a:p>
+            <a:pPr lvl="2"/>
+            <a:r>
+              <a:rPr kumimoji="1" lang="ja-JP" altLang="en-US"/>
+              <a:t>第 </a:t>
+            </a:r>
+            <a:r>
+              <a:rPr kumimoji="1" lang="en-US" altLang="ja-JP"/>
+              <a:t>3 </a:t>
+            </a:r>
+            <a:r>
+              <a:rPr kumimoji="1" lang="ja-JP" altLang="en-US"/>
+              <a:t>レベル</a:t>
+            </a:r>
+          </a:p>
+          <a:p>
+            <a:pPr lvl="3"/>
+            <a:r>
+              <a:rPr kumimoji="1" lang="ja-JP" altLang="en-US"/>
+              <a:t>第 </a:t>
+            </a:r>
+            <a:r>
+              <a:rPr kumimoji="1" lang="en-US" altLang="ja-JP"/>
+              <a:t>4 </a:t>
+            </a:r>
+            <a:r>
+              <a:rPr kumimoji="1" lang="ja-JP" altLang="en-US"/>
+              <a:t>レベル</a:t>
+            </a:r>
+          </a:p>
+          <a:p>
+            <a:pPr lvl="4"/>
+            <a:r>
+              <a:rPr kumimoji="1" lang="ja-JP" altLang="en-US"/>
+              <a:t>第 </a:t>
+            </a:r>
+            <a:r>
+              <a:rPr kumimoji="1" lang="en-US" altLang="ja-JP"/>
+              <a:t>5 </a:t>
+            </a:r>
+            <a:r>
+              <a:rPr kumimoji="1" lang="ja-JP" altLang="en-US"/>
+              <a:t>レベル</a:t>
+            </a:r>
+          </a:p>
+        </p:txBody>
+      </p:sp>
+      <p:sp>
+        <p:nvSpPr>
+          <p:cNvPr id="6" name="フッター プレースホルダー 5"/>
+          <p:cNvSpPr>
+            <a:spLocks noGrp="1"/>
+          </p:cNvSpPr>
+          <p:nvPr>
+            <p:ph type="ftr" sz="quarter" idx="4"/>
+          </p:nvPr>
+        </p:nvSpPr>
+        <p:spPr>
+          <a:xfrm>
+            <a:off x="0" y="8685213"/>
+            <a:ext cx="2971800" cy="458787"/>
+          </a:xfrm>
+          <a:prstGeom prst="rect">
+            <a:avLst/>
+          </a:prstGeom>
+        </p:spPr>
+        <p:txBody>
+          <a:bodyPr vert="horz" lIns="91440" tIns="45720" rIns="91440" bIns="45720" rtlCol="0" anchor="b"/>
+          <a:lstStyle>
+            <a:lvl1pPr algn="l">
+              <a:defRPr sz="1200"/>
+            </a:lvl1pPr>
+          </a:lstStyle>
+          <a:p>
+            <a:endParaRPr kumimoji="1" lang="ja-JP" altLang="en-US"/>
+          </a:p>
+        </p:txBody>
+      </p:sp>
+      <p:sp>
+        <p:nvSpPr>
+          <p:cNvPr id="7" name="スライド番号プレースホルダー 6"/>
+          <p:cNvSpPr>
+            <a:spLocks noGrp="1"/>
+          </p:cNvSpPr>
+          <p:nvPr>
+            <p:ph type="sldNum" sz="quarter" idx="5"/>
+          </p:nvPr>
+        </p:nvSpPr>
+        <p:spPr>
+          <a:xfrm>
+            <a:off x="3884613" y="8685213"/>
+            <a:ext cx="2971800" cy="458787"/>
+          </a:xfrm>
+          <a:prstGeom prst="rect">
+            <a:avLst/>
+          </a:prstGeom>
+        </p:spPr>
+        <p:txBody>
+          <a:bodyPr vert="horz" lIns="91440" tIns="45720" rIns="91440" bIns="45720" rtlCol="0" anchor="b"/>
+          <a:lstStyle>
+            <a:lvl1pPr algn="r">
+              <a:defRPr sz="1200"/>
+            </a:lvl1pPr>
+          </a:lstStyle>
+          <a:p>
+            <a:fld id="{6B8A9B74-7ACC-4BED-B6E3-1BCF4756DC69}" type="slidenum">
+              <a:rPr kumimoji="1" lang="ja-JP" altLang="en-US" smtClean="0"/>
+              <a:t>‹#›</a:t>
+            </a:fld>
+            <a:endParaRPr kumimoji="1" lang="ja-JP" altLang="en-US"/>
+          </a:p>
+        </p:txBody>
+      </p:sp>
+    </p:spTree>
+    <p:extLst>
+      <p:ext uri="{BB962C8B-B14F-4D97-AF65-F5344CB8AC3E}">
+        <p14:creationId xmlns:p14="http://schemas.microsoft.com/office/powerpoint/2010/main" val="1143970962"/>
+      </p:ext>
+    </p:extLst>
+  </p:cSld>
+  <p:clrMap bg1="lt1" tx1="dk1" bg2="lt2" tx2="dk2" accent1="accent1" accent2="accent2" accent3="accent3" accent4="accent4" accent5="accent5" accent6="accent6" hlink="hlink" folHlink="folHlink"/>
+  <p:notesStyle>
+    <a:lvl1pPr marL="0" algn="l" defTabSz="914400" rtl="0" eaLnBrk="1" latinLnBrk="0" hangingPunct="1">
+      <a:defRPr kumimoji="1" sz="1200" kern="1200">
+        <a:solidFill>
+          <a:schemeClr val="tx1"/>
+        </a:solidFill>
+        <a:latin typeface="+mn-lt"/>
+        <a:ea typeface="+mn-ea"/>
+        <a:cs typeface="+mn-cs"/>
+      </a:defRPr>
+    </a:lvl1pPr>
+    <a:lvl2pPr marL="457200" algn="l" defTabSz="914400" rtl="0" eaLnBrk="1" latinLnBrk="0" hangingPunct="1">
+      <a:defRPr kumimoji="1" sz="1200" kern="1200">
+        <a:solidFill>
+          <a:schemeClr val="tx1"/>
+        </a:solidFill>
+        <a:latin typeface="+mn-lt"/>
+        <a:ea typeface="+mn-ea"/>
+        <a:cs typeface="+mn-cs"/>
+      </a:defRPr>
+    </a:lvl2pPr>
+    <a:lvl3pPr marL="914400" algn="l" defTabSz="914400" rtl="0" eaLnBrk="1" latinLnBrk="0" hangingPunct="1">
+      <a:defRPr kumimoji="1" sz="1200" kern="1200">
+        <a:solidFill>
+          <a:schemeClr val="tx1"/>
+        </a:solidFill>
+        <a:latin typeface="+mn-lt"/>
+        <a:ea typeface="+mn-ea"/>
+        <a:cs typeface="+mn-cs"/>
+      </a:defRPr>
+    </a:lvl3pPr>
+    <a:lvl4pPr marL="1371600" algn="l" defTabSz="914400" rtl="0" eaLnBrk="1" latinLnBrk="0" hangingPunct="1">
+      <a:defRPr kumimoji="1" sz="1200" kern="1200">
+        <a:solidFill>
+          <a:schemeClr val="tx1"/>
+        </a:solidFill>
+        <a:latin typeface="+mn-lt"/>
+        <a:ea typeface="+mn-ea"/>
+        <a:cs typeface="+mn-cs"/>
+      </a:defRPr>
+    </a:lvl4pPr>
+    <a:lvl5pPr marL="1828800" algn="l" defTabSz="914400" rtl="0" eaLnBrk="1" latinLnBrk="0" hangingPunct="1">
+      <a:defRPr kumimoji="1" sz="1200" kern="1200">
+        <a:solidFill>
+          <a:schemeClr val="tx1"/>
+        </a:solidFill>
+        <a:latin typeface="+mn-lt"/>
+        <a:ea typeface="+mn-ea"/>
+        <a:cs typeface="+mn-cs"/>
+      </a:defRPr>
+    </a:lvl5pPr>
+    <a:lvl6pPr marL="2286000" algn="l" defTabSz="914400" rtl="0" eaLnBrk="1" latinLnBrk="0" hangingPunct="1">
+      <a:defRPr kumimoji="1" sz="1200" kern="1200">
+        <a:solidFill>
+          <a:schemeClr val="tx1"/>
+        </a:solidFill>
+        <a:latin typeface="+mn-lt"/>
+        <a:ea typeface="+mn-ea"/>
+        <a:cs typeface="+mn-cs"/>
+      </a:defRPr>
+    </a:lvl6pPr>
+    <a:lvl7pPr marL="2743200" algn="l" defTabSz="914400" rtl="0" eaLnBrk="1" latinLnBrk="0" hangingPunct="1">
+      <a:defRPr kumimoji="1" sz="1200" kern="1200">
+        <a:solidFill>
+          <a:schemeClr val="tx1"/>
+        </a:solidFill>
+        <a:latin typeface="+mn-lt"/>
+        <a:ea typeface="+mn-ea"/>
+        <a:cs typeface="+mn-cs"/>
+      </a:defRPr>
+    </a:lvl7pPr>
+    <a:lvl8pPr marL="3200400" algn="l" defTabSz="914400" rtl="0" eaLnBrk="1" latinLnBrk="0" hangingPunct="1">
+      <a:defRPr kumimoji="1" sz="1200" kern="1200">
+        <a:solidFill>
+          <a:schemeClr val="tx1"/>
+        </a:solidFill>
+        <a:latin typeface="+mn-lt"/>
+        <a:ea typeface="+mn-ea"/>
+        <a:cs typeface="+mn-cs"/>
+      </a:defRPr>
+    </a:lvl8pPr>
+    <a:lvl9pPr marL="3657600" algn="l" defTabSz="914400" rtl="0" eaLnBrk="1" latinLnBrk="0" hangingPunct="1">
+      <a:defRPr kumimoji="1" sz="1200" kern="1200">
+        <a:solidFill>
+          <a:schemeClr val="tx1"/>
+        </a:solidFill>
+        <a:latin typeface="+mn-lt"/>
+        <a:ea typeface="+mn-ea"/>
+        <a:cs typeface="+mn-cs"/>
+      </a:defRPr>
+    </a:lvl9pPr>
+  </p:notesStyle>
+</p:notesMaster>
+</file>
+
+<file path=ppt/notesSlides/notesSlide1.xml><?xml version="1.0" encoding="utf-8"?>
+<p:notes xmlns:a="http://schemas.openxmlformats.org/drawingml/2006/main" xmlns:r="http://schemas.openxmlformats.org/officeDocument/2006/relationships" xmlns:p="http://schemas.openxmlformats.org/presentationml/2006/main">
+  <p:cSld>
+    <p:spTree>
+      <p:nvGrpSpPr>
+        <p:cNvPr id="1" name=""/>
+        <p:cNvGrpSpPr/>
+        <p:nvPr/>
+      </p:nvGrpSpPr>
+      <p:grpSpPr>
+        <a:xfrm>
+          <a:off x="0" y="0"/>
+          <a:ext cx="0" cy="0"/>
+          <a:chOff x="0" y="0"/>
+          <a:chExt cx="0" cy="0"/>
+        </a:xfrm>
+      </p:grpSpPr>
+      <p:sp>
+        <p:nvSpPr>
+          <p:cNvPr id="2" name="スライド イメージ プレースホルダー 1"/>
+          <p:cNvSpPr>
+            <a:spLocks noGrp="1" noRot="1" noChangeAspect="1"/>
+          </p:cNvSpPr>
+          <p:nvPr>
+            <p:ph type="sldImg"/>
+          </p:nvPr>
+        </p:nvSpPr>
+        <p:spPr/>
+      </p:sp>
+      <p:sp>
+        <p:nvSpPr>
+          <p:cNvPr id="3" name="ノート プレースホルダー 2"/>
+          <p:cNvSpPr>
+            <a:spLocks noGrp="1"/>
+          </p:cNvSpPr>
+          <p:nvPr>
+            <p:ph type="body" idx="1"/>
+          </p:nvPr>
+        </p:nvSpPr>
+        <p:spPr/>
+        <p:txBody>
+          <a:bodyPr/>
+          <a:lstStyle/>
+          <a:p>
+            <a:r>
+              <a:rPr kumimoji="1" lang="en-US" altLang="ja-JP" dirty="0"/>
+              <a:t>Windows10</a:t>
+            </a:r>
+            <a:r>
+              <a:rPr kumimoji="1" lang="ja-JP" altLang="en-US" dirty="0"/>
+              <a:t>から追加された機能・アプリを用いて</a:t>
+            </a:r>
+            <a:r>
+              <a:rPr kumimoji="1" lang="en-US" altLang="ja-JP" dirty="0"/>
+              <a:t>Simutrans</a:t>
+            </a:r>
+            <a:r>
+              <a:rPr kumimoji="1" lang="ja-JP" altLang="en-US" dirty="0"/>
+              <a:t>のコンパイルをする方法について話します</a:t>
+            </a:r>
+          </a:p>
+        </p:txBody>
+      </p:sp>
+      <p:sp>
+        <p:nvSpPr>
+          <p:cNvPr id="4" name="スライド番号プレースホルダー 3"/>
+          <p:cNvSpPr>
+            <a:spLocks noGrp="1"/>
+          </p:cNvSpPr>
+          <p:nvPr>
+            <p:ph type="sldNum" sz="quarter" idx="5"/>
+          </p:nvPr>
+        </p:nvSpPr>
+        <p:spPr/>
+        <p:txBody>
+          <a:bodyPr/>
+          <a:lstStyle/>
+          <a:p>
+            <a:fld id="{6B8A9B74-7ACC-4BED-B6E3-1BCF4756DC69}" type="slidenum">
+              <a:rPr kumimoji="1" lang="ja-JP" altLang="en-US" smtClean="0"/>
+              <a:t>1</a:t>
+            </a:fld>
+            <a:endParaRPr kumimoji="1" lang="ja-JP" altLang="en-US"/>
+          </a:p>
+        </p:txBody>
+      </p:sp>
+    </p:spTree>
+    <p:extLst>
+      <p:ext uri="{BB962C8B-B14F-4D97-AF65-F5344CB8AC3E}">
+        <p14:creationId xmlns:p14="http://schemas.microsoft.com/office/powerpoint/2010/main" val="927386695"/>
+      </p:ext>
+    </p:extLst>
+  </p:cSld>
+  <p:clrMapOvr>
+    <a:masterClrMapping/>
+  </p:clrMapOvr>
+</p:notes>
+</file>
+
+<file path=ppt/notesSlides/notesSlide2.xml><?xml version="1.0" encoding="utf-8"?>
+<p:notes xmlns:a="http://schemas.openxmlformats.org/drawingml/2006/main" xmlns:r="http://schemas.openxmlformats.org/officeDocument/2006/relationships" xmlns:p="http://schemas.openxmlformats.org/presentationml/2006/main">
+  <p:cSld>
+    <p:spTree>
+      <p:nvGrpSpPr>
+        <p:cNvPr id="1" name=""/>
+        <p:cNvGrpSpPr/>
+        <p:nvPr/>
+      </p:nvGrpSpPr>
+      <p:grpSpPr>
+        <a:xfrm>
+          <a:off x="0" y="0"/>
+          <a:ext cx="0" cy="0"/>
+          <a:chOff x="0" y="0"/>
+          <a:chExt cx="0" cy="0"/>
+        </a:xfrm>
+      </p:grpSpPr>
+      <p:sp>
+        <p:nvSpPr>
+          <p:cNvPr id="2" name="スライド イメージ プレースホルダー 1"/>
+          <p:cNvSpPr>
+            <a:spLocks noGrp="1" noRot="1" noChangeAspect="1"/>
+          </p:cNvSpPr>
+          <p:nvPr>
+            <p:ph type="sldImg"/>
+          </p:nvPr>
+        </p:nvSpPr>
+        <p:spPr/>
+      </p:sp>
+      <p:sp>
+        <p:nvSpPr>
+          <p:cNvPr id="3" name="ノート プレースホルダー 2"/>
+          <p:cNvSpPr>
+            <a:spLocks noGrp="1"/>
+          </p:cNvSpPr>
+          <p:nvPr>
+            <p:ph type="body" idx="1"/>
+          </p:nvPr>
+        </p:nvSpPr>
+        <p:spPr/>
+        <p:txBody>
+          <a:bodyPr/>
+          <a:lstStyle/>
+          <a:p>
+            <a:r>
+              <a:rPr kumimoji="1" lang="ja-JP" altLang="en-US" dirty="0"/>
+              <a:t>まず、</a:t>
+            </a:r>
+            <a:r>
+              <a:rPr kumimoji="1" lang="en-US" altLang="ja-JP" dirty="0"/>
+              <a:t>Windows Subsystem for Linux</a:t>
+            </a:r>
+            <a:r>
+              <a:rPr kumimoji="1" lang="ja-JP" altLang="en-US" dirty="0"/>
+              <a:t>、以後</a:t>
+            </a:r>
+            <a:r>
+              <a:rPr kumimoji="1" lang="en-US" altLang="ja-JP" dirty="0"/>
+              <a:t>WSL</a:t>
+            </a:r>
+            <a:r>
+              <a:rPr kumimoji="1" lang="ja-JP" altLang="en-US" dirty="0"/>
+              <a:t>と言いますが、これについてざっくりと</a:t>
+            </a:r>
+            <a:endParaRPr kumimoji="1" lang="en-US" altLang="ja-JP" dirty="0"/>
+          </a:p>
+          <a:p>
+            <a:r>
+              <a:rPr kumimoji="1" lang="en-US" altLang="ja-JP" dirty="0"/>
+              <a:t>WSL</a:t>
+            </a:r>
+            <a:r>
+              <a:rPr kumimoji="1" lang="ja-JP" altLang="en-US" dirty="0"/>
+              <a:t>は、簡単に言えば</a:t>
+            </a:r>
+            <a:r>
+              <a:rPr kumimoji="1" lang="en-US" altLang="ja-JP" dirty="0"/>
+              <a:t>Windows</a:t>
+            </a:r>
+            <a:r>
+              <a:rPr kumimoji="1" lang="ja-JP" altLang="en-US" dirty="0"/>
+              <a:t>で使うこと出来る</a:t>
+            </a:r>
+            <a:r>
+              <a:rPr kumimoji="1" lang="en-US" altLang="ja-JP" dirty="0"/>
+              <a:t>Linux</a:t>
+            </a:r>
+            <a:r>
+              <a:rPr kumimoji="1" lang="ja-JP" altLang="en-US" dirty="0"/>
+              <a:t>コンソールアプリです</a:t>
+            </a:r>
+            <a:endParaRPr kumimoji="1" lang="en-US" altLang="ja-JP" dirty="0"/>
+          </a:p>
+          <a:p>
+            <a:r>
+              <a:rPr kumimoji="1" lang="ja-JP" altLang="en-US" dirty="0"/>
+              <a:t>詳しいことは省略しますので、詳しく知りたい方は様々な記事を調べて頂ければ幸いです</a:t>
+            </a:r>
+            <a:endParaRPr kumimoji="1" lang="en-US" altLang="ja-JP" dirty="0"/>
+          </a:p>
+          <a:p>
+            <a:r>
+              <a:rPr kumimoji="1" lang="ja-JP" altLang="en-US" dirty="0"/>
+              <a:t>このアプリ登場のおかげで、</a:t>
+            </a:r>
+            <a:r>
+              <a:rPr kumimoji="1" lang="en-US" altLang="ja-JP" dirty="0"/>
+              <a:t>Windows</a:t>
+            </a:r>
+            <a:r>
+              <a:rPr kumimoji="1" lang="ja-JP" altLang="en-US" dirty="0"/>
+              <a:t>で</a:t>
+            </a:r>
+            <a:r>
+              <a:rPr kumimoji="1" lang="en-US" altLang="ja-JP" dirty="0"/>
+              <a:t>Linux</a:t>
+            </a:r>
+            <a:r>
+              <a:rPr kumimoji="1" lang="ja-JP" altLang="en-US" dirty="0"/>
+              <a:t>使いたい場合に仮想</a:t>
+            </a:r>
+            <a:r>
+              <a:rPr kumimoji="1" lang="en-US" altLang="ja-JP" dirty="0"/>
+              <a:t>PC</a:t>
+            </a:r>
+            <a:r>
+              <a:rPr kumimoji="1" lang="ja-JP" altLang="en-US" dirty="0"/>
+              <a:t>を作成したり、</a:t>
+            </a:r>
+            <a:r>
+              <a:rPr kumimoji="1" lang="en-US" altLang="ja-JP" dirty="0"/>
+              <a:t>Linux</a:t>
+            </a:r>
+            <a:r>
+              <a:rPr kumimoji="1" lang="ja-JP" altLang="en-US" dirty="0"/>
+              <a:t>ライクなソフトを導入して</a:t>
+            </a:r>
+            <a:endParaRPr kumimoji="1" lang="en-US" altLang="ja-JP" dirty="0"/>
+          </a:p>
+          <a:p>
+            <a:r>
+              <a:rPr kumimoji="1" lang="ja-JP" altLang="en-US" dirty="0"/>
+              <a:t>特殊なコマンドを覚える、デュアルブートできるようにする、パソコンを物理的に増やすなどということをしなくても良くなります</a:t>
+            </a:r>
+            <a:endParaRPr kumimoji="1" lang="en-US" altLang="ja-JP" dirty="0"/>
+          </a:p>
+          <a:p>
+            <a:r>
+              <a:rPr kumimoji="1" lang="en-US" altLang="ja-JP" dirty="0"/>
+              <a:t>WSL</a:t>
+            </a:r>
+            <a:r>
+              <a:rPr kumimoji="1" lang="ja-JP" altLang="en-US" dirty="0"/>
+              <a:t>で利用できるディストリビューションのひとつ</a:t>
+            </a:r>
+            <a:r>
+              <a:rPr kumimoji="1" lang="en-US" altLang="ja-JP" dirty="0"/>
+              <a:t>Ubuntu</a:t>
+            </a:r>
+            <a:r>
+              <a:rPr kumimoji="1" lang="ja-JP" altLang="en-US" dirty="0"/>
+              <a:t>の場合、一部除いて</a:t>
+            </a:r>
+            <a:r>
+              <a:rPr kumimoji="1" lang="en-US" altLang="ja-JP" dirty="0"/>
+              <a:t>apt</a:t>
+            </a:r>
+            <a:r>
+              <a:rPr kumimoji="1" lang="ja-JP" altLang="en-US" dirty="0"/>
+              <a:t>コマンドで</a:t>
+            </a:r>
+            <a:r>
+              <a:rPr kumimoji="1" lang="en-US" altLang="ja-JP" dirty="0"/>
+              <a:t>Ubuntu</a:t>
+            </a:r>
+            <a:r>
+              <a:rPr kumimoji="1" lang="ja-JP" altLang="en-US" dirty="0"/>
+              <a:t>のまま導入できる</a:t>
+            </a:r>
+            <a:endParaRPr kumimoji="1" lang="en-US" altLang="ja-JP" dirty="0"/>
+          </a:p>
+          <a:p>
+            <a:r>
+              <a:rPr kumimoji="1" lang="ja-JP" altLang="en-US" dirty="0"/>
+              <a:t>つまり、調べたまま使うことが可能です</a:t>
+            </a:r>
+          </a:p>
+        </p:txBody>
+      </p:sp>
+      <p:sp>
+        <p:nvSpPr>
+          <p:cNvPr id="4" name="スライド番号プレースホルダー 3"/>
+          <p:cNvSpPr>
+            <a:spLocks noGrp="1"/>
+          </p:cNvSpPr>
+          <p:nvPr>
+            <p:ph type="sldNum" sz="quarter" idx="5"/>
+          </p:nvPr>
+        </p:nvSpPr>
+        <p:spPr/>
+        <p:txBody>
+          <a:bodyPr/>
+          <a:lstStyle/>
+          <a:p>
+            <a:fld id="{6B8A9B74-7ACC-4BED-B6E3-1BCF4756DC69}" type="slidenum">
+              <a:rPr kumimoji="1" lang="ja-JP" altLang="en-US" smtClean="0"/>
+              <a:t>2</a:t>
+            </a:fld>
+            <a:endParaRPr kumimoji="1" lang="ja-JP" altLang="en-US"/>
+          </a:p>
+        </p:txBody>
+      </p:sp>
+    </p:spTree>
+    <p:extLst>
+      <p:ext uri="{BB962C8B-B14F-4D97-AF65-F5344CB8AC3E}">
+        <p14:creationId xmlns:p14="http://schemas.microsoft.com/office/powerpoint/2010/main" val="1643556016"/>
+      </p:ext>
+    </p:extLst>
+  </p:cSld>
+  <p:clrMapOvr>
+    <a:masterClrMapping/>
+  </p:clrMapOvr>
+</p:notes>
+</file>
+
+<file path=ppt/notesSlides/notesSlide3.xml><?xml version="1.0" encoding="utf-8"?>
+<p:notes xmlns:a="http://schemas.openxmlformats.org/drawingml/2006/main" xmlns:r="http://schemas.openxmlformats.org/officeDocument/2006/relationships" xmlns:p="http://schemas.openxmlformats.org/presentationml/2006/main">
+  <p:cSld>
+    <p:spTree>
+      <p:nvGrpSpPr>
+        <p:cNvPr id="1" name=""/>
+        <p:cNvGrpSpPr/>
+        <p:nvPr/>
+      </p:nvGrpSpPr>
+      <p:grpSpPr>
+        <a:xfrm>
+          <a:off x="0" y="0"/>
+          <a:ext cx="0" cy="0"/>
+          <a:chOff x="0" y="0"/>
+          <a:chExt cx="0" cy="0"/>
+        </a:xfrm>
+      </p:grpSpPr>
+      <p:sp>
+        <p:nvSpPr>
+          <p:cNvPr id="2" name="スライド イメージ プレースホルダー 1"/>
+          <p:cNvSpPr>
+            <a:spLocks noGrp="1" noRot="1" noChangeAspect="1"/>
+          </p:cNvSpPr>
+          <p:nvPr>
+            <p:ph type="sldImg"/>
+          </p:nvPr>
+        </p:nvSpPr>
+        <p:spPr/>
+      </p:sp>
+      <p:sp>
+        <p:nvSpPr>
+          <p:cNvPr id="3" name="ノート プレースホルダー 2"/>
+          <p:cNvSpPr>
+            <a:spLocks noGrp="1"/>
+          </p:cNvSpPr>
+          <p:nvPr>
+            <p:ph type="body" idx="1"/>
+          </p:nvPr>
+        </p:nvSpPr>
+        <p:spPr/>
+        <p:txBody>
+          <a:bodyPr/>
+          <a:lstStyle/>
+          <a:p>
+            <a:r>
+              <a:rPr kumimoji="1" lang="ja-JP" altLang="en-US"/>
+              <a:t>で、</a:t>
+            </a:r>
+          </a:p>
+        </p:txBody>
+      </p:sp>
+      <p:sp>
+        <p:nvSpPr>
+          <p:cNvPr id="4" name="スライド番号プレースホルダー 3"/>
+          <p:cNvSpPr>
+            <a:spLocks noGrp="1"/>
+          </p:cNvSpPr>
+          <p:nvPr>
+            <p:ph type="sldNum" sz="quarter" idx="5"/>
+          </p:nvPr>
+        </p:nvSpPr>
+        <p:spPr/>
+        <p:txBody>
+          <a:bodyPr/>
+          <a:lstStyle/>
+          <a:p>
+            <a:fld id="{6B8A9B74-7ACC-4BED-B6E3-1BCF4756DC69}" type="slidenum">
+              <a:rPr kumimoji="1" lang="ja-JP" altLang="en-US" smtClean="0"/>
+              <a:t>3</a:t>
+            </a:fld>
+            <a:endParaRPr kumimoji="1" lang="ja-JP" altLang="en-US"/>
+          </a:p>
+        </p:txBody>
+      </p:sp>
+    </p:spTree>
+    <p:extLst>
+      <p:ext uri="{BB962C8B-B14F-4D97-AF65-F5344CB8AC3E}">
+        <p14:creationId xmlns:p14="http://schemas.microsoft.com/office/powerpoint/2010/main" val="650252782"/>
+      </p:ext>
+    </p:extLst>
+  </p:cSld>
+  <p:clrMapOvr>
+    <a:masterClrMapping/>
+  </p:clrMapOvr>
+</p:notes>
 </file>
 
 <file path=ppt/slideLayouts/slideLayout1.xml><?xml version="1.0" encoding="utf-8"?>
@@ -2306,7 +3102,7 @@
           <a:p>
             <a:fld id="{EFCA2F27-532F-4E2E-86E8-C011D6D4D29E}" type="datetimeFigureOut">
               <a:rPr kumimoji="1" lang="ja-JP" altLang="en-US" smtClean="0"/>
-              <a:t>2019/5/2</a:t>
+              <a:t>2019/5/3</a:t>
             </a:fld>
             <a:endParaRPr kumimoji="1" lang="ja-JP" altLang="en-US"/>
           </a:p>
@@ -2604,7 +3400,7 @@
           <a:p>
             <a:fld id="{EFCA2F27-532F-4E2E-86E8-C011D6D4D29E}" type="datetimeFigureOut">
               <a:rPr kumimoji="1" lang="ja-JP" altLang="en-US" smtClean="0"/>
-              <a:t>2019/5/2</a:t>
+              <a:t>2019/5/3</a:t>
             </a:fld>
             <a:endParaRPr kumimoji="1" lang="ja-JP" altLang="en-US"/>
           </a:p>
@@ -2850,7 +3646,7 @@
           <a:p>
             <a:fld id="{EFCA2F27-532F-4E2E-86E8-C011D6D4D29E}" type="datetimeFigureOut">
               <a:rPr kumimoji="1" lang="ja-JP" altLang="en-US" smtClean="0"/>
-              <a:t>2019/5/2</a:t>
+              <a:t>2019/5/3</a:t>
             </a:fld>
             <a:endParaRPr kumimoji="1" lang="ja-JP" altLang="en-US"/>
           </a:p>
@@ -2860,6 +3656,2133 @@
     <p:extLst>
       <p:ext uri="{BB962C8B-B14F-4D97-AF65-F5344CB8AC3E}">
         <p14:creationId xmlns:p14="http://schemas.microsoft.com/office/powerpoint/2010/main" val="3613802645"/>
+      </p:ext>
+    </p:extLst>
+  </p:cSld>
+  <p:clrMapOvr>
+    <a:masterClrMapping/>
+  </p:clrMapOvr>
+</p:sldLayout>
+</file>
+
+<file path=ppt/slideLayouts/slideLayout12.xml><?xml version="1.0" encoding="utf-8"?>
+<p:sldLayout xmlns:a="http://schemas.openxmlformats.org/drawingml/2006/main" xmlns:r="http://schemas.openxmlformats.org/officeDocument/2006/relationships" xmlns:p="http://schemas.openxmlformats.org/presentationml/2006/main" type="title" preserve="1">
+  <p:cSld name="タイトル スライド">
+    <p:spTree>
+      <p:nvGrpSpPr>
+        <p:cNvPr id="1" name=""/>
+        <p:cNvGrpSpPr/>
+        <p:nvPr/>
+      </p:nvGrpSpPr>
+      <p:grpSpPr>
+        <a:xfrm>
+          <a:off x="0" y="0"/>
+          <a:ext cx="0" cy="0"/>
+          <a:chOff x="0" y="0"/>
+          <a:chExt cx="0" cy="0"/>
+        </a:xfrm>
+      </p:grpSpPr>
+      <p:sp>
+        <p:nvSpPr>
+          <p:cNvPr id="2" name="タイトル 1">
+            <a:extLst>
+              <a:ext uri="{FF2B5EF4-FFF2-40B4-BE49-F238E27FC236}">
+                <a16:creationId xmlns:a16="http://schemas.microsoft.com/office/drawing/2014/main" id="{76F363A0-1DC5-4797-B1BD-634435B56738}"/>
+              </a:ext>
+            </a:extLst>
+          </p:cNvPr>
+          <p:cNvSpPr>
+            <a:spLocks noGrp="1"/>
+          </p:cNvSpPr>
+          <p:nvPr>
+            <p:ph type="ctrTitle"/>
+          </p:nvPr>
+        </p:nvSpPr>
+        <p:spPr>
+          <a:xfrm>
+            <a:off x="1524000" y="1122363"/>
+            <a:ext cx="9144000" cy="2387600"/>
+          </a:xfrm>
+        </p:spPr>
+        <p:txBody>
+          <a:bodyPr anchor="b"/>
+          <a:lstStyle>
+            <a:lvl1pPr algn="ctr">
+              <a:defRPr sz="6000"/>
+            </a:lvl1pPr>
+          </a:lstStyle>
+          <a:p>
+            <a:r>
+              <a:rPr kumimoji="1" lang="ja-JP" altLang="en-US"/>
+              <a:t>マスター タイトルの書式設定</a:t>
+            </a:r>
+          </a:p>
+        </p:txBody>
+      </p:sp>
+      <p:sp>
+        <p:nvSpPr>
+          <p:cNvPr id="3" name="字幕 2">
+            <a:extLst>
+              <a:ext uri="{FF2B5EF4-FFF2-40B4-BE49-F238E27FC236}">
+                <a16:creationId xmlns:a16="http://schemas.microsoft.com/office/drawing/2014/main" id="{9E6D236C-B9C4-46DC-A102-50AC33DD5C0B}"/>
+              </a:ext>
+            </a:extLst>
+          </p:cNvPr>
+          <p:cNvSpPr>
+            <a:spLocks noGrp="1"/>
+          </p:cNvSpPr>
+          <p:nvPr>
+            <p:ph type="subTitle" idx="1"/>
+          </p:nvPr>
+        </p:nvSpPr>
+        <p:spPr>
+          <a:xfrm>
+            <a:off x="1524000" y="3602038"/>
+            <a:ext cx="9144000" cy="1655762"/>
+          </a:xfrm>
+        </p:spPr>
+        <p:txBody>
+          <a:bodyPr/>
+          <a:lstStyle>
+            <a:lvl1pPr marL="0" indent="0" algn="ctr">
+              <a:buNone/>
+              <a:defRPr sz="2400"/>
+            </a:lvl1pPr>
+            <a:lvl2pPr marL="457200" indent="0" algn="ctr">
+              <a:buNone/>
+              <a:defRPr sz="2000"/>
+            </a:lvl2pPr>
+            <a:lvl3pPr marL="914400" indent="0" algn="ctr">
+              <a:buNone/>
+              <a:defRPr sz="1800"/>
+            </a:lvl3pPr>
+            <a:lvl4pPr marL="1371600" indent="0" algn="ctr">
+              <a:buNone/>
+              <a:defRPr sz="1600"/>
+            </a:lvl4pPr>
+            <a:lvl5pPr marL="1828800" indent="0" algn="ctr">
+              <a:buNone/>
+              <a:defRPr sz="1600"/>
+            </a:lvl5pPr>
+            <a:lvl6pPr marL="2286000" indent="0" algn="ctr">
+              <a:buNone/>
+              <a:defRPr sz="1600"/>
+            </a:lvl6pPr>
+            <a:lvl7pPr marL="2743200" indent="0" algn="ctr">
+              <a:buNone/>
+              <a:defRPr sz="1600"/>
+            </a:lvl7pPr>
+            <a:lvl8pPr marL="3200400" indent="0" algn="ctr">
+              <a:buNone/>
+              <a:defRPr sz="1600"/>
+            </a:lvl8pPr>
+            <a:lvl9pPr marL="3657600" indent="0" algn="ctr">
+              <a:buNone/>
+              <a:defRPr sz="1600"/>
+            </a:lvl9pPr>
+          </a:lstStyle>
+          <a:p>
+            <a:r>
+              <a:rPr kumimoji="1" lang="ja-JP" altLang="en-US"/>
+              <a:t>マスター サブタイトルの書式設定</a:t>
+            </a:r>
+          </a:p>
+        </p:txBody>
+      </p:sp>
+      <p:sp>
+        <p:nvSpPr>
+          <p:cNvPr id="4" name="日付プレースホルダー 3">
+            <a:extLst>
+              <a:ext uri="{FF2B5EF4-FFF2-40B4-BE49-F238E27FC236}">
+                <a16:creationId xmlns:a16="http://schemas.microsoft.com/office/drawing/2014/main" id="{EB5D5D83-ED7F-4D8D-90DE-EFC09F1BA77B}"/>
+              </a:ext>
+            </a:extLst>
+          </p:cNvPr>
+          <p:cNvSpPr>
+            <a:spLocks noGrp="1"/>
+          </p:cNvSpPr>
+          <p:nvPr>
+            <p:ph type="dt" sz="half" idx="10"/>
+          </p:nvPr>
+        </p:nvSpPr>
+        <p:spPr/>
+        <p:txBody>
+          <a:bodyPr/>
+          <a:lstStyle/>
+          <a:p>
+            <a:fld id="{43172269-E0BE-4177-A733-9CAC9D8021AA}" type="datetimeFigureOut">
+              <a:rPr kumimoji="1" lang="ja-JP" altLang="en-US" smtClean="0"/>
+              <a:t>2019/5/3</a:t>
+            </a:fld>
+            <a:endParaRPr kumimoji="1" lang="ja-JP" altLang="en-US"/>
+          </a:p>
+        </p:txBody>
+      </p:sp>
+      <p:sp>
+        <p:nvSpPr>
+          <p:cNvPr id="5" name="フッター プレースホルダー 4">
+            <a:extLst>
+              <a:ext uri="{FF2B5EF4-FFF2-40B4-BE49-F238E27FC236}">
+                <a16:creationId xmlns:a16="http://schemas.microsoft.com/office/drawing/2014/main" id="{F2560E56-CB60-407F-A99B-065ADBFB4E1D}"/>
+              </a:ext>
+            </a:extLst>
+          </p:cNvPr>
+          <p:cNvSpPr>
+            <a:spLocks noGrp="1"/>
+          </p:cNvSpPr>
+          <p:nvPr>
+            <p:ph type="ftr" sz="quarter" idx="11"/>
+          </p:nvPr>
+        </p:nvSpPr>
+        <p:spPr/>
+        <p:txBody>
+          <a:bodyPr/>
+          <a:lstStyle/>
+          <a:p>
+            <a:endParaRPr kumimoji="1" lang="ja-JP" altLang="en-US"/>
+          </a:p>
+        </p:txBody>
+      </p:sp>
+      <p:sp>
+        <p:nvSpPr>
+          <p:cNvPr id="6" name="スライド番号プレースホルダー 5">
+            <a:extLst>
+              <a:ext uri="{FF2B5EF4-FFF2-40B4-BE49-F238E27FC236}">
+                <a16:creationId xmlns:a16="http://schemas.microsoft.com/office/drawing/2014/main" id="{EAD3D580-070A-4E5F-AC73-14F98945A1C1}"/>
+              </a:ext>
+            </a:extLst>
+          </p:cNvPr>
+          <p:cNvSpPr>
+            <a:spLocks noGrp="1"/>
+          </p:cNvSpPr>
+          <p:nvPr>
+            <p:ph type="sldNum" sz="quarter" idx="12"/>
+          </p:nvPr>
+        </p:nvSpPr>
+        <p:spPr/>
+        <p:txBody>
+          <a:bodyPr/>
+          <a:lstStyle/>
+          <a:p>
+            <a:fld id="{9156B735-5CFC-49FC-826B-39E38F340833}" type="slidenum">
+              <a:rPr kumimoji="1" lang="ja-JP" altLang="en-US" smtClean="0"/>
+              <a:t>‹#›</a:t>
+            </a:fld>
+            <a:endParaRPr kumimoji="1" lang="ja-JP" altLang="en-US"/>
+          </a:p>
+        </p:txBody>
+      </p:sp>
+    </p:spTree>
+    <p:extLst>
+      <p:ext uri="{BB962C8B-B14F-4D97-AF65-F5344CB8AC3E}">
+        <p14:creationId xmlns:p14="http://schemas.microsoft.com/office/powerpoint/2010/main" val="3210170861"/>
+      </p:ext>
+    </p:extLst>
+  </p:cSld>
+  <p:clrMapOvr>
+    <a:masterClrMapping/>
+  </p:clrMapOvr>
+</p:sldLayout>
+</file>
+
+<file path=ppt/slideLayouts/slideLayout13.xml><?xml version="1.0" encoding="utf-8"?>
+<p:sldLayout xmlns:a="http://schemas.openxmlformats.org/drawingml/2006/main" xmlns:r="http://schemas.openxmlformats.org/officeDocument/2006/relationships" xmlns:p="http://schemas.openxmlformats.org/presentationml/2006/main" type="obj" preserve="1">
+  <p:cSld name="タイトルとコンテンツ">
+    <p:spTree>
+      <p:nvGrpSpPr>
+        <p:cNvPr id="1" name=""/>
+        <p:cNvGrpSpPr/>
+        <p:nvPr/>
+      </p:nvGrpSpPr>
+      <p:grpSpPr>
+        <a:xfrm>
+          <a:off x="0" y="0"/>
+          <a:ext cx="0" cy="0"/>
+          <a:chOff x="0" y="0"/>
+          <a:chExt cx="0" cy="0"/>
+        </a:xfrm>
+      </p:grpSpPr>
+      <p:sp>
+        <p:nvSpPr>
+          <p:cNvPr id="2" name="タイトル 1">
+            <a:extLst>
+              <a:ext uri="{FF2B5EF4-FFF2-40B4-BE49-F238E27FC236}">
+                <a16:creationId xmlns:a16="http://schemas.microsoft.com/office/drawing/2014/main" id="{3CD7DCC0-6A18-457F-9BFA-2AB43916EDA2}"/>
+              </a:ext>
+            </a:extLst>
+          </p:cNvPr>
+          <p:cNvSpPr>
+            <a:spLocks noGrp="1"/>
+          </p:cNvSpPr>
+          <p:nvPr>
+            <p:ph type="title"/>
+          </p:nvPr>
+        </p:nvSpPr>
+        <p:spPr/>
+        <p:txBody>
+          <a:bodyPr/>
+          <a:lstStyle/>
+          <a:p>
+            <a:r>
+              <a:rPr kumimoji="1" lang="ja-JP" altLang="en-US"/>
+              <a:t>マスター タイトルの書式設定</a:t>
+            </a:r>
+          </a:p>
+        </p:txBody>
+      </p:sp>
+      <p:sp>
+        <p:nvSpPr>
+          <p:cNvPr id="3" name="コンテンツ プレースホルダー 2">
+            <a:extLst>
+              <a:ext uri="{FF2B5EF4-FFF2-40B4-BE49-F238E27FC236}">
+                <a16:creationId xmlns:a16="http://schemas.microsoft.com/office/drawing/2014/main" id="{5FEFB75B-2BA2-422C-985E-BE6AF10B0AAA}"/>
+              </a:ext>
+            </a:extLst>
+          </p:cNvPr>
+          <p:cNvSpPr>
+            <a:spLocks noGrp="1"/>
+          </p:cNvSpPr>
+          <p:nvPr>
+            <p:ph idx="1"/>
+          </p:nvPr>
+        </p:nvSpPr>
+        <p:spPr/>
+        <p:txBody>
+          <a:bodyPr/>
+          <a:lstStyle/>
+          <a:p>
+            <a:pPr lvl="0"/>
+            <a:r>
+              <a:rPr kumimoji="1" lang="ja-JP" altLang="en-US"/>
+              <a:t>マスター テキストの書式設定</a:t>
+            </a:r>
+          </a:p>
+          <a:p>
+            <a:pPr lvl="1"/>
+            <a:r>
+              <a:rPr kumimoji="1" lang="ja-JP" altLang="en-US"/>
+              <a:t>第 </a:t>
+            </a:r>
+            <a:r>
+              <a:rPr kumimoji="1" lang="en-US" altLang="ja-JP"/>
+              <a:t>2 </a:t>
+            </a:r>
+            <a:r>
+              <a:rPr kumimoji="1" lang="ja-JP" altLang="en-US"/>
+              <a:t>レベル</a:t>
+            </a:r>
+          </a:p>
+          <a:p>
+            <a:pPr lvl="2"/>
+            <a:r>
+              <a:rPr kumimoji="1" lang="ja-JP" altLang="en-US"/>
+              <a:t>第 </a:t>
+            </a:r>
+            <a:r>
+              <a:rPr kumimoji="1" lang="en-US" altLang="ja-JP"/>
+              <a:t>3 </a:t>
+            </a:r>
+            <a:r>
+              <a:rPr kumimoji="1" lang="ja-JP" altLang="en-US"/>
+              <a:t>レベル</a:t>
+            </a:r>
+          </a:p>
+          <a:p>
+            <a:pPr lvl="3"/>
+            <a:r>
+              <a:rPr kumimoji="1" lang="ja-JP" altLang="en-US"/>
+              <a:t>第 </a:t>
+            </a:r>
+            <a:r>
+              <a:rPr kumimoji="1" lang="en-US" altLang="ja-JP"/>
+              <a:t>4 </a:t>
+            </a:r>
+            <a:r>
+              <a:rPr kumimoji="1" lang="ja-JP" altLang="en-US"/>
+              <a:t>レベル</a:t>
+            </a:r>
+          </a:p>
+          <a:p>
+            <a:pPr lvl="4"/>
+            <a:r>
+              <a:rPr kumimoji="1" lang="ja-JP" altLang="en-US"/>
+              <a:t>第 </a:t>
+            </a:r>
+            <a:r>
+              <a:rPr kumimoji="1" lang="en-US" altLang="ja-JP"/>
+              <a:t>5 </a:t>
+            </a:r>
+            <a:r>
+              <a:rPr kumimoji="1" lang="ja-JP" altLang="en-US"/>
+              <a:t>レベル</a:t>
+            </a:r>
+          </a:p>
+        </p:txBody>
+      </p:sp>
+      <p:sp>
+        <p:nvSpPr>
+          <p:cNvPr id="4" name="日付プレースホルダー 3">
+            <a:extLst>
+              <a:ext uri="{FF2B5EF4-FFF2-40B4-BE49-F238E27FC236}">
+                <a16:creationId xmlns:a16="http://schemas.microsoft.com/office/drawing/2014/main" id="{1599921B-23BE-4CAF-887B-8FB76659F1D5}"/>
+              </a:ext>
+            </a:extLst>
+          </p:cNvPr>
+          <p:cNvSpPr>
+            <a:spLocks noGrp="1"/>
+          </p:cNvSpPr>
+          <p:nvPr>
+            <p:ph type="dt" sz="half" idx="10"/>
+          </p:nvPr>
+        </p:nvSpPr>
+        <p:spPr/>
+        <p:txBody>
+          <a:bodyPr/>
+          <a:lstStyle/>
+          <a:p>
+            <a:fld id="{43172269-E0BE-4177-A733-9CAC9D8021AA}" type="datetimeFigureOut">
+              <a:rPr kumimoji="1" lang="ja-JP" altLang="en-US" smtClean="0"/>
+              <a:t>2019/5/3</a:t>
+            </a:fld>
+            <a:endParaRPr kumimoji="1" lang="ja-JP" altLang="en-US"/>
+          </a:p>
+        </p:txBody>
+      </p:sp>
+      <p:sp>
+        <p:nvSpPr>
+          <p:cNvPr id="5" name="フッター プレースホルダー 4">
+            <a:extLst>
+              <a:ext uri="{FF2B5EF4-FFF2-40B4-BE49-F238E27FC236}">
+                <a16:creationId xmlns:a16="http://schemas.microsoft.com/office/drawing/2014/main" id="{E0C6A0D4-9577-4327-B1E0-34E27D0F415E}"/>
+              </a:ext>
+            </a:extLst>
+          </p:cNvPr>
+          <p:cNvSpPr>
+            <a:spLocks noGrp="1"/>
+          </p:cNvSpPr>
+          <p:nvPr>
+            <p:ph type="ftr" sz="quarter" idx="11"/>
+          </p:nvPr>
+        </p:nvSpPr>
+        <p:spPr/>
+        <p:txBody>
+          <a:bodyPr/>
+          <a:lstStyle/>
+          <a:p>
+            <a:endParaRPr kumimoji="1" lang="ja-JP" altLang="en-US"/>
+          </a:p>
+        </p:txBody>
+      </p:sp>
+      <p:sp>
+        <p:nvSpPr>
+          <p:cNvPr id="6" name="スライド番号プレースホルダー 5">
+            <a:extLst>
+              <a:ext uri="{FF2B5EF4-FFF2-40B4-BE49-F238E27FC236}">
+                <a16:creationId xmlns:a16="http://schemas.microsoft.com/office/drawing/2014/main" id="{B9A12CF2-2619-4B37-AE04-A383D02A13FD}"/>
+              </a:ext>
+            </a:extLst>
+          </p:cNvPr>
+          <p:cNvSpPr>
+            <a:spLocks noGrp="1"/>
+          </p:cNvSpPr>
+          <p:nvPr>
+            <p:ph type="sldNum" sz="quarter" idx="12"/>
+          </p:nvPr>
+        </p:nvSpPr>
+        <p:spPr/>
+        <p:txBody>
+          <a:bodyPr/>
+          <a:lstStyle/>
+          <a:p>
+            <a:fld id="{9156B735-5CFC-49FC-826B-39E38F340833}" type="slidenum">
+              <a:rPr kumimoji="1" lang="ja-JP" altLang="en-US" smtClean="0"/>
+              <a:t>‹#›</a:t>
+            </a:fld>
+            <a:endParaRPr kumimoji="1" lang="ja-JP" altLang="en-US"/>
+          </a:p>
+        </p:txBody>
+      </p:sp>
+    </p:spTree>
+    <p:extLst>
+      <p:ext uri="{BB962C8B-B14F-4D97-AF65-F5344CB8AC3E}">
+        <p14:creationId xmlns:p14="http://schemas.microsoft.com/office/powerpoint/2010/main" val="2030995013"/>
+      </p:ext>
+    </p:extLst>
+  </p:cSld>
+  <p:clrMapOvr>
+    <a:masterClrMapping/>
+  </p:clrMapOvr>
+</p:sldLayout>
+</file>
+
+<file path=ppt/slideLayouts/slideLayout14.xml><?xml version="1.0" encoding="utf-8"?>
+<p:sldLayout xmlns:a="http://schemas.openxmlformats.org/drawingml/2006/main" xmlns:r="http://schemas.openxmlformats.org/officeDocument/2006/relationships" xmlns:p="http://schemas.openxmlformats.org/presentationml/2006/main" type="secHead" preserve="1">
+  <p:cSld name="セクション見出し">
+    <p:spTree>
+      <p:nvGrpSpPr>
+        <p:cNvPr id="1" name=""/>
+        <p:cNvGrpSpPr/>
+        <p:nvPr/>
+      </p:nvGrpSpPr>
+      <p:grpSpPr>
+        <a:xfrm>
+          <a:off x="0" y="0"/>
+          <a:ext cx="0" cy="0"/>
+          <a:chOff x="0" y="0"/>
+          <a:chExt cx="0" cy="0"/>
+        </a:xfrm>
+      </p:grpSpPr>
+      <p:sp>
+        <p:nvSpPr>
+          <p:cNvPr id="2" name="タイトル 1">
+            <a:extLst>
+              <a:ext uri="{FF2B5EF4-FFF2-40B4-BE49-F238E27FC236}">
+                <a16:creationId xmlns:a16="http://schemas.microsoft.com/office/drawing/2014/main" id="{D4BD3A64-5156-449E-8FAB-A407093C08C1}"/>
+              </a:ext>
+            </a:extLst>
+          </p:cNvPr>
+          <p:cNvSpPr>
+            <a:spLocks noGrp="1"/>
+          </p:cNvSpPr>
+          <p:nvPr>
+            <p:ph type="title"/>
+          </p:nvPr>
+        </p:nvSpPr>
+        <p:spPr>
+          <a:xfrm>
+            <a:off x="831850" y="1709738"/>
+            <a:ext cx="10515600" cy="2852737"/>
+          </a:xfrm>
+        </p:spPr>
+        <p:txBody>
+          <a:bodyPr anchor="b"/>
+          <a:lstStyle>
+            <a:lvl1pPr>
+              <a:defRPr sz="6000"/>
+            </a:lvl1pPr>
+          </a:lstStyle>
+          <a:p>
+            <a:r>
+              <a:rPr kumimoji="1" lang="ja-JP" altLang="en-US"/>
+              <a:t>マスター タイトルの書式設定</a:t>
+            </a:r>
+          </a:p>
+        </p:txBody>
+      </p:sp>
+      <p:sp>
+        <p:nvSpPr>
+          <p:cNvPr id="3" name="テキスト プレースホルダー 2">
+            <a:extLst>
+              <a:ext uri="{FF2B5EF4-FFF2-40B4-BE49-F238E27FC236}">
+                <a16:creationId xmlns:a16="http://schemas.microsoft.com/office/drawing/2014/main" id="{B2DB4364-4C4D-4F14-8A32-24D1347FF739}"/>
+              </a:ext>
+            </a:extLst>
+          </p:cNvPr>
+          <p:cNvSpPr>
+            <a:spLocks noGrp="1"/>
+          </p:cNvSpPr>
+          <p:nvPr>
+            <p:ph type="body" idx="1"/>
+          </p:nvPr>
+        </p:nvSpPr>
+        <p:spPr>
+          <a:xfrm>
+            <a:off x="831850" y="4589463"/>
+            <a:ext cx="10515600" cy="1500187"/>
+          </a:xfrm>
+        </p:spPr>
+        <p:txBody>
+          <a:bodyPr/>
+          <a:lstStyle>
+            <a:lvl1pPr marL="0" indent="0">
+              <a:buNone/>
+              <a:defRPr sz="2400">
+                <a:solidFill>
+                  <a:schemeClr val="tx1">
+                    <a:tint val="75000"/>
+                  </a:schemeClr>
+                </a:solidFill>
+              </a:defRPr>
+            </a:lvl1pPr>
+            <a:lvl2pPr marL="457200" indent="0">
+              <a:buNone/>
+              <a:defRPr sz="2000">
+                <a:solidFill>
+                  <a:schemeClr val="tx1">
+                    <a:tint val="75000"/>
+                  </a:schemeClr>
+                </a:solidFill>
+              </a:defRPr>
+            </a:lvl2pPr>
+            <a:lvl3pPr marL="914400" indent="0">
+              <a:buNone/>
+              <a:defRPr sz="1800">
+                <a:solidFill>
+                  <a:schemeClr val="tx1">
+                    <a:tint val="75000"/>
+                  </a:schemeClr>
+                </a:solidFill>
+              </a:defRPr>
+            </a:lvl3pPr>
+            <a:lvl4pPr marL="1371600" indent="0">
+              <a:buNone/>
+              <a:defRPr sz="1600">
+                <a:solidFill>
+                  <a:schemeClr val="tx1">
+                    <a:tint val="75000"/>
+                  </a:schemeClr>
+                </a:solidFill>
+              </a:defRPr>
+            </a:lvl4pPr>
+            <a:lvl5pPr marL="1828800" indent="0">
+              <a:buNone/>
+              <a:defRPr sz="1600">
+                <a:solidFill>
+                  <a:schemeClr val="tx1">
+                    <a:tint val="75000"/>
+                  </a:schemeClr>
+                </a:solidFill>
+              </a:defRPr>
+            </a:lvl5pPr>
+            <a:lvl6pPr marL="2286000" indent="0">
+              <a:buNone/>
+              <a:defRPr sz="1600">
+                <a:solidFill>
+                  <a:schemeClr val="tx1">
+                    <a:tint val="75000"/>
+                  </a:schemeClr>
+                </a:solidFill>
+              </a:defRPr>
+            </a:lvl6pPr>
+            <a:lvl7pPr marL="2743200" indent="0">
+              <a:buNone/>
+              <a:defRPr sz="1600">
+                <a:solidFill>
+                  <a:schemeClr val="tx1">
+                    <a:tint val="75000"/>
+                  </a:schemeClr>
+                </a:solidFill>
+              </a:defRPr>
+            </a:lvl7pPr>
+            <a:lvl8pPr marL="3200400" indent="0">
+              <a:buNone/>
+              <a:defRPr sz="1600">
+                <a:solidFill>
+                  <a:schemeClr val="tx1">
+                    <a:tint val="75000"/>
+                  </a:schemeClr>
+                </a:solidFill>
+              </a:defRPr>
+            </a:lvl8pPr>
+            <a:lvl9pPr marL="3657600" indent="0">
+              <a:buNone/>
+              <a:defRPr sz="1600">
+                <a:solidFill>
+                  <a:schemeClr val="tx1">
+                    <a:tint val="75000"/>
+                  </a:schemeClr>
+                </a:solidFill>
+              </a:defRPr>
+            </a:lvl9pPr>
+          </a:lstStyle>
+          <a:p>
+            <a:pPr lvl="0"/>
+            <a:r>
+              <a:rPr kumimoji="1" lang="ja-JP" altLang="en-US"/>
+              <a:t>マスター テキストの書式設定</a:t>
+            </a:r>
+          </a:p>
+        </p:txBody>
+      </p:sp>
+      <p:sp>
+        <p:nvSpPr>
+          <p:cNvPr id="4" name="日付プレースホルダー 3">
+            <a:extLst>
+              <a:ext uri="{FF2B5EF4-FFF2-40B4-BE49-F238E27FC236}">
+                <a16:creationId xmlns:a16="http://schemas.microsoft.com/office/drawing/2014/main" id="{7162222F-BBD6-4F78-8AEB-B93BAF30683C}"/>
+              </a:ext>
+            </a:extLst>
+          </p:cNvPr>
+          <p:cNvSpPr>
+            <a:spLocks noGrp="1"/>
+          </p:cNvSpPr>
+          <p:nvPr>
+            <p:ph type="dt" sz="half" idx="10"/>
+          </p:nvPr>
+        </p:nvSpPr>
+        <p:spPr/>
+        <p:txBody>
+          <a:bodyPr/>
+          <a:lstStyle/>
+          <a:p>
+            <a:fld id="{43172269-E0BE-4177-A733-9CAC9D8021AA}" type="datetimeFigureOut">
+              <a:rPr kumimoji="1" lang="ja-JP" altLang="en-US" smtClean="0"/>
+              <a:t>2019/5/3</a:t>
+            </a:fld>
+            <a:endParaRPr kumimoji="1" lang="ja-JP" altLang="en-US"/>
+          </a:p>
+        </p:txBody>
+      </p:sp>
+      <p:sp>
+        <p:nvSpPr>
+          <p:cNvPr id="5" name="フッター プレースホルダー 4">
+            <a:extLst>
+              <a:ext uri="{FF2B5EF4-FFF2-40B4-BE49-F238E27FC236}">
+                <a16:creationId xmlns:a16="http://schemas.microsoft.com/office/drawing/2014/main" id="{EC230FCD-E5B5-4E27-ACD3-EB82C470405E}"/>
+              </a:ext>
+            </a:extLst>
+          </p:cNvPr>
+          <p:cNvSpPr>
+            <a:spLocks noGrp="1"/>
+          </p:cNvSpPr>
+          <p:nvPr>
+            <p:ph type="ftr" sz="quarter" idx="11"/>
+          </p:nvPr>
+        </p:nvSpPr>
+        <p:spPr/>
+        <p:txBody>
+          <a:bodyPr/>
+          <a:lstStyle/>
+          <a:p>
+            <a:endParaRPr kumimoji="1" lang="ja-JP" altLang="en-US"/>
+          </a:p>
+        </p:txBody>
+      </p:sp>
+      <p:sp>
+        <p:nvSpPr>
+          <p:cNvPr id="6" name="スライド番号プレースホルダー 5">
+            <a:extLst>
+              <a:ext uri="{FF2B5EF4-FFF2-40B4-BE49-F238E27FC236}">
+                <a16:creationId xmlns:a16="http://schemas.microsoft.com/office/drawing/2014/main" id="{3C227CC9-E5C8-4EDF-8A5A-ACB0BD2068BB}"/>
+              </a:ext>
+            </a:extLst>
+          </p:cNvPr>
+          <p:cNvSpPr>
+            <a:spLocks noGrp="1"/>
+          </p:cNvSpPr>
+          <p:nvPr>
+            <p:ph type="sldNum" sz="quarter" idx="12"/>
+          </p:nvPr>
+        </p:nvSpPr>
+        <p:spPr/>
+        <p:txBody>
+          <a:bodyPr/>
+          <a:lstStyle/>
+          <a:p>
+            <a:fld id="{9156B735-5CFC-49FC-826B-39E38F340833}" type="slidenum">
+              <a:rPr kumimoji="1" lang="ja-JP" altLang="en-US" smtClean="0"/>
+              <a:t>‹#›</a:t>
+            </a:fld>
+            <a:endParaRPr kumimoji="1" lang="ja-JP" altLang="en-US"/>
+          </a:p>
+        </p:txBody>
+      </p:sp>
+    </p:spTree>
+    <p:extLst>
+      <p:ext uri="{BB962C8B-B14F-4D97-AF65-F5344CB8AC3E}">
+        <p14:creationId xmlns:p14="http://schemas.microsoft.com/office/powerpoint/2010/main" val="1761235189"/>
+      </p:ext>
+    </p:extLst>
+  </p:cSld>
+  <p:clrMapOvr>
+    <a:masterClrMapping/>
+  </p:clrMapOvr>
+</p:sldLayout>
+</file>
+
+<file path=ppt/slideLayouts/slideLayout15.xml><?xml version="1.0" encoding="utf-8"?>
+<p:sldLayout xmlns:a="http://schemas.openxmlformats.org/drawingml/2006/main" xmlns:r="http://schemas.openxmlformats.org/officeDocument/2006/relationships" xmlns:p="http://schemas.openxmlformats.org/presentationml/2006/main" type="twoObj" preserve="1">
+  <p:cSld name="2 つのコンテンツ">
+    <p:spTree>
+      <p:nvGrpSpPr>
+        <p:cNvPr id="1" name=""/>
+        <p:cNvGrpSpPr/>
+        <p:nvPr/>
+      </p:nvGrpSpPr>
+      <p:grpSpPr>
+        <a:xfrm>
+          <a:off x="0" y="0"/>
+          <a:ext cx="0" cy="0"/>
+          <a:chOff x="0" y="0"/>
+          <a:chExt cx="0" cy="0"/>
+        </a:xfrm>
+      </p:grpSpPr>
+      <p:sp>
+        <p:nvSpPr>
+          <p:cNvPr id="2" name="タイトル 1">
+            <a:extLst>
+              <a:ext uri="{FF2B5EF4-FFF2-40B4-BE49-F238E27FC236}">
+                <a16:creationId xmlns:a16="http://schemas.microsoft.com/office/drawing/2014/main" id="{0B9F48E6-24EA-499C-BE91-468D339A516C}"/>
+              </a:ext>
+            </a:extLst>
+          </p:cNvPr>
+          <p:cNvSpPr>
+            <a:spLocks noGrp="1"/>
+          </p:cNvSpPr>
+          <p:nvPr>
+            <p:ph type="title"/>
+          </p:nvPr>
+        </p:nvSpPr>
+        <p:spPr/>
+        <p:txBody>
+          <a:bodyPr/>
+          <a:lstStyle/>
+          <a:p>
+            <a:r>
+              <a:rPr kumimoji="1" lang="ja-JP" altLang="en-US"/>
+              <a:t>マスター タイトルの書式設定</a:t>
+            </a:r>
+          </a:p>
+        </p:txBody>
+      </p:sp>
+      <p:sp>
+        <p:nvSpPr>
+          <p:cNvPr id="3" name="コンテンツ プレースホルダー 2">
+            <a:extLst>
+              <a:ext uri="{FF2B5EF4-FFF2-40B4-BE49-F238E27FC236}">
+                <a16:creationId xmlns:a16="http://schemas.microsoft.com/office/drawing/2014/main" id="{8370F48C-CF00-43E2-810C-743E5388C34F}"/>
+              </a:ext>
+            </a:extLst>
+          </p:cNvPr>
+          <p:cNvSpPr>
+            <a:spLocks noGrp="1"/>
+          </p:cNvSpPr>
+          <p:nvPr>
+            <p:ph sz="half" idx="1"/>
+          </p:nvPr>
+        </p:nvSpPr>
+        <p:spPr>
+          <a:xfrm>
+            <a:off x="838200" y="1825625"/>
+            <a:ext cx="5181600" cy="4351338"/>
+          </a:xfrm>
+        </p:spPr>
+        <p:txBody>
+          <a:bodyPr/>
+          <a:lstStyle/>
+          <a:p>
+            <a:pPr lvl="0"/>
+            <a:r>
+              <a:rPr kumimoji="1" lang="ja-JP" altLang="en-US"/>
+              <a:t>マスター テキストの書式設定</a:t>
+            </a:r>
+          </a:p>
+          <a:p>
+            <a:pPr lvl="1"/>
+            <a:r>
+              <a:rPr kumimoji="1" lang="ja-JP" altLang="en-US"/>
+              <a:t>第 </a:t>
+            </a:r>
+            <a:r>
+              <a:rPr kumimoji="1" lang="en-US" altLang="ja-JP"/>
+              <a:t>2 </a:t>
+            </a:r>
+            <a:r>
+              <a:rPr kumimoji="1" lang="ja-JP" altLang="en-US"/>
+              <a:t>レベル</a:t>
+            </a:r>
+          </a:p>
+          <a:p>
+            <a:pPr lvl="2"/>
+            <a:r>
+              <a:rPr kumimoji="1" lang="ja-JP" altLang="en-US"/>
+              <a:t>第 </a:t>
+            </a:r>
+            <a:r>
+              <a:rPr kumimoji="1" lang="en-US" altLang="ja-JP"/>
+              <a:t>3 </a:t>
+            </a:r>
+            <a:r>
+              <a:rPr kumimoji="1" lang="ja-JP" altLang="en-US"/>
+              <a:t>レベル</a:t>
+            </a:r>
+          </a:p>
+          <a:p>
+            <a:pPr lvl="3"/>
+            <a:r>
+              <a:rPr kumimoji="1" lang="ja-JP" altLang="en-US"/>
+              <a:t>第 </a:t>
+            </a:r>
+            <a:r>
+              <a:rPr kumimoji="1" lang="en-US" altLang="ja-JP"/>
+              <a:t>4 </a:t>
+            </a:r>
+            <a:r>
+              <a:rPr kumimoji="1" lang="ja-JP" altLang="en-US"/>
+              <a:t>レベル</a:t>
+            </a:r>
+          </a:p>
+          <a:p>
+            <a:pPr lvl="4"/>
+            <a:r>
+              <a:rPr kumimoji="1" lang="ja-JP" altLang="en-US"/>
+              <a:t>第 </a:t>
+            </a:r>
+            <a:r>
+              <a:rPr kumimoji="1" lang="en-US" altLang="ja-JP"/>
+              <a:t>5 </a:t>
+            </a:r>
+            <a:r>
+              <a:rPr kumimoji="1" lang="ja-JP" altLang="en-US"/>
+              <a:t>レベル</a:t>
+            </a:r>
+          </a:p>
+        </p:txBody>
+      </p:sp>
+      <p:sp>
+        <p:nvSpPr>
+          <p:cNvPr id="4" name="コンテンツ プレースホルダー 3">
+            <a:extLst>
+              <a:ext uri="{FF2B5EF4-FFF2-40B4-BE49-F238E27FC236}">
+                <a16:creationId xmlns:a16="http://schemas.microsoft.com/office/drawing/2014/main" id="{1008419C-4CF5-46A0-8FED-59EADDAEEA16}"/>
+              </a:ext>
+            </a:extLst>
+          </p:cNvPr>
+          <p:cNvSpPr>
+            <a:spLocks noGrp="1"/>
+          </p:cNvSpPr>
+          <p:nvPr>
+            <p:ph sz="half" idx="2"/>
+          </p:nvPr>
+        </p:nvSpPr>
+        <p:spPr>
+          <a:xfrm>
+            <a:off x="6172200" y="1825625"/>
+            <a:ext cx="5181600" cy="4351338"/>
+          </a:xfrm>
+        </p:spPr>
+        <p:txBody>
+          <a:bodyPr/>
+          <a:lstStyle/>
+          <a:p>
+            <a:pPr lvl="0"/>
+            <a:r>
+              <a:rPr kumimoji="1" lang="ja-JP" altLang="en-US"/>
+              <a:t>マスター テキストの書式設定</a:t>
+            </a:r>
+          </a:p>
+          <a:p>
+            <a:pPr lvl="1"/>
+            <a:r>
+              <a:rPr kumimoji="1" lang="ja-JP" altLang="en-US"/>
+              <a:t>第 </a:t>
+            </a:r>
+            <a:r>
+              <a:rPr kumimoji="1" lang="en-US" altLang="ja-JP"/>
+              <a:t>2 </a:t>
+            </a:r>
+            <a:r>
+              <a:rPr kumimoji="1" lang="ja-JP" altLang="en-US"/>
+              <a:t>レベル</a:t>
+            </a:r>
+          </a:p>
+          <a:p>
+            <a:pPr lvl="2"/>
+            <a:r>
+              <a:rPr kumimoji="1" lang="ja-JP" altLang="en-US"/>
+              <a:t>第 </a:t>
+            </a:r>
+            <a:r>
+              <a:rPr kumimoji="1" lang="en-US" altLang="ja-JP"/>
+              <a:t>3 </a:t>
+            </a:r>
+            <a:r>
+              <a:rPr kumimoji="1" lang="ja-JP" altLang="en-US"/>
+              <a:t>レベル</a:t>
+            </a:r>
+          </a:p>
+          <a:p>
+            <a:pPr lvl="3"/>
+            <a:r>
+              <a:rPr kumimoji="1" lang="ja-JP" altLang="en-US"/>
+              <a:t>第 </a:t>
+            </a:r>
+            <a:r>
+              <a:rPr kumimoji="1" lang="en-US" altLang="ja-JP"/>
+              <a:t>4 </a:t>
+            </a:r>
+            <a:r>
+              <a:rPr kumimoji="1" lang="ja-JP" altLang="en-US"/>
+              <a:t>レベル</a:t>
+            </a:r>
+          </a:p>
+          <a:p>
+            <a:pPr lvl="4"/>
+            <a:r>
+              <a:rPr kumimoji="1" lang="ja-JP" altLang="en-US"/>
+              <a:t>第 </a:t>
+            </a:r>
+            <a:r>
+              <a:rPr kumimoji="1" lang="en-US" altLang="ja-JP"/>
+              <a:t>5 </a:t>
+            </a:r>
+            <a:r>
+              <a:rPr kumimoji="1" lang="ja-JP" altLang="en-US"/>
+              <a:t>レベル</a:t>
+            </a:r>
+          </a:p>
+        </p:txBody>
+      </p:sp>
+      <p:sp>
+        <p:nvSpPr>
+          <p:cNvPr id="5" name="日付プレースホルダー 4">
+            <a:extLst>
+              <a:ext uri="{FF2B5EF4-FFF2-40B4-BE49-F238E27FC236}">
+                <a16:creationId xmlns:a16="http://schemas.microsoft.com/office/drawing/2014/main" id="{54EB9C7F-6826-4586-95D5-432C53BB555A}"/>
+              </a:ext>
+            </a:extLst>
+          </p:cNvPr>
+          <p:cNvSpPr>
+            <a:spLocks noGrp="1"/>
+          </p:cNvSpPr>
+          <p:nvPr>
+            <p:ph type="dt" sz="half" idx="10"/>
+          </p:nvPr>
+        </p:nvSpPr>
+        <p:spPr/>
+        <p:txBody>
+          <a:bodyPr/>
+          <a:lstStyle/>
+          <a:p>
+            <a:fld id="{43172269-E0BE-4177-A733-9CAC9D8021AA}" type="datetimeFigureOut">
+              <a:rPr kumimoji="1" lang="ja-JP" altLang="en-US" smtClean="0"/>
+              <a:t>2019/5/3</a:t>
+            </a:fld>
+            <a:endParaRPr kumimoji="1" lang="ja-JP" altLang="en-US"/>
+          </a:p>
+        </p:txBody>
+      </p:sp>
+      <p:sp>
+        <p:nvSpPr>
+          <p:cNvPr id="6" name="フッター プレースホルダー 5">
+            <a:extLst>
+              <a:ext uri="{FF2B5EF4-FFF2-40B4-BE49-F238E27FC236}">
+                <a16:creationId xmlns:a16="http://schemas.microsoft.com/office/drawing/2014/main" id="{042F0BB2-040E-4DDB-B8EE-38C537143F27}"/>
+              </a:ext>
+            </a:extLst>
+          </p:cNvPr>
+          <p:cNvSpPr>
+            <a:spLocks noGrp="1"/>
+          </p:cNvSpPr>
+          <p:nvPr>
+            <p:ph type="ftr" sz="quarter" idx="11"/>
+          </p:nvPr>
+        </p:nvSpPr>
+        <p:spPr/>
+        <p:txBody>
+          <a:bodyPr/>
+          <a:lstStyle/>
+          <a:p>
+            <a:endParaRPr kumimoji="1" lang="ja-JP" altLang="en-US"/>
+          </a:p>
+        </p:txBody>
+      </p:sp>
+      <p:sp>
+        <p:nvSpPr>
+          <p:cNvPr id="7" name="スライド番号プレースホルダー 6">
+            <a:extLst>
+              <a:ext uri="{FF2B5EF4-FFF2-40B4-BE49-F238E27FC236}">
+                <a16:creationId xmlns:a16="http://schemas.microsoft.com/office/drawing/2014/main" id="{8FCFCCEC-CE73-43D1-B2D7-57C9B1EDAF6B}"/>
+              </a:ext>
+            </a:extLst>
+          </p:cNvPr>
+          <p:cNvSpPr>
+            <a:spLocks noGrp="1"/>
+          </p:cNvSpPr>
+          <p:nvPr>
+            <p:ph type="sldNum" sz="quarter" idx="12"/>
+          </p:nvPr>
+        </p:nvSpPr>
+        <p:spPr/>
+        <p:txBody>
+          <a:bodyPr/>
+          <a:lstStyle/>
+          <a:p>
+            <a:fld id="{9156B735-5CFC-49FC-826B-39E38F340833}" type="slidenum">
+              <a:rPr kumimoji="1" lang="ja-JP" altLang="en-US" smtClean="0"/>
+              <a:t>‹#›</a:t>
+            </a:fld>
+            <a:endParaRPr kumimoji="1" lang="ja-JP" altLang="en-US"/>
+          </a:p>
+        </p:txBody>
+      </p:sp>
+    </p:spTree>
+    <p:extLst>
+      <p:ext uri="{BB962C8B-B14F-4D97-AF65-F5344CB8AC3E}">
+        <p14:creationId xmlns:p14="http://schemas.microsoft.com/office/powerpoint/2010/main" val="4075228391"/>
+      </p:ext>
+    </p:extLst>
+  </p:cSld>
+  <p:clrMapOvr>
+    <a:masterClrMapping/>
+  </p:clrMapOvr>
+</p:sldLayout>
+</file>
+
+<file path=ppt/slideLayouts/slideLayout16.xml><?xml version="1.0" encoding="utf-8"?>
+<p:sldLayout xmlns:a="http://schemas.openxmlformats.org/drawingml/2006/main" xmlns:r="http://schemas.openxmlformats.org/officeDocument/2006/relationships" xmlns:p="http://schemas.openxmlformats.org/presentationml/2006/main" type="twoTxTwoObj" preserve="1">
+  <p:cSld name="比較">
+    <p:spTree>
+      <p:nvGrpSpPr>
+        <p:cNvPr id="1" name=""/>
+        <p:cNvGrpSpPr/>
+        <p:nvPr/>
+      </p:nvGrpSpPr>
+      <p:grpSpPr>
+        <a:xfrm>
+          <a:off x="0" y="0"/>
+          <a:ext cx="0" cy="0"/>
+          <a:chOff x="0" y="0"/>
+          <a:chExt cx="0" cy="0"/>
+        </a:xfrm>
+      </p:grpSpPr>
+      <p:sp>
+        <p:nvSpPr>
+          <p:cNvPr id="2" name="タイトル 1">
+            <a:extLst>
+              <a:ext uri="{FF2B5EF4-FFF2-40B4-BE49-F238E27FC236}">
+                <a16:creationId xmlns:a16="http://schemas.microsoft.com/office/drawing/2014/main" id="{4DE468F9-04BF-4A19-BCF9-00EDB62C0CAE}"/>
+              </a:ext>
+            </a:extLst>
+          </p:cNvPr>
+          <p:cNvSpPr>
+            <a:spLocks noGrp="1"/>
+          </p:cNvSpPr>
+          <p:nvPr>
+            <p:ph type="title"/>
+          </p:nvPr>
+        </p:nvSpPr>
+        <p:spPr>
+          <a:xfrm>
+            <a:off x="839788" y="365125"/>
+            <a:ext cx="10515600" cy="1325563"/>
+          </a:xfrm>
+        </p:spPr>
+        <p:txBody>
+          <a:bodyPr/>
+          <a:lstStyle/>
+          <a:p>
+            <a:r>
+              <a:rPr kumimoji="1" lang="ja-JP" altLang="en-US"/>
+              <a:t>マスター タイトルの書式設定</a:t>
+            </a:r>
+          </a:p>
+        </p:txBody>
+      </p:sp>
+      <p:sp>
+        <p:nvSpPr>
+          <p:cNvPr id="3" name="テキスト プレースホルダー 2">
+            <a:extLst>
+              <a:ext uri="{FF2B5EF4-FFF2-40B4-BE49-F238E27FC236}">
+                <a16:creationId xmlns:a16="http://schemas.microsoft.com/office/drawing/2014/main" id="{EFBD5803-A78E-46FE-888A-B274228D6527}"/>
+              </a:ext>
+            </a:extLst>
+          </p:cNvPr>
+          <p:cNvSpPr>
+            <a:spLocks noGrp="1"/>
+          </p:cNvSpPr>
+          <p:nvPr>
+            <p:ph type="body" idx="1"/>
+          </p:nvPr>
+        </p:nvSpPr>
+        <p:spPr>
+          <a:xfrm>
+            <a:off x="839788" y="1681163"/>
+            <a:ext cx="5157787" cy="823912"/>
+          </a:xfrm>
+        </p:spPr>
+        <p:txBody>
+          <a:bodyPr anchor="b"/>
+          <a:lstStyle>
+            <a:lvl1pPr marL="0" indent="0">
+              <a:buNone/>
+              <a:defRPr sz="2400" b="1"/>
+            </a:lvl1pPr>
+            <a:lvl2pPr marL="457200" indent="0">
+              <a:buNone/>
+              <a:defRPr sz="2000" b="1"/>
+            </a:lvl2pPr>
+            <a:lvl3pPr marL="914400" indent="0">
+              <a:buNone/>
+              <a:defRPr sz="1800" b="1"/>
+            </a:lvl3pPr>
+            <a:lvl4pPr marL="1371600" indent="0">
+              <a:buNone/>
+              <a:defRPr sz="1600" b="1"/>
+            </a:lvl4pPr>
+            <a:lvl5pPr marL="1828800" indent="0">
+              <a:buNone/>
+              <a:defRPr sz="1600" b="1"/>
+            </a:lvl5pPr>
+            <a:lvl6pPr marL="2286000" indent="0">
+              <a:buNone/>
+              <a:defRPr sz="1600" b="1"/>
+            </a:lvl6pPr>
+            <a:lvl7pPr marL="2743200" indent="0">
+              <a:buNone/>
+              <a:defRPr sz="1600" b="1"/>
+            </a:lvl7pPr>
+            <a:lvl8pPr marL="3200400" indent="0">
+              <a:buNone/>
+              <a:defRPr sz="1600" b="1"/>
+            </a:lvl8pPr>
+            <a:lvl9pPr marL="3657600" indent="0">
+              <a:buNone/>
+              <a:defRPr sz="1600" b="1"/>
+            </a:lvl9pPr>
+          </a:lstStyle>
+          <a:p>
+            <a:pPr lvl="0"/>
+            <a:r>
+              <a:rPr kumimoji="1" lang="ja-JP" altLang="en-US"/>
+              <a:t>マスター テキストの書式設定</a:t>
+            </a:r>
+          </a:p>
+        </p:txBody>
+      </p:sp>
+      <p:sp>
+        <p:nvSpPr>
+          <p:cNvPr id="4" name="コンテンツ プレースホルダー 3">
+            <a:extLst>
+              <a:ext uri="{FF2B5EF4-FFF2-40B4-BE49-F238E27FC236}">
+                <a16:creationId xmlns:a16="http://schemas.microsoft.com/office/drawing/2014/main" id="{3D2CFBDE-7EA7-4B92-ACE1-A6F9E11E234C}"/>
+              </a:ext>
+            </a:extLst>
+          </p:cNvPr>
+          <p:cNvSpPr>
+            <a:spLocks noGrp="1"/>
+          </p:cNvSpPr>
+          <p:nvPr>
+            <p:ph sz="half" idx="2"/>
+          </p:nvPr>
+        </p:nvSpPr>
+        <p:spPr>
+          <a:xfrm>
+            <a:off x="839788" y="2505075"/>
+            <a:ext cx="5157787" cy="3684588"/>
+          </a:xfrm>
+        </p:spPr>
+        <p:txBody>
+          <a:bodyPr/>
+          <a:lstStyle/>
+          <a:p>
+            <a:pPr lvl="0"/>
+            <a:r>
+              <a:rPr kumimoji="1" lang="ja-JP" altLang="en-US"/>
+              <a:t>マスター テキストの書式設定</a:t>
+            </a:r>
+          </a:p>
+          <a:p>
+            <a:pPr lvl="1"/>
+            <a:r>
+              <a:rPr kumimoji="1" lang="ja-JP" altLang="en-US"/>
+              <a:t>第 </a:t>
+            </a:r>
+            <a:r>
+              <a:rPr kumimoji="1" lang="en-US" altLang="ja-JP"/>
+              <a:t>2 </a:t>
+            </a:r>
+            <a:r>
+              <a:rPr kumimoji="1" lang="ja-JP" altLang="en-US"/>
+              <a:t>レベル</a:t>
+            </a:r>
+          </a:p>
+          <a:p>
+            <a:pPr lvl="2"/>
+            <a:r>
+              <a:rPr kumimoji="1" lang="ja-JP" altLang="en-US"/>
+              <a:t>第 </a:t>
+            </a:r>
+            <a:r>
+              <a:rPr kumimoji="1" lang="en-US" altLang="ja-JP"/>
+              <a:t>3 </a:t>
+            </a:r>
+            <a:r>
+              <a:rPr kumimoji="1" lang="ja-JP" altLang="en-US"/>
+              <a:t>レベル</a:t>
+            </a:r>
+          </a:p>
+          <a:p>
+            <a:pPr lvl="3"/>
+            <a:r>
+              <a:rPr kumimoji="1" lang="ja-JP" altLang="en-US"/>
+              <a:t>第 </a:t>
+            </a:r>
+            <a:r>
+              <a:rPr kumimoji="1" lang="en-US" altLang="ja-JP"/>
+              <a:t>4 </a:t>
+            </a:r>
+            <a:r>
+              <a:rPr kumimoji="1" lang="ja-JP" altLang="en-US"/>
+              <a:t>レベル</a:t>
+            </a:r>
+          </a:p>
+          <a:p>
+            <a:pPr lvl="4"/>
+            <a:r>
+              <a:rPr kumimoji="1" lang="ja-JP" altLang="en-US"/>
+              <a:t>第 </a:t>
+            </a:r>
+            <a:r>
+              <a:rPr kumimoji="1" lang="en-US" altLang="ja-JP"/>
+              <a:t>5 </a:t>
+            </a:r>
+            <a:r>
+              <a:rPr kumimoji="1" lang="ja-JP" altLang="en-US"/>
+              <a:t>レベル</a:t>
+            </a:r>
+          </a:p>
+        </p:txBody>
+      </p:sp>
+      <p:sp>
+        <p:nvSpPr>
+          <p:cNvPr id="5" name="テキスト プレースホルダー 4">
+            <a:extLst>
+              <a:ext uri="{FF2B5EF4-FFF2-40B4-BE49-F238E27FC236}">
+                <a16:creationId xmlns:a16="http://schemas.microsoft.com/office/drawing/2014/main" id="{2C36282C-3ED2-4CC8-804F-5B67DE14B748}"/>
+              </a:ext>
+            </a:extLst>
+          </p:cNvPr>
+          <p:cNvSpPr>
+            <a:spLocks noGrp="1"/>
+          </p:cNvSpPr>
+          <p:nvPr>
+            <p:ph type="body" sz="quarter" idx="3"/>
+          </p:nvPr>
+        </p:nvSpPr>
+        <p:spPr>
+          <a:xfrm>
+            <a:off x="6172200" y="1681163"/>
+            <a:ext cx="5183188" cy="823912"/>
+          </a:xfrm>
+        </p:spPr>
+        <p:txBody>
+          <a:bodyPr anchor="b"/>
+          <a:lstStyle>
+            <a:lvl1pPr marL="0" indent="0">
+              <a:buNone/>
+              <a:defRPr sz="2400" b="1"/>
+            </a:lvl1pPr>
+            <a:lvl2pPr marL="457200" indent="0">
+              <a:buNone/>
+              <a:defRPr sz="2000" b="1"/>
+            </a:lvl2pPr>
+            <a:lvl3pPr marL="914400" indent="0">
+              <a:buNone/>
+              <a:defRPr sz="1800" b="1"/>
+            </a:lvl3pPr>
+            <a:lvl4pPr marL="1371600" indent="0">
+              <a:buNone/>
+              <a:defRPr sz="1600" b="1"/>
+            </a:lvl4pPr>
+            <a:lvl5pPr marL="1828800" indent="0">
+              <a:buNone/>
+              <a:defRPr sz="1600" b="1"/>
+            </a:lvl5pPr>
+            <a:lvl6pPr marL="2286000" indent="0">
+              <a:buNone/>
+              <a:defRPr sz="1600" b="1"/>
+            </a:lvl6pPr>
+            <a:lvl7pPr marL="2743200" indent="0">
+              <a:buNone/>
+              <a:defRPr sz="1600" b="1"/>
+            </a:lvl7pPr>
+            <a:lvl8pPr marL="3200400" indent="0">
+              <a:buNone/>
+              <a:defRPr sz="1600" b="1"/>
+            </a:lvl8pPr>
+            <a:lvl9pPr marL="3657600" indent="0">
+              <a:buNone/>
+              <a:defRPr sz="1600" b="1"/>
+            </a:lvl9pPr>
+          </a:lstStyle>
+          <a:p>
+            <a:pPr lvl="0"/>
+            <a:r>
+              <a:rPr kumimoji="1" lang="ja-JP" altLang="en-US"/>
+              <a:t>マスター テキストの書式設定</a:t>
+            </a:r>
+          </a:p>
+        </p:txBody>
+      </p:sp>
+      <p:sp>
+        <p:nvSpPr>
+          <p:cNvPr id="6" name="コンテンツ プレースホルダー 5">
+            <a:extLst>
+              <a:ext uri="{FF2B5EF4-FFF2-40B4-BE49-F238E27FC236}">
+                <a16:creationId xmlns:a16="http://schemas.microsoft.com/office/drawing/2014/main" id="{58B8220F-ED18-426F-8868-47983A12AB87}"/>
+              </a:ext>
+            </a:extLst>
+          </p:cNvPr>
+          <p:cNvSpPr>
+            <a:spLocks noGrp="1"/>
+          </p:cNvSpPr>
+          <p:nvPr>
+            <p:ph sz="quarter" idx="4"/>
+          </p:nvPr>
+        </p:nvSpPr>
+        <p:spPr>
+          <a:xfrm>
+            <a:off x="6172200" y="2505075"/>
+            <a:ext cx="5183188" cy="3684588"/>
+          </a:xfrm>
+        </p:spPr>
+        <p:txBody>
+          <a:bodyPr/>
+          <a:lstStyle/>
+          <a:p>
+            <a:pPr lvl="0"/>
+            <a:r>
+              <a:rPr kumimoji="1" lang="ja-JP" altLang="en-US"/>
+              <a:t>マスター テキストの書式設定</a:t>
+            </a:r>
+          </a:p>
+          <a:p>
+            <a:pPr lvl="1"/>
+            <a:r>
+              <a:rPr kumimoji="1" lang="ja-JP" altLang="en-US"/>
+              <a:t>第 </a:t>
+            </a:r>
+            <a:r>
+              <a:rPr kumimoji="1" lang="en-US" altLang="ja-JP"/>
+              <a:t>2 </a:t>
+            </a:r>
+            <a:r>
+              <a:rPr kumimoji="1" lang="ja-JP" altLang="en-US"/>
+              <a:t>レベル</a:t>
+            </a:r>
+          </a:p>
+          <a:p>
+            <a:pPr lvl="2"/>
+            <a:r>
+              <a:rPr kumimoji="1" lang="ja-JP" altLang="en-US"/>
+              <a:t>第 </a:t>
+            </a:r>
+            <a:r>
+              <a:rPr kumimoji="1" lang="en-US" altLang="ja-JP"/>
+              <a:t>3 </a:t>
+            </a:r>
+            <a:r>
+              <a:rPr kumimoji="1" lang="ja-JP" altLang="en-US"/>
+              <a:t>レベル</a:t>
+            </a:r>
+          </a:p>
+          <a:p>
+            <a:pPr lvl="3"/>
+            <a:r>
+              <a:rPr kumimoji="1" lang="ja-JP" altLang="en-US"/>
+              <a:t>第 </a:t>
+            </a:r>
+            <a:r>
+              <a:rPr kumimoji="1" lang="en-US" altLang="ja-JP"/>
+              <a:t>4 </a:t>
+            </a:r>
+            <a:r>
+              <a:rPr kumimoji="1" lang="ja-JP" altLang="en-US"/>
+              <a:t>レベル</a:t>
+            </a:r>
+          </a:p>
+          <a:p>
+            <a:pPr lvl="4"/>
+            <a:r>
+              <a:rPr kumimoji="1" lang="ja-JP" altLang="en-US"/>
+              <a:t>第 </a:t>
+            </a:r>
+            <a:r>
+              <a:rPr kumimoji="1" lang="en-US" altLang="ja-JP"/>
+              <a:t>5 </a:t>
+            </a:r>
+            <a:r>
+              <a:rPr kumimoji="1" lang="ja-JP" altLang="en-US"/>
+              <a:t>レベル</a:t>
+            </a:r>
+          </a:p>
+        </p:txBody>
+      </p:sp>
+      <p:sp>
+        <p:nvSpPr>
+          <p:cNvPr id="7" name="日付プレースホルダー 6">
+            <a:extLst>
+              <a:ext uri="{FF2B5EF4-FFF2-40B4-BE49-F238E27FC236}">
+                <a16:creationId xmlns:a16="http://schemas.microsoft.com/office/drawing/2014/main" id="{A123B2DD-2F33-433F-BBFA-B16B9201E044}"/>
+              </a:ext>
+            </a:extLst>
+          </p:cNvPr>
+          <p:cNvSpPr>
+            <a:spLocks noGrp="1"/>
+          </p:cNvSpPr>
+          <p:nvPr>
+            <p:ph type="dt" sz="half" idx="10"/>
+          </p:nvPr>
+        </p:nvSpPr>
+        <p:spPr/>
+        <p:txBody>
+          <a:bodyPr/>
+          <a:lstStyle/>
+          <a:p>
+            <a:fld id="{43172269-E0BE-4177-A733-9CAC9D8021AA}" type="datetimeFigureOut">
+              <a:rPr kumimoji="1" lang="ja-JP" altLang="en-US" smtClean="0"/>
+              <a:t>2019/5/3</a:t>
+            </a:fld>
+            <a:endParaRPr kumimoji="1" lang="ja-JP" altLang="en-US"/>
+          </a:p>
+        </p:txBody>
+      </p:sp>
+      <p:sp>
+        <p:nvSpPr>
+          <p:cNvPr id="8" name="フッター プレースホルダー 7">
+            <a:extLst>
+              <a:ext uri="{FF2B5EF4-FFF2-40B4-BE49-F238E27FC236}">
+                <a16:creationId xmlns:a16="http://schemas.microsoft.com/office/drawing/2014/main" id="{5D7A5F25-08E9-44E4-95DB-130C0B38A563}"/>
+              </a:ext>
+            </a:extLst>
+          </p:cNvPr>
+          <p:cNvSpPr>
+            <a:spLocks noGrp="1"/>
+          </p:cNvSpPr>
+          <p:nvPr>
+            <p:ph type="ftr" sz="quarter" idx="11"/>
+          </p:nvPr>
+        </p:nvSpPr>
+        <p:spPr/>
+        <p:txBody>
+          <a:bodyPr/>
+          <a:lstStyle/>
+          <a:p>
+            <a:endParaRPr kumimoji="1" lang="ja-JP" altLang="en-US"/>
+          </a:p>
+        </p:txBody>
+      </p:sp>
+      <p:sp>
+        <p:nvSpPr>
+          <p:cNvPr id="9" name="スライド番号プレースホルダー 8">
+            <a:extLst>
+              <a:ext uri="{FF2B5EF4-FFF2-40B4-BE49-F238E27FC236}">
+                <a16:creationId xmlns:a16="http://schemas.microsoft.com/office/drawing/2014/main" id="{09BF6191-CEC0-4962-B722-EC34E9EBAFE9}"/>
+              </a:ext>
+            </a:extLst>
+          </p:cNvPr>
+          <p:cNvSpPr>
+            <a:spLocks noGrp="1"/>
+          </p:cNvSpPr>
+          <p:nvPr>
+            <p:ph type="sldNum" sz="quarter" idx="12"/>
+          </p:nvPr>
+        </p:nvSpPr>
+        <p:spPr/>
+        <p:txBody>
+          <a:bodyPr/>
+          <a:lstStyle/>
+          <a:p>
+            <a:fld id="{9156B735-5CFC-49FC-826B-39E38F340833}" type="slidenum">
+              <a:rPr kumimoji="1" lang="ja-JP" altLang="en-US" smtClean="0"/>
+              <a:t>‹#›</a:t>
+            </a:fld>
+            <a:endParaRPr kumimoji="1" lang="ja-JP" altLang="en-US"/>
+          </a:p>
+        </p:txBody>
+      </p:sp>
+    </p:spTree>
+    <p:extLst>
+      <p:ext uri="{BB962C8B-B14F-4D97-AF65-F5344CB8AC3E}">
+        <p14:creationId xmlns:p14="http://schemas.microsoft.com/office/powerpoint/2010/main" val="2094515611"/>
+      </p:ext>
+    </p:extLst>
+  </p:cSld>
+  <p:clrMapOvr>
+    <a:masterClrMapping/>
+  </p:clrMapOvr>
+</p:sldLayout>
+</file>
+
+<file path=ppt/slideLayouts/slideLayout17.xml><?xml version="1.0" encoding="utf-8"?>
+<p:sldLayout xmlns:a="http://schemas.openxmlformats.org/drawingml/2006/main" xmlns:r="http://schemas.openxmlformats.org/officeDocument/2006/relationships" xmlns:p="http://schemas.openxmlformats.org/presentationml/2006/main" type="titleOnly" preserve="1">
+  <p:cSld name="タイトルのみ">
+    <p:spTree>
+      <p:nvGrpSpPr>
+        <p:cNvPr id="1" name=""/>
+        <p:cNvGrpSpPr/>
+        <p:nvPr/>
+      </p:nvGrpSpPr>
+      <p:grpSpPr>
+        <a:xfrm>
+          <a:off x="0" y="0"/>
+          <a:ext cx="0" cy="0"/>
+          <a:chOff x="0" y="0"/>
+          <a:chExt cx="0" cy="0"/>
+        </a:xfrm>
+      </p:grpSpPr>
+      <p:sp>
+        <p:nvSpPr>
+          <p:cNvPr id="2" name="タイトル 1">
+            <a:extLst>
+              <a:ext uri="{FF2B5EF4-FFF2-40B4-BE49-F238E27FC236}">
+                <a16:creationId xmlns:a16="http://schemas.microsoft.com/office/drawing/2014/main" id="{63FF8D2A-B10C-4FE7-AC50-2068ECB25D9E}"/>
+              </a:ext>
+            </a:extLst>
+          </p:cNvPr>
+          <p:cNvSpPr>
+            <a:spLocks noGrp="1"/>
+          </p:cNvSpPr>
+          <p:nvPr>
+            <p:ph type="title"/>
+          </p:nvPr>
+        </p:nvSpPr>
+        <p:spPr/>
+        <p:txBody>
+          <a:bodyPr/>
+          <a:lstStyle/>
+          <a:p>
+            <a:r>
+              <a:rPr kumimoji="1" lang="ja-JP" altLang="en-US"/>
+              <a:t>マスター タイトルの書式設定</a:t>
+            </a:r>
+          </a:p>
+        </p:txBody>
+      </p:sp>
+      <p:sp>
+        <p:nvSpPr>
+          <p:cNvPr id="3" name="日付プレースホルダー 2">
+            <a:extLst>
+              <a:ext uri="{FF2B5EF4-FFF2-40B4-BE49-F238E27FC236}">
+                <a16:creationId xmlns:a16="http://schemas.microsoft.com/office/drawing/2014/main" id="{647CD860-2A25-44F9-AB3D-B2F7E66955C8}"/>
+              </a:ext>
+            </a:extLst>
+          </p:cNvPr>
+          <p:cNvSpPr>
+            <a:spLocks noGrp="1"/>
+          </p:cNvSpPr>
+          <p:nvPr>
+            <p:ph type="dt" sz="half" idx="10"/>
+          </p:nvPr>
+        </p:nvSpPr>
+        <p:spPr/>
+        <p:txBody>
+          <a:bodyPr/>
+          <a:lstStyle/>
+          <a:p>
+            <a:fld id="{43172269-E0BE-4177-A733-9CAC9D8021AA}" type="datetimeFigureOut">
+              <a:rPr kumimoji="1" lang="ja-JP" altLang="en-US" smtClean="0"/>
+              <a:t>2019/5/3</a:t>
+            </a:fld>
+            <a:endParaRPr kumimoji="1" lang="ja-JP" altLang="en-US"/>
+          </a:p>
+        </p:txBody>
+      </p:sp>
+      <p:sp>
+        <p:nvSpPr>
+          <p:cNvPr id="4" name="フッター プレースホルダー 3">
+            <a:extLst>
+              <a:ext uri="{FF2B5EF4-FFF2-40B4-BE49-F238E27FC236}">
+                <a16:creationId xmlns:a16="http://schemas.microsoft.com/office/drawing/2014/main" id="{858C637C-0A8D-4707-AEA2-71F805FDDB44}"/>
+              </a:ext>
+            </a:extLst>
+          </p:cNvPr>
+          <p:cNvSpPr>
+            <a:spLocks noGrp="1"/>
+          </p:cNvSpPr>
+          <p:nvPr>
+            <p:ph type="ftr" sz="quarter" idx="11"/>
+          </p:nvPr>
+        </p:nvSpPr>
+        <p:spPr/>
+        <p:txBody>
+          <a:bodyPr/>
+          <a:lstStyle/>
+          <a:p>
+            <a:endParaRPr kumimoji="1" lang="ja-JP" altLang="en-US"/>
+          </a:p>
+        </p:txBody>
+      </p:sp>
+      <p:sp>
+        <p:nvSpPr>
+          <p:cNvPr id="5" name="スライド番号プレースホルダー 4">
+            <a:extLst>
+              <a:ext uri="{FF2B5EF4-FFF2-40B4-BE49-F238E27FC236}">
+                <a16:creationId xmlns:a16="http://schemas.microsoft.com/office/drawing/2014/main" id="{02E151C4-B5C4-40F1-945A-465C13225100}"/>
+              </a:ext>
+            </a:extLst>
+          </p:cNvPr>
+          <p:cNvSpPr>
+            <a:spLocks noGrp="1"/>
+          </p:cNvSpPr>
+          <p:nvPr>
+            <p:ph type="sldNum" sz="quarter" idx="12"/>
+          </p:nvPr>
+        </p:nvSpPr>
+        <p:spPr/>
+        <p:txBody>
+          <a:bodyPr/>
+          <a:lstStyle/>
+          <a:p>
+            <a:fld id="{9156B735-5CFC-49FC-826B-39E38F340833}" type="slidenum">
+              <a:rPr kumimoji="1" lang="ja-JP" altLang="en-US" smtClean="0"/>
+              <a:t>‹#›</a:t>
+            </a:fld>
+            <a:endParaRPr kumimoji="1" lang="ja-JP" altLang="en-US"/>
+          </a:p>
+        </p:txBody>
+      </p:sp>
+    </p:spTree>
+    <p:extLst>
+      <p:ext uri="{BB962C8B-B14F-4D97-AF65-F5344CB8AC3E}">
+        <p14:creationId xmlns:p14="http://schemas.microsoft.com/office/powerpoint/2010/main" val="2710423148"/>
+      </p:ext>
+    </p:extLst>
+  </p:cSld>
+  <p:clrMapOvr>
+    <a:masterClrMapping/>
+  </p:clrMapOvr>
+</p:sldLayout>
+</file>
+
+<file path=ppt/slideLayouts/slideLayout18.xml><?xml version="1.0" encoding="utf-8"?>
+<p:sldLayout xmlns:a="http://schemas.openxmlformats.org/drawingml/2006/main" xmlns:r="http://schemas.openxmlformats.org/officeDocument/2006/relationships" xmlns:p="http://schemas.openxmlformats.org/presentationml/2006/main" type="blank" preserve="1">
+  <p:cSld name="白紙">
+    <p:spTree>
+      <p:nvGrpSpPr>
+        <p:cNvPr id="1" name=""/>
+        <p:cNvGrpSpPr/>
+        <p:nvPr/>
+      </p:nvGrpSpPr>
+      <p:grpSpPr>
+        <a:xfrm>
+          <a:off x="0" y="0"/>
+          <a:ext cx="0" cy="0"/>
+          <a:chOff x="0" y="0"/>
+          <a:chExt cx="0" cy="0"/>
+        </a:xfrm>
+      </p:grpSpPr>
+      <p:sp>
+        <p:nvSpPr>
+          <p:cNvPr id="2" name="日付プレースホルダー 1">
+            <a:extLst>
+              <a:ext uri="{FF2B5EF4-FFF2-40B4-BE49-F238E27FC236}">
+                <a16:creationId xmlns:a16="http://schemas.microsoft.com/office/drawing/2014/main" id="{F3794AAD-BE29-4E60-93E3-DC5EBC99BA1B}"/>
+              </a:ext>
+            </a:extLst>
+          </p:cNvPr>
+          <p:cNvSpPr>
+            <a:spLocks noGrp="1"/>
+          </p:cNvSpPr>
+          <p:nvPr>
+            <p:ph type="dt" sz="half" idx="10"/>
+          </p:nvPr>
+        </p:nvSpPr>
+        <p:spPr/>
+        <p:txBody>
+          <a:bodyPr/>
+          <a:lstStyle/>
+          <a:p>
+            <a:fld id="{43172269-E0BE-4177-A733-9CAC9D8021AA}" type="datetimeFigureOut">
+              <a:rPr kumimoji="1" lang="ja-JP" altLang="en-US" smtClean="0"/>
+              <a:t>2019/5/3</a:t>
+            </a:fld>
+            <a:endParaRPr kumimoji="1" lang="ja-JP" altLang="en-US"/>
+          </a:p>
+        </p:txBody>
+      </p:sp>
+      <p:sp>
+        <p:nvSpPr>
+          <p:cNvPr id="3" name="フッター プレースホルダー 2">
+            <a:extLst>
+              <a:ext uri="{FF2B5EF4-FFF2-40B4-BE49-F238E27FC236}">
+                <a16:creationId xmlns:a16="http://schemas.microsoft.com/office/drawing/2014/main" id="{B9583277-8C0D-4D51-8A27-6A4FB0DBCC96}"/>
+              </a:ext>
+            </a:extLst>
+          </p:cNvPr>
+          <p:cNvSpPr>
+            <a:spLocks noGrp="1"/>
+          </p:cNvSpPr>
+          <p:nvPr>
+            <p:ph type="ftr" sz="quarter" idx="11"/>
+          </p:nvPr>
+        </p:nvSpPr>
+        <p:spPr/>
+        <p:txBody>
+          <a:bodyPr/>
+          <a:lstStyle/>
+          <a:p>
+            <a:endParaRPr kumimoji="1" lang="ja-JP" altLang="en-US"/>
+          </a:p>
+        </p:txBody>
+      </p:sp>
+      <p:sp>
+        <p:nvSpPr>
+          <p:cNvPr id="4" name="スライド番号プレースホルダー 3">
+            <a:extLst>
+              <a:ext uri="{FF2B5EF4-FFF2-40B4-BE49-F238E27FC236}">
+                <a16:creationId xmlns:a16="http://schemas.microsoft.com/office/drawing/2014/main" id="{ECD084D3-4AD6-4179-A8CB-049BC606B25D}"/>
+              </a:ext>
+            </a:extLst>
+          </p:cNvPr>
+          <p:cNvSpPr>
+            <a:spLocks noGrp="1"/>
+          </p:cNvSpPr>
+          <p:nvPr>
+            <p:ph type="sldNum" sz="quarter" idx="12"/>
+          </p:nvPr>
+        </p:nvSpPr>
+        <p:spPr/>
+        <p:txBody>
+          <a:bodyPr/>
+          <a:lstStyle/>
+          <a:p>
+            <a:fld id="{9156B735-5CFC-49FC-826B-39E38F340833}" type="slidenum">
+              <a:rPr kumimoji="1" lang="ja-JP" altLang="en-US" smtClean="0"/>
+              <a:t>‹#›</a:t>
+            </a:fld>
+            <a:endParaRPr kumimoji="1" lang="ja-JP" altLang="en-US"/>
+          </a:p>
+        </p:txBody>
+      </p:sp>
+    </p:spTree>
+    <p:extLst>
+      <p:ext uri="{BB962C8B-B14F-4D97-AF65-F5344CB8AC3E}">
+        <p14:creationId xmlns:p14="http://schemas.microsoft.com/office/powerpoint/2010/main" val="645447317"/>
+      </p:ext>
+    </p:extLst>
+  </p:cSld>
+  <p:clrMapOvr>
+    <a:masterClrMapping/>
+  </p:clrMapOvr>
+</p:sldLayout>
+</file>
+
+<file path=ppt/slideLayouts/slideLayout19.xml><?xml version="1.0" encoding="utf-8"?>
+<p:sldLayout xmlns:a="http://schemas.openxmlformats.org/drawingml/2006/main" xmlns:r="http://schemas.openxmlformats.org/officeDocument/2006/relationships" xmlns:p="http://schemas.openxmlformats.org/presentationml/2006/main" type="objTx" preserve="1">
+  <p:cSld name="タイトル付きのコンテンツ">
+    <p:spTree>
+      <p:nvGrpSpPr>
+        <p:cNvPr id="1" name=""/>
+        <p:cNvGrpSpPr/>
+        <p:nvPr/>
+      </p:nvGrpSpPr>
+      <p:grpSpPr>
+        <a:xfrm>
+          <a:off x="0" y="0"/>
+          <a:ext cx="0" cy="0"/>
+          <a:chOff x="0" y="0"/>
+          <a:chExt cx="0" cy="0"/>
+        </a:xfrm>
+      </p:grpSpPr>
+      <p:sp>
+        <p:nvSpPr>
+          <p:cNvPr id="2" name="タイトル 1">
+            <a:extLst>
+              <a:ext uri="{FF2B5EF4-FFF2-40B4-BE49-F238E27FC236}">
+                <a16:creationId xmlns:a16="http://schemas.microsoft.com/office/drawing/2014/main" id="{E4E03F3D-2413-451E-ACF2-54EC26016DA9}"/>
+              </a:ext>
+            </a:extLst>
+          </p:cNvPr>
+          <p:cNvSpPr>
+            <a:spLocks noGrp="1"/>
+          </p:cNvSpPr>
+          <p:nvPr>
+            <p:ph type="title"/>
+          </p:nvPr>
+        </p:nvSpPr>
+        <p:spPr>
+          <a:xfrm>
+            <a:off x="839788" y="457200"/>
+            <a:ext cx="3932237" cy="1600200"/>
+          </a:xfrm>
+        </p:spPr>
+        <p:txBody>
+          <a:bodyPr anchor="b"/>
+          <a:lstStyle>
+            <a:lvl1pPr>
+              <a:defRPr sz="3200"/>
+            </a:lvl1pPr>
+          </a:lstStyle>
+          <a:p>
+            <a:r>
+              <a:rPr kumimoji="1" lang="ja-JP" altLang="en-US"/>
+              <a:t>マスター タイトルの書式設定</a:t>
+            </a:r>
+          </a:p>
+        </p:txBody>
+      </p:sp>
+      <p:sp>
+        <p:nvSpPr>
+          <p:cNvPr id="3" name="コンテンツ プレースホルダー 2">
+            <a:extLst>
+              <a:ext uri="{FF2B5EF4-FFF2-40B4-BE49-F238E27FC236}">
+                <a16:creationId xmlns:a16="http://schemas.microsoft.com/office/drawing/2014/main" id="{74C1EFC1-8285-4D60-8E1E-66125A5EC3D3}"/>
+              </a:ext>
+            </a:extLst>
+          </p:cNvPr>
+          <p:cNvSpPr>
+            <a:spLocks noGrp="1"/>
+          </p:cNvSpPr>
+          <p:nvPr>
+            <p:ph idx="1"/>
+          </p:nvPr>
+        </p:nvSpPr>
+        <p:spPr>
+          <a:xfrm>
+            <a:off x="5183188" y="987425"/>
+            <a:ext cx="6172200" cy="4873625"/>
+          </a:xfrm>
+        </p:spPr>
+        <p:txBody>
+          <a:bodyPr/>
+          <a:lstStyle>
+            <a:lvl1pPr>
+              <a:defRPr sz="3200"/>
+            </a:lvl1pPr>
+            <a:lvl2pPr>
+              <a:defRPr sz="2800"/>
+            </a:lvl2pPr>
+            <a:lvl3pPr>
+              <a:defRPr sz="2400"/>
+            </a:lvl3pPr>
+            <a:lvl4pPr>
+              <a:defRPr sz="2000"/>
+            </a:lvl4pPr>
+            <a:lvl5pPr>
+              <a:defRPr sz="2000"/>
+            </a:lvl5pPr>
+            <a:lvl6pPr>
+              <a:defRPr sz="2000"/>
+            </a:lvl6pPr>
+            <a:lvl7pPr>
+              <a:defRPr sz="2000"/>
+            </a:lvl7pPr>
+            <a:lvl8pPr>
+              <a:defRPr sz="2000"/>
+            </a:lvl8pPr>
+            <a:lvl9pPr>
+              <a:defRPr sz="2000"/>
+            </a:lvl9pPr>
+          </a:lstStyle>
+          <a:p>
+            <a:pPr lvl="0"/>
+            <a:r>
+              <a:rPr kumimoji="1" lang="ja-JP" altLang="en-US"/>
+              <a:t>マスター テキストの書式設定</a:t>
+            </a:r>
+          </a:p>
+          <a:p>
+            <a:pPr lvl="1"/>
+            <a:r>
+              <a:rPr kumimoji="1" lang="ja-JP" altLang="en-US"/>
+              <a:t>第 </a:t>
+            </a:r>
+            <a:r>
+              <a:rPr kumimoji="1" lang="en-US" altLang="ja-JP"/>
+              <a:t>2 </a:t>
+            </a:r>
+            <a:r>
+              <a:rPr kumimoji="1" lang="ja-JP" altLang="en-US"/>
+              <a:t>レベル</a:t>
+            </a:r>
+          </a:p>
+          <a:p>
+            <a:pPr lvl="2"/>
+            <a:r>
+              <a:rPr kumimoji="1" lang="ja-JP" altLang="en-US"/>
+              <a:t>第 </a:t>
+            </a:r>
+            <a:r>
+              <a:rPr kumimoji="1" lang="en-US" altLang="ja-JP"/>
+              <a:t>3 </a:t>
+            </a:r>
+            <a:r>
+              <a:rPr kumimoji="1" lang="ja-JP" altLang="en-US"/>
+              <a:t>レベル</a:t>
+            </a:r>
+          </a:p>
+          <a:p>
+            <a:pPr lvl="3"/>
+            <a:r>
+              <a:rPr kumimoji="1" lang="ja-JP" altLang="en-US"/>
+              <a:t>第 </a:t>
+            </a:r>
+            <a:r>
+              <a:rPr kumimoji="1" lang="en-US" altLang="ja-JP"/>
+              <a:t>4 </a:t>
+            </a:r>
+            <a:r>
+              <a:rPr kumimoji="1" lang="ja-JP" altLang="en-US"/>
+              <a:t>レベル</a:t>
+            </a:r>
+          </a:p>
+          <a:p>
+            <a:pPr lvl="4"/>
+            <a:r>
+              <a:rPr kumimoji="1" lang="ja-JP" altLang="en-US"/>
+              <a:t>第 </a:t>
+            </a:r>
+            <a:r>
+              <a:rPr kumimoji="1" lang="en-US" altLang="ja-JP"/>
+              <a:t>5 </a:t>
+            </a:r>
+            <a:r>
+              <a:rPr kumimoji="1" lang="ja-JP" altLang="en-US"/>
+              <a:t>レベル</a:t>
+            </a:r>
+          </a:p>
+        </p:txBody>
+      </p:sp>
+      <p:sp>
+        <p:nvSpPr>
+          <p:cNvPr id="4" name="テキスト プレースホルダー 3">
+            <a:extLst>
+              <a:ext uri="{FF2B5EF4-FFF2-40B4-BE49-F238E27FC236}">
+                <a16:creationId xmlns:a16="http://schemas.microsoft.com/office/drawing/2014/main" id="{370F28C9-4799-4BBE-93AE-1146E3D1E118}"/>
+              </a:ext>
+            </a:extLst>
+          </p:cNvPr>
+          <p:cNvSpPr>
+            <a:spLocks noGrp="1"/>
+          </p:cNvSpPr>
+          <p:nvPr>
+            <p:ph type="body" sz="half" idx="2"/>
+          </p:nvPr>
+        </p:nvSpPr>
+        <p:spPr>
+          <a:xfrm>
+            <a:off x="839788" y="2057400"/>
+            <a:ext cx="3932237" cy="3811588"/>
+          </a:xfrm>
+        </p:spPr>
+        <p:txBody>
+          <a:bodyPr/>
+          <a:lstStyle>
+            <a:lvl1pPr marL="0" indent="0">
+              <a:buNone/>
+              <a:defRPr sz="1600"/>
+            </a:lvl1pPr>
+            <a:lvl2pPr marL="457200" indent="0">
+              <a:buNone/>
+              <a:defRPr sz="1400"/>
+            </a:lvl2pPr>
+            <a:lvl3pPr marL="914400" indent="0">
+              <a:buNone/>
+              <a:defRPr sz="1200"/>
+            </a:lvl3pPr>
+            <a:lvl4pPr marL="1371600" indent="0">
+              <a:buNone/>
+              <a:defRPr sz="1000"/>
+            </a:lvl4pPr>
+            <a:lvl5pPr marL="1828800" indent="0">
+              <a:buNone/>
+              <a:defRPr sz="1000"/>
+            </a:lvl5pPr>
+            <a:lvl6pPr marL="2286000" indent="0">
+              <a:buNone/>
+              <a:defRPr sz="1000"/>
+            </a:lvl6pPr>
+            <a:lvl7pPr marL="2743200" indent="0">
+              <a:buNone/>
+              <a:defRPr sz="1000"/>
+            </a:lvl7pPr>
+            <a:lvl8pPr marL="3200400" indent="0">
+              <a:buNone/>
+              <a:defRPr sz="1000"/>
+            </a:lvl8pPr>
+            <a:lvl9pPr marL="3657600" indent="0">
+              <a:buNone/>
+              <a:defRPr sz="1000"/>
+            </a:lvl9pPr>
+          </a:lstStyle>
+          <a:p>
+            <a:pPr lvl="0"/>
+            <a:r>
+              <a:rPr kumimoji="1" lang="ja-JP" altLang="en-US"/>
+              <a:t>マスター テキストの書式設定</a:t>
+            </a:r>
+          </a:p>
+        </p:txBody>
+      </p:sp>
+      <p:sp>
+        <p:nvSpPr>
+          <p:cNvPr id="5" name="日付プレースホルダー 4">
+            <a:extLst>
+              <a:ext uri="{FF2B5EF4-FFF2-40B4-BE49-F238E27FC236}">
+                <a16:creationId xmlns:a16="http://schemas.microsoft.com/office/drawing/2014/main" id="{06A59309-0688-4B19-BF30-28B3B7A4449E}"/>
+              </a:ext>
+            </a:extLst>
+          </p:cNvPr>
+          <p:cNvSpPr>
+            <a:spLocks noGrp="1"/>
+          </p:cNvSpPr>
+          <p:nvPr>
+            <p:ph type="dt" sz="half" idx="10"/>
+          </p:nvPr>
+        </p:nvSpPr>
+        <p:spPr/>
+        <p:txBody>
+          <a:bodyPr/>
+          <a:lstStyle/>
+          <a:p>
+            <a:fld id="{43172269-E0BE-4177-A733-9CAC9D8021AA}" type="datetimeFigureOut">
+              <a:rPr kumimoji="1" lang="ja-JP" altLang="en-US" smtClean="0"/>
+              <a:t>2019/5/3</a:t>
+            </a:fld>
+            <a:endParaRPr kumimoji="1" lang="ja-JP" altLang="en-US"/>
+          </a:p>
+        </p:txBody>
+      </p:sp>
+      <p:sp>
+        <p:nvSpPr>
+          <p:cNvPr id="6" name="フッター プレースホルダー 5">
+            <a:extLst>
+              <a:ext uri="{FF2B5EF4-FFF2-40B4-BE49-F238E27FC236}">
+                <a16:creationId xmlns:a16="http://schemas.microsoft.com/office/drawing/2014/main" id="{854798E3-528C-4B8C-B054-3233DAD0CFB9}"/>
+              </a:ext>
+            </a:extLst>
+          </p:cNvPr>
+          <p:cNvSpPr>
+            <a:spLocks noGrp="1"/>
+          </p:cNvSpPr>
+          <p:nvPr>
+            <p:ph type="ftr" sz="quarter" idx="11"/>
+          </p:nvPr>
+        </p:nvSpPr>
+        <p:spPr/>
+        <p:txBody>
+          <a:bodyPr/>
+          <a:lstStyle/>
+          <a:p>
+            <a:endParaRPr kumimoji="1" lang="ja-JP" altLang="en-US"/>
+          </a:p>
+        </p:txBody>
+      </p:sp>
+      <p:sp>
+        <p:nvSpPr>
+          <p:cNvPr id="7" name="スライド番号プレースホルダー 6">
+            <a:extLst>
+              <a:ext uri="{FF2B5EF4-FFF2-40B4-BE49-F238E27FC236}">
+                <a16:creationId xmlns:a16="http://schemas.microsoft.com/office/drawing/2014/main" id="{3A8FFD9D-2F3E-4D30-A80D-0C6AEA9E93A5}"/>
+              </a:ext>
+            </a:extLst>
+          </p:cNvPr>
+          <p:cNvSpPr>
+            <a:spLocks noGrp="1"/>
+          </p:cNvSpPr>
+          <p:nvPr>
+            <p:ph type="sldNum" sz="quarter" idx="12"/>
+          </p:nvPr>
+        </p:nvSpPr>
+        <p:spPr/>
+        <p:txBody>
+          <a:bodyPr/>
+          <a:lstStyle/>
+          <a:p>
+            <a:fld id="{9156B735-5CFC-49FC-826B-39E38F340833}" type="slidenum">
+              <a:rPr kumimoji="1" lang="ja-JP" altLang="en-US" smtClean="0"/>
+              <a:t>‹#›</a:t>
+            </a:fld>
+            <a:endParaRPr kumimoji="1" lang="ja-JP" altLang="en-US"/>
+          </a:p>
+        </p:txBody>
+      </p:sp>
+    </p:spTree>
+    <p:extLst>
+      <p:ext uri="{BB962C8B-B14F-4D97-AF65-F5344CB8AC3E}">
+        <p14:creationId xmlns:p14="http://schemas.microsoft.com/office/powerpoint/2010/main" val="1037171254"/>
       </p:ext>
     </p:extLst>
   </p:cSld>
@@ -3086,7 +6009,7 @@
           <a:p>
             <a:fld id="{EFCA2F27-532F-4E2E-86E8-C011D6D4D29E}" type="datetimeFigureOut">
               <a:rPr kumimoji="1" lang="ja-JP" altLang="en-US" smtClean="0"/>
-              <a:t>2019/5/2</a:t>
+              <a:t>2019/5/3</a:t>
             </a:fld>
             <a:endParaRPr kumimoji="1" lang="ja-JP" altLang="en-US"/>
           </a:p>
@@ -3096,6 +6019,764 @@
     <p:extLst>
       <p:ext uri="{BB962C8B-B14F-4D97-AF65-F5344CB8AC3E}">
         <p14:creationId xmlns:p14="http://schemas.microsoft.com/office/powerpoint/2010/main" val="2432519150"/>
+      </p:ext>
+    </p:extLst>
+  </p:cSld>
+  <p:clrMapOvr>
+    <a:masterClrMapping/>
+  </p:clrMapOvr>
+</p:sldLayout>
+</file>
+
+<file path=ppt/slideLayouts/slideLayout20.xml><?xml version="1.0" encoding="utf-8"?>
+<p:sldLayout xmlns:a="http://schemas.openxmlformats.org/drawingml/2006/main" xmlns:r="http://schemas.openxmlformats.org/officeDocument/2006/relationships" xmlns:p="http://schemas.openxmlformats.org/presentationml/2006/main" type="picTx" preserve="1">
+  <p:cSld name="タイトル付きの図">
+    <p:spTree>
+      <p:nvGrpSpPr>
+        <p:cNvPr id="1" name=""/>
+        <p:cNvGrpSpPr/>
+        <p:nvPr/>
+      </p:nvGrpSpPr>
+      <p:grpSpPr>
+        <a:xfrm>
+          <a:off x="0" y="0"/>
+          <a:ext cx="0" cy="0"/>
+          <a:chOff x="0" y="0"/>
+          <a:chExt cx="0" cy="0"/>
+        </a:xfrm>
+      </p:grpSpPr>
+      <p:sp>
+        <p:nvSpPr>
+          <p:cNvPr id="2" name="タイトル 1">
+            <a:extLst>
+              <a:ext uri="{FF2B5EF4-FFF2-40B4-BE49-F238E27FC236}">
+                <a16:creationId xmlns:a16="http://schemas.microsoft.com/office/drawing/2014/main" id="{E44FA388-5BF2-466D-9214-51A26A648874}"/>
+              </a:ext>
+            </a:extLst>
+          </p:cNvPr>
+          <p:cNvSpPr>
+            <a:spLocks noGrp="1"/>
+          </p:cNvSpPr>
+          <p:nvPr>
+            <p:ph type="title"/>
+          </p:nvPr>
+        </p:nvSpPr>
+        <p:spPr>
+          <a:xfrm>
+            <a:off x="839788" y="457200"/>
+            <a:ext cx="3932237" cy="1600200"/>
+          </a:xfrm>
+        </p:spPr>
+        <p:txBody>
+          <a:bodyPr anchor="b"/>
+          <a:lstStyle>
+            <a:lvl1pPr>
+              <a:defRPr sz="3200"/>
+            </a:lvl1pPr>
+          </a:lstStyle>
+          <a:p>
+            <a:r>
+              <a:rPr kumimoji="1" lang="ja-JP" altLang="en-US"/>
+              <a:t>マスター タイトルの書式設定</a:t>
+            </a:r>
+          </a:p>
+        </p:txBody>
+      </p:sp>
+      <p:sp>
+        <p:nvSpPr>
+          <p:cNvPr id="3" name="図プレースホルダー 2">
+            <a:extLst>
+              <a:ext uri="{FF2B5EF4-FFF2-40B4-BE49-F238E27FC236}">
+                <a16:creationId xmlns:a16="http://schemas.microsoft.com/office/drawing/2014/main" id="{F5867179-75C0-48BC-941A-2317FEECC3FA}"/>
+              </a:ext>
+            </a:extLst>
+          </p:cNvPr>
+          <p:cNvSpPr>
+            <a:spLocks noGrp="1"/>
+          </p:cNvSpPr>
+          <p:nvPr>
+            <p:ph type="pic" idx="1"/>
+          </p:nvPr>
+        </p:nvSpPr>
+        <p:spPr>
+          <a:xfrm>
+            <a:off x="5183188" y="987425"/>
+            <a:ext cx="6172200" cy="4873625"/>
+          </a:xfrm>
+        </p:spPr>
+        <p:txBody>
+          <a:bodyPr/>
+          <a:lstStyle>
+            <a:lvl1pPr marL="0" indent="0">
+              <a:buNone/>
+              <a:defRPr sz="3200"/>
+            </a:lvl1pPr>
+            <a:lvl2pPr marL="457200" indent="0">
+              <a:buNone/>
+              <a:defRPr sz="2800"/>
+            </a:lvl2pPr>
+            <a:lvl3pPr marL="914400" indent="0">
+              <a:buNone/>
+              <a:defRPr sz="2400"/>
+            </a:lvl3pPr>
+            <a:lvl4pPr marL="1371600" indent="0">
+              <a:buNone/>
+              <a:defRPr sz="2000"/>
+            </a:lvl4pPr>
+            <a:lvl5pPr marL="1828800" indent="0">
+              <a:buNone/>
+              <a:defRPr sz="2000"/>
+            </a:lvl5pPr>
+            <a:lvl6pPr marL="2286000" indent="0">
+              <a:buNone/>
+              <a:defRPr sz="2000"/>
+            </a:lvl6pPr>
+            <a:lvl7pPr marL="2743200" indent="0">
+              <a:buNone/>
+              <a:defRPr sz="2000"/>
+            </a:lvl7pPr>
+            <a:lvl8pPr marL="3200400" indent="0">
+              <a:buNone/>
+              <a:defRPr sz="2000"/>
+            </a:lvl8pPr>
+            <a:lvl9pPr marL="3657600" indent="0">
+              <a:buNone/>
+              <a:defRPr sz="2000"/>
+            </a:lvl9pPr>
+          </a:lstStyle>
+          <a:p>
+            <a:endParaRPr kumimoji="1" lang="ja-JP" altLang="en-US"/>
+          </a:p>
+        </p:txBody>
+      </p:sp>
+      <p:sp>
+        <p:nvSpPr>
+          <p:cNvPr id="4" name="テキスト プレースホルダー 3">
+            <a:extLst>
+              <a:ext uri="{FF2B5EF4-FFF2-40B4-BE49-F238E27FC236}">
+                <a16:creationId xmlns:a16="http://schemas.microsoft.com/office/drawing/2014/main" id="{55FBAA82-A2A9-460B-A8BC-B2F687DB5373}"/>
+              </a:ext>
+            </a:extLst>
+          </p:cNvPr>
+          <p:cNvSpPr>
+            <a:spLocks noGrp="1"/>
+          </p:cNvSpPr>
+          <p:nvPr>
+            <p:ph type="body" sz="half" idx="2"/>
+          </p:nvPr>
+        </p:nvSpPr>
+        <p:spPr>
+          <a:xfrm>
+            <a:off x="839788" y="2057400"/>
+            <a:ext cx="3932237" cy="3811588"/>
+          </a:xfrm>
+        </p:spPr>
+        <p:txBody>
+          <a:bodyPr/>
+          <a:lstStyle>
+            <a:lvl1pPr marL="0" indent="0">
+              <a:buNone/>
+              <a:defRPr sz="1600"/>
+            </a:lvl1pPr>
+            <a:lvl2pPr marL="457200" indent="0">
+              <a:buNone/>
+              <a:defRPr sz="1400"/>
+            </a:lvl2pPr>
+            <a:lvl3pPr marL="914400" indent="0">
+              <a:buNone/>
+              <a:defRPr sz="1200"/>
+            </a:lvl3pPr>
+            <a:lvl4pPr marL="1371600" indent="0">
+              <a:buNone/>
+              <a:defRPr sz="1000"/>
+            </a:lvl4pPr>
+            <a:lvl5pPr marL="1828800" indent="0">
+              <a:buNone/>
+              <a:defRPr sz="1000"/>
+            </a:lvl5pPr>
+            <a:lvl6pPr marL="2286000" indent="0">
+              <a:buNone/>
+              <a:defRPr sz="1000"/>
+            </a:lvl6pPr>
+            <a:lvl7pPr marL="2743200" indent="0">
+              <a:buNone/>
+              <a:defRPr sz="1000"/>
+            </a:lvl7pPr>
+            <a:lvl8pPr marL="3200400" indent="0">
+              <a:buNone/>
+              <a:defRPr sz="1000"/>
+            </a:lvl8pPr>
+            <a:lvl9pPr marL="3657600" indent="0">
+              <a:buNone/>
+              <a:defRPr sz="1000"/>
+            </a:lvl9pPr>
+          </a:lstStyle>
+          <a:p>
+            <a:pPr lvl="0"/>
+            <a:r>
+              <a:rPr kumimoji="1" lang="ja-JP" altLang="en-US"/>
+              <a:t>マスター テキストの書式設定</a:t>
+            </a:r>
+          </a:p>
+        </p:txBody>
+      </p:sp>
+      <p:sp>
+        <p:nvSpPr>
+          <p:cNvPr id="5" name="日付プレースホルダー 4">
+            <a:extLst>
+              <a:ext uri="{FF2B5EF4-FFF2-40B4-BE49-F238E27FC236}">
+                <a16:creationId xmlns:a16="http://schemas.microsoft.com/office/drawing/2014/main" id="{4A1F8821-CEE9-4069-AA94-A68A0B81AABE}"/>
+              </a:ext>
+            </a:extLst>
+          </p:cNvPr>
+          <p:cNvSpPr>
+            <a:spLocks noGrp="1"/>
+          </p:cNvSpPr>
+          <p:nvPr>
+            <p:ph type="dt" sz="half" idx="10"/>
+          </p:nvPr>
+        </p:nvSpPr>
+        <p:spPr/>
+        <p:txBody>
+          <a:bodyPr/>
+          <a:lstStyle/>
+          <a:p>
+            <a:fld id="{43172269-E0BE-4177-A733-9CAC9D8021AA}" type="datetimeFigureOut">
+              <a:rPr kumimoji="1" lang="ja-JP" altLang="en-US" smtClean="0"/>
+              <a:t>2019/5/3</a:t>
+            </a:fld>
+            <a:endParaRPr kumimoji="1" lang="ja-JP" altLang="en-US"/>
+          </a:p>
+        </p:txBody>
+      </p:sp>
+      <p:sp>
+        <p:nvSpPr>
+          <p:cNvPr id="6" name="フッター プレースホルダー 5">
+            <a:extLst>
+              <a:ext uri="{FF2B5EF4-FFF2-40B4-BE49-F238E27FC236}">
+                <a16:creationId xmlns:a16="http://schemas.microsoft.com/office/drawing/2014/main" id="{3180A6B9-430A-42DC-B4F3-29EB6AA9A0BF}"/>
+              </a:ext>
+            </a:extLst>
+          </p:cNvPr>
+          <p:cNvSpPr>
+            <a:spLocks noGrp="1"/>
+          </p:cNvSpPr>
+          <p:nvPr>
+            <p:ph type="ftr" sz="quarter" idx="11"/>
+          </p:nvPr>
+        </p:nvSpPr>
+        <p:spPr/>
+        <p:txBody>
+          <a:bodyPr/>
+          <a:lstStyle/>
+          <a:p>
+            <a:endParaRPr kumimoji="1" lang="ja-JP" altLang="en-US"/>
+          </a:p>
+        </p:txBody>
+      </p:sp>
+      <p:sp>
+        <p:nvSpPr>
+          <p:cNvPr id="7" name="スライド番号プレースホルダー 6">
+            <a:extLst>
+              <a:ext uri="{FF2B5EF4-FFF2-40B4-BE49-F238E27FC236}">
+                <a16:creationId xmlns:a16="http://schemas.microsoft.com/office/drawing/2014/main" id="{57BF4AFF-0F52-4730-91CA-386EEB3E61AC}"/>
+              </a:ext>
+            </a:extLst>
+          </p:cNvPr>
+          <p:cNvSpPr>
+            <a:spLocks noGrp="1"/>
+          </p:cNvSpPr>
+          <p:nvPr>
+            <p:ph type="sldNum" sz="quarter" idx="12"/>
+          </p:nvPr>
+        </p:nvSpPr>
+        <p:spPr/>
+        <p:txBody>
+          <a:bodyPr/>
+          <a:lstStyle/>
+          <a:p>
+            <a:fld id="{9156B735-5CFC-49FC-826B-39E38F340833}" type="slidenum">
+              <a:rPr kumimoji="1" lang="ja-JP" altLang="en-US" smtClean="0"/>
+              <a:t>‹#›</a:t>
+            </a:fld>
+            <a:endParaRPr kumimoji="1" lang="ja-JP" altLang="en-US"/>
+          </a:p>
+        </p:txBody>
+      </p:sp>
+    </p:spTree>
+    <p:extLst>
+      <p:ext uri="{BB962C8B-B14F-4D97-AF65-F5344CB8AC3E}">
+        <p14:creationId xmlns:p14="http://schemas.microsoft.com/office/powerpoint/2010/main" val="888950510"/>
+      </p:ext>
+    </p:extLst>
+  </p:cSld>
+  <p:clrMapOvr>
+    <a:masterClrMapping/>
+  </p:clrMapOvr>
+</p:sldLayout>
+</file>
+
+<file path=ppt/slideLayouts/slideLayout21.xml><?xml version="1.0" encoding="utf-8"?>
+<p:sldLayout xmlns:a="http://schemas.openxmlformats.org/drawingml/2006/main" xmlns:r="http://schemas.openxmlformats.org/officeDocument/2006/relationships" xmlns:p="http://schemas.openxmlformats.org/presentationml/2006/main" type="vertTx" preserve="1">
+  <p:cSld name="タイトルと縦書きテキスト">
+    <p:spTree>
+      <p:nvGrpSpPr>
+        <p:cNvPr id="1" name=""/>
+        <p:cNvGrpSpPr/>
+        <p:nvPr/>
+      </p:nvGrpSpPr>
+      <p:grpSpPr>
+        <a:xfrm>
+          <a:off x="0" y="0"/>
+          <a:ext cx="0" cy="0"/>
+          <a:chOff x="0" y="0"/>
+          <a:chExt cx="0" cy="0"/>
+        </a:xfrm>
+      </p:grpSpPr>
+      <p:sp>
+        <p:nvSpPr>
+          <p:cNvPr id="2" name="タイトル 1">
+            <a:extLst>
+              <a:ext uri="{FF2B5EF4-FFF2-40B4-BE49-F238E27FC236}">
+                <a16:creationId xmlns:a16="http://schemas.microsoft.com/office/drawing/2014/main" id="{09888200-F6D0-488B-A9A5-E48A39EEB53C}"/>
+              </a:ext>
+            </a:extLst>
+          </p:cNvPr>
+          <p:cNvSpPr>
+            <a:spLocks noGrp="1"/>
+          </p:cNvSpPr>
+          <p:nvPr>
+            <p:ph type="title"/>
+          </p:nvPr>
+        </p:nvSpPr>
+        <p:spPr/>
+        <p:txBody>
+          <a:bodyPr/>
+          <a:lstStyle/>
+          <a:p>
+            <a:r>
+              <a:rPr kumimoji="1" lang="ja-JP" altLang="en-US"/>
+              <a:t>マスター タイトルの書式設定</a:t>
+            </a:r>
+          </a:p>
+        </p:txBody>
+      </p:sp>
+      <p:sp>
+        <p:nvSpPr>
+          <p:cNvPr id="3" name="縦書きテキスト プレースホルダー 2">
+            <a:extLst>
+              <a:ext uri="{FF2B5EF4-FFF2-40B4-BE49-F238E27FC236}">
+                <a16:creationId xmlns:a16="http://schemas.microsoft.com/office/drawing/2014/main" id="{75B86701-285E-45E0-A9EF-7AE429C210B8}"/>
+              </a:ext>
+            </a:extLst>
+          </p:cNvPr>
+          <p:cNvSpPr>
+            <a:spLocks noGrp="1"/>
+          </p:cNvSpPr>
+          <p:nvPr>
+            <p:ph type="body" orient="vert" idx="1"/>
+          </p:nvPr>
+        </p:nvSpPr>
+        <p:spPr/>
+        <p:txBody>
+          <a:bodyPr vert="eaVert"/>
+          <a:lstStyle/>
+          <a:p>
+            <a:pPr lvl="0"/>
+            <a:r>
+              <a:rPr kumimoji="1" lang="ja-JP" altLang="en-US"/>
+              <a:t>マスター テキストの書式設定</a:t>
+            </a:r>
+          </a:p>
+          <a:p>
+            <a:pPr lvl="1"/>
+            <a:r>
+              <a:rPr kumimoji="1" lang="ja-JP" altLang="en-US"/>
+              <a:t>第 </a:t>
+            </a:r>
+            <a:r>
+              <a:rPr kumimoji="1" lang="en-US" altLang="ja-JP"/>
+              <a:t>2 </a:t>
+            </a:r>
+            <a:r>
+              <a:rPr kumimoji="1" lang="ja-JP" altLang="en-US"/>
+              <a:t>レベル</a:t>
+            </a:r>
+          </a:p>
+          <a:p>
+            <a:pPr lvl="2"/>
+            <a:r>
+              <a:rPr kumimoji="1" lang="ja-JP" altLang="en-US"/>
+              <a:t>第 </a:t>
+            </a:r>
+            <a:r>
+              <a:rPr kumimoji="1" lang="en-US" altLang="ja-JP"/>
+              <a:t>3 </a:t>
+            </a:r>
+            <a:r>
+              <a:rPr kumimoji="1" lang="ja-JP" altLang="en-US"/>
+              <a:t>レベル</a:t>
+            </a:r>
+          </a:p>
+          <a:p>
+            <a:pPr lvl="3"/>
+            <a:r>
+              <a:rPr kumimoji="1" lang="ja-JP" altLang="en-US"/>
+              <a:t>第 </a:t>
+            </a:r>
+            <a:r>
+              <a:rPr kumimoji="1" lang="en-US" altLang="ja-JP"/>
+              <a:t>4 </a:t>
+            </a:r>
+            <a:r>
+              <a:rPr kumimoji="1" lang="ja-JP" altLang="en-US"/>
+              <a:t>レベル</a:t>
+            </a:r>
+          </a:p>
+          <a:p>
+            <a:pPr lvl="4"/>
+            <a:r>
+              <a:rPr kumimoji="1" lang="ja-JP" altLang="en-US"/>
+              <a:t>第 </a:t>
+            </a:r>
+            <a:r>
+              <a:rPr kumimoji="1" lang="en-US" altLang="ja-JP"/>
+              <a:t>5 </a:t>
+            </a:r>
+            <a:r>
+              <a:rPr kumimoji="1" lang="ja-JP" altLang="en-US"/>
+              <a:t>レベル</a:t>
+            </a:r>
+          </a:p>
+        </p:txBody>
+      </p:sp>
+      <p:sp>
+        <p:nvSpPr>
+          <p:cNvPr id="4" name="日付プレースホルダー 3">
+            <a:extLst>
+              <a:ext uri="{FF2B5EF4-FFF2-40B4-BE49-F238E27FC236}">
+                <a16:creationId xmlns:a16="http://schemas.microsoft.com/office/drawing/2014/main" id="{D166A6CA-A013-4ED4-9475-094389DAA3BC}"/>
+              </a:ext>
+            </a:extLst>
+          </p:cNvPr>
+          <p:cNvSpPr>
+            <a:spLocks noGrp="1"/>
+          </p:cNvSpPr>
+          <p:nvPr>
+            <p:ph type="dt" sz="half" idx="10"/>
+          </p:nvPr>
+        </p:nvSpPr>
+        <p:spPr/>
+        <p:txBody>
+          <a:bodyPr/>
+          <a:lstStyle/>
+          <a:p>
+            <a:fld id="{43172269-E0BE-4177-A733-9CAC9D8021AA}" type="datetimeFigureOut">
+              <a:rPr kumimoji="1" lang="ja-JP" altLang="en-US" smtClean="0"/>
+              <a:t>2019/5/3</a:t>
+            </a:fld>
+            <a:endParaRPr kumimoji="1" lang="ja-JP" altLang="en-US"/>
+          </a:p>
+        </p:txBody>
+      </p:sp>
+      <p:sp>
+        <p:nvSpPr>
+          <p:cNvPr id="5" name="フッター プレースホルダー 4">
+            <a:extLst>
+              <a:ext uri="{FF2B5EF4-FFF2-40B4-BE49-F238E27FC236}">
+                <a16:creationId xmlns:a16="http://schemas.microsoft.com/office/drawing/2014/main" id="{73F15B72-357B-4280-B267-6C31DEA476BA}"/>
+              </a:ext>
+            </a:extLst>
+          </p:cNvPr>
+          <p:cNvSpPr>
+            <a:spLocks noGrp="1"/>
+          </p:cNvSpPr>
+          <p:nvPr>
+            <p:ph type="ftr" sz="quarter" idx="11"/>
+          </p:nvPr>
+        </p:nvSpPr>
+        <p:spPr/>
+        <p:txBody>
+          <a:bodyPr/>
+          <a:lstStyle/>
+          <a:p>
+            <a:endParaRPr kumimoji="1" lang="ja-JP" altLang="en-US"/>
+          </a:p>
+        </p:txBody>
+      </p:sp>
+      <p:sp>
+        <p:nvSpPr>
+          <p:cNvPr id="6" name="スライド番号プレースホルダー 5">
+            <a:extLst>
+              <a:ext uri="{FF2B5EF4-FFF2-40B4-BE49-F238E27FC236}">
+                <a16:creationId xmlns:a16="http://schemas.microsoft.com/office/drawing/2014/main" id="{6FDA42C5-CB36-4895-AA73-7E0B43E899E5}"/>
+              </a:ext>
+            </a:extLst>
+          </p:cNvPr>
+          <p:cNvSpPr>
+            <a:spLocks noGrp="1"/>
+          </p:cNvSpPr>
+          <p:nvPr>
+            <p:ph type="sldNum" sz="quarter" idx="12"/>
+          </p:nvPr>
+        </p:nvSpPr>
+        <p:spPr/>
+        <p:txBody>
+          <a:bodyPr/>
+          <a:lstStyle/>
+          <a:p>
+            <a:fld id="{9156B735-5CFC-49FC-826B-39E38F340833}" type="slidenum">
+              <a:rPr kumimoji="1" lang="ja-JP" altLang="en-US" smtClean="0"/>
+              <a:t>‹#›</a:t>
+            </a:fld>
+            <a:endParaRPr kumimoji="1" lang="ja-JP" altLang="en-US"/>
+          </a:p>
+        </p:txBody>
+      </p:sp>
+    </p:spTree>
+    <p:extLst>
+      <p:ext uri="{BB962C8B-B14F-4D97-AF65-F5344CB8AC3E}">
+        <p14:creationId xmlns:p14="http://schemas.microsoft.com/office/powerpoint/2010/main" val="2098705348"/>
+      </p:ext>
+    </p:extLst>
+  </p:cSld>
+  <p:clrMapOvr>
+    <a:masterClrMapping/>
+  </p:clrMapOvr>
+</p:sldLayout>
+</file>
+
+<file path=ppt/slideLayouts/slideLayout22.xml><?xml version="1.0" encoding="utf-8"?>
+<p:sldLayout xmlns:a="http://schemas.openxmlformats.org/drawingml/2006/main" xmlns:r="http://schemas.openxmlformats.org/officeDocument/2006/relationships" xmlns:p="http://schemas.openxmlformats.org/presentationml/2006/main" type="vertTitleAndTx" preserve="1">
+  <p:cSld name="縦書きタイトルと&#10;縦書きテキスト">
+    <p:spTree>
+      <p:nvGrpSpPr>
+        <p:cNvPr id="1" name=""/>
+        <p:cNvGrpSpPr/>
+        <p:nvPr/>
+      </p:nvGrpSpPr>
+      <p:grpSpPr>
+        <a:xfrm>
+          <a:off x="0" y="0"/>
+          <a:ext cx="0" cy="0"/>
+          <a:chOff x="0" y="0"/>
+          <a:chExt cx="0" cy="0"/>
+        </a:xfrm>
+      </p:grpSpPr>
+      <p:sp>
+        <p:nvSpPr>
+          <p:cNvPr id="2" name="縦書きタイトル 1">
+            <a:extLst>
+              <a:ext uri="{FF2B5EF4-FFF2-40B4-BE49-F238E27FC236}">
+                <a16:creationId xmlns:a16="http://schemas.microsoft.com/office/drawing/2014/main" id="{1F97A9C6-BD13-4957-87E5-7595D86D867F}"/>
+              </a:ext>
+            </a:extLst>
+          </p:cNvPr>
+          <p:cNvSpPr>
+            <a:spLocks noGrp="1"/>
+          </p:cNvSpPr>
+          <p:nvPr>
+            <p:ph type="title" orient="vert"/>
+          </p:nvPr>
+        </p:nvSpPr>
+        <p:spPr>
+          <a:xfrm>
+            <a:off x="8724900" y="365125"/>
+            <a:ext cx="2628900" cy="5811838"/>
+          </a:xfrm>
+        </p:spPr>
+        <p:txBody>
+          <a:bodyPr vert="eaVert"/>
+          <a:lstStyle/>
+          <a:p>
+            <a:r>
+              <a:rPr kumimoji="1" lang="ja-JP" altLang="en-US"/>
+              <a:t>マスター タイトルの書式設定</a:t>
+            </a:r>
+          </a:p>
+        </p:txBody>
+      </p:sp>
+      <p:sp>
+        <p:nvSpPr>
+          <p:cNvPr id="3" name="縦書きテキスト プレースホルダー 2">
+            <a:extLst>
+              <a:ext uri="{FF2B5EF4-FFF2-40B4-BE49-F238E27FC236}">
+                <a16:creationId xmlns:a16="http://schemas.microsoft.com/office/drawing/2014/main" id="{E7391025-2E93-4842-B55E-129D388C2B61}"/>
+              </a:ext>
+            </a:extLst>
+          </p:cNvPr>
+          <p:cNvSpPr>
+            <a:spLocks noGrp="1"/>
+          </p:cNvSpPr>
+          <p:nvPr>
+            <p:ph type="body" orient="vert" idx="1"/>
+          </p:nvPr>
+        </p:nvSpPr>
+        <p:spPr>
+          <a:xfrm>
+            <a:off x="838200" y="365125"/>
+            <a:ext cx="7734300" cy="5811838"/>
+          </a:xfrm>
+        </p:spPr>
+        <p:txBody>
+          <a:bodyPr vert="eaVert"/>
+          <a:lstStyle/>
+          <a:p>
+            <a:pPr lvl="0"/>
+            <a:r>
+              <a:rPr kumimoji="1" lang="ja-JP" altLang="en-US"/>
+              <a:t>マスター テキストの書式設定</a:t>
+            </a:r>
+          </a:p>
+          <a:p>
+            <a:pPr lvl="1"/>
+            <a:r>
+              <a:rPr kumimoji="1" lang="ja-JP" altLang="en-US"/>
+              <a:t>第 </a:t>
+            </a:r>
+            <a:r>
+              <a:rPr kumimoji="1" lang="en-US" altLang="ja-JP"/>
+              <a:t>2 </a:t>
+            </a:r>
+            <a:r>
+              <a:rPr kumimoji="1" lang="ja-JP" altLang="en-US"/>
+              <a:t>レベル</a:t>
+            </a:r>
+          </a:p>
+          <a:p>
+            <a:pPr lvl="2"/>
+            <a:r>
+              <a:rPr kumimoji="1" lang="ja-JP" altLang="en-US"/>
+              <a:t>第 </a:t>
+            </a:r>
+            <a:r>
+              <a:rPr kumimoji="1" lang="en-US" altLang="ja-JP"/>
+              <a:t>3 </a:t>
+            </a:r>
+            <a:r>
+              <a:rPr kumimoji="1" lang="ja-JP" altLang="en-US"/>
+              <a:t>レベル</a:t>
+            </a:r>
+          </a:p>
+          <a:p>
+            <a:pPr lvl="3"/>
+            <a:r>
+              <a:rPr kumimoji="1" lang="ja-JP" altLang="en-US"/>
+              <a:t>第 </a:t>
+            </a:r>
+            <a:r>
+              <a:rPr kumimoji="1" lang="en-US" altLang="ja-JP"/>
+              <a:t>4 </a:t>
+            </a:r>
+            <a:r>
+              <a:rPr kumimoji="1" lang="ja-JP" altLang="en-US"/>
+              <a:t>レベル</a:t>
+            </a:r>
+          </a:p>
+          <a:p>
+            <a:pPr lvl="4"/>
+            <a:r>
+              <a:rPr kumimoji="1" lang="ja-JP" altLang="en-US"/>
+              <a:t>第 </a:t>
+            </a:r>
+            <a:r>
+              <a:rPr kumimoji="1" lang="en-US" altLang="ja-JP"/>
+              <a:t>5 </a:t>
+            </a:r>
+            <a:r>
+              <a:rPr kumimoji="1" lang="ja-JP" altLang="en-US"/>
+              <a:t>レベル</a:t>
+            </a:r>
+          </a:p>
+        </p:txBody>
+      </p:sp>
+      <p:sp>
+        <p:nvSpPr>
+          <p:cNvPr id="4" name="日付プレースホルダー 3">
+            <a:extLst>
+              <a:ext uri="{FF2B5EF4-FFF2-40B4-BE49-F238E27FC236}">
+                <a16:creationId xmlns:a16="http://schemas.microsoft.com/office/drawing/2014/main" id="{35B8321D-69EF-49F9-A008-627B6CD46C7A}"/>
+              </a:ext>
+            </a:extLst>
+          </p:cNvPr>
+          <p:cNvSpPr>
+            <a:spLocks noGrp="1"/>
+          </p:cNvSpPr>
+          <p:nvPr>
+            <p:ph type="dt" sz="half" idx="10"/>
+          </p:nvPr>
+        </p:nvSpPr>
+        <p:spPr/>
+        <p:txBody>
+          <a:bodyPr/>
+          <a:lstStyle/>
+          <a:p>
+            <a:fld id="{43172269-E0BE-4177-A733-9CAC9D8021AA}" type="datetimeFigureOut">
+              <a:rPr kumimoji="1" lang="ja-JP" altLang="en-US" smtClean="0"/>
+              <a:t>2019/5/3</a:t>
+            </a:fld>
+            <a:endParaRPr kumimoji="1" lang="ja-JP" altLang="en-US"/>
+          </a:p>
+        </p:txBody>
+      </p:sp>
+      <p:sp>
+        <p:nvSpPr>
+          <p:cNvPr id="5" name="フッター プレースホルダー 4">
+            <a:extLst>
+              <a:ext uri="{FF2B5EF4-FFF2-40B4-BE49-F238E27FC236}">
+                <a16:creationId xmlns:a16="http://schemas.microsoft.com/office/drawing/2014/main" id="{103C81C9-2FE1-46D3-9441-0F24445A18E5}"/>
+              </a:ext>
+            </a:extLst>
+          </p:cNvPr>
+          <p:cNvSpPr>
+            <a:spLocks noGrp="1"/>
+          </p:cNvSpPr>
+          <p:nvPr>
+            <p:ph type="ftr" sz="quarter" idx="11"/>
+          </p:nvPr>
+        </p:nvSpPr>
+        <p:spPr/>
+        <p:txBody>
+          <a:bodyPr/>
+          <a:lstStyle/>
+          <a:p>
+            <a:endParaRPr kumimoji="1" lang="ja-JP" altLang="en-US"/>
+          </a:p>
+        </p:txBody>
+      </p:sp>
+      <p:sp>
+        <p:nvSpPr>
+          <p:cNvPr id="6" name="スライド番号プレースホルダー 5">
+            <a:extLst>
+              <a:ext uri="{FF2B5EF4-FFF2-40B4-BE49-F238E27FC236}">
+                <a16:creationId xmlns:a16="http://schemas.microsoft.com/office/drawing/2014/main" id="{09A2DAE7-825E-4FA5-83EB-EBC2B25175A7}"/>
+              </a:ext>
+            </a:extLst>
+          </p:cNvPr>
+          <p:cNvSpPr>
+            <a:spLocks noGrp="1"/>
+          </p:cNvSpPr>
+          <p:nvPr>
+            <p:ph type="sldNum" sz="quarter" idx="12"/>
+          </p:nvPr>
+        </p:nvSpPr>
+        <p:spPr/>
+        <p:txBody>
+          <a:bodyPr/>
+          <a:lstStyle/>
+          <a:p>
+            <a:fld id="{9156B735-5CFC-49FC-826B-39E38F340833}" type="slidenum">
+              <a:rPr kumimoji="1" lang="ja-JP" altLang="en-US" smtClean="0"/>
+              <a:t>‹#›</a:t>
+            </a:fld>
+            <a:endParaRPr kumimoji="1" lang="ja-JP" altLang="en-US"/>
+          </a:p>
+        </p:txBody>
+      </p:sp>
+    </p:spTree>
+    <p:extLst>
+      <p:ext uri="{BB962C8B-B14F-4D97-AF65-F5344CB8AC3E}">
+        <p14:creationId xmlns:p14="http://schemas.microsoft.com/office/powerpoint/2010/main" val="1714485133"/>
       </p:ext>
     </p:extLst>
   </p:cSld>
@@ -3313,7 +6994,7 @@
           <a:p>
             <a:fld id="{EFCA2F27-532F-4E2E-86E8-C011D6D4D29E}" type="datetimeFigureOut">
               <a:rPr kumimoji="1" lang="ja-JP" altLang="en-US" smtClean="0"/>
-              <a:t>2019/5/2</a:t>
+              <a:t>2019/5/3</a:t>
             </a:fld>
             <a:endParaRPr kumimoji="1" lang="ja-JP" altLang="en-US"/>
           </a:p>
@@ -3698,7 +7379,7 @@
           <a:p>
             <a:fld id="{EFCA2F27-532F-4E2E-86E8-C011D6D4D29E}" type="datetimeFigureOut">
               <a:rPr kumimoji="1" lang="ja-JP" altLang="en-US" smtClean="0"/>
-              <a:t>2019/5/2</a:t>
+              <a:t>2019/5/3</a:t>
             </a:fld>
             <a:endParaRPr kumimoji="1" lang="ja-JP" altLang="en-US"/>
           </a:p>
@@ -4222,7 +7903,7 @@
           <a:p>
             <a:fld id="{EFCA2F27-532F-4E2E-86E8-C011D6D4D29E}" type="datetimeFigureOut">
               <a:rPr kumimoji="1" lang="ja-JP" altLang="en-US" smtClean="0"/>
-              <a:t>2019/5/2</a:t>
+              <a:t>2019/5/3</a:t>
             </a:fld>
             <a:endParaRPr kumimoji="1" lang="ja-JP" altLang="en-US"/>
           </a:p>
@@ -4375,7 +8056,7 @@
           <a:p>
             <a:fld id="{EFCA2F27-532F-4E2E-86E8-C011D6D4D29E}" type="datetimeFigureOut">
               <a:rPr kumimoji="1" lang="ja-JP" altLang="en-US" smtClean="0"/>
-              <a:t>2019/5/2</a:t>
+              <a:t>2019/5/3</a:t>
             </a:fld>
             <a:endParaRPr kumimoji="1" lang="ja-JP" altLang="en-US"/>
           </a:p>
@@ -4506,7 +8187,7 @@
           <a:p>
             <a:fld id="{EFCA2F27-532F-4E2E-86E8-C011D6D4D29E}" type="datetimeFigureOut">
               <a:rPr kumimoji="1" lang="ja-JP" altLang="en-US" smtClean="0"/>
-              <a:t>2019/5/2</a:t>
+              <a:t>2019/5/3</a:t>
             </a:fld>
             <a:endParaRPr kumimoji="1" lang="ja-JP" altLang="en-US"/>
           </a:p>
@@ -4849,7 +8530,7 @@
           <a:p>
             <a:fld id="{EFCA2F27-532F-4E2E-86E8-C011D6D4D29E}" type="datetimeFigureOut">
               <a:rPr kumimoji="1" lang="ja-JP" altLang="en-US" smtClean="0"/>
-              <a:t>2019/5/2</a:t>
+              <a:t>2019/5/3</a:t>
             </a:fld>
             <a:endParaRPr kumimoji="1" lang="ja-JP" altLang="en-US"/>
           </a:p>
@@ -5141,7 +8822,7 @@
           <a:p>
             <a:fld id="{EFCA2F27-532F-4E2E-86E8-C011D6D4D29E}" type="datetimeFigureOut">
               <a:rPr kumimoji="1" lang="ja-JP" altLang="en-US" smtClean="0"/>
-              <a:t>2019/5/2</a:t>
+              <a:t>2019/5/3</a:t>
             </a:fld>
             <a:endParaRPr kumimoji="1" lang="ja-JP" altLang="en-US"/>
           </a:p>
@@ -7120,7 +10801,7 @@
           <a:p>
             <a:fld id="{EFCA2F27-532F-4E2E-86E8-C011D6D4D29E}" type="datetimeFigureOut">
               <a:rPr kumimoji="1" lang="ja-JP" altLang="en-US" smtClean="0"/>
-              <a:t>2019/5/2</a:t>
+              <a:t>2019/5/3</a:t>
             </a:fld>
             <a:endParaRPr kumimoji="1" lang="ja-JP" altLang="en-US"/>
           </a:p>
@@ -7470,6 +11151,606 @@
           </a:solidFill>
           <a:latin typeface="+mn-lt"/>
           <a:ea typeface="+mn-ea"/>
+        </a:defRPr>
+      </a:lvl9pPr>
+    </p:bodyStyle>
+    <p:otherStyle>
+      <a:defPPr>
+        <a:defRPr lang="ja-JP"/>
+      </a:defPPr>
+      <a:lvl1pPr marL="0" algn="l" defTabSz="914400" rtl="0" eaLnBrk="1" latinLnBrk="0" hangingPunct="1">
+        <a:defRPr kumimoji="1" sz="1800" kern="1200">
+          <a:solidFill>
+            <a:schemeClr val="tx1"/>
+          </a:solidFill>
+          <a:latin typeface="+mn-lt"/>
+          <a:ea typeface="+mn-ea"/>
+          <a:cs typeface="+mn-cs"/>
+        </a:defRPr>
+      </a:lvl1pPr>
+      <a:lvl2pPr marL="457200" algn="l" defTabSz="914400" rtl="0" eaLnBrk="1" latinLnBrk="0" hangingPunct="1">
+        <a:defRPr kumimoji="1" sz="1800" kern="1200">
+          <a:solidFill>
+            <a:schemeClr val="tx1"/>
+          </a:solidFill>
+          <a:latin typeface="+mn-lt"/>
+          <a:ea typeface="+mn-ea"/>
+          <a:cs typeface="+mn-cs"/>
+        </a:defRPr>
+      </a:lvl2pPr>
+      <a:lvl3pPr marL="914400" algn="l" defTabSz="914400" rtl="0" eaLnBrk="1" latinLnBrk="0" hangingPunct="1">
+        <a:defRPr kumimoji="1" sz="1800" kern="1200">
+          <a:solidFill>
+            <a:schemeClr val="tx1"/>
+          </a:solidFill>
+          <a:latin typeface="+mn-lt"/>
+          <a:ea typeface="+mn-ea"/>
+          <a:cs typeface="+mn-cs"/>
+        </a:defRPr>
+      </a:lvl3pPr>
+      <a:lvl4pPr marL="1371600" algn="l" defTabSz="914400" rtl="0" eaLnBrk="1" latinLnBrk="0" hangingPunct="1">
+        <a:defRPr kumimoji="1" sz="1800" kern="1200">
+          <a:solidFill>
+            <a:schemeClr val="tx1"/>
+          </a:solidFill>
+          <a:latin typeface="+mn-lt"/>
+          <a:ea typeface="+mn-ea"/>
+          <a:cs typeface="+mn-cs"/>
+        </a:defRPr>
+      </a:lvl4pPr>
+      <a:lvl5pPr marL="1828800" algn="l" defTabSz="914400" rtl="0" eaLnBrk="1" latinLnBrk="0" hangingPunct="1">
+        <a:defRPr kumimoji="1" sz="1800" kern="1200">
+          <a:solidFill>
+            <a:schemeClr val="tx1"/>
+          </a:solidFill>
+          <a:latin typeface="+mn-lt"/>
+          <a:ea typeface="+mn-ea"/>
+          <a:cs typeface="+mn-cs"/>
+        </a:defRPr>
+      </a:lvl5pPr>
+      <a:lvl6pPr marL="2286000" algn="l" defTabSz="914400" rtl="0" eaLnBrk="1" latinLnBrk="0" hangingPunct="1">
+        <a:defRPr kumimoji="1" sz="1800" kern="1200">
+          <a:solidFill>
+            <a:schemeClr val="tx1"/>
+          </a:solidFill>
+          <a:latin typeface="+mn-lt"/>
+          <a:ea typeface="+mn-ea"/>
+          <a:cs typeface="+mn-cs"/>
+        </a:defRPr>
+      </a:lvl6pPr>
+      <a:lvl7pPr marL="2743200" algn="l" defTabSz="914400" rtl="0" eaLnBrk="1" latinLnBrk="0" hangingPunct="1">
+        <a:defRPr kumimoji="1" sz="1800" kern="1200">
+          <a:solidFill>
+            <a:schemeClr val="tx1"/>
+          </a:solidFill>
+          <a:latin typeface="+mn-lt"/>
+          <a:ea typeface="+mn-ea"/>
+          <a:cs typeface="+mn-cs"/>
+        </a:defRPr>
+      </a:lvl7pPr>
+      <a:lvl8pPr marL="3200400" algn="l" defTabSz="914400" rtl="0" eaLnBrk="1" latinLnBrk="0" hangingPunct="1">
+        <a:defRPr kumimoji="1" sz="1800" kern="1200">
+          <a:solidFill>
+            <a:schemeClr val="tx1"/>
+          </a:solidFill>
+          <a:latin typeface="+mn-lt"/>
+          <a:ea typeface="+mn-ea"/>
+          <a:cs typeface="+mn-cs"/>
+        </a:defRPr>
+      </a:lvl8pPr>
+      <a:lvl9pPr marL="3657600" algn="l" defTabSz="914400" rtl="0" eaLnBrk="1" latinLnBrk="0" hangingPunct="1">
+        <a:defRPr kumimoji="1" sz="1800" kern="1200">
+          <a:solidFill>
+            <a:schemeClr val="tx1"/>
+          </a:solidFill>
+          <a:latin typeface="+mn-lt"/>
+          <a:ea typeface="+mn-ea"/>
+          <a:cs typeface="+mn-cs"/>
+        </a:defRPr>
+      </a:lvl9pPr>
+    </p:otherStyle>
+  </p:txStyles>
+</p:sldMaster>
+</file>
+
+<file path=ppt/slideMasters/slideMaster2.xml><?xml version="1.0" encoding="utf-8"?>
+<p:sldMaster xmlns:a="http://schemas.openxmlformats.org/drawingml/2006/main" xmlns:r="http://schemas.openxmlformats.org/officeDocument/2006/relationships" xmlns:p="http://schemas.openxmlformats.org/presentationml/2006/main" preserve="1">
+  <p:cSld>
+    <p:bg>
+      <p:bgRef idx="1001">
+        <a:schemeClr val="bg1"/>
+      </p:bgRef>
+    </p:bg>
+    <p:spTree>
+      <p:nvGrpSpPr>
+        <p:cNvPr id="1" name=""/>
+        <p:cNvGrpSpPr/>
+        <p:nvPr/>
+      </p:nvGrpSpPr>
+      <p:grpSpPr>
+        <a:xfrm>
+          <a:off x="0" y="0"/>
+          <a:ext cx="0" cy="0"/>
+          <a:chOff x="0" y="0"/>
+          <a:chExt cx="0" cy="0"/>
+        </a:xfrm>
+      </p:grpSpPr>
+      <p:sp>
+        <p:nvSpPr>
+          <p:cNvPr id="2" name="タイトル プレースホルダー 1">
+            <a:extLst>
+              <a:ext uri="{FF2B5EF4-FFF2-40B4-BE49-F238E27FC236}">
+                <a16:creationId xmlns:a16="http://schemas.microsoft.com/office/drawing/2014/main" id="{8A45E474-1A6D-4E42-B31D-D10F54637163}"/>
+              </a:ext>
+            </a:extLst>
+          </p:cNvPr>
+          <p:cNvSpPr>
+            <a:spLocks noGrp="1"/>
+          </p:cNvSpPr>
+          <p:nvPr>
+            <p:ph type="title"/>
+          </p:nvPr>
+        </p:nvSpPr>
+        <p:spPr>
+          <a:xfrm>
+            <a:off x="838200" y="365125"/>
+            <a:ext cx="10515600" cy="1325563"/>
+          </a:xfrm>
+          <a:prstGeom prst="rect">
+            <a:avLst/>
+          </a:prstGeom>
+        </p:spPr>
+        <p:txBody>
+          <a:bodyPr vert="horz" lIns="91440" tIns="45720" rIns="91440" bIns="45720" rtlCol="0" anchor="ctr">
+            <a:normAutofit/>
+          </a:bodyPr>
+          <a:lstStyle/>
+          <a:p>
+            <a:r>
+              <a:rPr kumimoji="1" lang="ja-JP" altLang="en-US"/>
+              <a:t>マスター タイトルの書式設定</a:t>
+            </a:r>
+          </a:p>
+        </p:txBody>
+      </p:sp>
+      <p:sp>
+        <p:nvSpPr>
+          <p:cNvPr id="3" name="テキスト プレースホルダー 2">
+            <a:extLst>
+              <a:ext uri="{FF2B5EF4-FFF2-40B4-BE49-F238E27FC236}">
+                <a16:creationId xmlns:a16="http://schemas.microsoft.com/office/drawing/2014/main" id="{A75F3145-815B-40C4-B24D-B7735977226B}"/>
+              </a:ext>
+            </a:extLst>
+          </p:cNvPr>
+          <p:cNvSpPr>
+            <a:spLocks noGrp="1"/>
+          </p:cNvSpPr>
+          <p:nvPr>
+            <p:ph type="body" idx="1"/>
+          </p:nvPr>
+        </p:nvSpPr>
+        <p:spPr>
+          <a:xfrm>
+            <a:off x="838200" y="1825625"/>
+            <a:ext cx="10515600" cy="4351338"/>
+          </a:xfrm>
+          <a:prstGeom prst="rect">
+            <a:avLst/>
+          </a:prstGeom>
+        </p:spPr>
+        <p:txBody>
+          <a:bodyPr vert="horz" lIns="91440" tIns="45720" rIns="91440" bIns="45720" rtlCol="0">
+            <a:normAutofit/>
+          </a:bodyPr>
+          <a:lstStyle/>
+          <a:p>
+            <a:pPr lvl="0"/>
+            <a:r>
+              <a:rPr kumimoji="1" lang="ja-JP" altLang="en-US"/>
+              <a:t>マスター テキストの書式設定</a:t>
+            </a:r>
+          </a:p>
+          <a:p>
+            <a:pPr lvl="1"/>
+            <a:r>
+              <a:rPr kumimoji="1" lang="ja-JP" altLang="en-US"/>
+              <a:t>第 </a:t>
+            </a:r>
+            <a:r>
+              <a:rPr kumimoji="1" lang="en-US" altLang="ja-JP"/>
+              <a:t>2 </a:t>
+            </a:r>
+            <a:r>
+              <a:rPr kumimoji="1" lang="ja-JP" altLang="en-US"/>
+              <a:t>レベル</a:t>
+            </a:r>
+          </a:p>
+          <a:p>
+            <a:pPr lvl="2"/>
+            <a:r>
+              <a:rPr kumimoji="1" lang="ja-JP" altLang="en-US"/>
+              <a:t>第 </a:t>
+            </a:r>
+            <a:r>
+              <a:rPr kumimoji="1" lang="en-US" altLang="ja-JP"/>
+              <a:t>3 </a:t>
+            </a:r>
+            <a:r>
+              <a:rPr kumimoji="1" lang="ja-JP" altLang="en-US"/>
+              <a:t>レベル</a:t>
+            </a:r>
+          </a:p>
+          <a:p>
+            <a:pPr lvl="3"/>
+            <a:r>
+              <a:rPr kumimoji="1" lang="ja-JP" altLang="en-US"/>
+              <a:t>第 </a:t>
+            </a:r>
+            <a:r>
+              <a:rPr kumimoji="1" lang="en-US" altLang="ja-JP"/>
+              <a:t>4 </a:t>
+            </a:r>
+            <a:r>
+              <a:rPr kumimoji="1" lang="ja-JP" altLang="en-US"/>
+              <a:t>レベル</a:t>
+            </a:r>
+          </a:p>
+          <a:p>
+            <a:pPr lvl="4"/>
+            <a:r>
+              <a:rPr kumimoji="1" lang="ja-JP" altLang="en-US"/>
+              <a:t>第 </a:t>
+            </a:r>
+            <a:r>
+              <a:rPr kumimoji="1" lang="en-US" altLang="ja-JP"/>
+              <a:t>5 </a:t>
+            </a:r>
+            <a:r>
+              <a:rPr kumimoji="1" lang="ja-JP" altLang="en-US"/>
+              <a:t>レベル</a:t>
+            </a:r>
+          </a:p>
+        </p:txBody>
+      </p:sp>
+      <p:sp>
+        <p:nvSpPr>
+          <p:cNvPr id="4" name="日付プレースホルダー 3">
+            <a:extLst>
+              <a:ext uri="{FF2B5EF4-FFF2-40B4-BE49-F238E27FC236}">
+                <a16:creationId xmlns:a16="http://schemas.microsoft.com/office/drawing/2014/main" id="{C346F013-29BE-4B2E-9779-8EC9D4398EDA}"/>
+              </a:ext>
+            </a:extLst>
+          </p:cNvPr>
+          <p:cNvSpPr>
+            <a:spLocks noGrp="1"/>
+          </p:cNvSpPr>
+          <p:nvPr>
+            <p:ph type="dt" sz="half" idx="2"/>
+          </p:nvPr>
+        </p:nvSpPr>
+        <p:spPr>
+          <a:xfrm>
+            <a:off x="838200" y="6356350"/>
+            <a:ext cx="2743200" cy="365125"/>
+          </a:xfrm>
+          <a:prstGeom prst="rect">
+            <a:avLst/>
+          </a:prstGeom>
+        </p:spPr>
+        <p:txBody>
+          <a:bodyPr vert="horz" lIns="91440" tIns="45720" rIns="91440" bIns="45720" rtlCol="0" anchor="ctr"/>
+          <a:lstStyle>
+            <a:lvl1pPr algn="l">
+              <a:defRPr sz="1200">
+                <a:solidFill>
+                  <a:schemeClr val="tx1">
+                    <a:tint val="75000"/>
+                  </a:schemeClr>
+                </a:solidFill>
+              </a:defRPr>
+            </a:lvl1pPr>
+          </a:lstStyle>
+          <a:p>
+            <a:fld id="{43172269-E0BE-4177-A733-9CAC9D8021AA}" type="datetimeFigureOut">
+              <a:rPr kumimoji="1" lang="ja-JP" altLang="en-US" smtClean="0"/>
+              <a:t>2019/5/3</a:t>
+            </a:fld>
+            <a:endParaRPr kumimoji="1" lang="ja-JP" altLang="en-US"/>
+          </a:p>
+        </p:txBody>
+      </p:sp>
+      <p:sp>
+        <p:nvSpPr>
+          <p:cNvPr id="5" name="フッター プレースホルダー 4">
+            <a:extLst>
+              <a:ext uri="{FF2B5EF4-FFF2-40B4-BE49-F238E27FC236}">
+                <a16:creationId xmlns:a16="http://schemas.microsoft.com/office/drawing/2014/main" id="{2FE7CF34-0FA0-42AC-852D-A17E3EA835E3}"/>
+              </a:ext>
+            </a:extLst>
+          </p:cNvPr>
+          <p:cNvSpPr>
+            <a:spLocks noGrp="1"/>
+          </p:cNvSpPr>
+          <p:nvPr>
+            <p:ph type="ftr" sz="quarter" idx="3"/>
+          </p:nvPr>
+        </p:nvSpPr>
+        <p:spPr>
+          <a:xfrm>
+            <a:off x="4038600" y="6356350"/>
+            <a:ext cx="4114800" cy="365125"/>
+          </a:xfrm>
+          <a:prstGeom prst="rect">
+            <a:avLst/>
+          </a:prstGeom>
+        </p:spPr>
+        <p:txBody>
+          <a:bodyPr vert="horz" lIns="91440" tIns="45720" rIns="91440" bIns="45720" rtlCol="0" anchor="ctr"/>
+          <a:lstStyle>
+            <a:lvl1pPr algn="ctr">
+              <a:defRPr sz="1200">
+                <a:solidFill>
+                  <a:schemeClr val="tx1">
+                    <a:tint val="75000"/>
+                  </a:schemeClr>
+                </a:solidFill>
+              </a:defRPr>
+            </a:lvl1pPr>
+          </a:lstStyle>
+          <a:p>
+            <a:endParaRPr kumimoji="1" lang="ja-JP" altLang="en-US"/>
+          </a:p>
+        </p:txBody>
+      </p:sp>
+      <p:sp>
+        <p:nvSpPr>
+          <p:cNvPr id="6" name="スライド番号プレースホルダー 5">
+            <a:extLst>
+              <a:ext uri="{FF2B5EF4-FFF2-40B4-BE49-F238E27FC236}">
+                <a16:creationId xmlns:a16="http://schemas.microsoft.com/office/drawing/2014/main" id="{09C7E0AD-BB20-4B32-ABD3-29BB80A00375}"/>
+              </a:ext>
+            </a:extLst>
+          </p:cNvPr>
+          <p:cNvSpPr>
+            <a:spLocks noGrp="1"/>
+          </p:cNvSpPr>
+          <p:nvPr>
+            <p:ph type="sldNum" sz="quarter" idx="4"/>
+          </p:nvPr>
+        </p:nvSpPr>
+        <p:spPr>
+          <a:xfrm>
+            <a:off x="8610600" y="6356350"/>
+            <a:ext cx="2743200" cy="365125"/>
+          </a:xfrm>
+          <a:prstGeom prst="rect">
+            <a:avLst/>
+          </a:prstGeom>
+        </p:spPr>
+        <p:txBody>
+          <a:bodyPr vert="horz" lIns="91440" tIns="45720" rIns="91440" bIns="45720" rtlCol="0" anchor="ctr"/>
+          <a:lstStyle>
+            <a:lvl1pPr algn="r">
+              <a:defRPr sz="1200">
+                <a:solidFill>
+                  <a:schemeClr val="tx1">
+                    <a:tint val="75000"/>
+                  </a:schemeClr>
+                </a:solidFill>
+              </a:defRPr>
+            </a:lvl1pPr>
+          </a:lstStyle>
+          <a:p>
+            <a:fld id="{9156B735-5CFC-49FC-826B-39E38F340833}" type="slidenum">
+              <a:rPr kumimoji="1" lang="ja-JP" altLang="en-US" smtClean="0"/>
+              <a:t>‹#›</a:t>
+            </a:fld>
+            <a:endParaRPr kumimoji="1" lang="ja-JP" altLang="en-US"/>
+          </a:p>
+        </p:txBody>
+      </p:sp>
+    </p:spTree>
+    <p:extLst>
+      <p:ext uri="{BB962C8B-B14F-4D97-AF65-F5344CB8AC3E}">
+        <p14:creationId xmlns:p14="http://schemas.microsoft.com/office/powerpoint/2010/main" val="2830266794"/>
+      </p:ext>
+    </p:extLst>
+  </p:cSld>
+  <p:clrMap bg1="lt1" tx1="dk1" bg2="lt2" tx2="dk2" accent1="accent1" accent2="accent2" accent3="accent3" accent4="accent4" accent5="accent5" accent6="accent6" hlink="hlink" folHlink="folHlink"/>
+  <p:sldLayoutIdLst>
+    <p:sldLayoutId id="2147483709" r:id="rId1"/>
+    <p:sldLayoutId id="2147483710" r:id="rId2"/>
+    <p:sldLayoutId id="2147483711" r:id="rId3"/>
+    <p:sldLayoutId id="2147483712" r:id="rId4"/>
+    <p:sldLayoutId id="2147483713" r:id="rId5"/>
+    <p:sldLayoutId id="2147483714" r:id="rId6"/>
+    <p:sldLayoutId id="2147483715" r:id="rId7"/>
+    <p:sldLayoutId id="2147483716" r:id="rId8"/>
+    <p:sldLayoutId id="2147483717" r:id="rId9"/>
+    <p:sldLayoutId id="2147483718" r:id="rId10"/>
+    <p:sldLayoutId id="2147483719" r:id="rId11"/>
+  </p:sldLayoutIdLst>
+  <p:txStyles>
+    <p:titleStyle>
+      <a:lvl1pPr algn="l" defTabSz="914400" rtl="0" eaLnBrk="1" latinLnBrk="0" hangingPunct="1">
+        <a:lnSpc>
+          <a:spcPct val="90000"/>
+        </a:lnSpc>
+        <a:spcBef>
+          <a:spcPct val="0"/>
+        </a:spcBef>
+        <a:buNone/>
+        <a:defRPr kumimoji="1" sz="4400" kern="1200">
+          <a:solidFill>
+            <a:schemeClr val="tx1"/>
+          </a:solidFill>
+          <a:latin typeface="+mj-lt"/>
+          <a:ea typeface="+mj-ea"/>
+          <a:cs typeface="+mj-cs"/>
+        </a:defRPr>
+      </a:lvl1pPr>
+    </p:titleStyle>
+    <p:bodyStyle>
+      <a:lvl1pPr marL="228600" indent="-228600" algn="l" defTabSz="914400" rtl="0" eaLnBrk="1" latinLnBrk="0" hangingPunct="1">
+        <a:lnSpc>
+          <a:spcPct val="90000"/>
+        </a:lnSpc>
+        <a:spcBef>
+          <a:spcPts val="1000"/>
+        </a:spcBef>
+        <a:buFont typeface="Arial" panose="020B0604020202020204" pitchFamily="34" charset="0"/>
+        <a:buChar char="•"/>
+        <a:defRPr kumimoji="1" sz="2800" kern="1200">
+          <a:solidFill>
+            <a:schemeClr val="tx1"/>
+          </a:solidFill>
+          <a:latin typeface="+mn-lt"/>
+          <a:ea typeface="+mn-ea"/>
+          <a:cs typeface="+mn-cs"/>
+        </a:defRPr>
+      </a:lvl1pPr>
+      <a:lvl2pPr marL="685800" indent="-228600" algn="l" defTabSz="914400" rtl="0" eaLnBrk="1" latinLnBrk="0" hangingPunct="1">
+        <a:lnSpc>
+          <a:spcPct val="90000"/>
+        </a:lnSpc>
+        <a:spcBef>
+          <a:spcPts val="500"/>
+        </a:spcBef>
+        <a:buFont typeface="Arial" panose="020B0604020202020204" pitchFamily="34" charset="0"/>
+        <a:buChar char="•"/>
+        <a:defRPr kumimoji="1" sz="2400" kern="1200">
+          <a:solidFill>
+            <a:schemeClr val="tx1"/>
+          </a:solidFill>
+          <a:latin typeface="+mn-lt"/>
+          <a:ea typeface="+mn-ea"/>
+          <a:cs typeface="+mn-cs"/>
+        </a:defRPr>
+      </a:lvl2pPr>
+      <a:lvl3pPr marL="1143000" indent="-228600" algn="l" defTabSz="914400" rtl="0" eaLnBrk="1" latinLnBrk="0" hangingPunct="1">
+        <a:lnSpc>
+          <a:spcPct val="90000"/>
+        </a:lnSpc>
+        <a:spcBef>
+          <a:spcPts val="500"/>
+        </a:spcBef>
+        <a:buFont typeface="Arial" panose="020B0604020202020204" pitchFamily="34" charset="0"/>
+        <a:buChar char="•"/>
+        <a:defRPr kumimoji="1" sz="2000" kern="1200">
+          <a:solidFill>
+            <a:schemeClr val="tx1"/>
+          </a:solidFill>
+          <a:latin typeface="+mn-lt"/>
+          <a:ea typeface="+mn-ea"/>
+          <a:cs typeface="+mn-cs"/>
+        </a:defRPr>
+      </a:lvl3pPr>
+      <a:lvl4pPr marL="1600200" indent="-228600" algn="l" defTabSz="914400" rtl="0" eaLnBrk="1" latinLnBrk="0" hangingPunct="1">
+        <a:lnSpc>
+          <a:spcPct val="90000"/>
+        </a:lnSpc>
+        <a:spcBef>
+          <a:spcPts val="500"/>
+        </a:spcBef>
+        <a:buFont typeface="Arial" panose="020B0604020202020204" pitchFamily="34" charset="0"/>
+        <a:buChar char="•"/>
+        <a:defRPr kumimoji="1" sz="1800" kern="1200">
+          <a:solidFill>
+            <a:schemeClr val="tx1"/>
+          </a:solidFill>
+          <a:latin typeface="+mn-lt"/>
+          <a:ea typeface="+mn-ea"/>
+          <a:cs typeface="+mn-cs"/>
+        </a:defRPr>
+      </a:lvl4pPr>
+      <a:lvl5pPr marL="2057400" indent="-228600" algn="l" defTabSz="914400" rtl="0" eaLnBrk="1" latinLnBrk="0" hangingPunct="1">
+        <a:lnSpc>
+          <a:spcPct val="90000"/>
+        </a:lnSpc>
+        <a:spcBef>
+          <a:spcPts val="500"/>
+        </a:spcBef>
+        <a:buFont typeface="Arial" panose="020B0604020202020204" pitchFamily="34" charset="0"/>
+        <a:buChar char="•"/>
+        <a:defRPr kumimoji="1" sz="1800" kern="1200">
+          <a:solidFill>
+            <a:schemeClr val="tx1"/>
+          </a:solidFill>
+          <a:latin typeface="+mn-lt"/>
+          <a:ea typeface="+mn-ea"/>
+          <a:cs typeface="+mn-cs"/>
+        </a:defRPr>
+      </a:lvl5pPr>
+      <a:lvl6pPr marL="2514600" indent="-228600" algn="l" defTabSz="914400" rtl="0" eaLnBrk="1" latinLnBrk="0" hangingPunct="1">
+        <a:lnSpc>
+          <a:spcPct val="90000"/>
+        </a:lnSpc>
+        <a:spcBef>
+          <a:spcPts val="500"/>
+        </a:spcBef>
+        <a:buFont typeface="Arial" panose="020B0604020202020204" pitchFamily="34" charset="0"/>
+        <a:buChar char="•"/>
+        <a:defRPr kumimoji="1" sz="1800" kern="1200">
+          <a:solidFill>
+            <a:schemeClr val="tx1"/>
+          </a:solidFill>
+          <a:latin typeface="+mn-lt"/>
+          <a:ea typeface="+mn-ea"/>
+          <a:cs typeface="+mn-cs"/>
+        </a:defRPr>
+      </a:lvl6pPr>
+      <a:lvl7pPr marL="2971800" indent="-228600" algn="l" defTabSz="914400" rtl="0" eaLnBrk="1" latinLnBrk="0" hangingPunct="1">
+        <a:lnSpc>
+          <a:spcPct val="90000"/>
+        </a:lnSpc>
+        <a:spcBef>
+          <a:spcPts val="500"/>
+        </a:spcBef>
+        <a:buFont typeface="Arial" panose="020B0604020202020204" pitchFamily="34" charset="0"/>
+        <a:buChar char="•"/>
+        <a:defRPr kumimoji="1" sz="1800" kern="1200">
+          <a:solidFill>
+            <a:schemeClr val="tx1"/>
+          </a:solidFill>
+          <a:latin typeface="+mn-lt"/>
+          <a:ea typeface="+mn-ea"/>
+          <a:cs typeface="+mn-cs"/>
+        </a:defRPr>
+      </a:lvl7pPr>
+      <a:lvl8pPr marL="3429000" indent="-228600" algn="l" defTabSz="914400" rtl="0" eaLnBrk="1" latinLnBrk="0" hangingPunct="1">
+        <a:lnSpc>
+          <a:spcPct val="90000"/>
+        </a:lnSpc>
+        <a:spcBef>
+          <a:spcPts val="500"/>
+        </a:spcBef>
+        <a:buFont typeface="Arial" panose="020B0604020202020204" pitchFamily="34" charset="0"/>
+        <a:buChar char="•"/>
+        <a:defRPr kumimoji="1" sz="1800" kern="1200">
+          <a:solidFill>
+            <a:schemeClr val="tx1"/>
+          </a:solidFill>
+          <a:latin typeface="+mn-lt"/>
+          <a:ea typeface="+mn-ea"/>
+          <a:cs typeface="+mn-cs"/>
+        </a:defRPr>
+      </a:lvl8pPr>
+      <a:lvl9pPr marL="3886200" indent="-228600" algn="l" defTabSz="914400" rtl="0" eaLnBrk="1" latinLnBrk="0" hangingPunct="1">
+        <a:lnSpc>
+          <a:spcPct val="90000"/>
+        </a:lnSpc>
+        <a:spcBef>
+          <a:spcPts val="500"/>
+        </a:spcBef>
+        <a:buFont typeface="Arial" panose="020B0604020202020204" pitchFamily="34" charset="0"/>
+        <a:buChar char="•"/>
+        <a:defRPr kumimoji="1" sz="1800" kern="1200">
+          <a:solidFill>
+            <a:schemeClr val="tx1"/>
+          </a:solidFill>
+          <a:latin typeface="+mn-lt"/>
+          <a:ea typeface="+mn-ea"/>
+          <a:cs typeface="+mn-cs"/>
         </a:defRPr>
       </a:lvl9pPr>
     </p:bodyStyle>
@@ -11950,7 +16231,7 @@
                 <a:latin typeface="TakaoExゴシック" panose="020B0500000000000000" pitchFamily="50" charset="-128"/>
                 <a:ea typeface="TakaoExゴシック" panose="020B0500000000000000" pitchFamily="50" charset="-128"/>
               </a:rPr>
-              <a:t>で</a:t>
+              <a:t>コマンドで</a:t>
             </a:r>
             <a:r>
               <a:rPr lang="en-US" altLang="ja-JP" dirty="0">
@@ -11964,7 +16245,7 @@
                 <a:latin typeface="TakaoExゴシック" panose="020B0500000000000000" pitchFamily="50" charset="-128"/>
                 <a:ea typeface="TakaoExゴシック" panose="020B0500000000000000" pitchFamily="50" charset="-128"/>
               </a:rPr>
-              <a:t>パッケージを入れて使う</a:t>
+              <a:t>パッケージを</a:t>
             </a:r>
             <a:br>
               <a:rPr lang="en-US" altLang="ja-JP" dirty="0">
@@ -11977,7 +16258,7 @@
                 <a:latin typeface="TakaoExゴシック" panose="020B0500000000000000" pitchFamily="50" charset="-128"/>
                 <a:ea typeface="TakaoExゴシック" panose="020B0500000000000000" pitchFamily="50" charset="-128"/>
               </a:rPr>
-              <a:t>ことも出来る</a:t>
+              <a:t>入れて使うことも出来る</a:t>
             </a:r>
             <a:endParaRPr kumimoji="1" lang="ja-JP" altLang="en-US" dirty="0">
               <a:latin typeface="TakaoExゴシック" panose="020B0500000000000000" pitchFamily="50" charset="-128"/>
@@ -18109,6 +22390,596 @@
 </a:theme>
 </file>
 
+<file path=ppt/theme/theme2.xml><?xml version="1.0" encoding="utf-8"?>
+<a:theme xmlns:a="http://schemas.openxmlformats.org/drawingml/2006/main" name="デザインの設定">
+  <a:themeElements>
+    <a:clrScheme name="Office">
+      <a:dk1>
+        <a:sysClr val="windowText" lastClr="000000"/>
+      </a:dk1>
+      <a:lt1>
+        <a:sysClr val="window" lastClr="FFFFFF"/>
+      </a:lt1>
+      <a:dk2>
+        <a:srgbClr val="44546A"/>
+      </a:dk2>
+      <a:lt2>
+        <a:srgbClr val="E7E6E6"/>
+      </a:lt2>
+      <a:accent1>
+        <a:srgbClr val="4472C4"/>
+      </a:accent1>
+      <a:accent2>
+        <a:srgbClr val="ED7D31"/>
+      </a:accent2>
+      <a:accent3>
+        <a:srgbClr val="A5A5A5"/>
+      </a:accent3>
+      <a:accent4>
+        <a:srgbClr val="FFC000"/>
+      </a:accent4>
+      <a:accent5>
+        <a:srgbClr val="5B9BD5"/>
+      </a:accent5>
+      <a:accent6>
+        <a:srgbClr val="70AD47"/>
+      </a:accent6>
+      <a:hlink>
+        <a:srgbClr val="0563C1"/>
+      </a:hlink>
+      <a:folHlink>
+        <a:srgbClr val="954F72"/>
+      </a:folHlink>
+    </a:clrScheme>
+    <a:fontScheme name="Office">
+      <a:majorFont>
+        <a:latin typeface="游ゴシック Light" panose="020F0302020204030204"/>
+        <a:ea typeface=""/>
+        <a:cs typeface=""/>
+        <a:font script="Jpan" typeface="游ゴシック Light"/>
+        <a:font script="Hang" typeface="맑은 고딕"/>
+        <a:font script="Hans" typeface="等线 Light"/>
+        <a:font script="Hant" typeface="新細明體"/>
+        <a:font script="Arab" typeface="Times New Roman"/>
+        <a:font script="Hebr" typeface="Times New Roman"/>
+        <a:font script="Thai" typeface="Angsana New"/>
+        <a:font script="Ethi" typeface="Nyala"/>
+        <a:font script="Beng" typeface="Vrinda"/>
+        <a:font script="Gujr" typeface="Shruti"/>
+        <a:font script="Khmr" typeface="MoolBoran"/>
+        <a:font script="Knda" typeface="Tunga"/>
+        <a:font script="Guru" typeface="Raavi"/>
+        <a:font script="Cans" typeface="Euphemia"/>
+        <a:font script="Cher" typeface="Plantagenet Cherokee"/>
+        <a:font script="Yiii" typeface="Microsoft Yi Baiti"/>
+        <a:font script="Tibt" typeface="Microsoft Himalaya"/>
+        <a:font script="Thaa" typeface="MV Boli"/>
+        <a:font script="Deva" typeface="Mangal"/>
+        <a:font script="Telu" typeface="Gautami"/>
+        <a:font script="Taml" typeface="Latha"/>
+        <a:font script="Syrc" typeface="Estrangelo Edessa"/>
+        <a:font script="Orya" typeface="Kalinga"/>
+        <a:font script="Mlym" typeface="Kartika"/>
+        <a:font script="Laoo" typeface="DokChampa"/>
+        <a:font script="Sinh" typeface="Iskoola Pota"/>
+        <a:font script="Mong" typeface="Mongolian Baiti"/>
+        <a:font script="Viet" typeface="Times New Roman"/>
+        <a:font script="Uigh" typeface="Microsoft Uighur"/>
+        <a:font script="Geor" typeface="Sylfaen"/>
+        <a:font script="Armn" typeface="Arial"/>
+        <a:font script="Bugi" typeface="Leelawadee UI"/>
+        <a:font script="Bopo" typeface="Microsoft JhengHei"/>
+        <a:font script="Java" typeface="Javanese Text"/>
+        <a:font script="Lisu" typeface="Segoe UI"/>
+        <a:font script="Mymr" typeface="Myanmar Text"/>
+        <a:font script="Nkoo" typeface="Ebrima"/>
+        <a:font script="Olck" typeface="Nirmala UI"/>
+        <a:font script="Osma" typeface="Ebrima"/>
+        <a:font script="Phag" typeface="Phagspa"/>
+        <a:font script="Syrn" typeface="Estrangelo Edessa"/>
+        <a:font script="Syrj" typeface="Estrangelo Edessa"/>
+        <a:font script="Syre" typeface="Estrangelo Edessa"/>
+        <a:font script="Sora" typeface="Nirmala UI"/>
+        <a:font script="Tale" typeface="Microsoft Tai Le"/>
+        <a:font script="Talu" typeface="Microsoft New Tai Lue"/>
+        <a:font script="Tfng" typeface="Ebrima"/>
+      </a:majorFont>
+      <a:minorFont>
+        <a:latin typeface="游ゴシック" panose="020F0502020204030204"/>
+        <a:ea typeface=""/>
+        <a:cs typeface=""/>
+        <a:font script="Jpan" typeface="游ゴシック"/>
+        <a:font script="Hang" typeface="맑은 고딕"/>
+        <a:font script="Hans" typeface="等线"/>
+        <a:font script="Hant" typeface="新細明體"/>
+        <a:font script="Arab" typeface="Arial"/>
+        <a:font script="Hebr" typeface="Arial"/>
+        <a:font script="Thai" typeface="Cordia New"/>
+        <a:font script="Ethi" typeface="Nyala"/>
+        <a:font script="Beng" typeface="Vrinda"/>
+        <a:font script="Gujr" typeface="Shruti"/>
+        <a:font script="Khmr" typeface="DaunPenh"/>
+        <a:font script="Knda" typeface="Tunga"/>
+        <a:font script="Guru" typeface="Raavi"/>
+        <a:font script="Cans" typeface="Euphemia"/>
+        <a:font script="Cher" typeface="Plantagenet Cherokee"/>
+        <a:font script="Yiii" typeface="Microsoft Yi Baiti"/>
+        <a:font script="Tibt" typeface="Microsoft Himalaya"/>
+        <a:font script="Thaa" typeface="MV Boli"/>
+        <a:font script="Deva" typeface="Mangal"/>
+        <a:font script="Telu" typeface="Gautami"/>
+        <a:font script="Taml" typeface="Latha"/>
+        <a:font script="Syrc" typeface="Estrangelo Edessa"/>
+        <a:font script="Orya" typeface="Kalinga"/>
+        <a:font script="Mlym" typeface="Kartika"/>
+        <a:font script="Laoo" typeface="DokChampa"/>
+        <a:font script="Sinh" typeface="Iskoola Pota"/>
+        <a:font script="Mong" typeface="Mongolian Baiti"/>
+        <a:font script="Viet" typeface="Arial"/>
+        <a:font script="Uigh" typeface="Microsoft Uighur"/>
+        <a:font script="Geor" typeface="Sylfaen"/>
+        <a:font script="Armn" typeface="Arial"/>
+        <a:font script="Bugi" typeface="Leelawadee UI"/>
+        <a:font script="Bopo" typeface="Microsoft JhengHei"/>
+        <a:font script="Java" typeface="Javanese Text"/>
+        <a:font script="Lisu" typeface="Segoe UI"/>
+        <a:font script="Mymr" typeface="Myanmar Text"/>
+        <a:font script="Nkoo" typeface="Ebrima"/>
+        <a:font script="Olck" typeface="Nirmala UI"/>
+        <a:font script="Osma" typeface="Ebrima"/>
+        <a:font script="Phag" typeface="Phagspa"/>
+        <a:font script="Syrn" typeface="Estrangelo Edessa"/>
+        <a:font script="Syrj" typeface="Estrangelo Edessa"/>
+        <a:font script="Syre" typeface="Estrangelo Edessa"/>
+        <a:font script="Sora" typeface="Nirmala UI"/>
+        <a:font script="Tale" typeface="Microsoft Tai Le"/>
+        <a:font script="Talu" typeface="Microsoft New Tai Lue"/>
+        <a:font script="Tfng" typeface="Ebrima"/>
+      </a:minorFont>
+    </a:fontScheme>
+    <a:fmtScheme name="Office">
+      <a:fillStyleLst>
+        <a:solidFill>
+          <a:schemeClr val="phClr"/>
+        </a:solidFill>
+        <a:gradFill rotWithShape="1">
+          <a:gsLst>
+            <a:gs pos="0">
+              <a:schemeClr val="phClr">
+                <a:lumMod val="110000"/>
+                <a:satMod val="105000"/>
+                <a:tint val="67000"/>
+              </a:schemeClr>
+            </a:gs>
+            <a:gs pos="50000">
+              <a:schemeClr val="phClr">
+                <a:lumMod val="105000"/>
+                <a:satMod val="103000"/>
+                <a:tint val="73000"/>
+              </a:schemeClr>
+            </a:gs>
+            <a:gs pos="100000">
+              <a:schemeClr val="phClr">
+                <a:lumMod val="105000"/>
+                <a:satMod val="109000"/>
+                <a:tint val="81000"/>
+              </a:schemeClr>
+            </a:gs>
+          </a:gsLst>
+          <a:lin ang="5400000" scaled="0"/>
+        </a:gradFill>
+        <a:gradFill rotWithShape="1">
+          <a:gsLst>
+            <a:gs pos="0">
+              <a:schemeClr val="phClr">
+                <a:satMod val="103000"/>
+                <a:lumMod val="102000"/>
+                <a:tint val="94000"/>
+              </a:schemeClr>
+            </a:gs>
+            <a:gs pos="50000">
+              <a:schemeClr val="phClr">
+                <a:satMod val="110000"/>
+                <a:lumMod val="100000"/>
+                <a:shade val="100000"/>
+              </a:schemeClr>
+            </a:gs>
+            <a:gs pos="100000">
+              <a:schemeClr val="phClr">
+                <a:lumMod val="99000"/>
+                <a:satMod val="120000"/>
+                <a:shade val="78000"/>
+              </a:schemeClr>
+            </a:gs>
+          </a:gsLst>
+          <a:lin ang="5400000" scaled="0"/>
+        </a:gradFill>
+      </a:fillStyleLst>
+      <a:lnStyleLst>
+        <a:ln w="6350" cap="flat" cmpd="sng" algn="ctr">
+          <a:solidFill>
+            <a:schemeClr val="phClr"/>
+          </a:solidFill>
+          <a:prstDash val="solid"/>
+          <a:miter lim="800000"/>
+        </a:ln>
+        <a:ln w="12700" cap="flat" cmpd="sng" algn="ctr">
+          <a:solidFill>
+            <a:schemeClr val="phClr"/>
+          </a:solidFill>
+          <a:prstDash val="solid"/>
+          <a:miter lim="800000"/>
+        </a:ln>
+        <a:ln w="19050" cap="flat" cmpd="sng" algn="ctr">
+          <a:solidFill>
+            <a:schemeClr val="phClr"/>
+          </a:solidFill>
+          <a:prstDash val="solid"/>
+          <a:miter lim="800000"/>
+        </a:ln>
+      </a:lnStyleLst>
+      <a:effectStyleLst>
+        <a:effectStyle>
+          <a:effectLst/>
+        </a:effectStyle>
+        <a:effectStyle>
+          <a:effectLst/>
+        </a:effectStyle>
+        <a:effectStyle>
+          <a:effectLst>
+            <a:outerShdw blurRad="57150" dist="19050" dir="5400000" algn="ctr" rotWithShape="0">
+              <a:srgbClr val="000000">
+                <a:alpha val="63000"/>
+              </a:srgbClr>
+            </a:outerShdw>
+          </a:effectLst>
+        </a:effectStyle>
+      </a:effectStyleLst>
+      <a:bgFillStyleLst>
+        <a:solidFill>
+          <a:schemeClr val="phClr"/>
+        </a:solidFill>
+        <a:solidFill>
+          <a:schemeClr val="phClr">
+            <a:tint val="95000"/>
+            <a:satMod val="170000"/>
+          </a:schemeClr>
+        </a:solidFill>
+        <a:gradFill rotWithShape="1">
+          <a:gsLst>
+            <a:gs pos="0">
+              <a:schemeClr val="phClr">
+                <a:tint val="93000"/>
+                <a:satMod val="150000"/>
+                <a:shade val="98000"/>
+                <a:lumMod val="102000"/>
+              </a:schemeClr>
+            </a:gs>
+            <a:gs pos="50000">
+              <a:schemeClr val="phClr">
+                <a:tint val="98000"/>
+                <a:satMod val="130000"/>
+                <a:shade val="90000"/>
+                <a:lumMod val="103000"/>
+              </a:schemeClr>
+            </a:gs>
+            <a:gs pos="100000">
+              <a:schemeClr val="phClr">
+                <a:shade val="63000"/>
+                <a:satMod val="120000"/>
+              </a:schemeClr>
+            </a:gs>
+          </a:gsLst>
+          <a:lin ang="5400000" scaled="0"/>
+        </a:gradFill>
+      </a:bgFillStyleLst>
+    </a:fmtScheme>
+  </a:themeElements>
+  <a:objectDefaults/>
+  <a:extraClrSchemeLst/>
+  <a:extLst>
+    <a:ext uri="{05A4C25C-085E-4340-85A3-A5531E510DB2}">
+      <thm15:themeFamily xmlns:thm15="http://schemas.microsoft.com/office/thememl/2012/main" name="Office Theme" id="{62F939B6-93AF-4DB8-9C6B-D6C7DFDC589F}" vid="{4A3C46E8-61CC-4603-A589-7422A47A8E4A}"/>
+    </a:ext>
+  </a:extLst>
+</a:theme>
+</file>
+
+<file path=ppt/theme/theme3.xml><?xml version="1.0" encoding="utf-8"?>
+<a:theme xmlns:a="http://schemas.openxmlformats.org/drawingml/2006/main" name="Office テーマ">
+  <a:themeElements>
+    <a:clrScheme name="Office">
+      <a:dk1>
+        <a:sysClr val="windowText" lastClr="000000"/>
+      </a:dk1>
+      <a:lt1>
+        <a:sysClr val="window" lastClr="FFFFFF"/>
+      </a:lt1>
+      <a:dk2>
+        <a:srgbClr val="44546A"/>
+      </a:dk2>
+      <a:lt2>
+        <a:srgbClr val="E7E6E6"/>
+      </a:lt2>
+      <a:accent1>
+        <a:srgbClr val="4472C4"/>
+      </a:accent1>
+      <a:accent2>
+        <a:srgbClr val="ED7D31"/>
+      </a:accent2>
+      <a:accent3>
+        <a:srgbClr val="A5A5A5"/>
+      </a:accent3>
+      <a:accent4>
+        <a:srgbClr val="FFC000"/>
+      </a:accent4>
+      <a:accent5>
+        <a:srgbClr val="5B9BD5"/>
+      </a:accent5>
+      <a:accent6>
+        <a:srgbClr val="70AD47"/>
+      </a:accent6>
+      <a:hlink>
+        <a:srgbClr val="0563C1"/>
+      </a:hlink>
+      <a:folHlink>
+        <a:srgbClr val="954F72"/>
+      </a:folHlink>
+    </a:clrScheme>
+    <a:fontScheme name="Office">
+      <a:majorFont>
+        <a:latin typeface="游ゴシック Light" panose="020F0302020204030204"/>
+        <a:ea typeface=""/>
+        <a:cs typeface=""/>
+        <a:font script="Jpan" typeface="游ゴシック Light"/>
+        <a:font script="Hang" typeface="맑은 고딕"/>
+        <a:font script="Hans" typeface="等线 Light"/>
+        <a:font script="Hant" typeface="新細明體"/>
+        <a:font script="Arab" typeface="Times New Roman"/>
+        <a:font script="Hebr" typeface="Times New Roman"/>
+        <a:font script="Thai" typeface="Angsana New"/>
+        <a:font script="Ethi" typeface="Nyala"/>
+        <a:font script="Beng" typeface="Vrinda"/>
+        <a:font script="Gujr" typeface="Shruti"/>
+        <a:font script="Khmr" typeface="MoolBoran"/>
+        <a:font script="Knda" typeface="Tunga"/>
+        <a:font script="Guru" typeface="Raavi"/>
+        <a:font script="Cans" typeface="Euphemia"/>
+        <a:font script="Cher" typeface="Plantagenet Cherokee"/>
+        <a:font script="Yiii" typeface="Microsoft Yi Baiti"/>
+        <a:font script="Tibt" typeface="Microsoft Himalaya"/>
+        <a:font script="Thaa" typeface="MV Boli"/>
+        <a:font script="Deva" typeface="Mangal"/>
+        <a:font script="Telu" typeface="Gautami"/>
+        <a:font script="Taml" typeface="Latha"/>
+        <a:font script="Syrc" typeface="Estrangelo Edessa"/>
+        <a:font script="Orya" typeface="Kalinga"/>
+        <a:font script="Mlym" typeface="Kartika"/>
+        <a:font script="Laoo" typeface="DokChampa"/>
+        <a:font script="Sinh" typeface="Iskoola Pota"/>
+        <a:font script="Mong" typeface="Mongolian Baiti"/>
+        <a:font script="Viet" typeface="Times New Roman"/>
+        <a:font script="Uigh" typeface="Microsoft Uighur"/>
+        <a:font script="Geor" typeface="Sylfaen"/>
+        <a:font script="Armn" typeface="Arial"/>
+        <a:font script="Bugi" typeface="Leelawadee UI"/>
+        <a:font script="Bopo" typeface="Microsoft JhengHei"/>
+        <a:font script="Java" typeface="Javanese Text"/>
+        <a:font script="Lisu" typeface="Segoe UI"/>
+        <a:font script="Mymr" typeface="Myanmar Text"/>
+        <a:font script="Nkoo" typeface="Ebrima"/>
+        <a:font script="Olck" typeface="Nirmala UI"/>
+        <a:font script="Osma" typeface="Ebrima"/>
+        <a:font script="Phag" typeface="Phagspa"/>
+        <a:font script="Syrn" typeface="Estrangelo Edessa"/>
+        <a:font script="Syrj" typeface="Estrangelo Edessa"/>
+        <a:font script="Syre" typeface="Estrangelo Edessa"/>
+        <a:font script="Sora" typeface="Nirmala UI"/>
+        <a:font script="Tale" typeface="Microsoft Tai Le"/>
+        <a:font script="Talu" typeface="Microsoft New Tai Lue"/>
+        <a:font script="Tfng" typeface="Ebrima"/>
+      </a:majorFont>
+      <a:minorFont>
+        <a:latin typeface="游ゴシック" panose="020F0502020204030204"/>
+        <a:ea typeface=""/>
+        <a:cs typeface=""/>
+        <a:font script="Jpan" typeface="游ゴシック"/>
+        <a:font script="Hang" typeface="맑은 고딕"/>
+        <a:font script="Hans" typeface="等线"/>
+        <a:font script="Hant" typeface="新細明體"/>
+        <a:font script="Arab" typeface="Arial"/>
+        <a:font script="Hebr" typeface="Arial"/>
+        <a:font script="Thai" typeface="Cordia New"/>
+        <a:font script="Ethi" typeface="Nyala"/>
+        <a:font script="Beng" typeface="Vrinda"/>
+        <a:font script="Gujr" typeface="Shruti"/>
+        <a:font script="Khmr" typeface="DaunPenh"/>
+        <a:font script="Knda" typeface="Tunga"/>
+        <a:font script="Guru" typeface="Raavi"/>
+        <a:font script="Cans" typeface="Euphemia"/>
+        <a:font script="Cher" typeface="Plantagenet Cherokee"/>
+        <a:font script="Yiii" typeface="Microsoft Yi Baiti"/>
+        <a:font script="Tibt" typeface="Microsoft Himalaya"/>
+        <a:font script="Thaa" typeface="MV Boli"/>
+        <a:font script="Deva" typeface="Mangal"/>
+        <a:font script="Telu" typeface="Gautami"/>
+        <a:font script="Taml" typeface="Latha"/>
+        <a:font script="Syrc" typeface="Estrangelo Edessa"/>
+        <a:font script="Orya" typeface="Kalinga"/>
+        <a:font script="Mlym" typeface="Kartika"/>
+        <a:font script="Laoo" typeface="DokChampa"/>
+        <a:font script="Sinh" typeface="Iskoola Pota"/>
+        <a:font script="Mong" typeface="Mongolian Baiti"/>
+        <a:font script="Viet" typeface="Arial"/>
+        <a:font script="Uigh" typeface="Microsoft Uighur"/>
+        <a:font script="Geor" typeface="Sylfaen"/>
+        <a:font script="Armn" typeface="Arial"/>
+        <a:font script="Bugi" typeface="Leelawadee UI"/>
+        <a:font script="Bopo" typeface="Microsoft JhengHei"/>
+        <a:font script="Java" typeface="Javanese Text"/>
+        <a:font script="Lisu" typeface="Segoe UI"/>
+        <a:font script="Mymr" typeface="Myanmar Text"/>
+        <a:font script="Nkoo" typeface="Ebrima"/>
+        <a:font script="Olck" typeface="Nirmala UI"/>
+        <a:font script="Osma" typeface="Ebrima"/>
+        <a:font script="Phag" typeface="Phagspa"/>
+        <a:font script="Syrn" typeface="Estrangelo Edessa"/>
+        <a:font script="Syrj" typeface="Estrangelo Edessa"/>
+        <a:font script="Syre" typeface="Estrangelo Edessa"/>
+        <a:font script="Sora" typeface="Nirmala UI"/>
+        <a:font script="Tale" typeface="Microsoft Tai Le"/>
+        <a:font script="Talu" typeface="Microsoft New Tai Lue"/>
+        <a:font script="Tfng" typeface="Ebrima"/>
+      </a:minorFont>
+    </a:fontScheme>
+    <a:fmtScheme name="Office">
+      <a:fillStyleLst>
+        <a:solidFill>
+          <a:schemeClr val="phClr"/>
+        </a:solidFill>
+        <a:gradFill rotWithShape="1">
+          <a:gsLst>
+            <a:gs pos="0">
+              <a:schemeClr val="phClr">
+                <a:lumMod val="110000"/>
+                <a:satMod val="105000"/>
+                <a:tint val="67000"/>
+              </a:schemeClr>
+            </a:gs>
+            <a:gs pos="50000">
+              <a:schemeClr val="phClr">
+                <a:lumMod val="105000"/>
+                <a:satMod val="103000"/>
+                <a:tint val="73000"/>
+              </a:schemeClr>
+            </a:gs>
+            <a:gs pos="100000">
+              <a:schemeClr val="phClr">
+                <a:lumMod val="105000"/>
+                <a:satMod val="109000"/>
+                <a:tint val="81000"/>
+              </a:schemeClr>
+            </a:gs>
+          </a:gsLst>
+          <a:lin ang="5400000" scaled="0"/>
+        </a:gradFill>
+        <a:gradFill rotWithShape="1">
+          <a:gsLst>
+            <a:gs pos="0">
+              <a:schemeClr val="phClr">
+                <a:satMod val="103000"/>
+                <a:lumMod val="102000"/>
+                <a:tint val="94000"/>
+              </a:schemeClr>
+            </a:gs>
+            <a:gs pos="50000">
+              <a:schemeClr val="phClr">
+                <a:satMod val="110000"/>
+                <a:lumMod val="100000"/>
+                <a:shade val="100000"/>
+              </a:schemeClr>
+            </a:gs>
+            <a:gs pos="100000">
+              <a:schemeClr val="phClr">
+                <a:lumMod val="99000"/>
+                <a:satMod val="120000"/>
+                <a:shade val="78000"/>
+              </a:schemeClr>
+            </a:gs>
+          </a:gsLst>
+          <a:lin ang="5400000" scaled="0"/>
+        </a:gradFill>
+      </a:fillStyleLst>
+      <a:lnStyleLst>
+        <a:ln w="6350" cap="flat" cmpd="sng" algn="ctr">
+          <a:solidFill>
+            <a:schemeClr val="phClr"/>
+          </a:solidFill>
+          <a:prstDash val="solid"/>
+          <a:miter lim="800000"/>
+        </a:ln>
+        <a:ln w="12700" cap="flat" cmpd="sng" algn="ctr">
+          <a:solidFill>
+            <a:schemeClr val="phClr"/>
+          </a:solidFill>
+          <a:prstDash val="solid"/>
+          <a:miter lim="800000"/>
+        </a:ln>
+        <a:ln w="19050" cap="flat" cmpd="sng" algn="ctr">
+          <a:solidFill>
+            <a:schemeClr val="phClr"/>
+          </a:solidFill>
+          <a:prstDash val="solid"/>
+          <a:miter lim="800000"/>
+        </a:ln>
+      </a:lnStyleLst>
+      <a:effectStyleLst>
+        <a:effectStyle>
+          <a:effectLst/>
+        </a:effectStyle>
+        <a:effectStyle>
+          <a:effectLst/>
+        </a:effectStyle>
+        <a:effectStyle>
+          <a:effectLst>
+            <a:outerShdw blurRad="57150" dist="19050" dir="5400000" algn="ctr" rotWithShape="0">
+              <a:srgbClr val="000000">
+                <a:alpha val="63000"/>
+              </a:srgbClr>
+            </a:outerShdw>
+          </a:effectLst>
+        </a:effectStyle>
+      </a:effectStyleLst>
+      <a:bgFillStyleLst>
+        <a:solidFill>
+          <a:schemeClr val="phClr"/>
+        </a:solidFill>
+        <a:solidFill>
+          <a:schemeClr val="phClr">
+            <a:tint val="95000"/>
+            <a:satMod val="170000"/>
+          </a:schemeClr>
+        </a:solidFill>
+        <a:gradFill rotWithShape="1">
+          <a:gsLst>
+            <a:gs pos="0">
+              <a:schemeClr val="phClr">
+                <a:tint val="93000"/>
+                <a:satMod val="150000"/>
+                <a:shade val="98000"/>
+                <a:lumMod val="102000"/>
+              </a:schemeClr>
+            </a:gs>
+            <a:gs pos="50000">
+              <a:schemeClr val="phClr">
+                <a:tint val="98000"/>
+                <a:satMod val="130000"/>
+                <a:shade val="90000"/>
+                <a:lumMod val="103000"/>
+              </a:schemeClr>
+            </a:gs>
+            <a:gs pos="100000">
+              <a:schemeClr val="phClr">
+                <a:shade val="63000"/>
+                <a:satMod val="120000"/>
+              </a:schemeClr>
+            </a:gs>
+          </a:gsLst>
+          <a:lin ang="5400000" scaled="0"/>
+        </a:gradFill>
+      </a:bgFillStyleLst>
+    </a:fmtScheme>
+  </a:themeElements>
+  <a:objectDefaults/>
+  <a:extraClrSchemeLst/>
+  <a:extLst>
+    <a:ext uri="{05A4C25C-085E-4340-85A3-A5531E510DB2}">
+      <thm15:themeFamily xmlns:thm15="http://schemas.microsoft.com/office/thememl/2012/main" name="Office Theme" id="{62F939B6-93AF-4DB8-9C6B-D6C7DFDC589F}" vid="{4A3C46E8-61CC-4603-A589-7422A47A8E4A}"/>
+    </a:ext>
+  </a:extLst>
+</a:theme>
+</file>
+
 <file path=ppt/theme/themeOverride1.xml><?xml version="1.0" encoding="utf-8"?>
 <a:themeOverride xmlns:a="http://schemas.openxmlformats.org/drawingml/2006/main">
   <a:clrScheme name="Pixel 12">

--- a/RE_SIMU_ON_WSL.pptx
+++ b/RE_SIMU_ON_WSL.pptx
@@ -161,6 +161,9 @@
     <p:ext uri="{EFAFB233-063F-42B5-8137-9DF3F51BA10A}">
       <p15:sldGuideLst xmlns:p15="http://schemas.microsoft.com/office/powerpoint/2012/main"/>
     </p:ext>
+    <p:ext uri="{2D200454-40CA-4A62-9FC3-DE9A4176ACB9}">
+      <p15:notesGuideLst xmlns:p15="http://schemas.microsoft.com/office/powerpoint/2012/main"/>
+    </p:ext>
   </p:extLst>
 </p:presentation>
 </file>
@@ -313,7 +316,7 @@
           <a:p>
             <a:fld id="{7D37F7A6-00EA-477C-BD0D-F6E7C2E86336}" type="datetimeFigureOut">
               <a:rPr kumimoji="1" lang="ja-JP" altLang="en-US" smtClean="0"/>
-              <a:t>2019/5/3</a:t>
+              <a:t>2019/5/4</a:t>
             </a:fld>
             <a:endParaRPr kumimoji="1" lang="ja-JP" altLang="en-US"/>
           </a:p>
@@ -895,7 +898,7 @@
           <a:p>
             <a:r>
               <a:rPr kumimoji="1" lang="ja-JP" altLang="en-US" dirty="0"/>
-              <a:t>つまり、調べたまま使うことが可能です</a:t>
+              <a:t>つまり、皆さんが調べて覚えたことのほとんどをそのまま使うことが可能です</a:t>
             </a:r>
           </a:p>
         </p:txBody>
@@ -981,9 +984,82 @@
           <a:lstStyle/>
           <a:p>
             <a:r>
-              <a:rPr kumimoji="1" lang="ja-JP" altLang="en-US"/>
-              <a:t>で、</a:t>
-            </a:r>
+              <a:rPr kumimoji="1" lang="ja-JP" altLang="en-US" dirty="0"/>
+              <a:t>で、私が何を話すのかというと、この</a:t>
+            </a:r>
+            <a:r>
+              <a:rPr kumimoji="1" lang="en-US" altLang="ja-JP" dirty="0"/>
+              <a:t>WSL</a:t>
+            </a:r>
+            <a:r>
+              <a:rPr kumimoji="1" lang="ja-JP" altLang="en-US" dirty="0"/>
+              <a:t>機能を使って</a:t>
+            </a:r>
+            <a:r>
+              <a:rPr kumimoji="1" lang="en-US" altLang="ja-JP" dirty="0"/>
+              <a:t>Windows</a:t>
+            </a:r>
+            <a:r>
+              <a:rPr kumimoji="1" lang="ja-JP" altLang="en-US" dirty="0"/>
+              <a:t>向けの</a:t>
+            </a:r>
+            <a:r>
+              <a:rPr kumimoji="1" lang="en-US" altLang="ja-JP" dirty="0"/>
+              <a:t>Simutrans</a:t>
+            </a:r>
+            <a:r>
+              <a:rPr kumimoji="1" lang="ja-JP" altLang="en-US" dirty="0"/>
+              <a:t>をコンパイル、いわゆるクロスコンパイルするための準備を始めましょう</a:t>
+            </a:r>
+            <a:endParaRPr kumimoji="1" lang="en-US" altLang="ja-JP" dirty="0"/>
+          </a:p>
+          <a:p>
+            <a:r>
+              <a:rPr kumimoji="1" lang="ja-JP" altLang="en-US" dirty="0"/>
+              <a:t>ということです。</a:t>
+            </a:r>
+            <a:r>
+              <a:rPr kumimoji="1" lang="en-US" altLang="ja-JP" dirty="0"/>
+              <a:t>Simutrans</a:t>
+            </a:r>
+            <a:r>
+              <a:rPr kumimoji="1" lang="ja-JP" altLang="en-US" dirty="0"/>
+              <a:t>の画面は出ません。</a:t>
+            </a:r>
+            <a:endParaRPr kumimoji="1" lang="en-US" altLang="ja-JP" dirty="0"/>
+          </a:p>
+          <a:p>
+            <a:r>
+              <a:rPr kumimoji="1" lang="ja-JP" altLang="en-US" dirty="0"/>
+              <a:t>実際のコンパイル作業に関しては、検索すると</a:t>
+            </a:r>
+            <a:r>
+              <a:rPr kumimoji="1" lang="en-US" altLang="ja-JP" dirty="0" err="1"/>
+              <a:t>Qiita</a:t>
+            </a:r>
+            <a:r>
+              <a:rPr kumimoji="1" lang="ja-JP" altLang="en-US" dirty="0"/>
+              <a:t>に上げられてるのもありますし、啓徳さんがハッシュタグ</a:t>
+            </a:r>
+            <a:r>
+              <a:rPr kumimoji="1" lang="en-US" altLang="ja-JP" dirty="0"/>
+              <a:t>Simutrans_64bit</a:t>
+            </a:r>
+            <a:r>
+              <a:rPr kumimoji="1" lang="ja-JP" altLang="en-US" dirty="0"/>
+              <a:t>でも</a:t>
+            </a:r>
+            <a:endParaRPr kumimoji="1" lang="en-US" altLang="ja-JP" dirty="0"/>
+          </a:p>
+          <a:p>
+            <a:r>
+              <a:rPr kumimoji="1" lang="ja-JP" altLang="en-US" dirty="0"/>
+              <a:t>上げられていますので、このスライドだけで大分時間取るのもあり省略いたします。</a:t>
+            </a:r>
+            <a:endParaRPr kumimoji="1" lang="en-US" altLang="ja-JP" dirty="0"/>
+          </a:p>
+          <a:p>
+            <a:endParaRPr kumimoji="1" lang="en-US" altLang="ja-JP" dirty="0"/>
           </a:p>
         </p:txBody>
       </p:sp>
@@ -1014,6 +1090,601 @@
     <p:extLst>
       <p:ext uri="{BB962C8B-B14F-4D97-AF65-F5344CB8AC3E}">
         <p14:creationId xmlns:p14="http://schemas.microsoft.com/office/powerpoint/2010/main" val="650252782"/>
+      </p:ext>
+    </p:extLst>
+  </p:cSld>
+  <p:clrMapOvr>
+    <a:masterClrMapping/>
+  </p:clrMapOvr>
+</p:notes>
+</file>
+
+<file path=ppt/notesSlides/notesSlide4.xml><?xml version="1.0" encoding="utf-8"?>
+<p:notes xmlns:a="http://schemas.openxmlformats.org/drawingml/2006/main" xmlns:r="http://schemas.openxmlformats.org/officeDocument/2006/relationships" xmlns:p="http://schemas.openxmlformats.org/presentationml/2006/main">
+  <p:cSld>
+    <p:spTree>
+      <p:nvGrpSpPr>
+        <p:cNvPr id="1" name=""/>
+        <p:cNvGrpSpPr/>
+        <p:nvPr/>
+      </p:nvGrpSpPr>
+      <p:grpSpPr>
+        <a:xfrm>
+          <a:off x="0" y="0"/>
+          <a:ext cx="0" cy="0"/>
+          <a:chOff x="0" y="0"/>
+          <a:chExt cx="0" cy="0"/>
+        </a:xfrm>
+      </p:grpSpPr>
+      <p:sp>
+        <p:nvSpPr>
+          <p:cNvPr id="2" name="スライド イメージ プレースホルダー 1"/>
+          <p:cNvSpPr>
+            <a:spLocks noGrp="1" noRot="1" noChangeAspect="1"/>
+          </p:cNvSpPr>
+          <p:nvPr>
+            <p:ph type="sldImg"/>
+          </p:nvPr>
+        </p:nvSpPr>
+        <p:spPr/>
+      </p:sp>
+      <p:sp>
+        <p:nvSpPr>
+          <p:cNvPr id="3" name="ノート プレースホルダー 2"/>
+          <p:cNvSpPr>
+            <a:spLocks noGrp="1"/>
+          </p:cNvSpPr>
+          <p:nvPr>
+            <p:ph type="body" idx="1"/>
+          </p:nvPr>
+        </p:nvSpPr>
+        <p:spPr/>
+        <p:txBody>
+          <a:bodyPr/>
+          <a:lstStyle/>
+          <a:p>
+            <a:r>
+              <a:rPr kumimoji="1" lang="ja-JP" altLang="en-US" dirty="0"/>
+              <a:t>それでは本題</a:t>
+            </a:r>
+            <a:endParaRPr kumimoji="1" lang="en-US" altLang="ja-JP" dirty="0"/>
+          </a:p>
+          <a:p>
+            <a:r>
+              <a:rPr kumimoji="1" lang="ja-JP" altLang="en-US" dirty="0"/>
+              <a:t>始めに設定をいじって有効化します。</a:t>
+            </a:r>
+            <a:endParaRPr kumimoji="1" lang="en-US" altLang="ja-JP" dirty="0"/>
+          </a:p>
+          <a:p>
+            <a:r>
+              <a:rPr kumimoji="1" lang="ja-JP" altLang="en-US" dirty="0"/>
+              <a:t>管理者権限アカウント（設定からアカウントへ行くと最初に表示されるページで確認できます）でログインし、スタートメニュー（</a:t>
+            </a:r>
+            <a:r>
+              <a:rPr kumimoji="1" lang="en-US" altLang="ja-JP" dirty="0"/>
+              <a:t>Windows</a:t>
+            </a:r>
+            <a:r>
+              <a:rPr kumimoji="1" lang="ja-JP" altLang="en-US" dirty="0"/>
+              <a:t>ロゴ）を右クリック</a:t>
+            </a:r>
+            <a:endParaRPr kumimoji="1" lang="en-US" altLang="ja-JP" dirty="0"/>
+          </a:p>
+          <a:p>
+            <a:r>
+              <a:rPr kumimoji="1" lang="ja-JP" altLang="en-US" dirty="0"/>
+              <a:t>右クリックメニューが出たらアプリと機能をクリックして、出た画面の右側、プログラムと機能を選びます</a:t>
+            </a:r>
+          </a:p>
+        </p:txBody>
+      </p:sp>
+      <p:sp>
+        <p:nvSpPr>
+          <p:cNvPr id="4" name="スライド番号プレースホルダー 3"/>
+          <p:cNvSpPr>
+            <a:spLocks noGrp="1"/>
+          </p:cNvSpPr>
+          <p:nvPr>
+            <p:ph type="sldNum" sz="quarter" idx="5"/>
+          </p:nvPr>
+        </p:nvSpPr>
+        <p:spPr/>
+        <p:txBody>
+          <a:bodyPr/>
+          <a:lstStyle/>
+          <a:p>
+            <a:fld id="{6B8A9B74-7ACC-4BED-B6E3-1BCF4756DC69}" type="slidenum">
+              <a:rPr kumimoji="1" lang="ja-JP" altLang="en-US" smtClean="0"/>
+              <a:t>4</a:t>
+            </a:fld>
+            <a:endParaRPr kumimoji="1" lang="ja-JP" altLang="en-US"/>
+          </a:p>
+        </p:txBody>
+      </p:sp>
+    </p:spTree>
+    <p:extLst>
+      <p:ext uri="{BB962C8B-B14F-4D97-AF65-F5344CB8AC3E}">
+        <p14:creationId xmlns:p14="http://schemas.microsoft.com/office/powerpoint/2010/main" val="3615929146"/>
+      </p:ext>
+    </p:extLst>
+  </p:cSld>
+  <p:clrMapOvr>
+    <a:masterClrMapping/>
+  </p:clrMapOvr>
+</p:notes>
+</file>
+
+<file path=ppt/notesSlides/notesSlide5.xml><?xml version="1.0" encoding="utf-8"?>
+<p:notes xmlns:a="http://schemas.openxmlformats.org/drawingml/2006/main" xmlns:r="http://schemas.openxmlformats.org/officeDocument/2006/relationships" xmlns:p="http://schemas.openxmlformats.org/presentationml/2006/main">
+  <p:cSld>
+    <p:spTree>
+      <p:nvGrpSpPr>
+        <p:cNvPr id="1" name=""/>
+        <p:cNvGrpSpPr/>
+        <p:nvPr/>
+      </p:nvGrpSpPr>
+      <p:grpSpPr>
+        <a:xfrm>
+          <a:off x="0" y="0"/>
+          <a:ext cx="0" cy="0"/>
+          <a:chOff x="0" y="0"/>
+          <a:chExt cx="0" cy="0"/>
+        </a:xfrm>
+      </p:grpSpPr>
+      <p:sp>
+        <p:nvSpPr>
+          <p:cNvPr id="2" name="スライド イメージ プレースホルダー 1"/>
+          <p:cNvSpPr>
+            <a:spLocks noGrp="1" noRot="1" noChangeAspect="1"/>
+          </p:cNvSpPr>
+          <p:nvPr>
+            <p:ph type="sldImg"/>
+          </p:nvPr>
+        </p:nvSpPr>
+        <p:spPr/>
+      </p:sp>
+      <p:sp>
+        <p:nvSpPr>
+          <p:cNvPr id="3" name="ノート プレースホルダー 2"/>
+          <p:cNvSpPr>
+            <a:spLocks noGrp="1"/>
+          </p:cNvSpPr>
+          <p:nvPr>
+            <p:ph type="body" idx="1"/>
+          </p:nvPr>
+        </p:nvSpPr>
+        <p:spPr/>
+        <p:txBody>
+          <a:bodyPr/>
+          <a:lstStyle/>
+          <a:p>
+            <a:r>
+              <a:rPr kumimoji="1" lang="ja-JP" altLang="en-US" dirty="0"/>
+              <a:t>プログラムと機能が出たら左から</a:t>
+            </a:r>
+            <a:r>
+              <a:rPr kumimoji="1" lang="en-US" altLang="ja-JP" dirty="0"/>
+              <a:t>Windows</a:t>
+            </a:r>
+            <a:r>
+              <a:rPr kumimoji="1" lang="ja-JP" altLang="en-US" dirty="0"/>
+              <a:t>の機能の有効化～をクリックします</a:t>
+            </a:r>
+            <a:endParaRPr kumimoji="1" lang="en-US" altLang="ja-JP" dirty="0"/>
+          </a:p>
+          <a:p>
+            <a:r>
+              <a:rPr kumimoji="1" lang="ja-JP" altLang="en-US" dirty="0"/>
+              <a:t>かなり奥まったところにある機能有効化画面が出たら</a:t>
+            </a:r>
+            <a:r>
+              <a:rPr kumimoji="1" lang="en-US" altLang="ja-JP" dirty="0"/>
+              <a:t>Windows Subsystem for Linux</a:t>
+            </a:r>
+          </a:p>
+          <a:p>
+            <a:r>
+              <a:rPr kumimoji="1" lang="ja-JP" altLang="en-US" dirty="0"/>
+              <a:t>にレ点を入れて</a:t>
+            </a:r>
+            <a:r>
+              <a:rPr kumimoji="1" lang="en-US" altLang="ja-JP" dirty="0"/>
+              <a:t>OK</a:t>
+            </a:r>
+            <a:r>
+              <a:rPr kumimoji="1" lang="ja-JP" altLang="en-US" dirty="0"/>
+              <a:t>を押して変更を待ちます。</a:t>
+            </a:r>
+            <a:endParaRPr kumimoji="1" lang="en-US" altLang="ja-JP" dirty="0"/>
+          </a:p>
+          <a:p>
+            <a:r>
+              <a:rPr kumimoji="1" lang="ja-JP" altLang="en-US" dirty="0"/>
+              <a:t>変更終了したら再起動するので、もし作業中のファイルがあったら保存して閉じてから再起動します</a:t>
+            </a:r>
+            <a:endParaRPr kumimoji="1" lang="en-US" altLang="ja-JP" dirty="0"/>
+          </a:p>
+          <a:p>
+            <a:r>
+              <a:rPr kumimoji="1" lang="ja-JP" altLang="en-US" dirty="0"/>
+              <a:t>進捗を白紙化しないように注意してください</a:t>
+            </a:r>
+          </a:p>
+        </p:txBody>
+      </p:sp>
+      <p:sp>
+        <p:nvSpPr>
+          <p:cNvPr id="4" name="スライド番号プレースホルダー 3"/>
+          <p:cNvSpPr>
+            <a:spLocks noGrp="1"/>
+          </p:cNvSpPr>
+          <p:nvPr>
+            <p:ph type="sldNum" sz="quarter" idx="5"/>
+          </p:nvPr>
+        </p:nvSpPr>
+        <p:spPr/>
+        <p:txBody>
+          <a:bodyPr/>
+          <a:lstStyle/>
+          <a:p>
+            <a:fld id="{6B8A9B74-7ACC-4BED-B6E3-1BCF4756DC69}" type="slidenum">
+              <a:rPr kumimoji="1" lang="ja-JP" altLang="en-US" smtClean="0"/>
+              <a:t>5</a:t>
+            </a:fld>
+            <a:endParaRPr kumimoji="1" lang="ja-JP" altLang="en-US"/>
+          </a:p>
+        </p:txBody>
+      </p:sp>
+    </p:spTree>
+    <p:extLst>
+      <p:ext uri="{BB962C8B-B14F-4D97-AF65-F5344CB8AC3E}">
+        <p14:creationId xmlns:p14="http://schemas.microsoft.com/office/powerpoint/2010/main" val="1010875853"/>
+      </p:ext>
+    </p:extLst>
+  </p:cSld>
+  <p:clrMapOvr>
+    <a:masterClrMapping/>
+  </p:clrMapOvr>
+</p:notes>
+</file>
+
+<file path=ppt/notesSlides/notesSlide6.xml><?xml version="1.0" encoding="utf-8"?>
+<p:notes xmlns:a="http://schemas.openxmlformats.org/drawingml/2006/main" xmlns:r="http://schemas.openxmlformats.org/officeDocument/2006/relationships" xmlns:p="http://schemas.openxmlformats.org/presentationml/2006/main">
+  <p:cSld>
+    <p:spTree>
+      <p:nvGrpSpPr>
+        <p:cNvPr id="1" name=""/>
+        <p:cNvGrpSpPr/>
+        <p:nvPr/>
+      </p:nvGrpSpPr>
+      <p:grpSpPr>
+        <a:xfrm>
+          <a:off x="0" y="0"/>
+          <a:ext cx="0" cy="0"/>
+          <a:chOff x="0" y="0"/>
+          <a:chExt cx="0" cy="0"/>
+        </a:xfrm>
+      </p:grpSpPr>
+      <p:sp>
+        <p:nvSpPr>
+          <p:cNvPr id="2" name="スライド イメージ プレースホルダー 1"/>
+          <p:cNvSpPr>
+            <a:spLocks noGrp="1" noRot="1" noChangeAspect="1"/>
+          </p:cNvSpPr>
+          <p:nvPr>
+            <p:ph type="sldImg"/>
+          </p:nvPr>
+        </p:nvSpPr>
+        <p:spPr/>
+      </p:sp>
+      <p:sp>
+        <p:nvSpPr>
+          <p:cNvPr id="3" name="ノート プレースホルダー 2"/>
+          <p:cNvSpPr>
+            <a:spLocks noGrp="1"/>
+          </p:cNvSpPr>
+          <p:nvPr>
+            <p:ph type="body" idx="1"/>
+          </p:nvPr>
+        </p:nvSpPr>
+        <p:spPr/>
+        <p:txBody>
+          <a:bodyPr/>
+          <a:lstStyle/>
+          <a:p>
+            <a:r>
+              <a:rPr kumimoji="1" lang="ja-JP" altLang="en-US" dirty="0"/>
+              <a:t>再起動したらいよいよ本体のインストールです</a:t>
+            </a:r>
+            <a:endParaRPr kumimoji="1" lang="en-US" altLang="ja-JP" dirty="0"/>
+          </a:p>
+          <a:p>
+            <a:r>
+              <a:rPr kumimoji="1" lang="ja-JP" altLang="en-US" dirty="0"/>
+              <a:t>ストアを開いて検索窓を呼び出して</a:t>
+            </a:r>
+            <a:r>
+              <a:rPr kumimoji="1" lang="en-US" altLang="ja-JP" dirty="0" err="1"/>
+              <a:t>linux</a:t>
+            </a:r>
+            <a:r>
+              <a:rPr kumimoji="1" lang="ja-JP" altLang="en-US" dirty="0"/>
+              <a:t>と、大文字小文字は問わないので打ち込みます</a:t>
+            </a:r>
+            <a:endParaRPr kumimoji="1" lang="en-US" altLang="ja-JP" dirty="0"/>
+          </a:p>
+          <a:p>
+            <a:r>
+              <a:rPr kumimoji="1" lang="ja-JP" altLang="en-US" dirty="0"/>
+              <a:t>すると候補が表示されるのでこれ（</a:t>
+            </a:r>
+            <a:r>
+              <a:rPr kumimoji="1" lang="en-US" altLang="ja-JP" dirty="0"/>
+              <a:t>Win</a:t>
+            </a:r>
+            <a:r>
+              <a:rPr kumimoji="1" lang="ja-JP" altLang="en-US" dirty="0"/>
+              <a:t>で</a:t>
+            </a:r>
+            <a:r>
+              <a:rPr kumimoji="1" lang="en-US" altLang="ja-JP" dirty="0"/>
+              <a:t>Linux</a:t>
+            </a:r>
+            <a:r>
+              <a:rPr kumimoji="1" lang="ja-JP" altLang="en-US" dirty="0"/>
+              <a:t>を実行する）をクリックします</a:t>
+            </a:r>
+          </a:p>
+        </p:txBody>
+      </p:sp>
+      <p:sp>
+        <p:nvSpPr>
+          <p:cNvPr id="4" name="スライド番号プレースホルダー 3"/>
+          <p:cNvSpPr>
+            <a:spLocks noGrp="1"/>
+          </p:cNvSpPr>
+          <p:nvPr>
+            <p:ph type="sldNum" sz="quarter" idx="5"/>
+          </p:nvPr>
+        </p:nvSpPr>
+        <p:spPr/>
+        <p:txBody>
+          <a:bodyPr/>
+          <a:lstStyle/>
+          <a:p>
+            <a:fld id="{6B8A9B74-7ACC-4BED-B6E3-1BCF4756DC69}" type="slidenum">
+              <a:rPr kumimoji="1" lang="ja-JP" altLang="en-US" smtClean="0"/>
+              <a:t>6</a:t>
+            </a:fld>
+            <a:endParaRPr kumimoji="1" lang="ja-JP" altLang="en-US"/>
+          </a:p>
+        </p:txBody>
+      </p:sp>
+    </p:spTree>
+    <p:extLst>
+      <p:ext uri="{BB962C8B-B14F-4D97-AF65-F5344CB8AC3E}">
+        <p14:creationId xmlns:p14="http://schemas.microsoft.com/office/powerpoint/2010/main" val="2269453008"/>
+      </p:ext>
+    </p:extLst>
+  </p:cSld>
+  <p:clrMapOvr>
+    <a:masterClrMapping/>
+  </p:clrMapOvr>
+</p:notes>
+</file>
+
+<file path=ppt/notesSlides/notesSlide7.xml><?xml version="1.0" encoding="utf-8"?>
+<p:notes xmlns:a="http://schemas.openxmlformats.org/drawingml/2006/main" xmlns:r="http://schemas.openxmlformats.org/officeDocument/2006/relationships" xmlns:p="http://schemas.openxmlformats.org/presentationml/2006/main">
+  <p:cSld>
+    <p:spTree>
+      <p:nvGrpSpPr>
+        <p:cNvPr id="1" name=""/>
+        <p:cNvGrpSpPr/>
+        <p:nvPr/>
+      </p:nvGrpSpPr>
+      <p:grpSpPr>
+        <a:xfrm>
+          <a:off x="0" y="0"/>
+          <a:ext cx="0" cy="0"/>
+          <a:chOff x="0" y="0"/>
+          <a:chExt cx="0" cy="0"/>
+        </a:xfrm>
+      </p:grpSpPr>
+      <p:sp>
+        <p:nvSpPr>
+          <p:cNvPr id="2" name="スライド イメージ プレースホルダー 1"/>
+          <p:cNvSpPr>
+            <a:spLocks noGrp="1" noRot="1" noChangeAspect="1"/>
+          </p:cNvSpPr>
+          <p:nvPr>
+            <p:ph type="sldImg"/>
+          </p:nvPr>
+        </p:nvSpPr>
+        <p:spPr/>
+      </p:sp>
+      <p:sp>
+        <p:nvSpPr>
+          <p:cNvPr id="3" name="ノート プレースホルダー 2"/>
+          <p:cNvSpPr>
+            <a:spLocks noGrp="1"/>
+          </p:cNvSpPr>
+          <p:nvPr>
+            <p:ph type="body" idx="1"/>
+          </p:nvPr>
+        </p:nvSpPr>
+        <p:spPr/>
+        <p:txBody>
+          <a:bodyPr/>
+          <a:lstStyle/>
+          <a:p>
+            <a:r>
+              <a:rPr kumimoji="1" lang="ja-JP" altLang="en-US" dirty="0"/>
+              <a:t>特集ページへジャンプするので、</a:t>
+            </a:r>
+            <a:r>
+              <a:rPr kumimoji="1" lang="en-US" altLang="ja-JP" dirty="0"/>
+              <a:t>Ubuntu</a:t>
+            </a:r>
+            <a:r>
+              <a:rPr kumimoji="1" lang="ja-JP" altLang="en-US" dirty="0"/>
+              <a:t>を選び詳細画面で入手を押します</a:t>
+            </a:r>
+            <a:endParaRPr kumimoji="1" lang="en-US" altLang="ja-JP" dirty="0"/>
+          </a:p>
+          <a:p>
+            <a:r>
+              <a:rPr kumimoji="1" lang="ja-JP" altLang="en-US" dirty="0"/>
+              <a:t>今回のを参考に自力で出来る方は</a:t>
+            </a:r>
+            <a:r>
+              <a:rPr kumimoji="1" lang="en-US" altLang="ja-JP" dirty="0"/>
+              <a:t>SUSE</a:t>
+            </a:r>
+            <a:r>
+              <a:rPr kumimoji="1" lang="ja-JP" altLang="en-US" dirty="0"/>
+              <a:t>や</a:t>
+            </a:r>
+            <a:r>
+              <a:rPr kumimoji="1" lang="en-US" altLang="ja-JP" dirty="0"/>
+              <a:t>Debian</a:t>
+            </a:r>
+            <a:r>
+              <a:rPr kumimoji="1" lang="ja-JP" altLang="en-US" dirty="0"/>
+              <a:t>等でも</a:t>
+            </a:r>
+            <a:r>
+              <a:rPr kumimoji="1" lang="en-US" altLang="ja-JP" dirty="0"/>
+              <a:t>OK</a:t>
+            </a:r>
+            <a:r>
+              <a:rPr kumimoji="1" lang="ja-JP" altLang="en-US" dirty="0"/>
+              <a:t>です</a:t>
+            </a:r>
+            <a:endParaRPr kumimoji="1" lang="en-US" altLang="ja-JP" dirty="0"/>
+          </a:p>
+          <a:p>
+            <a:r>
+              <a:rPr kumimoji="1" lang="ja-JP" altLang="en-US" dirty="0"/>
+              <a:t>入手を押すとインストールが始まるので終わるのを待ちます</a:t>
+            </a:r>
+          </a:p>
+        </p:txBody>
+      </p:sp>
+      <p:sp>
+        <p:nvSpPr>
+          <p:cNvPr id="4" name="スライド番号プレースホルダー 3"/>
+          <p:cNvSpPr>
+            <a:spLocks noGrp="1"/>
+          </p:cNvSpPr>
+          <p:nvPr>
+            <p:ph type="sldNum" sz="quarter" idx="5"/>
+          </p:nvPr>
+        </p:nvSpPr>
+        <p:spPr/>
+        <p:txBody>
+          <a:bodyPr/>
+          <a:lstStyle/>
+          <a:p>
+            <a:fld id="{6B8A9B74-7ACC-4BED-B6E3-1BCF4756DC69}" type="slidenum">
+              <a:rPr kumimoji="1" lang="ja-JP" altLang="en-US" smtClean="0"/>
+              <a:t>7</a:t>
+            </a:fld>
+            <a:endParaRPr kumimoji="1" lang="ja-JP" altLang="en-US"/>
+          </a:p>
+        </p:txBody>
+      </p:sp>
+    </p:spTree>
+    <p:extLst>
+      <p:ext uri="{BB962C8B-B14F-4D97-AF65-F5344CB8AC3E}">
+        <p14:creationId xmlns:p14="http://schemas.microsoft.com/office/powerpoint/2010/main" val="2430281010"/>
+      </p:ext>
+    </p:extLst>
+  </p:cSld>
+  <p:clrMapOvr>
+    <a:masterClrMapping/>
+  </p:clrMapOvr>
+</p:notes>
+</file>
+
+<file path=ppt/notesSlides/notesSlide8.xml><?xml version="1.0" encoding="utf-8"?>
+<p:notes xmlns:a="http://schemas.openxmlformats.org/drawingml/2006/main" xmlns:r="http://schemas.openxmlformats.org/officeDocument/2006/relationships" xmlns:p="http://schemas.openxmlformats.org/presentationml/2006/main">
+  <p:cSld>
+    <p:spTree>
+      <p:nvGrpSpPr>
+        <p:cNvPr id="1" name=""/>
+        <p:cNvGrpSpPr/>
+        <p:nvPr/>
+      </p:nvGrpSpPr>
+      <p:grpSpPr>
+        <a:xfrm>
+          <a:off x="0" y="0"/>
+          <a:ext cx="0" cy="0"/>
+          <a:chOff x="0" y="0"/>
+          <a:chExt cx="0" cy="0"/>
+        </a:xfrm>
+      </p:grpSpPr>
+      <p:sp>
+        <p:nvSpPr>
+          <p:cNvPr id="2" name="スライド イメージ プレースホルダー 1"/>
+          <p:cNvSpPr>
+            <a:spLocks noGrp="1" noRot="1" noChangeAspect="1"/>
+          </p:cNvSpPr>
+          <p:nvPr>
+            <p:ph type="sldImg"/>
+          </p:nvPr>
+        </p:nvSpPr>
+        <p:spPr/>
+      </p:sp>
+      <p:sp>
+        <p:nvSpPr>
+          <p:cNvPr id="3" name="ノート プレースホルダー 2"/>
+          <p:cNvSpPr>
+            <a:spLocks noGrp="1"/>
+          </p:cNvSpPr>
+          <p:nvPr>
+            <p:ph type="body" idx="1"/>
+          </p:nvPr>
+        </p:nvSpPr>
+        <p:spPr/>
+        <p:txBody>
+          <a:bodyPr/>
+          <a:lstStyle/>
+          <a:p>
+            <a:r>
+              <a:rPr kumimoji="1" lang="ja-JP" altLang="en-US" dirty="0"/>
+              <a:t>終了したら、ストア画面のボタンが</a:t>
+            </a:r>
+          </a:p>
+        </p:txBody>
+      </p:sp>
+      <p:sp>
+        <p:nvSpPr>
+          <p:cNvPr id="4" name="スライド番号プレースホルダー 3"/>
+          <p:cNvSpPr>
+            <a:spLocks noGrp="1"/>
+          </p:cNvSpPr>
+          <p:nvPr>
+            <p:ph type="sldNum" sz="quarter" idx="5"/>
+          </p:nvPr>
+        </p:nvSpPr>
+        <p:spPr/>
+        <p:txBody>
+          <a:bodyPr/>
+          <a:lstStyle/>
+          <a:p>
+            <a:fld id="{6B8A9B74-7ACC-4BED-B6E3-1BCF4756DC69}" type="slidenum">
+              <a:rPr kumimoji="1" lang="ja-JP" altLang="en-US" smtClean="0"/>
+              <a:t>8</a:t>
+            </a:fld>
+            <a:endParaRPr kumimoji="1" lang="ja-JP" altLang="en-US"/>
+          </a:p>
+        </p:txBody>
+      </p:sp>
+    </p:spTree>
+    <p:extLst>
+      <p:ext uri="{BB962C8B-B14F-4D97-AF65-F5344CB8AC3E}">
+        <p14:creationId xmlns:p14="http://schemas.microsoft.com/office/powerpoint/2010/main" val="1386789233"/>
       </p:ext>
     </p:extLst>
   </p:cSld>
@@ -3102,7 +3773,7 @@
           <a:p>
             <a:fld id="{EFCA2F27-532F-4E2E-86E8-C011D6D4D29E}" type="datetimeFigureOut">
               <a:rPr kumimoji="1" lang="ja-JP" altLang="en-US" smtClean="0"/>
-              <a:t>2019/5/3</a:t>
+              <a:t>2019/5/4</a:t>
             </a:fld>
             <a:endParaRPr kumimoji="1" lang="ja-JP" altLang="en-US"/>
           </a:p>
@@ -3400,7 +4071,7 @@
           <a:p>
             <a:fld id="{EFCA2F27-532F-4E2E-86E8-C011D6D4D29E}" type="datetimeFigureOut">
               <a:rPr kumimoji="1" lang="ja-JP" altLang="en-US" smtClean="0"/>
-              <a:t>2019/5/3</a:t>
+              <a:t>2019/5/4</a:t>
             </a:fld>
             <a:endParaRPr kumimoji="1" lang="ja-JP" altLang="en-US"/>
           </a:p>
@@ -3646,7 +4317,7 @@
           <a:p>
             <a:fld id="{EFCA2F27-532F-4E2E-86E8-C011D6D4D29E}" type="datetimeFigureOut">
               <a:rPr kumimoji="1" lang="ja-JP" altLang="en-US" smtClean="0"/>
-              <a:t>2019/5/3</a:t>
+              <a:t>2019/5/4</a:t>
             </a:fld>
             <a:endParaRPr kumimoji="1" lang="ja-JP" altLang="en-US"/>
           </a:p>
@@ -3812,7 +4483,7 @@
           <a:p>
             <a:fld id="{43172269-E0BE-4177-A733-9CAC9D8021AA}" type="datetimeFigureOut">
               <a:rPr kumimoji="1" lang="ja-JP" altLang="en-US" smtClean="0"/>
-              <a:t>2019/5/3</a:t>
+              <a:t>2019/5/4</a:t>
             </a:fld>
             <a:endParaRPr kumimoji="1" lang="ja-JP" altLang="en-US"/>
           </a:p>
@@ -4042,7 +4713,7 @@
           <a:p>
             <a:fld id="{43172269-E0BE-4177-A733-9CAC9D8021AA}" type="datetimeFigureOut">
               <a:rPr kumimoji="1" lang="ja-JP" altLang="en-US" smtClean="0"/>
-              <a:t>2019/5/3</a:t>
+              <a:t>2019/5/4</a:t>
             </a:fld>
             <a:endParaRPr kumimoji="1" lang="ja-JP" altLang="en-US"/>
           </a:p>
@@ -4317,7 +4988,7 @@
           <a:p>
             <a:fld id="{43172269-E0BE-4177-A733-9CAC9D8021AA}" type="datetimeFigureOut">
               <a:rPr kumimoji="1" lang="ja-JP" altLang="en-US" smtClean="0"/>
-              <a:t>2019/5/3</a:t>
+              <a:t>2019/5/4</a:t>
             </a:fld>
             <a:endParaRPr kumimoji="1" lang="ja-JP" altLang="en-US"/>
           </a:p>
@@ -4646,7 +5317,7 @@
           <a:p>
             <a:fld id="{43172269-E0BE-4177-A733-9CAC9D8021AA}" type="datetimeFigureOut">
               <a:rPr kumimoji="1" lang="ja-JP" altLang="en-US" smtClean="0"/>
-              <a:t>2019/5/3</a:t>
+              <a:t>2019/5/4</a:t>
             </a:fld>
             <a:endParaRPr kumimoji="1" lang="ja-JP" altLang="en-US"/>
           </a:p>
@@ -5122,7 +5793,7 @@
           <a:p>
             <a:fld id="{43172269-E0BE-4177-A733-9CAC9D8021AA}" type="datetimeFigureOut">
               <a:rPr kumimoji="1" lang="ja-JP" altLang="en-US" smtClean="0"/>
-              <a:t>2019/5/3</a:t>
+              <a:t>2019/5/4</a:t>
             </a:fld>
             <a:endParaRPr kumimoji="1" lang="ja-JP" altLang="en-US"/>
           </a:p>
@@ -5263,7 +5934,7 @@
           <a:p>
             <a:fld id="{43172269-E0BE-4177-A733-9CAC9D8021AA}" type="datetimeFigureOut">
               <a:rPr kumimoji="1" lang="ja-JP" altLang="en-US" smtClean="0"/>
-              <a:t>2019/5/3</a:t>
+              <a:t>2019/5/4</a:t>
             </a:fld>
             <a:endParaRPr kumimoji="1" lang="ja-JP" altLang="en-US"/>
           </a:p>
@@ -5376,7 +6047,7 @@
           <a:p>
             <a:fld id="{43172269-E0BE-4177-A733-9CAC9D8021AA}" type="datetimeFigureOut">
               <a:rPr kumimoji="1" lang="ja-JP" altLang="en-US" smtClean="0"/>
-              <a:t>2019/5/3</a:t>
+              <a:t>2019/5/4</a:t>
             </a:fld>
             <a:endParaRPr kumimoji="1" lang="ja-JP" altLang="en-US"/>
           </a:p>
@@ -5719,7 +6390,7 @@
           <a:p>
             <a:fld id="{43172269-E0BE-4177-A733-9CAC9D8021AA}" type="datetimeFigureOut">
               <a:rPr kumimoji="1" lang="ja-JP" altLang="en-US" smtClean="0"/>
-              <a:t>2019/5/3</a:t>
+              <a:t>2019/5/4</a:t>
             </a:fld>
             <a:endParaRPr kumimoji="1" lang="ja-JP" altLang="en-US"/>
           </a:p>
@@ -6009,7 +6680,7 @@
           <a:p>
             <a:fld id="{EFCA2F27-532F-4E2E-86E8-C011D6D4D29E}" type="datetimeFigureOut">
               <a:rPr kumimoji="1" lang="ja-JP" altLang="en-US" smtClean="0"/>
-              <a:t>2019/5/3</a:t>
+              <a:t>2019/5/4</a:t>
             </a:fld>
             <a:endParaRPr kumimoji="1" lang="ja-JP" altLang="en-US"/>
           </a:p>
@@ -6243,7 +6914,7 @@
           <a:p>
             <a:fld id="{43172269-E0BE-4177-A733-9CAC9D8021AA}" type="datetimeFigureOut">
               <a:rPr kumimoji="1" lang="ja-JP" altLang="en-US" smtClean="0"/>
-              <a:t>2019/5/3</a:t>
+              <a:t>2019/5/4</a:t>
             </a:fld>
             <a:endParaRPr kumimoji="1" lang="ja-JP" altLang="en-US"/>
           </a:p>
@@ -6473,7 +7144,7 @@
           <a:p>
             <a:fld id="{43172269-E0BE-4177-A733-9CAC9D8021AA}" type="datetimeFigureOut">
               <a:rPr kumimoji="1" lang="ja-JP" altLang="en-US" smtClean="0"/>
-              <a:t>2019/5/3</a:t>
+              <a:t>2019/5/4</a:t>
             </a:fld>
             <a:endParaRPr kumimoji="1" lang="ja-JP" altLang="en-US"/>
           </a:p>
@@ -6713,7 +7384,7 @@
           <a:p>
             <a:fld id="{43172269-E0BE-4177-A733-9CAC9D8021AA}" type="datetimeFigureOut">
               <a:rPr kumimoji="1" lang="ja-JP" altLang="en-US" smtClean="0"/>
-              <a:t>2019/5/3</a:t>
+              <a:t>2019/5/4</a:t>
             </a:fld>
             <a:endParaRPr kumimoji="1" lang="ja-JP" altLang="en-US"/>
           </a:p>
@@ -6994,7 +7665,7 @@
           <a:p>
             <a:fld id="{EFCA2F27-532F-4E2E-86E8-C011D6D4D29E}" type="datetimeFigureOut">
               <a:rPr kumimoji="1" lang="ja-JP" altLang="en-US" smtClean="0"/>
-              <a:t>2019/5/3</a:t>
+              <a:t>2019/5/4</a:t>
             </a:fld>
             <a:endParaRPr kumimoji="1" lang="ja-JP" altLang="en-US"/>
           </a:p>
@@ -7379,7 +8050,7 @@
           <a:p>
             <a:fld id="{EFCA2F27-532F-4E2E-86E8-C011D6D4D29E}" type="datetimeFigureOut">
               <a:rPr kumimoji="1" lang="ja-JP" altLang="en-US" smtClean="0"/>
-              <a:t>2019/5/3</a:t>
+              <a:t>2019/5/4</a:t>
             </a:fld>
             <a:endParaRPr kumimoji="1" lang="ja-JP" altLang="en-US"/>
           </a:p>
@@ -7903,7 +8574,7 @@
           <a:p>
             <a:fld id="{EFCA2F27-532F-4E2E-86E8-C011D6D4D29E}" type="datetimeFigureOut">
               <a:rPr kumimoji="1" lang="ja-JP" altLang="en-US" smtClean="0"/>
-              <a:t>2019/5/3</a:t>
+              <a:t>2019/5/4</a:t>
             </a:fld>
             <a:endParaRPr kumimoji="1" lang="ja-JP" altLang="en-US"/>
           </a:p>
@@ -8056,7 +8727,7 @@
           <a:p>
             <a:fld id="{EFCA2F27-532F-4E2E-86E8-C011D6D4D29E}" type="datetimeFigureOut">
               <a:rPr kumimoji="1" lang="ja-JP" altLang="en-US" smtClean="0"/>
-              <a:t>2019/5/3</a:t>
+              <a:t>2019/5/4</a:t>
             </a:fld>
             <a:endParaRPr kumimoji="1" lang="ja-JP" altLang="en-US"/>
           </a:p>
@@ -8187,7 +8858,7 @@
           <a:p>
             <a:fld id="{EFCA2F27-532F-4E2E-86E8-C011D6D4D29E}" type="datetimeFigureOut">
               <a:rPr kumimoji="1" lang="ja-JP" altLang="en-US" smtClean="0"/>
-              <a:t>2019/5/3</a:t>
+              <a:t>2019/5/4</a:t>
             </a:fld>
             <a:endParaRPr kumimoji="1" lang="ja-JP" altLang="en-US"/>
           </a:p>
@@ -8530,7 +9201,7 @@
           <a:p>
             <a:fld id="{EFCA2F27-532F-4E2E-86E8-C011D6D4D29E}" type="datetimeFigureOut">
               <a:rPr kumimoji="1" lang="ja-JP" altLang="en-US" smtClean="0"/>
-              <a:t>2019/5/3</a:t>
+              <a:t>2019/5/4</a:t>
             </a:fld>
             <a:endParaRPr kumimoji="1" lang="ja-JP" altLang="en-US"/>
           </a:p>
@@ -8822,7 +9493,7 @@
           <a:p>
             <a:fld id="{EFCA2F27-532F-4E2E-86E8-C011D6D4D29E}" type="datetimeFigureOut">
               <a:rPr kumimoji="1" lang="ja-JP" altLang="en-US" smtClean="0"/>
-              <a:t>2019/5/3</a:t>
+              <a:t>2019/5/4</a:t>
             </a:fld>
             <a:endParaRPr kumimoji="1" lang="ja-JP" altLang="en-US"/>
           </a:p>
@@ -10801,7 +11472,7 @@
           <a:p>
             <a:fld id="{EFCA2F27-532F-4E2E-86E8-C011D6D4D29E}" type="datetimeFigureOut">
               <a:rPr kumimoji="1" lang="ja-JP" altLang="en-US" smtClean="0"/>
-              <a:t>2019/5/3</a:t>
+              <a:t>2019/5/4</a:t>
             </a:fld>
             <a:endParaRPr kumimoji="1" lang="ja-JP" altLang="en-US"/>
           </a:p>
@@ -11453,7 +12124,7 @@
           <a:p>
             <a:fld id="{43172269-E0BE-4177-A733-9CAC9D8021AA}" type="datetimeFigureOut">
               <a:rPr kumimoji="1" lang="ja-JP" altLang="en-US" smtClean="0"/>
-              <a:t>2019/5/3</a:t>
+              <a:t>2019/5/4</a:t>
             </a:fld>
             <a:endParaRPr kumimoji="1" lang="ja-JP" altLang="en-US"/>
           </a:p>
@@ -17319,7 +17990,7 @@
           <p:nvPr/>
         </p:nvPicPr>
         <p:blipFill rotWithShape="1">
-          <a:blip r:embed="rId3">
+          <a:blip r:embed="rId4">
             <a:extLst>
               <a:ext uri="{28A0092B-C50C-407E-A947-70E740481C1C}">
                 <a14:useLocalDpi xmlns:a14="http://schemas.microsoft.com/office/drawing/2010/main" val="0"/>
@@ -17354,7 +18025,7 @@
           <p:nvPr/>
         </p:nvPicPr>
         <p:blipFill rotWithShape="1">
-          <a:blip r:embed="rId4">
+          <a:blip r:embed="rId5">
             <a:extLst>
               <a:ext uri="{28A0092B-C50C-407E-A947-70E740481C1C}">
                 <a14:useLocalDpi xmlns:a14="http://schemas.microsoft.com/office/drawing/2010/main" val="0"/>
@@ -18082,7 +18753,7 @@
           <p:nvPr/>
         </p:nvPicPr>
         <p:blipFill rotWithShape="1">
-          <a:blip r:embed="rId3">
+          <a:blip r:embed="rId4">
             <a:extLst>
               <a:ext uri="{28A0092B-C50C-407E-A947-70E740481C1C}">
                 <a14:useLocalDpi xmlns:a14="http://schemas.microsoft.com/office/drawing/2010/main" val="0"/>
@@ -18117,7 +18788,7 @@
           <p:nvPr/>
         </p:nvPicPr>
         <p:blipFill rotWithShape="1">
-          <a:blip r:embed="rId4">
+          <a:blip r:embed="rId5">
             <a:extLst>
               <a:ext uri="{28A0092B-C50C-407E-A947-70E740481C1C}">
                 <a14:useLocalDpi xmlns:a14="http://schemas.microsoft.com/office/drawing/2010/main" val="0"/>
@@ -18302,7 +18973,7 @@
           <p:nvPr/>
         </p:nvPicPr>
         <p:blipFill rotWithShape="1">
-          <a:blip r:embed="rId5">
+          <a:blip r:embed="rId6">
             <a:extLst>
               <a:ext uri="{28A0092B-C50C-407E-A947-70E740481C1C}">
                 <a14:useLocalDpi xmlns:a14="http://schemas.microsoft.com/office/drawing/2010/main" val="0"/>
@@ -19061,7 +19732,7 @@
           <p:nvPr/>
         </p:nvPicPr>
         <p:blipFill rotWithShape="1">
-          <a:blip r:embed="rId2">
+          <a:blip r:embed="rId3">
             <a:extLst>
               <a:ext uri="{28A0092B-C50C-407E-A947-70E740481C1C}">
                 <a14:useLocalDpi xmlns:a14="http://schemas.microsoft.com/office/drawing/2010/main" val="0"/>
@@ -19096,7 +19767,7 @@
           <p:nvPr/>
         </p:nvPicPr>
         <p:blipFill rotWithShape="1">
-          <a:blip r:embed="rId3">
+          <a:blip r:embed="rId4">
             <a:extLst>
               <a:ext uri="{28A0092B-C50C-407E-A947-70E740481C1C}">
                 <a14:useLocalDpi xmlns:a14="http://schemas.microsoft.com/office/drawing/2010/main" val="0"/>
@@ -19812,7 +20483,7 @@
           <p:nvPr/>
         </p:nvPicPr>
         <p:blipFill rotWithShape="1">
-          <a:blip r:embed="rId2">
+          <a:blip r:embed="rId3">
             <a:extLst>
               <a:ext uri="{28A0092B-C50C-407E-A947-70E740481C1C}">
                 <a14:useLocalDpi xmlns:a14="http://schemas.microsoft.com/office/drawing/2010/main" val="0"/>
@@ -19899,7 +20570,7 @@
           <p:nvPr/>
         </p:nvPicPr>
         <p:blipFill rotWithShape="1">
-          <a:blip r:embed="rId3">
+          <a:blip r:embed="rId4">
             <a:extLst>
               <a:ext uri="{28A0092B-C50C-407E-A947-70E740481C1C}">
                 <a14:useLocalDpi xmlns:a14="http://schemas.microsoft.com/office/drawing/2010/main" val="0"/>
@@ -20515,7 +21186,7 @@
           <p:nvPr/>
         </p:nvPicPr>
         <p:blipFill>
-          <a:blip r:embed="rId2">
+          <a:blip r:embed="rId3">
             <a:extLst>
               <a:ext uri="{28A0092B-C50C-407E-A947-70E740481C1C}">
                 <a14:useLocalDpi xmlns:a14="http://schemas.microsoft.com/office/drawing/2010/main" val="0"/>
@@ -20551,7 +21222,7 @@
           <p:nvPr/>
         </p:nvPicPr>
         <p:blipFill rotWithShape="1">
-          <a:blip r:embed="rId3">
+          <a:blip r:embed="rId4">
             <a:extLst>
               <a:ext uri="{28A0092B-C50C-407E-A947-70E740481C1C}">
                 <a14:useLocalDpi xmlns:a14="http://schemas.microsoft.com/office/drawing/2010/main" val="0"/>

--- a/RE_SIMU_ON_WSL.pptx
+++ b/RE_SIMU_ON_WSL.pptx
@@ -316,7 +316,7 @@
           <a:p>
             <a:fld id="{7D37F7A6-00EA-477C-BD0D-F6E7C2E86336}" type="datetimeFigureOut">
               <a:rPr kumimoji="1" lang="ja-JP" altLang="en-US" smtClean="0"/>
-              <a:t>2019/5/4</a:t>
+              <a:t>2019/5/5</a:t>
             </a:fld>
             <a:endParaRPr kumimoji="1" lang="ja-JP" altLang="en-US"/>
           </a:p>
@@ -714,6 +714,178 @@
 </p:notes>
 </file>
 
+<file path=ppt/notesSlides/notesSlide10.xml><?xml version="1.0" encoding="utf-8"?>
+<p:notes xmlns:a="http://schemas.openxmlformats.org/drawingml/2006/main" xmlns:r="http://schemas.openxmlformats.org/officeDocument/2006/relationships" xmlns:p="http://schemas.openxmlformats.org/presentationml/2006/main">
+  <p:cSld>
+    <p:spTree>
+      <p:nvGrpSpPr>
+        <p:cNvPr id="1" name=""/>
+        <p:cNvGrpSpPr/>
+        <p:nvPr/>
+      </p:nvGrpSpPr>
+      <p:grpSpPr>
+        <a:xfrm>
+          <a:off x="0" y="0"/>
+          <a:ext cx="0" cy="0"/>
+          <a:chOff x="0" y="0"/>
+          <a:chExt cx="0" cy="0"/>
+        </a:xfrm>
+      </p:grpSpPr>
+      <p:sp>
+        <p:nvSpPr>
+          <p:cNvPr id="2" name="スライド イメージ プレースホルダー 1"/>
+          <p:cNvSpPr>
+            <a:spLocks noGrp="1" noRot="1" noChangeAspect="1"/>
+          </p:cNvSpPr>
+          <p:nvPr>
+            <p:ph type="sldImg"/>
+          </p:nvPr>
+        </p:nvSpPr>
+        <p:spPr/>
+      </p:sp>
+      <p:sp>
+        <p:nvSpPr>
+          <p:cNvPr id="3" name="ノート プレースホルダー 2"/>
+          <p:cNvSpPr>
+            <a:spLocks noGrp="1"/>
+          </p:cNvSpPr>
+          <p:nvPr>
+            <p:ph type="body" idx="1"/>
+          </p:nvPr>
+        </p:nvSpPr>
+        <p:spPr/>
+        <p:txBody>
+          <a:bodyPr/>
+          <a:lstStyle/>
+          <a:p>
+            <a:r>
+              <a:rPr kumimoji="1" lang="ja-JP" altLang="en-US" dirty="0"/>
+              <a:t>さて、</a:t>
+            </a:r>
+            <a:r>
+              <a:rPr kumimoji="1" lang="en-US" altLang="ja-JP" dirty="0"/>
+              <a:t>OS</a:t>
+            </a:r>
+            <a:r>
+              <a:rPr kumimoji="1" lang="ja-JP" altLang="en-US" dirty="0"/>
+              <a:t>セットアップ後の作業は</a:t>
+            </a:r>
+            <a:r>
+              <a:rPr kumimoji="1" lang="en-US" altLang="ja-JP" dirty="0"/>
+              <a:t>OS</a:t>
+            </a:r>
+            <a:r>
+              <a:rPr kumimoji="1" lang="ja-JP" altLang="en-US" dirty="0"/>
+              <a:t>アップデートを行っておきましょう</a:t>
+            </a:r>
+            <a:endParaRPr kumimoji="1" lang="en-US" altLang="ja-JP" dirty="0"/>
+          </a:p>
+          <a:p>
+            <a:r>
+              <a:rPr kumimoji="1" lang="ja-JP" altLang="en-US" dirty="0"/>
+              <a:t>日本語化に関しては省略しますので、各自で必要であれば調べて実行願います</a:t>
+            </a:r>
+            <a:endParaRPr kumimoji="1" lang="en-US" altLang="ja-JP" dirty="0"/>
+          </a:p>
+          <a:p>
+            <a:r>
+              <a:rPr kumimoji="1" lang="ja-JP" altLang="en-US" dirty="0"/>
+              <a:t>アップデートで使うコマンド</a:t>
+            </a:r>
+            <a:r>
+              <a:rPr kumimoji="1" lang="en-US" altLang="ja-JP" dirty="0"/>
+              <a:t>apt</a:t>
+            </a:r>
+            <a:r>
+              <a:rPr kumimoji="1" lang="ja-JP" altLang="en-US" dirty="0"/>
+              <a:t>は管理者権限を要するため、</a:t>
+            </a:r>
+            <a:r>
+              <a:rPr kumimoji="1" lang="en-US" altLang="ja-JP" dirty="0" err="1"/>
+              <a:t>sudo</a:t>
+            </a:r>
+            <a:r>
+              <a:rPr kumimoji="1" lang="ja-JP" altLang="en-US" dirty="0"/>
+              <a:t>を頭に付ける必要があります</a:t>
+            </a:r>
+            <a:endParaRPr kumimoji="1" lang="en-US" altLang="ja-JP" dirty="0"/>
+          </a:p>
+          <a:p>
+            <a:r>
+              <a:rPr kumimoji="1" lang="en-US" altLang="ja-JP" dirty="0" err="1"/>
+              <a:t>Sudo</a:t>
+            </a:r>
+            <a:r>
+              <a:rPr kumimoji="1" lang="ja-JP" altLang="en-US" dirty="0"/>
+              <a:t>を使った際に求められるパスワードはユーザのパスワードです</a:t>
+            </a:r>
+            <a:endParaRPr kumimoji="1" lang="en-US" altLang="ja-JP" dirty="0"/>
+          </a:p>
+          <a:p>
+            <a:r>
+              <a:rPr kumimoji="1" lang="en-US" altLang="ja-JP" dirty="0" err="1"/>
+              <a:t>Sudo</a:t>
+            </a:r>
+            <a:r>
+              <a:rPr kumimoji="1" lang="en-US" altLang="ja-JP" dirty="0"/>
+              <a:t> apt update</a:t>
+            </a:r>
+            <a:r>
+              <a:rPr kumimoji="1" lang="ja-JP" altLang="en-US" dirty="0"/>
+              <a:t>で最新情報をサーバから求め、</a:t>
+            </a:r>
+            <a:r>
+              <a:rPr kumimoji="1" lang="en-US" altLang="ja-JP" dirty="0" err="1"/>
+              <a:t>sudo</a:t>
+            </a:r>
+            <a:r>
+              <a:rPr kumimoji="1" lang="en-US" altLang="ja-JP" dirty="0"/>
+              <a:t> apt upgrade</a:t>
+            </a:r>
+            <a:r>
+              <a:rPr kumimoji="1" lang="ja-JP" altLang="en-US"/>
+              <a:t>で更新を実行します</a:t>
+            </a:r>
+            <a:endParaRPr kumimoji="1" lang="ja-JP" altLang="en-US" dirty="0"/>
+          </a:p>
+        </p:txBody>
+      </p:sp>
+      <p:sp>
+        <p:nvSpPr>
+          <p:cNvPr id="4" name="スライド番号プレースホルダー 3"/>
+          <p:cNvSpPr>
+            <a:spLocks noGrp="1"/>
+          </p:cNvSpPr>
+          <p:nvPr>
+            <p:ph type="sldNum" sz="quarter" idx="5"/>
+          </p:nvPr>
+        </p:nvSpPr>
+        <p:spPr/>
+        <p:txBody>
+          <a:bodyPr/>
+          <a:lstStyle/>
+          <a:p>
+            <a:fld id="{6B8A9B74-7ACC-4BED-B6E3-1BCF4756DC69}" type="slidenum">
+              <a:rPr kumimoji="1" lang="ja-JP" altLang="en-US" smtClean="0"/>
+              <a:t>10</a:t>
+            </a:fld>
+            <a:endParaRPr kumimoji="1" lang="ja-JP" altLang="en-US"/>
+          </a:p>
+        </p:txBody>
+      </p:sp>
+    </p:spTree>
+    <p:extLst>
+      <p:ext uri="{BB962C8B-B14F-4D97-AF65-F5344CB8AC3E}">
+        <p14:creationId xmlns:p14="http://schemas.microsoft.com/office/powerpoint/2010/main" val="2901218922"/>
+      </p:ext>
+    </p:extLst>
+  </p:cSld>
+  <p:clrMapOvr>
+    <a:masterClrMapping/>
+  </p:clrMapOvr>
+</p:notes>
+</file>
+
 <file path=ppt/notesSlides/notesSlide2.xml><?xml version="1.0" encoding="utf-8"?>
 <p:notes xmlns:a="http://schemas.openxmlformats.org/drawingml/2006/main" xmlns:r="http://schemas.openxmlformats.org/officeDocument/2006/relationships" xmlns:p="http://schemas.openxmlformats.org/presentationml/2006/main">
   <p:cSld>
@@ -1653,7 +1825,22 @@
           <a:p>
             <a:r>
               <a:rPr kumimoji="1" lang="ja-JP" altLang="en-US" dirty="0"/>
-              <a:t>終了したら、ストア画面のボタンが</a:t>
+              <a:t>終了したら、ストア画面のボタンが起動に変わるのでそれを押すか、スタートメニューから</a:t>
+            </a:r>
+            <a:r>
+              <a:rPr kumimoji="1" lang="en-US" altLang="ja-JP" dirty="0"/>
+              <a:t>Ubuntu</a:t>
+            </a:r>
+            <a:r>
+              <a:rPr kumimoji="1" lang="ja-JP" altLang="en-US" dirty="0"/>
+              <a:t>をクリックしてください</a:t>
+            </a:r>
+            <a:endParaRPr kumimoji="1" lang="en-US" altLang="ja-JP" dirty="0"/>
+          </a:p>
+          <a:p>
+            <a:r>
+              <a:rPr kumimoji="1" lang="ja-JP" altLang="en-US" dirty="0"/>
+              <a:t>初回はファイル展開あるため、画像の文字が表示されるのでお手洗いなどを済ませておいてください。</a:t>
             </a:r>
           </a:p>
         </p:txBody>
@@ -1685,6 +1872,152 @@
     <p:extLst>
       <p:ext uri="{BB962C8B-B14F-4D97-AF65-F5344CB8AC3E}">
         <p14:creationId xmlns:p14="http://schemas.microsoft.com/office/powerpoint/2010/main" val="1386789233"/>
+      </p:ext>
+    </p:extLst>
+  </p:cSld>
+  <p:clrMapOvr>
+    <a:masterClrMapping/>
+  </p:clrMapOvr>
+</p:notes>
+</file>
+
+<file path=ppt/notesSlides/notesSlide9.xml><?xml version="1.0" encoding="utf-8"?>
+<p:notes xmlns:a="http://schemas.openxmlformats.org/drawingml/2006/main" xmlns:r="http://schemas.openxmlformats.org/officeDocument/2006/relationships" xmlns:p="http://schemas.openxmlformats.org/presentationml/2006/main">
+  <p:cSld>
+    <p:spTree>
+      <p:nvGrpSpPr>
+        <p:cNvPr id="1" name=""/>
+        <p:cNvGrpSpPr/>
+        <p:nvPr/>
+      </p:nvGrpSpPr>
+      <p:grpSpPr>
+        <a:xfrm>
+          <a:off x="0" y="0"/>
+          <a:ext cx="0" cy="0"/>
+          <a:chOff x="0" y="0"/>
+          <a:chExt cx="0" cy="0"/>
+        </a:xfrm>
+      </p:grpSpPr>
+      <p:sp>
+        <p:nvSpPr>
+          <p:cNvPr id="2" name="スライド イメージ プレースホルダー 1"/>
+          <p:cNvSpPr>
+            <a:spLocks noGrp="1" noRot="1" noChangeAspect="1"/>
+          </p:cNvSpPr>
+          <p:nvPr>
+            <p:ph type="sldImg"/>
+          </p:nvPr>
+        </p:nvSpPr>
+        <p:spPr/>
+      </p:sp>
+      <p:sp>
+        <p:nvSpPr>
+          <p:cNvPr id="3" name="ノート プレースホルダー 2"/>
+          <p:cNvSpPr>
+            <a:spLocks noGrp="1"/>
+          </p:cNvSpPr>
+          <p:nvPr>
+            <p:ph type="body" idx="1"/>
+          </p:nvPr>
+        </p:nvSpPr>
+        <p:spPr/>
+        <p:txBody>
+          <a:bodyPr/>
+          <a:lstStyle/>
+          <a:p>
+            <a:r>
+              <a:rPr kumimoji="1" lang="ja-JP" altLang="en-US" dirty="0"/>
+              <a:t>しばらく待つと、ユーザ名が求められるため考えたユーザ名を入れてください。</a:t>
+            </a:r>
+            <a:endParaRPr kumimoji="1" lang="en-US" altLang="ja-JP" dirty="0"/>
+          </a:p>
+          <a:p>
+            <a:r>
+              <a:rPr kumimoji="1" lang="ja-JP" altLang="en-US" dirty="0"/>
+              <a:t>これは特に</a:t>
+            </a:r>
+            <a:r>
+              <a:rPr kumimoji="1" lang="en-US" altLang="ja-JP" dirty="0"/>
+              <a:t>Microsoft</a:t>
+            </a:r>
+            <a:r>
+              <a:rPr kumimoji="1" lang="ja-JP" altLang="en-US" dirty="0"/>
+              <a:t>アカウントとそろえなくても問題ありません。</a:t>
+            </a:r>
+            <a:endParaRPr kumimoji="1" lang="en-US" altLang="ja-JP" dirty="0"/>
+          </a:p>
+          <a:p>
+            <a:r>
+              <a:rPr kumimoji="1" lang="ja-JP" altLang="en-US" dirty="0"/>
+              <a:t>その後パスワードを求められるため考えたパスワードを入れてください</a:t>
+            </a:r>
+            <a:endParaRPr kumimoji="1" lang="en-US" altLang="ja-JP" dirty="0"/>
+          </a:p>
+          <a:p>
+            <a:r>
+              <a:rPr kumimoji="1" lang="ja-JP" altLang="en-US" dirty="0"/>
+              <a:t>で、注意事項ですが、パスワードはアスタリスクも表示されません。打ち間違い注意してください。</a:t>
+            </a:r>
+            <a:endParaRPr kumimoji="1" lang="en-US" altLang="ja-JP" dirty="0"/>
+          </a:p>
+          <a:p>
+            <a:r>
+              <a:rPr kumimoji="1" lang="ja-JP" altLang="en-US" dirty="0"/>
+              <a:t>パスワードは</a:t>
+            </a:r>
+            <a:r>
+              <a:rPr kumimoji="1" lang="en-US" altLang="ja-JP" dirty="0"/>
+              <a:t>2</a:t>
+            </a:r>
+            <a:r>
+              <a:rPr kumimoji="1" lang="ja-JP" altLang="en-US" dirty="0"/>
+              <a:t>回打ち込む必要があります。問題無ければドルマークがでます</a:t>
+            </a:r>
+            <a:endParaRPr kumimoji="1" lang="en-US" altLang="ja-JP" dirty="0"/>
+          </a:p>
+          <a:p>
+            <a:r>
+              <a:rPr kumimoji="1" lang="ja-JP" altLang="en-US" dirty="0"/>
+              <a:t>これで</a:t>
+            </a:r>
+            <a:r>
+              <a:rPr kumimoji="1" lang="en-US" altLang="ja-JP" dirty="0"/>
+              <a:t>Ubuntu</a:t>
+            </a:r>
+            <a:r>
+              <a:rPr kumimoji="1" lang="ja-JP" altLang="en-US" dirty="0"/>
+              <a:t>のセットアップ終了です</a:t>
+            </a:r>
+          </a:p>
+        </p:txBody>
+      </p:sp>
+      <p:sp>
+        <p:nvSpPr>
+          <p:cNvPr id="4" name="スライド番号プレースホルダー 3"/>
+          <p:cNvSpPr>
+            <a:spLocks noGrp="1"/>
+          </p:cNvSpPr>
+          <p:nvPr>
+            <p:ph type="sldNum" sz="quarter" idx="5"/>
+          </p:nvPr>
+        </p:nvSpPr>
+        <p:spPr/>
+        <p:txBody>
+          <a:bodyPr/>
+          <a:lstStyle/>
+          <a:p>
+            <a:fld id="{6B8A9B74-7ACC-4BED-B6E3-1BCF4756DC69}" type="slidenum">
+              <a:rPr kumimoji="1" lang="ja-JP" altLang="en-US" smtClean="0"/>
+              <a:t>9</a:t>
+            </a:fld>
+            <a:endParaRPr kumimoji="1" lang="ja-JP" altLang="en-US"/>
+          </a:p>
+        </p:txBody>
+      </p:sp>
+    </p:spTree>
+    <p:extLst>
+      <p:ext uri="{BB962C8B-B14F-4D97-AF65-F5344CB8AC3E}">
+        <p14:creationId xmlns:p14="http://schemas.microsoft.com/office/powerpoint/2010/main" val="1764091849"/>
       </p:ext>
     </p:extLst>
   </p:cSld>
@@ -3773,7 +4106,7 @@
           <a:p>
             <a:fld id="{EFCA2F27-532F-4E2E-86E8-C011D6D4D29E}" type="datetimeFigureOut">
               <a:rPr kumimoji="1" lang="ja-JP" altLang="en-US" smtClean="0"/>
-              <a:t>2019/5/4</a:t>
+              <a:t>2019/5/5</a:t>
             </a:fld>
             <a:endParaRPr kumimoji="1" lang="ja-JP" altLang="en-US"/>
           </a:p>
@@ -4071,7 +4404,7 @@
           <a:p>
             <a:fld id="{EFCA2F27-532F-4E2E-86E8-C011D6D4D29E}" type="datetimeFigureOut">
               <a:rPr kumimoji="1" lang="ja-JP" altLang="en-US" smtClean="0"/>
-              <a:t>2019/5/4</a:t>
+              <a:t>2019/5/5</a:t>
             </a:fld>
             <a:endParaRPr kumimoji="1" lang="ja-JP" altLang="en-US"/>
           </a:p>
@@ -4317,7 +4650,7 @@
           <a:p>
             <a:fld id="{EFCA2F27-532F-4E2E-86E8-C011D6D4D29E}" type="datetimeFigureOut">
               <a:rPr kumimoji="1" lang="ja-JP" altLang="en-US" smtClean="0"/>
-              <a:t>2019/5/4</a:t>
+              <a:t>2019/5/5</a:t>
             </a:fld>
             <a:endParaRPr kumimoji="1" lang="ja-JP" altLang="en-US"/>
           </a:p>
@@ -4483,7 +4816,7 @@
           <a:p>
             <a:fld id="{43172269-E0BE-4177-A733-9CAC9D8021AA}" type="datetimeFigureOut">
               <a:rPr kumimoji="1" lang="ja-JP" altLang="en-US" smtClean="0"/>
-              <a:t>2019/5/4</a:t>
+              <a:t>2019/5/5</a:t>
             </a:fld>
             <a:endParaRPr kumimoji="1" lang="ja-JP" altLang="en-US"/>
           </a:p>
@@ -4713,7 +5046,7 @@
           <a:p>
             <a:fld id="{43172269-E0BE-4177-A733-9CAC9D8021AA}" type="datetimeFigureOut">
               <a:rPr kumimoji="1" lang="ja-JP" altLang="en-US" smtClean="0"/>
-              <a:t>2019/5/4</a:t>
+              <a:t>2019/5/5</a:t>
             </a:fld>
             <a:endParaRPr kumimoji="1" lang="ja-JP" altLang="en-US"/>
           </a:p>
@@ -4988,7 +5321,7 @@
           <a:p>
             <a:fld id="{43172269-E0BE-4177-A733-9CAC9D8021AA}" type="datetimeFigureOut">
               <a:rPr kumimoji="1" lang="ja-JP" altLang="en-US" smtClean="0"/>
-              <a:t>2019/5/4</a:t>
+              <a:t>2019/5/5</a:t>
             </a:fld>
             <a:endParaRPr kumimoji="1" lang="ja-JP" altLang="en-US"/>
           </a:p>
@@ -5317,7 +5650,7 @@
           <a:p>
             <a:fld id="{43172269-E0BE-4177-A733-9CAC9D8021AA}" type="datetimeFigureOut">
               <a:rPr kumimoji="1" lang="ja-JP" altLang="en-US" smtClean="0"/>
-              <a:t>2019/5/4</a:t>
+              <a:t>2019/5/5</a:t>
             </a:fld>
             <a:endParaRPr kumimoji="1" lang="ja-JP" altLang="en-US"/>
           </a:p>
@@ -5793,7 +6126,7 @@
           <a:p>
             <a:fld id="{43172269-E0BE-4177-A733-9CAC9D8021AA}" type="datetimeFigureOut">
               <a:rPr kumimoji="1" lang="ja-JP" altLang="en-US" smtClean="0"/>
-              <a:t>2019/5/4</a:t>
+              <a:t>2019/5/5</a:t>
             </a:fld>
             <a:endParaRPr kumimoji="1" lang="ja-JP" altLang="en-US"/>
           </a:p>
@@ -5934,7 +6267,7 @@
           <a:p>
             <a:fld id="{43172269-E0BE-4177-A733-9CAC9D8021AA}" type="datetimeFigureOut">
               <a:rPr kumimoji="1" lang="ja-JP" altLang="en-US" smtClean="0"/>
-              <a:t>2019/5/4</a:t>
+              <a:t>2019/5/5</a:t>
             </a:fld>
             <a:endParaRPr kumimoji="1" lang="ja-JP" altLang="en-US"/>
           </a:p>
@@ -6047,7 +6380,7 @@
           <a:p>
             <a:fld id="{43172269-E0BE-4177-A733-9CAC9D8021AA}" type="datetimeFigureOut">
               <a:rPr kumimoji="1" lang="ja-JP" altLang="en-US" smtClean="0"/>
-              <a:t>2019/5/4</a:t>
+              <a:t>2019/5/5</a:t>
             </a:fld>
             <a:endParaRPr kumimoji="1" lang="ja-JP" altLang="en-US"/>
           </a:p>
@@ -6390,7 +6723,7 @@
           <a:p>
             <a:fld id="{43172269-E0BE-4177-A733-9CAC9D8021AA}" type="datetimeFigureOut">
               <a:rPr kumimoji="1" lang="ja-JP" altLang="en-US" smtClean="0"/>
-              <a:t>2019/5/4</a:t>
+              <a:t>2019/5/5</a:t>
             </a:fld>
             <a:endParaRPr kumimoji="1" lang="ja-JP" altLang="en-US"/>
           </a:p>
@@ -6680,7 +7013,7 @@
           <a:p>
             <a:fld id="{EFCA2F27-532F-4E2E-86E8-C011D6D4D29E}" type="datetimeFigureOut">
               <a:rPr kumimoji="1" lang="ja-JP" altLang="en-US" smtClean="0"/>
-              <a:t>2019/5/4</a:t>
+              <a:t>2019/5/5</a:t>
             </a:fld>
             <a:endParaRPr kumimoji="1" lang="ja-JP" altLang="en-US"/>
           </a:p>
@@ -6914,7 +7247,7 @@
           <a:p>
             <a:fld id="{43172269-E0BE-4177-A733-9CAC9D8021AA}" type="datetimeFigureOut">
               <a:rPr kumimoji="1" lang="ja-JP" altLang="en-US" smtClean="0"/>
-              <a:t>2019/5/4</a:t>
+              <a:t>2019/5/5</a:t>
             </a:fld>
             <a:endParaRPr kumimoji="1" lang="ja-JP" altLang="en-US"/>
           </a:p>
@@ -7144,7 +7477,7 @@
           <a:p>
             <a:fld id="{43172269-E0BE-4177-A733-9CAC9D8021AA}" type="datetimeFigureOut">
               <a:rPr kumimoji="1" lang="ja-JP" altLang="en-US" smtClean="0"/>
-              <a:t>2019/5/4</a:t>
+              <a:t>2019/5/5</a:t>
             </a:fld>
             <a:endParaRPr kumimoji="1" lang="ja-JP" altLang="en-US"/>
           </a:p>
@@ -7384,7 +7717,7 @@
           <a:p>
             <a:fld id="{43172269-E0BE-4177-A733-9CAC9D8021AA}" type="datetimeFigureOut">
               <a:rPr kumimoji="1" lang="ja-JP" altLang="en-US" smtClean="0"/>
-              <a:t>2019/5/4</a:t>
+              <a:t>2019/5/5</a:t>
             </a:fld>
             <a:endParaRPr kumimoji="1" lang="ja-JP" altLang="en-US"/>
           </a:p>
@@ -7665,7 +7998,7 @@
           <a:p>
             <a:fld id="{EFCA2F27-532F-4E2E-86E8-C011D6D4D29E}" type="datetimeFigureOut">
               <a:rPr kumimoji="1" lang="ja-JP" altLang="en-US" smtClean="0"/>
-              <a:t>2019/5/4</a:t>
+              <a:t>2019/5/5</a:t>
             </a:fld>
             <a:endParaRPr kumimoji="1" lang="ja-JP" altLang="en-US"/>
           </a:p>
@@ -8050,7 +8383,7 @@
           <a:p>
             <a:fld id="{EFCA2F27-532F-4E2E-86E8-C011D6D4D29E}" type="datetimeFigureOut">
               <a:rPr kumimoji="1" lang="ja-JP" altLang="en-US" smtClean="0"/>
-              <a:t>2019/5/4</a:t>
+              <a:t>2019/5/5</a:t>
             </a:fld>
             <a:endParaRPr kumimoji="1" lang="ja-JP" altLang="en-US"/>
           </a:p>
@@ -8574,7 +8907,7 @@
           <a:p>
             <a:fld id="{EFCA2F27-532F-4E2E-86E8-C011D6D4D29E}" type="datetimeFigureOut">
               <a:rPr kumimoji="1" lang="ja-JP" altLang="en-US" smtClean="0"/>
-              <a:t>2019/5/4</a:t>
+              <a:t>2019/5/5</a:t>
             </a:fld>
             <a:endParaRPr kumimoji="1" lang="ja-JP" altLang="en-US"/>
           </a:p>
@@ -8727,7 +9060,7 @@
           <a:p>
             <a:fld id="{EFCA2F27-532F-4E2E-86E8-C011D6D4D29E}" type="datetimeFigureOut">
               <a:rPr kumimoji="1" lang="ja-JP" altLang="en-US" smtClean="0"/>
-              <a:t>2019/5/4</a:t>
+              <a:t>2019/5/5</a:t>
             </a:fld>
             <a:endParaRPr kumimoji="1" lang="ja-JP" altLang="en-US"/>
           </a:p>
@@ -8858,7 +9191,7 @@
           <a:p>
             <a:fld id="{EFCA2F27-532F-4E2E-86E8-C011D6D4D29E}" type="datetimeFigureOut">
               <a:rPr kumimoji="1" lang="ja-JP" altLang="en-US" smtClean="0"/>
-              <a:t>2019/5/4</a:t>
+              <a:t>2019/5/5</a:t>
             </a:fld>
             <a:endParaRPr kumimoji="1" lang="ja-JP" altLang="en-US"/>
           </a:p>
@@ -9201,7 +9534,7 @@
           <a:p>
             <a:fld id="{EFCA2F27-532F-4E2E-86E8-C011D6D4D29E}" type="datetimeFigureOut">
               <a:rPr kumimoji="1" lang="ja-JP" altLang="en-US" smtClean="0"/>
-              <a:t>2019/5/4</a:t>
+              <a:t>2019/5/5</a:t>
             </a:fld>
             <a:endParaRPr kumimoji="1" lang="ja-JP" altLang="en-US"/>
           </a:p>
@@ -9493,7 +9826,7 @@
           <a:p>
             <a:fld id="{EFCA2F27-532F-4E2E-86E8-C011D6D4D29E}" type="datetimeFigureOut">
               <a:rPr kumimoji="1" lang="ja-JP" altLang="en-US" smtClean="0"/>
-              <a:t>2019/5/4</a:t>
+              <a:t>2019/5/5</a:t>
             </a:fld>
             <a:endParaRPr kumimoji="1" lang="ja-JP" altLang="en-US"/>
           </a:p>
@@ -11472,7 +11805,7 @@
           <a:p>
             <a:fld id="{EFCA2F27-532F-4E2E-86E8-C011D6D4D29E}" type="datetimeFigureOut">
               <a:rPr kumimoji="1" lang="ja-JP" altLang="en-US" smtClean="0"/>
-              <a:t>2019/5/4</a:t>
+              <a:t>2019/5/5</a:t>
             </a:fld>
             <a:endParaRPr kumimoji="1" lang="ja-JP" altLang="en-US"/>
           </a:p>
@@ -12124,7 +12457,7 @@
           <a:p>
             <a:fld id="{43172269-E0BE-4177-A733-9CAC9D8021AA}" type="datetimeFigureOut">
               <a:rPr kumimoji="1" lang="ja-JP" altLang="en-US" smtClean="0"/>
-              <a:t>2019/5/4</a:t>
+              <a:t>2019/5/5</a:t>
             </a:fld>
             <a:endParaRPr kumimoji="1" lang="ja-JP" altLang="en-US"/>
           </a:p>
@@ -12922,7 +13255,7 @@
           <p:nvPr/>
         </p:nvPicPr>
         <p:blipFill rotWithShape="1">
-          <a:blip r:embed="rId2">
+          <a:blip r:embed="rId3">
             <a:extLst>
               <a:ext uri="{28A0092B-C50C-407E-A947-70E740481C1C}">
                 <a14:useLocalDpi xmlns:a14="http://schemas.microsoft.com/office/drawing/2010/main" val="0"/>
@@ -12957,7 +13290,7 @@
           <p:nvPr/>
         </p:nvPicPr>
         <p:blipFill rotWithShape="1">
-          <a:blip r:embed="rId3">
+          <a:blip r:embed="rId4">
             <a:extLst>
               <a:ext uri="{28A0092B-C50C-407E-A947-70E740481C1C}">
                 <a14:useLocalDpi xmlns:a14="http://schemas.microsoft.com/office/drawing/2010/main" val="0"/>
@@ -21856,7 +22189,7 @@
           <p:nvPr/>
         </p:nvPicPr>
         <p:blipFill rotWithShape="1">
-          <a:blip r:embed="rId2">
+          <a:blip r:embed="rId3">
             <a:extLst>
               <a:ext uri="{28A0092B-C50C-407E-A947-70E740481C1C}">
                 <a14:useLocalDpi xmlns:a14="http://schemas.microsoft.com/office/drawing/2010/main" val="0"/>
@@ -21891,7 +22224,7 @@
           <p:nvPr/>
         </p:nvPicPr>
         <p:blipFill rotWithShape="1">
-          <a:blip r:embed="rId3">
+          <a:blip r:embed="rId4">
             <a:extLst>
               <a:ext uri="{28A0092B-C50C-407E-A947-70E740481C1C}">
                 <a14:useLocalDpi xmlns:a14="http://schemas.microsoft.com/office/drawing/2010/main" val="0"/>

--- a/RE_SIMU_ON_WSL.pptx
+++ b/RE_SIMU_ON_WSL.pptx
@@ -316,7 +316,7 @@
           <a:p>
             <a:fld id="{7D37F7A6-00EA-477C-BD0D-F6E7C2E86336}" type="datetimeFigureOut">
               <a:rPr kumimoji="1" lang="ja-JP" altLang="en-US" smtClean="0"/>
-              <a:t>2019/5/5</a:t>
+              <a:t>2019/5/6</a:t>
             </a:fld>
             <a:endParaRPr kumimoji="1" lang="ja-JP" altLang="en-US"/>
           </a:p>
@@ -843,10 +843,9 @@
               <a:t> apt upgrade</a:t>
             </a:r>
             <a:r>
-              <a:rPr kumimoji="1" lang="ja-JP" altLang="en-US"/>
+              <a:rPr kumimoji="1" lang="ja-JP" altLang="en-US" dirty="0"/>
               <a:t>で更新を実行します</a:t>
             </a:r>
-            <a:endParaRPr kumimoji="1" lang="ja-JP" altLang="en-US" dirty="0"/>
           </a:p>
         </p:txBody>
       </p:sp>
@@ -877,6 +876,923 @@
     <p:extLst>
       <p:ext uri="{BB962C8B-B14F-4D97-AF65-F5344CB8AC3E}">
         <p14:creationId xmlns:p14="http://schemas.microsoft.com/office/powerpoint/2010/main" val="2901218922"/>
+      </p:ext>
+    </p:extLst>
+  </p:cSld>
+  <p:clrMapOvr>
+    <a:masterClrMapping/>
+  </p:clrMapOvr>
+</p:notes>
+</file>
+
+<file path=ppt/notesSlides/notesSlide11.xml><?xml version="1.0" encoding="utf-8"?>
+<p:notes xmlns:a="http://schemas.openxmlformats.org/drawingml/2006/main" xmlns:r="http://schemas.openxmlformats.org/officeDocument/2006/relationships" xmlns:p="http://schemas.openxmlformats.org/presentationml/2006/main">
+  <p:cSld>
+    <p:spTree>
+      <p:nvGrpSpPr>
+        <p:cNvPr id="1" name=""/>
+        <p:cNvGrpSpPr/>
+        <p:nvPr/>
+      </p:nvGrpSpPr>
+      <p:grpSpPr>
+        <a:xfrm>
+          <a:off x="0" y="0"/>
+          <a:ext cx="0" cy="0"/>
+          <a:chOff x="0" y="0"/>
+          <a:chExt cx="0" cy="0"/>
+        </a:xfrm>
+      </p:grpSpPr>
+      <p:sp>
+        <p:nvSpPr>
+          <p:cNvPr id="2" name="スライド イメージ プレースホルダー 1"/>
+          <p:cNvSpPr>
+            <a:spLocks noGrp="1" noRot="1" noChangeAspect="1"/>
+          </p:cNvSpPr>
+          <p:nvPr>
+            <p:ph type="sldImg"/>
+          </p:nvPr>
+        </p:nvSpPr>
+        <p:spPr/>
+      </p:sp>
+      <p:sp>
+        <p:nvSpPr>
+          <p:cNvPr id="3" name="ノート プレースホルダー 2"/>
+          <p:cNvSpPr>
+            <a:spLocks noGrp="1"/>
+          </p:cNvSpPr>
+          <p:nvPr>
+            <p:ph type="body" idx="1"/>
+          </p:nvPr>
+        </p:nvSpPr>
+        <p:spPr/>
+        <p:txBody>
+          <a:bodyPr/>
+          <a:lstStyle/>
+          <a:p>
+            <a:r>
+              <a:rPr kumimoji="1" lang="ja-JP" altLang="en-US" dirty="0"/>
+              <a:t>アップデートも終わったところで必要なパッケージを入れるわけですが、既にネット上にあるクロスコンパイル方法で</a:t>
+            </a:r>
+            <a:endParaRPr kumimoji="1" lang="en-US" altLang="ja-JP" dirty="0"/>
+          </a:p>
+          <a:p>
+            <a:r>
+              <a:rPr kumimoji="1" lang="ja-JP" altLang="en-US" dirty="0"/>
+              <a:t>用いられている</a:t>
+            </a:r>
+            <a:r>
+              <a:rPr kumimoji="1" lang="en-US" altLang="ja-JP" dirty="0"/>
+              <a:t>Arch Linux</a:t>
+            </a:r>
+            <a:r>
+              <a:rPr kumimoji="1" lang="ja-JP" altLang="en-US" dirty="0"/>
+              <a:t>のパッケージセットのようなものは</a:t>
+            </a:r>
+            <a:r>
+              <a:rPr kumimoji="1" lang="en-US" altLang="ja-JP" dirty="0"/>
+              <a:t>Ubuntu</a:t>
+            </a:r>
+            <a:r>
+              <a:rPr kumimoji="1" lang="ja-JP" altLang="en-US" dirty="0"/>
+              <a:t>には有りません。</a:t>
+            </a:r>
+            <a:endParaRPr kumimoji="1" lang="en-US" altLang="ja-JP" dirty="0"/>
+          </a:p>
+          <a:p>
+            <a:r>
+              <a:rPr kumimoji="1" lang="ja-JP" altLang="en-US" dirty="0"/>
+              <a:t>もう一度言います。有りません。</a:t>
+            </a:r>
+            <a:endParaRPr kumimoji="1" lang="en-US" altLang="ja-JP" dirty="0"/>
+          </a:p>
+          <a:p>
+            <a:r>
+              <a:rPr kumimoji="1" lang="ja-JP" altLang="en-US" dirty="0"/>
+              <a:t>ですが、セットの中にある各パッケージは殆ど揃っているのでそのままインストールできます。</a:t>
+            </a:r>
+            <a:endParaRPr kumimoji="1" lang="en-US" altLang="ja-JP" dirty="0"/>
+          </a:p>
+          <a:p>
+            <a:r>
+              <a:rPr kumimoji="1" lang="ja-JP" altLang="en-US" dirty="0"/>
+              <a:t>ですが、</a:t>
+            </a:r>
+            <a:r>
+              <a:rPr kumimoji="1" lang="en-US" altLang="ja-JP" dirty="0"/>
+              <a:t>bzip2</a:t>
+            </a:r>
+            <a:r>
+              <a:rPr kumimoji="1" lang="ja-JP" altLang="en-US" dirty="0"/>
+              <a:t>と</a:t>
+            </a:r>
+            <a:r>
+              <a:rPr kumimoji="1" lang="en-US" altLang="ja-JP" dirty="0" err="1"/>
+              <a:t>zlib</a:t>
+            </a:r>
+            <a:r>
+              <a:rPr kumimoji="1" lang="ja-JP" altLang="en-US" dirty="0"/>
+              <a:t>はコードをいじってからでなければ上手くいかないのでこの</a:t>
+            </a:r>
+            <a:r>
+              <a:rPr kumimoji="1" lang="en-US" altLang="ja-JP" dirty="0"/>
+              <a:t>2</a:t>
+            </a:r>
+            <a:r>
+              <a:rPr kumimoji="1" lang="ja-JP" altLang="en-US" dirty="0"/>
+              <a:t>つだけは別に入れます</a:t>
+            </a:r>
+            <a:endParaRPr kumimoji="1" lang="en-US" altLang="ja-JP" dirty="0"/>
+          </a:p>
+          <a:p>
+            <a:endParaRPr kumimoji="1" lang="ja-JP" altLang="en-US" dirty="0"/>
+          </a:p>
+        </p:txBody>
+      </p:sp>
+      <p:sp>
+        <p:nvSpPr>
+          <p:cNvPr id="4" name="スライド番号プレースホルダー 3"/>
+          <p:cNvSpPr>
+            <a:spLocks noGrp="1"/>
+          </p:cNvSpPr>
+          <p:nvPr>
+            <p:ph type="sldNum" sz="quarter" idx="5"/>
+          </p:nvPr>
+        </p:nvSpPr>
+        <p:spPr/>
+        <p:txBody>
+          <a:bodyPr/>
+          <a:lstStyle/>
+          <a:p>
+            <a:fld id="{6B8A9B74-7ACC-4BED-B6E3-1BCF4756DC69}" type="slidenum">
+              <a:rPr kumimoji="1" lang="ja-JP" altLang="en-US" smtClean="0"/>
+              <a:t>11</a:t>
+            </a:fld>
+            <a:endParaRPr kumimoji="1" lang="ja-JP" altLang="en-US"/>
+          </a:p>
+        </p:txBody>
+      </p:sp>
+    </p:spTree>
+    <p:extLst>
+      <p:ext uri="{BB962C8B-B14F-4D97-AF65-F5344CB8AC3E}">
+        <p14:creationId xmlns:p14="http://schemas.microsoft.com/office/powerpoint/2010/main" val="290360854"/>
+      </p:ext>
+    </p:extLst>
+  </p:cSld>
+  <p:clrMapOvr>
+    <a:masterClrMapping/>
+  </p:clrMapOvr>
+</p:notes>
+</file>
+
+<file path=ppt/notesSlides/notesSlide12.xml><?xml version="1.0" encoding="utf-8"?>
+<p:notes xmlns:a="http://schemas.openxmlformats.org/drawingml/2006/main" xmlns:r="http://schemas.openxmlformats.org/officeDocument/2006/relationships" xmlns:p="http://schemas.openxmlformats.org/presentationml/2006/main">
+  <p:cSld>
+    <p:spTree>
+      <p:nvGrpSpPr>
+        <p:cNvPr id="1" name=""/>
+        <p:cNvGrpSpPr/>
+        <p:nvPr/>
+      </p:nvGrpSpPr>
+      <p:grpSpPr>
+        <a:xfrm>
+          <a:off x="0" y="0"/>
+          <a:ext cx="0" cy="0"/>
+          <a:chOff x="0" y="0"/>
+          <a:chExt cx="0" cy="0"/>
+        </a:xfrm>
+      </p:grpSpPr>
+      <p:sp>
+        <p:nvSpPr>
+          <p:cNvPr id="2" name="スライド イメージ プレースホルダー 1"/>
+          <p:cNvSpPr>
+            <a:spLocks noGrp="1" noRot="1" noChangeAspect="1"/>
+          </p:cNvSpPr>
+          <p:nvPr>
+            <p:ph type="sldImg"/>
+          </p:nvPr>
+        </p:nvSpPr>
+        <p:spPr/>
+      </p:sp>
+      <p:sp>
+        <p:nvSpPr>
+          <p:cNvPr id="3" name="ノート プレースホルダー 2"/>
+          <p:cNvSpPr>
+            <a:spLocks noGrp="1"/>
+          </p:cNvSpPr>
+          <p:nvPr>
+            <p:ph type="body" idx="1"/>
+          </p:nvPr>
+        </p:nvSpPr>
+        <p:spPr/>
+        <p:txBody>
+          <a:bodyPr/>
+          <a:lstStyle/>
+          <a:p>
+            <a:r>
+              <a:rPr kumimoji="1" lang="ja-JP" altLang="en-US" dirty="0"/>
+              <a:t>これは</a:t>
+            </a:r>
+            <a:r>
+              <a:rPr kumimoji="1" lang="en-US" altLang="ja-JP" dirty="0"/>
+              <a:t>Arch</a:t>
+            </a:r>
+            <a:r>
+              <a:rPr kumimoji="1" lang="en-US" altLang="ja-JP" baseline="0" dirty="0"/>
+              <a:t> Linux</a:t>
+            </a:r>
+            <a:r>
+              <a:rPr kumimoji="1" lang="ja-JP" altLang="en-US" baseline="0" dirty="0"/>
+              <a:t>でいう</a:t>
+            </a:r>
+            <a:r>
+              <a:rPr kumimoji="1" lang="en-US" altLang="ja-JP" baseline="0" dirty="0"/>
+              <a:t>base-</a:t>
+            </a:r>
+            <a:r>
+              <a:rPr kumimoji="1" lang="en-US" altLang="ja-JP" baseline="0" dirty="0" err="1"/>
+              <a:t>devel</a:t>
+            </a:r>
+            <a:r>
+              <a:rPr kumimoji="1" lang="ja-JP" altLang="en-US" baseline="0" dirty="0"/>
+              <a:t>の中身の内、</a:t>
+            </a:r>
+            <a:r>
+              <a:rPr kumimoji="1" lang="en-US" altLang="ja-JP" baseline="0" dirty="0"/>
+              <a:t>Ubuntu</a:t>
+            </a:r>
+            <a:r>
+              <a:rPr kumimoji="1" lang="ja-JP" altLang="en-US" baseline="0" dirty="0"/>
+              <a:t>で</a:t>
+            </a:r>
+            <a:r>
+              <a:rPr kumimoji="1" lang="en-US" altLang="ja-JP" baseline="0" dirty="0"/>
+              <a:t>apt</a:t>
+            </a:r>
+            <a:r>
+              <a:rPr kumimoji="1" lang="ja-JP" altLang="en-US" baseline="0" dirty="0"/>
+              <a:t>で入れるものです。</a:t>
+            </a:r>
+            <a:endParaRPr kumimoji="1" lang="ja-JP" altLang="en-US" dirty="0"/>
+          </a:p>
+        </p:txBody>
+      </p:sp>
+      <p:sp>
+        <p:nvSpPr>
+          <p:cNvPr id="4" name="スライド番号プレースホルダー 3"/>
+          <p:cNvSpPr>
+            <a:spLocks noGrp="1"/>
+          </p:cNvSpPr>
+          <p:nvPr>
+            <p:ph type="sldNum" sz="quarter" idx="5"/>
+          </p:nvPr>
+        </p:nvSpPr>
+        <p:spPr/>
+        <p:txBody>
+          <a:bodyPr/>
+          <a:lstStyle/>
+          <a:p>
+            <a:fld id="{6B8A9B74-7ACC-4BED-B6E3-1BCF4756DC69}" type="slidenum">
+              <a:rPr kumimoji="1" lang="ja-JP" altLang="en-US" smtClean="0"/>
+              <a:t>12</a:t>
+            </a:fld>
+            <a:endParaRPr kumimoji="1" lang="ja-JP" altLang="en-US"/>
+          </a:p>
+        </p:txBody>
+      </p:sp>
+    </p:spTree>
+    <p:extLst>
+      <p:ext uri="{BB962C8B-B14F-4D97-AF65-F5344CB8AC3E}">
+        <p14:creationId xmlns:p14="http://schemas.microsoft.com/office/powerpoint/2010/main" val="1959009061"/>
+      </p:ext>
+    </p:extLst>
+  </p:cSld>
+  <p:clrMapOvr>
+    <a:masterClrMapping/>
+  </p:clrMapOvr>
+</p:notes>
+</file>
+
+<file path=ppt/notesSlides/notesSlide13.xml><?xml version="1.0" encoding="utf-8"?>
+<p:notes xmlns:a="http://schemas.openxmlformats.org/drawingml/2006/main" xmlns:r="http://schemas.openxmlformats.org/officeDocument/2006/relationships" xmlns:p="http://schemas.openxmlformats.org/presentationml/2006/main">
+  <p:cSld>
+    <p:spTree>
+      <p:nvGrpSpPr>
+        <p:cNvPr id="1" name=""/>
+        <p:cNvGrpSpPr/>
+        <p:nvPr/>
+      </p:nvGrpSpPr>
+      <p:grpSpPr>
+        <a:xfrm>
+          <a:off x="0" y="0"/>
+          <a:ext cx="0" cy="0"/>
+          <a:chOff x="0" y="0"/>
+          <a:chExt cx="0" cy="0"/>
+        </a:xfrm>
+      </p:grpSpPr>
+      <p:sp>
+        <p:nvSpPr>
+          <p:cNvPr id="2" name="スライド イメージ プレースホルダー 1"/>
+          <p:cNvSpPr>
+            <a:spLocks noGrp="1" noRot="1" noChangeAspect="1"/>
+          </p:cNvSpPr>
+          <p:nvPr>
+            <p:ph type="sldImg"/>
+          </p:nvPr>
+        </p:nvSpPr>
+        <p:spPr/>
+      </p:sp>
+      <p:sp>
+        <p:nvSpPr>
+          <p:cNvPr id="3" name="ノート プレースホルダー 2"/>
+          <p:cNvSpPr>
+            <a:spLocks noGrp="1"/>
+          </p:cNvSpPr>
+          <p:nvPr>
+            <p:ph type="body" idx="1"/>
+          </p:nvPr>
+        </p:nvSpPr>
+        <p:spPr/>
+        <p:txBody>
+          <a:bodyPr/>
+          <a:lstStyle/>
+          <a:p>
+            <a:r>
+              <a:rPr kumimoji="1" lang="ja-JP" altLang="en-US" dirty="0"/>
+              <a:t>これは</a:t>
+            </a:r>
+            <a:r>
+              <a:rPr kumimoji="1" lang="en-US" altLang="ja-JP" dirty="0"/>
+              <a:t>apt</a:t>
+            </a:r>
+            <a:r>
+              <a:rPr kumimoji="1" lang="ja-JP" altLang="en-US" dirty="0"/>
+              <a:t>で入れるその他のパッケージです。</a:t>
+            </a:r>
+            <a:endParaRPr kumimoji="1" lang="en-US" altLang="ja-JP" dirty="0"/>
+          </a:p>
+          <a:p>
+            <a:r>
+              <a:rPr kumimoji="1" lang="ja-JP" altLang="en-US" dirty="0"/>
+              <a:t>先の表含めて</a:t>
+            </a:r>
+            <a:r>
+              <a:rPr kumimoji="1" lang="en-US" altLang="ja-JP" dirty="0"/>
+              <a:t>apt</a:t>
+            </a:r>
+            <a:r>
+              <a:rPr kumimoji="1" lang="ja-JP" altLang="en-US" dirty="0"/>
+              <a:t>で入れられるものであれば、既にインストール済であっても更新されるか「最新です」というメッセージが出るだけなので</a:t>
+            </a:r>
+            <a:endParaRPr kumimoji="1" lang="en-US" altLang="ja-JP" dirty="0"/>
+          </a:p>
+          <a:p>
+            <a:r>
+              <a:rPr kumimoji="1" lang="ja-JP" altLang="en-US" dirty="0"/>
+              <a:t>気にしないで入れてください</a:t>
+            </a:r>
+          </a:p>
+          <a:p>
+            <a:r>
+              <a:rPr kumimoji="1" lang="en-US" altLang="ja-JP" dirty="0" err="1"/>
+              <a:t>sudo</a:t>
+            </a:r>
+            <a:r>
+              <a:rPr kumimoji="1" lang="en-US" altLang="ja-JP" dirty="0"/>
+              <a:t> apt install</a:t>
+            </a:r>
+            <a:r>
+              <a:rPr kumimoji="1" lang="ja-JP" altLang="en-US" dirty="0"/>
+              <a:t>の後にはとくに制限無く並べられるので、各パッケージの間スペースを空けて書いてください</a:t>
+            </a:r>
+          </a:p>
+        </p:txBody>
+      </p:sp>
+      <p:sp>
+        <p:nvSpPr>
+          <p:cNvPr id="4" name="スライド番号プレースホルダー 3"/>
+          <p:cNvSpPr>
+            <a:spLocks noGrp="1"/>
+          </p:cNvSpPr>
+          <p:nvPr>
+            <p:ph type="sldNum" sz="quarter" idx="5"/>
+          </p:nvPr>
+        </p:nvSpPr>
+        <p:spPr/>
+        <p:txBody>
+          <a:bodyPr/>
+          <a:lstStyle/>
+          <a:p>
+            <a:fld id="{6B8A9B74-7ACC-4BED-B6E3-1BCF4756DC69}" type="slidenum">
+              <a:rPr kumimoji="1" lang="ja-JP" altLang="en-US" smtClean="0"/>
+              <a:t>13</a:t>
+            </a:fld>
+            <a:endParaRPr kumimoji="1" lang="ja-JP" altLang="en-US"/>
+          </a:p>
+        </p:txBody>
+      </p:sp>
+    </p:spTree>
+    <p:extLst>
+      <p:ext uri="{BB962C8B-B14F-4D97-AF65-F5344CB8AC3E}">
+        <p14:creationId xmlns:p14="http://schemas.microsoft.com/office/powerpoint/2010/main" val="3712393244"/>
+      </p:ext>
+    </p:extLst>
+  </p:cSld>
+  <p:clrMapOvr>
+    <a:masterClrMapping/>
+  </p:clrMapOvr>
+</p:notes>
+</file>
+
+<file path=ppt/notesSlides/notesSlide14.xml><?xml version="1.0" encoding="utf-8"?>
+<p:notes xmlns:a="http://schemas.openxmlformats.org/drawingml/2006/main" xmlns:r="http://schemas.openxmlformats.org/officeDocument/2006/relationships" xmlns:p="http://schemas.openxmlformats.org/presentationml/2006/main">
+  <p:cSld>
+    <p:spTree>
+      <p:nvGrpSpPr>
+        <p:cNvPr id="1" name=""/>
+        <p:cNvGrpSpPr/>
+        <p:nvPr/>
+      </p:nvGrpSpPr>
+      <p:grpSpPr>
+        <a:xfrm>
+          <a:off x="0" y="0"/>
+          <a:ext cx="0" cy="0"/>
+          <a:chOff x="0" y="0"/>
+          <a:chExt cx="0" cy="0"/>
+        </a:xfrm>
+      </p:grpSpPr>
+      <p:sp>
+        <p:nvSpPr>
+          <p:cNvPr id="2" name="スライド イメージ プレースホルダー 1"/>
+          <p:cNvSpPr>
+            <a:spLocks noGrp="1" noRot="1" noChangeAspect="1"/>
+          </p:cNvSpPr>
+          <p:nvPr>
+            <p:ph type="sldImg"/>
+          </p:nvPr>
+        </p:nvSpPr>
+        <p:spPr/>
+      </p:sp>
+      <p:sp>
+        <p:nvSpPr>
+          <p:cNvPr id="3" name="ノート プレースホルダー 2"/>
+          <p:cNvSpPr>
+            <a:spLocks noGrp="1"/>
+          </p:cNvSpPr>
+          <p:nvPr>
+            <p:ph type="body" idx="1"/>
+          </p:nvPr>
+        </p:nvSpPr>
+        <p:spPr/>
+        <p:txBody>
+          <a:bodyPr/>
+          <a:lstStyle/>
+          <a:p>
+            <a:r>
+              <a:rPr kumimoji="1" lang="ja-JP" altLang="en-US" dirty="0"/>
+              <a:t>次は</a:t>
+            </a:r>
+            <a:r>
+              <a:rPr kumimoji="1" lang="en-US" altLang="ja-JP" dirty="0"/>
+              <a:t>zip</a:t>
+            </a:r>
+            <a:r>
+              <a:rPr kumimoji="1" lang="ja-JP" altLang="en-US" dirty="0"/>
+              <a:t>系の導入です。</a:t>
+            </a:r>
+            <a:endParaRPr kumimoji="1" lang="en-US" altLang="ja-JP" dirty="0"/>
+          </a:p>
+          <a:p>
+            <a:r>
+              <a:rPr kumimoji="1" lang="ja-JP" altLang="en-US" dirty="0"/>
+              <a:t>クロスコンパイル対応パッケージは</a:t>
+            </a:r>
+            <a:r>
+              <a:rPr kumimoji="1" lang="en-US" altLang="ja-JP" dirty="0"/>
+              <a:t>apt</a:t>
+            </a:r>
+            <a:r>
+              <a:rPr kumimoji="1" lang="ja-JP" altLang="en-US" dirty="0"/>
+              <a:t>で入れられないためちょっといじって入れます</a:t>
+            </a:r>
+            <a:endParaRPr kumimoji="1" lang="en-US" altLang="ja-JP" dirty="0"/>
+          </a:p>
+          <a:p>
+            <a:r>
+              <a:rPr kumimoji="1" lang="ja-JP" altLang="en-US" dirty="0"/>
+              <a:t>このいじる元をダウンロードするディレクトリは、ユーザホームディレクトリで問題ないです。</a:t>
+            </a:r>
+            <a:endParaRPr kumimoji="1" lang="en-US" altLang="ja-JP" dirty="0"/>
+          </a:p>
+          <a:p>
+            <a:r>
+              <a:rPr kumimoji="1" lang="ja-JP" altLang="en-US" dirty="0"/>
+              <a:t>このようなソースのいじり方の情報を載せているサイトによっては別の所を指定している場合がありますがどちらでも問題無いです</a:t>
+            </a:r>
+            <a:endParaRPr kumimoji="1" lang="en-US" altLang="ja-JP" dirty="0"/>
+          </a:p>
+          <a:p>
+            <a:r>
+              <a:rPr kumimoji="1" lang="ja-JP" altLang="en-US" dirty="0"/>
+              <a:t>また、専用ディレクトリを設けることも出来ます</a:t>
+            </a:r>
+            <a:endParaRPr kumimoji="1" lang="en-US" altLang="ja-JP" dirty="0"/>
+          </a:p>
+          <a:p>
+            <a:r>
+              <a:rPr kumimoji="1" lang="ja-JP" altLang="en-US" dirty="0"/>
+              <a:t>場所を変える際の注意事項としては、スーパーユーザ権限が必要かどうかを確認する必要があります</a:t>
+            </a:r>
+            <a:endParaRPr kumimoji="1" lang="en-US" altLang="ja-JP" dirty="0"/>
+          </a:p>
+          <a:p>
+            <a:endParaRPr kumimoji="1" lang="ja-JP" altLang="en-US" dirty="0"/>
+          </a:p>
+        </p:txBody>
+      </p:sp>
+      <p:sp>
+        <p:nvSpPr>
+          <p:cNvPr id="4" name="スライド番号プレースホルダー 3"/>
+          <p:cNvSpPr>
+            <a:spLocks noGrp="1"/>
+          </p:cNvSpPr>
+          <p:nvPr>
+            <p:ph type="sldNum" sz="quarter" idx="5"/>
+          </p:nvPr>
+        </p:nvSpPr>
+        <p:spPr/>
+        <p:txBody>
+          <a:bodyPr/>
+          <a:lstStyle/>
+          <a:p>
+            <a:fld id="{6B8A9B74-7ACC-4BED-B6E3-1BCF4756DC69}" type="slidenum">
+              <a:rPr kumimoji="1" lang="ja-JP" altLang="en-US" smtClean="0"/>
+              <a:t>14</a:t>
+            </a:fld>
+            <a:endParaRPr kumimoji="1" lang="ja-JP" altLang="en-US"/>
+          </a:p>
+        </p:txBody>
+      </p:sp>
+    </p:spTree>
+    <p:extLst>
+      <p:ext uri="{BB962C8B-B14F-4D97-AF65-F5344CB8AC3E}">
+        <p14:creationId xmlns:p14="http://schemas.microsoft.com/office/powerpoint/2010/main" val="4015293784"/>
+      </p:ext>
+    </p:extLst>
+  </p:cSld>
+  <p:clrMapOvr>
+    <a:masterClrMapping/>
+  </p:clrMapOvr>
+</p:notes>
+</file>
+
+<file path=ppt/notesSlides/notesSlide15.xml><?xml version="1.0" encoding="utf-8"?>
+<p:notes xmlns:a="http://schemas.openxmlformats.org/drawingml/2006/main" xmlns:r="http://schemas.openxmlformats.org/officeDocument/2006/relationships" xmlns:p="http://schemas.openxmlformats.org/presentationml/2006/main">
+  <p:cSld>
+    <p:spTree>
+      <p:nvGrpSpPr>
+        <p:cNvPr id="1" name=""/>
+        <p:cNvGrpSpPr/>
+        <p:nvPr/>
+      </p:nvGrpSpPr>
+      <p:grpSpPr>
+        <a:xfrm>
+          <a:off x="0" y="0"/>
+          <a:ext cx="0" cy="0"/>
+          <a:chOff x="0" y="0"/>
+          <a:chExt cx="0" cy="0"/>
+        </a:xfrm>
+      </p:grpSpPr>
+      <p:sp>
+        <p:nvSpPr>
+          <p:cNvPr id="2" name="スライド イメージ プレースホルダー 1"/>
+          <p:cNvSpPr>
+            <a:spLocks noGrp="1" noRot="1" noChangeAspect="1"/>
+          </p:cNvSpPr>
+          <p:nvPr>
+            <p:ph type="sldImg"/>
+          </p:nvPr>
+        </p:nvSpPr>
+        <p:spPr/>
+      </p:sp>
+      <p:sp>
+        <p:nvSpPr>
+          <p:cNvPr id="3" name="ノート プレースホルダー 2"/>
+          <p:cNvSpPr>
+            <a:spLocks noGrp="1"/>
+          </p:cNvSpPr>
+          <p:nvPr>
+            <p:ph type="body" idx="1"/>
+          </p:nvPr>
+        </p:nvSpPr>
+        <p:spPr/>
+        <p:txBody>
+          <a:bodyPr/>
+          <a:lstStyle/>
+          <a:p>
+            <a:r>
+              <a:rPr kumimoji="1" lang="ja-JP" altLang="en-US" dirty="0"/>
+              <a:t>まず、</a:t>
+            </a:r>
+            <a:r>
+              <a:rPr kumimoji="1" lang="en-US" altLang="ja-JP" dirty="0" err="1"/>
+              <a:t>zlib</a:t>
+            </a:r>
+            <a:r>
+              <a:rPr kumimoji="1" lang="ja-JP" altLang="en-US" dirty="0"/>
+              <a:t>です</a:t>
+            </a:r>
+            <a:endParaRPr kumimoji="1" lang="en-US" altLang="ja-JP" dirty="0"/>
+          </a:p>
+          <a:p>
+            <a:r>
+              <a:rPr kumimoji="1" lang="en-US" altLang="ja-JP" dirty="0"/>
+              <a:t>Ubuntu</a:t>
+            </a:r>
+            <a:r>
+              <a:rPr kumimoji="1" lang="ja-JP" altLang="en-US" dirty="0"/>
+              <a:t>か公式サイトよりソースコードをダウンロードして、展開します</a:t>
+            </a:r>
+            <a:endParaRPr kumimoji="1" lang="en-US" altLang="ja-JP" dirty="0"/>
+          </a:p>
+          <a:p>
+            <a:r>
+              <a:rPr kumimoji="1" lang="ja-JP" altLang="en-US" dirty="0"/>
+              <a:t>ダウンロードは</a:t>
+            </a:r>
+            <a:r>
+              <a:rPr kumimoji="1" lang="en-US" altLang="ja-JP" dirty="0" err="1"/>
+              <a:t>wget</a:t>
+            </a:r>
+            <a:r>
+              <a:rPr kumimoji="1" lang="ja-JP" altLang="en-US" dirty="0"/>
+              <a:t>を用います</a:t>
+            </a:r>
+            <a:endParaRPr kumimoji="1" lang="en-US" altLang="ja-JP" dirty="0"/>
+          </a:p>
+          <a:p>
+            <a:r>
+              <a:rPr kumimoji="1" lang="ja-JP" altLang="en-US" dirty="0"/>
+              <a:t>ダウンロード終了したら</a:t>
+            </a:r>
+            <a:r>
+              <a:rPr kumimoji="1" lang="en-US" altLang="ja-JP" dirty="0"/>
+              <a:t>tar</a:t>
+            </a:r>
+            <a:r>
+              <a:rPr kumimoji="1" lang="ja-JP" altLang="en-US" dirty="0"/>
+              <a:t>コマンドを使って展開します</a:t>
+            </a:r>
+          </a:p>
+        </p:txBody>
+      </p:sp>
+      <p:sp>
+        <p:nvSpPr>
+          <p:cNvPr id="4" name="スライド番号プレースホルダー 3"/>
+          <p:cNvSpPr>
+            <a:spLocks noGrp="1"/>
+          </p:cNvSpPr>
+          <p:nvPr>
+            <p:ph type="sldNum" sz="quarter" idx="5"/>
+          </p:nvPr>
+        </p:nvSpPr>
+        <p:spPr/>
+        <p:txBody>
+          <a:bodyPr/>
+          <a:lstStyle/>
+          <a:p>
+            <a:fld id="{6B8A9B74-7ACC-4BED-B6E3-1BCF4756DC69}" type="slidenum">
+              <a:rPr kumimoji="1" lang="ja-JP" altLang="en-US" smtClean="0"/>
+              <a:t>15</a:t>
+            </a:fld>
+            <a:endParaRPr kumimoji="1" lang="ja-JP" altLang="en-US"/>
+          </a:p>
+        </p:txBody>
+      </p:sp>
+    </p:spTree>
+    <p:extLst>
+      <p:ext uri="{BB962C8B-B14F-4D97-AF65-F5344CB8AC3E}">
+        <p14:creationId xmlns:p14="http://schemas.microsoft.com/office/powerpoint/2010/main" val="554865287"/>
+      </p:ext>
+    </p:extLst>
+  </p:cSld>
+  <p:clrMapOvr>
+    <a:masterClrMapping/>
+  </p:clrMapOvr>
+</p:notes>
+</file>
+
+<file path=ppt/notesSlides/notesSlide16.xml><?xml version="1.0" encoding="utf-8"?>
+<p:notes xmlns:a="http://schemas.openxmlformats.org/drawingml/2006/main" xmlns:r="http://schemas.openxmlformats.org/officeDocument/2006/relationships" xmlns:p="http://schemas.openxmlformats.org/presentationml/2006/main">
+  <p:cSld>
+    <p:spTree>
+      <p:nvGrpSpPr>
+        <p:cNvPr id="1" name=""/>
+        <p:cNvGrpSpPr/>
+        <p:nvPr/>
+      </p:nvGrpSpPr>
+      <p:grpSpPr>
+        <a:xfrm>
+          <a:off x="0" y="0"/>
+          <a:ext cx="0" cy="0"/>
+          <a:chOff x="0" y="0"/>
+          <a:chExt cx="0" cy="0"/>
+        </a:xfrm>
+      </p:grpSpPr>
+      <p:sp>
+        <p:nvSpPr>
+          <p:cNvPr id="2" name="スライド イメージ プレースホルダー 1"/>
+          <p:cNvSpPr>
+            <a:spLocks noGrp="1" noRot="1" noChangeAspect="1"/>
+          </p:cNvSpPr>
+          <p:nvPr>
+            <p:ph type="sldImg"/>
+          </p:nvPr>
+        </p:nvSpPr>
+        <p:spPr/>
+      </p:sp>
+      <p:sp>
+        <p:nvSpPr>
+          <p:cNvPr id="3" name="ノート プレースホルダー 2"/>
+          <p:cNvSpPr>
+            <a:spLocks noGrp="1"/>
+          </p:cNvSpPr>
+          <p:nvPr>
+            <p:ph type="body" idx="1"/>
+          </p:nvPr>
+        </p:nvSpPr>
+        <p:spPr/>
+        <p:txBody>
+          <a:bodyPr/>
+          <a:lstStyle/>
+          <a:p>
+            <a:r>
+              <a:rPr kumimoji="1" lang="ja-JP" altLang="en-US" dirty="0"/>
+              <a:t>展開したら、変数宣言をして</a:t>
+            </a:r>
+            <a:r>
+              <a:rPr kumimoji="1" lang="en-US" altLang="ja-JP" dirty="0"/>
+              <a:t>make</a:t>
+            </a:r>
+            <a:r>
+              <a:rPr kumimoji="1" lang="ja-JP" altLang="en-US" dirty="0"/>
+              <a:t>作業します</a:t>
+            </a:r>
+            <a:endParaRPr kumimoji="1" lang="en-US" altLang="ja-JP" dirty="0"/>
+          </a:p>
+          <a:p>
+            <a:r>
+              <a:rPr kumimoji="1" lang="ja-JP" altLang="en-US" dirty="0"/>
+              <a:t>このスライド以降、エンターキーにあるような記号は改行、ホチキス針をひっくり返したようなのがスペースを表します</a:t>
+            </a:r>
+            <a:endParaRPr kumimoji="1" lang="en-US" altLang="ja-JP" dirty="0"/>
+          </a:p>
+          <a:p>
+            <a:r>
+              <a:rPr kumimoji="1" lang="ja-JP" altLang="en-US" dirty="0"/>
+              <a:t>変数へ</a:t>
+            </a:r>
+            <a:r>
+              <a:rPr kumimoji="1" lang="en-US" altLang="ja-JP" dirty="0"/>
+              <a:t>mingw32</a:t>
+            </a:r>
+            <a:r>
+              <a:rPr kumimoji="1" lang="ja-JP" altLang="en-US" dirty="0"/>
+              <a:t>のディレクトリを代入し、それを用いて各種パスを指定して</a:t>
+            </a:r>
+            <a:r>
+              <a:rPr kumimoji="1" lang="en-US" altLang="ja-JP" dirty="0"/>
+              <a:t>make</a:t>
+            </a:r>
+            <a:r>
+              <a:rPr kumimoji="1" lang="ja-JP" altLang="en-US" dirty="0"/>
+              <a:t>と</a:t>
+            </a:r>
+            <a:r>
+              <a:rPr kumimoji="1" lang="en-US" altLang="ja-JP" dirty="0"/>
+              <a:t>install</a:t>
+            </a:r>
+            <a:r>
+              <a:rPr kumimoji="1" lang="ja-JP" altLang="en-US" dirty="0"/>
+              <a:t>を行います</a:t>
+            </a:r>
+            <a:endParaRPr kumimoji="1" lang="en-US" altLang="ja-JP" dirty="0"/>
+          </a:p>
+          <a:p>
+            <a:endParaRPr kumimoji="1" lang="en-US" altLang="ja-JP" dirty="0"/>
+          </a:p>
+        </p:txBody>
+      </p:sp>
+      <p:sp>
+        <p:nvSpPr>
+          <p:cNvPr id="4" name="スライド番号プレースホルダー 3"/>
+          <p:cNvSpPr>
+            <a:spLocks noGrp="1"/>
+          </p:cNvSpPr>
+          <p:nvPr>
+            <p:ph type="sldNum" sz="quarter" idx="5"/>
+          </p:nvPr>
+        </p:nvSpPr>
+        <p:spPr/>
+        <p:txBody>
+          <a:bodyPr/>
+          <a:lstStyle/>
+          <a:p>
+            <a:fld id="{6B8A9B74-7ACC-4BED-B6E3-1BCF4756DC69}" type="slidenum">
+              <a:rPr kumimoji="1" lang="ja-JP" altLang="en-US" smtClean="0"/>
+              <a:t>16</a:t>
+            </a:fld>
+            <a:endParaRPr kumimoji="1" lang="ja-JP" altLang="en-US"/>
+          </a:p>
+        </p:txBody>
+      </p:sp>
+    </p:spTree>
+    <p:extLst>
+      <p:ext uri="{BB962C8B-B14F-4D97-AF65-F5344CB8AC3E}">
+        <p14:creationId xmlns:p14="http://schemas.microsoft.com/office/powerpoint/2010/main" val="2587340923"/>
+      </p:ext>
+    </p:extLst>
+  </p:cSld>
+  <p:clrMapOvr>
+    <a:masterClrMapping/>
+  </p:clrMapOvr>
+</p:notes>
+</file>
+
+<file path=ppt/notesSlides/notesSlide17.xml><?xml version="1.0" encoding="utf-8"?>
+<p:notes xmlns:a="http://schemas.openxmlformats.org/drawingml/2006/main" xmlns:r="http://schemas.openxmlformats.org/officeDocument/2006/relationships" xmlns:p="http://schemas.openxmlformats.org/presentationml/2006/main">
+  <p:cSld>
+    <p:spTree>
+      <p:nvGrpSpPr>
+        <p:cNvPr id="1" name=""/>
+        <p:cNvGrpSpPr/>
+        <p:nvPr/>
+      </p:nvGrpSpPr>
+      <p:grpSpPr>
+        <a:xfrm>
+          <a:off x="0" y="0"/>
+          <a:ext cx="0" cy="0"/>
+          <a:chOff x="0" y="0"/>
+          <a:chExt cx="0" cy="0"/>
+        </a:xfrm>
+      </p:grpSpPr>
+      <p:sp>
+        <p:nvSpPr>
+          <p:cNvPr id="2" name="スライド イメージ プレースホルダー 1"/>
+          <p:cNvSpPr>
+            <a:spLocks noGrp="1" noRot="1" noChangeAspect="1"/>
+          </p:cNvSpPr>
+          <p:nvPr>
+            <p:ph type="sldImg"/>
+          </p:nvPr>
+        </p:nvSpPr>
+        <p:spPr/>
+      </p:sp>
+      <p:sp>
+        <p:nvSpPr>
+          <p:cNvPr id="3" name="ノート プレースホルダー 2"/>
+          <p:cNvSpPr>
+            <a:spLocks noGrp="1"/>
+          </p:cNvSpPr>
+          <p:nvPr>
+            <p:ph type="body" idx="1"/>
+          </p:nvPr>
+        </p:nvSpPr>
+        <p:spPr/>
+        <p:txBody>
+          <a:bodyPr/>
+          <a:lstStyle/>
+          <a:p>
+            <a:endParaRPr kumimoji="1" lang="ja-JP" altLang="en-US"/>
+          </a:p>
+        </p:txBody>
+      </p:sp>
+      <p:sp>
+        <p:nvSpPr>
+          <p:cNvPr id="4" name="スライド番号プレースホルダー 3"/>
+          <p:cNvSpPr>
+            <a:spLocks noGrp="1"/>
+          </p:cNvSpPr>
+          <p:nvPr>
+            <p:ph type="sldNum" sz="quarter" idx="5"/>
+          </p:nvPr>
+        </p:nvSpPr>
+        <p:spPr/>
+        <p:txBody>
+          <a:bodyPr/>
+          <a:lstStyle/>
+          <a:p>
+            <a:fld id="{6B8A9B74-7ACC-4BED-B6E3-1BCF4756DC69}" type="slidenum">
+              <a:rPr kumimoji="1" lang="ja-JP" altLang="en-US" smtClean="0"/>
+              <a:t>17</a:t>
+            </a:fld>
+            <a:endParaRPr kumimoji="1" lang="ja-JP" altLang="en-US"/>
+          </a:p>
+        </p:txBody>
+      </p:sp>
+    </p:spTree>
+    <p:extLst>
+      <p:ext uri="{BB962C8B-B14F-4D97-AF65-F5344CB8AC3E}">
+        <p14:creationId xmlns:p14="http://schemas.microsoft.com/office/powerpoint/2010/main" val="3142452788"/>
       </p:ext>
     </p:extLst>
   </p:cSld>
@@ -4106,7 +5022,7 @@
           <a:p>
             <a:fld id="{EFCA2F27-532F-4E2E-86E8-C011D6D4D29E}" type="datetimeFigureOut">
               <a:rPr kumimoji="1" lang="ja-JP" altLang="en-US" smtClean="0"/>
-              <a:t>2019/5/5</a:t>
+              <a:t>2019/5/6</a:t>
             </a:fld>
             <a:endParaRPr kumimoji="1" lang="ja-JP" altLang="en-US"/>
           </a:p>
@@ -4404,7 +5320,7 @@
           <a:p>
             <a:fld id="{EFCA2F27-532F-4E2E-86E8-C011D6D4D29E}" type="datetimeFigureOut">
               <a:rPr kumimoji="1" lang="ja-JP" altLang="en-US" smtClean="0"/>
-              <a:t>2019/5/5</a:t>
+              <a:t>2019/5/6</a:t>
             </a:fld>
             <a:endParaRPr kumimoji="1" lang="ja-JP" altLang="en-US"/>
           </a:p>
@@ -4650,7 +5566,7 @@
           <a:p>
             <a:fld id="{EFCA2F27-532F-4E2E-86E8-C011D6D4D29E}" type="datetimeFigureOut">
               <a:rPr kumimoji="1" lang="ja-JP" altLang="en-US" smtClean="0"/>
-              <a:t>2019/5/5</a:t>
+              <a:t>2019/5/6</a:t>
             </a:fld>
             <a:endParaRPr kumimoji="1" lang="ja-JP" altLang="en-US"/>
           </a:p>
@@ -4816,7 +5732,7 @@
           <a:p>
             <a:fld id="{43172269-E0BE-4177-A733-9CAC9D8021AA}" type="datetimeFigureOut">
               <a:rPr kumimoji="1" lang="ja-JP" altLang="en-US" smtClean="0"/>
-              <a:t>2019/5/5</a:t>
+              <a:t>2019/5/6</a:t>
             </a:fld>
             <a:endParaRPr kumimoji="1" lang="ja-JP" altLang="en-US"/>
           </a:p>
@@ -5046,7 +5962,7 @@
           <a:p>
             <a:fld id="{43172269-E0BE-4177-A733-9CAC9D8021AA}" type="datetimeFigureOut">
               <a:rPr kumimoji="1" lang="ja-JP" altLang="en-US" smtClean="0"/>
-              <a:t>2019/5/5</a:t>
+              <a:t>2019/5/6</a:t>
             </a:fld>
             <a:endParaRPr kumimoji="1" lang="ja-JP" altLang="en-US"/>
           </a:p>
@@ -5321,7 +6237,7 @@
           <a:p>
             <a:fld id="{43172269-E0BE-4177-A733-9CAC9D8021AA}" type="datetimeFigureOut">
               <a:rPr kumimoji="1" lang="ja-JP" altLang="en-US" smtClean="0"/>
-              <a:t>2019/5/5</a:t>
+              <a:t>2019/5/6</a:t>
             </a:fld>
             <a:endParaRPr kumimoji="1" lang="ja-JP" altLang="en-US"/>
           </a:p>
@@ -5650,7 +6566,7 @@
           <a:p>
             <a:fld id="{43172269-E0BE-4177-A733-9CAC9D8021AA}" type="datetimeFigureOut">
               <a:rPr kumimoji="1" lang="ja-JP" altLang="en-US" smtClean="0"/>
-              <a:t>2019/5/5</a:t>
+              <a:t>2019/5/6</a:t>
             </a:fld>
             <a:endParaRPr kumimoji="1" lang="ja-JP" altLang="en-US"/>
           </a:p>
@@ -6126,7 +7042,7 @@
           <a:p>
             <a:fld id="{43172269-E0BE-4177-A733-9CAC9D8021AA}" type="datetimeFigureOut">
               <a:rPr kumimoji="1" lang="ja-JP" altLang="en-US" smtClean="0"/>
-              <a:t>2019/5/5</a:t>
+              <a:t>2019/5/6</a:t>
             </a:fld>
             <a:endParaRPr kumimoji="1" lang="ja-JP" altLang="en-US"/>
           </a:p>
@@ -6267,7 +7183,7 @@
           <a:p>
             <a:fld id="{43172269-E0BE-4177-A733-9CAC9D8021AA}" type="datetimeFigureOut">
               <a:rPr kumimoji="1" lang="ja-JP" altLang="en-US" smtClean="0"/>
-              <a:t>2019/5/5</a:t>
+              <a:t>2019/5/6</a:t>
             </a:fld>
             <a:endParaRPr kumimoji="1" lang="ja-JP" altLang="en-US"/>
           </a:p>
@@ -6380,7 +7296,7 @@
           <a:p>
             <a:fld id="{43172269-E0BE-4177-A733-9CAC9D8021AA}" type="datetimeFigureOut">
               <a:rPr kumimoji="1" lang="ja-JP" altLang="en-US" smtClean="0"/>
-              <a:t>2019/5/5</a:t>
+              <a:t>2019/5/6</a:t>
             </a:fld>
             <a:endParaRPr kumimoji="1" lang="ja-JP" altLang="en-US"/>
           </a:p>
@@ -6723,7 +7639,7 @@
           <a:p>
             <a:fld id="{43172269-E0BE-4177-A733-9CAC9D8021AA}" type="datetimeFigureOut">
               <a:rPr kumimoji="1" lang="ja-JP" altLang="en-US" smtClean="0"/>
-              <a:t>2019/5/5</a:t>
+              <a:t>2019/5/6</a:t>
             </a:fld>
             <a:endParaRPr kumimoji="1" lang="ja-JP" altLang="en-US"/>
           </a:p>
@@ -7013,7 +7929,7 @@
           <a:p>
             <a:fld id="{EFCA2F27-532F-4E2E-86E8-C011D6D4D29E}" type="datetimeFigureOut">
               <a:rPr kumimoji="1" lang="ja-JP" altLang="en-US" smtClean="0"/>
-              <a:t>2019/5/5</a:t>
+              <a:t>2019/5/6</a:t>
             </a:fld>
             <a:endParaRPr kumimoji="1" lang="ja-JP" altLang="en-US"/>
           </a:p>
@@ -7247,7 +8163,7 @@
           <a:p>
             <a:fld id="{43172269-E0BE-4177-A733-9CAC9D8021AA}" type="datetimeFigureOut">
               <a:rPr kumimoji="1" lang="ja-JP" altLang="en-US" smtClean="0"/>
-              <a:t>2019/5/5</a:t>
+              <a:t>2019/5/6</a:t>
             </a:fld>
             <a:endParaRPr kumimoji="1" lang="ja-JP" altLang="en-US"/>
           </a:p>
@@ -7477,7 +8393,7 @@
           <a:p>
             <a:fld id="{43172269-E0BE-4177-A733-9CAC9D8021AA}" type="datetimeFigureOut">
               <a:rPr kumimoji="1" lang="ja-JP" altLang="en-US" smtClean="0"/>
-              <a:t>2019/5/5</a:t>
+              <a:t>2019/5/6</a:t>
             </a:fld>
             <a:endParaRPr kumimoji="1" lang="ja-JP" altLang="en-US"/>
           </a:p>
@@ -7717,7 +8633,7 @@
           <a:p>
             <a:fld id="{43172269-E0BE-4177-A733-9CAC9D8021AA}" type="datetimeFigureOut">
               <a:rPr kumimoji="1" lang="ja-JP" altLang="en-US" smtClean="0"/>
-              <a:t>2019/5/5</a:t>
+              <a:t>2019/5/6</a:t>
             </a:fld>
             <a:endParaRPr kumimoji="1" lang="ja-JP" altLang="en-US"/>
           </a:p>
@@ -7998,7 +8914,7 @@
           <a:p>
             <a:fld id="{EFCA2F27-532F-4E2E-86E8-C011D6D4D29E}" type="datetimeFigureOut">
               <a:rPr kumimoji="1" lang="ja-JP" altLang="en-US" smtClean="0"/>
-              <a:t>2019/5/5</a:t>
+              <a:t>2019/5/6</a:t>
             </a:fld>
             <a:endParaRPr kumimoji="1" lang="ja-JP" altLang="en-US"/>
           </a:p>
@@ -8383,7 +9299,7 @@
           <a:p>
             <a:fld id="{EFCA2F27-532F-4E2E-86E8-C011D6D4D29E}" type="datetimeFigureOut">
               <a:rPr kumimoji="1" lang="ja-JP" altLang="en-US" smtClean="0"/>
-              <a:t>2019/5/5</a:t>
+              <a:t>2019/5/6</a:t>
             </a:fld>
             <a:endParaRPr kumimoji="1" lang="ja-JP" altLang="en-US"/>
           </a:p>
@@ -8907,7 +9823,7 @@
           <a:p>
             <a:fld id="{EFCA2F27-532F-4E2E-86E8-C011D6D4D29E}" type="datetimeFigureOut">
               <a:rPr kumimoji="1" lang="ja-JP" altLang="en-US" smtClean="0"/>
-              <a:t>2019/5/5</a:t>
+              <a:t>2019/5/6</a:t>
             </a:fld>
             <a:endParaRPr kumimoji="1" lang="ja-JP" altLang="en-US"/>
           </a:p>
@@ -9060,7 +9976,7 @@
           <a:p>
             <a:fld id="{EFCA2F27-532F-4E2E-86E8-C011D6D4D29E}" type="datetimeFigureOut">
               <a:rPr kumimoji="1" lang="ja-JP" altLang="en-US" smtClean="0"/>
-              <a:t>2019/5/5</a:t>
+              <a:t>2019/5/6</a:t>
             </a:fld>
             <a:endParaRPr kumimoji="1" lang="ja-JP" altLang="en-US"/>
           </a:p>
@@ -9191,7 +10107,7 @@
           <a:p>
             <a:fld id="{EFCA2F27-532F-4E2E-86E8-C011D6D4D29E}" type="datetimeFigureOut">
               <a:rPr kumimoji="1" lang="ja-JP" altLang="en-US" smtClean="0"/>
-              <a:t>2019/5/5</a:t>
+              <a:t>2019/5/6</a:t>
             </a:fld>
             <a:endParaRPr kumimoji="1" lang="ja-JP" altLang="en-US"/>
           </a:p>
@@ -9534,7 +10450,7 @@
           <a:p>
             <a:fld id="{EFCA2F27-532F-4E2E-86E8-C011D6D4D29E}" type="datetimeFigureOut">
               <a:rPr kumimoji="1" lang="ja-JP" altLang="en-US" smtClean="0"/>
-              <a:t>2019/5/5</a:t>
+              <a:t>2019/5/6</a:t>
             </a:fld>
             <a:endParaRPr kumimoji="1" lang="ja-JP" altLang="en-US"/>
           </a:p>
@@ -9826,7 +10742,7 @@
           <a:p>
             <a:fld id="{EFCA2F27-532F-4E2E-86E8-C011D6D4D29E}" type="datetimeFigureOut">
               <a:rPr kumimoji="1" lang="ja-JP" altLang="en-US" smtClean="0"/>
-              <a:t>2019/5/5</a:t>
+              <a:t>2019/5/6</a:t>
             </a:fld>
             <a:endParaRPr kumimoji="1" lang="ja-JP" altLang="en-US"/>
           </a:p>
@@ -11805,7 +12721,7 @@
           <a:p>
             <a:fld id="{EFCA2F27-532F-4E2E-86E8-C011D6D4D29E}" type="datetimeFigureOut">
               <a:rPr kumimoji="1" lang="ja-JP" altLang="en-US" smtClean="0"/>
-              <a:t>2019/5/5</a:t>
+              <a:t>2019/5/6</a:t>
             </a:fld>
             <a:endParaRPr kumimoji="1" lang="ja-JP" altLang="en-US"/>
           </a:p>
@@ -12457,7 +13373,7 @@
           <a:p>
             <a:fld id="{43172269-E0BE-4177-A733-9CAC9D8021AA}" type="datetimeFigureOut">
               <a:rPr kumimoji="1" lang="ja-JP" altLang="en-US" smtClean="0"/>
-              <a:t>2019/5/5</a:t>
+              <a:t>2019/5/6</a:t>
             </a:fld>
             <a:endParaRPr kumimoji="1" lang="ja-JP" altLang="en-US"/>
           </a:p>

--- a/RE_SIMU_ON_WSL.pptx
+++ b/RE_SIMU_ON_WSL.pptx
@@ -316,7 +316,7 @@
           <a:p>
             <a:fld id="{7D37F7A6-00EA-477C-BD0D-F6E7C2E86336}" type="datetimeFigureOut">
               <a:rPr kumimoji="1" lang="ja-JP" altLang="en-US" smtClean="0"/>
-              <a:t>2019/5/6</a:t>
+              <a:t>2019/5/7</a:t>
             </a:fld>
             <a:endParaRPr kumimoji="1" lang="ja-JP" altLang="en-US"/>
           </a:p>
@@ -1678,6 +1678,18 @@
             <a:endParaRPr kumimoji="1" lang="en-US" altLang="ja-JP" dirty="0"/>
           </a:p>
           <a:p>
+            <a:r>
+              <a:rPr kumimoji="1" lang="ja-JP" altLang="en-US" dirty="0"/>
+              <a:t>これで</a:t>
+            </a:r>
+            <a:r>
+              <a:rPr kumimoji="1" lang="en-US" altLang="ja-JP" dirty="0" err="1"/>
+              <a:t>zlib</a:t>
+            </a:r>
+            <a:r>
+              <a:rPr kumimoji="1" lang="ja-JP" altLang="en-US" dirty="0"/>
+              <a:t>のセットアップは終了です</a:t>
+            </a:r>
             <a:endParaRPr kumimoji="1" lang="en-US" altLang="ja-JP" dirty="0"/>
           </a:p>
         </p:txBody>
@@ -1762,7 +1774,56 @@
           <a:bodyPr/>
           <a:lstStyle/>
           <a:p>
-            <a:endParaRPr kumimoji="1" lang="ja-JP" altLang="en-US"/>
+            <a:r>
+              <a:rPr kumimoji="1" lang="ja-JP" altLang="en-US" dirty="0"/>
+              <a:t>続いて</a:t>
+            </a:r>
+            <a:r>
+              <a:rPr kumimoji="1" lang="en-US" altLang="ja-JP" dirty="0"/>
+              <a:t>bzip2</a:t>
+            </a:r>
+            <a:r>
+              <a:rPr kumimoji="1" lang="ja-JP" altLang="en-US" dirty="0"/>
+              <a:t>です</a:t>
+            </a:r>
+            <a:endParaRPr kumimoji="1" lang="en-US" altLang="ja-JP" dirty="0"/>
+          </a:p>
+          <a:p>
+            <a:r>
+              <a:rPr kumimoji="1" lang="en-US" altLang="ja-JP" dirty="0"/>
+              <a:t>Bzip2</a:t>
+            </a:r>
+            <a:r>
+              <a:rPr kumimoji="1" lang="ja-JP" altLang="en-US" dirty="0"/>
+              <a:t>は一時公式が怪しいサイト化したことがあるので、パッケージ検索サイトからが安全です</a:t>
+            </a:r>
+            <a:endParaRPr kumimoji="1" lang="en-US" altLang="ja-JP" dirty="0"/>
+          </a:p>
+          <a:p>
+            <a:r>
+              <a:rPr kumimoji="1" lang="en-US" altLang="ja-JP" dirty="0" err="1"/>
+              <a:t>Wget</a:t>
+            </a:r>
+            <a:r>
+              <a:rPr kumimoji="1" lang="ja-JP" altLang="en-US" dirty="0"/>
+              <a:t>を用いてソースコードをダウンロード、</a:t>
+            </a:r>
+            <a:r>
+              <a:rPr kumimoji="1" lang="en-US" altLang="ja-JP" dirty="0"/>
+              <a:t>tar</a:t>
+            </a:r>
+            <a:r>
+              <a:rPr kumimoji="1" lang="ja-JP" altLang="en-US" dirty="0"/>
+              <a:t>コマンドで展開するところは先の</a:t>
+            </a:r>
+            <a:r>
+              <a:rPr kumimoji="1" lang="en-US" altLang="ja-JP" dirty="0" err="1"/>
+              <a:t>zlib</a:t>
+            </a:r>
+            <a:r>
+              <a:rPr kumimoji="1" lang="ja-JP" altLang="en-US" dirty="0"/>
+              <a:t>と同様です</a:t>
+            </a:r>
           </a:p>
         </p:txBody>
       </p:sp>
@@ -1793,6 +1854,90 @@
     <p:extLst>
       <p:ext uri="{BB962C8B-B14F-4D97-AF65-F5344CB8AC3E}">
         <p14:creationId xmlns:p14="http://schemas.microsoft.com/office/powerpoint/2010/main" val="3142452788"/>
+      </p:ext>
+    </p:extLst>
+  </p:cSld>
+  <p:clrMapOvr>
+    <a:masterClrMapping/>
+  </p:clrMapOvr>
+</p:notes>
+</file>
+
+<file path=ppt/notesSlides/notesSlide18.xml><?xml version="1.0" encoding="utf-8"?>
+<p:notes xmlns:a="http://schemas.openxmlformats.org/drawingml/2006/main" xmlns:r="http://schemas.openxmlformats.org/officeDocument/2006/relationships" xmlns:p="http://schemas.openxmlformats.org/presentationml/2006/main">
+  <p:cSld>
+    <p:spTree>
+      <p:nvGrpSpPr>
+        <p:cNvPr id="1" name=""/>
+        <p:cNvGrpSpPr/>
+        <p:nvPr/>
+      </p:nvGrpSpPr>
+      <p:grpSpPr>
+        <a:xfrm>
+          <a:off x="0" y="0"/>
+          <a:ext cx="0" cy="0"/>
+          <a:chOff x="0" y="0"/>
+          <a:chExt cx="0" cy="0"/>
+        </a:xfrm>
+      </p:grpSpPr>
+      <p:sp>
+        <p:nvSpPr>
+          <p:cNvPr id="2" name="スライド イメージ プレースホルダー 1"/>
+          <p:cNvSpPr>
+            <a:spLocks noGrp="1" noRot="1" noChangeAspect="1"/>
+          </p:cNvSpPr>
+          <p:nvPr>
+            <p:ph type="sldImg"/>
+          </p:nvPr>
+        </p:nvSpPr>
+        <p:spPr/>
+      </p:sp>
+      <p:sp>
+        <p:nvSpPr>
+          <p:cNvPr id="3" name="ノート プレースホルダー 2"/>
+          <p:cNvSpPr>
+            <a:spLocks noGrp="1"/>
+          </p:cNvSpPr>
+          <p:nvPr>
+            <p:ph type="body" idx="1"/>
+          </p:nvPr>
+        </p:nvSpPr>
+        <p:spPr/>
+        <p:txBody>
+          <a:bodyPr/>
+          <a:lstStyle/>
+          <a:p>
+            <a:endParaRPr kumimoji="1" lang="ja-JP" altLang="en-US" dirty="0"/>
+          </a:p>
+        </p:txBody>
+      </p:sp>
+      <p:sp>
+        <p:nvSpPr>
+          <p:cNvPr id="4" name="スライド番号プレースホルダー 3"/>
+          <p:cNvSpPr>
+            <a:spLocks noGrp="1"/>
+          </p:cNvSpPr>
+          <p:nvPr>
+            <p:ph type="sldNum" sz="quarter" idx="5"/>
+          </p:nvPr>
+        </p:nvSpPr>
+        <p:spPr/>
+        <p:txBody>
+          <a:bodyPr/>
+          <a:lstStyle/>
+          <a:p>
+            <a:fld id="{6B8A9B74-7ACC-4BED-B6E3-1BCF4756DC69}" type="slidenum">
+              <a:rPr kumimoji="1" lang="ja-JP" altLang="en-US" smtClean="0"/>
+              <a:t>18</a:t>
+            </a:fld>
+            <a:endParaRPr kumimoji="1" lang="ja-JP" altLang="en-US"/>
+          </a:p>
+        </p:txBody>
+      </p:sp>
+    </p:spTree>
+    <p:extLst>
+      <p:ext uri="{BB962C8B-B14F-4D97-AF65-F5344CB8AC3E}">
+        <p14:creationId xmlns:p14="http://schemas.microsoft.com/office/powerpoint/2010/main" val="1743413728"/>
       </p:ext>
     </p:extLst>
   </p:cSld>
@@ -2106,47 +2251,81 @@
               <a:rPr kumimoji="1" lang="ja-JP" altLang="en-US" dirty="0"/>
               <a:t>ということです。</a:t>
             </a:r>
+            <a:endParaRPr kumimoji="1" lang="en-US" altLang="ja-JP" dirty="0"/>
+          </a:p>
+          <a:p>
+            <a:r>
+              <a:rPr kumimoji="1" lang="ja-JP" altLang="en-US" dirty="0"/>
+              <a:t>実際のコンパイル作業に関しては、検索すると</a:t>
+            </a:r>
+            <a:r>
+              <a:rPr kumimoji="1" lang="en-US" altLang="ja-JP" dirty="0" err="1"/>
+              <a:t>Qiita</a:t>
+            </a:r>
+            <a:r>
+              <a:rPr kumimoji="1" lang="ja-JP" altLang="en-US" dirty="0"/>
+              <a:t>に上げられてるのもありますし、啓徳さんがハッシュタグ</a:t>
+            </a:r>
+            <a:r>
+              <a:rPr kumimoji="1" lang="en-US" altLang="ja-JP" dirty="0"/>
+              <a:t>Simutrans_64bit</a:t>
+            </a:r>
+            <a:r>
+              <a:rPr kumimoji="1" lang="ja-JP" altLang="en-US" dirty="0"/>
+              <a:t>でも上げられていますので、この内容だけで大分時間取るのもあり省略いたします。</a:t>
+            </a:r>
+            <a:endParaRPr kumimoji="1" lang="en-US" altLang="ja-JP" dirty="0"/>
+          </a:p>
+          <a:p>
+            <a:pPr marL="0" marR="0" lvl="0" indent="0" algn="l" defTabSz="914400" rtl="0" eaLnBrk="1" fontAlgn="auto" latinLnBrk="0" hangingPunct="1">
+              <a:lnSpc>
+                <a:spcPct val="100000"/>
+              </a:lnSpc>
+              <a:spcBef>
+                <a:spcPts val="0"/>
+              </a:spcBef>
+              <a:spcAft>
+                <a:spcPts val="0"/>
+              </a:spcAft>
+              <a:buClrTx/>
+              <a:buSzTx/>
+              <a:buFontTx/>
+              <a:buNone/>
+              <a:tabLst/>
+              <a:defRPr/>
+            </a:pPr>
             <a:r>
               <a:rPr kumimoji="1" lang="en-US" altLang="ja-JP" dirty="0"/>
               <a:t>Simutrans</a:t>
             </a:r>
             <a:r>
               <a:rPr kumimoji="1" lang="ja-JP" altLang="en-US" dirty="0"/>
-              <a:t>の画面は出ません。</a:t>
+              <a:t>の画面は出ません。この黒画面が終点です。</a:t>
             </a:r>
             <a:endParaRPr kumimoji="1" lang="en-US" altLang="ja-JP" dirty="0"/>
           </a:p>
           <a:p>
+            <a:pPr marL="0" marR="0" lvl="0" indent="0" algn="l" defTabSz="914400" rtl="0" eaLnBrk="1" fontAlgn="auto" latinLnBrk="0" hangingPunct="1">
+              <a:lnSpc>
+                <a:spcPct val="100000"/>
+              </a:lnSpc>
+              <a:spcBef>
+                <a:spcPts val="0"/>
+              </a:spcBef>
+              <a:spcAft>
+                <a:spcPts val="0"/>
+              </a:spcAft>
+              <a:buClrTx/>
+              <a:buSzTx/>
+              <a:buFontTx/>
+              <a:buNone/>
+              <a:tabLst/>
+              <a:defRPr/>
+            </a:pPr>
             <a:r>
               <a:rPr kumimoji="1" lang="ja-JP" altLang="en-US" dirty="0"/>
-              <a:t>実際のコンパイル作業に関しては、検索すると</a:t>
-            </a:r>
-            <a:r>
-              <a:rPr kumimoji="1" lang="en-US" altLang="ja-JP" dirty="0" err="1"/>
-              <a:t>Qiita</a:t>
-            </a:r>
-            <a:r>
-              <a:rPr kumimoji="1" lang="ja-JP" altLang="en-US" dirty="0"/>
-              <a:t>に上げられてるのもありますし、啓徳さんがハッシュタグ</a:t>
-            </a:r>
-            <a:r>
-              <a:rPr kumimoji="1" lang="en-US" altLang="ja-JP" dirty="0"/>
-              <a:t>Simutrans_64bit</a:t>
-            </a:r>
-            <a:r>
-              <a:rPr kumimoji="1" lang="ja-JP" altLang="en-US" dirty="0"/>
-              <a:t>でも</a:t>
-            </a:r>
-            <a:endParaRPr kumimoji="1" lang="en-US" altLang="ja-JP" dirty="0"/>
-          </a:p>
-          <a:p>
-            <a:r>
-              <a:rPr kumimoji="1" lang="ja-JP" altLang="en-US" dirty="0"/>
-              <a:t>上げられていますので、このスライドだけで大分時間取るのもあり省略いたします。</a:t>
-            </a:r>
-            <a:endParaRPr kumimoji="1" lang="en-US" altLang="ja-JP" dirty="0"/>
-          </a:p>
-          <a:p>
+              <a:t>あと、この先も文字が多い、ダメと言われやすいスライドになります。</a:t>
+            </a:r>
             <a:endParaRPr kumimoji="1" lang="en-US" altLang="ja-JP" dirty="0"/>
           </a:p>
         </p:txBody>
@@ -5022,7 +5201,7 @@
           <a:p>
             <a:fld id="{EFCA2F27-532F-4E2E-86E8-C011D6D4D29E}" type="datetimeFigureOut">
               <a:rPr kumimoji="1" lang="ja-JP" altLang="en-US" smtClean="0"/>
-              <a:t>2019/5/6</a:t>
+              <a:t>2019/5/7</a:t>
             </a:fld>
             <a:endParaRPr kumimoji="1" lang="ja-JP" altLang="en-US"/>
           </a:p>
@@ -5320,7 +5499,7 @@
           <a:p>
             <a:fld id="{EFCA2F27-532F-4E2E-86E8-C011D6D4D29E}" type="datetimeFigureOut">
               <a:rPr kumimoji="1" lang="ja-JP" altLang="en-US" smtClean="0"/>
-              <a:t>2019/5/6</a:t>
+              <a:t>2019/5/7</a:t>
             </a:fld>
             <a:endParaRPr kumimoji="1" lang="ja-JP" altLang="en-US"/>
           </a:p>
@@ -5566,7 +5745,7 @@
           <a:p>
             <a:fld id="{EFCA2F27-532F-4E2E-86E8-C011D6D4D29E}" type="datetimeFigureOut">
               <a:rPr kumimoji="1" lang="ja-JP" altLang="en-US" smtClean="0"/>
-              <a:t>2019/5/6</a:t>
+              <a:t>2019/5/7</a:t>
             </a:fld>
             <a:endParaRPr kumimoji="1" lang="ja-JP" altLang="en-US"/>
           </a:p>
@@ -5732,7 +5911,7 @@
           <a:p>
             <a:fld id="{43172269-E0BE-4177-A733-9CAC9D8021AA}" type="datetimeFigureOut">
               <a:rPr kumimoji="1" lang="ja-JP" altLang="en-US" smtClean="0"/>
-              <a:t>2019/5/6</a:t>
+              <a:t>2019/5/7</a:t>
             </a:fld>
             <a:endParaRPr kumimoji="1" lang="ja-JP" altLang="en-US"/>
           </a:p>
@@ -5962,7 +6141,7 @@
           <a:p>
             <a:fld id="{43172269-E0BE-4177-A733-9CAC9D8021AA}" type="datetimeFigureOut">
               <a:rPr kumimoji="1" lang="ja-JP" altLang="en-US" smtClean="0"/>
-              <a:t>2019/5/6</a:t>
+              <a:t>2019/5/7</a:t>
             </a:fld>
             <a:endParaRPr kumimoji="1" lang="ja-JP" altLang="en-US"/>
           </a:p>
@@ -6237,7 +6416,7 @@
           <a:p>
             <a:fld id="{43172269-E0BE-4177-A733-9CAC9D8021AA}" type="datetimeFigureOut">
               <a:rPr kumimoji="1" lang="ja-JP" altLang="en-US" smtClean="0"/>
-              <a:t>2019/5/6</a:t>
+              <a:t>2019/5/7</a:t>
             </a:fld>
             <a:endParaRPr kumimoji="1" lang="ja-JP" altLang="en-US"/>
           </a:p>
@@ -6566,7 +6745,7 @@
           <a:p>
             <a:fld id="{43172269-E0BE-4177-A733-9CAC9D8021AA}" type="datetimeFigureOut">
               <a:rPr kumimoji="1" lang="ja-JP" altLang="en-US" smtClean="0"/>
-              <a:t>2019/5/6</a:t>
+              <a:t>2019/5/7</a:t>
             </a:fld>
             <a:endParaRPr kumimoji="1" lang="ja-JP" altLang="en-US"/>
           </a:p>
@@ -7042,7 +7221,7 @@
           <a:p>
             <a:fld id="{43172269-E0BE-4177-A733-9CAC9D8021AA}" type="datetimeFigureOut">
               <a:rPr kumimoji="1" lang="ja-JP" altLang="en-US" smtClean="0"/>
-              <a:t>2019/5/6</a:t>
+              <a:t>2019/5/7</a:t>
             </a:fld>
             <a:endParaRPr kumimoji="1" lang="ja-JP" altLang="en-US"/>
           </a:p>
@@ -7183,7 +7362,7 @@
           <a:p>
             <a:fld id="{43172269-E0BE-4177-A733-9CAC9D8021AA}" type="datetimeFigureOut">
               <a:rPr kumimoji="1" lang="ja-JP" altLang="en-US" smtClean="0"/>
-              <a:t>2019/5/6</a:t>
+              <a:t>2019/5/7</a:t>
             </a:fld>
             <a:endParaRPr kumimoji="1" lang="ja-JP" altLang="en-US"/>
           </a:p>
@@ -7296,7 +7475,7 @@
           <a:p>
             <a:fld id="{43172269-E0BE-4177-A733-9CAC9D8021AA}" type="datetimeFigureOut">
               <a:rPr kumimoji="1" lang="ja-JP" altLang="en-US" smtClean="0"/>
-              <a:t>2019/5/6</a:t>
+              <a:t>2019/5/7</a:t>
             </a:fld>
             <a:endParaRPr kumimoji="1" lang="ja-JP" altLang="en-US"/>
           </a:p>
@@ -7639,7 +7818,7 @@
           <a:p>
             <a:fld id="{43172269-E0BE-4177-A733-9CAC9D8021AA}" type="datetimeFigureOut">
               <a:rPr kumimoji="1" lang="ja-JP" altLang="en-US" smtClean="0"/>
-              <a:t>2019/5/6</a:t>
+              <a:t>2019/5/7</a:t>
             </a:fld>
             <a:endParaRPr kumimoji="1" lang="ja-JP" altLang="en-US"/>
           </a:p>
@@ -7929,7 +8108,7 @@
           <a:p>
             <a:fld id="{EFCA2F27-532F-4E2E-86E8-C011D6D4D29E}" type="datetimeFigureOut">
               <a:rPr kumimoji="1" lang="ja-JP" altLang="en-US" smtClean="0"/>
-              <a:t>2019/5/6</a:t>
+              <a:t>2019/5/7</a:t>
             </a:fld>
             <a:endParaRPr kumimoji="1" lang="ja-JP" altLang="en-US"/>
           </a:p>
@@ -8163,7 +8342,7 @@
           <a:p>
             <a:fld id="{43172269-E0BE-4177-A733-9CAC9D8021AA}" type="datetimeFigureOut">
               <a:rPr kumimoji="1" lang="ja-JP" altLang="en-US" smtClean="0"/>
-              <a:t>2019/5/6</a:t>
+              <a:t>2019/5/7</a:t>
             </a:fld>
             <a:endParaRPr kumimoji="1" lang="ja-JP" altLang="en-US"/>
           </a:p>
@@ -8393,7 +8572,7 @@
           <a:p>
             <a:fld id="{43172269-E0BE-4177-A733-9CAC9D8021AA}" type="datetimeFigureOut">
               <a:rPr kumimoji="1" lang="ja-JP" altLang="en-US" smtClean="0"/>
-              <a:t>2019/5/6</a:t>
+              <a:t>2019/5/7</a:t>
             </a:fld>
             <a:endParaRPr kumimoji="1" lang="ja-JP" altLang="en-US"/>
           </a:p>
@@ -8633,7 +8812,7 @@
           <a:p>
             <a:fld id="{43172269-E0BE-4177-A733-9CAC9D8021AA}" type="datetimeFigureOut">
               <a:rPr kumimoji="1" lang="ja-JP" altLang="en-US" smtClean="0"/>
-              <a:t>2019/5/6</a:t>
+              <a:t>2019/5/7</a:t>
             </a:fld>
             <a:endParaRPr kumimoji="1" lang="ja-JP" altLang="en-US"/>
           </a:p>
@@ -8914,7 +9093,7 @@
           <a:p>
             <a:fld id="{EFCA2F27-532F-4E2E-86E8-C011D6D4D29E}" type="datetimeFigureOut">
               <a:rPr kumimoji="1" lang="ja-JP" altLang="en-US" smtClean="0"/>
-              <a:t>2019/5/6</a:t>
+              <a:t>2019/5/7</a:t>
             </a:fld>
             <a:endParaRPr kumimoji="1" lang="ja-JP" altLang="en-US"/>
           </a:p>
@@ -9299,7 +9478,7 @@
           <a:p>
             <a:fld id="{EFCA2F27-532F-4E2E-86E8-C011D6D4D29E}" type="datetimeFigureOut">
               <a:rPr kumimoji="1" lang="ja-JP" altLang="en-US" smtClean="0"/>
-              <a:t>2019/5/6</a:t>
+              <a:t>2019/5/7</a:t>
             </a:fld>
             <a:endParaRPr kumimoji="1" lang="ja-JP" altLang="en-US"/>
           </a:p>
@@ -9823,7 +10002,7 @@
           <a:p>
             <a:fld id="{EFCA2F27-532F-4E2E-86E8-C011D6D4D29E}" type="datetimeFigureOut">
               <a:rPr kumimoji="1" lang="ja-JP" altLang="en-US" smtClean="0"/>
-              <a:t>2019/5/6</a:t>
+              <a:t>2019/5/7</a:t>
             </a:fld>
             <a:endParaRPr kumimoji="1" lang="ja-JP" altLang="en-US"/>
           </a:p>
@@ -9976,7 +10155,7 @@
           <a:p>
             <a:fld id="{EFCA2F27-532F-4E2E-86E8-C011D6D4D29E}" type="datetimeFigureOut">
               <a:rPr kumimoji="1" lang="ja-JP" altLang="en-US" smtClean="0"/>
-              <a:t>2019/5/6</a:t>
+              <a:t>2019/5/7</a:t>
             </a:fld>
             <a:endParaRPr kumimoji="1" lang="ja-JP" altLang="en-US"/>
           </a:p>
@@ -10107,7 +10286,7 @@
           <a:p>
             <a:fld id="{EFCA2F27-532F-4E2E-86E8-C011D6D4D29E}" type="datetimeFigureOut">
               <a:rPr kumimoji="1" lang="ja-JP" altLang="en-US" smtClean="0"/>
-              <a:t>2019/5/6</a:t>
+              <a:t>2019/5/7</a:t>
             </a:fld>
             <a:endParaRPr kumimoji="1" lang="ja-JP" altLang="en-US"/>
           </a:p>
@@ -10450,7 +10629,7 @@
           <a:p>
             <a:fld id="{EFCA2F27-532F-4E2E-86E8-C011D6D4D29E}" type="datetimeFigureOut">
               <a:rPr kumimoji="1" lang="ja-JP" altLang="en-US" smtClean="0"/>
-              <a:t>2019/5/6</a:t>
+              <a:t>2019/5/7</a:t>
             </a:fld>
             <a:endParaRPr kumimoji="1" lang="ja-JP" altLang="en-US"/>
           </a:p>
@@ -10742,7 +10921,7 @@
           <a:p>
             <a:fld id="{EFCA2F27-532F-4E2E-86E8-C011D6D4D29E}" type="datetimeFigureOut">
               <a:rPr kumimoji="1" lang="ja-JP" altLang="en-US" smtClean="0"/>
-              <a:t>2019/5/6</a:t>
+              <a:t>2019/5/7</a:t>
             </a:fld>
             <a:endParaRPr kumimoji="1" lang="ja-JP" altLang="en-US"/>
           </a:p>
@@ -12721,7 +12900,7 @@
           <a:p>
             <a:fld id="{EFCA2F27-532F-4E2E-86E8-C011D6D4D29E}" type="datetimeFigureOut">
               <a:rPr kumimoji="1" lang="ja-JP" altLang="en-US" smtClean="0"/>
-              <a:t>2019/5/6</a:t>
+              <a:t>2019/5/7</a:t>
             </a:fld>
             <a:endParaRPr kumimoji="1" lang="ja-JP" altLang="en-US"/>
           </a:p>
@@ -13373,7 +13552,7 @@
           <a:p>
             <a:fld id="{43172269-E0BE-4177-A733-9CAC9D8021AA}" type="datetimeFigureOut">
               <a:rPr kumimoji="1" lang="ja-JP" altLang="en-US" smtClean="0"/>
-              <a:t>2019/5/6</a:t>
+              <a:t>2019/5/7</a:t>
             </a:fld>
             <a:endParaRPr kumimoji="1" lang="ja-JP" altLang="en-US"/>
           </a:p>
@@ -18883,6 +19062,42 @@
           </a:p>
         </p:txBody>
       </p:sp>
+      <p:pic>
+        <p:nvPicPr>
+          <p:cNvPr id="5" name="図 4" descr="スクリーンショット, 電子機器, モニター, ディスプレイ が含まれている画像&#10;&#10;自動的に生成された説明">
+            <a:extLst>
+              <a:ext uri="{FF2B5EF4-FFF2-40B4-BE49-F238E27FC236}">
+                <a16:creationId xmlns:a16="http://schemas.microsoft.com/office/drawing/2014/main" id="{21098DEA-0A9C-4898-B21D-7B63BBB3FED1}"/>
+              </a:ext>
+            </a:extLst>
+          </p:cNvPr>
+          <p:cNvPicPr>
+            <a:picLocks noChangeAspect="1"/>
+          </p:cNvPicPr>
+          <p:nvPr/>
+        </p:nvPicPr>
+        <p:blipFill>
+          <a:blip r:embed="rId4">
+            <a:extLst>
+              <a:ext uri="{28A0092B-C50C-407E-A947-70E740481C1C}">
+                <a14:useLocalDpi xmlns:a14="http://schemas.microsoft.com/office/drawing/2010/main" val="0"/>
+              </a:ext>
+            </a:extLst>
+          </a:blip>
+          <a:stretch>
+            <a:fillRect/>
+          </a:stretch>
+        </p:blipFill>
+        <p:spPr>
+          <a:xfrm>
+            <a:off x="2091550" y="1745460"/>
+            <a:ext cx="9345329" cy="4925112"/>
+          </a:xfrm>
+          <a:prstGeom prst="rect">
+            <a:avLst/>
+          </a:prstGeom>
+        </p:spPr>
+      </p:pic>
     </p:spTree>
     <p:extLst>
       <p:ext uri="{BB962C8B-B14F-4D97-AF65-F5344CB8AC3E}">
@@ -19021,6 +19236,59 @@
                                         <p:strVal val="visible"/>
                                       </p:to>
                                     </p:set>
+                                  </p:childTnLst>
+                                </p:cTn>
+                              </p:par>
+                            </p:childTnLst>
+                          </p:cTn>
+                        </p:par>
+                      </p:childTnLst>
+                    </p:cTn>
+                  </p:par>
+                  <p:par>
+                    <p:cTn id="13" fill="hold">
+                      <p:stCondLst>
+                        <p:cond delay="indefinite"/>
+                      </p:stCondLst>
+                      <p:childTnLst>
+                        <p:par>
+                          <p:cTn id="14" fill="hold">
+                            <p:stCondLst>
+                              <p:cond delay="0"/>
+                            </p:stCondLst>
+                            <p:childTnLst>
+                              <p:par>
+                                <p:cTn id="15" presetID="10" presetClass="entr" presetSubtype="0" fill="hold" nodeType="clickEffect">
+                                  <p:stCondLst>
+                                    <p:cond delay="0"/>
+                                  </p:stCondLst>
+                                  <p:childTnLst>
+                                    <p:set>
+                                      <p:cBhvr>
+                                        <p:cTn id="16" dur="1" fill="hold">
+                                          <p:stCondLst>
+                                            <p:cond delay="0"/>
+                                          </p:stCondLst>
+                                        </p:cTn>
+                                        <p:tgtEl>
+                                          <p:spTgt spid="5"/>
+                                        </p:tgtEl>
+                                        <p:attrNameLst>
+                                          <p:attrName>style.visibility</p:attrName>
+                                        </p:attrNameLst>
+                                      </p:cBhvr>
+                                      <p:to>
+                                        <p:strVal val="visible"/>
+                                      </p:to>
+                                    </p:set>
+                                    <p:animEffect transition="in" filter="fade">
+                                      <p:cBhvr>
+                                        <p:cTn id="17" dur="500"/>
+                                        <p:tgtEl>
+                                          <p:spTgt spid="5"/>
+                                        </p:tgtEl>
+                                      </p:cBhvr>
+                                    </p:animEffect>
                                   </p:childTnLst>
                                 </p:cTn>
                               </p:par>

--- a/RE_SIMU_ON_WSL.pptx
+++ b/RE_SIMU_ON_WSL.pptx
@@ -316,7 +316,7 @@
           <a:p>
             <a:fld id="{7D37F7A6-00EA-477C-BD0D-F6E7C2E86336}" type="datetimeFigureOut">
               <a:rPr kumimoji="1" lang="ja-JP" altLang="en-US" smtClean="0"/>
-              <a:t>2019/5/7</a:t>
+              <a:t>2019/5/10</a:t>
             </a:fld>
             <a:endParaRPr kumimoji="1" lang="ja-JP" altLang="en-US"/>
           </a:p>
@@ -673,7 +673,7 @@
             </a:r>
             <a:r>
               <a:rPr kumimoji="1" lang="ja-JP" altLang="en-US" dirty="0"/>
-              <a:t>のコンパイルをする方法について話します</a:t>
+              <a:t>のコンパイルをするための環境構築について話します</a:t>
             </a:r>
           </a:p>
         </p:txBody>
@@ -1907,7 +1907,102 @@
           <a:bodyPr/>
           <a:lstStyle/>
           <a:p>
-            <a:endParaRPr kumimoji="1" lang="ja-JP" altLang="en-US" dirty="0"/>
+            <a:r>
+              <a:rPr kumimoji="1" lang="en-US" altLang="ja-JP" dirty="0"/>
+              <a:t>Bzip2</a:t>
+            </a:r>
+            <a:r>
+              <a:rPr kumimoji="1" lang="ja-JP" altLang="en-US" dirty="0"/>
+              <a:t>はこの</a:t>
+            </a:r>
+            <a:r>
+              <a:rPr kumimoji="1" lang="en-US" altLang="ja-JP" dirty="0"/>
+              <a:t>2</a:t>
+            </a:r>
+            <a:r>
+              <a:rPr kumimoji="1" lang="ja-JP" altLang="en-US" dirty="0"/>
+              <a:t>つを編集して</a:t>
+            </a:r>
+            <a:r>
+              <a:rPr kumimoji="1" lang="en-US" altLang="ja-JP" dirty="0"/>
+              <a:t>make</a:t>
+            </a:r>
+            <a:r>
+              <a:rPr kumimoji="1" lang="ja-JP" altLang="en-US" dirty="0"/>
+              <a:t>を行います。</a:t>
+            </a:r>
+            <a:endParaRPr kumimoji="1" lang="en-US" altLang="ja-JP" dirty="0"/>
+          </a:p>
+          <a:p>
+            <a:r>
+              <a:rPr kumimoji="1" lang="en-US" altLang="ja-JP" dirty="0"/>
+              <a:t>Bzip2.c</a:t>
+            </a:r>
+            <a:r>
+              <a:rPr kumimoji="1" lang="ja-JP" altLang="en-US" dirty="0"/>
+              <a:t>では逆スラッシュをスラッシュへ書き換えます。</a:t>
+            </a:r>
+            <a:endParaRPr kumimoji="1" lang="en-US" altLang="ja-JP" dirty="0"/>
+          </a:p>
+          <a:p>
+            <a:r>
+              <a:rPr kumimoji="1" lang="ja-JP" altLang="en-US" dirty="0"/>
+              <a:t>これは使用しているフォントによって円マークか左上から右下へ向かう逆スラッシュで表示されていますので、編集で使用するエディタで確認してください。</a:t>
+            </a:r>
+            <a:endParaRPr kumimoji="1" lang="en-US" altLang="ja-JP" dirty="0"/>
+          </a:p>
+          <a:p>
+            <a:r>
+              <a:rPr kumimoji="1" lang="ja-JP" altLang="en-US" dirty="0"/>
+              <a:t>また、</a:t>
+            </a:r>
+            <a:r>
+              <a:rPr kumimoji="1" lang="en-US" altLang="ja-JP" dirty="0" err="1"/>
+              <a:t>Makefile</a:t>
+            </a:r>
+            <a:r>
+              <a:rPr kumimoji="1" lang="ja-JP" altLang="en-US" dirty="0"/>
+              <a:t>では</a:t>
+            </a:r>
+            <a:r>
+              <a:rPr kumimoji="1" lang="en-US" altLang="ja-JP" dirty="0"/>
+              <a:t>CC</a:t>
+            </a:r>
+            <a:r>
+              <a:rPr kumimoji="1" lang="ja-JP" altLang="en-US" dirty="0"/>
+              <a:t>などのディレクトリを書き換えておきます。</a:t>
+            </a:r>
+            <a:endParaRPr kumimoji="1" lang="en-US" altLang="ja-JP" dirty="0"/>
+          </a:p>
+          <a:p>
+            <a:r>
+              <a:rPr kumimoji="1" lang="ja-JP" altLang="en-US" dirty="0"/>
+              <a:t>そして、ヘッダファイル</a:t>
+            </a:r>
+            <a:r>
+              <a:rPr kumimoji="1" lang="en-US" altLang="ja-JP" dirty="0" err="1"/>
+              <a:t>bzlib.h</a:t>
+            </a:r>
+            <a:r>
+              <a:rPr kumimoji="1" lang="ja-JP" altLang="en-US" dirty="0"/>
+              <a:t>と</a:t>
+            </a:r>
+            <a:r>
+              <a:rPr kumimoji="1" lang="en-US" altLang="ja-JP" dirty="0"/>
+              <a:t>make</a:t>
+            </a:r>
+            <a:r>
+              <a:rPr kumimoji="1" lang="ja-JP" altLang="en-US" dirty="0"/>
+              <a:t>で作成した</a:t>
+            </a:r>
+            <a:r>
+              <a:rPr kumimoji="1" lang="en-US" altLang="ja-JP" dirty="0"/>
+              <a:t>libbz2.a</a:t>
+            </a:r>
+            <a:r>
+              <a:rPr kumimoji="1" lang="ja-JP" altLang="en-US" dirty="0"/>
+              <a:t>ファイルをそれぞれコピーします。</a:t>
+            </a:r>
           </a:p>
         </p:txBody>
       </p:sp>
@@ -1938,6 +2033,180 @@
     <p:extLst>
       <p:ext uri="{BB962C8B-B14F-4D97-AF65-F5344CB8AC3E}">
         <p14:creationId xmlns:p14="http://schemas.microsoft.com/office/powerpoint/2010/main" val="1743413728"/>
+      </p:ext>
+    </p:extLst>
+  </p:cSld>
+  <p:clrMapOvr>
+    <a:masterClrMapping/>
+  </p:clrMapOvr>
+</p:notes>
+</file>
+
+<file path=ppt/notesSlides/notesSlide19.xml><?xml version="1.0" encoding="utf-8"?>
+<p:notes xmlns:a="http://schemas.openxmlformats.org/drawingml/2006/main" xmlns:r="http://schemas.openxmlformats.org/officeDocument/2006/relationships" xmlns:p="http://schemas.openxmlformats.org/presentationml/2006/main">
+  <p:cSld>
+    <p:spTree>
+      <p:nvGrpSpPr>
+        <p:cNvPr id="1" name=""/>
+        <p:cNvGrpSpPr/>
+        <p:nvPr/>
+      </p:nvGrpSpPr>
+      <p:grpSpPr>
+        <a:xfrm>
+          <a:off x="0" y="0"/>
+          <a:ext cx="0" cy="0"/>
+          <a:chOff x="0" y="0"/>
+          <a:chExt cx="0" cy="0"/>
+        </a:xfrm>
+      </p:grpSpPr>
+      <p:sp>
+        <p:nvSpPr>
+          <p:cNvPr id="2" name="スライド イメージ プレースホルダー 1"/>
+          <p:cNvSpPr>
+            <a:spLocks noGrp="1" noRot="1" noChangeAspect="1"/>
+          </p:cNvSpPr>
+          <p:nvPr>
+            <p:ph type="sldImg"/>
+          </p:nvPr>
+        </p:nvSpPr>
+        <p:spPr/>
+      </p:sp>
+      <p:sp>
+        <p:nvSpPr>
+          <p:cNvPr id="3" name="ノート プレースホルダー 2"/>
+          <p:cNvSpPr>
+            <a:spLocks noGrp="1"/>
+          </p:cNvSpPr>
+          <p:nvPr>
+            <p:ph type="body" idx="1"/>
+          </p:nvPr>
+        </p:nvSpPr>
+        <p:spPr/>
+        <p:txBody>
+          <a:bodyPr/>
+          <a:lstStyle/>
+          <a:p>
+            <a:r>
+              <a:rPr kumimoji="1" lang="ja-JP" altLang="en-US" dirty="0"/>
+              <a:t>以上で準備終了です。</a:t>
+            </a:r>
+            <a:endParaRPr kumimoji="1" lang="en-US" altLang="ja-JP" dirty="0"/>
+          </a:p>
+          <a:p>
+            <a:r>
+              <a:rPr kumimoji="1" lang="ja-JP" altLang="en-US" dirty="0"/>
+              <a:t>この先のソースコード入手などは各所に情報がありますのでここでは省略させて頂きます。</a:t>
+            </a:r>
+            <a:endParaRPr kumimoji="1" lang="en-US" altLang="ja-JP" dirty="0"/>
+          </a:p>
+          <a:p>
+            <a:r>
+              <a:rPr kumimoji="1" lang="ja-JP" altLang="en-US" dirty="0"/>
+              <a:t>さて、一部は編集したりコピーしたりと大変かも知れませんが、</a:t>
+            </a:r>
+            <a:r>
+              <a:rPr kumimoji="1" lang="en-US" altLang="ja-JP" dirty="0"/>
+              <a:t>WSL</a:t>
+            </a:r>
+            <a:r>
+              <a:rPr kumimoji="1" lang="ja-JP" altLang="en-US" dirty="0"/>
+              <a:t>は今はアプリとなっているため入れるのは凄く楽です。</a:t>
+            </a:r>
+            <a:endParaRPr kumimoji="1" lang="en-US" altLang="ja-JP" dirty="0"/>
+          </a:p>
+          <a:p>
+            <a:r>
+              <a:rPr kumimoji="1" lang="en-US" altLang="ja-JP" dirty="0"/>
+              <a:t>Beta</a:t>
+            </a:r>
+            <a:r>
+              <a:rPr kumimoji="1" lang="ja-JP" altLang="en-US" dirty="0"/>
+              <a:t>版触れた方いらっしゃるかも知れませんが、その頃はコマンドプロンプトを呼びコマンドを打ち導入する必要がありました。</a:t>
+            </a:r>
+            <a:endParaRPr kumimoji="1" lang="en-US" altLang="ja-JP" dirty="0"/>
+          </a:p>
+          <a:p>
+            <a:r>
+              <a:rPr kumimoji="1" lang="ja-JP" altLang="en-US" dirty="0"/>
+              <a:t>今はかなりお手軽です。バリアフリーに近いです。</a:t>
+            </a:r>
+            <a:endParaRPr kumimoji="1" lang="en-US" altLang="ja-JP" dirty="0"/>
+          </a:p>
+          <a:p>
+            <a:r>
+              <a:rPr kumimoji="1" lang="ja-JP" altLang="en-US" dirty="0"/>
+              <a:t>そして、</a:t>
+            </a:r>
+            <a:r>
+              <a:rPr kumimoji="1" lang="en-US" altLang="ja-JP" dirty="0"/>
+              <a:t>Emacs</a:t>
+            </a:r>
+            <a:r>
+              <a:rPr kumimoji="1" lang="ja-JP" altLang="en-US" dirty="0"/>
+              <a:t>などの</a:t>
+            </a:r>
+            <a:r>
+              <a:rPr kumimoji="1" lang="en-US" altLang="ja-JP" dirty="0"/>
+              <a:t>CUI</a:t>
+            </a:r>
+            <a:r>
+              <a:rPr kumimoji="1" lang="ja-JP" altLang="en-US" dirty="0"/>
+              <a:t>エディタに慣れる必要は有りません。作業ディレクトリの移動は必要となりますが、</a:t>
+            </a:r>
+            <a:r>
+              <a:rPr kumimoji="1" lang="en-US" altLang="ja-JP" dirty="0"/>
+              <a:t>Windows</a:t>
+            </a:r>
+            <a:r>
+              <a:rPr kumimoji="1" lang="ja-JP" altLang="en-US" dirty="0"/>
+              <a:t>で編集しても読み込むこと出来ます。</a:t>
+            </a:r>
+            <a:endParaRPr kumimoji="1" lang="en-US" altLang="ja-JP" dirty="0"/>
+          </a:p>
+          <a:p>
+            <a:r>
+              <a:rPr kumimoji="1" lang="en-US" altLang="ja-JP" dirty="0"/>
+              <a:t>VS</a:t>
+            </a:r>
+            <a:r>
+              <a:rPr kumimoji="1" lang="en-US" altLang="ja-JP" baseline="0" dirty="0"/>
+              <a:t> Code</a:t>
+            </a:r>
+            <a:r>
+              <a:rPr kumimoji="1" lang="ja-JP" altLang="en-US" baseline="0" dirty="0"/>
+              <a:t>がいい方、サクラエディタがいい方問題ありません。それそのまま使えます。</a:t>
+            </a:r>
+            <a:endParaRPr kumimoji="1" lang="ja-JP" altLang="en-US" dirty="0"/>
+          </a:p>
+        </p:txBody>
+      </p:sp>
+      <p:sp>
+        <p:nvSpPr>
+          <p:cNvPr id="4" name="スライド番号プレースホルダー 3"/>
+          <p:cNvSpPr>
+            <a:spLocks noGrp="1"/>
+          </p:cNvSpPr>
+          <p:nvPr>
+            <p:ph type="sldNum" sz="quarter" idx="5"/>
+          </p:nvPr>
+        </p:nvSpPr>
+        <p:spPr/>
+        <p:txBody>
+          <a:bodyPr/>
+          <a:lstStyle/>
+          <a:p>
+            <a:fld id="{6B8A9B74-7ACC-4BED-B6E3-1BCF4756DC69}" type="slidenum">
+              <a:rPr kumimoji="1" lang="ja-JP" altLang="en-US" smtClean="0"/>
+              <a:t>19</a:t>
+            </a:fld>
+            <a:endParaRPr kumimoji="1" lang="ja-JP" altLang="en-US"/>
+          </a:p>
+        </p:txBody>
+      </p:sp>
+    </p:spTree>
+    <p:extLst>
+      <p:ext uri="{BB962C8B-B14F-4D97-AF65-F5344CB8AC3E}">
+        <p14:creationId xmlns:p14="http://schemas.microsoft.com/office/powerpoint/2010/main" val="642031450"/>
       </p:ext>
     </p:extLst>
   </p:cSld>
@@ -2133,6 +2402,46 @@
               <a:rPr kumimoji="1" lang="ja-JP" altLang="en-US" dirty="0"/>
               <a:t>つまり、皆さんが調べて覚えたことのほとんどをそのまま使うことが可能です</a:t>
             </a:r>
+            <a:endParaRPr kumimoji="1" lang="en-US" altLang="ja-JP" dirty="0"/>
+          </a:p>
+          <a:p>
+            <a:pPr marL="0" marR="0" lvl="0" indent="0" algn="l" defTabSz="914400" rtl="0" eaLnBrk="1" fontAlgn="auto" latinLnBrk="0" hangingPunct="1">
+              <a:lnSpc>
+                <a:spcPct val="100000"/>
+              </a:lnSpc>
+              <a:spcBef>
+                <a:spcPts val="0"/>
+              </a:spcBef>
+              <a:spcAft>
+                <a:spcPts val="0"/>
+              </a:spcAft>
+              <a:buClrTx/>
+              <a:buSzTx/>
+              <a:buFontTx/>
+              <a:buNone/>
+              <a:tabLst/>
+              <a:defRPr/>
+            </a:pPr>
+            <a:r>
+              <a:rPr kumimoji="1" lang="ja-JP" altLang="en-US" dirty="0"/>
+              <a:t>（可能なら起動して</a:t>
+            </a:r>
+            <a:r>
+              <a:rPr kumimoji="1" lang="en-US" altLang="ja-JP" dirty="0" err="1"/>
+              <a:t>sudo</a:t>
+            </a:r>
+            <a:r>
+              <a:rPr kumimoji="1" lang="en-US" altLang="ja-JP" dirty="0"/>
+              <a:t> apt update</a:t>
+            </a:r>
+            <a:r>
+              <a:rPr kumimoji="1" lang="ja-JP" altLang="en-US" dirty="0"/>
+              <a:t>位をみせる）</a:t>
+            </a:r>
+            <a:endParaRPr kumimoji="1" lang="en-US" altLang="ja-JP" dirty="0"/>
+          </a:p>
+          <a:p>
+            <a:endParaRPr kumimoji="1" lang="ja-JP" altLang="en-US" dirty="0"/>
           </a:p>
         </p:txBody>
       </p:sp>
@@ -2163,6 +2472,140 @@
     <p:extLst>
       <p:ext uri="{BB962C8B-B14F-4D97-AF65-F5344CB8AC3E}">
         <p14:creationId xmlns:p14="http://schemas.microsoft.com/office/powerpoint/2010/main" val="1643556016"/>
+      </p:ext>
+    </p:extLst>
+  </p:cSld>
+  <p:clrMapOvr>
+    <a:masterClrMapping/>
+  </p:clrMapOvr>
+</p:notes>
+</file>
+
+<file path=ppt/notesSlides/notesSlide20.xml><?xml version="1.0" encoding="utf-8"?>
+<p:notes xmlns:a="http://schemas.openxmlformats.org/drawingml/2006/main" xmlns:r="http://schemas.openxmlformats.org/officeDocument/2006/relationships" xmlns:p="http://schemas.openxmlformats.org/presentationml/2006/main">
+  <p:cSld>
+    <p:spTree>
+      <p:nvGrpSpPr>
+        <p:cNvPr id="1" name=""/>
+        <p:cNvGrpSpPr/>
+        <p:nvPr/>
+      </p:nvGrpSpPr>
+      <p:grpSpPr>
+        <a:xfrm>
+          <a:off x="0" y="0"/>
+          <a:ext cx="0" cy="0"/>
+          <a:chOff x="0" y="0"/>
+          <a:chExt cx="0" cy="0"/>
+        </a:xfrm>
+      </p:grpSpPr>
+      <p:sp>
+        <p:nvSpPr>
+          <p:cNvPr id="2" name="スライド イメージ プレースホルダー 1"/>
+          <p:cNvSpPr>
+            <a:spLocks noGrp="1" noRot="1" noChangeAspect="1"/>
+          </p:cNvSpPr>
+          <p:nvPr>
+            <p:ph type="sldImg"/>
+          </p:nvPr>
+        </p:nvSpPr>
+        <p:spPr/>
+      </p:sp>
+      <p:sp>
+        <p:nvSpPr>
+          <p:cNvPr id="3" name="ノート プレースホルダー 2"/>
+          <p:cNvSpPr>
+            <a:spLocks noGrp="1"/>
+          </p:cNvSpPr>
+          <p:nvPr>
+            <p:ph type="body" idx="1"/>
+          </p:nvPr>
+        </p:nvSpPr>
+        <p:spPr/>
+        <p:txBody>
+          <a:bodyPr/>
+          <a:lstStyle/>
+          <a:p>
+            <a:r>
+              <a:rPr kumimoji="1" lang="ja-JP" altLang="en-US" dirty="0"/>
+              <a:t>シェルスクリプトでトリミングから</a:t>
+            </a:r>
+            <a:r>
+              <a:rPr kumimoji="1" lang="en-US" altLang="ja-JP" dirty="0" err="1"/>
+              <a:t>pak</a:t>
+            </a:r>
+            <a:r>
+              <a:rPr kumimoji="1" lang="ja-JP" altLang="en-US" dirty="0"/>
+              <a:t>化してアドオンフォルダへコピーまでの一連の作業を自動化も不可能ではありません。</a:t>
+            </a:r>
+            <a:endParaRPr kumimoji="1" lang="en-US" altLang="ja-JP" dirty="0"/>
+          </a:p>
+          <a:p>
+            <a:r>
+              <a:rPr kumimoji="1" lang="ja-JP" altLang="en-US" dirty="0"/>
+              <a:t>そして、それらを行うために調べる際、</a:t>
+            </a:r>
+            <a:r>
+              <a:rPr kumimoji="1" lang="en-US" altLang="ja-JP" dirty="0"/>
+              <a:t>Linux</a:t>
+            </a:r>
+            <a:r>
+              <a:rPr kumimoji="1" lang="ja-JP" altLang="en-US" dirty="0"/>
+              <a:t>での知識をそのまま使えます。</a:t>
+            </a:r>
+            <a:endParaRPr kumimoji="1" lang="en-US" altLang="ja-JP" dirty="0"/>
+          </a:p>
+          <a:p>
+            <a:endParaRPr kumimoji="1" lang="en-US" altLang="ja-JP" dirty="0"/>
+          </a:p>
+          <a:p>
+            <a:r>
+              <a:rPr kumimoji="1" lang="ja-JP" altLang="en-US" dirty="0"/>
+              <a:t>敷居の低い開発環境、お手元にひとつ如何でしょうか</a:t>
+            </a:r>
+            <a:endParaRPr kumimoji="1" lang="en-US" altLang="ja-JP" dirty="0"/>
+          </a:p>
+          <a:p>
+            <a:endParaRPr kumimoji="1" lang="en-US" altLang="ja-JP" dirty="0"/>
+          </a:p>
+          <a:p>
+            <a:r>
+              <a:rPr kumimoji="1" lang="ja-JP" altLang="en-US" dirty="0"/>
+              <a:t>以上で発表を終わらせて頂きます。ご静聴ありがとうございました。</a:t>
+            </a:r>
+            <a:endParaRPr kumimoji="1" lang="en-US" altLang="ja-JP" dirty="0"/>
+          </a:p>
+          <a:p>
+            <a:endParaRPr kumimoji="1" lang="ja-JP" altLang="en-US" dirty="0"/>
+          </a:p>
+        </p:txBody>
+      </p:sp>
+      <p:sp>
+        <p:nvSpPr>
+          <p:cNvPr id="4" name="スライド番号プレースホルダー 3"/>
+          <p:cNvSpPr>
+            <a:spLocks noGrp="1"/>
+          </p:cNvSpPr>
+          <p:nvPr>
+            <p:ph type="sldNum" sz="quarter" idx="5"/>
+          </p:nvPr>
+        </p:nvSpPr>
+        <p:spPr/>
+        <p:txBody>
+          <a:bodyPr/>
+          <a:lstStyle/>
+          <a:p>
+            <a:fld id="{6B8A9B74-7ACC-4BED-B6E3-1BCF4756DC69}" type="slidenum">
+              <a:rPr kumimoji="1" lang="ja-JP" altLang="en-US" smtClean="0"/>
+              <a:t>20</a:t>
+            </a:fld>
+            <a:endParaRPr kumimoji="1" lang="ja-JP" altLang="en-US"/>
+          </a:p>
+        </p:txBody>
+      </p:sp>
+    </p:spTree>
+    <p:extLst>
+      <p:ext uri="{BB962C8B-B14F-4D97-AF65-F5344CB8AC3E}">
+        <p14:creationId xmlns:p14="http://schemas.microsoft.com/office/powerpoint/2010/main" val="3275034564"/>
       </p:ext>
     </p:extLst>
   </p:cSld>
@@ -2300,7 +2743,7 @@
             </a:r>
             <a:r>
               <a:rPr kumimoji="1" lang="ja-JP" altLang="en-US" dirty="0"/>
-              <a:t>の画面は出ません。この黒画面が終点です。</a:t>
+              <a:t>の画面は出ません。先ほどの黒画面が終点です。</a:t>
             </a:r>
             <a:endParaRPr kumimoji="1" lang="en-US" altLang="ja-JP" dirty="0"/>
           </a:p>
@@ -2324,7 +2767,7 @@
             </a:pPr>
             <a:r>
               <a:rPr kumimoji="1" lang="ja-JP" altLang="en-US" dirty="0"/>
-              <a:t>あと、この先も文字が多い、ダメと言われやすいスライドになります。</a:t>
+              <a:t>あと、この先も文字が多い、ダメと言われやすいスライドになりますが、画像が黒画面だらけになりそうだったのでご了承頂ければ幸いです。</a:t>
             </a:r>
             <a:endParaRPr kumimoji="1" lang="en-US" altLang="ja-JP" dirty="0"/>
           </a:p>
@@ -5201,7 +5644,7 @@
           <a:p>
             <a:fld id="{EFCA2F27-532F-4E2E-86E8-C011D6D4D29E}" type="datetimeFigureOut">
               <a:rPr kumimoji="1" lang="ja-JP" altLang="en-US" smtClean="0"/>
-              <a:t>2019/5/7</a:t>
+              <a:t>2019/5/10</a:t>
             </a:fld>
             <a:endParaRPr kumimoji="1" lang="ja-JP" altLang="en-US"/>
           </a:p>
@@ -5499,7 +5942,7 @@
           <a:p>
             <a:fld id="{EFCA2F27-532F-4E2E-86E8-C011D6D4D29E}" type="datetimeFigureOut">
               <a:rPr kumimoji="1" lang="ja-JP" altLang="en-US" smtClean="0"/>
-              <a:t>2019/5/7</a:t>
+              <a:t>2019/5/10</a:t>
             </a:fld>
             <a:endParaRPr kumimoji="1" lang="ja-JP" altLang="en-US"/>
           </a:p>
@@ -5745,7 +6188,7 @@
           <a:p>
             <a:fld id="{EFCA2F27-532F-4E2E-86E8-C011D6D4D29E}" type="datetimeFigureOut">
               <a:rPr kumimoji="1" lang="ja-JP" altLang="en-US" smtClean="0"/>
-              <a:t>2019/5/7</a:t>
+              <a:t>2019/5/10</a:t>
             </a:fld>
             <a:endParaRPr kumimoji="1" lang="ja-JP" altLang="en-US"/>
           </a:p>
@@ -5911,7 +6354,7 @@
           <a:p>
             <a:fld id="{43172269-E0BE-4177-A733-9CAC9D8021AA}" type="datetimeFigureOut">
               <a:rPr kumimoji="1" lang="ja-JP" altLang="en-US" smtClean="0"/>
-              <a:t>2019/5/7</a:t>
+              <a:t>2019/5/10</a:t>
             </a:fld>
             <a:endParaRPr kumimoji="1" lang="ja-JP" altLang="en-US"/>
           </a:p>
@@ -6141,7 +6584,7 @@
           <a:p>
             <a:fld id="{43172269-E0BE-4177-A733-9CAC9D8021AA}" type="datetimeFigureOut">
               <a:rPr kumimoji="1" lang="ja-JP" altLang="en-US" smtClean="0"/>
-              <a:t>2019/5/7</a:t>
+              <a:t>2019/5/10</a:t>
             </a:fld>
             <a:endParaRPr kumimoji="1" lang="ja-JP" altLang="en-US"/>
           </a:p>
@@ -6416,7 +6859,7 @@
           <a:p>
             <a:fld id="{43172269-E0BE-4177-A733-9CAC9D8021AA}" type="datetimeFigureOut">
               <a:rPr kumimoji="1" lang="ja-JP" altLang="en-US" smtClean="0"/>
-              <a:t>2019/5/7</a:t>
+              <a:t>2019/5/10</a:t>
             </a:fld>
             <a:endParaRPr kumimoji="1" lang="ja-JP" altLang="en-US"/>
           </a:p>
@@ -6745,7 +7188,7 @@
           <a:p>
             <a:fld id="{43172269-E0BE-4177-A733-9CAC9D8021AA}" type="datetimeFigureOut">
               <a:rPr kumimoji="1" lang="ja-JP" altLang="en-US" smtClean="0"/>
-              <a:t>2019/5/7</a:t>
+              <a:t>2019/5/10</a:t>
             </a:fld>
             <a:endParaRPr kumimoji="1" lang="ja-JP" altLang="en-US"/>
           </a:p>
@@ -7221,7 +7664,7 @@
           <a:p>
             <a:fld id="{43172269-E0BE-4177-A733-9CAC9D8021AA}" type="datetimeFigureOut">
               <a:rPr kumimoji="1" lang="ja-JP" altLang="en-US" smtClean="0"/>
-              <a:t>2019/5/7</a:t>
+              <a:t>2019/5/10</a:t>
             </a:fld>
             <a:endParaRPr kumimoji="1" lang="ja-JP" altLang="en-US"/>
           </a:p>
@@ -7362,7 +7805,7 @@
           <a:p>
             <a:fld id="{43172269-E0BE-4177-A733-9CAC9D8021AA}" type="datetimeFigureOut">
               <a:rPr kumimoji="1" lang="ja-JP" altLang="en-US" smtClean="0"/>
-              <a:t>2019/5/7</a:t>
+              <a:t>2019/5/10</a:t>
             </a:fld>
             <a:endParaRPr kumimoji="1" lang="ja-JP" altLang="en-US"/>
           </a:p>
@@ -7475,7 +7918,7 @@
           <a:p>
             <a:fld id="{43172269-E0BE-4177-A733-9CAC9D8021AA}" type="datetimeFigureOut">
               <a:rPr kumimoji="1" lang="ja-JP" altLang="en-US" smtClean="0"/>
-              <a:t>2019/5/7</a:t>
+              <a:t>2019/5/10</a:t>
             </a:fld>
             <a:endParaRPr kumimoji="1" lang="ja-JP" altLang="en-US"/>
           </a:p>
@@ -7818,7 +8261,7 @@
           <a:p>
             <a:fld id="{43172269-E0BE-4177-A733-9CAC9D8021AA}" type="datetimeFigureOut">
               <a:rPr kumimoji="1" lang="ja-JP" altLang="en-US" smtClean="0"/>
-              <a:t>2019/5/7</a:t>
+              <a:t>2019/5/10</a:t>
             </a:fld>
             <a:endParaRPr kumimoji="1" lang="ja-JP" altLang="en-US"/>
           </a:p>
@@ -8108,7 +8551,7 @@
           <a:p>
             <a:fld id="{EFCA2F27-532F-4E2E-86E8-C011D6D4D29E}" type="datetimeFigureOut">
               <a:rPr kumimoji="1" lang="ja-JP" altLang="en-US" smtClean="0"/>
-              <a:t>2019/5/7</a:t>
+              <a:t>2019/5/10</a:t>
             </a:fld>
             <a:endParaRPr kumimoji="1" lang="ja-JP" altLang="en-US"/>
           </a:p>
@@ -8342,7 +8785,7 @@
           <a:p>
             <a:fld id="{43172269-E0BE-4177-A733-9CAC9D8021AA}" type="datetimeFigureOut">
               <a:rPr kumimoji="1" lang="ja-JP" altLang="en-US" smtClean="0"/>
-              <a:t>2019/5/7</a:t>
+              <a:t>2019/5/10</a:t>
             </a:fld>
             <a:endParaRPr kumimoji="1" lang="ja-JP" altLang="en-US"/>
           </a:p>
@@ -8572,7 +9015,7 @@
           <a:p>
             <a:fld id="{43172269-E0BE-4177-A733-9CAC9D8021AA}" type="datetimeFigureOut">
               <a:rPr kumimoji="1" lang="ja-JP" altLang="en-US" smtClean="0"/>
-              <a:t>2019/5/7</a:t>
+              <a:t>2019/5/10</a:t>
             </a:fld>
             <a:endParaRPr kumimoji="1" lang="ja-JP" altLang="en-US"/>
           </a:p>
@@ -8812,7 +9255,7 @@
           <a:p>
             <a:fld id="{43172269-E0BE-4177-A733-9CAC9D8021AA}" type="datetimeFigureOut">
               <a:rPr kumimoji="1" lang="ja-JP" altLang="en-US" smtClean="0"/>
-              <a:t>2019/5/7</a:t>
+              <a:t>2019/5/10</a:t>
             </a:fld>
             <a:endParaRPr kumimoji="1" lang="ja-JP" altLang="en-US"/>
           </a:p>
@@ -9093,7 +9536,7 @@
           <a:p>
             <a:fld id="{EFCA2F27-532F-4E2E-86E8-C011D6D4D29E}" type="datetimeFigureOut">
               <a:rPr kumimoji="1" lang="ja-JP" altLang="en-US" smtClean="0"/>
-              <a:t>2019/5/7</a:t>
+              <a:t>2019/5/10</a:t>
             </a:fld>
             <a:endParaRPr kumimoji="1" lang="ja-JP" altLang="en-US"/>
           </a:p>
@@ -9478,7 +9921,7 @@
           <a:p>
             <a:fld id="{EFCA2F27-532F-4E2E-86E8-C011D6D4D29E}" type="datetimeFigureOut">
               <a:rPr kumimoji="1" lang="ja-JP" altLang="en-US" smtClean="0"/>
-              <a:t>2019/5/7</a:t>
+              <a:t>2019/5/10</a:t>
             </a:fld>
             <a:endParaRPr kumimoji="1" lang="ja-JP" altLang="en-US"/>
           </a:p>
@@ -10002,7 +10445,7 @@
           <a:p>
             <a:fld id="{EFCA2F27-532F-4E2E-86E8-C011D6D4D29E}" type="datetimeFigureOut">
               <a:rPr kumimoji="1" lang="ja-JP" altLang="en-US" smtClean="0"/>
-              <a:t>2019/5/7</a:t>
+              <a:t>2019/5/10</a:t>
             </a:fld>
             <a:endParaRPr kumimoji="1" lang="ja-JP" altLang="en-US"/>
           </a:p>
@@ -10155,7 +10598,7 @@
           <a:p>
             <a:fld id="{EFCA2F27-532F-4E2E-86E8-C011D6D4D29E}" type="datetimeFigureOut">
               <a:rPr kumimoji="1" lang="ja-JP" altLang="en-US" smtClean="0"/>
-              <a:t>2019/5/7</a:t>
+              <a:t>2019/5/10</a:t>
             </a:fld>
             <a:endParaRPr kumimoji="1" lang="ja-JP" altLang="en-US"/>
           </a:p>
@@ -10286,7 +10729,7 @@
           <a:p>
             <a:fld id="{EFCA2F27-532F-4E2E-86E8-C011D6D4D29E}" type="datetimeFigureOut">
               <a:rPr kumimoji="1" lang="ja-JP" altLang="en-US" smtClean="0"/>
-              <a:t>2019/5/7</a:t>
+              <a:t>2019/5/10</a:t>
             </a:fld>
             <a:endParaRPr kumimoji="1" lang="ja-JP" altLang="en-US"/>
           </a:p>
@@ -10629,7 +11072,7 @@
           <a:p>
             <a:fld id="{EFCA2F27-532F-4E2E-86E8-C011D6D4D29E}" type="datetimeFigureOut">
               <a:rPr kumimoji="1" lang="ja-JP" altLang="en-US" smtClean="0"/>
-              <a:t>2019/5/7</a:t>
+              <a:t>2019/5/10</a:t>
             </a:fld>
             <a:endParaRPr kumimoji="1" lang="ja-JP" altLang="en-US"/>
           </a:p>
@@ -10921,7 +11364,7 @@
           <a:p>
             <a:fld id="{EFCA2F27-532F-4E2E-86E8-C011D6D4D29E}" type="datetimeFigureOut">
               <a:rPr kumimoji="1" lang="ja-JP" altLang="en-US" smtClean="0"/>
-              <a:t>2019/5/7</a:t>
+              <a:t>2019/5/10</a:t>
             </a:fld>
             <a:endParaRPr kumimoji="1" lang="ja-JP" altLang="en-US"/>
           </a:p>
@@ -12900,7 +13343,7 @@
           <a:p>
             <a:fld id="{EFCA2F27-532F-4E2E-86E8-C011D6D4D29E}" type="datetimeFigureOut">
               <a:rPr kumimoji="1" lang="ja-JP" altLang="en-US" smtClean="0"/>
-              <a:t>2019/5/7</a:t>
+              <a:t>2019/5/10</a:t>
             </a:fld>
             <a:endParaRPr kumimoji="1" lang="ja-JP" altLang="en-US"/>
           </a:p>
@@ -13552,7 +13995,7 @@
           <a:p>
             <a:fld id="{43172269-E0BE-4177-A733-9CAC9D8021AA}" type="datetimeFigureOut">
               <a:rPr kumimoji="1" lang="ja-JP" altLang="en-US" smtClean="0"/>
-              <a:t>2019/5/7</a:t>
+              <a:t>2019/5/10</a:t>
             </a:fld>
             <a:endParaRPr kumimoji="1" lang="ja-JP" altLang="en-US"/>
           </a:p>
@@ -17835,46 +18278,53 @@
           </a:p>
           <a:p>
             <a:r>
+              <a:rPr lang="en-US" altLang="ja-JP" dirty="0" err="1"/>
+              <a:t>Mingw</a:t>
+            </a:r>
+            <a:r>
+              <a:rPr lang="ja-JP" altLang="en-US" dirty="0"/>
+              <a:t>の</a:t>
+            </a:r>
+            <a:r>
+              <a:rPr lang="en-US" altLang="ja-JP" dirty="0"/>
+              <a:t>include</a:t>
+            </a:r>
+            <a:r>
+              <a:rPr lang="ja-JP" altLang="en-US" dirty="0"/>
+              <a:t>フォルダへ</a:t>
+            </a:r>
+            <a:r>
+              <a:rPr lang="en-US" altLang="ja-JP" dirty="0" err="1"/>
+              <a:t>bzlib.h</a:t>
+            </a:r>
+            <a:r>
+              <a:rPr lang="ja-JP" altLang="en-US" dirty="0"/>
+              <a:t>ファイルを、</a:t>
+            </a:r>
+            <a:r>
+              <a:rPr lang="en-US" altLang="ja-JP" dirty="0"/>
+              <a:t>lib</a:t>
+            </a:r>
+            <a:r>
+              <a:rPr lang="ja-JP" altLang="en-US" dirty="0"/>
+              <a:t>フォルダに</a:t>
+            </a:r>
+            <a:r>
+              <a:rPr lang="en-US" altLang="ja-JP" dirty="0"/>
+              <a:t>make</a:t>
+            </a:r>
+            <a:r>
+              <a:rPr lang="ja-JP" altLang="en-US" dirty="0"/>
+              <a:t>で作成した</a:t>
+            </a:r>
+            <a:r>
               <a:rPr lang="en-US" altLang="ja-JP" dirty="0"/>
               <a:t>libbz2.a</a:t>
             </a:r>
             <a:r>
               <a:rPr lang="ja-JP" altLang="en-US" dirty="0"/>
-              <a:t>ファイルを</a:t>
-            </a:r>
-            <a:r>
-              <a:rPr lang="en-US" altLang="ja-JP" dirty="0"/>
-              <a:t>make</a:t>
-            </a:r>
-            <a:r>
-              <a:rPr lang="ja-JP" altLang="en-US" dirty="0"/>
-              <a:t>で作成し、</a:t>
-            </a:r>
-            <a:r>
-              <a:rPr lang="en-US" altLang="ja-JP" dirty="0" err="1"/>
-              <a:t>Mingw</a:t>
-            </a:r>
-            <a:r>
-              <a:rPr lang="ja-JP" altLang="en-US" dirty="0"/>
-              <a:t>の</a:t>
-            </a:r>
-            <a:r>
-              <a:rPr lang="en-US" altLang="ja-JP" dirty="0"/>
-              <a:t>include</a:t>
-            </a:r>
-            <a:r>
-              <a:rPr lang="ja-JP" altLang="en-US" dirty="0"/>
-              <a:t>フォルダ、</a:t>
-            </a:r>
-            <a:r>
-              <a:rPr lang="en-US" altLang="ja-JP" dirty="0"/>
-              <a:t>lib</a:t>
-            </a:r>
-            <a:r>
-              <a:rPr lang="ja-JP" altLang="en-US"/>
-              <a:t>フォルダにインストールする</a:t>
-            </a:r>
-            <a:endParaRPr lang="ja-JP" altLang="en-US" dirty="0"/>
+              <a:t>ファイルをコピー</a:t>
+            </a:r>
           </a:p>
         </p:txBody>
       </p:sp>
@@ -18721,52 +19171,6 @@
           <a:lstStyle/>
           <a:p>
             <a:r>
-              <a:rPr lang="ja-JP" altLang="en-US" dirty="0"/>
-              <a:t>本体弄って「</a:t>
-            </a:r>
-            <a:r>
-              <a:rPr lang="ja-JP" altLang="en-US" b="1" dirty="0">
-                <a:solidFill>
-                  <a:schemeClr val="accent5">
-                    <a:lumMod val="50000"/>
-                  </a:schemeClr>
-                </a:solidFill>
-                <a:effectLst>
-                  <a:outerShdw blurRad="38100" dist="38100" dir="2700000" algn="tl">
-                    <a:srgbClr val="000000">
-                      <a:alpha val="43137"/>
-                    </a:srgbClr>
-                  </a:outerShdw>
-                </a:effectLst>
-              </a:rPr>
-              <a:t>自分の考えた最強の</a:t>
-            </a:r>
-            <a:r>
-              <a:rPr lang="en-US" altLang="ja-JP" b="1" dirty="0">
-                <a:solidFill>
-                  <a:schemeClr val="accent5">
-                    <a:lumMod val="50000"/>
-                  </a:schemeClr>
-                </a:solidFill>
-                <a:effectLst>
-                  <a:outerShdw blurRad="38100" dist="38100" dir="2700000" algn="tl">
-                    <a:srgbClr val="000000">
-                      <a:alpha val="43137"/>
-                    </a:srgbClr>
-                  </a:outerShdw>
-                </a:effectLst>
-              </a:rPr>
-              <a:t>Simutrans</a:t>
-            </a:r>
-            <a:r>
-              <a:rPr lang="ja-JP" altLang="en-US" dirty="0"/>
-              <a:t>」も出来る</a:t>
-            </a:r>
-            <a:endParaRPr lang="en-US" altLang="ja-JP" dirty="0"/>
-          </a:p>
-          <a:p>
-            <a:pPr lvl="1"/>
-            <a:r>
               <a:rPr lang="en-US" altLang="ja-JP" dirty="0" err="1"/>
               <a:t>pak</a:t>
             </a:r>
@@ -18785,22 +19189,14 @@
             <a:endParaRPr lang="en-US" altLang="ja-JP" dirty="0"/>
           </a:p>
           <a:p>
-            <a:pPr lvl="2"/>
+            <a:pPr lvl="1"/>
             <a:r>
               <a:rPr lang="en-US" altLang="ja-JP" dirty="0"/>
               <a:t>Windows</a:t>
             </a:r>
             <a:r>
               <a:rPr lang="ja-JP" altLang="en-US" dirty="0"/>
-              <a:t>側ファイルを問題無く編集・作成できる（</a:t>
-            </a:r>
-            <a:r>
-              <a:rPr lang="en-US" altLang="ja-JP" dirty="0"/>
-              <a:t>NTFS</a:t>
-            </a:r>
-            <a:r>
-              <a:rPr lang="ja-JP" altLang="en-US" dirty="0"/>
-              <a:t>フォーマットでも）</a:t>
+              <a:t>側ファイルを問題無く編集・作成できる</a:t>
             </a:r>
             <a:endParaRPr lang="en-US" altLang="ja-JP" dirty="0"/>
           </a:p>
@@ -18856,10 +19252,9 @@
           </a:p>
           <a:p>
             <a:r>
-              <a:rPr lang="ja-JP" altLang="en-US"/>
+              <a:rPr lang="ja-JP" altLang="en-US" dirty="0"/>
               <a:t>お手元に開発環境用意してみませんか？</a:t>
             </a:r>
-            <a:endParaRPr lang="ja-JP" altLang="en-US" dirty="0"/>
           </a:p>
         </p:txBody>
       </p:sp>
@@ -19062,42 +19457,6 @@
           </a:p>
         </p:txBody>
       </p:sp>
-      <p:pic>
-        <p:nvPicPr>
-          <p:cNvPr id="5" name="図 4" descr="スクリーンショット, 電子機器, モニター, ディスプレイ が含まれている画像&#10;&#10;自動的に生成された説明">
-            <a:extLst>
-              <a:ext uri="{FF2B5EF4-FFF2-40B4-BE49-F238E27FC236}">
-                <a16:creationId xmlns:a16="http://schemas.microsoft.com/office/drawing/2014/main" id="{21098DEA-0A9C-4898-B21D-7B63BBB3FED1}"/>
-              </a:ext>
-            </a:extLst>
-          </p:cNvPr>
-          <p:cNvPicPr>
-            <a:picLocks noChangeAspect="1"/>
-          </p:cNvPicPr>
-          <p:nvPr/>
-        </p:nvPicPr>
-        <p:blipFill>
-          <a:blip r:embed="rId4">
-            <a:extLst>
-              <a:ext uri="{28A0092B-C50C-407E-A947-70E740481C1C}">
-                <a14:useLocalDpi xmlns:a14="http://schemas.microsoft.com/office/drawing/2010/main" val="0"/>
-              </a:ext>
-            </a:extLst>
-          </a:blip>
-          <a:stretch>
-            <a:fillRect/>
-          </a:stretch>
-        </p:blipFill>
-        <p:spPr>
-          <a:xfrm>
-            <a:off x="2091550" y="1745460"/>
-            <a:ext cx="9345329" cy="4925112"/>
-          </a:xfrm>
-          <a:prstGeom prst="rect">
-            <a:avLst/>
-          </a:prstGeom>
-        </p:spPr>
-      </p:pic>
     </p:spTree>
     <p:extLst>
       <p:ext uri="{BB962C8B-B14F-4D97-AF65-F5344CB8AC3E}">
@@ -19236,59 +19595,6 @@
                                         <p:strVal val="visible"/>
                                       </p:to>
                                     </p:set>
-                                  </p:childTnLst>
-                                </p:cTn>
-                              </p:par>
-                            </p:childTnLst>
-                          </p:cTn>
-                        </p:par>
-                      </p:childTnLst>
-                    </p:cTn>
-                  </p:par>
-                  <p:par>
-                    <p:cTn id="13" fill="hold">
-                      <p:stCondLst>
-                        <p:cond delay="indefinite"/>
-                      </p:stCondLst>
-                      <p:childTnLst>
-                        <p:par>
-                          <p:cTn id="14" fill="hold">
-                            <p:stCondLst>
-                              <p:cond delay="0"/>
-                            </p:stCondLst>
-                            <p:childTnLst>
-                              <p:par>
-                                <p:cTn id="15" presetID="10" presetClass="entr" presetSubtype="0" fill="hold" nodeType="clickEffect">
-                                  <p:stCondLst>
-                                    <p:cond delay="0"/>
-                                  </p:stCondLst>
-                                  <p:childTnLst>
-                                    <p:set>
-                                      <p:cBhvr>
-                                        <p:cTn id="16" dur="1" fill="hold">
-                                          <p:stCondLst>
-                                            <p:cond delay="0"/>
-                                          </p:stCondLst>
-                                        </p:cTn>
-                                        <p:tgtEl>
-                                          <p:spTgt spid="5"/>
-                                        </p:tgtEl>
-                                        <p:attrNameLst>
-                                          <p:attrName>style.visibility</p:attrName>
-                                        </p:attrNameLst>
-                                      </p:cBhvr>
-                                      <p:to>
-                                        <p:strVal val="visible"/>
-                                      </p:to>
-                                    </p:set>
-                                    <p:animEffect transition="in" filter="fade">
-                                      <p:cBhvr>
-                                        <p:cTn id="17" dur="500"/>
-                                        <p:tgtEl>
-                                          <p:spTgt spid="5"/>
-                                        </p:tgtEl>
-                                      </p:cBhvr>
-                                    </p:animEffect>
                                   </p:childTnLst>
                                 </p:cTn>
                               </p:par>
